--- a/documents/proposal_as_ppt.pptx
+++ b/documents/proposal_as_ppt.pptx
@@ -116,6 +116,11 @@
       </a:defRPr>
     </a:lvl9pPr>
   </p:defaultTextStyle>
+  <p:extLst>
+    <p:ext uri="{EFAFB233-063F-42B5-8137-9DF3F51BA10A}">
+      <p15:sldGuideLst xmlns:p15="http://schemas.microsoft.com/office/powerpoint/2012/main"/>
+    </p:ext>
+  </p:extLst>
 </p:presentation>
 </file>
 
@@ -201,7 +206,7 @@
           <a:p>
             <a:fld id="{D45F478C-19B8-4007-85C0-1B1FB6679583}" type="datetimeFigureOut">
               <a:rPr lang="en-GB" smtClean="0"/>
-              <a:t>04/03/2024</a:t>
+              <a:t>14/03/2024</a:t>
             </a:fld>
             <a:endParaRPr lang="en-GB"/>
           </a:p>
@@ -709,7 +714,7 @@
           <a:p>
             <a:fld id="{3C6FA151-EAC5-464A-86BA-1012663BC30E}" type="datetime1">
               <a:rPr lang="en-GB" smtClean="0"/>
-              <a:t>04/03/2024</a:t>
+              <a:t>14/03/2024</a:t>
             </a:fld>
             <a:endParaRPr lang="en-GB"/>
           </a:p>
@@ -912,7 +917,7 @@
           <a:p>
             <a:fld id="{5801DCF2-7C1D-4561-A029-2852EF5D2072}" type="datetime1">
               <a:rPr lang="en-GB" smtClean="0"/>
-              <a:t>04/03/2024</a:t>
+              <a:t>14/03/2024</a:t>
             </a:fld>
             <a:endParaRPr lang="en-GB"/>
           </a:p>
@@ -1125,7 +1130,7 @@
           <a:p>
             <a:fld id="{7619F4D1-41EA-4C45-AE34-CFD01CAAE541}" type="datetime1">
               <a:rPr lang="en-GB" smtClean="0"/>
-              <a:t>04/03/2024</a:t>
+              <a:t>14/03/2024</a:t>
             </a:fld>
             <a:endParaRPr lang="en-GB"/>
           </a:p>
@@ -1328,7 +1333,7 @@
           <a:p>
             <a:fld id="{676ADB0C-2706-41C4-9D6D-FDE2B8D9A78E}" type="datetime1">
               <a:rPr lang="en-GB" smtClean="0"/>
-              <a:t>04/03/2024</a:t>
+              <a:t>14/03/2024</a:t>
             </a:fld>
             <a:endParaRPr lang="en-GB"/>
           </a:p>
@@ -1607,7 +1612,7 @@
           <a:p>
             <a:fld id="{CA1DA76A-A919-473D-B354-18365EADF2F5}" type="datetime1">
               <a:rPr lang="en-GB" smtClean="0"/>
-              <a:t>04/03/2024</a:t>
+              <a:t>14/03/2024</a:t>
             </a:fld>
             <a:endParaRPr lang="en-GB"/>
           </a:p>
@@ -1878,7 +1883,7 @@
           <a:p>
             <a:fld id="{E51BBD68-46CA-4165-816E-CD8C056875FC}" type="datetime1">
               <a:rPr lang="en-GB" smtClean="0"/>
-              <a:t>04/03/2024</a:t>
+              <a:t>14/03/2024</a:t>
             </a:fld>
             <a:endParaRPr lang="en-GB"/>
           </a:p>
@@ -2296,7 +2301,7 @@
           <a:p>
             <a:fld id="{B2FAE00B-F786-4A05-8A94-4E14BC77E290}" type="datetime1">
               <a:rPr lang="en-GB" smtClean="0"/>
-              <a:t>04/03/2024</a:t>
+              <a:t>14/03/2024</a:t>
             </a:fld>
             <a:endParaRPr lang="en-GB"/>
           </a:p>
@@ -2441,7 +2446,7 @@
           <a:p>
             <a:fld id="{2017125D-372F-403A-BE3C-7D72C6C3FDF5}" type="datetime1">
               <a:rPr lang="en-GB" smtClean="0"/>
-              <a:t>04/03/2024</a:t>
+              <a:t>14/03/2024</a:t>
             </a:fld>
             <a:endParaRPr lang="en-GB"/>
           </a:p>
@@ -2557,7 +2562,7 @@
           <a:p>
             <a:fld id="{220398F7-D689-461D-B713-9ACC4E34E2F6}" type="datetime1">
               <a:rPr lang="en-GB" smtClean="0"/>
-              <a:t>04/03/2024</a:t>
+              <a:t>14/03/2024</a:t>
             </a:fld>
             <a:endParaRPr lang="en-GB"/>
           </a:p>
@@ -2873,7 +2878,7 @@
           <a:p>
             <a:fld id="{043CA75F-4FC6-4A09-B610-681E3F3B6E7D}" type="datetime1">
               <a:rPr lang="en-GB" smtClean="0"/>
-              <a:t>04/03/2024</a:t>
+              <a:t>14/03/2024</a:t>
             </a:fld>
             <a:endParaRPr lang="en-GB"/>
           </a:p>
@@ -3165,7 +3170,7 @@
           <a:p>
             <a:fld id="{4F9D3380-6300-4980-85F1-73CEABF7B00C}" type="datetime1">
               <a:rPr lang="en-GB" smtClean="0"/>
-              <a:t>04/03/2024</a:t>
+              <a:t>14/03/2024</a:t>
             </a:fld>
             <a:endParaRPr lang="en-GB"/>
           </a:p>
@@ -3411,7 +3416,7 @@
           <a:p>
             <a:fld id="{115F3E82-D6CD-4F98-8A25-92742025E9CB}" type="datetime1">
               <a:rPr lang="en-GB" smtClean="0"/>
-              <a:t>04/03/2024</a:t>
+              <a:t>14/03/2024</a:t>
             </a:fld>
             <a:endParaRPr lang="en-GB"/>
           </a:p>
@@ -6181,6 +6186,87 @@
           </a:extLst>
         </p:spPr>
       </p:pic>
+      <p:grpSp>
+        <p:nvGrpSpPr>
+          <p:cNvPr id="10" name="Group 9">
+            <a:extLst>
+              <a:ext uri="{FF2B5EF4-FFF2-40B4-BE49-F238E27FC236}">
+                <a16:creationId xmlns:a16="http://schemas.microsoft.com/office/drawing/2014/main" id="{D1586986-0D81-D4CC-75E7-8B1B45C0E99B}"/>
+              </a:ext>
+            </a:extLst>
+          </p:cNvPr>
+          <p:cNvGrpSpPr/>
+          <p:nvPr/>
+        </p:nvGrpSpPr>
+        <p:grpSpPr>
+          <a:xfrm>
+            <a:off x="3752729" y="136525"/>
+            <a:ext cx="4686541" cy="6928207"/>
+            <a:chOff x="3752729" y="136525"/>
+            <a:chExt cx="4686541" cy="6928207"/>
+          </a:xfrm>
+        </p:grpSpPr>
+        <p:pic>
+          <p:nvPicPr>
+            <p:cNvPr id="6" name="Picture 5">
+              <a:extLst>
+                <a:ext uri="{FF2B5EF4-FFF2-40B4-BE49-F238E27FC236}">
+                  <a16:creationId xmlns:a16="http://schemas.microsoft.com/office/drawing/2014/main" id="{22AC2898-02F7-9122-A6BE-9096975A3917}"/>
+                </a:ext>
+              </a:extLst>
+            </p:cNvPr>
+            <p:cNvPicPr>
+              <a:picLocks noChangeAspect="1"/>
+            </p:cNvPicPr>
+            <p:nvPr/>
+          </p:nvPicPr>
+          <p:blipFill>
+            <a:blip r:embed="rId4"/>
+            <a:stretch>
+              <a:fillRect/>
+            </a:stretch>
+          </p:blipFill>
+          <p:spPr>
+            <a:xfrm>
+              <a:off x="3752729" y="136525"/>
+              <a:ext cx="4686541" cy="4210266"/>
+            </a:xfrm>
+            <a:prstGeom prst="rect">
+              <a:avLst/>
+            </a:prstGeom>
+          </p:spPr>
+        </p:pic>
+        <p:pic>
+          <p:nvPicPr>
+            <p:cNvPr id="9" name="Picture 8">
+              <a:extLst>
+                <a:ext uri="{FF2B5EF4-FFF2-40B4-BE49-F238E27FC236}">
+                  <a16:creationId xmlns:a16="http://schemas.microsoft.com/office/drawing/2014/main" id="{28A507F9-5F72-0559-AE6B-D8F1E0DE3A65}"/>
+                </a:ext>
+              </a:extLst>
+            </p:cNvPr>
+            <p:cNvPicPr>
+              <a:picLocks noChangeAspect="1"/>
+            </p:cNvPicPr>
+            <p:nvPr/>
+          </p:nvPicPr>
+          <p:blipFill>
+            <a:blip r:embed="rId5"/>
+            <a:stretch>
+              <a:fillRect/>
+            </a:stretch>
+          </p:blipFill>
+          <p:spPr>
+            <a:xfrm>
+              <a:off x="3752729" y="4315041"/>
+              <a:ext cx="4673840" cy="2749691"/>
+            </a:xfrm>
+            <a:prstGeom prst="rect">
+              <a:avLst/>
+            </a:prstGeom>
+          </p:spPr>
+        </p:pic>
+      </p:grpSp>
     </p:spTree>
     <p:extLst>
       <p:ext uri="{BB962C8B-B14F-4D97-AF65-F5344CB8AC3E}">

--- a/documents/proposal_as_ppt.pptx
+++ b/documents/proposal_as_ppt.pptx
@@ -5,7 +5,7 @@
     <p:sldMasterId id="2147483648" r:id="rId1"/>
   </p:sldMasterIdLst>
   <p:notesMasterIdLst>
-    <p:notesMasterId r:id="rId12"/>
+    <p:notesMasterId r:id="rId14"/>
   </p:notesMasterIdLst>
   <p:sldIdLst>
     <p:sldId id="256" r:id="rId2"/>
@@ -13,11 +13,13 @@
     <p:sldId id="259" r:id="rId4"/>
     <p:sldId id="260" r:id="rId5"/>
     <p:sldId id="261" r:id="rId6"/>
-    <p:sldId id="257" r:id="rId7"/>
-    <p:sldId id="262" r:id="rId8"/>
-    <p:sldId id="263" r:id="rId9"/>
-    <p:sldId id="264" r:id="rId10"/>
-    <p:sldId id="265" r:id="rId11"/>
+    <p:sldId id="266" r:id="rId7"/>
+    <p:sldId id="267" r:id="rId8"/>
+    <p:sldId id="262" r:id="rId9"/>
+    <p:sldId id="263" r:id="rId10"/>
+    <p:sldId id="264" r:id="rId11"/>
+    <p:sldId id="265" r:id="rId12"/>
+    <p:sldId id="268" r:id="rId13"/>
   </p:sldIdLst>
   <p:sldSz cx="12192000" cy="6858000"/>
   <p:notesSz cx="6858000" cy="9144000"/>
@@ -206,7 +208,7 @@
           <a:p>
             <a:fld id="{D45F478C-19B8-4007-85C0-1B1FB6679583}" type="datetimeFigureOut">
               <a:rPr lang="en-GB" smtClean="0"/>
-              <a:t>14/03/2024</a:t>
+              <a:t>27/03/2024</a:t>
             </a:fld>
             <a:endParaRPr lang="en-GB"/>
           </a:p>
@@ -474,97 +476,6 @@
 </p:notesMaster>
 </file>
 
-<file path=ppt/notesSlides/notesSlide1.xml><?xml version="1.0" encoding="utf-8"?>
-<p:notes xmlns:a="http://schemas.openxmlformats.org/drawingml/2006/main" xmlns:r="http://schemas.openxmlformats.org/officeDocument/2006/relationships" xmlns:p="http://schemas.openxmlformats.org/presentationml/2006/main">
-  <p:cSld>
-    <p:spTree>
-      <p:nvGrpSpPr>
-        <p:cNvPr id="1" name=""/>
-        <p:cNvGrpSpPr/>
-        <p:nvPr/>
-      </p:nvGrpSpPr>
-      <p:grpSpPr>
-        <a:xfrm>
-          <a:off x="0" y="0"/>
-          <a:ext cx="0" cy="0"/>
-          <a:chOff x="0" y="0"/>
-          <a:chExt cx="0" cy="0"/>
-        </a:xfrm>
-      </p:grpSpPr>
-      <p:sp>
-        <p:nvSpPr>
-          <p:cNvPr id="2" name="Slide Image Placeholder 1"/>
-          <p:cNvSpPr>
-            <a:spLocks noGrp="1" noRot="1" noChangeAspect="1"/>
-          </p:cNvSpPr>
-          <p:nvPr>
-            <p:ph type="sldImg"/>
-          </p:nvPr>
-        </p:nvSpPr>
-        <p:spPr/>
-      </p:sp>
-      <p:sp>
-        <p:nvSpPr>
-          <p:cNvPr id="3" name="Notes Placeholder 2"/>
-          <p:cNvSpPr>
-            <a:spLocks noGrp="1"/>
-          </p:cNvSpPr>
-          <p:nvPr>
-            <p:ph type="body" idx="1"/>
-          </p:nvPr>
-        </p:nvSpPr>
-        <p:spPr/>
-        <p:txBody>
-          <a:bodyPr/>
-          <a:lstStyle/>
-          <a:p>
-            <a:r>
-              <a:rPr lang="en-GB" dirty="0"/>
-              <a:t>Psychological and </a:t>
-            </a:r>
-            <a:r>
-              <a:rPr lang="en-GB"/>
-              <a:t>structural factors?</a:t>
-            </a:r>
-          </a:p>
-        </p:txBody>
-      </p:sp>
-      <p:sp>
-        <p:nvSpPr>
-          <p:cNvPr id="4" name="Slide Number Placeholder 3"/>
-          <p:cNvSpPr>
-            <a:spLocks noGrp="1"/>
-          </p:cNvSpPr>
-          <p:nvPr>
-            <p:ph type="sldNum" sz="quarter" idx="5"/>
-          </p:nvPr>
-        </p:nvSpPr>
-        <p:spPr/>
-        <p:txBody>
-          <a:bodyPr/>
-          <a:lstStyle/>
-          <a:p>
-            <a:fld id="{C3707A93-D292-4EC6-B140-C4EA6EF63E44}" type="slidenum">
-              <a:rPr lang="en-GB" smtClean="0"/>
-              <a:t>6</a:t>
-            </a:fld>
-            <a:endParaRPr lang="en-GB"/>
-          </a:p>
-        </p:txBody>
-      </p:sp>
-    </p:spTree>
-    <p:extLst>
-      <p:ext uri="{BB962C8B-B14F-4D97-AF65-F5344CB8AC3E}">
-        <p14:creationId xmlns:p14="http://schemas.microsoft.com/office/powerpoint/2010/main" val="2104544795"/>
-      </p:ext>
-    </p:extLst>
-  </p:cSld>
-  <p:clrMapOvr>
-    <a:masterClrMapping/>
-  </p:clrMapOvr>
-</p:notes>
-</file>
-
 <file path=ppt/slideLayouts/slideLayout1.xml><?xml version="1.0" encoding="utf-8"?>
 <p:sldLayout xmlns:a="http://schemas.openxmlformats.org/drawingml/2006/main" xmlns:r="http://schemas.openxmlformats.org/officeDocument/2006/relationships" xmlns:p="http://schemas.openxmlformats.org/presentationml/2006/main" type="title" preserve="1">
   <p:cSld name="Title Slide">
@@ -714,7 +625,7 @@
           <a:p>
             <a:fld id="{3C6FA151-EAC5-464A-86BA-1012663BC30E}" type="datetime1">
               <a:rPr lang="en-GB" smtClean="0"/>
-              <a:t>14/03/2024</a:t>
+              <a:t>27/03/2024</a:t>
             </a:fld>
             <a:endParaRPr lang="en-GB"/>
           </a:p>
@@ -917,7 +828,7 @@
           <a:p>
             <a:fld id="{5801DCF2-7C1D-4561-A029-2852EF5D2072}" type="datetime1">
               <a:rPr lang="en-GB" smtClean="0"/>
-              <a:t>14/03/2024</a:t>
+              <a:t>27/03/2024</a:t>
             </a:fld>
             <a:endParaRPr lang="en-GB"/>
           </a:p>
@@ -1130,7 +1041,7 @@
           <a:p>
             <a:fld id="{7619F4D1-41EA-4C45-AE34-CFD01CAAE541}" type="datetime1">
               <a:rPr lang="en-GB" smtClean="0"/>
-              <a:t>14/03/2024</a:t>
+              <a:t>27/03/2024</a:t>
             </a:fld>
             <a:endParaRPr lang="en-GB"/>
           </a:p>
@@ -1333,7 +1244,7 @@
           <a:p>
             <a:fld id="{676ADB0C-2706-41C4-9D6D-FDE2B8D9A78E}" type="datetime1">
               <a:rPr lang="en-GB" smtClean="0"/>
-              <a:t>14/03/2024</a:t>
+              <a:t>27/03/2024</a:t>
             </a:fld>
             <a:endParaRPr lang="en-GB"/>
           </a:p>
@@ -1612,7 +1523,7 @@
           <a:p>
             <a:fld id="{CA1DA76A-A919-473D-B354-18365EADF2F5}" type="datetime1">
               <a:rPr lang="en-GB" smtClean="0"/>
-              <a:t>14/03/2024</a:t>
+              <a:t>27/03/2024</a:t>
             </a:fld>
             <a:endParaRPr lang="en-GB"/>
           </a:p>
@@ -1883,7 +1794,7 @@
           <a:p>
             <a:fld id="{E51BBD68-46CA-4165-816E-CD8C056875FC}" type="datetime1">
               <a:rPr lang="en-GB" smtClean="0"/>
-              <a:t>14/03/2024</a:t>
+              <a:t>27/03/2024</a:t>
             </a:fld>
             <a:endParaRPr lang="en-GB"/>
           </a:p>
@@ -2301,7 +2212,7 @@
           <a:p>
             <a:fld id="{B2FAE00B-F786-4A05-8A94-4E14BC77E290}" type="datetime1">
               <a:rPr lang="en-GB" smtClean="0"/>
-              <a:t>14/03/2024</a:t>
+              <a:t>27/03/2024</a:t>
             </a:fld>
             <a:endParaRPr lang="en-GB"/>
           </a:p>
@@ -2446,7 +2357,7 @@
           <a:p>
             <a:fld id="{2017125D-372F-403A-BE3C-7D72C6C3FDF5}" type="datetime1">
               <a:rPr lang="en-GB" smtClean="0"/>
-              <a:t>14/03/2024</a:t>
+              <a:t>27/03/2024</a:t>
             </a:fld>
             <a:endParaRPr lang="en-GB"/>
           </a:p>
@@ -2562,7 +2473,7 @@
           <a:p>
             <a:fld id="{220398F7-D689-461D-B713-9ACC4E34E2F6}" type="datetime1">
               <a:rPr lang="en-GB" smtClean="0"/>
-              <a:t>14/03/2024</a:t>
+              <a:t>27/03/2024</a:t>
             </a:fld>
             <a:endParaRPr lang="en-GB"/>
           </a:p>
@@ -2878,7 +2789,7 @@
           <a:p>
             <a:fld id="{043CA75F-4FC6-4A09-B610-681E3F3B6E7D}" type="datetime1">
               <a:rPr lang="en-GB" smtClean="0"/>
-              <a:t>14/03/2024</a:t>
+              <a:t>27/03/2024</a:t>
             </a:fld>
             <a:endParaRPr lang="en-GB"/>
           </a:p>
@@ -3170,7 +3081,7 @@
           <a:p>
             <a:fld id="{4F9D3380-6300-4980-85F1-73CEABF7B00C}" type="datetime1">
               <a:rPr lang="en-GB" smtClean="0"/>
-              <a:t>14/03/2024</a:t>
+              <a:t>27/03/2024</a:t>
             </a:fld>
             <a:endParaRPr lang="en-GB"/>
           </a:p>
@@ -3416,7 +3327,7 @@
           <a:p>
             <a:fld id="{115F3E82-D6CD-4F98-8A25-92742025E9CB}" type="datetime1">
               <a:rPr lang="en-GB" smtClean="0"/>
-              <a:t>14/03/2024</a:t>
+              <a:t>27/03/2024</a:t>
             </a:fld>
             <a:endParaRPr lang="en-GB"/>
           </a:p>
@@ -4080,7 +3991,7 @@
           <p:cNvPr id="2" name="Title 1">
             <a:extLst>
               <a:ext uri="{FF2B5EF4-FFF2-40B4-BE49-F238E27FC236}">
-                <a16:creationId xmlns:a16="http://schemas.microsoft.com/office/drawing/2014/main" id="{FA2F5305-6816-4A4E-FFD0-99F5ED9D4D43}"/>
+                <a16:creationId xmlns:a16="http://schemas.microsoft.com/office/drawing/2014/main" id="{E4E3FC2E-1A81-FA6E-A77E-023C8359152B}"/>
               </a:ext>
             </a:extLst>
           </p:cNvPr>
@@ -4098,17 +4009,17 @@
           <a:p>
             <a:r>
               <a:rPr lang="en-GB" dirty="0"/>
-              <a:t>Questions and feedback</a:t>
-            </a:r>
-          </a:p>
-        </p:txBody>
-      </p:sp>
-      <p:sp>
-        <p:nvSpPr>
-          <p:cNvPr id="4" name="Footer Placeholder 3">
-            <a:extLst>
-              <a:ext uri="{FF2B5EF4-FFF2-40B4-BE49-F238E27FC236}">
-                <a16:creationId xmlns:a16="http://schemas.microsoft.com/office/drawing/2014/main" id="{51C6716F-57DA-25EA-3F2C-C8F5E5F09756}"/>
+              <a:t>Methods – Data analysis</a:t>
+            </a:r>
+          </a:p>
+        </p:txBody>
+      </p:sp>
+      <p:sp>
+        <p:nvSpPr>
+          <p:cNvPr id="3" name="Content Placeholder 2">
+            <a:extLst>
+              <a:ext uri="{FF2B5EF4-FFF2-40B4-BE49-F238E27FC236}">
+                <a16:creationId xmlns:a16="http://schemas.microsoft.com/office/drawing/2014/main" id="{766A6974-1347-993F-A7F4-71482EAAD8E4}"/>
               </a:ext>
             </a:extLst>
           </p:cNvPr>
@@ -4116,7 +4027,7 @@
             <a:spLocks noGrp="1"/>
           </p:cNvSpPr>
           <p:nvPr>
-            <p:ph type="ftr" sz="quarter" idx="11"/>
+            <p:ph idx="1"/>
           </p:nvPr>
         </p:nvSpPr>
         <p:spPr/>
@@ -4124,99 +4035,16 @@
           <a:bodyPr/>
           <a:lstStyle/>
           <a:p>
-            <a:r>
-              <a:rPr lang="en-GB"/>
-              <a:t>Self-efficacy beliefs and participatory SDE || Dani Gargya || 06.03.24</a:t>
-            </a:r>
+            <a:endParaRPr lang="en-GB"/>
           </a:p>
         </p:txBody>
       </p:sp>
       <p:pic>
         <p:nvPicPr>
-          <p:cNvPr id="5" name="Content Placeholder 4" descr="Questions">
-            <a:extLst>
-              <a:ext uri="{FF2B5EF4-FFF2-40B4-BE49-F238E27FC236}">
-                <a16:creationId xmlns:a16="http://schemas.microsoft.com/office/drawing/2014/main" id="{6C22FE90-221C-866F-2C4A-E2D19BE009C4}"/>
-              </a:ext>
-            </a:extLst>
-          </p:cNvPr>
-          <p:cNvPicPr>
-            <a:picLocks noGrp="1" noChangeAspect="1"/>
-          </p:cNvPicPr>
-          <p:nvPr>
-            <p:ph idx="1"/>
-          </p:nvPr>
-        </p:nvPicPr>
-        <p:blipFill>
-          <a:blip r:embed="rId2">
-            <a:extLst>
-              <a:ext uri="{28A0092B-C50C-407E-A947-70E740481C1C}">
-                <a14:useLocalDpi xmlns:a14="http://schemas.microsoft.com/office/drawing/2010/main" val="0"/>
-              </a:ext>
-              <a:ext uri="{96DAC541-7B7A-43D3-8B79-37D633B846F1}">
-                <asvg:svgBlip xmlns:asvg="http://schemas.microsoft.com/office/drawing/2016/SVG/main" r:embed="rId3"/>
-              </a:ext>
-            </a:extLst>
-          </a:blip>
-          <a:stretch>
-            <a:fillRect/>
-          </a:stretch>
-        </p:blipFill>
-        <p:spPr>
-          <a:xfrm>
-            <a:off x="1981200" y="2971800"/>
-            <a:ext cx="2171700" cy="2171700"/>
-          </a:xfrm>
-          <a:prstGeom prst="rect">
-            <a:avLst/>
-          </a:prstGeom>
-        </p:spPr>
-      </p:pic>
-      <p:pic>
-        <p:nvPicPr>
-          <p:cNvPr id="6" name="Graphic 5" descr="Customer review">
-            <a:extLst>
-              <a:ext uri="{FF2B5EF4-FFF2-40B4-BE49-F238E27FC236}">
-                <a16:creationId xmlns:a16="http://schemas.microsoft.com/office/drawing/2014/main" id="{85AB3A92-6BFF-7370-4D86-D91C0734A4A5}"/>
-              </a:ext>
-            </a:extLst>
-          </p:cNvPr>
-          <p:cNvPicPr>
-            <a:picLocks noChangeAspect="1"/>
-          </p:cNvPicPr>
-          <p:nvPr/>
-        </p:nvPicPr>
-        <p:blipFill>
-          <a:blip r:embed="rId4">
-            <a:extLst>
-              <a:ext uri="{28A0092B-C50C-407E-A947-70E740481C1C}">
-                <a14:useLocalDpi xmlns:a14="http://schemas.microsoft.com/office/drawing/2010/main" val="0"/>
-              </a:ext>
-              <a:ext uri="{96DAC541-7B7A-43D3-8B79-37D633B846F1}">
-                <asvg:svgBlip xmlns:asvg="http://schemas.microsoft.com/office/drawing/2016/SVG/main" r:embed="rId5"/>
-              </a:ext>
-            </a:extLst>
-          </a:blip>
-          <a:stretch>
-            <a:fillRect/>
-          </a:stretch>
-        </p:blipFill>
-        <p:spPr>
-          <a:xfrm>
-            <a:off x="6875780" y="2903538"/>
-            <a:ext cx="2555240" cy="2555240"/>
-          </a:xfrm>
-          <a:prstGeom prst="rect">
-            <a:avLst/>
-          </a:prstGeom>
-        </p:spPr>
-      </p:pic>
-      <p:pic>
-        <p:nvPicPr>
-          <p:cNvPr id="7" name="Picture 2">
-            <a:extLst>
-              <a:ext uri="{FF2B5EF4-FFF2-40B4-BE49-F238E27FC236}">
-                <a16:creationId xmlns:a16="http://schemas.microsoft.com/office/drawing/2014/main" id="{CA526246-0242-DCBE-F16F-BEE45E58BFBC}"/>
+          <p:cNvPr id="5" name="Picture 2">
+            <a:extLst>
+              <a:ext uri="{FF2B5EF4-FFF2-40B4-BE49-F238E27FC236}">
+                <a16:creationId xmlns:a16="http://schemas.microsoft.com/office/drawing/2014/main" id="{92C5F10B-91EE-CEF0-ADAD-862ABAEC1089}"/>
               </a:ext>
             </a:extLst>
           </p:cNvPr>
@@ -4226,7 +4054,7 @@
           <p:nvPr/>
         </p:nvPicPr>
         <p:blipFill>
-          <a:blip r:embed="rId6">
+          <a:blip r:embed="rId2">
             <a:extLst>
               <a:ext uri="{28A0092B-C50C-407E-A947-70E740481C1C}">
                 <a14:useLocalDpi xmlns:a14="http://schemas.microsoft.com/office/drawing/2010/main" val="0"/>
@@ -4240,7 +4068,7 @@
         </p:blipFill>
         <p:spPr bwMode="auto">
           <a:xfrm>
-            <a:off x="10185401" y="0"/>
+            <a:off x="10185401" y="25400"/>
             <a:ext cx="1853434" cy="2166938"/>
           </a:xfrm>
           <a:prstGeom prst="rect">
@@ -4258,10 +4086,431 @@
           </a:extLst>
         </p:spPr>
       </p:pic>
+      <p:sp>
+        <p:nvSpPr>
+          <p:cNvPr id="6" name="Footer Placeholder 3">
+            <a:extLst>
+              <a:ext uri="{FF2B5EF4-FFF2-40B4-BE49-F238E27FC236}">
+                <a16:creationId xmlns:a16="http://schemas.microsoft.com/office/drawing/2014/main" id="{B8A353CE-8E76-83AA-DA09-FEAD9F196D18}"/>
+              </a:ext>
+            </a:extLst>
+          </p:cNvPr>
+          <p:cNvSpPr>
+            <a:spLocks noGrp="1"/>
+          </p:cNvSpPr>
+          <p:nvPr>
+            <p:ph type="ftr" sz="quarter" idx="11"/>
+          </p:nvPr>
+        </p:nvSpPr>
+        <p:spPr>
+          <a:xfrm>
+            <a:off x="4038600" y="6356351"/>
+            <a:ext cx="4876800" cy="260350"/>
+          </a:xfrm>
+        </p:spPr>
+        <p:txBody>
+          <a:bodyPr/>
+          <a:lstStyle/>
+          <a:p>
+            <a:r>
+              <a:rPr lang="en-GB" dirty="0"/>
+              <a:t>Sustainability competences and participatory ESD || Dani Gargya || 03.04.24</a:t>
+            </a:r>
+          </a:p>
+        </p:txBody>
+      </p:sp>
+    </p:spTree>
+    <p:extLst>
+      <p:ext uri="{BB962C8B-B14F-4D97-AF65-F5344CB8AC3E}">
+        <p14:creationId xmlns:p14="http://schemas.microsoft.com/office/powerpoint/2010/main" val="1832674324"/>
+      </p:ext>
+    </p:extLst>
+  </p:cSld>
+  <p:clrMapOvr>
+    <a:masterClrMapping/>
+  </p:clrMapOvr>
+</p:sld>
+</file>
+
+<file path=ppt/slides/slide11.xml><?xml version="1.0" encoding="utf-8"?>
+<p:sld xmlns:a="http://schemas.openxmlformats.org/drawingml/2006/main" xmlns:r="http://schemas.openxmlformats.org/officeDocument/2006/relationships" xmlns:p="http://schemas.openxmlformats.org/presentationml/2006/main">
+  <p:cSld>
+    <p:spTree>
+      <p:nvGrpSpPr>
+        <p:cNvPr id="1" name=""/>
+        <p:cNvGrpSpPr/>
+        <p:nvPr/>
+      </p:nvGrpSpPr>
+      <p:grpSpPr>
+        <a:xfrm>
+          <a:off x="0" y="0"/>
+          <a:ext cx="0" cy="0"/>
+          <a:chOff x="0" y="0"/>
+          <a:chExt cx="0" cy="0"/>
+        </a:xfrm>
+      </p:grpSpPr>
+      <p:sp>
+        <p:nvSpPr>
+          <p:cNvPr id="2" name="Title 1">
+            <a:extLst>
+              <a:ext uri="{FF2B5EF4-FFF2-40B4-BE49-F238E27FC236}">
+                <a16:creationId xmlns:a16="http://schemas.microsoft.com/office/drawing/2014/main" id="{FA2F5305-6816-4A4E-FFD0-99F5ED9D4D43}"/>
+              </a:ext>
+            </a:extLst>
+          </p:cNvPr>
+          <p:cNvSpPr>
+            <a:spLocks noGrp="1"/>
+          </p:cNvSpPr>
+          <p:nvPr>
+            <p:ph type="title"/>
+          </p:nvPr>
+        </p:nvSpPr>
+        <p:spPr/>
+        <p:txBody>
+          <a:bodyPr/>
+          <a:lstStyle/>
+          <a:p>
+            <a:r>
+              <a:rPr lang="en-GB" dirty="0"/>
+              <a:t>Questions and feedback</a:t>
+            </a:r>
+          </a:p>
+        </p:txBody>
+      </p:sp>
+      <p:pic>
+        <p:nvPicPr>
+          <p:cNvPr id="5" name="Content Placeholder 4" descr="Questions">
+            <a:extLst>
+              <a:ext uri="{FF2B5EF4-FFF2-40B4-BE49-F238E27FC236}">
+                <a16:creationId xmlns:a16="http://schemas.microsoft.com/office/drawing/2014/main" id="{6C22FE90-221C-866F-2C4A-E2D19BE009C4}"/>
+              </a:ext>
+            </a:extLst>
+          </p:cNvPr>
+          <p:cNvPicPr>
+            <a:picLocks noGrp="1" noChangeAspect="1"/>
+          </p:cNvPicPr>
+          <p:nvPr>
+            <p:ph idx="1"/>
+          </p:nvPr>
+        </p:nvPicPr>
+        <p:blipFill>
+          <a:blip r:embed="rId2">
+            <a:extLst>
+              <a:ext uri="{28A0092B-C50C-407E-A947-70E740481C1C}">
+                <a14:useLocalDpi xmlns:a14="http://schemas.microsoft.com/office/drawing/2010/main" val="0"/>
+              </a:ext>
+              <a:ext uri="{96DAC541-7B7A-43D3-8B79-37D633B846F1}">
+                <asvg:svgBlip xmlns:asvg="http://schemas.microsoft.com/office/drawing/2016/SVG/main" r:embed="rId3"/>
+              </a:ext>
+            </a:extLst>
+          </a:blip>
+          <a:stretch>
+            <a:fillRect/>
+          </a:stretch>
+        </p:blipFill>
+        <p:spPr>
+          <a:xfrm>
+            <a:off x="1981200" y="2971800"/>
+            <a:ext cx="2171700" cy="2171700"/>
+          </a:xfrm>
+          <a:prstGeom prst="rect">
+            <a:avLst/>
+          </a:prstGeom>
+        </p:spPr>
+      </p:pic>
+      <p:pic>
+        <p:nvPicPr>
+          <p:cNvPr id="6" name="Graphic 5" descr="Customer review">
+            <a:extLst>
+              <a:ext uri="{FF2B5EF4-FFF2-40B4-BE49-F238E27FC236}">
+                <a16:creationId xmlns:a16="http://schemas.microsoft.com/office/drawing/2014/main" id="{85AB3A92-6BFF-7370-4D86-D91C0734A4A5}"/>
+              </a:ext>
+            </a:extLst>
+          </p:cNvPr>
+          <p:cNvPicPr>
+            <a:picLocks noChangeAspect="1"/>
+          </p:cNvPicPr>
+          <p:nvPr/>
+        </p:nvPicPr>
+        <p:blipFill>
+          <a:blip r:embed="rId4">
+            <a:extLst>
+              <a:ext uri="{28A0092B-C50C-407E-A947-70E740481C1C}">
+                <a14:useLocalDpi xmlns:a14="http://schemas.microsoft.com/office/drawing/2010/main" val="0"/>
+              </a:ext>
+              <a:ext uri="{96DAC541-7B7A-43D3-8B79-37D633B846F1}">
+                <asvg:svgBlip xmlns:asvg="http://schemas.microsoft.com/office/drawing/2016/SVG/main" r:embed="rId5"/>
+              </a:ext>
+            </a:extLst>
+          </a:blip>
+          <a:stretch>
+            <a:fillRect/>
+          </a:stretch>
+        </p:blipFill>
+        <p:spPr>
+          <a:xfrm>
+            <a:off x="6875780" y="2903538"/>
+            <a:ext cx="2555240" cy="2555240"/>
+          </a:xfrm>
+          <a:prstGeom prst="rect">
+            <a:avLst/>
+          </a:prstGeom>
+        </p:spPr>
+      </p:pic>
+      <p:pic>
+        <p:nvPicPr>
+          <p:cNvPr id="7" name="Picture 2">
+            <a:extLst>
+              <a:ext uri="{FF2B5EF4-FFF2-40B4-BE49-F238E27FC236}">
+                <a16:creationId xmlns:a16="http://schemas.microsoft.com/office/drawing/2014/main" id="{CA526246-0242-DCBE-F16F-BEE45E58BFBC}"/>
+              </a:ext>
+            </a:extLst>
+          </p:cNvPr>
+          <p:cNvPicPr>
+            <a:picLocks noChangeAspect="1" noChangeArrowheads="1"/>
+          </p:cNvPicPr>
+          <p:nvPr/>
+        </p:nvPicPr>
+        <p:blipFill>
+          <a:blip r:embed="rId6">
+            <a:extLst>
+              <a:ext uri="{28A0092B-C50C-407E-A947-70E740481C1C}">
+                <a14:useLocalDpi xmlns:a14="http://schemas.microsoft.com/office/drawing/2010/main" val="0"/>
+              </a:ext>
+            </a:extLst>
+          </a:blip>
+          <a:srcRect/>
+          <a:stretch>
+            <a:fillRect/>
+          </a:stretch>
+        </p:blipFill>
+        <p:spPr bwMode="auto">
+          <a:xfrm>
+            <a:off x="10185401" y="0"/>
+            <a:ext cx="1853434" cy="2166938"/>
+          </a:xfrm>
+          <a:prstGeom prst="rect">
+            <a:avLst/>
+          </a:prstGeom>
+          <a:noFill/>
+          <a:extLst>
+            <a:ext uri="{909E8E84-426E-40DD-AFC4-6F175D3DCCD1}">
+              <a14:hiddenFill xmlns:a14="http://schemas.microsoft.com/office/drawing/2010/main">
+                <a:solidFill>
+                  <a:srgbClr val="FFFFFF"/>
+                </a:solidFill>
+              </a14:hiddenFill>
+            </a:ext>
+          </a:extLst>
+        </p:spPr>
+      </p:pic>
+      <p:sp>
+        <p:nvSpPr>
+          <p:cNvPr id="3" name="Footer Placeholder 3">
+            <a:extLst>
+              <a:ext uri="{FF2B5EF4-FFF2-40B4-BE49-F238E27FC236}">
+                <a16:creationId xmlns:a16="http://schemas.microsoft.com/office/drawing/2014/main" id="{31A340E4-28ED-430A-2A8D-50F220858F03}"/>
+              </a:ext>
+            </a:extLst>
+          </p:cNvPr>
+          <p:cNvSpPr>
+            <a:spLocks noGrp="1"/>
+          </p:cNvSpPr>
+          <p:nvPr>
+            <p:ph type="ftr" sz="quarter" idx="11"/>
+          </p:nvPr>
+        </p:nvSpPr>
+        <p:spPr>
+          <a:xfrm>
+            <a:off x="4038600" y="6356351"/>
+            <a:ext cx="4876800" cy="260350"/>
+          </a:xfrm>
+        </p:spPr>
+        <p:txBody>
+          <a:bodyPr/>
+          <a:lstStyle/>
+          <a:p>
+            <a:r>
+              <a:rPr lang="en-GB" dirty="0"/>
+              <a:t>Sustainability competences and participatory ESD || Dani Gargya || 03.04.24</a:t>
+            </a:r>
+          </a:p>
+        </p:txBody>
+      </p:sp>
     </p:spTree>
     <p:extLst>
       <p:ext uri="{BB962C8B-B14F-4D97-AF65-F5344CB8AC3E}">
         <p14:creationId xmlns:p14="http://schemas.microsoft.com/office/powerpoint/2010/main" val="231855734"/>
+      </p:ext>
+    </p:extLst>
+  </p:cSld>
+  <p:clrMapOvr>
+    <a:masterClrMapping/>
+  </p:clrMapOvr>
+</p:sld>
+</file>
+
+<file path=ppt/slides/slide12.xml><?xml version="1.0" encoding="utf-8"?>
+<p:sld xmlns:a="http://schemas.openxmlformats.org/drawingml/2006/main" xmlns:r="http://schemas.openxmlformats.org/officeDocument/2006/relationships" xmlns:p="http://schemas.openxmlformats.org/presentationml/2006/main">
+  <p:cSld>
+    <p:spTree>
+      <p:nvGrpSpPr>
+        <p:cNvPr id="1" name=""/>
+        <p:cNvGrpSpPr/>
+        <p:nvPr/>
+      </p:nvGrpSpPr>
+      <p:grpSpPr>
+        <a:xfrm>
+          <a:off x="0" y="0"/>
+          <a:ext cx="0" cy="0"/>
+          <a:chOff x="0" y="0"/>
+          <a:chExt cx="0" cy="0"/>
+        </a:xfrm>
+      </p:grpSpPr>
+      <p:pic>
+        <p:nvPicPr>
+          <p:cNvPr id="5" name="Picture 4" descr="A graph with arrows pointing to a group&#10;&#10;Description automatically generated">
+            <a:extLst>
+              <a:ext uri="{FF2B5EF4-FFF2-40B4-BE49-F238E27FC236}">
+                <a16:creationId xmlns:a16="http://schemas.microsoft.com/office/drawing/2014/main" id="{40D7D5C2-D1CB-4E90-513D-6B84D722FF37}"/>
+              </a:ext>
+            </a:extLst>
+          </p:cNvPr>
+          <p:cNvPicPr>
+            <a:picLocks noChangeAspect="1"/>
+          </p:cNvPicPr>
+          <p:nvPr/>
+        </p:nvPicPr>
+        <p:blipFill>
+          <a:blip r:embed="rId2"/>
+          <a:stretch>
+            <a:fillRect/>
+          </a:stretch>
+        </p:blipFill>
+        <p:spPr>
+          <a:xfrm>
+            <a:off x="3256004" y="1295718"/>
+            <a:ext cx="7297043" cy="1752282"/>
+          </a:xfrm>
+          <a:prstGeom prst="rect">
+            <a:avLst/>
+          </a:prstGeom>
+        </p:spPr>
+      </p:pic>
+      <p:pic>
+        <p:nvPicPr>
+          <p:cNvPr id="6" name="Picture 5" descr="A diagram of a diagram&#10;&#10;Description automatically generated">
+            <a:extLst>
+              <a:ext uri="{FF2B5EF4-FFF2-40B4-BE49-F238E27FC236}">
+                <a16:creationId xmlns:a16="http://schemas.microsoft.com/office/drawing/2014/main" id="{77994B33-AA5F-2D2A-2DCD-F1901A004D61}"/>
+              </a:ext>
+            </a:extLst>
+          </p:cNvPr>
+          <p:cNvPicPr>
+            <a:picLocks noChangeAspect="1"/>
+          </p:cNvPicPr>
+          <p:nvPr/>
+        </p:nvPicPr>
+        <p:blipFill>
+          <a:blip r:embed="rId3"/>
+          <a:stretch>
+            <a:fillRect/>
+          </a:stretch>
+        </p:blipFill>
+        <p:spPr>
+          <a:xfrm>
+            <a:off x="3433445" y="3633946"/>
+            <a:ext cx="5731510" cy="2943860"/>
+          </a:xfrm>
+          <a:prstGeom prst="rect">
+            <a:avLst/>
+          </a:prstGeom>
+        </p:spPr>
+      </p:pic>
+      <p:sp>
+        <p:nvSpPr>
+          <p:cNvPr id="7" name="TextBox 6">
+            <a:extLst>
+              <a:ext uri="{FF2B5EF4-FFF2-40B4-BE49-F238E27FC236}">
+                <a16:creationId xmlns:a16="http://schemas.microsoft.com/office/drawing/2014/main" id="{4B069401-3523-2655-5817-F979DA176454}"/>
+              </a:ext>
+            </a:extLst>
+          </p:cNvPr>
+          <p:cNvSpPr txBox="1"/>
+          <p:nvPr/>
+        </p:nvSpPr>
+        <p:spPr>
+          <a:xfrm>
+            <a:off x="2895600" y="762000"/>
+            <a:ext cx="1651000" cy="338554"/>
+          </a:xfrm>
+          <a:prstGeom prst="rect">
+            <a:avLst/>
+          </a:prstGeom>
+          <a:noFill/>
+        </p:spPr>
+        <p:txBody>
+          <a:bodyPr wrap="square" rtlCol="0">
+            <a:spAutoFit/>
+          </a:bodyPr>
+          <a:lstStyle/>
+          <a:p>
+            <a:r>
+              <a:rPr lang="en-GB" sz="1600" b="1" dirty="0"/>
+              <a:t>A) </a:t>
+            </a:r>
+            <a:r>
+              <a:rPr lang="en-GB" sz="1400" dirty="0"/>
+              <a:t>Predictions</a:t>
+            </a:r>
+            <a:endParaRPr lang="en-GB" dirty="0"/>
+          </a:p>
+        </p:txBody>
+      </p:sp>
+      <p:sp>
+        <p:nvSpPr>
+          <p:cNvPr id="8" name="TextBox 7">
+            <a:extLst>
+              <a:ext uri="{FF2B5EF4-FFF2-40B4-BE49-F238E27FC236}">
+                <a16:creationId xmlns:a16="http://schemas.microsoft.com/office/drawing/2014/main" id="{CDFB1A92-E48C-DA5C-8383-E0C9C10EA0ED}"/>
+              </a:ext>
+            </a:extLst>
+          </p:cNvPr>
+          <p:cNvSpPr txBox="1"/>
+          <p:nvPr/>
+        </p:nvSpPr>
+        <p:spPr>
+          <a:xfrm>
+            <a:off x="3009900" y="3259723"/>
+            <a:ext cx="1651000" cy="338554"/>
+          </a:xfrm>
+          <a:prstGeom prst="rect">
+            <a:avLst/>
+          </a:prstGeom>
+          <a:noFill/>
+        </p:spPr>
+        <p:txBody>
+          <a:bodyPr wrap="square" rtlCol="0">
+            <a:spAutoFit/>
+          </a:bodyPr>
+          <a:lstStyle/>
+          <a:p>
+            <a:r>
+              <a:rPr lang="en-GB" sz="1600" b="1" dirty="0"/>
+              <a:t>B) </a:t>
+            </a:r>
+            <a:r>
+              <a:rPr lang="en-GB" sz="1400" dirty="0"/>
+              <a:t>Workflow</a:t>
+            </a:r>
+            <a:endParaRPr lang="en-GB" dirty="0"/>
+          </a:p>
+        </p:txBody>
+      </p:sp>
+    </p:spTree>
+    <p:extLst>
+      <p:ext uri="{BB962C8B-B14F-4D97-AF65-F5344CB8AC3E}">
+        <p14:creationId xmlns:p14="http://schemas.microsoft.com/office/powerpoint/2010/main" val="2389474376"/>
       </p:ext>
     </p:extLst>
   </p:cSld>
@@ -4396,7 +4645,7 @@
           <a:p>
             <a:r>
               <a:rPr lang="en-GB" dirty="0"/>
-              <a:t>Self-efficacy beliefs and participatory SDE || Dani Gargya || 06.03.24</a:t>
+              <a:t>Sustainability competences and participatory ESD || Dani Gargya || 03.04.24</a:t>
             </a:r>
           </a:p>
         </p:txBody>
@@ -4531,34 +4780,6 @@
           </a:p>
         </p:txBody>
       </p:sp>
-      <p:sp>
-        <p:nvSpPr>
-          <p:cNvPr id="4" name="Footer Placeholder 3">
-            <a:extLst>
-              <a:ext uri="{FF2B5EF4-FFF2-40B4-BE49-F238E27FC236}">
-                <a16:creationId xmlns:a16="http://schemas.microsoft.com/office/drawing/2014/main" id="{E924B3E9-D41A-2FF8-B642-842F39DA9639}"/>
-              </a:ext>
-            </a:extLst>
-          </p:cNvPr>
-          <p:cNvSpPr>
-            <a:spLocks noGrp="1"/>
-          </p:cNvSpPr>
-          <p:nvPr>
-            <p:ph type="ftr" sz="quarter" idx="11"/>
-          </p:nvPr>
-        </p:nvSpPr>
-        <p:spPr/>
-        <p:txBody>
-          <a:bodyPr/>
-          <a:lstStyle/>
-          <a:p>
-            <a:r>
-              <a:rPr lang="en-GB"/>
-              <a:t>Self-efficacy beliefs and participatory SDE || Dani Gargya || 06.03.24</a:t>
-            </a:r>
-          </a:p>
-        </p:txBody>
-      </p:sp>
       <p:pic>
         <p:nvPicPr>
           <p:cNvPr id="5" name="Picture 2">
@@ -4606,6 +4827,39 @@
           </a:extLst>
         </p:spPr>
       </p:pic>
+      <p:sp>
+        <p:nvSpPr>
+          <p:cNvPr id="8" name="Footer Placeholder 3">
+            <a:extLst>
+              <a:ext uri="{FF2B5EF4-FFF2-40B4-BE49-F238E27FC236}">
+                <a16:creationId xmlns:a16="http://schemas.microsoft.com/office/drawing/2014/main" id="{91795797-1015-D3BB-C59C-61E60739BDB2}"/>
+              </a:ext>
+            </a:extLst>
+          </p:cNvPr>
+          <p:cNvSpPr>
+            <a:spLocks noGrp="1"/>
+          </p:cNvSpPr>
+          <p:nvPr>
+            <p:ph type="ftr" sz="quarter" idx="11"/>
+          </p:nvPr>
+        </p:nvSpPr>
+        <p:spPr>
+          <a:xfrm>
+            <a:off x="4038600" y="6356351"/>
+            <a:ext cx="4876800" cy="260350"/>
+          </a:xfrm>
+        </p:spPr>
+        <p:txBody>
+          <a:bodyPr/>
+          <a:lstStyle/>
+          <a:p>
+            <a:r>
+              <a:rPr lang="en-GB" dirty="0"/>
+              <a:t>Sustainability competences and participatory ESD || Dani Gargya || 03.04.24</a:t>
+            </a:r>
+          </a:p>
+        </p:txBody>
+      </p:sp>
     </p:spTree>
     <p:extLst>
       <p:ext uri="{BB962C8B-B14F-4D97-AF65-F5344CB8AC3E}">
@@ -4689,34 +4943,6 @@
           </a:p>
         </p:txBody>
       </p:sp>
-      <p:sp>
-        <p:nvSpPr>
-          <p:cNvPr id="4" name="Footer Placeholder 3">
-            <a:extLst>
-              <a:ext uri="{FF2B5EF4-FFF2-40B4-BE49-F238E27FC236}">
-                <a16:creationId xmlns:a16="http://schemas.microsoft.com/office/drawing/2014/main" id="{CA556B5C-2915-65F8-E142-F8F6DB73C0D3}"/>
-              </a:ext>
-            </a:extLst>
-          </p:cNvPr>
-          <p:cNvSpPr>
-            <a:spLocks noGrp="1"/>
-          </p:cNvSpPr>
-          <p:nvPr>
-            <p:ph type="ftr" sz="quarter" idx="11"/>
-          </p:nvPr>
-        </p:nvSpPr>
-        <p:spPr/>
-        <p:txBody>
-          <a:bodyPr/>
-          <a:lstStyle/>
-          <a:p>
-            <a:r>
-              <a:rPr lang="en-GB"/>
-              <a:t>Self-efficacy beliefs and participatory SDE || Dani Gargya || 06.03.24</a:t>
-            </a:r>
-          </a:p>
-        </p:txBody>
-      </p:sp>
       <p:pic>
         <p:nvPicPr>
           <p:cNvPr id="5" name="Picture 2">
@@ -4764,6 +4990,39 @@
           </a:extLst>
         </p:spPr>
       </p:pic>
+      <p:sp>
+        <p:nvSpPr>
+          <p:cNvPr id="7" name="Footer Placeholder 3">
+            <a:extLst>
+              <a:ext uri="{FF2B5EF4-FFF2-40B4-BE49-F238E27FC236}">
+                <a16:creationId xmlns:a16="http://schemas.microsoft.com/office/drawing/2014/main" id="{7EF97012-85CF-1C7A-527C-05EED1B7CCD9}"/>
+              </a:ext>
+            </a:extLst>
+          </p:cNvPr>
+          <p:cNvSpPr>
+            <a:spLocks noGrp="1"/>
+          </p:cNvSpPr>
+          <p:nvPr>
+            <p:ph type="ftr" sz="quarter" idx="11"/>
+          </p:nvPr>
+        </p:nvSpPr>
+        <p:spPr>
+          <a:xfrm>
+            <a:off x="4038600" y="6356351"/>
+            <a:ext cx="4876800" cy="260350"/>
+          </a:xfrm>
+        </p:spPr>
+        <p:txBody>
+          <a:bodyPr/>
+          <a:lstStyle/>
+          <a:p>
+            <a:r>
+              <a:rPr lang="en-GB" dirty="0"/>
+              <a:t>Sustainability competences and participatory ESD || Dani Gargya || 03.04.24</a:t>
+            </a:r>
+          </a:p>
+        </p:txBody>
+      </p:sp>
     </p:spTree>
     <p:extLst>
       <p:ext uri="{BB962C8B-B14F-4D97-AF65-F5344CB8AC3E}">
@@ -4847,34 +5106,6 @@
           </a:p>
         </p:txBody>
       </p:sp>
-      <p:sp>
-        <p:nvSpPr>
-          <p:cNvPr id="4" name="Footer Placeholder 3">
-            <a:extLst>
-              <a:ext uri="{FF2B5EF4-FFF2-40B4-BE49-F238E27FC236}">
-                <a16:creationId xmlns:a16="http://schemas.microsoft.com/office/drawing/2014/main" id="{9214E843-607D-08CC-4FE5-33AC47FDC1CE}"/>
-              </a:ext>
-            </a:extLst>
-          </p:cNvPr>
-          <p:cNvSpPr>
-            <a:spLocks noGrp="1"/>
-          </p:cNvSpPr>
-          <p:nvPr>
-            <p:ph type="ftr" sz="quarter" idx="11"/>
-          </p:nvPr>
-        </p:nvSpPr>
-        <p:spPr/>
-        <p:txBody>
-          <a:bodyPr/>
-          <a:lstStyle/>
-          <a:p>
-            <a:r>
-              <a:rPr lang="en-GB"/>
-              <a:t>Self-efficacy beliefs and participatory SDE || Dani Gargya || 06.03.24</a:t>
-            </a:r>
-          </a:p>
-        </p:txBody>
-      </p:sp>
       <p:pic>
         <p:nvPicPr>
           <p:cNvPr id="5" name="Picture 2">
@@ -4922,6 +5153,39 @@
           </a:extLst>
         </p:spPr>
       </p:pic>
+      <p:sp>
+        <p:nvSpPr>
+          <p:cNvPr id="6" name="Footer Placeholder 3">
+            <a:extLst>
+              <a:ext uri="{FF2B5EF4-FFF2-40B4-BE49-F238E27FC236}">
+                <a16:creationId xmlns:a16="http://schemas.microsoft.com/office/drawing/2014/main" id="{362384FC-E469-7A0F-251F-659E6B45DB48}"/>
+              </a:ext>
+            </a:extLst>
+          </p:cNvPr>
+          <p:cNvSpPr>
+            <a:spLocks noGrp="1"/>
+          </p:cNvSpPr>
+          <p:nvPr>
+            <p:ph type="ftr" sz="quarter" idx="11"/>
+          </p:nvPr>
+        </p:nvSpPr>
+        <p:spPr>
+          <a:xfrm>
+            <a:off x="4038600" y="6356351"/>
+            <a:ext cx="4876800" cy="260350"/>
+          </a:xfrm>
+        </p:spPr>
+        <p:txBody>
+          <a:bodyPr/>
+          <a:lstStyle/>
+          <a:p>
+            <a:r>
+              <a:rPr lang="en-GB" dirty="0"/>
+              <a:t>Sustainability competences and participatory ESD || Dani Gargya || 03.04.24</a:t>
+            </a:r>
+          </a:p>
+        </p:txBody>
+      </p:sp>
     </p:spTree>
     <p:extLst>
       <p:ext uri="{BB962C8B-B14F-4D97-AF65-F5344CB8AC3E}">
@@ -4957,7 +5221,7 @@
           <p:cNvPr id="2" name="Title 1">
             <a:extLst>
               <a:ext uri="{FF2B5EF4-FFF2-40B4-BE49-F238E27FC236}">
-                <a16:creationId xmlns:a16="http://schemas.microsoft.com/office/drawing/2014/main" id="{56F6544D-6CF7-716B-72EC-202E6535A4BA}"/>
+                <a16:creationId xmlns:a16="http://schemas.microsoft.com/office/drawing/2014/main" id="{B35066E2-AE52-8165-C3A5-7CC6653AAE06}"/>
               </a:ext>
             </a:extLst>
           </p:cNvPr>
@@ -4970,7 +5234,7 @@
         </p:nvSpPr>
         <p:spPr>
           <a:xfrm>
-            <a:off x="3961214" y="-81703"/>
+            <a:off x="8736930" y="-222594"/>
             <a:ext cx="10515600" cy="1325563"/>
           </a:xfrm>
         </p:spPr>
@@ -4980,17 +5244,228 @@
           <a:p>
             <a:r>
               <a:rPr lang="en-GB" dirty="0"/>
-              <a:t>Research questions</a:t>
-            </a:r>
-          </a:p>
-        </p:txBody>
-      </p:sp>
+              <a:t>Workflow</a:t>
+            </a:r>
+          </a:p>
+        </p:txBody>
+      </p:sp>
+      <p:cxnSp>
+        <p:nvCxnSpPr>
+          <p:cNvPr id="16" name="Straight Arrow Connector 15">
+            <a:extLst>
+              <a:ext uri="{FF2B5EF4-FFF2-40B4-BE49-F238E27FC236}">
+                <a16:creationId xmlns:a16="http://schemas.microsoft.com/office/drawing/2014/main" id="{0E7848D9-14D0-0496-D96E-D268F81D3524}"/>
+              </a:ext>
+            </a:extLst>
+          </p:cNvPr>
+          <p:cNvCxnSpPr>
+            <a:cxnSpLocks/>
+          </p:cNvCxnSpPr>
+          <p:nvPr/>
+        </p:nvCxnSpPr>
+        <p:spPr>
+          <a:xfrm>
+            <a:off x="906746" y="5876544"/>
+            <a:ext cx="10475976" cy="0"/>
+          </a:xfrm>
+          <a:prstGeom prst="straightConnector1">
+            <a:avLst/>
+          </a:prstGeom>
+          <a:ln w="142875">
+            <a:solidFill>
+              <a:schemeClr val="tx1">
+                <a:lumMod val="65000"/>
+                <a:lumOff val="35000"/>
+              </a:schemeClr>
+            </a:solidFill>
+            <a:tailEnd type="triangle"/>
+          </a:ln>
+        </p:spPr>
+        <p:style>
+          <a:lnRef idx="2">
+            <a:schemeClr val="dk1"/>
+          </a:lnRef>
+          <a:fillRef idx="0">
+            <a:schemeClr val="dk1"/>
+          </a:fillRef>
+          <a:effectRef idx="1">
+            <a:schemeClr val="dk1"/>
+          </a:effectRef>
+          <a:fontRef idx="minor">
+            <a:schemeClr val="tx1"/>
+          </a:fontRef>
+        </p:style>
+      </p:cxnSp>
+      <p:sp>
+        <p:nvSpPr>
+          <p:cNvPr id="17" name="TextBox 16">
+            <a:extLst>
+              <a:ext uri="{FF2B5EF4-FFF2-40B4-BE49-F238E27FC236}">
+                <a16:creationId xmlns:a16="http://schemas.microsoft.com/office/drawing/2014/main" id="{C7A5EB5F-F75C-61AD-45DD-47B93BEE1595}"/>
+              </a:ext>
+            </a:extLst>
+          </p:cNvPr>
+          <p:cNvSpPr txBox="1"/>
+          <p:nvPr/>
+        </p:nvSpPr>
+        <p:spPr>
+          <a:xfrm>
+            <a:off x="1397600" y="6093679"/>
+            <a:ext cx="512760" cy="369332"/>
+          </a:xfrm>
+          <a:prstGeom prst="rect">
+            <a:avLst/>
+          </a:prstGeom>
+          <a:noFill/>
+        </p:spPr>
+        <p:txBody>
+          <a:bodyPr wrap="square" rtlCol="0">
+            <a:spAutoFit/>
+          </a:bodyPr>
+          <a:lstStyle/>
+          <a:p>
+            <a:r>
+              <a:rPr lang="en-GB" dirty="0">
+                <a:solidFill>
+                  <a:schemeClr val="tx1">
+                    <a:lumMod val="65000"/>
+                    <a:lumOff val="35000"/>
+                  </a:schemeClr>
+                </a:solidFill>
+              </a:rPr>
+              <a:t>t0</a:t>
+            </a:r>
+          </a:p>
+        </p:txBody>
+      </p:sp>
+      <p:sp>
+        <p:nvSpPr>
+          <p:cNvPr id="18" name="TextBox 17">
+            <a:extLst>
+              <a:ext uri="{FF2B5EF4-FFF2-40B4-BE49-F238E27FC236}">
+                <a16:creationId xmlns:a16="http://schemas.microsoft.com/office/drawing/2014/main" id="{33FF483F-F7EE-31F9-F5EA-15E55AE7E4AD}"/>
+              </a:ext>
+            </a:extLst>
+          </p:cNvPr>
+          <p:cNvSpPr txBox="1"/>
+          <p:nvPr/>
+        </p:nvSpPr>
+        <p:spPr>
+          <a:xfrm>
+            <a:off x="5066970" y="6015426"/>
+            <a:ext cx="512760" cy="369332"/>
+          </a:xfrm>
+          <a:prstGeom prst="rect">
+            <a:avLst/>
+          </a:prstGeom>
+          <a:noFill/>
+        </p:spPr>
+        <p:txBody>
+          <a:bodyPr wrap="square" rtlCol="0">
+            <a:spAutoFit/>
+          </a:bodyPr>
+          <a:lstStyle/>
+          <a:p>
+            <a:r>
+              <a:rPr lang="en-GB" dirty="0">
+                <a:solidFill>
+                  <a:schemeClr val="tx1">
+                    <a:lumMod val="65000"/>
+                    <a:lumOff val="35000"/>
+                  </a:schemeClr>
+                </a:solidFill>
+              </a:rPr>
+              <a:t>t1</a:t>
+            </a:r>
+          </a:p>
+        </p:txBody>
+      </p:sp>
+      <p:sp>
+        <p:nvSpPr>
+          <p:cNvPr id="19" name="TextBox 18">
+            <a:extLst>
+              <a:ext uri="{FF2B5EF4-FFF2-40B4-BE49-F238E27FC236}">
+                <a16:creationId xmlns:a16="http://schemas.microsoft.com/office/drawing/2014/main" id="{11988359-890F-E50B-A872-B740AE552823}"/>
+              </a:ext>
+            </a:extLst>
+          </p:cNvPr>
+          <p:cNvSpPr txBox="1"/>
+          <p:nvPr/>
+        </p:nvSpPr>
+        <p:spPr>
+          <a:xfrm>
+            <a:off x="8736930" y="6093679"/>
+            <a:ext cx="512760" cy="369332"/>
+          </a:xfrm>
+          <a:prstGeom prst="rect">
+            <a:avLst/>
+          </a:prstGeom>
+          <a:noFill/>
+        </p:spPr>
+        <p:txBody>
+          <a:bodyPr wrap="square" rtlCol="0">
+            <a:spAutoFit/>
+          </a:bodyPr>
+          <a:lstStyle/>
+          <a:p>
+            <a:r>
+              <a:rPr lang="en-GB" dirty="0">
+                <a:solidFill>
+                  <a:schemeClr val="tx1">
+                    <a:lumMod val="65000"/>
+                    <a:lumOff val="35000"/>
+                  </a:schemeClr>
+                </a:solidFill>
+              </a:rPr>
+              <a:t>t2</a:t>
+            </a:r>
+          </a:p>
+        </p:txBody>
+      </p:sp>
+      <p:pic>
+        <p:nvPicPr>
+          <p:cNvPr id="33" name="Graphic 32" descr="Children outline">
+            <a:extLst>
+              <a:ext uri="{FF2B5EF4-FFF2-40B4-BE49-F238E27FC236}">
+                <a16:creationId xmlns:a16="http://schemas.microsoft.com/office/drawing/2014/main" id="{67B71F81-AA02-8574-0794-84DA0473F636}"/>
+              </a:ext>
+            </a:extLst>
+          </p:cNvPr>
+          <p:cNvPicPr>
+            <a:picLocks noChangeAspect="1"/>
+          </p:cNvPicPr>
+          <p:nvPr/>
+        </p:nvPicPr>
+        <p:blipFill rotWithShape="1">
+          <a:blip r:embed="rId2">
+            <a:extLst>
+              <a:ext uri="{28A0092B-C50C-407E-A947-70E740481C1C}">
+                <a14:useLocalDpi xmlns:a14="http://schemas.microsoft.com/office/drawing/2010/main" val="0"/>
+              </a:ext>
+              <a:ext uri="{96DAC541-7B7A-43D3-8B79-37D633B846F1}">
+                <asvg:svgBlip xmlns:asvg="http://schemas.microsoft.com/office/drawing/2016/SVG/main" r:embed="rId3"/>
+              </a:ext>
+            </a:extLst>
+          </a:blip>
+          <a:srcRect l="2821" t="16365" r="2689" b="16706"/>
+          <a:stretch/>
+        </p:blipFill>
+        <p:spPr>
+          <a:xfrm>
+            <a:off x="864000" y="2928718"/>
+            <a:ext cx="864000" cy="612000"/>
+          </a:xfrm>
+          <a:prstGeom prst="rect">
+            <a:avLst/>
+          </a:prstGeom>
+        </p:spPr>
+      </p:pic>
       <p:grpSp>
         <p:nvGrpSpPr>
-          <p:cNvPr id="44" name="Group 43">
-            <a:extLst>
-              <a:ext uri="{FF2B5EF4-FFF2-40B4-BE49-F238E27FC236}">
-                <a16:creationId xmlns:a16="http://schemas.microsoft.com/office/drawing/2014/main" id="{1E793507-1D75-6CC8-06A2-C1ABFCC78746}"/>
+          <p:cNvPr id="35" name="Group 34">
+            <a:extLst>
+              <a:ext uri="{FF2B5EF4-FFF2-40B4-BE49-F238E27FC236}">
+                <a16:creationId xmlns:a16="http://schemas.microsoft.com/office/drawing/2014/main" id="{95690BC1-A525-E85D-80C4-0152D87CE52E}"/>
               </a:ext>
             </a:extLst>
           </p:cNvPr>
@@ -4999,70 +5474,18 @@
         </p:nvGrpSpPr>
         <p:grpSpPr>
           <a:xfrm>
-            <a:off x="400351" y="2037653"/>
-            <a:ext cx="3243739" cy="3130162"/>
-            <a:chOff x="5191539" y="1822304"/>
-            <a:chExt cx="1808922" cy="1846758"/>
+            <a:off x="4386264" y="2928718"/>
+            <a:ext cx="1607568" cy="671568"/>
+            <a:chOff x="838200" y="2914526"/>
+            <a:chExt cx="1607568" cy="671568"/>
           </a:xfrm>
         </p:grpSpPr>
-        <p:sp>
-          <p:nvSpPr>
-            <p:cNvPr id="4" name="Oval 3">
+        <p:pic>
+          <p:nvPicPr>
+            <p:cNvPr id="36" name="Graphic 35" descr="Children with solid fill">
               <a:extLst>
                 <a:ext uri="{FF2B5EF4-FFF2-40B4-BE49-F238E27FC236}">
-                  <a16:creationId xmlns:a16="http://schemas.microsoft.com/office/drawing/2014/main" id="{6A0D18E6-A272-D3F7-6F13-7B7ABB97C31D}"/>
-                </a:ext>
-              </a:extLst>
-            </p:cNvPr>
-            <p:cNvSpPr/>
-            <p:nvPr/>
-          </p:nvSpPr>
-          <p:spPr>
-            <a:xfrm>
-              <a:off x="5191539" y="1849165"/>
-              <a:ext cx="1808922" cy="1819897"/>
-            </a:xfrm>
-            <a:prstGeom prst="ellipse">
-              <a:avLst/>
-            </a:prstGeom>
-            <a:solidFill>
-              <a:schemeClr val="bg1"/>
-            </a:solidFill>
-            <a:ln>
-              <a:prstDash val="sysDot"/>
-            </a:ln>
-          </p:spPr>
-          <p:style>
-            <a:lnRef idx="2">
-              <a:schemeClr val="accent1">
-                <a:shade val="15000"/>
-              </a:schemeClr>
-            </a:lnRef>
-            <a:fillRef idx="1">
-              <a:schemeClr val="accent1"/>
-            </a:fillRef>
-            <a:effectRef idx="0">
-              <a:schemeClr val="accent1"/>
-            </a:effectRef>
-            <a:fontRef idx="minor">
-              <a:schemeClr val="lt1"/>
-            </a:fontRef>
-          </p:style>
-          <p:txBody>
-            <a:bodyPr rtlCol="0" anchor="ctr"/>
-            <a:lstStyle/>
-            <a:p>
-              <a:pPr algn="ctr"/>
-              <a:endParaRPr lang="en-GB" dirty="0"/>
-            </a:p>
-          </p:txBody>
-        </p:sp>
-        <p:pic>
-          <p:nvPicPr>
-            <p:cNvPr id="30" name="Picture 29">
-              <a:extLst>
-                <a:ext uri="{FF2B5EF4-FFF2-40B4-BE49-F238E27FC236}">
-                  <a16:creationId xmlns:a16="http://schemas.microsoft.com/office/drawing/2014/main" id="{56862E8D-B9A0-8EE7-2BB6-30533BEF90EB}"/>
+                  <a16:creationId xmlns:a16="http://schemas.microsoft.com/office/drawing/2014/main" id="{84000242-B157-DC86-AA21-1106E82C18A8}"/>
                 </a:ext>
               </a:extLst>
             </p:cNvPr>
@@ -5071,37 +5494,7 @@
             </p:cNvPicPr>
             <p:nvPr/>
           </p:nvPicPr>
-          <p:blipFill>
-            <a:blip r:embed="rId3"/>
-            <a:stretch>
-              <a:fillRect/>
-            </a:stretch>
-          </p:blipFill>
-          <p:spPr>
-            <a:xfrm>
-              <a:off x="5477833" y="2789481"/>
-              <a:ext cx="292115" cy="635033"/>
-            </a:xfrm>
-            <a:prstGeom prst="rect">
-              <a:avLst/>
-            </a:prstGeom>
-          </p:spPr>
-        </p:pic>
-        <p:pic>
-          <p:nvPicPr>
-            <p:cNvPr id="6" name="Graphic 5" descr="Muscular arm with solid fill">
-              <a:extLst>
-                <a:ext uri="{FF2B5EF4-FFF2-40B4-BE49-F238E27FC236}">
-                  <a16:creationId xmlns:a16="http://schemas.microsoft.com/office/drawing/2014/main" id="{E4643C39-8324-20FD-4F73-B54100522864}"/>
-                </a:ext>
-              </a:extLst>
-            </p:cNvPr>
-            <p:cNvPicPr>
-              <a:picLocks noChangeAspect="1"/>
-            </p:cNvPicPr>
-            <p:nvPr/>
-          </p:nvPicPr>
-          <p:blipFill>
+          <p:blipFill rotWithShape="1">
             <a:blip r:embed="rId4">
               <a:extLst>
                 <a:ext uri="{28A0092B-C50C-407E-A947-70E740481C1C}">
@@ -5112,14 +5505,13 @@
                 </a:ext>
               </a:extLst>
             </a:blip>
-            <a:stretch>
-              <a:fillRect/>
-            </a:stretch>
+            <a:srcRect l="-4307" t="13582" r="50140" b="19489"/>
+            <a:stretch/>
           </p:blipFill>
           <p:spPr>
             <a:xfrm>
-              <a:off x="5528925" y="1822304"/>
-              <a:ext cx="1116779" cy="1116779"/>
+              <a:off x="1977768" y="2914526"/>
+              <a:ext cx="468000" cy="612000"/>
             </a:xfrm>
             <a:prstGeom prst="rect">
               <a:avLst/>
@@ -5128,10 +5520,10 @@
         </p:pic>
         <p:pic>
           <p:nvPicPr>
-            <p:cNvPr id="8" name="Graphic 7" descr="Children with solid fill">
+            <p:cNvPr id="37" name="Graphic 36" descr="Meeting with solid fill">
               <a:extLst>
                 <a:ext uri="{FF2B5EF4-FFF2-40B4-BE49-F238E27FC236}">
-                  <a16:creationId xmlns:a16="http://schemas.microsoft.com/office/drawing/2014/main" id="{5DFCA59A-CBAF-F4B5-1FF1-62191041D9D0}"/>
+                  <a16:creationId xmlns:a16="http://schemas.microsoft.com/office/drawing/2014/main" id="{BA410E39-FC7D-C24F-201D-629A8AB5774D}"/>
                 </a:ext>
               </a:extLst>
             </p:cNvPr>
@@ -5157,8 +5549,182 @@
           </p:blipFill>
           <p:spPr>
             <a:xfrm>
-              <a:off x="5908683" y="2649797"/>
-              <a:ext cx="914400" cy="914400"/>
+              <a:off x="1306200" y="2914526"/>
+              <a:ext cx="671568" cy="671568"/>
+            </a:xfrm>
+            <a:prstGeom prst="rect">
+              <a:avLst/>
+            </a:prstGeom>
+          </p:spPr>
+        </p:pic>
+        <p:pic>
+          <p:nvPicPr>
+            <p:cNvPr id="38" name="Graphic 37" descr="Children outline">
+              <a:extLst>
+                <a:ext uri="{FF2B5EF4-FFF2-40B4-BE49-F238E27FC236}">
+                  <a16:creationId xmlns:a16="http://schemas.microsoft.com/office/drawing/2014/main" id="{23B186A1-C392-B6FB-0805-1CB5E715C513}"/>
+                </a:ext>
+              </a:extLst>
+            </p:cNvPr>
+            <p:cNvPicPr>
+              <a:picLocks noChangeAspect="1"/>
+            </p:cNvPicPr>
+            <p:nvPr/>
+          </p:nvPicPr>
+          <p:blipFill rotWithShape="1">
+            <a:blip r:embed="rId2">
+              <a:extLst>
+                <a:ext uri="{28A0092B-C50C-407E-A947-70E740481C1C}">
+                  <a14:useLocalDpi xmlns:a14="http://schemas.microsoft.com/office/drawing/2010/main" val="0"/>
+                </a:ext>
+                <a:ext uri="{96DAC541-7B7A-43D3-8B79-37D633B846F1}">
+                  <asvg:svgBlip xmlns:asvg="http://schemas.microsoft.com/office/drawing/2016/SVG/main" r:embed="rId3"/>
+                </a:ext>
+              </a:extLst>
+            </a:blip>
+            <a:srcRect l="-1" t="16365" r="48820" b="16706"/>
+            <a:stretch/>
+          </p:blipFill>
+          <p:spPr>
+            <a:xfrm>
+              <a:off x="838200" y="2928718"/>
+              <a:ext cx="468000" cy="612000"/>
+            </a:xfrm>
+            <a:prstGeom prst="rect">
+              <a:avLst/>
+            </a:prstGeom>
+          </p:spPr>
+        </p:pic>
+      </p:grpSp>
+      <p:grpSp>
+        <p:nvGrpSpPr>
+          <p:cNvPr id="39" name="Group 38">
+            <a:extLst>
+              <a:ext uri="{FF2B5EF4-FFF2-40B4-BE49-F238E27FC236}">
+                <a16:creationId xmlns:a16="http://schemas.microsoft.com/office/drawing/2014/main" id="{D26A779F-C15C-3966-94D2-53982F59CD75}"/>
+              </a:ext>
+            </a:extLst>
+          </p:cNvPr>
+          <p:cNvGrpSpPr/>
+          <p:nvPr/>
+        </p:nvGrpSpPr>
+        <p:grpSpPr>
+          <a:xfrm>
+            <a:off x="8171880" y="2950677"/>
+            <a:ext cx="1607568" cy="671568"/>
+            <a:chOff x="838200" y="2914526"/>
+            <a:chExt cx="1607568" cy="671568"/>
+          </a:xfrm>
+        </p:grpSpPr>
+        <p:pic>
+          <p:nvPicPr>
+            <p:cNvPr id="40" name="Graphic 39" descr="Children with solid fill">
+              <a:extLst>
+                <a:ext uri="{FF2B5EF4-FFF2-40B4-BE49-F238E27FC236}">
+                  <a16:creationId xmlns:a16="http://schemas.microsoft.com/office/drawing/2014/main" id="{E48342FB-103E-585C-BEF8-46DA6BD66D3A}"/>
+                </a:ext>
+              </a:extLst>
+            </p:cNvPr>
+            <p:cNvPicPr>
+              <a:picLocks noChangeAspect="1"/>
+            </p:cNvPicPr>
+            <p:nvPr/>
+          </p:nvPicPr>
+          <p:blipFill rotWithShape="1">
+            <a:blip r:embed="rId4">
+              <a:extLst>
+                <a:ext uri="{28A0092B-C50C-407E-A947-70E740481C1C}">
+                  <a14:useLocalDpi xmlns:a14="http://schemas.microsoft.com/office/drawing/2010/main" val="0"/>
+                </a:ext>
+                <a:ext uri="{96DAC541-7B7A-43D3-8B79-37D633B846F1}">
+                  <asvg:svgBlip xmlns:asvg="http://schemas.microsoft.com/office/drawing/2016/SVG/main" r:embed="rId5"/>
+                </a:ext>
+              </a:extLst>
+            </a:blip>
+            <a:srcRect l="-4307" t="13582" r="50140" b="19489"/>
+            <a:stretch/>
+          </p:blipFill>
+          <p:spPr>
+            <a:xfrm>
+              <a:off x="1977768" y="2914526"/>
+              <a:ext cx="468000" cy="612000"/>
+            </a:xfrm>
+            <a:prstGeom prst="rect">
+              <a:avLst/>
+            </a:prstGeom>
+          </p:spPr>
+        </p:pic>
+        <p:pic>
+          <p:nvPicPr>
+            <p:cNvPr id="41" name="Graphic 40" descr="Meeting with solid fill">
+              <a:extLst>
+                <a:ext uri="{FF2B5EF4-FFF2-40B4-BE49-F238E27FC236}">
+                  <a16:creationId xmlns:a16="http://schemas.microsoft.com/office/drawing/2014/main" id="{C343BFB3-5766-6534-ED0A-B3A06489951B}"/>
+                </a:ext>
+              </a:extLst>
+            </p:cNvPr>
+            <p:cNvPicPr>
+              <a:picLocks noChangeAspect="1"/>
+            </p:cNvPicPr>
+            <p:nvPr/>
+          </p:nvPicPr>
+          <p:blipFill>
+            <a:blip r:embed="rId6">
+              <a:extLst>
+                <a:ext uri="{28A0092B-C50C-407E-A947-70E740481C1C}">
+                  <a14:useLocalDpi xmlns:a14="http://schemas.microsoft.com/office/drawing/2010/main" val="0"/>
+                </a:ext>
+                <a:ext uri="{96DAC541-7B7A-43D3-8B79-37D633B846F1}">
+                  <asvg:svgBlip xmlns:asvg="http://schemas.microsoft.com/office/drawing/2016/SVG/main" r:embed="rId7"/>
+                </a:ext>
+              </a:extLst>
+            </a:blip>
+            <a:stretch>
+              <a:fillRect/>
+            </a:stretch>
+          </p:blipFill>
+          <p:spPr>
+            <a:xfrm>
+              <a:off x="1306200" y="2914526"/>
+              <a:ext cx="671568" cy="671568"/>
+            </a:xfrm>
+            <a:prstGeom prst="rect">
+              <a:avLst/>
+            </a:prstGeom>
+          </p:spPr>
+        </p:pic>
+        <p:pic>
+          <p:nvPicPr>
+            <p:cNvPr id="42" name="Graphic 41" descr="Children outline">
+              <a:extLst>
+                <a:ext uri="{FF2B5EF4-FFF2-40B4-BE49-F238E27FC236}">
+                  <a16:creationId xmlns:a16="http://schemas.microsoft.com/office/drawing/2014/main" id="{74DC6035-5DBA-BEE4-297D-CD095E419CF9}"/>
+                </a:ext>
+              </a:extLst>
+            </p:cNvPr>
+            <p:cNvPicPr>
+              <a:picLocks noChangeAspect="1"/>
+            </p:cNvPicPr>
+            <p:nvPr/>
+          </p:nvPicPr>
+          <p:blipFill rotWithShape="1">
+            <a:blip r:embed="rId2">
+              <a:extLst>
+                <a:ext uri="{28A0092B-C50C-407E-A947-70E740481C1C}">
+                  <a14:useLocalDpi xmlns:a14="http://schemas.microsoft.com/office/drawing/2010/main" val="0"/>
+                </a:ext>
+                <a:ext uri="{96DAC541-7B7A-43D3-8B79-37D633B846F1}">
+                  <asvg:svgBlip xmlns:asvg="http://schemas.microsoft.com/office/drawing/2016/SVG/main" r:embed="rId3"/>
+                </a:ext>
+              </a:extLst>
+            </a:blip>
+            <a:srcRect l="-1" t="16365" r="48820" b="16706"/>
+            <a:stretch/>
+          </p:blipFill>
+          <p:spPr>
+            <a:xfrm>
+              <a:off x="838200" y="2928718"/>
+              <a:ext cx="468000" cy="612000"/>
             </a:xfrm>
             <a:prstGeom prst="rect">
               <a:avLst/>
@@ -5168,10 +5734,10 @@
       </p:grpSp>
       <p:pic>
         <p:nvPicPr>
-          <p:cNvPr id="32" name="Graphic 31" descr="Bullseye with solid fill">
-            <a:extLst>
-              <a:ext uri="{FF2B5EF4-FFF2-40B4-BE49-F238E27FC236}">
-                <a16:creationId xmlns:a16="http://schemas.microsoft.com/office/drawing/2014/main" id="{A1549555-97D1-A4C3-3CD1-733A0A35BD73}"/>
+          <p:cNvPr id="43" name="Picture 42" descr="A blue and green logo&#10;&#10;Description automatically generated">
+            <a:extLst>
+              <a:ext uri="{FF2B5EF4-FFF2-40B4-BE49-F238E27FC236}">
+                <a16:creationId xmlns:a16="http://schemas.microsoft.com/office/drawing/2014/main" id="{185B6D83-DCDA-A92A-9FE3-8ECD6A5C5DF9}"/>
               </a:ext>
             </a:extLst>
           </p:cNvPr>
@@ -5186,9 +5752,6 @@
               <a:ext uri="{28A0092B-C50C-407E-A947-70E740481C1C}">
                 <a14:useLocalDpi xmlns:a14="http://schemas.microsoft.com/office/drawing/2010/main" val="0"/>
               </a:ext>
-              <a:ext uri="{96DAC541-7B7A-43D3-8B79-37D633B846F1}">
-                <asvg:svgBlip xmlns:asvg="http://schemas.microsoft.com/office/drawing/2016/SVG/main" r:embed="rId9"/>
-              </a:ext>
             </a:extLst>
           </a:blip>
           <a:stretch>
@@ -5197,20 +5760,377 @@
         </p:blipFill>
         <p:spPr>
           <a:xfrm>
-            <a:off x="5152949" y="4356790"/>
-            <a:ext cx="2102390" cy="2102390"/>
+            <a:off x="2721639" y="735893"/>
+            <a:ext cx="850164" cy="618301"/>
           </a:xfrm>
           <a:prstGeom prst="rect">
             <a:avLst/>
           </a:prstGeom>
         </p:spPr>
       </p:pic>
+      <p:pic>
+        <p:nvPicPr>
+          <p:cNvPr id="44" name="Graphic 43" descr="List with solid fill">
+            <a:extLst>
+              <a:ext uri="{FF2B5EF4-FFF2-40B4-BE49-F238E27FC236}">
+                <a16:creationId xmlns:a16="http://schemas.microsoft.com/office/drawing/2014/main" id="{C81B34F7-65B3-94C9-1865-F0F49BB17F84}"/>
+              </a:ext>
+            </a:extLst>
+          </p:cNvPr>
+          <p:cNvPicPr>
+            <a:picLocks noChangeAspect="1"/>
+          </p:cNvPicPr>
+          <p:nvPr/>
+        </p:nvPicPr>
+        <p:blipFill>
+          <a:blip r:embed="rId9">
+            <a:extLst>
+              <a:ext uri="{28A0092B-C50C-407E-A947-70E740481C1C}">
+                <a14:useLocalDpi xmlns:a14="http://schemas.microsoft.com/office/drawing/2010/main" val="0"/>
+              </a:ext>
+              <a:ext uri="{96DAC541-7B7A-43D3-8B79-37D633B846F1}">
+                <asvg:svgBlip xmlns:asvg="http://schemas.microsoft.com/office/drawing/2016/SVG/main" r:embed="rId10"/>
+              </a:ext>
+            </a:extLst>
+          </a:blip>
+          <a:stretch>
+            <a:fillRect/>
+          </a:stretch>
+        </p:blipFill>
+        <p:spPr>
+          <a:xfrm>
+            <a:off x="6330470" y="1751166"/>
+            <a:ext cx="511611" cy="511611"/>
+          </a:xfrm>
+          <a:prstGeom prst="rect">
+            <a:avLst/>
+          </a:prstGeom>
+        </p:spPr>
+      </p:pic>
+      <p:pic>
+        <p:nvPicPr>
+          <p:cNvPr id="45" name="Graphic 44" descr="Children outline">
+            <a:extLst>
+              <a:ext uri="{FF2B5EF4-FFF2-40B4-BE49-F238E27FC236}">
+                <a16:creationId xmlns:a16="http://schemas.microsoft.com/office/drawing/2014/main" id="{D5EF5278-23FE-40E3-5E29-A448A5B3B30A}"/>
+              </a:ext>
+            </a:extLst>
+          </p:cNvPr>
+          <p:cNvPicPr>
+            <a:picLocks noChangeAspect="1"/>
+          </p:cNvPicPr>
+          <p:nvPr/>
+        </p:nvPicPr>
+        <p:blipFill rotWithShape="1">
+          <a:blip r:embed="rId2">
+            <a:extLst>
+              <a:ext uri="{28A0092B-C50C-407E-A947-70E740481C1C}">
+                <a14:useLocalDpi xmlns:a14="http://schemas.microsoft.com/office/drawing/2010/main" val="0"/>
+              </a:ext>
+              <a:ext uri="{96DAC541-7B7A-43D3-8B79-37D633B846F1}">
+                <asvg:svgBlip xmlns:asvg="http://schemas.microsoft.com/office/drawing/2016/SVG/main" r:embed="rId3"/>
+              </a:ext>
+            </a:extLst>
+          </a:blip>
+          <a:srcRect l="2818" t="16365" r="26310" b="16706"/>
+          <a:stretch/>
+        </p:blipFill>
+        <p:spPr>
+          <a:xfrm>
+            <a:off x="1718856" y="2928718"/>
+            <a:ext cx="648000" cy="612000"/>
+          </a:xfrm>
+          <a:prstGeom prst="rect">
+            <a:avLst/>
+          </a:prstGeom>
+        </p:spPr>
+      </p:pic>
+      <p:pic>
+        <p:nvPicPr>
+          <p:cNvPr id="47" name="Picture 46">
+            <a:extLst>
+              <a:ext uri="{FF2B5EF4-FFF2-40B4-BE49-F238E27FC236}">
+                <a16:creationId xmlns:a16="http://schemas.microsoft.com/office/drawing/2014/main" id="{40317317-DC88-4245-3BD4-8A25164F4102}"/>
+              </a:ext>
+            </a:extLst>
+          </p:cNvPr>
+          <p:cNvPicPr>
+            <a:picLocks noChangeAspect="1"/>
+          </p:cNvPicPr>
+          <p:nvPr/>
+        </p:nvPicPr>
+        <p:blipFill>
+          <a:blip r:embed="rId11"/>
+          <a:stretch>
+            <a:fillRect/>
+          </a:stretch>
+        </p:blipFill>
+        <p:spPr>
+          <a:xfrm>
+            <a:off x="2928375" y="1425461"/>
+            <a:ext cx="1479732" cy="340046"/>
+          </a:xfrm>
+          <a:prstGeom prst="rect">
+            <a:avLst/>
+          </a:prstGeom>
+        </p:spPr>
+      </p:pic>
+      <p:pic>
+        <p:nvPicPr>
+          <p:cNvPr id="51" name="Graphic 50" descr="Meeting with solid fill">
+            <a:extLst>
+              <a:ext uri="{FF2B5EF4-FFF2-40B4-BE49-F238E27FC236}">
+                <a16:creationId xmlns:a16="http://schemas.microsoft.com/office/drawing/2014/main" id="{7B03E7C3-6D69-B386-06D5-B12D160BBE0E}"/>
+              </a:ext>
+            </a:extLst>
+          </p:cNvPr>
+          <p:cNvPicPr>
+            <a:picLocks noChangeAspect="1"/>
+          </p:cNvPicPr>
+          <p:nvPr/>
+        </p:nvPicPr>
+        <p:blipFill>
+          <a:blip r:embed="rId6">
+            <a:extLst>
+              <a:ext uri="{28A0092B-C50C-407E-A947-70E740481C1C}">
+                <a14:useLocalDpi xmlns:a14="http://schemas.microsoft.com/office/drawing/2010/main" val="0"/>
+              </a:ext>
+              <a:ext uri="{96DAC541-7B7A-43D3-8B79-37D633B846F1}">
+                <asvg:svgBlip xmlns:asvg="http://schemas.microsoft.com/office/drawing/2016/SVG/main" r:embed="rId7"/>
+              </a:ext>
+            </a:extLst>
+          </a:blip>
+          <a:stretch>
+            <a:fillRect/>
+          </a:stretch>
+        </p:blipFill>
+        <p:spPr>
+          <a:xfrm>
+            <a:off x="2619963" y="1826255"/>
+            <a:ext cx="511612" cy="511612"/>
+          </a:xfrm>
+          <a:prstGeom prst="rect">
+            <a:avLst/>
+          </a:prstGeom>
+        </p:spPr>
+      </p:pic>
+      <p:pic>
+        <p:nvPicPr>
+          <p:cNvPr id="52" name="Graphic 51" descr="Children with solid fill">
+            <a:extLst>
+              <a:ext uri="{FF2B5EF4-FFF2-40B4-BE49-F238E27FC236}">
+                <a16:creationId xmlns:a16="http://schemas.microsoft.com/office/drawing/2014/main" id="{DB220FFB-2B4B-43CD-A4F6-74FC5DB2BCEF}"/>
+              </a:ext>
+            </a:extLst>
+          </p:cNvPr>
+          <p:cNvPicPr>
+            <a:picLocks noChangeAspect="1"/>
+          </p:cNvPicPr>
+          <p:nvPr/>
+        </p:nvPicPr>
+        <p:blipFill rotWithShape="1">
+          <a:blip r:embed="rId4">
+            <a:extLst>
+              <a:ext uri="{28A0092B-C50C-407E-A947-70E740481C1C}">
+                <a14:useLocalDpi xmlns:a14="http://schemas.microsoft.com/office/drawing/2010/main" val="0"/>
+              </a:ext>
+              <a:ext uri="{96DAC541-7B7A-43D3-8B79-37D633B846F1}">
+                <asvg:svgBlip xmlns:asvg="http://schemas.microsoft.com/office/drawing/2016/SVG/main" r:embed="rId5"/>
+              </a:ext>
+            </a:extLst>
+          </a:blip>
+          <a:srcRect l="-4307" t="13582" r="50140" b="19489"/>
+          <a:stretch/>
+        </p:blipFill>
+        <p:spPr>
+          <a:xfrm>
+            <a:off x="2573146" y="1354194"/>
+            <a:ext cx="347786" cy="454797"/>
+          </a:xfrm>
+          <a:prstGeom prst="rect">
+            <a:avLst/>
+          </a:prstGeom>
+        </p:spPr>
+      </p:pic>
+      <p:pic>
+        <p:nvPicPr>
+          <p:cNvPr id="54" name="Graphic 53" descr="Architecture outline">
+            <a:extLst>
+              <a:ext uri="{FF2B5EF4-FFF2-40B4-BE49-F238E27FC236}">
+                <a16:creationId xmlns:a16="http://schemas.microsoft.com/office/drawing/2014/main" id="{C7EFEF8C-1866-18C2-FADF-3CB1349003D5}"/>
+              </a:ext>
+            </a:extLst>
+          </p:cNvPr>
+          <p:cNvPicPr>
+            <a:picLocks noChangeAspect="1"/>
+          </p:cNvPicPr>
+          <p:nvPr/>
+        </p:nvPicPr>
+        <p:blipFill>
+          <a:blip r:embed="rId12">
+            <a:extLst>
+              <a:ext uri="{28A0092B-C50C-407E-A947-70E740481C1C}">
+                <a14:useLocalDpi xmlns:a14="http://schemas.microsoft.com/office/drawing/2010/main" val="0"/>
+              </a:ext>
+              <a:ext uri="{96DAC541-7B7A-43D3-8B79-37D633B846F1}">
+                <asvg:svgBlip xmlns:asvg="http://schemas.microsoft.com/office/drawing/2016/SVG/main" r:embed="rId13"/>
+              </a:ext>
+            </a:extLst>
+          </a:blip>
+          <a:stretch>
+            <a:fillRect/>
+          </a:stretch>
+        </p:blipFill>
+        <p:spPr>
+          <a:xfrm>
+            <a:off x="3315997" y="1842597"/>
+            <a:ext cx="511611" cy="511611"/>
+          </a:xfrm>
+          <a:prstGeom prst="rect">
+            <a:avLst/>
+          </a:prstGeom>
+        </p:spPr>
+      </p:pic>
+      <p:pic>
+        <p:nvPicPr>
+          <p:cNvPr id="56" name="Graphic 55" descr="Home outline">
+            <a:extLst>
+              <a:ext uri="{FF2B5EF4-FFF2-40B4-BE49-F238E27FC236}">
+                <a16:creationId xmlns:a16="http://schemas.microsoft.com/office/drawing/2014/main" id="{BFB9BFA8-0363-02D5-248E-70AA4F05FB48}"/>
+              </a:ext>
+            </a:extLst>
+          </p:cNvPr>
+          <p:cNvPicPr>
+            <a:picLocks noChangeAspect="1"/>
+          </p:cNvPicPr>
+          <p:nvPr/>
+        </p:nvPicPr>
+        <p:blipFill>
+          <a:blip r:embed="rId14">
+            <a:extLst>
+              <a:ext uri="{28A0092B-C50C-407E-A947-70E740481C1C}">
+                <a14:useLocalDpi xmlns:a14="http://schemas.microsoft.com/office/drawing/2010/main" val="0"/>
+              </a:ext>
+              <a:ext uri="{96DAC541-7B7A-43D3-8B79-37D633B846F1}">
+                <asvg:svgBlip xmlns:asvg="http://schemas.microsoft.com/office/drawing/2016/SVG/main" r:embed="rId15"/>
+              </a:ext>
+            </a:extLst>
+          </a:blip>
+          <a:stretch>
+            <a:fillRect/>
+          </a:stretch>
+        </p:blipFill>
+        <p:spPr>
+          <a:xfrm>
+            <a:off x="6842081" y="1690884"/>
+            <a:ext cx="550653" cy="550653"/>
+          </a:xfrm>
+          <a:prstGeom prst="rect">
+            <a:avLst/>
+          </a:prstGeom>
+        </p:spPr>
+      </p:pic>
+      <p:pic>
+        <p:nvPicPr>
+          <p:cNvPr id="57" name="Graphic 56" descr="Muscular arm with solid fill">
+            <a:extLst>
+              <a:ext uri="{FF2B5EF4-FFF2-40B4-BE49-F238E27FC236}">
+                <a16:creationId xmlns:a16="http://schemas.microsoft.com/office/drawing/2014/main" id="{EC251AC1-69BA-7D73-88F5-B24EE1C14EF0}"/>
+              </a:ext>
+            </a:extLst>
+          </p:cNvPr>
+          <p:cNvPicPr>
+            <a:picLocks noChangeAspect="1"/>
+          </p:cNvPicPr>
+          <p:nvPr/>
+        </p:nvPicPr>
+        <p:blipFill>
+          <a:blip r:embed="rId16">
+            <a:extLst>
+              <a:ext uri="{28A0092B-C50C-407E-A947-70E740481C1C}">
+                <a14:useLocalDpi xmlns:a14="http://schemas.microsoft.com/office/drawing/2010/main" val="0"/>
+              </a:ext>
+              <a:ext uri="{96DAC541-7B7A-43D3-8B79-37D633B846F1}">
+                <asvg:svgBlip xmlns:asvg="http://schemas.microsoft.com/office/drawing/2016/SVG/main" r:embed="rId17"/>
+              </a:ext>
+            </a:extLst>
+          </a:blip>
+          <a:stretch>
+            <a:fillRect/>
+          </a:stretch>
+        </p:blipFill>
+        <p:spPr>
+          <a:xfrm>
+            <a:off x="10845728" y="3584340"/>
+            <a:ext cx="781792" cy="738962"/>
+          </a:xfrm>
+          <a:prstGeom prst="rect">
+            <a:avLst/>
+          </a:prstGeom>
+        </p:spPr>
+      </p:pic>
+      <p:sp>
+        <p:nvSpPr>
+          <p:cNvPr id="58" name="Rectangle: Rounded Corners 57">
+            <a:extLst>
+              <a:ext uri="{FF2B5EF4-FFF2-40B4-BE49-F238E27FC236}">
+                <a16:creationId xmlns:a16="http://schemas.microsoft.com/office/drawing/2014/main" id="{00D4B837-BB41-30B1-7323-74FD27886F39}"/>
+              </a:ext>
+            </a:extLst>
+          </p:cNvPr>
+          <p:cNvSpPr/>
+          <p:nvPr/>
+        </p:nvSpPr>
+        <p:spPr>
+          <a:xfrm>
+            <a:off x="584247" y="618643"/>
+            <a:ext cx="7390783" cy="4548472"/>
+          </a:xfrm>
+          <a:prstGeom prst="roundRect">
+            <a:avLst/>
+          </a:prstGeom>
+          <a:noFill/>
+          <a:ln w="38100">
+            <a:solidFill>
+              <a:schemeClr val="dk1">
+                <a:shade val="15000"/>
+                <a:alpha val="28000"/>
+              </a:schemeClr>
+            </a:solidFill>
+            <a:prstDash val="sysDot"/>
+          </a:ln>
+        </p:spPr>
+        <p:style>
+          <a:lnRef idx="2">
+            <a:schemeClr val="dk1">
+              <a:shade val="15000"/>
+            </a:schemeClr>
+          </a:lnRef>
+          <a:fillRef idx="1">
+            <a:schemeClr val="dk1"/>
+          </a:fillRef>
+          <a:effectRef idx="0">
+            <a:schemeClr val="dk1"/>
+          </a:effectRef>
+          <a:fontRef idx="minor">
+            <a:schemeClr val="lt1"/>
+          </a:fontRef>
+        </p:style>
+        <p:txBody>
+          <a:bodyPr rtlCol="0" anchor="ctr"/>
+          <a:lstStyle/>
+          <a:p>
+            <a:pPr algn="ctr"/>
+            <a:endParaRPr lang="en-GB"/>
+          </a:p>
+        </p:txBody>
+      </p:sp>
       <p:grpSp>
         <p:nvGrpSpPr>
-          <p:cNvPr id="45" name="Group 44">
-            <a:extLst>
-              <a:ext uri="{FF2B5EF4-FFF2-40B4-BE49-F238E27FC236}">
-                <a16:creationId xmlns:a16="http://schemas.microsoft.com/office/drawing/2014/main" id="{EB8C70B5-861F-D595-3E5E-44DE69C2020C}"/>
+          <p:cNvPr id="67" name="Group 66">
+            <a:extLst>
+              <a:ext uri="{FF2B5EF4-FFF2-40B4-BE49-F238E27FC236}">
+                <a16:creationId xmlns:a16="http://schemas.microsoft.com/office/drawing/2014/main" id="{523D7414-4725-F53D-6111-D9452DCD67F8}"/>
               </a:ext>
             </a:extLst>
           </p:cNvPr>
@@ -5219,18 +6139,521 @@
         </p:nvGrpSpPr>
         <p:grpSpPr>
           <a:xfrm>
-            <a:off x="5278813" y="1450015"/>
-            <a:ext cx="1850663" cy="1695519"/>
-            <a:chOff x="1338162" y="3800678"/>
-            <a:chExt cx="2945864" cy="2795518"/>
+            <a:off x="744771" y="3600286"/>
+            <a:ext cx="1581926" cy="707070"/>
+            <a:chOff x="744771" y="3600286"/>
+            <a:chExt cx="1581926" cy="707070"/>
           </a:xfrm>
         </p:grpSpPr>
+        <p:pic>
+          <p:nvPicPr>
+            <p:cNvPr id="60" name="Graphic 59" descr="Sustainability with solid fill">
+              <a:extLst>
+                <a:ext uri="{FF2B5EF4-FFF2-40B4-BE49-F238E27FC236}">
+                  <a16:creationId xmlns:a16="http://schemas.microsoft.com/office/drawing/2014/main" id="{2153F129-F557-6803-0FA2-D52587C2FC01}"/>
+                </a:ext>
+              </a:extLst>
+            </p:cNvPr>
+            <p:cNvPicPr>
+              <a:picLocks noChangeAspect="1"/>
+            </p:cNvPicPr>
+            <p:nvPr/>
+          </p:nvPicPr>
+          <p:blipFill>
+            <a:blip r:embed="rId18">
+              <a:extLst>
+                <a:ext uri="{28A0092B-C50C-407E-A947-70E740481C1C}">
+                  <a14:useLocalDpi xmlns:a14="http://schemas.microsoft.com/office/drawing/2010/main" val="0"/>
+                </a:ext>
+                <a:ext uri="{96DAC541-7B7A-43D3-8B79-37D633B846F1}">
+                  <asvg:svgBlip xmlns:asvg="http://schemas.microsoft.com/office/drawing/2016/SVG/main" r:embed="rId19"/>
+                </a:ext>
+              </a:extLst>
+            </a:blip>
+            <a:stretch>
+              <a:fillRect/>
+            </a:stretch>
+          </p:blipFill>
+          <p:spPr>
+            <a:xfrm>
+              <a:off x="1301196" y="3708961"/>
+              <a:ext cx="647999" cy="508908"/>
+            </a:xfrm>
+            <a:prstGeom prst="rect">
+              <a:avLst/>
+            </a:prstGeom>
+          </p:spPr>
+        </p:pic>
+        <p:pic>
+          <p:nvPicPr>
+            <p:cNvPr id="62" name="Graphic 61" descr="Lightbulb with solid fill">
+              <a:extLst>
+                <a:ext uri="{FF2B5EF4-FFF2-40B4-BE49-F238E27FC236}">
+                  <a16:creationId xmlns:a16="http://schemas.microsoft.com/office/drawing/2014/main" id="{B0C103A4-8C9A-E003-1F69-DDCE815665AF}"/>
+                </a:ext>
+              </a:extLst>
+            </p:cNvPr>
+            <p:cNvPicPr>
+              <a:picLocks noChangeAspect="1"/>
+            </p:cNvPicPr>
+            <p:nvPr/>
+          </p:nvPicPr>
+          <p:blipFill>
+            <a:blip r:embed="rId20">
+              <a:extLst>
+                <a:ext uri="{28A0092B-C50C-407E-A947-70E740481C1C}">
+                  <a14:useLocalDpi xmlns:a14="http://schemas.microsoft.com/office/drawing/2010/main" val="0"/>
+                </a:ext>
+                <a:ext uri="{96DAC541-7B7A-43D3-8B79-37D633B846F1}">
+                  <asvg:svgBlip xmlns:asvg="http://schemas.microsoft.com/office/drawing/2016/SVG/main" r:embed="rId21"/>
+                </a:ext>
+              </a:extLst>
+            </a:blip>
+            <a:stretch>
+              <a:fillRect/>
+            </a:stretch>
+          </p:blipFill>
+          <p:spPr>
+            <a:xfrm>
+              <a:off x="1826956" y="3705065"/>
+              <a:ext cx="499741" cy="499741"/>
+            </a:xfrm>
+            <a:prstGeom prst="rect">
+              <a:avLst/>
+            </a:prstGeom>
+          </p:spPr>
+        </p:pic>
+        <p:pic>
+          <p:nvPicPr>
+            <p:cNvPr id="64" name="Graphic 63" descr="Clipboard Partially Crossed with solid fill">
+              <a:extLst>
+                <a:ext uri="{FF2B5EF4-FFF2-40B4-BE49-F238E27FC236}">
+                  <a16:creationId xmlns:a16="http://schemas.microsoft.com/office/drawing/2014/main" id="{24BF40C8-D85C-DD1E-F67A-0AAC9D104BE9}"/>
+                </a:ext>
+              </a:extLst>
+            </p:cNvPr>
+            <p:cNvPicPr>
+              <a:picLocks noChangeAspect="1"/>
+            </p:cNvPicPr>
+            <p:nvPr/>
+          </p:nvPicPr>
+          <p:blipFill>
+            <a:blip r:embed="rId22">
+              <a:extLst>
+                <a:ext uri="{28A0092B-C50C-407E-A947-70E740481C1C}">
+                  <a14:useLocalDpi xmlns:a14="http://schemas.microsoft.com/office/drawing/2010/main" val="0"/>
+                </a:ext>
+                <a:ext uri="{96DAC541-7B7A-43D3-8B79-37D633B846F1}">
+                  <asvg:svgBlip xmlns:asvg="http://schemas.microsoft.com/office/drawing/2016/SVG/main" r:embed="rId23"/>
+                </a:ext>
+              </a:extLst>
+            </a:blip>
+            <a:stretch>
+              <a:fillRect/>
+            </a:stretch>
+          </p:blipFill>
+          <p:spPr>
+            <a:xfrm>
+              <a:off x="744771" y="3600286"/>
+              <a:ext cx="707070" cy="707070"/>
+            </a:xfrm>
+            <a:prstGeom prst="rect">
+              <a:avLst/>
+            </a:prstGeom>
+          </p:spPr>
+        </p:pic>
+      </p:grpSp>
+      <p:grpSp>
+        <p:nvGrpSpPr>
+          <p:cNvPr id="68" name="Group 67">
+            <a:extLst>
+              <a:ext uri="{FF2B5EF4-FFF2-40B4-BE49-F238E27FC236}">
+                <a16:creationId xmlns:a16="http://schemas.microsoft.com/office/drawing/2014/main" id="{BD9758B3-6D7E-6EFB-1D6B-08D93527F318}"/>
+              </a:ext>
+            </a:extLst>
+          </p:cNvPr>
+          <p:cNvGrpSpPr/>
+          <p:nvPr/>
+        </p:nvGrpSpPr>
+        <p:grpSpPr>
+          <a:xfrm>
+            <a:off x="4359900" y="3537955"/>
+            <a:ext cx="1581926" cy="707070"/>
+            <a:chOff x="744771" y="3600286"/>
+            <a:chExt cx="1581926" cy="707070"/>
+          </a:xfrm>
+        </p:grpSpPr>
+        <p:pic>
+          <p:nvPicPr>
+            <p:cNvPr id="69" name="Graphic 68" descr="Sustainability with solid fill">
+              <a:extLst>
+                <a:ext uri="{FF2B5EF4-FFF2-40B4-BE49-F238E27FC236}">
+                  <a16:creationId xmlns:a16="http://schemas.microsoft.com/office/drawing/2014/main" id="{8C1484A5-5029-D47C-7D5E-8BB49E7DE5B1}"/>
+                </a:ext>
+              </a:extLst>
+            </p:cNvPr>
+            <p:cNvPicPr>
+              <a:picLocks noChangeAspect="1"/>
+            </p:cNvPicPr>
+            <p:nvPr/>
+          </p:nvPicPr>
+          <p:blipFill>
+            <a:blip r:embed="rId18">
+              <a:extLst>
+                <a:ext uri="{28A0092B-C50C-407E-A947-70E740481C1C}">
+                  <a14:useLocalDpi xmlns:a14="http://schemas.microsoft.com/office/drawing/2010/main" val="0"/>
+                </a:ext>
+                <a:ext uri="{96DAC541-7B7A-43D3-8B79-37D633B846F1}">
+                  <asvg:svgBlip xmlns:asvg="http://schemas.microsoft.com/office/drawing/2016/SVG/main" r:embed="rId19"/>
+                </a:ext>
+              </a:extLst>
+            </a:blip>
+            <a:stretch>
+              <a:fillRect/>
+            </a:stretch>
+          </p:blipFill>
+          <p:spPr>
+            <a:xfrm>
+              <a:off x="1301196" y="3708961"/>
+              <a:ext cx="647999" cy="508908"/>
+            </a:xfrm>
+            <a:prstGeom prst="rect">
+              <a:avLst/>
+            </a:prstGeom>
+          </p:spPr>
+        </p:pic>
+        <p:pic>
+          <p:nvPicPr>
+            <p:cNvPr id="70" name="Graphic 69" descr="Lightbulb with solid fill">
+              <a:extLst>
+                <a:ext uri="{FF2B5EF4-FFF2-40B4-BE49-F238E27FC236}">
+                  <a16:creationId xmlns:a16="http://schemas.microsoft.com/office/drawing/2014/main" id="{78433BFC-71C7-B1F9-8447-ED13F6657E3F}"/>
+                </a:ext>
+              </a:extLst>
+            </p:cNvPr>
+            <p:cNvPicPr>
+              <a:picLocks noChangeAspect="1"/>
+            </p:cNvPicPr>
+            <p:nvPr/>
+          </p:nvPicPr>
+          <p:blipFill>
+            <a:blip r:embed="rId20">
+              <a:extLst>
+                <a:ext uri="{28A0092B-C50C-407E-A947-70E740481C1C}">
+                  <a14:useLocalDpi xmlns:a14="http://schemas.microsoft.com/office/drawing/2010/main" val="0"/>
+                </a:ext>
+                <a:ext uri="{96DAC541-7B7A-43D3-8B79-37D633B846F1}">
+                  <asvg:svgBlip xmlns:asvg="http://schemas.microsoft.com/office/drawing/2016/SVG/main" r:embed="rId21"/>
+                </a:ext>
+              </a:extLst>
+            </a:blip>
+            <a:stretch>
+              <a:fillRect/>
+            </a:stretch>
+          </p:blipFill>
+          <p:spPr>
+            <a:xfrm>
+              <a:off x="1826956" y="3705065"/>
+              <a:ext cx="499741" cy="499741"/>
+            </a:xfrm>
+            <a:prstGeom prst="rect">
+              <a:avLst/>
+            </a:prstGeom>
+          </p:spPr>
+        </p:pic>
+        <p:pic>
+          <p:nvPicPr>
+            <p:cNvPr id="71" name="Graphic 70" descr="Clipboard Partially Crossed with solid fill">
+              <a:extLst>
+                <a:ext uri="{FF2B5EF4-FFF2-40B4-BE49-F238E27FC236}">
+                  <a16:creationId xmlns:a16="http://schemas.microsoft.com/office/drawing/2014/main" id="{D9A97AA8-A822-6A5A-EA6D-05B4AD8B9052}"/>
+                </a:ext>
+              </a:extLst>
+            </p:cNvPr>
+            <p:cNvPicPr>
+              <a:picLocks noChangeAspect="1"/>
+            </p:cNvPicPr>
+            <p:nvPr/>
+          </p:nvPicPr>
+          <p:blipFill>
+            <a:blip r:embed="rId22">
+              <a:extLst>
+                <a:ext uri="{28A0092B-C50C-407E-A947-70E740481C1C}">
+                  <a14:useLocalDpi xmlns:a14="http://schemas.microsoft.com/office/drawing/2010/main" val="0"/>
+                </a:ext>
+                <a:ext uri="{96DAC541-7B7A-43D3-8B79-37D633B846F1}">
+                  <asvg:svgBlip xmlns:asvg="http://schemas.microsoft.com/office/drawing/2016/SVG/main" r:embed="rId23"/>
+                </a:ext>
+              </a:extLst>
+            </a:blip>
+            <a:stretch>
+              <a:fillRect/>
+            </a:stretch>
+          </p:blipFill>
+          <p:spPr>
+            <a:xfrm>
+              <a:off x="744771" y="3600286"/>
+              <a:ext cx="707070" cy="707070"/>
+            </a:xfrm>
+            <a:prstGeom prst="rect">
+              <a:avLst/>
+            </a:prstGeom>
+          </p:spPr>
+        </p:pic>
+      </p:grpSp>
+      <p:grpSp>
+        <p:nvGrpSpPr>
+          <p:cNvPr id="72" name="Group 71">
+            <a:extLst>
+              <a:ext uri="{FF2B5EF4-FFF2-40B4-BE49-F238E27FC236}">
+                <a16:creationId xmlns:a16="http://schemas.microsoft.com/office/drawing/2014/main" id="{4E777CD3-AD8F-7691-C24E-CE2ACF0C2C63}"/>
+              </a:ext>
+            </a:extLst>
+          </p:cNvPr>
+          <p:cNvGrpSpPr/>
+          <p:nvPr/>
+        </p:nvGrpSpPr>
+        <p:grpSpPr>
+          <a:xfrm>
+            <a:off x="8121010" y="3574106"/>
+            <a:ext cx="1581926" cy="707070"/>
+            <a:chOff x="744771" y="3600286"/>
+            <a:chExt cx="1581926" cy="707070"/>
+          </a:xfrm>
+        </p:grpSpPr>
+        <p:pic>
+          <p:nvPicPr>
+            <p:cNvPr id="73" name="Graphic 72" descr="Sustainability with solid fill">
+              <a:extLst>
+                <a:ext uri="{FF2B5EF4-FFF2-40B4-BE49-F238E27FC236}">
+                  <a16:creationId xmlns:a16="http://schemas.microsoft.com/office/drawing/2014/main" id="{8C8DEC19-58A6-D926-5A64-B9EB9B8CC453}"/>
+                </a:ext>
+              </a:extLst>
+            </p:cNvPr>
+            <p:cNvPicPr>
+              <a:picLocks noChangeAspect="1"/>
+            </p:cNvPicPr>
+            <p:nvPr/>
+          </p:nvPicPr>
+          <p:blipFill>
+            <a:blip r:embed="rId18">
+              <a:extLst>
+                <a:ext uri="{28A0092B-C50C-407E-A947-70E740481C1C}">
+                  <a14:useLocalDpi xmlns:a14="http://schemas.microsoft.com/office/drawing/2010/main" val="0"/>
+                </a:ext>
+                <a:ext uri="{96DAC541-7B7A-43D3-8B79-37D633B846F1}">
+                  <asvg:svgBlip xmlns:asvg="http://schemas.microsoft.com/office/drawing/2016/SVG/main" r:embed="rId19"/>
+                </a:ext>
+              </a:extLst>
+            </a:blip>
+            <a:stretch>
+              <a:fillRect/>
+            </a:stretch>
+          </p:blipFill>
+          <p:spPr>
+            <a:xfrm>
+              <a:off x="1301196" y="3708961"/>
+              <a:ext cx="647999" cy="508908"/>
+            </a:xfrm>
+            <a:prstGeom prst="rect">
+              <a:avLst/>
+            </a:prstGeom>
+          </p:spPr>
+        </p:pic>
+        <p:pic>
+          <p:nvPicPr>
+            <p:cNvPr id="74" name="Graphic 73" descr="Lightbulb with solid fill">
+              <a:extLst>
+                <a:ext uri="{FF2B5EF4-FFF2-40B4-BE49-F238E27FC236}">
+                  <a16:creationId xmlns:a16="http://schemas.microsoft.com/office/drawing/2014/main" id="{9F580138-F048-BE0E-ACB8-AE05A75537AD}"/>
+                </a:ext>
+              </a:extLst>
+            </p:cNvPr>
+            <p:cNvPicPr>
+              <a:picLocks noChangeAspect="1"/>
+            </p:cNvPicPr>
+            <p:nvPr/>
+          </p:nvPicPr>
+          <p:blipFill>
+            <a:blip r:embed="rId20">
+              <a:extLst>
+                <a:ext uri="{28A0092B-C50C-407E-A947-70E740481C1C}">
+                  <a14:useLocalDpi xmlns:a14="http://schemas.microsoft.com/office/drawing/2010/main" val="0"/>
+                </a:ext>
+                <a:ext uri="{96DAC541-7B7A-43D3-8B79-37D633B846F1}">
+                  <asvg:svgBlip xmlns:asvg="http://schemas.microsoft.com/office/drawing/2016/SVG/main" r:embed="rId21"/>
+                </a:ext>
+              </a:extLst>
+            </a:blip>
+            <a:stretch>
+              <a:fillRect/>
+            </a:stretch>
+          </p:blipFill>
+          <p:spPr>
+            <a:xfrm>
+              <a:off x="1826956" y="3705065"/>
+              <a:ext cx="499741" cy="499741"/>
+            </a:xfrm>
+            <a:prstGeom prst="rect">
+              <a:avLst/>
+            </a:prstGeom>
+          </p:spPr>
+        </p:pic>
+        <p:pic>
+          <p:nvPicPr>
+            <p:cNvPr id="75" name="Graphic 74" descr="Clipboard Partially Crossed with solid fill">
+              <a:extLst>
+                <a:ext uri="{FF2B5EF4-FFF2-40B4-BE49-F238E27FC236}">
+                  <a16:creationId xmlns:a16="http://schemas.microsoft.com/office/drawing/2014/main" id="{AA684E2D-914C-21F8-51BB-E8D243D2947E}"/>
+                </a:ext>
+              </a:extLst>
+            </p:cNvPr>
+            <p:cNvPicPr>
+              <a:picLocks noChangeAspect="1"/>
+            </p:cNvPicPr>
+            <p:nvPr/>
+          </p:nvPicPr>
+          <p:blipFill>
+            <a:blip r:embed="rId22">
+              <a:extLst>
+                <a:ext uri="{28A0092B-C50C-407E-A947-70E740481C1C}">
+                  <a14:useLocalDpi xmlns:a14="http://schemas.microsoft.com/office/drawing/2010/main" val="0"/>
+                </a:ext>
+                <a:ext uri="{96DAC541-7B7A-43D3-8B79-37D633B846F1}">
+                  <asvg:svgBlip xmlns:asvg="http://schemas.microsoft.com/office/drawing/2016/SVG/main" r:embed="rId23"/>
+                </a:ext>
+              </a:extLst>
+            </a:blip>
+            <a:stretch>
+              <a:fillRect/>
+            </a:stretch>
+          </p:blipFill>
+          <p:spPr>
+            <a:xfrm>
+              <a:off x="744771" y="3600286"/>
+              <a:ext cx="707070" cy="707070"/>
+            </a:xfrm>
+            <a:prstGeom prst="rect">
+              <a:avLst/>
+            </a:prstGeom>
+          </p:spPr>
+        </p:pic>
+      </p:grpSp>
+      <p:sp>
+        <p:nvSpPr>
+          <p:cNvPr id="89" name="Arrow: Right 88">
+            <a:extLst>
+              <a:ext uri="{FF2B5EF4-FFF2-40B4-BE49-F238E27FC236}">
+                <a16:creationId xmlns:a16="http://schemas.microsoft.com/office/drawing/2014/main" id="{54BD55DC-F9BF-04AF-296D-059E6D4C732F}"/>
+              </a:ext>
+            </a:extLst>
+          </p:cNvPr>
+          <p:cNvSpPr/>
+          <p:nvPr/>
+        </p:nvSpPr>
+        <p:spPr>
+          <a:xfrm rot="16200000">
+            <a:off x="8758015" y="4474650"/>
+            <a:ext cx="444583" cy="109994"/>
+          </a:xfrm>
+          <a:prstGeom prst="rightArrow">
+            <a:avLst/>
+          </a:prstGeom>
+          <a:solidFill>
+            <a:schemeClr val="tx1"/>
+          </a:solidFill>
+          <a:ln w="6350"/>
+        </p:spPr>
+        <p:style>
+          <a:lnRef idx="2">
+            <a:schemeClr val="dk1">
+              <a:shade val="15000"/>
+            </a:schemeClr>
+          </a:lnRef>
+          <a:fillRef idx="1">
+            <a:schemeClr val="dk1"/>
+          </a:fillRef>
+          <a:effectRef idx="0">
+            <a:schemeClr val="dk1"/>
+          </a:effectRef>
+          <a:fontRef idx="minor">
+            <a:schemeClr val="lt1"/>
+          </a:fontRef>
+        </p:style>
+        <p:txBody>
+          <a:bodyPr rtlCol="0" anchor="ctr"/>
+          <a:lstStyle/>
+          <a:p>
+            <a:pPr algn="ctr"/>
+            <a:endParaRPr lang="en-GB"/>
+          </a:p>
+        </p:txBody>
+      </p:sp>
+      <p:grpSp>
+        <p:nvGrpSpPr>
+          <p:cNvPr id="99" name="Group 98">
+            <a:extLst>
+              <a:ext uri="{FF2B5EF4-FFF2-40B4-BE49-F238E27FC236}">
+                <a16:creationId xmlns:a16="http://schemas.microsoft.com/office/drawing/2014/main" id="{7DD0EC58-21D0-2DEE-B1D5-C80287D2407A}"/>
+              </a:ext>
+            </a:extLst>
+          </p:cNvPr>
+          <p:cNvGrpSpPr/>
+          <p:nvPr/>
+        </p:nvGrpSpPr>
+        <p:grpSpPr>
+          <a:xfrm>
+            <a:off x="1515201" y="4307355"/>
+            <a:ext cx="7486233" cy="457959"/>
+            <a:chOff x="1515201" y="4307355"/>
+            <a:chExt cx="7486233" cy="457959"/>
+          </a:xfrm>
+        </p:grpSpPr>
+        <p:cxnSp>
+          <p:nvCxnSpPr>
+            <p:cNvPr id="91" name="Straight Connector 90">
+              <a:extLst>
+                <a:ext uri="{FF2B5EF4-FFF2-40B4-BE49-F238E27FC236}">
+                  <a16:creationId xmlns:a16="http://schemas.microsoft.com/office/drawing/2014/main" id="{680D9BEB-048E-95BA-AA19-47B971115263}"/>
+                </a:ext>
+              </a:extLst>
+            </p:cNvPr>
+            <p:cNvCxnSpPr>
+              <a:cxnSpLocks/>
+            </p:cNvCxnSpPr>
+            <p:nvPr/>
+          </p:nvCxnSpPr>
+          <p:spPr>
+            <a:xfrm flipV="1">
+              <a:off x="1534526" y="4726687"/>
+              <a:ext cx="7466908" cy="38627"/>
+            </a:xfrm>
+            <a:prstGeom prst="line">
+              <a:avLst/>
+            </a:prstGeom>
+            <a:ln w="57150"/>
+          </p:spPr>
+          <p:style>
+            <a:lnRef idx="2">
+              <a:schemeClr val="dk1"/>
+            </a:lnRef>
+            <a:fillRef idx="0">
+              <a:schemeClr val="dk1"/>
+            </a:fillRef>
+            <a:effectRef idx="1">
+              <a:schemeClr val="dk1"/>
+            </a:effectRef>
+            <a:fontRef idx="minor">
+              <a:schemeClr val="tx1"/>
+            </a:fontRef>
+          </p:style>
+        </p:cxnSp>
         <p:sp>
           <p:nvSpPr>
-            <p:cNvPr id="43" name="Oval 42">
+            <p:cNvPr id="94" name="Arrow: Right 93">
               <a:extLst>
                 <a:ext uri="{FF2B5EF4-FFF2-40B4-BE49-F238E27FC236}">
-                  <a16:creationId xmlns:a16="http://schemas.microsoft.com/office/drawing/2014/main" id="{5A63AF66-10C6-C9EC-904B-CF046A936FB7}"/>
+                  <a16:creationId xmlns:a16="http://schemas.microsoft.com/office/drawing/2014/main" id="{30D25DB9-0BA6-4222-E4D1-071C7DB18C02}"/>
                 </a:ext>
               </a:extLst>
             </p:cNvPr>
@@ -5238,31 +6661,29 @@
             <p:nvPr/>
           </p:nvSpPr>
           <p:spPr>
-            <a:xfrm>
-              <a:off x="1338162" y="3800678"/>
-              <a:ext cx="2945864" cy="2795518"/>
+            <a:xfrm rot="16200000">
+              <a:off x="4990691" y="4474650"/>
+              <a:ext cx="444583" cy="109994"/>
             </a:xfrm>
-            <a:prstGeom prst="ellipse">
+            <a:prstGeom prst="rightArrow">
               <a:avLst/>
             </a:prstGeom>
             <a:solidFill>
-              <a:schemeClr val="bg1"/>
+              <a:schemeClr val="tx1"/>
             </a:solidFill>
-            <a:ln>
-              <a:prstDash val="solid"/>
-            </a:ln>
+            <a:ln w="6350"/>
           </p:spPr>
           <p:style>
             <a:lnRef idx="2">
-              <a:schemeClr val="accent1">
+              <a:schemeClr val="dk1">
                 <a:shade val="15000"/>
               </a:schemeClr>
             </a:lnRef>
             <a:fillRef idx="1">
-              <a:schemeClr val="accent1"/>
+              <a:schemeClr val="dk1"/>
             </a:fillRef>
             <a:effectRef idx="0">
-              <a:schemeClr val="accent1"/>
+              <a:schemeClr val="dk1"/>
             </a:effectRef>
             <a:fontRef idx="minor">
               <a:schemeClr val="lt1"/>
@@ -5273,134 +6694,67 @@
             <a:lstStyle/>
             <a:p>
               <a:pPr algn="ctr"/>
-              <a:endParaRPr lang="en-GB" dirty="0"/>
+              <a:endParaRPr lang="en-GB"/>
             </a:p>
           </p:txBody>
         </p:sp>
-        <p:pic>
-          <p:nvPicPr>
-            <p:cNvPr id="34" name="Graphic 33" descr="Meeting with solid fill">
+        <p:sp>
+          <p:nvSpPr>
+            <p:cNvPr id="95" name="Arrow: Right 94">
               <a:extLst>
                 <a:ext uri="{FF2B5EF4-FFF2-40B4-BE49-F238E27FC236}">
-                  <a16:creationId xmlns:a16="http://schemas.microsoft.com/office/drawing/2014/main" id="{3FF61B1E-E383-3A25-CD99-DF5B777A12DD}"/>
+                  <a16:creationId xmlns:a16="http://schemas.microsoft.com/office/drawing/2014/main" id="{DC924BE0-6871-3C1F-0AA6-D507BA3C71F9}"/>
                 </a:ext>
               </a:extLst>
             </p:cNvPr>
-            <p:cNvPicPr>
-              <a:picLocks noChangeAspect="1"/>
-            </p:cNvPicPr>
+            <p:cNvSpPr/>
             <p:nvPr/>
-          </p:nvPicPr>
-          <p:blipFill>
-            <a:blip r:embed="rId10">
-              <a:extLst>
-                <a:ext uri="{28A0092B-C50C-407E-A947-70E740481C1C}">
-                  <a14:useLocalDpi xmlns:a14="http://schemas.microsoft.com/office/drawing/2010/main" val="0"/>
-                </a:ext>
-                <a:ext uri="{96DAC541-7B7A-43D3-8B79-37D633B846F1}">
-                  <asvg:svgBlip xmlns:asvg="http://schemas.microsoft.com/office/drawing/2016/SVG/main" r:embed="rId11"/>
-                </a:ext>
-              </a:extLst>
-            </a:blip>
-            <a:stretch>
-              <a:fillRect/>
-            </a:stretch>
-          </p:blipFill>
+          </p:nvSpPr>
           <p:spPr>
-            <a:xfrm>
-              <a:off x="1585967" y="4273307"/>
-              <a:ext cx="914400" cy="914400"/>
+            <a:xfrm rot="16200000">
+              <a:off x="1347906" y="4474650"/>
+              <a:ext cx="444583" cy="109994"/>
             </a:xfrm>
-            <a:prstGeom prst="rect">
+            <a:prstGeom prst="rightArrow">
               <a:avLst/>
             </a:prstGeom>
+            <a:solidFill>
+              <a:schemeClr val="tx1"/>
+            </a:solidFill>
+            <a:ln w="6350"/>
           </p:spPr>
-        </p:pic>
-        <p:pic>
-          <p:nvPicPr>
-            <p:cNvPr id="36" name="Graphic 35" descr="Group success with solid fill">
-              <a:extLst>
-                <a:ext uri="{FF2B5EF4-FFF2-40B4-BE49-F238E27FC236}">
-                  <a16:creationId xmlns:a16="http://schemas.microsoft.com/office/drawing/2014/main" id="{5252AEED-782D-11A7-58BC-474922C35605}"/>
-                </a:ext>
-              </a:extLst>
-            </p:cNvPr>
-            <p:cNvPicPr>
-              <a:picLocks noChangeAspect="1"/>
-            </p:cNvPicPr>
-            <p:nvPr/>
-          </p:nvPicPr>
-          <p:blipFill>
-            <a:blip r:embed="rId12">
-              <a:extLst>
-                <a:ext uri="{28A0092B-C50C-407E-A947-70E740481C1C}">
-                  <a14:useLocalDpi xmlns:a14="http://schemas.microsoft.com/office/drawing/2010/main" val="0"/>
-                </a:ext>
-                <a:ext uri="{96DAC541-7B7A-43D3-8B79-37D633B846F1}">
-                  <asvg:svgBlip xmlns:asvg="http://schemas.microsoft.com/office/drawing/2016/SVG/main" r:embed="rId13"/>
-                </a:ext>
-              </a:extLst>
-            </a:blip>
-            <a:stretch>
-              <a:fillRect/>
-            </a:stretch>
-          </p:blipFill>
-          <p:spPr>
-            <a:xfrm>
-              <a:off x="3061927" y="4193258"/>
-              <a:ext cx="914400" cy="914400"/>
-            </a:xfrm>
-            <a:prstGeom prst="rect">
-              <a:avLst/>
-            </a:prstGeom>
-          </p:spPr>
-        </p:pic>
-        <p:pic>
-          <p:nvPicPr>
-            <p:cNvPr id="38" name="Graphic 37" descr="Group of people with solid fill">
-              <a:extLst>
-                <a:ext uri="{FF2B5EF4-FFF2-40B4-BE49-F238E27FC236}">
-                  <a16:creationId xmlns:a16="http://schemas.microsoft.com/office/drawing/2014/main" id="{A4C96CED-29F0-595C-9CD7-D1CB341ECBF0}"/>
-                </a:ext>
-              </a:extLst>
-            </p:cNvPr>
-            <p:cNvPicPr>
-              <a:picLocks noChangeAspect="1"/>
-            </p:cNvPicPr>
-            <p:nvPr/>
-          </p:nvPicPr>
-          <p:blipFill>
-            <a:blip r:embed="rId14">
-              <a:extLst>
-                <a:ext uri="{28A0092B-C50C-407E-A947-70E740481C1C}">
-                  <a14:useLocalDpi xmlns:a14="http://schemas.microsoft.com/office/drawing/2010/main" val="0"/>
-                </a:ext>
-                <a:ext uri="{96DAC541-7B7A-43D3-8B79-37D633B846F1}">
-                  <asvg:svgBlip xmlns:asvg="http://schemas.microsoft.com/office/drawing/2016/SVG/main" r:embed="rId15"/>
-                </a:ext>
-              </a:extLst>
-            </a:blip>
-            <a:stretch>
-              <a:fillRect/>
-            </a:stretch>
-          </p:blipFill>
-          <p:spPr>
-            <a:xfrm>
-              <a:off x="2353894" y="5347252"/>
-              <a:ext cx="914400" cy="914400"/>
-            </a:xfrm>
-            <a:prstGeom prst="rect">
-              <a:avLst/>
-            </a:prstGeom>
-          </p:spPr>
-        </p:pic>
+          <p:style>
+            <a:lnRef idx="2">
+              <a:schemeClr val="dk1">
+                <a:shade val="15000"/>
+              </a:schemeClr>
+            </a:lnRef>
+            <a:fillRef idx="1">
+              <a:schemeClr val="dk1"/>
+            </a:fillRef>
+            <a:effectRef idx="0">
+              <a:schemeClr val="dk1"/>
+            </a:effectRef>
+            <a:fontRef idx="minor">
+              <a:schemeClr val="lt1"/>
+            </a:fontRef>
+          </p:style>
+          <p:txBody>
+            <a:bodyPr rtlCol="0" anchor="ctr"/>
+            <a:lstStyle/>
+            <a:p>
+              <a:pPr algn="ctr"/>
+              <a:endParaRPr lang="en-GB"/>
+            </a:p>
+          </p:txBody>
+        </p:sp>
       </p:grpSp>
       <p:pic>
         <p:nvPicPr>
-          <p:cNvPr id="40" name="Graphic 39" descr="List with solid fill">
-            <a:extLst>
-              <a:ext uri="{FF2B5EF4-FFF2-40B4-BE49-F238E27FC236}">
-                <a16:creationId xmlns:a16="http://schemas.microsoft.com/office/drawing/2014/main" id="{01A162F6-3101-13E7-7B08-410962C5F017}"/>
+          <p:cNvPr id="96" name="Graphic 95" descr="Clock with solid fill">
+            <a:extLst>
+              <a:ext uri="{FF2B5EF4-FFF2-40B4-BE49-F238E27FC236}">
+                <a16:creationId xmlns:a16="http://schemas.microsoft.com/office/drawing/2014/main" id="{3F4B4452-9BF5-9469-DE19-0B2DD8304E6B}"/>
               </a:ext>
             </a:extLst>
           </p:cNvPr>
@@ -5410,13 +6764,13 @@
           <p:nvPr/>
         </p:nvPicPr>
         <p:blipFill>
-          <a:blip r:embed="rId16">
+          <a:blip r:embed="rId24">
             <a:extLst>
               <a:ext uri="{28A0092B-C50C-407E-A947-70E740481C1C}">
                 <a14:useLocalDpi xmlns:a14="http://schemas.microsoft.com/office/drawing/2010/main" val="0"/>
               </a:ext>
               <a:ext uri="{96DAC541-7B7A-43D3-8B79-37D633B846F1}">
-                <asvg:svgBlip xmlns:asvg="http://schemas.microsoft.com/office/drawing/2016/SVG/main" r:embed="rId17"/>
+                <asvg:svgBlip xmlns:asvg="http://schemas.microsoft.com/office/drawing/2016/SVG/main" r:embed="rId25"/>
               </a:ext>
             </a:extLst>
           </a:blip>
@@ -5426,59 +6780,535 @@
         </p:blipFill>
         <p:spPr>
           <a:xfrm>
-            <a:off x="8313925" y="2529623"/>
-            <a:ext cx="2191749" cy="2191749"/>
+            <a:off x="-50400" y="5419344"/>
+            <a:ext cx="914400" cy="914400"/>
           </a:xfrm>
           <a:prstGeom prst="rect">
             <a:avLst/>
           </a:prstGeom>
         </p:spPr>
       </p:pic>
-      <p:pic>
-        <p:nvPicPr>
-          <p:cNvPr id="42" name="Graphic 41" descr="Question Mark with solid fill">
-            <a:extLst>
-              <a:ext uri="{FF2B5EF4-FFF2-40B4-BE49-F238E27FC236}">
-                <a16:creationId xmlns:a16="http://schemas.microsoft.com/office/drawing/2014/main" id="{8187951D-7F31-C308-9896-CCA9E0B08065}"/>
-              </a:ext>
-            </a:extLst>
-          </p:cNvPr>
-          <p:cNvPicPr>
-            <a:picLocks noChangeAspect="1"/>
-          </p:cNvPicPr>
+      <p:sp>
+        <p:nvSpPr>
+          <p:cNvPr id="97" name="TextBox 96">
+            <a:extLst>
+              <a:ext uri="{FF2B5EF4-FFF2-40B4-BE49-F238E27FC236}">
+                <a16:creationId xmlns:a16="http://schemas.microsoft.com/office/drawing/2014/main" id="{81A175CA-2C7B-B345-C227-A9AB08F82915}"/>
+              </a:ext>
+            </a:extLst>
+          </p:cNvPr>
+          <p:cNvSpPr txBox="1"/>
           <p:nvPr/>
-        </p:nvPicPr>
-        <p:blipFill>
-          <a:blip r:embed="rId18">
-            <a:extLst>
-              <a:ext uri="{28A0092B-C50C-407E-A947-70E740481C1C}">
-                <a14:useLocalDpi xmlns:a14="http://schemas.microsoft.com/office/drawing/2010/main" val="0"/>
-              </a:ext>
-              <a:ext uri="{96DAC541-7B7A-43D3-8B79-37D633B846F1}">
-                <asvg:svgBlip xmlns:asvg="http://schemas.microsoft.com/office/drawing/2016/SVG/main" r:embed="rId19"/>
-              </a:ext>
-            </a:extLst>
-          </a:blip>
-          <a:stretch>
-            <a:fillRect/>
-          </a:stretch>
-        </p:blipFill>
+        </p:nvSpPr>
         <p:spPr>
           <a:xfrm>
-            <a:off x="10110467" y="3145534"/>
-            <a:ext cx="914400" cy="914400"/>
+            <a:off x="8274282" y="4722981"/>
+            <a:ext cx="553798" cy="461665"/>
           </a:xfrm>
           <a:prstGeom prst="rect">
             <a:avLst/>
           </a:prstGeom>
-        </p:spPr>
-      </p:pic>
+          <a:noFill/>
+        </p:spPr>
+        <p:txBody>
+          <a:bodyPr wrap="square" rtlCol="0">
+            <a:spAutoFit/>
+          </a:bodyPr>
+          <a:lstStyle/>
+          <a:p>
+            <a:r>
+              <a:rPr lang="en-GB" sz="2400" b="1" dirty="0"/>
+              <a:t>1.</a:t>
+            </a:r>
+          </a:p>
+        </p:txBody>
+      </p:sp>
+      <p:sp>
+        <p:nvSpPr>
+          <p:cNvPr id="98" name="TextBox 97">
+            <a:extLst>
+              <a:ext uri="{FF2B5EF4-FFF2-40B4-BE49-F238E27FC236}">
+                <a16:creationId xmlns:a16="http://schemas.microsoft.com/office/drawing/2014/main" id="{09624F0D-20E9-A728-803E-43280480343A}"/>
+              </a:ext>
+            </a:extLst>
+          </p:cNvPr>
+          <p:cNvSpPr txBox="1"/>
+          <p:nvPr/>
+        </p:nvSpPr>
+        <p:spPr>
+          <a:xfrm>
+            <a:off x="10053132" y="3987036"/>
+            <a:ext cx="553798" cy="461665"/>
+          </a:xfrm>
+          <a:prstGeom prst="rect">
+            <a:avLst/>
+          </a:prstGeom>
+          <a:noFill/>
+        </p:spPr>
+        <p:txBody>
+          <a:bodyPr wrap="square" rtlCol="0">
+            <a:spAutoFit/>
+          </a:bodyPr>
+          <a:lstStyle/>
+          <a:p>
+            <a:r>
+              <a:rPr lang="en-GB" sz="2400" b="1" dirty="0"/>
+              <a:t>3.</a:t>
+            </a:r>
+          </a:p>
+        </p:txBody>
+      </p:sp>
+      <p:grpSp>
+        <p:nvGrpSpPr>
+          <p:cNvPr id="101" name="Group 100">
+            <a:extLst>
+              <a:ext uri="{FF2B5EF4-FFF2-40B4-BE49-F238E27FC236}">
+                <a16:creationId xmlns:a16="http://schemas.microsoft.com/office/drawing/2014/main" id="{2E64187B-508F-6959-DD87-404A5898973F}"/>
+              </a:ext>
+            </a:extLst>
+          </p:cNvPr>
+          <p:cNvGrpSpPr/>
+          <p:nvPr/>
+        </p:nvGrpSpPr>
+        <p:grpSpPr>
+          <a:xfrm rot="10800000">
+            <a:off x="1494138" y="2505239"/>
+            <a:ext cx="8108806" cy="457283"/>
+            <a:chOff x="1502501" y="4307355"/>
+            <a:chExt cx="8108806" cy="457283"/>
+          </a:xfrm>
+        </p:grpSpPr>
+        <p:cxnSp>
+          <p:nvCxnSpPr>
+            <p:cNvPr id="102" name="Straight Connector 101">
+              <a:extLst>
+                <a:ext uri="{FF2B5EF4-FFF2-40B4-BE49-F238E27FC236}">
+                  <a16:creationId xmlns:a16="http://schemas.microsoft.com/office/drawing/2014/main" id="{27271DFC-F76B-1717-E1F0-EEED87F93214}"/>
+                </a:ext>
+              </a:extLst>
+            </p:cNvPr>
+            <p:cNvCxnSpPr>
+              <a:cxnSpLocks/>
+            </p:cNvCxnSpPr>
+            <p:nvPr/>
+          </p:nvCxnSpPr>
+          <p:spPr>
+            <a:xfrm rot="10800000" flipH="1" flipV="1">
+              <a:off x="1527900" y="4751938"/>
+              <a:ext cx="8083407" cy="12539"/>
+            </a:xfrm>
+            <a:prstGeom prst="line">
+              <a:avLst/>
+            </a:prstGeom>
+            <a:ln w="57150"/>
+          </p:spPr>
+          <p:style>
+            <a:lnRef idx="2">
+              <a:schemeClr val="dk1"/>
+            </a:lnRef>
+            <a:fillRef idx="0">
+              <a:schemeClr val="dk1"/>
+            </a:fillRef>
+            <a:effectRef idx="1">
+              <a:schemeClr val="dk1"/>
+            </a:effectRef>
+            <a:fontRef idx="minor">
+              <a:schemeClr val="tx1"/>
+            </a:fontRef>
+          </p:style>
+        </p:cxnSp>
+        <p:sp>
+          <p:nvSpPr>
+            <p:cNvPr id="103" name="Arrow: Right 102">
+              <a:extLst>
+                <a:ext uri="{FF2B5EF4-FFF2-40B4-BE49-F238E27FC236}">
+                  <a16:creationId xmlns:a16="http://schemas.microsoft.com/office/drawing/2014/main" id="{345560A1-7784-2207-6BEC-DF5B3E1FA71A}"/>
+                </a:ext>
+              </a:extLst>
+            </p:cNvPr>
+            <p:cNvSpPr/>
+            <p:nvPr/>
+          </p:nvSpPr>
+          <p:spPr>
+            <a:xfrm rot="16200000">
+              <a:off x="4990691" y="4474650"/>
+              <a:ext cx="444583" cy="109994"/>
+            </a:xfrm>
+            <a:prstGeom prst="rightArrow">
+              <a:avLst/>
+            </a:prstGeom>
+            <a:solidFill>
+              <a:schemeClr val="tx1"/>
+            </a:solidFill>
+            <a:ln w="6350"/>
+          </p:spPr>
+          <p:style>
+            <a:lnRef idx="2">
+              <a:schemeClr val="dk1">
+                <a:shade val="15000"/>
+              </a:schemeClr>
+            </a:lnRef>
+            <a:fillRef idx="1">
+              <a:schemeClr val="dk1"/>
+            </a:fillRef>
+            <a:effectRef idx="0">
+              <a:schemeClr val="dk1"/>
+            </a:effectRef>
+            <a:fontRef idx="minor">
+              <a:schemeClr val="lt1"/>
+            </a:fontRef>
+          </p:style>
+          <p:txBody>
+            <a:bodyPr rtlCol="0" anchor="ctr"/>
+            <a:lstStyle/>
+            <a:p>
+              <a:pPr algn="ctr"/>
+              <a:endParaRPr lang="en-GB"/>
+            </a:p>
+          </p:txBody>
+        </p:sp>
+        <p:sp>
+          <p:nvSpPr>
+            <p:cNvPr id="104" name="Arrow: Right 103">
+              <a:extLst>
+                <a:ext uri="{FF2B5EF4-FFF2-40B4-BE49-F238E27FC236}">
+                  <a16:creationId xmlns:a16="http://schemas.microsoft.com/office/drawing/2014/main" id="{1F18F635-C0C7-6535-27BB-7CB9D5A52B50}"/>
+                </a:ext>
+              </a:extLst>
+            </p:cNvPr>
+            <p:cNvSpPr/>
+            <p:nvPr/>
+          </p:nvSpPr>
+          <p:spPr>
+            <a:xfrm rot="16200000">
+              <a:off x="1335206" y="4487350"/>
+              <a:ext cx="444583" cy="109994"/>
+            </a:xfrm>
+            <a:prstGeom prst="rightArrow">
+              <a:avLst/>
+            </a:prstGeom>
+            <a:solidFill>
+              <a:schemeClr val="tx1"/>
+            </a:solidFill>
+            <a:ln w="6350"/>
+          </p:spPr>
+          <p:style>
+            <a:lnRef idx="2">
+              <a:schemeClr val="dk1">
+                <a:shade val="15000"/>
+              </a:schemeClr>
+            </a:lnRef>
+            <a:fillRef idx="1">
+              <a:schemeClr val="dk1"/>
+            </a:fillRef>
+            <a:effectRef idx="0">
+              <a:schemeClr val="dk1"/>
+            </a:effectRef>
+            <a:fontRef idx="minor">
+              <a:schemeClr val="lt1"/>
+            </a:fontRef>
+          </p:style>
+          <p:txBody>
+            <a:bodyPr rtlCol="0" anchor="ctr"/>
+            <a:lstStyle/>
+            <a:p>
+              <a:pPr algn="ctr"/>
+              <a:endParaRPr lang="en-GB"/>
+            </a:p>
+          </p:txBody>
+        </p:sp>
+      </p:grpSp>
+      <p:sp>
+        <p:nvSpPr>
+          <p:cNvPr id="105" name="Arrow: Right 104">
+            <a:extLst>
+              <a:ext uri="{FF2B5EF4-FFF2-40B4-BE49-F238E27FC236}">
+                <a16:creationId xmlns:a16="http://schemas.microsoft.com/office/drawing/2014/main" id="{5B60979F-3371-CD53-F804-B56C70746292}"/>
+              </a:ext>
+            </a:extLst>
+          </p:cNvPr>
+          <p:cNvSpPr/>
+          <p:nvPr/>
+        </p:nvSpPr>
+        <p:spPr>
+          <a:xfrm rot="5400000">
+            <a:off x="8707445" y="2710486"/>
+            <a:ext cx="444583" cy="109994"/>
+          </a:xfrm>
+          <a:prstGeom prst="rightArrow">
+            <a:avLst/>
+          </a:prstGeom>
+          <a:solidFill>
+            <a:schemeClr val="tx1"/>
+          </a:solidFill>
+          <a:ln w="6350"/>
+        </p:spPr>
+        <p:style>
+          <a:lnRef idx="2">
+            <a:schemeClr val="dk1">
+              <a:shade val="15000"/>
+            </a:schemeClr>
+          </a:lnRef>
+          <a:fillRef idx="1">
+            <a:schemeClr val="dk1"/>
+          </a:fillRef>
+          <a:effectRef idx="0">
+            <a:schemeClr val="dk1"/>
+          </a:effectRef>
+          <a:fontRef idx="minor">
+            <a:schemeClr val="lt1"/>
+          </a:fontRef>
+        </p:style>
+        <p:txBody>
+          <a:bodyPr rtlCol="0" anchor="ctr"/>
+          <a:lstStyle/>
+          <a:p>
+            <a:pPr algn="ctr"/>
+            <a:endParaRPr lang="en-GB"/>
+          </a:p>
+        </p:txBody>
+      </p:sp>
+      <p:sp>
+        <p:nvSpPr>
+          <p:cNvPr id="106" name="Arrow: Right 105">
+            <a:extLst>
+              <a:ext uri="{FF2B5EF4-FFF2-40B4-BE49-F238E27FC236}">
+                <a16:creationId xmlns:a16="http://schemas.microsoft.com/office/drawing/2014/main" id="{B722EDAC-5771-F3DC-5595-201E08C106F4}"/>
+              </a:ext>
+            </a:extLst>
+          </p:cNvPr>
+          <p:cNvSpPr/>
+          <p:nvPr/>
+        </p:nvSpPr>
+        <p:spPr>
+          <a:xfrm rot="5400000">
+            <a:off x="8144237" y="2698430"/>
+            <a:ext cx="444583" cy="109994"/>
+          </a:xfrm>
+          <a:prstGeom prst="rightArrow">
+            <a:avLst/>
+          </a:prstGeom>
+          <a:solidFill>
+            <a:schemeClr val="tx1"/>
+          </a:solidFill>
+          <a:ln w="6350"/>
+        </p:spPr>
+        <p:style>
+          <a:lnRef idx="2">
+            <a:schemeClr val="dk1">
+              <a:shade val="15000"/>
+            </a:schemeClr>
+          </a:lnRef>
+          <a:fillRef idx="1">
+            <a:schemeClr val="dk1"/>
+          </a:fillRef>
+          <a:effectRef idx="0">
+            <a:schemeClr val="dk1"/>
+          </a:effectRef>
+          <a:fontRef idx="minor">
+            <a:schemeClr val="lt1"/>
+          </a:fontRef>
+        </p:style>
+        <p:txBody>
+          <a:bodyPr rtlCol="0" anchor="ctr"/>
+          <a:lstStyle/>
+          <a:p>
+            <a:pPr algn="ctr"/>
+            <a:endParaRPr lang="en-GB"/>
+          </a:p>
+        </p:txBody>
+      </p:sp>
+      <p:sp>
+        <p:nvSpPr>
+          <p:cNvPr id="107" name="Arrow: Right 106">
+            <a:extLst>
+              <a:ext uri="{FF2B5EF4-FFF2-40B4-BE49-F238E27FC236}">
+                <a16:creationId xmlns:a16="http://schemas.microsoft.com/office/drawing/2014/main" id="{682A1412-8A05-17E9-2F60-ADCD6677D60A}"/>
+              </a:ext>
+            </a:extLst>
+          </p:cNvPr>
+          <p:cNvSpPr/>
+          <p:nvPr/>
+        </p:nvSpPr>
+        <p:spPr>
+          <a:xfrm rot="5400000">
+            <a:off x="4970943" y="2685233"/>
+            <a:ext cx="444583" cy="109994"/>
+          </a:xfrm>
+          <a:prstGeom prst="rightArrow">
+            <a:avLst/>
+          </a:prstGeom>
+          <a:solidFill>
+            <a:schemeClr val="tx1"/>
+          </a:solidFill>
+          <a:ln w="6350"/>
+        </p:spPr>
+        <p:style>
+          <a:lnRef idx="2">
+            <a:schemeClr val="dk1">
+              <a:shade val="15000"/>
+            </a:schemeClr>
+          </a:lnRef>
+          <a:fillRef idx="1">
+            <a:schemeClr val="dk1"/>
+          </a:fillRef>
+          <a:effectRef idx="0">
+            <a:schemeClr val="dk1"/>
+          </a:effectRef>
+          <a:fontRef idx="minor">
+            <a:schemeClr val="lt1"/>
+          </a:fontRef>
+        </p:style>
+        <p:txBody>
+          <a:bodyPr rtlCol="0" anchor="ctr"/>
+          <a:lstStyle/>
+          <a:p>
+            <a:pPr algn="ctr"/>
+            <a:endParaRPr lang="en-GB"/>
+          </a:p>
+        </p:txBody>
+      </p:sp>
+      <p:sp>
+        <p:nvSpPr>
+          <p:cNvPr id="108" name="Arrow: Right 107">
+            <a:extLst>
+              <a:ext uri="{FF2B5EF4-FFF2-40B4-BE49-F238E27FC236}">
+                <a16:creationId xmlns:a16="http://schemas.microsoft.com/office/drawing/2014/main" id="{08F8D30C-24A0-B4EE-DD6E-AF87D586ED43}"/>
+              </a:ext>
+            </a:extLst>
+          </p:cNvPr>
+          <p:cNvSpPr/>
+          <p:nvPr/>
+        </p:nvSpPr>
+        <p:spPr>
+          <a:xfrm rot="5400000">
+            <a:off x="4386120" y="2710487"/>
+            <a:ext cx="444583" cy="109994"/>
+          </a:xfrm>
+          <a:prstGeom prst="rightArrow">
+            <a:avLst/>
+          </a:prstGeom>
+          <a:solidFill>
+            <a:schemeClr val="tx1"/>
+          </a:solidFill>
+          <a:ln w="6350"/>
+        </p:spPr>
+        <p:style>
+          <a:lnRef idx="2">
+            <a:schemeClr val="dk1">
+              <a:shade val="15000"/>
+            </a:schemeClr>
+          </a:lnRef>
+          <a:fillRef idx="1">
+            <a:schemeClr val="dk1"/>
+          </a:fillRef>
+          <a:effectRef idx="0">
+            <a:schemeClr val="dk1"/>
+          </a:effectRef>
+          <a:fontRef idx="minor">
+            <a:schemeClr val="lt1"/>
+          </a:fontRef>
+        </p:style>
+        <p:txBody>
+          <a:bodyPr rtlCol="0" anchor="ctr"/>
+          <a:lstStyle/>
+          <a:p>
+            <a:pPr algn="ctr"/>
+            <a:endParaRPr lang="en-GB"/>
+          </a:p>
+        </p:txBody>
+      </p:sp>
+      <p:sp>
+        <p:nvSpPr>
+          <p:cNvPr id="109" name="Arrow: Right 108">
+            <a:extLst>
+              <a:ext uri="{FF2B5EF4-FFF2-40B4-BE49-F238E27FC236}">
+                <a16:creationId xmlns:a16="http://schemas.microsoft.com/office/drawing/2014/main" id="{0AEFDA90-1EC9-B13F-7FB8-3AC4877FEB38}"/>
+              </a:ext>
+            </a:extLst>
+          </p:cNvPr>
+          <p:cNvSpPr/>
+          <p:nvPr/>
+        </p:nvSpPr>
+        <p:spPr>
+          <a:xfrm rot="5400000">
+            <a:off x="1297246" y="2659994"/>
+            <a:ext cx="444583" cy="109994"/>
+          </a:xfrm>
+          <a:prstGeom prst="rightArrow">
+            <a:avLst/>
+          </a:prstGeom>
+          <a:solidFill>
+            <a:schemeClr val="tx1"/>
+          </a:solidFill>
+          <a:ln w="6350"/>
+        </p:spPr>
+        <p:style>
+          <a:lnRef idx="2">
+            <a:schemeClr val="dk1">
+              <a:shade val="15000"/>
+            </a:schemeClr>
+          </a:lnRef>
+          <a:fillRef idx="1">
+            <a:schemeClr val="dk1"/>
+          </a:fillRef>
+          <a:effectRef idx="0">
+            <a:schemeClr val="dk1"/>
+          </a:effectRef>
+          <a:fontRef idx="minor">
+            <a:schemeClr val="lt1"/>
+          </a:fontRef>
+        </p:style>
+        <p:txBody>
+          <a:bodyPr rtlCol="0" anchor="ctr"/>
+          <a:lstStyle/>
+          <a:p>
+            <a:pPr algn="ctr"/>
+            <a:endParaRPr lang="en-GB"/>
+          </a:p>
+        </p:txBody>
+      </p:sp>
+      <p:sp>
+        <p:nvSpPr>
+          <p:cNvPr id="117" name="TextBox 116">
+            <a:extLst>
+              <a:ext uri="{FF2B5EF4-FFF2-40B4-BE49-F238E27FC236}">
+                <a16:creationId xmlns:a16="http://schemas.microsoft.com/office/drawing/2014/main" id="{D86F9382-25BA-FC09-CFB5-79567137AB2A}"/>
+              </a:ext>
+            </a:extLst>
+          </p:cNvPr>
+          <p:cNvSpPr txBox="1"/>
+          <p:nvPr/>
+        </p:nvSpPr>
+        <p:spPr>
+          <a:xfrm>
+            <a:off x="8320941" y="2020159"/>
+            <a:ext cx="553798" cy="461665"/>
+          </a:xfrm>
+          <a:prstGeom prst="rect">
+            <a:avLst/>
+          </a:prstGeom>
+          <a:noFill/>
+        </p:spPr>
+        <p:txBody>
+          <a:bodyPr wrap="square" rtlCol="0">
+            <a:spAutoFit/>
+          </a:bodyPr>
+          <a:lstStyle/>
+          <a:p>
+            <a:r>
+              <a:rPr lang="en-GB" sz="2400" b="1" dirty="0"/>
+              <a:t>2.</a:t>
+            </a:r>
+          </a:p>
+        </p:txBody>
+      </p:sp>
       <p:cxnSp>
         <p:nvCxnSpPr>
-          <p:cNvPr id="48" name="Straight Arrow Connector 47">
-            <a:extLst>
-              <a:ext uri="{FF2B5EF4-FFF2-40B4-BE49-F238E27FC236}">
-                <a16:creationId xmlns:a16="http://schemas.microsoft.com/office/drawing/2014/main" id="{FF7D8E53-EB15-4DF1-1144-E23E209F98FC}"/>
+          <p:cNvPr id="121" name="Straight Arrow Connector 120">
+            <a:extLst>
+              <a:ext uri="{FF2B5EF4-FFF2-40B4-BE49-F238E27FC236}">
+                <a16:creationId xmlns:a16="http://schemas.microsoft.com/office/drawing/2014/main" id="{E410B544-65A3-A471-3539-3FE92F61575D}"/>
               </a:ext>
             </a:extLst>
           </p:cNvPr>
@@ -5486,14 +7316,17 @@
           <p:nvPr/>
         </p:nvCxnSpPr>
         <p:spPr>
-          <a:xfrm flipV="1">
-            <a:off x="3961214" y="2529623"/>
-            <a:ext cx="1191735" cy="413006"/>
+          <a:xfrm>
+            <a:off x="9779448" y="3963415"/>
+            <a:ext cx="930903" cy="0"/>
           </a:xfrm>
           <a:prstGeom prst="straightConnector1">
             <a:avLst/>
           </a:prstGeom>
-          <a:ln w="57150">
+          <a:ln w="44450">
+            <a:solidFill>
+              <a:schemeClr val="tx1"/>
+            </a:solidFill>
             <a:headEnd type="triangle"/>
             <a:tailEnd type="triangle"/>
           </a:ln>
@@ -5513,363 +7346,10 @@
           </a:fontRef>
         </p:style>
       </p:cxnSp>
-      <p:cxnSp>
-        <p:nvCxnSpPr>
-          <p:cNvPr id="49" name="Straight Arrow Connector 48">
-            <a:extLst>
-              <a:ext uri="{FF2B5EF4-FFF2-40B4-BE49-F238E27FC236}">
-                <a16:creationId xmlns:a16="http://schemas.microsoft.com/office/drawing/2014/main" id="{56B41601-A628-7854-8E4E-0F04509B49E8}"/>
-              </a:ext>
-            </a:extLst>
-          </p:cNvPr>
-          <p:cNvCxnSpPr>
-            <a:cxnSpLocks/>
-          </p:cNvCxnSpPr>
-          <p:nvPr/>
-        </p:nvCxnSpPr>
-        <p:spPr>
-          <a:xfrm>
-            <a:off x="3788736" y="4641398"/>
-            <a:ext cx="1290160" cy="606463"/>
-          </a:xfrm>
-          <a:prstGeom prst="straightConnector1">
-            <a:avLst/>
-          </a:prstGeom>
-          <a:ln w="57150">
-            <a:headEnd type="triangle"/>
-            <a:tailEnd type="triangle"/>
-          </a:ln>
-        </p:spPr>
-        <p:style>
-          <a:lnRef idx="2">
-            <a:schemeClr val="dk1"/>
-          </a:lnRef>
-          <a:fillRef idx="0">
-            <a:schemeClr val="dk1"/>
-          </a:fillRef>
-          <a:effectRef idx="1">
-            <a:schemeClr val="dk1"/>
-          </a:effectRef>
-          <a:fontRef idx="minor">
-            <a:schemeClr val="tx1"/>
-          </a:fontRef>
-        </p:style>
-      </p:cxnSp>
-      <p:sp>
-        <p:nvSpPr>
-          <p:cNvPr id="51" name="TextBox 50">
-            <a:extLst>
-              <a:ext uri="{FF2B5EF4-FFF2-40B4-BE49-F238E27FC236}">
-                <a16:creationId xmlns:a16="http://schemas.microsoft.com/office/drawing/2014/main" id="{DA6A6A1B-495A-9B7B-3490-437DB9DF1AC7}"/>
-              </a:ext>
-            </a:extLst>
-          </p:cNvPr>
-          <p:cNvSpPr txBox="1"/>
-          <p:nvPr/>
-        </p:nvSpPr>
-        <p:spPr>
-          <a:xfrm>
-            <a:off x="4260160" y="2344957"/>
-            <a:ext cx="702019" cy="369332"/>
-          </a:xfrm>
-          <a:prstGeom prst="rect">
-            <a:avLst/>
-          </a:prstGeom>
-          <a:noFill/>
-        </p:spPr>
-        <p:txBody>
-          <a:bodyPr wrap="square" rtlCol="0">
-            <a:spAutoFit/>
-          </a:bodyPr>
-          <a:lstStyle/>
-          <a:p>
-            <a:r>
-              <a:rPr lang="en-GB" dirty="0"/>
-              <a:t>1.</a:t>
-            </a:r>
-          </a:p>
-        </p:txBody>
-      </p:sp>
-      <p:sp>
-        <p:nvSpPr>
-          <p:cNvPr id="52" name="TextBox 51">
-            <a:extLst>
-              <a:ext uri="{FF2B5EF4-FFF2-40B4-BE49-F238E27FC236}">
-                <a16:creationId xmlns:a16="http://schemas.microsoft.com/office/drawing/2014/main" id="{E34EB09B-994B-594E-D1B4-9639943B3B29}"/>
-              </a:ext>
-            </a:extLst>
-          </p:cNvPr>
-          <p:cNvSpPr txBox="1"/>
-          <p:nvPr/>
-        </p:nvSpPr>
-        <p:spPr>
-          <a:xfrm>
-            <a:off x="5351410" y="4383986"/>
-            <a:ext cx="702019" cy="369332"/>
-          </a:xfrm>
-          <a:prstGeom prst="rect">
-            <a:avLst/>
-          </a:prstGeom>
-          <a:noFill/>
-        </p:spPr>
-        <p:txBody>
-          <a:bodyPr wrap="square" rtlCol="0">
-            <a:spAutoFit/>
-          </a:bodyPr>
-          <a:lstStyle/>
-          <a:p>
-            <a:r>
-              <a:rPr lang="en-GB" dirty="0"/>
-              <a:t>2.</a:t>
-            </a:r>
-          </a:p>
-        </p:txBody>
-      </p:sp>
-      <p:cxnSp>
-        <p:nvCxnSpPr>
-          <p:cNvPr id="53" name="Straight Arrow Connector 52">
-            <a:extLst>
-              <a:ext uri="{FF2B5EF4-FFF2-40B4-BE49-F238E27FC236}">
-                <a16:creationId xmlns:a16="http://schemas.microsoft.com/office/drawing/2014/main" id="{6DDC4CFE-ABD4-86B1-D299-F153A3CA4971}"/>
-              </a:ext>
-            </a:extLst>
-          </p:cNvPr>
-          <p:cNvCxnSpPr>
-            <a:cxnSpLocks/>
-          </p:cNvCxnSpPr>
-          <p:nvPr/>
-        </p:nvCxnSpPr>
-        <p:spPr>
-          <a:xfrm>
-            <a:off x="6276980" y="3383639"/>
-            <a:ext cx="49081" cy="1124701"/>
-          </a:xfrm>
-          <a:prstGeom prst="straightConnector1">
-            <a:avLst/>
-          </a:prstGeom>
-          <a:ln w="57150">
-            <a:headEnd type="triangle"/>
-            <a:tailEnd type="triangle"/>
-          </a:ln>
-        </p:spPr>
-        <p:style>
-          <a:lnRef idx="2">
-            <a:schemeClr val="dk1"/>
-          </a:lnRef>
-          <a:fillRef idx="0">
-            <a:schemeClr val="dk1"/>
-          </a:fillRef>
-          <a:effectRef idx="1">
-            <a:schemeClr val="dk1"/>
-          </a:effectRef>
-          <a:fontRef idx="minor">
-            <a:schemeClr val="tx1"/>
-          </a:fontRef>
-        </p:style>
-      </p:cxnSp>
-      <p:cxnSp>
-        <p:nvCxnSpPr>
-          <p:cNvPr id="57" name="Straight Arrow Connector 56">
-            <a:extLst>
-              <a:ext uri="{FF2B5EF4-FFF2-40B4-BE49-F238E27FC236}">
-                <a16:creationId xmlns:a16="http://schemas.microsoft.com/office/drawing/2014/main" id="{BC6848C0-DCF7-510B-68E6-30739CBE3735}"/>
-              </a:ext>
-            </a:extLst>
-          </p:cNvPr>
-          <p:cNvCxnSpPr>
-            <a:cxnSpLocks/>
-          </p:cNvCxnSpPr>
-          <p:nvPr/>
-        </p:nvCxnSpPr>
-        <p:spPr>
-          <a:xfrm>
-            <a:off x="7344818" y="2529623"/>
-            <a:ext cx="1134414" cy="413006"/>
-          </a:xfrm>
-          <a:prstGeom prst="straightConnector1">
-            <a:avLst/>
-          </a:prstGeom>
-          <a:ln w="57150">
-            <a:headEnd type="triangle"/>
-            <a:tailEnd type="triangle"/>
-          </a:ln>
-        </p:spPr>
-        <p:style>
-          <a:lnRef idx="2">
-            <a:schemeClr val="dk1"/>
-          </a:lnRef>
-          <a:fillRef idx="0">
-            <a:schemeClr val="dk1"/>
-          </a:fillRef>
-          <a:effectRef idx="1">
-            <a:schemeClr val="dk1"/>
-          </a:effectRef>
-          <a:fontRef idx="minor">
-            <a:schemeClr val="tx1"/>
-          </a:fontRef>
-        </p:style>
-      </p:cxnSp>
-      <p:cxnSp>
-        <p:nvCxnSpPr>
-          <p:cNvPr id="59" name="Straight Arrow Connector 58">
-            <a:extLst>
-              <a:ext uri="{FF2B5EF4-FFF2-40B4-BE49-F238E27FC236}">
-                <a16:creationId xmlns:a16="http://schemas.microsoft.com/office/drawing/2014/main" id="{FFA0C927-0720-5419-630D-C32B24D1D035}"/>
-              </a:ext>
-            </a:extLst>
-          </p:cNvPr>
-          <p:cNvCxnSpPr>
-            <a:cxnSpLocks/>
-          </p:cNvCxnSpPr>
-          <p:nvPr/>
-        </p:nvCxnSpPr>
-        <p:spPr>
-          <a:xfrm flipV="1">
-            <a:off x="7384647" y="4511882"/>
-            <a:ext cx="1079159" cy="557075"/>
-          </a:xfrm>
-          <a:prstGeom prst="straightConnector1">
-            <a:avLst/>
-          </a:prstGeom>
-          <a:ln w="57150">
-            <a:headEnd type="triangle"/>
-            <a:tailEnd type="triangle"/>
-          </a:ln>
-        </p:spPr>
-        <p:style>
-          <a:lnRef idx="2">
-            <a:schemeClr val="dk1"/>
-          </a:lnRef>
-          <a:fillRef idx="0">
-            <a:schemeClr val="dk1"/>
-          </a:fillRef>
-          <a:effectRef idx="1">
-            <a:schemeClr val="dk1"/>
-          </a:effectRef>
-          <a:fontRef idx="minor">
-            <a:schemeClr val="tx1"/>
-          </a:fontRef>
-        </p:style>
-      </p:cxnSp>
-      <p:sp>
-        <p:nvSpPr>
-          <p:cNvPr id="61" name="TextBox 60">
-            <a:extLst>
-              <a:ext uri="{FF2B5EF4-FFF2-40B4-BE49-F238E27FC236}">
-                <a16:creationId xmlns:a16="http://schemas.microsoft.com/office/drawing/2014/main" id="{63C6E89F-5DAA-0156-D7E5-BAC1B53F7FB0}"/>
-              </a:ext>
-            </a:extLst>
-          </p:cNvPr>
-          <p:cNvSpPr txBox="1"/>
-          <p:nvPr/>
-        </p:nvSpPr>
-        <p:spPr>
-          <a:xfrm>
-            <a:off x="8313606" y="3462668"/>
-            <a:ext cx="702019" cy="369332"/>
-          </a:xfrm>
-          <a:prstGeom prst="rect">
-            <a:avLst/>
-          </a:prstGeom>
-          <a:noFill/>
-        </p:spPr>
-        <p:txBody>
-          <a:bodyPr wrap="square" rtlCol="0">
-            <a:spAutoFit/>
-          </a:bodyPr>
-          <a:lstStyle/>
-          <a:p>
-            <a:r>
-              <a:rPr lang="en-GB" dirty="0"/>
-              <a:t>3.</a:t>
-            </a:r>
-          </a:p>
-        </p:txBody>
-      </p:sp>
-      <p:sp>
-        <p:nvSpPr>
-          <p:cNvPr id="62" name="Footer Placeholder 61">
-            <a:extLst>
-              <a:ext uri="{FF2B5EF4-FFF2-40B4-BE49-F238E27FC236}">
-                <a16:creationId xmlns:a16="http://schemas.microsoft.com/office/drawing/2014/main" id="{806F3F5C-E01E-2610-04B0-0290282AC9EC}"/>
-              </a:ext>
-            </a:extLst>
-          </p:cNvPr>
-          <p:cNvSpPr>
-            <a:spLocks noGrp="1"/>
-          </p:cNvSpPr>
-          <p:nvPr>
-            <p:ph type="ftr" sz="quarter" idx="11"/>
-          </p:nvPr>
-        </p:nvSpPr>
-        <p:spPr>
-          <a:xfrm>
-            <a:off x="4038599" y="6356350"/>
-            <a:ext cx="4977025" cy="369332"/>
-          </a:xfrm>
-        </p:spPr>
-        <p:txBody>
-          <a:bodyPr/>
-          <a:lstStyle/>
-          <a:p>
-            <a:r>
-              <a:rPr lang="en-GB" dirty="0"/>
-              <a:t>Self-efficacy beliefs and participatory SDE || Dani Gargya || 06.03.24</a:t>
-            </a:r>
-          </a:p>
-        </p:txBody>
-      </p:sp>
-      <p:pic>
-        <p:nvPicPr>
-          <p:cNvPr id="63" name="Picture 2">
-            <a:extLst>
-              <a:ext uri="{FF2B5EF4-FFF2-40B4-BE49-F238E27FC236}">
-                <a16:creationId xmlns:a16="http://schemas.microsoft.com/office/drawing/2014/main" id="{760A2E39-E647-B9F5-A4AF-4C9E49527444}"/>
-              </a:ext>
-            </a:extLst>
-          </p:cNvPr>
-          <p:cNvPicPr>
-            <a:picLocks noChangeAspect="1" noChangeArrowheads="1"/>
-          </p:cNvPicPr>
-          <p:nvPr/>
-        </p:nvPicPr>
-        <p:blipFill>
-          <a:blip r:embed="rId20">
-            <a:extLst>
-              <a:ext uri="{28A0092B-C50C-407E-A947-70E740481C1C}">
-                <a14:useLocalDpi xmlns:a14="http://schemas.microsoft.com/office/drawing/2010/main" val="0"/>
-              </a:ext>
-            </a:extLst>
-          </a:blip>
-          <a:srcRect/>
-          <a:stretch>
-            <a:fillRect/>
-          </a:stretch>
-        </p:blipFill>
-        <p:spPr bwMode="auto">
-          <a:xfrm>
-            <a:off x="10185401" y="0"/>
-            <a:ext cx="1853434" cy="2166938"/>
-          </a:xfrm>
-          <a:prstGeom prst="rect">
-            <a:avLst/>
-          </a:prstGeom>
-          <a:noFill/>
-          <a:extLst>
-            <a:ext uri="{909E8E84-426E-40DD-AFC4-6F175D3DCCD1}">
-              <a14:hiddenFill xmlns:a14="http://schemas.microsoft.com/office/drawing/2010/main">
-                <a:solidFill>
-                  <a:srgbClr val="FFFFFF"/>
-                </a:solidFill>
-              </a14:hiddenFill>
-            </a:ext>
-          </a:extLst>
-        </p:spPr>
-      </p:pic>
     </p:spTree>
     <p:extLst>
       <p:ext uri="{BB962C8B-B14F-4D97-AF65-F5344CB8AC3E}">
-        <p14:creationId xmlns:p14="http://schemas.microsoft.com/office/powerpoint/2010/main" val="1658496721"/>
+        <p14:creationId xmlns:p14="http://schemas.microsoft.com/office/powerpoint/2010/main" val="1338191105"/>
       </p:ext>
     </p:extLst>
   </p:cSld>
@@ -5901,7 +7381,7 @@
           <p:cNvPr id="2" name="Title 1">
             <a:extLst>
               <a:ext uri="{FF2B5EF4-FFF2-40B4-BE49-F238E27FC236}">
-                <a16:creationId xmlns:a16="http://schemas.microsoft.com/office/drawing/2014/main" id="{8E7810B3-8EC8-90C9-B089-D7290DBD7999}"/>
+                <a16:creationId xmlns:a16="http://schemas.microsoft.com/office/drawing/2014/main" id="{E36C4ED6-5929-7AE4-61F3-D4EA00BC16B0}"/>
               </a:ext>
             </a:extLst>
           </p:cNvPr>
@@ -5919,17 +7399,17 @@
           <a:p>
             <a:r>
               <a:rPr lang="en-GB" dirty="0"/>
-              <a:t>Research questions</a:t>
-            </a:r>
-          </a:p>
-        </p:txBody>
-      </p:sp>
-      <p:sp>
-        <p:nvSpPr>
-          <p:cNvPr id="3" name="Content Placeholder 2">
-            <a:extLst>
-              <a:ext uri="{FF2B5EF4-FFF2-40B4-BE49-F238E27FC236}">
-                <a16:creationId xmlns:a16="http://schemas.microsoft.com/office/drawing/2014/main" id="{BE5B8485-4F77-F4B5-4D0D-68C26AE8D8E5}"/>
+              <a:t>Predictions</a:t>
+            </a:r>
+          </a:p>
+        </p:txBody>
+      </p:sp>
+      <p:sp>
+        <p:nvSpPr>
+          <p:cNvPr id="4" name="Footer Placeholder 3">
+            <a:extLst>
+              <a:ext uri="{FF2B5EF4-FFF2-40B4-BE49-F238E27FC236}">
+                <a16:creationId xmlns:a16="http://schemas.microsoft.com/office/drawing/2014/main" id="{AD66E2D3-80B0-C549-5724-F038A8155723}"/>
               </a:ext>
             </a:extLst>
           </p:cNvPr>
@@ -5937,7 +7417,7 @@
             <a:spLocks noGrp="1"/>
           </p:cNvSpPr>
           <p:nvPr>
-            <p:ph idx="1"/>
+            <p:ph type="ftr" sz="quarter" idx="11"/>
           </p:nvPr>
         </p:nvSpPr>
         <p:spPr/>
@@ -5945,16 +7425,1106 @@
           <a:bodyPr/>
           <a:lstStyle/>
           <a:p>
-            <a:endParaRPr lang="en-GB"/>
-          </a:p>
-        </p:txBody>
-      </p:sp>
-      <p:sp>
-        <p:nvSpPr>
-          <p:cNvPr id="4" name="Footer Placeholder 3">
-            <a:extLst>
-              <a:ext uri="{FF2B5EF4-FFF2-40B4-BE49-F238E27FC236}">
-                <a16:creationId xmlns:a16="http://schemas.microsoft.com/office/drawing/2014/main" id="{9438BC08-5F5D-1BAE-3C74-12B952F205DA}"/>
+            <a:r>
+              <a:rPr lang="en-GB"/>
+              <a:t>Self-efficacy beliefs and participatory SDE || Dani Gargya || 06.03.24</a:t>
+            </a:r>
+          </a:p>
+        </p:txBody>
+      </p:sp>
+      <p:grpSp>
+        <p:nvGrpSpPr>
+          <p:cNvPr id="9" name="Group 8">
+            <a:extLst>
+              <a:ext uri="{FF2B5EF4-FFF2-40B4-BE49-F238E27FC236}">
+                <a16:creationId xmlns:a16="http://schemas.microsoft.com/office/drawing/2014/main" id="{E8EF8A26-F0F6-BEEB-F9CD-0811AAF8FDDA}"/>
+              </a:ext>
+            </a:extLst>
+          </p:cNvPr>
+          <p:cNvGrpSpPr/>
+          <p:nvPr/>
+        </p:nvGrpSpPr>
+        <p:grpSpPr>
+          <a:xfrm>
+            <a:off x="838200" y="2247900"/>
+            <a:ext cx="1473200" cy="1346200"/>
+            <a:chOff x="838200" y="2247900"/>
+            <a:chExt cx="1473200" cy="1346200"/>
+          </a:xfrm>
+        </p:grpSpPr>
+        <p:cxnSp>
+          <p:nvCxnSpPr>
+            <p:cNvPr id="6" name="Straight Connector 5">
+              <a:extLst>
+                <a:ext uri="{FF2B5EF4-FFF2-40B4-BE49-F238E27FC236}">
+                  <a16:creationId xmlns:a16="http://schemas.microsoft.com/office/drawing/2014/main" id="{73D87940-92B4-7F00-7618-5827078CD61B}"/>
+                </a:ext>
+              </a:extLst>
+            </p:cNvPr>
+            <p:cNvCxnSpPr/>
+            <p:nvPr/>
+          </p:nvCxnSpPr>
+          <p:spPr>
+            <a:xfrm>
+              <a:off x="838200" y="2247900"/>
+              <a:ext cx="0" cy="1346200"/>
+            </a:xfrm>
+            <a:prstGeom prst="line">
+              <a:avLst/>
+            </a:prstGeom>
+            <a:ln w="38100"/>
+          </p:spPr>
+          <p:style>
+            <a:lnRef idx="2">
+              <a:schemeClr val="dk1"/>
+            </a:lnRef>
+            <a:fillRef idx="0">
+              <a:schemeClr val="dk1"/>
+            </a:fillRef>
+            <a:effectRef idx="1">
+              <a:schemeClr val="dk1"/>
+            </a:effectRef>
+            <a:fontRef idx="minor">
+              <a:schemeClr val="tx1"/>
+            </a:fontRef>
+          </p:style>
+        </p:cxnSp>
+        <p:cxnSp>
+          <p:nvCxnSpPr>
+            <p:cNvPr id="7" name="Straight Connector 6">
+              <a:extLst>
+                <a:ext uri="{FF2B5EF4-FFF2-40B4-BE49-F238E27FC236}">
+                  <a16:creationId xmlns:a16="http://schemas.microsoft.com/office/drawing/2014/main" id="{B8357706-C5A7-CDE5-1170-8EF55D8A77EB}"/>
+                </a:ext>
+              </a:extLst>
+            </p:cNvPr>
+            <p:cNvCxnSpPr>
+              <a:cxnSpLocks/>
+            </p:cNvCxnSpPr>
+            <p:nvPr/>
+          </p:nvCxnSpPr>
+          <p:spPr>
+            <a:xfrm flipH="1">
+              <a:off x="838200" y="3594100"/>
+              <a:ext cx="1473200" cy="0"/>
+            </a:xfrm>
+            <a:prstGeom prst="line">
+              <a:avLst/>
+            </a:prstGeom>
+            <a:ln w="38100"/>
+          </p:spPr>
+          <p:style>
+            <a:lnRef idx="2">
+              <a:schemeClr val="dk1"/>
+            </a:lnRef>
+            <a:fillRef idx="0">
+              <a:schemeClr val="dk1"/>
+            </a:fillRef>
+            <a:effectRef idx="1">
+              <a:schemeClr val="dk1"/>
+            </a:effectRef>
+            <a:fontRef idx="minor">
+              <a:schemeClr val="tx1"/>
+            </a:fontRef>
+          </p:style>
+        </p:cxnSp>
+      </p:grpSp>
+      <p:grpSp>
+        <p:nvGrpSpPr>
+          <p:cNvPr id="10" name="Group 9">
+            <a:extLst>
+              <a:ext uri="{FF2B5EF4-FFF2-40B4-BE49-F238E27FC236}">
+                <a16:creationId xmlns:a16="http://schemas.microsoft.com/office/drawing/2014/main" id="{B25DCB88-3CAC-CF9D-27AD-C59F56796D2C}"/>
+              </a:ext>
+            </a:extLst>
+          </p:cNvPr>
+          <p:cNvGrpSpPr/>
+          <p:nvPr/>
+        </p:nvGrpSpPr>
+        <p:grpSpPr>
+          <a:xfrm>
+            <a:off x="4495800" y="2247900"/>
+            <a:ext cx="1473200" cy="1346200"/>
+            <a:chOff x="838200" y="2247900"/>
+            <a:chExt cx="1473200" cy="1346200"/>
+          </a:xfrm>
+        </p:grpSpPr>
+        <p:cxnSp>
+          <p:nvCxnSpPr>
+            <p:cNvPr id="11" name="Straight Connector 10">
+              <a:extLst>
+                <a:ext uri="{FF2B5EF4-FFF2-40B4-BE49-F238E27FC236}">
+                  <a16:creationId xmlns:a16="http://schemas.microsoft.com/office/drawing/2014/main" id="{8DD5FA20-BDEA-DA50-D056-8CD77989486E}"/>
+                </a:ext>
+              </a:extLst>
+            </p:cNvPr>
+            <p:cNvCxnSpPr/>
+            <p:nvPr/>
+          </p:nvCxnSpPr>
+          <p:spPr>
+            <a:xfrm>
+              <a:off x="838200" y="2247900"/>
+              <a:ext cx="0" cy="1346200"/>
+            </a:xfrm>
+            <a:prstGeom prst="line">
+              <a:avLst/>
+            </a:prstGeom>
+            <a:ln w="38100"/>
+          </p:spPr>
+          <p:style>
+            <a:lnRef idx="2">
+              <a:schemeClr val="dk1"/>
+            </a:lnRef>
+            <a:fillRef idx="0">
+              <a:schemeClr val="dk1"/>
+            </a:fillRef>
+            <a:effectRef idx="1">
+              <a:schemeClr val="dk1"/>
+            </a:effectRef>
+            <a:fontRef idx="minor">
+              <a:schemeClr val="tx1"/>
+            </a:fontRef>
+          </p:style>
+        </p:cxnSp>
+        <p:cxnSp>
+          <p:nvCxnSpPr>
+            <p:cNvPr id="12" name="Straight Connector 11">
+              <a:extLst>
+                <a:ext uri="{FF2B5EF4-FFF2-40B4-BE49-F238E27FC236}">
+                  <a16:creationId xmlns:a16="http://schemas.microsoft.com/office/drawing/2014/main" id="{3DB0F154-3631-E8CD-D0D0-240FAB837722}"/>
+                </a:ext>
+              </a:extLst>
+            </p:cNvPr>
+            <p:cNvCxnSpPr>
+              <a:cxnSpLocks/>
+            </p:cNvCxnSpPr>
+            <p:nvPr/>
+          </p:nvCxnSpPr>
+          <p:spPr>
+            <a:xfrm flipH="1">
+              <a:off x="838200" y="3594100"/>
+              <a:ext cx="1473200" cy="0"/>
+            </a:xfrm>
+            <a:prstGeom prst="line">
+              <a:avLst/>
+            </a:prstGeom>
+            <a:ln w="38100"/>
+          </p:spPr>
+          <p:style>
+            <a:lnRef idx="2">
+              <a:schemeClr val="dk1"/>
+            </a:lnRef>
+            <a:fillRef idx="0">
+              <a:schemeClr val="dk1"/>
+            </a:fillRef>
+            <a:effectRef idx="1">
+              <a:schemeClr val="dk1"/>
+            </a:effectRef>
+            <a:fontRef idx="minor">
+              <a:schemeClr val="tx1"/>
+            </a:fontRef>
+          </p:style>
+        </p:cxnSp>
+      </p:grpSp>
+      <p:grpSp>
+        <p:nvGrpSpPr>
+          <p:cNvPr id="13" name="Group 12">
+            <a:extLst>
+              <a:ext uri="{FF2B5EF4-FFF2-40B4-BE49-F238E27FC236}">
+                <a16:creationId xmlns:a16="http://schemas.microsoft.com/office/drawing/2014/main" id="{EAE29C0A-52CF-08DD-A758-07E7D3F15015}"/>
+              </a:ext>
+            </a:extLst>
+          </p:cNvPr>
+          <p:cNvGrpSpPr/>
+          <p:nvPr/>
+        </p:nvGrpSpPr>
+        <p:grpSpPr>
+          <a:xfrm>
+            <a:off x="8153400" y="2247900"/>
+            <a:ext cx="1473200" cy="1346200"/>
+            <a:chOff x="838200" y="2247900"/>
+            <a:chExt cx="1473200" cy="1346200"/>
+          </a:xfrm>
+        </p:grpSpPr>
+        <p:cxnSp>
+          <p:nvCxnSpPr>
+            <p:cNvPr id="14" name="Straight Connector 13">
+              <a:extLst>
+                <a:ext uri="{FF2B5EF4-FFF2-40B4-BE49-F238E27FC236}">
+                  <a16:creationId xmlns:a16="http://schemas.microsoft.com/office/drawing/2014/main" id="{F3EB0C78-2E39-3048-1E8C-BD67CB1D2CB1}"/>
+                </a:ext>
+              </a:extLst>
+            </p:cNvPr>
+            <p:cNvCxnSpPr/>
+            <p:nvPr/>
+          </p:nvCxnSpPr>
+          <p:spPr>
+            <a:xfrm>
+              <a:off x="838200" y="2247900"/>
+              <a:ext cx="0" cy="1346200"/>
+            </a:xfrm>
+            <a:prstGeom prst="line">
+              <a:avLst/>
+            </a:prstGeom>
+            <a:ln w="38100"/>
+          </p:spPr>
+          <p:style>
+            <a:lnRef idx="2">
+              <a:schemeClr val="dk1"/>
+            </a:lnRef>
+            <a:fillRef idx="0">
+              <a:schemeClr val="dk1"/>
+            </a:fillRef>
+            <a:effectRef idx="1">
+              <a:schemeClr val="dk1"/>
+            </a:effectRef>
+            <a:fontRef idx="minor">
+              <a:schemeClr val="tx1"/>
+            </a:fontRef>
+          </p:style>
+        </p:cxnSp>
+        <p:cxnSp>
+          <p:nvCxnSpPr>
+            <p:cNvPr id="15" name="Straight Connector 14">
+              <a:extLst>
+                <a:ext uri="{FF2B5EF4-FFF2-40B4-BE49-F238E27FC236}">
+                  <a16:creationId xmlns:a16="http://schemas.microsoft.com/office/drawing/2014/main" id="{52E7F6E4-CBA4-61BE-8A4C-0BC1DA20B207}"/>
+                </a:ext>
+              </a:extLst>
+            </p:cNvPr>
+            <p:cNvCxnSpPr>
+              <a:cxnSpLocks/>
+            </p:cNvCxnSpPr>
+            <p:nvPr/>
+          </p:nvCxnSpPr>
+          <p:spPr>
+            <a:xfrm flipH="1">
+              <a:off x="838200" y="3594100"/>
+              <a:ext cx="1473200" cy="0"/>
+            </a:xfrm>
+            <a:prstGeom prst="line">
+              <a:avLst/>
+            </a:prstGeom>
+            <a:ln w="38100"/>
+          </p:spPr>
+          <p:style>
+            <a:lnRef idx="2">
+              <a:schemeClr val="dk1"/>
+            </a:lnRef>
+            <a:fillRef idx="0">
+              <a:schemeClr val="dk1"/>
+            </a:fillRef>
+            <a:effectRef idx="1">
+              <a:schemeClr val="dk1"/>
+            </a:effectRef>
+            <a:fontRef idx="minor">
+              <a:schemeClr val="tx1"/>
+            </a:fontRef>
+          </p:style>
+        </p:cxnSp>
+      </p:grpSp>
+      <p:sp>
+        <p:nvSpPr>
+          <p:cNvPr id="16" name="TextBox 15">
+            <a:extLst>
+              <a:ext uri="{FF2B5EF4-FFF2-40B4-BE49-F238E27FC236}">
+                <a16:creationId xmlns:a16="http://schemas.microsoft.com/office/drawing/2014/main" id="{6D3A24FE-CCD6-336A-5F4E-58AE4F9783C5}"/>
+              </a:ext>
+            </a:extLst>
+          </p:cNvPr>
+          <p:cNvSpPr txBox="1"/>
+          <p:nvPr/>
+        </p:nvSpPr>
+        <p:spPr>
+          <a:xfrm>
+            <a:off x="762000" y="3643309"/>
+            <a:ext cx="812800" cy="276999"/>
+          </a:xfrm>
+          <a:prstGeom prst="rect">
+            <a:avLst/>
+          </a:prstGeom>
+          <a:noFill/>
+        </p:spPr>
+        <p:txBody>
+          <a:bodyPr wrap="square" rtlCol="0">
+            <a:spAutoFit/>
+          </a:bodyPr>
+          <a:lstStyle/>
+          <a:p>
+            <a:r>
+              <a:rPr lang="en-GB" sz="1200" dirty="0"/>
+              <a:t>Time</a:t>
+            </a:r>
+          </a:p>
+        </p:txBody>
+      </p:sp>
+      <p:sp>
+        <p:nvSpPr>
+          <p:cNvPr id="17" name="TextBox 16">
+            <a:extLst>
+              <a:ext uri="{FF2B5EF4-FFF2-40B4-BE49-F238E27FC236}">
+                <a16:creationId xmlns:a16="http://schemas.microsoft.com/office/drawing/2014/main" id="{62E9A8A1-E47A-FAB6-5E8E-654C176A47E0}"/>
+              </a:ext>
+            </a:extLst>
+          </p:cNvPr>
+          <p:cNvSpPr txBox="1"/>
+          <p:nvPr/>
+        </p:nvSpPr>
+        <p:spPr>
+          <a:xfrm rot="16200000">
+            <a:off x="-319735" y="2436166"/>
+            <a:ext cx="1854200" cy="461665"/>
+          </a:xfrm>
+          <a:prstGeom prst="rect">
+            <a:avLst/>
+          </a:prstGeom>
+          <a:noFill/>
+        </p:spPr>
+        <p:txBody>
+          <a:bodyPr wrap="square" rtlCol="0">
+            <a:spAutoFit/>
+          </a:bodyPr>
+          <a:lstStyle/>
+          <a:p>
+            <a:r>
+              <a:rPr lang="en-GB" sz="1200" dirty="0"/>
+              <a:t>Climate attitude &amp; behaviour</a:t>
+            </a:r>
+          </a:p>
+        </p:txBody>
+      </p:sp>
+      <p:sp>
+        <p:nvSpPr>
+          <p:cNvPr id="18" name="TextBox 17">
+            <a:extLst>
+              <a:ext uri="{FF2B5EF4-FFF2-40B4-BE49-F238E27FC236}">
+                <a16:creationId xmlns:a16="http://schemas.microsoft.com/office/drawing/2014/main" id="{9619FDA1-2243-08BE-9789-5EDA0771D16C}"/>
+              </a:ext>
+            </a:extLst>
+          </p:cNvPr>
+          <p:cNvSpPr txBox="1"/>
+          <p:nvPr/>
+        </p:nvSpPr>
+        <p:spPr>
+          <a:xfrm rot="16200000">
+            <a:off x="3337865" y="2485377"/>
+            <a:ext cx="1854200" cy="461665"/>
+          </a:xfrm>
+          <a:prstGeom prst="rect">
+            <a:avLst/>
+          </a:prstGeom>
+          <a:noFill/>
+        </p:spPr>
+        <p:txBody>
+          <a:bodyPr wrap="square" rtlCol="0">
+            <a:spAutoFit/>
+          </a:bodyPr>
+          <a:lstStyle/>
+          <a:p>
+            <a:r>
+              <a:rPr lang="en-GB" sz="1200" dirty="0"/>
+              <a:t>Climate attitude &amp; behaviour // Self-efficacy</a:t>
+            </a:r>
+          </a:p>
+        </p:txBody>
+      </p:sp>
+      <p:sp>
+        <p:nvSpPr>
+          <p:cNvPr id="19" name="TextBox 18">
+            <a:extLst>
+              <a:ext uri="{FF2B5EF4-FFF2-40B4-BE49-F238E27FC236}">
+                <a16:creationId xmlns:a16="http://schemas.microsoft.com/office/drawing/2014/main" id="{9187F8AD-ABB7-C274-2AAF-7D77756D129E}"/>
+              </a:ext>
+            </a:extLst>
+          </p:cNvPr>
+          <p:cNvSpPr txBox="1"/>
+          <p:nvPr/>
+        </p:nvSpPr>
+        <p:spPr>
+          <a:xfrm>
+            <a:off x="4457700" y="3643308"/>
+            <a:ext cx="812800" cy="276999"/>
+          </a:xfrm>
+          <a:prstGeom prst="rect">
+            <a:avLst/>
+          </a:prstGeom>
+          <a:noFill/>
+        </p:spPr>
+        <p:txBody>
+          <a:bodyPr wrap="square" rtlCol="0">
+            <a:spAutoFit/>
+          </a:bodyPr>
+          <a:lstStyle/>
+          <a:p>
+            <a:r>
+              <a:rPr lang="en-GB" sz="1200" dirty="0"/>
+              <a:t>Time</a:t>
+            </a:r>
+          </a:p>
+        </p:txBody>
+      </p:sp>
+      <p:sp>
+        <p:nvSpPr>
+          <p:cNvPr id="20" name="TextBox 19">
+            <a:extLst>
+              <a:ext uri="{FF2B5EF4-FFF2-40B4-BE49-F238E27FC236}">
+                <a16:creationId xmlns:a16="http://schemas.microsoft.com/office/drawing/2014/main" id="{8787E489-6017-0BEC-1AF7-AF0E563970A0}"/>
+              </a:ext>
+            </a:extLst>
+          </p:cNvPr>
+          <p:cNvSpPr txBox="1"/>
+          <p:nvPr/>
+        </p:nvSpPr>
+        <p:spPr>
+          <a:xfrm>
+            <a:off x="838198" y="1599962"/>
+            <a:ext cx="1828802" cy="369332"/>
+          </a:xfrm>
+          <a:prstGeom prst="rect">
+            <a:avLst/>
+          </a:prstGeom>
+          <a:noFill/>
+        </p:spPr>
+        <p:txBody>
+          <a:bodyPr wrap="square" rtlCol="0">
+            <a:spAutoFit/>
+          </a:bodyPr>
+          <a:lstStyle/>
+          <a:p>
+            <a:r>
+              <a:rPr lang="en-GB" dirty="0"/>
+              <a:t>1. MAGNITUDE</a:t>
+            </a:r>
+          </a:p>
+        </p:txBody>
+      </p:sp>
+      <p:sp>
+        <p:nvSpPr>
+          <p:cNvPr id="21" name="TextBox 20">
+            <a:extLst>
+              <a:ext uri="{FF2B5EF4-FFF2-40B4-BE49-F238E27FC236}">
+                <a16:creationId xmlns:a16="http://schemas.microsoft.com/office/drawing/2014/main" id="{2C6FC100-C146-A747-1BA0-BB6072EDFF7E}"/>
+              </a:ext>
+            </a:extLst>
+          </p:cNvPr>
+          <p:cNvSpPr txBox="1"/>
+          <p:nvPr/>
+        </p:nvSpPr>
+        <p:spPr>
+          <a:xfrm>
+            <a:off x="4495797" y="1599962"/>
+            <a:ext cx="2184404" cy="369332"/>
+          </a:xfrm>
+          <a:prstGeom prst="rect">
+            <a:avLst/>
+          </a:prstGeom>
+          <a:noFill/>
+        </p:spPr>
+        <p:txBody>
+          <a:bodyPr wrap="square" rtlCol="0">
+            <a:spAutoFit/>
+          </a:bodyPr>
+          <a:lstStyle/>
+          <a:p>
+            <a:r>
+              <a:rPr lang="en-GB" dirty="0"/>
+              <a:t>2. GROUP-SPECIFIC</a:t>
+            </a:r>
+          </a:p>
+        </p:txBody>
+      </p:sp>
+      <p:sp>
+        <p:nvSpPr>
+          <p:cNvPr id="22" name="TextBox 21">
+            <a:extLst>
+              <a:ext uri="{FF2B5EF4-FFF2-40B4-BE49-F238E27FC236}">
+                <a16:creationId xmlns:a16="http://schemas.microsoft.com/office/drawing/2014/main" id="{A98DF755-82A7-0B0A-F029-9B6E0FAE729C}"/>
+              </a:ext>
+            </a:extLst>
+          </p:cNvPr>
+          <p:cNvSpPr txBox="1"/>
+          <p:nvPr/>
+        </p:nvSpPr>
+        <p:spPr>
+          <a:xfrm>
+            <a:off x="8153400" y="1599962"/>
+            <a:ext cx="2032001" cy="369332"/>
+          </a:xfrm>
+          <a:prstGeom prst="rect">
+            <a:avLst/>
+          </a:prstGeom>
+          <a:noFill/>
+        </p:spPr>
+        <p:txBody>
+          <a:bodyPr wrap="square" rtlCol="0">
+            <a:spAutoFit/>
+          </a:bodyPr>
+          <a:lstStyle/>
+          <a:p>
+            <a:r>
+              <a:rPr lang="en-GB" dirty="0"/>
+              <a:t>3. VALIDATION</a:t>
+            </a:r>
+          </a:p>
+        </p:txBody>
+      </p:sp>
+      <p:sp>
+        <p:nvSpPr>
+          <p:cNvPr id="23" name="TextBox 22">
+            <a:extLst>
+              <a:ext uri="{FF2B5EF4-FFF2-40B4-BE49-F238E27FC236}">
+                <a16:creationId xmlns:a16="http://schemas.microsoft.com/office/drawing/2014/main" id="{2C9F56E7-CA78-294B-3D4F-29291BC1AB1A}"/>
+              </a:ext>
+            </a:extLst>
+          </p:cNvPr>
+          <p:cNvSpPr txBox="1"/>
+          <p:nvPr/>
+        </p:nvSpPr>
+        <p:spPr>
+          <a:xfrm>
+            <a:off x="8153400" y="3645351"/>
+            <a:ext cx="812800" cy="276999"/>
+          </a:xfrm>
+          <a:prstGeom prst="rect">
+            <a:avLst/>
+          </a:prstGeom>
+          <a:noFill/>
+        </p:spPr>
+        <p:txBody>
+          <a:bodyPr wrap="square" rtlCol="0">
+            <a:spAutoFit/>
+          </a:bodyPr>
+          <a:lstStyle/>
+          <a:p>
+            <a:r>
+              <a:rPr lang="en-GB" sz="1200" dirty="0"/>
+              <a:t>Time</a:t>
+            </a:r>
+          </a:p>
+        </p:txBody>
+      </p:sp>
+      <p:sp>
+        <p:nvSpPr>
+          <p:cNvPr id="24" name="TextBox 23">
+            <a:extLst>
+              <a:ext uri="{FF2B5EF4-FFF2-40B4-BE49-F238E27FC236}">
+                <a16:creationId xmlns:a16="http://schemas.microsoft.com/office/drawing/2014/main" id="{C927E330-F6FD-35FD-2F82-A061609C657F}"/>
+              </a:ext>
+            </a:extLst>
+          </p:cNvPr>
+          <p:cNvSpPr txBox="1"/>
+          <p:nvPr/>
+        </p:nvSpPr>
+        <p:spPr>
+          <a:xfrm rot="16200000">
+            <a:off x="6965601" y="2485377"/>
+            <a:ext cx="1854200" cy="461665"/>
+          </a:xfrm>
+          <a:prstGeom prst="rect">
+            <a:avLst/>
+          </a:prstGeom>
+          <a:noFill/>
+        </p:spPr>
+        <p:txBody>
+          <a:bodyPr wrap="square" rtlCol="0">
+            <a:spAutoFit/>
+          </a:bodyPr>
+          <a:lstStyle/>
+          <a:p>
+            <a:r>
+              <a:rPr lang="en-GB" sz="1200" dirty="0"/>
+              <a:t>Climate attitude &amp; behaviour // Self-efficacy</a:t>
+            </a:r>
+          </a:p>
+        </p:txBody>
+      </p:sp>
+      <p:cxnSp>
+        <p:nvCxnSpPr>
+          <p:cNvPr id="26" name="Straight Arrow Connector 25">
+            <a:extLst>
+              <a:ext uri="{FF2B5EF4-FFF2-40B4-BE49-F238E27FC236}">
+                <a16:creationId xmlns:a16="http://schemas.microsoft.com/office/drawing/2014/main" id="{C9D9BF11-CADB-ABC9-8B83-C27219C56F93}"/>
+              </a:ext>
+            </a:extLst>
+          </p:cNvPr>
+          <p:cNvCxnSpPr/>
+          <p:nvPr/>
+        </p:nvCxnSpPr>
+        <p:spPr>
+          <a:xfrm flipV="1">
+            <a:off x="952500" y="2806700"/>
+            <a:ext cx="1358900" cy="482600"/>
+          </a:xfrm>
+          <a:prstGeom prst="straightConnector1">
+            <a:avLst/>
+          </a:prstGeom>
+          <a:ln w="38100">
+            <a:solidFill>
+              <a:srgbClr val="1B9E77"/>
+            </a:solidFill>
+            <a:tailEnd type="triangle"/>
+          </a:ln>
+        </p:spPr>
+        <p:style>
+          <a:lnRef idx="2">
+            <a:schemeClr val="accent1"/>
+          </a:lnRef>
+          <a:fillRef idx="0">
+            <a:schemeClr val="accent1"/>
+          </a:fillRef>
+          <a:effectRef idx="1">
+            <a:schemeClr val="accent1"/>
+          </a:effectRef>
+          <a:fontRef idx="minor">
+            <a:schemeClr val="tx1"/>
+          </a:fontRef>
+        </p:style>
+      </p:cxnSp>
+      <p:cxnSp>
+        <p:nvCxnSpPr>
+          <p:cNvPr id="27" name="Straight Arrow Connector 26">
+            <a:extLst>
+              <a:ext uri="{FF2B5EF4-FFF2-40B4-BE49-F238E27FC236}">
+                <a16:creationId xmlns:a16="http://schemas.microsoft.com/office/drawing/2014/main" id="{176ED3EE-0EC9-1A63-E71E-0F956AA6D8DC}"/>
+              </a:ext>
+            </a:extLst>
+          </p:cNvPr>
+          <p:cNvCxnSpPr>
+            <a:cxnSpLocks/>
+          </p:cNvCxnSpPr>
+          <p:nvPr/>
+        </p:nvCxnSpPr>
+        <p:spPr>
+          <a:xfrm flipV="1">
+            <a:off x="4610100" y="2600045"/>
+            <a:ext cx="1290933" cy="663855"/>
+          </a:xfrm>
+          <a:prstGeom prst="straightConnector1">
+            <a:avLst/>
+          </a:prstGeom>
+          <a:ln w="38100">
+            <a:solidFill>
+              <a:srgbClr val="1B9E77"/>
+            </a:solidFill>
+            <a:tailEnd type="triangle"/>
+          </a:ln>
+        </p:spPr>
+        <p:style>
+          <a:lnRef idx="2">
+            <a:schemeClr val="accent1"/>
+          </a:lnRef>
+          <a:fillRef idx="0">
+            <a:schemeClr val="accent1"/>
+          </a:fillRef>
+          <a:effectRef idx="1">
+            <a:schemeClr val="accent1"/>
+          </a:effectRef>
+          <a:fontRef idx="minor">
+            <a:schemeClr val="tx1"/>
+          </a:fontRef>
+        </p:style>
+      </p:cxnSp>
+      <p:cxnSp>
+        <p:nvCxnSpPr>
+          <p:cNvPr id="29" name="Straight Arrow Connector 28">
+            <a:extLst>
+              <a:ext uri="{FF2B5EF4-FFF2-40B4-BE49-F238E27FC236}">
+                <a16:creationId xmlns:a16="http://schemas.microsoft.com/office/drawing/2014/main" id="{B7783630-EE1B-7423-7686-BCDF494859DA}"/>
+              </a:ext>
+            </a:extLst>
+          </p:cNvPr>
+          <p:cNvCxnSpPr>
+            <a:cxnSpLocks/>
+          </p:cNvCxnSpPr>
+          <p:nvPr/>
+        </p:nvCxnSpPr>
+        <p:spPr>
+          <a:xfrm flipV="1">
+            <a:off x="4674714" y="2878651"/>
+            <a:ext cx="1226319" cy="486051"/>
+          </a:xfrm>
+          <a:prstGeom prst="straightConnector1">
+            <a:avLst/>
+          </a:prstGeom>
+          <a:ln w="28575">
+            <a:solidFill>
+              <a:srgbClr val="D95F02"/>
+            </a:solidFill>
+            <a:tailEnd type="triangle"/>
+          </a:ln>
+        </p:spPr>
+        <p:style>
+          <a:lnRef idx="2">
+            <a:schemeClr val="accent1"/>
+          </a:lnRef>
+          <a:fillRef idx="0">
+            <a:schemeClr val="accent1"/>
+          </a:fillRef>
+          <a:effectRef idx="1">
+            <a:schemeClr val="accent1"/>
+          </a:effectRef>
+          <a:fontRef idx="minor">
+            <a:schemeClr val="tx1"/>
+          </a:fontRef>
+        </p:style>
+      </p:cxnSp>
+      <p:cxnSp>
+        <p:nvCxnSpPr>
+          <p:cNvPr id="31" name="Straight Arrow Connector 30">
+            <a:extLst>
+              <a:ext uri="{FF2B5EF4-FFF2-40B4-BE49-F238E27FC236}">
+                <a16:creationId xmlns:a16="http://schemas.microsoft.com/office/drawing/2014/main" id="{E59F0EAD-4C35-3429-7B09-69C9B5DFA49C}"/>
+              </a:ext>
+            </a:extLst>
+          </p:cNvPr>
+          <p:cNvCxnSpPr>
+            <a:cxnSpLocks/>
+          </p:cNvCxnSpPr>
+          <p:nvPr/>
+        </p:nvCxnSpPr>
+        <p:spPr>
+          <a:xfrm flipV="1">
+            <a:off x="4729806" y="3204131"/>
+            <a:ext cx="1171227" cy="240858"/>
+          </a:xfrm>
+          <a:prstGeom prst="straightConnector1">
+            <a:avLst/>
+          </a:prstGeom>
+          <a:ln w="19050">
+            <a:solidFill>
+              <a:srgbClr val="7570B3"/>
+            </a:solidFill>
+            <a:tailEnd type="triangle"/>
+          </a:ln>
+        </p:spPr>
+        <p:style>
+          <a:lnRef idx="2">
+            <a:schemeClr val="accent1"/>
+          </a:lnRef>
+          <a:fillRef idx="0">
+            <a:schemeClr val="accent1"/>
+          </a:fillRef>
+          <a:effectRef idx="1">
+            <a:schemeClr val="accent1"/>
+          </a:effectRef>
+          <a:fontRef idx="minor">
+            <a:schemeClr val="tx1"/>
+          </a:fontRef>
+        </p:style>
+      </p:cxnSp>
+      <p:pic>
+        <p:nvPicPr>
+          <p:cNvPr id="36" name="Graphic 35" descr="Children outline">
+            <a:extLst>
+              <a:ext uri="{FF2B5EF4-FFF2-40B4-BE49-F238E27FC236}">
+                <a16:creationId xmlns:a16="http://schemas.microsoft.com/office/drawing/2014/main" id="{DFC2CEE4-61B0-6065-CC62-36D169290E21}"/>
+              </a:ext>
+            </a:extLst>
+          </p:cNvPr>
+          <p:cNvPicPr>
+            <a:picLocks noChangeAspect="1"/>
+          </p:cNvPicPr>
+          <p:nvPr/>
+        </p:nvPicPr>
+        <p:blipFill rotWithShape="1">
+          <a:blip r:embed="rId2">
+            <a:extLst>
+              <a:ext uri="{28A0092B-C50C-407E-A947-70E740481C1C}">
+                <a14:useLocalDpi xmlns:a14="http://schemas.microsoft.com/office/drawing/2010/main" val="0"/>
+              </a:ext>
+              <a:ext uri="{96DAC541-7B7A-43D3-8B79-37D633B846F1}">
+                <asvg:svgBlip xmlns:asvg="http://schemas.microsoft.com/office/drawing/2016/SVG/main" r:embed="rId3"/>
+              </a:ext>
+            </a:extLst>
+          </a:blip>
+          <a:srcRect l="-1" t="16365" r="48820" b="16706"/>
+          <a:stretch/>
+        </p:blipFill>
+        <p:spPr>
+          <a:xfrm>
+            <a:off x="5925722" y="3036888"/>
+            <a:ext cx="330911" cy="432730"/>
+          </a:xfrm>
+          <a:prstGeom prst="rect">
+            <a:avLst/>
+          </a:prstGeom>
+        </p:spPr>
+      </p:pic>
+      <p:pic>
+        <p:nvPicPr>
+          <p:cNvPr id="37" name="Graphic 36" descr="Meeting with solid fill">
+            <a:extLst>
+              <a:ext uri="{FF2B5EF4-FFF2-40B4-BE49-F238E27FC236}">
+                <a16:creationId xmlns:a16="http://schemas.microsoft.com/office/drawing/2014/main" id="{1A00E4EE-8FF9-E8FC-2A50-C9961A3555A4}"/>
+              </a:ext>
+            </a:extLst>
+          </p:cNvPr>
+          <p:cNvPicPr>
+            <a:picLocks noChangeAspect="1"/>
+          </p:cNvPicPr>
+          <p:nvPr/>
+        </p:nvPicPr>
+        <p:blipFill>
+          <a:blip r:embed="rId4">
+            <a:extLst>
+              <a:ext uri="{28A0092B-C50C-407E-A947-70E740481C1C}">
+                <a14:useLocalDpi xmlns:a14="http://schemas.microsoft.com/office/drawing/2010/main" val="0"/>
+              </a:ext>
+              <a:ext uri="{96DAC541-7B7A-43D3-8B79-37D633B846F1}">
+                <asvg:svgBlip xmlns:asvg="http://schemas.microsoft.com/office/drawing/2016/SVG/main" r:embed="rId5"/>
+              </a:ext>
+            </a:extLst>
+          </a:blip>
+          <a:stretch>
+            <a:fillRect/>
+          </a:stretch>
+        </p:blipFill>
+        <p:spPr>
+          <a:xfrm>
+            <a:off x="5920849" y="2710759"/>
+            <a:ext cx="335784" cy="335784"/>
+          </a:xfrm>
+          <a:prstGeom prst="rect">
+            <a:avLst/>
+          </a:prstGeom>
+        </p:spPr>
+      </p:pic>
+      <p:pic>
+        <p:nvPicPr>
+          <p:cNvPr id="38" name="Graphic 37" descr="Children with solid fill">
+            <a:extLst>
+              <a:ext uri="{FF2B5EF4-FFF2-40B4-BE49-F238E27FC236}">
+                <a16:creationId xmlns:a16="http://schemas.microsoft.com/office/drawing/2014/main" id="{36FF829D-559B-2FB3-1A6F-62D167A0199C}"/>
+              </a:ext>
+            </a:extLst>
+          </p:cNvPr>
+          <p:cNvPicPr>
+            <a:picLocks noChangeAspect="1"/>
+          </p:cNvPicPr>
+          <p:nvPr/>
+        </p:nvPicPr>
+        <p:blipFill rotWithShape="1">
+          <a:blip r:embed="rId6">
+            <a:extLst>
+              <a:ext uri="{28A0092B-C50C-407E-A947-70E740481C1C}">
+                <a14:useLocalDpi xmlns:a14="http://schemas.microsoft.com/office/drawing/2010/main" val="0"/>
+              </a:ext>
+              <a:ext uri="{96DAC541-7B7A-43D3-8B79-37D633B846F1}">
+                <asvg:svgBlip xmlns:asvg="http://schemas.microsoft.com/office/drawing/2016/SVG/main" r:embed="rId7"/>
+              </a:ext>
+            </a:extLst>
+          </a:blip>
+          <a:srcRect l="-4307" t="13582" r="50140" b="19489"/>
+          <a:stretch/>
+        </p:blipFill>
+        <p:spPr>
+          <a:xfrm>
+            <a:off x="5901033" y="2412285"/>
+            <a:ext cx="250107" cy="327063"/>
+          </a:xfrm>
+          <a:prstGeom prst="rect">
+            <a:avLst/>
+          </a:prstGeom>
+        </p:spPr>
+      </p:pic>
+      <p:cxnSp>
+        <p:nvCxnSpPr>
+          <p:cNvPr id="39" name="Straight Arrow Connector 38">
+            <a:extLst>
+              <a:ext uri="{FF2B5EF4-FFF2-40B4-BE49-F238E27FC236}">
+                <a16:creationId xmlns:a16="http://schemas.microsoft.com/office/drawing/2014/main" id="{3C45357E-FCDF-C985-A824-995D7AA88D7F}"/>
+              </a:ext>
+            </a:extLst>
+          </p:cNvPr>
+          <p:cNvCxnSpPr/>
+          <p:nvPr/>
+        </p:nvCxnSpPr>
+        <p:spPr>
+          <a:xfrm flipV="1">
+            <a:off x="8210550" y="2739348"/>
+            <a:ext cx="1358900" cy="482600"/>
+          </a:xfrm>
+          <a:prstGeom prst="straightConnector1">
+            <a:avLst/>
+          </a:prstGeom>
+          <a:ln w="38100">
+            <a:solidFill>
+              <a:srgbClr val="1B9E77"/>
+            </a:solidFill>
+            <a:tailEnd type="triangle"/>
+          </a:ln>
+        </p:spPr>
+        <p:style>
+          <a:lnRef idx="2">
+            <a:schemeClr val="accent1"/>
+          </a:lnRef>
+          <a:fillRef idx="0">
+            <a:schemeClr val="accent1"/>
+          </a:fillRef>
+          <a:effectRef idx="1">
+            <a:schemeClr val="accent1"/>
+          </a:effectRef>
+          <a:fontRef idx="minor">
+            <a:schemeClr val="tx1"/>
+          </a:fontRef>
+        </p:style>
+      </p:cxnSp>
+      <p:cxnSp>
+        <p:nvCxnSpPr>
+          <p:cNvPr id="40" name="Straight Arrow Connector 39">
+            <a:extLst>
+              <a:ext uri="{FF2B5EF4-FFF2-40B4-BE49-F238E27FC236}">
+                <a16:creationId xmlns:a16="http://schemas.microsoft.com/office/drawing/2014/main" id="{8403DEC6-CDF2-65F6-5C6D-91FBBF2B5CFD}"/>
+              </a:ext>
+            </a:extLst>
+          </p:cNvPr>
+          <p:cNvCxnSpPr/>
+          <p:nvPr/>
+        </p:nvCxnSpPr>
+        <p:spPr>
+          <a:xfrm flipV="1">
+            <a:off x="8210550" y="2846384"/>
+            <a:ext cx="1358900" cy="482600"/>
+          </a:xfrm>
+          <a:prstGeom prst="straightConnector1">
+            <a:avLst/>
+          </a:prstGeom>
+          <a:ln w="38100">
+            <a:solidFill>
+              <a:srgbClr val="E7298A"/>
+            </a:solidFill>
+            <a:tailEnd type="triangle"/>
+          </a:ln>
+        </p:spPr>
+        <p:style>
+          <a:lnRef idx="2">
+            <a:schemeClr val="accent1"/>
+          </a:lnRef>
+          <a:fillRef idx="0">
+            <a:schemeClr val="accent1"/>
+          </a:fillRef>
+          <a:effectRef idx="1">
+            <a:schemeClr val="accent1"/>
+          </a:effectRef>
+          <a:fontRef idx="minor">
+            <a:schemeClr val="tx1"/>
+          </a:fontRef>
+        </p:style>
+      </p:cxnSp>
+      <p:pic>
+        <p:nvPicPr>
+          <p:cNvPr id="41" name="Graphic 40" descr="Sustainability with solid fill">
+            <a:extLst>
+              <a:ext uri="{FF2B5EF4-FFF2-40B4-BE49-F238E27FC236}">
+                <a16:creationId xmlns:a16="http://schemas.microsoft.com/office/drawing/2014/main" id="{B2C17529-BA5B-C2E5-2303-2119AD478B8D}"/>
+              </a:ext>
+            </a:extLst>
+          </p:cNvPr>
+          <p:cNvPicPr>
+            <a:picLocks noChangeAspect="1"/>
+          </p:cNvPicPr>
+          <p:nvPr/>
+        </p:nvPicPr>
+        <p:blipFill>
+          <a:blip r:embed="rId8">
+            <a:extLst>
+              <a:ext uri="{28A0092B-C50C-407E-A947-70E740481C1C}">
+                <a14:useLocalDpi xmlns:a14="http://schemas.microsoft.com/office/drawing/2010/main" val="0"/>
+              </a:ext>
+              <a:ext uri="{96DAC541-7B7A-43D3-8B79-37D633B846F1}">
+                <asvg:svgBlip xmlns:asvg="http://schemas.microsoft.com/office/drawing/2016/SVG/main" r:embed="rId9"/>
+              </a:ext>
+            </a:extLst>
+          </a:blip>
+          <a:stretch>
+            <a:fillRect/>
+          </a:stretch>
+        </p:blipFill>
+        <p:spPr>
+          <a:xfrm>
+            <a:off x="9626599" y="2472481"/>
+            <a:ext cx="393729" cy="309216"/>
+          </a:xfrm>
+          <a:prstGeom prst="rect">
+            <a:avLst/>
+          </a:prstGeom>
+        </p:spPr>
+      </p:pic>
+      <p:pic>
+        <p:nvPicPr>
+          <p:cNvPr id="42" name="Graphic 41" descr="Muscular arm with solid fill">
+            <a:extLst>
+              <a:ext uri="{FF2B5EF4-FFF2-40B4-BE49-F238E27FC236}">
+                <a16:creationId xmlns:a16="http://schemas.microsoft.com/office/drawing/2014/main" id="{98B0F901-6EEC-1A2B-4DCE-C311ADC14940}"/>
+              </a:ext>
+            </a:extLst>
+          </p:cNvPr>
+          <p:cNvPicPr>
+            <a:picLocks noChangeAspect="1"/>
+          </p:cNvPicPr>
+          <p:nvPr/>
+        </p:nvPicPr>
+        <p:blipFill>
+          <a:blip r:embed="rId10">
+            <a:extLst>
+              <a:ext uri="{28A0092B-C50C-407E-A947-70E740481C1C}">
+                <a14:useLocalDpi xmlns:a14="http://schemas.microsoft.com/office/drawing/2010/main" val="0"/>
+              </a:ext>
+              <a:ext uri="{96DAC541-7B7A-43D3-8B79-37D633B846F1}">
+                <asvg:svgBlip xmlns:asvg="http://schemas.microsoft.com/office/drawing/2016/SVG/main" r:embed="rId11"/>
+              </a:ext>
+            </a:extLst>
+          </a:blip>
+          <a:stretch>
+            <a:fillRect/>
+          </a:stretch>
+        </p:blipFill>
+        <p:spPr>
+          <a:xfrm>
+            <a:off x="9596732" y="2763989"/>
+            <a:ext cx="355439" cy="335966"/>
+          </a:xfrm>
+          <a:prstGeom prst="rect">
+            <a:avLst/>
+          </a:prstGeom>
+        </p:spPr>
+      </p:pic>
+    </p:spTree>
+    <p:extLst>
+      <p:ext uri="{BB962C8B-B14F-4D97-AF65-F5344CB8AC3E}">
+        <p14:creationId xmlns:p14="http://schemas.microsoft.com/office/powerpoint/2010/main" val="1034015600"/>
+      </p:ext>
+    </p:extLst>
+  </p:cSld>
+  <p:clrMapOvr>
+    <a:masterClrMapping/>
+  </p:clrMapOvr>
+</p:sld>
+</file>
+
+<file path=ppt/slides/slide8.xml><?xml version="1.0" encoding="utf-8"?>
+<p:sld xmlns:a="http://schemas.openxmlformats.org/drawingml/2006/main" xmlns:r="http://schemas.openxmlformats.org/officeDocument/2006/relationships" xmlns:p="http://schemas.openxmlformats.org/presentationml/2006/main">
+  <p:cSld>
+    <p:spTree>
+      <p:nvGrpSpPr>
+        <p:cNvPr id="1" name=""/>
+        <p:cNvGrpSpPr/>
+        <p:nvPr/>
+      </p:nvGrpSpPr>
+      <p:grpSpPr>
+        <a:xfrm>
+          <a:off x="0" y="0"/>
+          <a:ext cx="0" cy="0"/>
+          <a:chOff x="0" y="0"/>
+          <a:chExt cx="0" cy="0"/>
+        </a:xfrm>
+      </p:grpSpPr>
+      <p:sp>
+        <p:nvSpPr>
+          <p:cNvPr id="2" name="Title 1">
+            <a:extLst>
+              <a:ext uri="{FF2B5EF4-FFF2-40B4-BE49-F238E27FC236}">
+                <a16:creationId xmlns:a16="http://schemas.microsoft.com/office/drawing/2014/main" id="{8E7810B3-8EC8-90C9-B089-D7290DBD7999}"/>
               </a:ext>
             </a:extLst>
           </p:cNvPr>
@@ -5962,7 +8532,7 @@
             <a:spLocks noGrp="1"/>
           </p:cNvSpPr>
           <p:nvPr>
-            <p:ph type="ftr" sz="quarter" idx="11"/>
+            <p:ph type="title"/>
           </p:nvPr>
         </p:nvSpPr>
         <p:spPr/>
@@ -5971,8 +8541,8 @@
           <a:lstStyle/>
           <a:p>
             <a:r>
-              <a:rPr lang="en-GB"/>
-              <a:t>Self-efficacy beliefs and participatory SDE || Dani Gargya || 06.03.24</a:t>
+              <a:rPr lang="en-GB" dirty="0"/>
+              <a:t>Research questions</a:t>
             </a:r>
           </a:p>
         </p:txBody>
@@ -6024,6 +8594,107 @@
           </a:extLst>
         </p:spPr>
       </p:pic>
+      <p:sp>
+        <p:nvSpPr>
+          <p:cNvPr id="6" name="Footer Placeholder 3">
+            <a:extLst>
+              <a:ext uri="{FF2B5EF4-FFF2-40B4-BE49-F238E27FC236}">
+                <a16:creationId xmlns:a16="http://schemas.microsoft.com/office/drawing/2014/main" id="{79C0CE03-421C-7541-6CEE-FEC18D81B525}"/>
+              </a:ext>
+            </a:extLst>
+          </p:cNvPr>
+          <p:cNvSpPr>
+            <a:spLocks noGrp="1"/>
+          </p:cNvSpPr>
+          <p:nvPr>
+            <p:ph type="ftr" sz="quarter" idx="11"/>
+          </p:nvPr>
+        </p:nvSpPr>
+        <p:spPr>
+          <a:xfrm>
+            <a:off x="4038600" y="6356351"/>
+            <a:ext cx="4876800" cy="260350"/>
+          </a:xfrm>
+        </p:spPr>
+        <p:txBody>
+          <a:bodyPr/>
+          <a:lstStyle/>
+          <a:p>
+            <a:r>
+              <a:rPr lang="en-GB" dirty="0"/>
+              <a:t>Sustainability competences and participatory ESD || Dani Gargya || 03.04.24</a:t>
+            </a:r>
+          </a:p>
+        </p:txBody>
+      </p:sp>
+      <p:sp>
+        <p:nvSpPr>
+          <p:cNvPr id="10" name="Content Placeholder 9">
+            <a:extLst>
+              <a:ext uri="{FF2B5EF4-FFF2-40B4-BE49-F238E27FC236}">
+                <a16:creationId xmlns:a16="http://schemas.microsoft.com/office/drawing/2014/main" id="{5088D4BD-E6A9-AF6D-245D-0AB40F0367CC}"/>
+              </a:ext>
+            </a:extLst>
+          </p:cNvPr>
+          <p:cNvSpPr>
+            <a:spLocks noGrp="1"/>
+          </p:cNvSpPr>
+          <p:nvPr>
+            <p:ph idx="1"/>
+          </p:nvPr>
+        </p:nvSpPr>
+        <p:spPr/>
+        <p:txBody>
+          <a:bodyPr>
+            <a:normAutofit/>
+          </a:bodyPr>
+          <a:lstStyle/>
+          <a:p>
+            <a:pPr marL="0" indent="0">
+              <a:buNone/>
+            </a:pPr>
+            <a:r>
+              <a:rPr lang="en-GB" dirty="0"/>
+              <a:t>1. Do students experience changes in climate attitude and behaviour over time? </a:t>
+            </a:r>
+          </a:p>
+          <a:p>
+            <a:pPr marL="0" indent="0">
+              <a:buNone/>
+            </a:pPr>
+            <a:r>
+              <a:rPr lang="en-GB" dirty="0"/>
+              <a:t>2. How do climate attitude and behaviour and self-efficacy beliefs respond to levels of involvement of the students?</a:t>
+            </a:r>
+          </a:p>
+          <a:p>
+            <a:pPr lvl="1"/>
+            <a:r>
+              <a:rPr lang="en-GB" dirty="0"/>
+              <a:t>How does the project evolution influence the magnitude of the changes in climate attitude and behaviour?</a:t>
+            </a:r>
+          </a:p>
+          <a:p>
+            <a:pPr lvl="1"/>
+            <a:r>
+              <a:rPr lang="en-GB" dirty="0"/>
+              <a:t>How do desirability of the aim and group identification influence the magnitude of the self-efficacy beliefs?</a:t>
+            </a:r>
+          </a:p>
+          <a:p>
+            <a:pPr marL="0" indent="0">
+              <a:buNone/>
+            </a:pPr>
+            <a:r>
+              <a:rPr lang="en-GB" dirty="0"/>
+              <a:t>3. How is climate attitude and behaviour influenced by self-efficacy beliefs?</a:t>
+            </a:r>
+          </a:p>
+          <a:p>
+            <a:endParaRPr lang="en-GB" dirty="0"/>
+          </a:p>
+        </p:txBody>
+      </p:sp>
     </p:spTree>
     <p:extLst>
       <p:ext uri="{BB962C8B-B14F-4D97-AF65-F5344CB8AC3E}">
@@ -6037,7 +8708,7 @@
 </p:sld>
 </file>
 
-<file path=ppt/slides/slide8.xml><?xml version="1.0" encoding="utf-8"?>
+<file path=ppt/slides/slide9.xml><?xml version="1.0" encoding="utf-8"?>
 <p:sld xmlns:a="http://schemas.openxmlformats.org/drawingml/2006/main" xmlns:r="http://schemas.openxmlformats.org/officeDocument/2006/relationships" xmlns:p="http://schemas.openxmlformats.org/presentationml/2006/main">
   <p:cSld>
     <p:spTree>
@@ -6271,164 +8942,6 @@
     <p:extLst>
       <p:ext uri="{BB962C8B-B14F-4D97-AF65-F5344CB8AC3E}">
         <p14:creationId xmlns:p14="http://schemas.microsoft.com/office/powerpoint/2010/main" val="3992079478"/>
-      </p:ext>
-    </p:extLst>
-  </p:cSld>
-  <p:clrMapOvr>
-    <a:masterClrMapping/>
-  </p:clrMapOvr>
-</p:sld>
-</file>
-
-<file path=ppt/slides/slide9.xml><?xml version="1.0" encoding="utf-8"?>
-<p:sld xmlns:a="http://schemas.openxmlformats.org/drawingml/2006/main" xmlns:r="http://schemas.openxmlformats.org/officeDocument/2006/relationships" xmlns:p="http://schemas.openxmlformats.org/presentationml/2006/main">
-  <p:cSld>
-    <p:spTree>
-      <p:nvGrpSpPr>
-        <p:cNvPr id="1" name=""/>
-        <p:cNvGrpSpPr/>
-        <p:nvPr/>
-      </p:nvGrpSpPr>
-      <p:grpSpPr>
-        <a:xfrm>
-          <a:off x="0" y="0"/>
-          <a:ext cx="0" cy="0"/>
-          <a:chOff x="0" y="0"/>
-          <a:chExt cx="0" cy="0"/>
-        </a:xfrm>
-      </p:grpSpPr>
-      <p:sp>
-        <p:nvSpPr>
-          <p:cNvPr id="2" name="Title 1">
-            <a:extLst>
-              <a:ext uri="{FF2B5EF4-FFF2-40B4-BE49-F238E27FC236}">
-                <a16:creationId xmlns:a16="http://schemas.microsoft.com/office/drawing/2014/main" id="{E4E3FC2E-1A81-FA6E-A77E-023C8359152B}"/>
-              </a:ext>
-            </a:extLst>
-          </p:cNvPr>
-          <p:cNvSpPr>
-            <a:spLocks noGrp="1"/>
-          </p:cNvSpPr>
-          <p:nvPr>
-            <p:ph type="title"/>
-          </p:nvPr>
-        </p:nvSpPr>
-        <p:spPr/>
-        <p:txBody>
-          <a:bodyPr/>
-          <a:lstStyle/>
-          <a:p>
-            <a:r>
-              <a:rPr lang="en-GB" dirty="0"/>
-              <a:t>Methods – Data analysis</a:t>
-            </a:r>
-          </a:p>
-        </p:txBody>
-      </p:sp>
-      <p:sp>
-        <p:nvSpPr>
-          <p:cNvPr id="3" name="Content Placeholder 2">
-            <a:extLst>
-              <a:ext uri="{FF2B5EF4-FFF2-40B4-BE49-F238E27FC236}">
-                <a16:creationId xmlns:a16="http://schemas.microsoft.com/office/drawing/2014/main" id="{766A6974-1347-993F-A7F4-71482EAAD8E4}"/>
-              </a:ext>
-            </a:extLst>
-          </p:cNvPr>
-          <p:cNvSpPr>
-            <a:spLocks noGrp="1"/>
-          </p:cNvSpPr>
-          <p:nvPr>
-            <p:ph idx="1"/>
-          </p:nvPr>
-        </p:nvSpPr>
-        <p:spPr/>
-        <p:txBody>
-          <a:bodyPr/>
-          <a:lstStyle/>
-          <a:p>
-            <a:endParaRPr lang="en-GB"/>
-          </a:p>
-        </p:txBody>
-      </p:sp>
-      <p:sp>
-        <p:nvSpPr>
-          <p:cNvPr id="4" name="Footer Placeholder 3">
-            <a:extLst>
-              <a:ext uri="{FF2B5EF4-FFF2-40B4-BE49-F238E27FC236}">
-                <a16:creationId xmlns:a16="http://schemas.microsoft.com/office/drawing/2014/main" id="{B8D2B458-1346-0755-B410-8090FD671F9E}"/>
-              </a:ext>
-            </a:extLst>
-          </p:cNvPr>
-          <p:cNvSpPr>
-            <a:spLocks noGrp="1"/>
-          </p:cNvSpPr>
-          <p:nvPr>
-            <p:ph type="ftr" sz="quarter" idx="11"/>
-          </p:nvPr>
-        </p:nvSpPr>
-        <p:spPr/>
-        <p:txBody>
-          <a:bodyPr/>
-          <a:lstStyle/>
-          <a:p>
-            <a:r>
-              <a:rPr lang="en-GB"/>
-              <a:t>Self-efficacy beliefs and participatory SDE || Dani Gargya || 06.03.24</a:t>
-            </a:r>
-          </a:p>
-        </p:txBody>
-      </p:sp>
-      <p:pic>
-        <p:nvPicPr>
-          <p:cNvPr id="5" name="Picture 2">
-            <a:extLst>
-              <a:ext uri="{FF2B5EF4-FFF2-40B4-BE49-F238E27FC236}">
-                <a16:creationId xmlns:a16="http://schemas.microsoft.com/office/drawing/2014/main" id="{92C5F10B-91EE-CEF0-ADAD-862ABAEC1089}"/>
-              </a:ext>
-            </a:extLst>
-          </p:cNvPr>
-          <p:cNvPicPr>
-            <a:picLocks noChangeAspect="1" noChangeArrowheads="1"/>
-          </p:cNvPicPr>
-          <p:nvPr/>
-        </p:nvPicPr>
-        <p:blipFill>
-          <a:blip r:embed="rId2">
-            <a:extLst>
-              <a:ext uri="{28A0092B-C50C-407E-A947-70E740481C1C}">
-                <a14:useLocalDpi xmlns:a14="http://schemas.microsoft.com/office/drawing/2010/main" val="0"/>
-              </a:ext>
-            </a:extLst>
-          </a:blip>
-          <a:srcRect/>
-          <a:stretch>
-            <a:fillRect/>
-          </a:stretch>
-        </p:blipFill>
-        <p:spPr bwMode="auto">
-          <a:xfrm>
-            <a:off x="10185401" y="25400"/>
-            <a:ext cx="1853434" cy="2166938"/>
-          </a:xfrm>
-          <a:prstGeom prst="rect">
-            <a:avLst/>
-          </a:prstGeom>
-          <a:noFill/>
-          <a:extLst>
-            <a:ext uri="{909E8E84-426E-40DD-AFC4-6F175D3DCCD1}">
-              <a14:hiddenFill xmlns:a14="http://schemas.microsoft.com/office/drawing/2010/main">
-                <a:solidFill>
-                  <a:srgbClr val="FFFFFF"/>
-                </a:solidFill>
-              </a14:hiddenFill>
-            </a:ext>
-          </a:extLst>
-        </p:spPr>
-      </p:pic>
-    </p:spTree>
-    <p:extLst>
-      <p:ext uri="{BB962C8B-B14F-4D97-AF65-F5344CB8AC3E}">
-        <p14:creationId xmlns:p14="http://schemas.microsoft.com/office/powerpoint/2010/main" val="1832674324"/>
       </p:ext>
     </p:extLst>
   </p:cSld>

--- a/documents/proposal_as_ppt.pptx
+++ b/documents/proposal_as_ppt.pptx
@@ -5,7 +5,7 @@
     <p:sldMasterId id="2147483648" r:id="rId1"/>
   </p:sldMasterIdLst>
   <p:notesMasterIdLst>
-    <p:notesMasterId r:id="rId14"/>
+    <p:notesMasterId r:id="rId18"/>
   </p:notesMasterIdLst>
   <p:sldIdLst>
     <p:sldId id="256" r:id="rId2"/>
@@ -14,12 +14,16 @@
     <p:sldId id="260" r:id="rId5"/>
     <p:sldId id="261" r:id="rId6"/>
     <p:sldId id="266" r:id="rId7"/>
-    <p:sldId id="267" r:id="rId8"/>
-    <p:sldId id="262" r:id="rId9"/>
+    <p:sldId id="262" r:id="rId8"/>
+    <p:sldId id="267" r:id="rId9"/>
     <p:sldId id="263" r:id="rId10"/>
-    <p:sldId id="264" r:id="rId11"/>
-    <p:sldId id="265" r:id="rId12"/>
-    <p:sldId id="268" r:id="rId13"/>
+    <p:sldId id="270" r:id="rId11"/>
+    <p:sldId id="264" r:id="rId12"/>
+    <p:sldId id="271" r:id="rId13"/>
+    <p:sldId id="273" r:id="rId14"/>
+    <p:sldId id="265" r:id="rId15"/>
+    <p:sldId id="272" r:id="rId16"/>
+    <p:sldId id="268" r:id="rId17"/>
   </p:sldIdLst>
   <p:sldSz cx="12192000" cy="6858000"/>
   <p:notesSz cx="6858000" cy="9144000"/>
@@ -126,6 +130,1050 @@
 </p:presentation>
 </file>
 
+<file path=ppt/charts/chart1.xml><?xml version="1.0" encoding="utf-8"?>
+<c:chartSpace xmlns:c="http://schemas.openxmlformats.org/drawingml/2006/chart" xmlns:a="http://schemas.openxmlformats.org/drawingml/2006/main" xmlns:r="http://schemas.openxmlformats.org/officeDocument/2006/relationships" xmlns:c16r2="http://schemas.microsoft.com/office/drawing/2015/06/chart">
+  <c:date1904 val="0"/>
+  <c:lang val="en-US"/>
+  <c:roundedCorners val="0"/>
+  <mc:AlternateContent xmlns:mc="http://schemas.openxmlformats.org/markup-compatibility/2006">
+    <mc:Choice xmlns:c14="http://schemas.microsoft.com/office/drawing/2007/8/2/chart" Requires="c14">
+      <c14:style val="102"/>
+    </mc:Choice>
+    <mc:Fallback>
+      <c:style val="2"/>
+    </mc:Fallback>
+  </mc:AlternateContent>
+  <c:chart>
+    <c:autoTitleDeleted val="0"/>
+    <c:plotArea>
+      <c:layout>
+        <c:manualLayout>
+          <c:layoutTarget val="inner"/>
+          <c:xMode val="edge"/>
+          <c:yMode val="edge"/>
+          <c:x val="0.24544045737247197"/>
+          <c:y val="0.11022186843656802"/>
+          <c:w val="0.71886543262767577"/>
+          <c:h val="0.83019409383000253"/>
+        </c:manualLayout>
+      </c:layout>
+      <c:barChart>
+        <c:barDir val="bar"/>
+        <c:grouping val="stacked"/>
+        <c:varyColors val="0"/>
+        <c:ser>
+          <c:idx val="0"/>
+          <c:order val="0"/>
+          <c:tx>
+            <c:strRef>
+              <c:f>Sheet1!$B$1</c:f>
+              <c:strCache>
+                <c:ptCount val="1"/>
+                <c:pt idx="0">
+                  <c:v>START DATE</c:v>
+                </c:pt>
+              </c:strCache>
+            </c:strRef>
+          </c:tx>
+          <c:spPr>
+            <a:noFill/>
+            <a:ln>
+              <a:noFill/>
+            </a:ln>
+            <a:effectLst/>
+          </c:spPr>
+          <c:invertIfNegative val="0"/>
+          <c:cat>
+            <c:strRef>
+              <c:f>Sheet1!$A$2:$A$16</c:f>
+              <c:strCache>
+                <c:ptCount val="15"/>
+                <c:pt idx="0">
+                  <c:v>Define Research focus</c:v>
+                </c:pt>
+                <c:pt idx="1">
+                  <c:v>Write Proposal</c:v>
+                </c:pt>
+                <c:pt idx="2">
+                  <c:v>Collect Data</c:v>
+                </c:pt>
+                <c:pt idx="3">
+                  <c:v>Analyse Data</c:v>
+                </c:pt>
+                <c:pt idx="4">
+                  <c:v>Write results</c:v>
+                </c:pt>
+                <c:pt idx="5">
+                  <c:v>Write disscussion</c:v>
+                </c:pt>
+                <c:pt idx="6">
+                  <c:v>Write conclusion</c:v>
+                </c:pt>
+                <c:pt idx="7">
+                  <c:v>Write introduction</c:v>
+                </c:pt>
+                <c:pt idx="8">
+                  <c:v>Write abstract</c:v>
+                </c:pt>
+                <c:pt idx="9">
+                  <c:v>Edit format</c:v>
+                </c:pt>
+                <c:pt idx="10">
+                  <c:v>Check for feedback</c:v>
+                </c:pt>
+                <c:pt idx="11">
+                  <c:v>Final edits/ incorporate feedback</c:v>
+                </c:pt>
+                <c:pt idx="12">
+                  <c:v>Hand-in</c:v>
+                </c:pt>
+                <c:pt idx="13">
+                  <c:v>Puffer</c:v>
+                </c:pt>
+                <c:pt idx="14">
+                  <c:v>Celebrate</c:v>
+                </c:pt>
+              </c:strCache>
+            </c:strRef>
+          </c:cat>
+          <c:val>
+            <c:numRef>
+              <c:f>Sheet1!$B$2:$B$16</c:f>
+              <c:numCache>
+                <c:formatCode>[$-409]d\-mmm;@</c:formatCode>
+                <c:ptCount val="15"/>
+                <c:pt idx="0">
+                  <c:v>45323</c:v>
+                </c:pt>
+                <c:pt idx="1">
+                  <c:v>45352</c:v>
+                </c:pt>
+                <c:pt idx="2">
+                  <c:v>45383</c:v>
+                </c:pt>
+                <c:pt idx="3">
+                  <c:v>45413</c:v>
+                </c:pt>
+                <c:pt idx="4">
+                  <c:v>45443</c:v>
+                </c:pt>
+                <c:pt idx="5">
+                  <c:v>45443</c:v>
+                </c:pt>
+                <c:pt idx="6">
+                  <c:v>45443</c:v>
+                </c:pt>
+                <c:pt idx="7">
+                  <c:v>45473</c:v>
+                </c:pt>
+                <c:pt idx="8">
+                  <c:v>45473</c:v>
+                </c:pt>
+                <c:pt idx="9">
+                  <c:v>45483</c:v>
+                </c:pt>
+                <c:pt idx="10">
+                  <c:v>45488</c:v>
+                </c:pt>
+                <c:pt idx="11">
+                  <c:v>45493</c:v>
+                </c:pt>
+                <c:pt idx="12">
+                  <c:v>45502</c:v>
+                </c:pt>
+                <c:pt idx="13">
+                  <c:v>45504</c:v>
+                </c:pt>
+                <c:pt idx="14">
+                  <c:v>45514</c:v>
+                </c:pt>
+              </c:numCache>
+            </c:numRef>
+          </c:val>
+          <c:extLst>
+            <c:ext xmlns:c16="http://schemas.microsoft.com/office/drawing/2014/chart" uri="{C3380CC4-5D6E-409C-BE32-E72D297353CC}">
+              <c16:uniqueId val="{00000000-2DD7-4353-8230-0802E9008F25}"/>
+            </c:ext>
+          </c:extLst>
+        </c:ser>
+        <c:ser>
+          <c:idx val="1"/>
+          <c:order val="1"/>
+          <c:tx>
+            <c:v>Duration</c:v>
+          </c:tx>
+          <c:spPr>
+            <a:solidFill>
+              <a:schemeClr val="accent1"/>
+            </a:solidFill>
+            <a:ln>
+              <a:noFill/>
+            </a:ln>
+            <a:effectLst/>
+          </c:spPr>
+          <c:invertIfNegative val="0"/>
+          <c:dPt>
+            <c:idx val="8"/>
+            <c:invertIfNegative val="0"/>
+            <c:bubble3D val="0"/>
+            <c:spPr>
+              <a:solidFill>
+                <a:srgbClr val="0070C0"/>
+              </a:solidFill>
+              <a:ln>
+                <a:noFill/>
+              </a:ln>
+              <a:effectLst/>
+            </c:spPr>
+            <c:extLst>
+              <c:ext xmlns:c16="http://schemas.microsoft.com/office/drawing/2014/chart" uri="{C3380CC4-5D6E-409C-BE32-E72D297353CC}">
+                <c16:uniqueId val="{00000002-2DD7-4353-8230-0802E9008F25}"/>
+              </c:ext>
+            </c:extLst>
+          </c:dPt>
+          <c:dPt>
+            <c:idx val="12"/>
+            <c:invertIfNegative val="0"/>
+            <c:bubble3D val="0"/>
+            <c:spPr>
+              <a:solidFill>
+                <a:srgbClr val="FF0000"/>
+              </a:solidFill>
+              <a:ln>
+                <a:noFill/>
+              </a:ln>
+              <a:effectLst/>
+            </c:spPr>
+            <c:extLst>
+              <c:ext xmlns:c16="http://schemas.microsoft.com/office/drawing/2014/chart" uri="{C3380CC4-5D6E-409C-BE32-E72D297353CC}">
+                <c16:uniqueId val="{00000004-2DD7-4353-8230-0802E9008F25}"/>
+              </c:ext>
+            </c:extLst>
+          </c:dPt>
+          <c:cat>
+            <c:strRef>
+              <c:f>Sheet1!$A$2:$A$16</c:f>
+              <c:strCache>
+                <c:ptCount val="15"/>
+                <c:pt idx="0">
+                  <c:v>Define Research focus</c:v>
+                </c:pt>
+                <c:pt idx="1">
+                  <c:v>Write Proposal</c:v>
+                </c:pt>
+                <c:pt idx="2">
+                  <c:v>Collect Data</c:v>
+                </c:pt>
+                <c:pt idx="3">
+                  <c:v>Analyse Data</c:v>
+                </c:pt>
+                <c:pt idx="4">
+                  <c:v>Write results</c:v>
+                </c:pt>
+                <c:pt idx="5">
+                  <c:v>Write disscussion</c:v>
+                </c:pt>
+                <c:pt idx="6">
+                  <c:v>Write conclusion</c:v>
+                </c:pt>
+                <c:pt idx="7">
+                  <c:v>Write introduction</c:v>
+                </c:pt>
+                <c:pt idx="8">
+                  <c:v>Write abstract</c:v>
+                </c:pt>
+                <c:pt idx="9">
+                  <c:v>Edit format</c:v>
+                </c:pt>
+                <c:pt idx="10">
+                  <c:v>Check for feedback</c:v>
+                </c:pt>
+                <c:pt idx="11">
+                  <c:v>Final edits/ incorporate feedback</c:v>
+                </c:pt>
+                <c:pt idx="12">
+                  <c:v>Hand-in</c:v>
+                </c:pt>
+                <c:pt idx="13">
+                  <c:v>Puffer</c:v>
+                </c:pt>
+                <c:pt idx="14">
+                  <c:v>Celebrate</c:v>
+                </c:pt>
+              </c:strCache>
+            </c:strRef>
+          </c:cat>
+          <c:val>
+            <c:numRef>
+              <c:f>Sheet1!$D$2:$D$16</c:f>
+              <c:numCache>
+                <c:formatCode>General</c:formatCode>
+                <c:ptCount val="15"/>
+                <c:pt idx="0">
+                  <c:v>59</c:v>
+                </c:pt>
+                <c:pt idx="1">
+                  <c:v>30</c:v>
+                </c:pt>
+                <c:pt idx="2">
+                  <c:v>44</c:v>
+                </c:pt>
+                <c:pt idx="3">
+                  <c:v>45</c:v>
+                </c:pt>
+                <c:pt idx="4">
+                  <c:v>30</c:v>
+                </c:pt>
+                <c:pt idx="5">
+                  <c:v>30</c:v>
+                </c:pt>
+                <c:pt idx="6">
+                  <c:v>30</c:v>
+                </c:pt>
+                <c:pt idx="7">
+                  <c:v>10</c:v>
+                </c:pt>
+                <c:pt idx="8">
+                  <c:v>10</c:v>
+                </c:pt>
+                <c:pt idx="9">
+                  <c:v>5</c:v>
+                </c:pt>
+                <c:pt idx="10">
+                  <c:v>5</c:v>
+                </c:pt>
+                <c:pt idx="11">
+                  <c:v>10</c:v>
+                </c:pt>
+                <c:pt idx="12">
+                  <c:v>2</c:v>
+                </c:pt>
+                <c:pt idx="13">
+                  <c:v>10</c:v>
+                </c:pt>
+                <c:pt idx="14">
+                  <c:v>10</c:v>
+                </c:pt>
+              </c:numCache>
+            </c:numRef>
+          </c:val>
+          <c:extLst>
+            <c:ext xmlns:c16="http://schemas.microsoft.com/office/drawing/2014/chart" uri="{C3380CC4-5D6E-409C-BE32-E72D297353CC}">
+              <c16:uniqueId val="{00000005-2DD7-4353-8230-0802E9008F25}"/>
+            </c:ext>
+          </c:extLst>
+        </c:ser>
+        <c:dLbls>
+          <c:showLegendKey val="0"/>
+          <c:showVal val="0"/>
+          <c:showCatName val="0"/>
+          <c:showSerName val="0"/>
+          <c:showPercent val="0"/>
+          <c:showBubbleSize val="0"/>
+        </c:dLbls>
+        <c:gapWidth val="20"/>
+        <c:overlap val="100"/>
+        <c:axId val="505404800"/>
+        <c:axId val="505399552"/>
+      </c:barChart>
+      <c:catAx>
+        <c:axId val="505404800"/>
+        <c:scaling>
+          <c:orientation val="maxMin"/>
+        </c:scaling>
+        <c:delete val="0"/>
+        <c:axPos val="l"/>
+        <c:numFmt formatCode="General" sourceLinked="1"/>
+        <c:majorTickMark val="none"/>
+        <c:minorTickMark val="none"/>
+        <c:tickLblPos val="nextTo"/>
+        <c:spPr>
+          <a:noFill/>
+          <a:ln w="9525" cap="flat" cmpd="sng" algn="ctr">
+            <a:solidFill>
+              <a:schemeClr val="tx1">
+                <a:lumMod val="15000"/>
+                <a:lumOff val="85000"/>
+              </a:schemeClr>
+            </a:solidFill>
+            <a:round/>
+          </a:ln>
+          <a:effectLst/>
+        </c:spPr>
+        <c:txPr>
+          <a:bodyPr rot="-60000000" spcFirstLastPara="1" vertOverflow="ellipsis" vert="horz" wrap="square" anchor="ctr" anchorCtr="1"/>
+          <a:lstStyle/>
+          <a:p>
+            <a:pPr>
+              <a:defRPr sz="900" b="0" i="0" u="none" strike="noStrike" kern="1200" baseline="0">
+                <a:solidFill>
+                  <a:schemeClr val="tx1">
+                    <a:lumMod val="65000"/>
+                    <a:lumOff val="35000"/>
+                  </a:schemeClr>
+                </a:solidFill>
+                <a:latin typeface="+mn-lt"/>
+                <a:ea typeface="+mn-ea"/>
+                <a:cs typeface="+mn-cs"/>
+              </a:defRPr>
+            </a:pPr>
+            <a:endParaRPr lang="en-US"/>
+          </a:p>
+        </c:txPr>
+        <c:crossAx val="505399552"/>
+        <c:crossesAt val="43864"/>
+        <c:auto val="0"/>
+        <c:lblAlgn val="ctr"/>
+        <c:lblOffset val="100"/>
+        <c:tickLblSkip val="1"/>
+        <c:noMultiLvlLbl val="0"/>
+      </c:catAx>
+      <c:valAx>
+        <c:axId val="505399552"/>
+        <c:scaling>
+          <c:orientation val="minMax"/>
+          <c:max val="45530"/>
+          <c:min val="45323"/>
+        </c:scaling>
+        <c:delete val="0"/>
+        <c:axPos val="t"/>
+        <c:majorGridlines>
+          <c:spPr>
+            <a:ln w="9525" cap="flat" cmpd="sng" algn="ctr">
+              <a:solidFill>
+                <a:schemeClr val="tx1">
+                  <a:lumMod val="15000"/>
+                  <a:lumOff val="85000"/>
+                </a:schemeClr>
+              </a:solidFill>
+              <a:round/>
+            </a:ln>
+            <a:effectLst/>
+          </c:spPr>
+        </c:majorGridlines>
+        <c:numFmt formatCode="[$-409]d\-mmm;@" sourceLinked="1"/>
+        <c:majorTickMark val="none"/>
+        <c:minorTickMark val="none"/>
+        <c:tickLblPos val="nextTo"/>
+        <c:spPr>
+          <a:noFill/>
+          <a:ln>
+            <a:noFill/>
+          </a:ln>
+          <a:effectLst/>
+        </c:spPr>
+        <c:txPr>
+          <a:bodyPr rot="-60000000" spcFirstLastPara="1" vertOverflow="ellipsis" vert="horz" wrap="square" anchor="ctr" anchorCtr="1"/>
+          <a:lstStyle/>
+          <a:p>
+            <a:pPr>
+              <a:defRPr sz="900" b="0" i="0" u="none" strike="noStrike" kern="1200" baseline="0">
+                <a:solidFill>
+                  <a:schemeClr val="tx1">
+                    <a:lumMod val="65000"/>
+                    <a:lumOff val="35000"/>
+                  </a:schemeClr>
+                </a:solidFill>
+                <a:latin typeface="+mn-lt"/>
+                <a:ea typeface="+mn-ea"/>
+                <a:cs typeface="+mn-cs"/>
+              </a:defRPr>
+            </a:pPr>
+            <a:endParaRPr lang="en-US"/>
+          </a:p>
+        </c:txPr>
+        <c:crossAx val="505404800"/>
+        <c:crosses val="autoZero"/>
+        <c:crossBetween val="between"/>
+        <c:majorUnit val="15"/>
+      </c:valAx>
+      <c:spPr>
+        <a:noFill/>
+        <a:ln>
+          <a:noFill/>
+        </a:ln>
+        <a:effectLst/>
+      </c:spPr>
+    </c:plotArea>
+    <c:plotVisOnly val="1"/>
+    <c:dispBlanksAs val="gap"/>
+    <c:extLst>
+      <c:ext xmlns:c16r3="http://schemas.microsoft.com/office/drawing/2017/03/chart" uri="{56B9EC1D-385E-4148-901F-78D8002777C0}">
+        <c16r3:dataDisplayOptions16>
+          <c16r3:dispNaAsBlank val="1"/>
+        </c16r3:dataDisplayOptions16>
+      </c:ext>
+    </c:extLst>
+    <c:showDLblsOverMax val="0"/>
+  </c:chart>
+  <c:spPr>
+    <a:noFill/>
+    <a:ln>
+      <a:noFill/>
+    </a:ln>
+    <a:effectLst/>
+  </c:spPr>
+  <c:txPr>
+    <a:bodyPr/>
+    <a:lstStyle/>
+    <a:p>
+      <a:pPr>
+        <a:defRPr/>
+      </a:pPr>
+      <a:endParaRPr lang="en-US"/>
+    </a:p>
+  </c:txPr>
+  <c:externalData r:id="rId3">
+    <c:autoUpdate val="0"/>
+  </c:externalData>
+</c:chartSpace>
+</file>
+
+<file path=ppt/charts/colors1.xml><?xml version="1.0" encoding="utf-8"?>
+<cs:colorStyle xmlns:cs="http://schemas.microsoft.com/office/drawing/2012/chartStyle" xmlns:a="http://schemas.openxmlformats.org/drawingml/2006/main" meth="cycle" id="10">
+  <a:schemeClr val="accent1"/>
+  <a:schemeClr val="accent2"/>
+  <a:schemeClr val="accent3"/>
+  <a:schemeClr val="accent4"/>
+  <a:schemeClr val="accent5"/>
+  <a:schemeClr val="accent6"/>
+  <cs:variation/>
+  <cs:variation>
+    <a:lumMod val="60000"/>
+  </cs:variation>
+  <cs:variation>
+    <a:lumMod val="80000"/>
+    <a:lumOff val="20000"/>
+  </cs:variation>
+  <cs:variation>
+    <a:lumMod val="80000"/>
+  </cs:variation>
+  <cs:variation>
+    <a:lumMod val="60000"/>
+    <a:lumOff val="40000"/>
+  </cs:variation>
+  <cs:variation>
+    <a:lumMod val="50000"/>
+  </cs:variation>
+  <cs:variation>
+    <a:lumMod val="70000"/>
+    <a:lumOff val="30000"/>
+  </cs:variation>
+  <cs:variation>
+    <a:lumMod val="70000"/>
+  </cs:variation>
+  <cs:variation>
+    <a:lumMod val="50000"/>
+    <a:lumOff val="50000"/>
+  </cs:variation>
+</cs:colorStyle>
+</file>
+
+<file path=ppt/charts/style1.xml><?xml version="1.0" encoding="utf-8"?>
+<cs:chartStyle xmlns:cs="http://schemas.microsoft.com/office/drawing/2012/chartStyle" xmlns:a="http://schemas.openxmlformats.org/drawingml/2006/main" id="297">
+  <cs:axisTitle>
+    <cs:lnRef idx="0"/>
+    <cs:fillRef idx="0"/>
+    <cs:effectRef idx="0"/>
+    <cs:fontRef idx="minor">
+      <a:schemeClr val="tx1">
+        <a:lumMod val="65000"/>
+        <a:lumOff val="35000"/>
+      </a:schemeClr>
+    </cs:fontRef>
+    <cs:defRPr sz="1000" kern="1200"/>
+  </cs:axisTitle>
+  <cs:categoryAxis>
+    <cs:lnRef idx="0"/>
+    <cs:fillRef idx="0"/>
+    <cs:effectRef idx="0"/>
+    <cs:fontRef idx="minor">
+      <a:schemeClr val="tx1">
+        <a:lumMod val="65000"/>
+        <a:lumOff val="35000"/>
+      </a:schemeClr>
+    </cs:fontRef>
+    <cs:spPr>
+      <a:ln w="9525" cap="flat" cmpd="sng" algn="ctr">
+        <a:solidFill>
+          <a:schemeClr val="tx1">
+            <a:lumMod val="15000"/>
+            <a:lumOff val="85000"/>
+          </a:schemeClr>
+        </a:solidFill>
+        <a:round/>
+      </a:ln>
+    </cs:spPr>
+    <cs:defRPr sz="900" kern="1200"/>
+  </cs:categoryAxis>
+  <cs:chartArea mods="allowNoFillOverride allowNoLineOverride">
+    <cs:lnRef idx="0"/>
+    <cs:fillRef idx="0"/>
+    <cs:effectRef idx="0"/>
+    <cs:fontRef idx="minor">
+      <a:schemeClr val="tx1"/>
+    </cs:fontRef>
+    <cs:spPr>
+      <a:solidFill>
+        <a:schemeClr val="bg1"/>
+      </a:solidFill>
+      <a:ln w="9525" cap="flat" cmpd="sng" algn="ctr">
+        <a:solidFill>
+          <a:schemeClr val="tx1">
+            <a:lumMod val="15000"/>
+            <a:lumOff val="85000"/>
+          </a:schemeClr>
+        </a:solidFill>
+        <a:round/>
+      </a:ln>
+    </cs:spPr>
+    <cs:defRPr sz="1000" kern="1200"/>
+  </cs:chartArea>
+  <cs:dataLabel>
+    <cs:lnRef idx="0"/>
+    <cs:fillRef idx="0"/>
+    <cs:effectRef idx="0"/>
+    <cs:fontRef idx="minor">
+      <a:schemeClr val="tx1">
+        <a:lumMod val="75000"/>
+        <a:lumOff val="25000"/>
+      </a:schemeClr>
+    </cs:fontRef>
+    <cs:defRPr sz="900" kern="1200"/>
+  </cs:dataLabel>
+  <cs:dataLabelCallout>
+    <cs:lnRef idx="0"/>
+    <cs:fillRef idx="0"/>
+    <cs:effectRef idx="0"/>
+    <cs:fontRef idx="minor">
+      <a:schemeClr val="dk1">
+        <a:lumMod val="65000"/>
+        <a:lumOff val="35000"/>
+      </a:schemeClr>
+    </cs:fontRef>
+    <cs:spPr>
+      <a:solidFill>
+        <a:schemeClr val="lt1"/>
+      </a:solidFill>
+      <a:ln>
+        <a:solidFill>
+          <a:schemeClr val="dk1">
+            <a:lumMod val="25000"/>
+            <a:lumOff val="75000"/>
+          </a:schemeClr>
+        </a:solidFill>
+      </a:ln>
+    </cs:spPr>
+    <cs:defRPr sz="900" kern="1200"/>
+    <cs:bodyPr rot="0" spcFirstLastPara="1" vertOverflow="clip" horzOverflow="clip" vert="horz" wrap="square" lIns="36576" tIns="18288" rIns="36576" bIns="18288" anchor="ctr" anchorCtr="1">
+      <a:spAutoFit/>
+    </cs:bodyPr>
+  </cs:dataLabelCallout>
+  <cs:dataPoint>
+    <cs:lnRef idx="0"/>
+    <cs:fillRef idx="1">
+      <cs:styleClr val="auto"/>
+    </cs:fillRef>
+    <cs:effectRef idx="0"/>
+    <cs:fontRef idx="minor">
+      <a:schemeClr val="tx1"/>
+    </cs:fontRef>
+  </cs:dataPoint>
+  <cs:dataPoint3D>
+    <cs:lnRef idx="0"/>
+    <cs:fillRef idx="1">
+      <cs:styleClr val="auto"/>
+    </cs:fillRef>
+    <cs:effectRef idx="0"/>
+    <cs:fontRef idx="minor">
+      <a:schemeClr val="tx1"/>
+    </cs:fontRef>
+  </cs:dataPoint3D>
+  <cs:dataPointLine>
+    <cs:lnRef idx="0">
+      <cs:styleClr val="auto"/>
+    </cs:lnRef>
+    <cs:fillRef idx="1"/>
+    <cs:effectRef idx="0"/>
+    <cs:fontRef idx="minor">
+      <a:schemeClr val="tx1"/>
+    </cs:fontRef>
+    <cs:spPr>
+      <a:ln w="28575" cap="rnd">
+        <a:solidFill>
+          <a:schemeClr val="phClr"/>
+        </a:solidFill>
+        <a:round/>
+      </a:ln>
+    </cs:spPr>
+  </cs:dataPointLine>
+  <cs:dataPointMarker>
+    <cs:lnRef idx="0">
+      <cs:styleClr val="auto"/>
+    </cs:lnRef>
+    <cs:fillRef idx="1">
+      <cs:styleClr val="auto"/>
+    </cs:fillRef>
+    <cs:effectRef idx="0"/>
+    <cs:fontRef idx="minor">
+      <a:schemeClr val="tx1"/>
+    </cs:fontRef>
+    <cs:spPr>
+      <a:ln w="9525">
+        <a:solidFill>
+          <a:schemeClr val="phClr"/>
+        </a:solidFill>
+      </a:ln>
+    </cs:spPr>
+  </cs:dataPointMarker>
+  <cs:dataPointMarkerLayout symbol="circle" size="5"/>
+  <cs:dataPointWireframe>
+    <cs:lnRef idx="0">
+      <cs:styleClr val="auto"/>
+    </cs:lnRef>
+    <cs:fillRef idx="1"/>
+    <cs:effectRef idx="0"/>
+    <cs:fontRef idx="minor">
+      <a:schemeClr val="tx1"/>
+    </cs:fontRef>
+    <cs:spPr>
+      <a:ln w="9525" cap="rnd">
+        <a:solidFill>
+          <a:schemeClr val="phClr"/>
+        </a:solidFill>
+        <a:round/>
+      </a:ln>
+    </cs:spPr>
+  </cs:dataPointWireframe>
+  <cs:dataTable>
+    <cs:lnRef idx="0"/>
+    <cs:fillRef idx="0"/>
+    <cs:effectRef idx="0"/>
+    <cs:fontRef idx="minor">
+      <a:schemeClr val="tx1">
+        <a:lumMod val="65000"/>
+        <a:lumOff val="35000"/>
+      </a:schemeClr>
+    </cs:fontRef>
+    <cs:spPr>
+      <a:noFill/>
+      <a:ln w="9525" cap="flat" cmpd="sng" algn="ctr">
+        <a:solidFill>
+          <a:schemeClr val="tx1">
+            <a:lumMod val="15000"/>
+            <a:lumOff val="85000"/>
+          </a:schemeClr>
+        </a:solidFill>
+        <a:round/>
+      </a:ln>
+    </cs:spPr>
+    <cs:defRPr sz="900" kern="1200"/>
+  </cs:dataTable>
+  <cs:downBar>
+    <cs:lnRef idx="0"/>
+    <cs:fillRef idx="0"/>
+    <cs:effectRef idx="0"/>
+    <cs:fontRef idx="minor">
+      <a:schemeClr val="tx1"/>
+    </cs:fontRef>
+    <cs:spPr>
+      <a:solidFill>
+        <a:schemeClr val="dk1">
+          <a:lumMod val="75000"/>
+          <a:lumOff val="25000"/>
+        </a:schemeClr>
+      </a:solidFill>
+      <a:ln w="9525" cap="flat" cmpd="sng" algn="ctr">
+        <a:solidFill>
+          <a:schemeClr val="tx1">
+            <a:lumMod val="65000"/>
+            <a:lumOff val="35000"/>
+          </a:schemeClr>
+        </a:solidFill>
+        <a:round/>
+      </a:ln>
+    </cs:spPr>
+  </cs:downBar>
+  <cs:dropLine>
+    <cs:lnRef idx="0"/>
+    <cs:fillRef idx="0"/>
+    <cs:effectRef idx="0"/>
+    <cs:fontRef idx="minor">
+      <a:schemeClr val="tx1"/>
+    </cs:fontRef>
+    <cs:spPr>
+      <a:ln w="9525" cap="flat" cmpd="sng" algn="ctr">
+        <a:solidFill>
+          <a:schemeClr val="tx1">
+            <a:lumMod val="35000"/>
+            <a:lumOff val="65000"/>
+          </a:schemeClr>
+        </a:solidFill>
+        <a:round/>
+      </a:ln>
+    </cs:spPr>
+  </cs:dropLine>
+  <cs:errorBar>
+    <cs:lnRef idx="0"/>
+    <cs:fillRef idx="0"/>
+    <cs:effectRef idx="0"/>
+    <cs:fontRef idx="minor">
+      <a:schemeClr val="tx1"/>
+    </cs:fontRef>
+    <cs:spPr>
+      <a:ln w="9525" cap="flat" cmpd="sng" algn="ctr">
+        <a:solidFill>
+          <a:schemeClr val="tx1">
+            <a:lumMod val="65000"/>
+            <a:lumOff val="35000"/>
+          </a:schemeClr>
+        </a:solidFill>
+        <a:round/>
+      </a:ln>
+    </cs:spPr>
+  </cs:errorBar>
+  <cs:floor>
+    <cs:lnRef idx="0"/>
+    <cs:fillRef idx="0"/>
+    <cs:effectRef idx="0"/>
+    <cs:fontRef idx="minor">
+      <a:schemeClr val="tx1"/>
+    </cs:fontRef>
+    <cs:spPr>
+      <a:noFill/>
+      <a:ln>
+        <a:noFill/>
+      </a:ln>
+    </cs:spPr>
+  </cs:floor>
+  <cs:gridlineMajor>
+    <cs:lnRef idx="0"/>
+    <cs:fillRef idx="0"/>
+    <cs:effectRef idx="0"/>
+    <cs:fontRef idx="minor">
+      <a:schemeClr val="tx1"/>
+    </cs:fontRef>
+    <cs:spPr>
+      <a:ln w="9525" cap="flat" cmpd="sng" algn="ctr">
+        <a:solidFill>
+          <a:schemeClr val="tx1">
+            <a:lumMod val="15000"/>
+            <a:lumOff val="85000"/>
+          </a:schemeClr>
+        </a:solidFill>
+        <a:round/>
+      </a:ln>
+    </cs:spPr>
+  </cs:gridlineMajor>
+  <cs:gridlineMinor>
+    <cs:lnRef idx="0"/>
+    <cs:fillRef idx="0"/>
+    <cs:effectRef idx="0"/>
+    <cs:fontRef idx="minor">
+      <a:schemeClr val="tx1"/>
+    </cs:fontRef>
+    <cs:spPr>
+      <a:ln w="9525" cap="flat" cmpd="sng" algn="ctr">
+        <a:solidFill>
+          <a:schemeClr val="tx1">
+            <a:lumMod val="5000"/>
+            <a:lumOff val="95000"/>
+          </a:schemeClr>
+        </a:solidFill>
+        <a:round/>
+      </a:ln>
+    </cs:spPr>
+  </cs:gridlineMinor>
+  <cs:hiLoLine>
+    <cs:lnRef idx="0"/>
+    <cs:fillRef idx="0"/>
+    <cs:effectRef idx="0"/>
+    <cs:fontRef idx="minor">
+      <a:schemeClr val="tx1"/>
+    </cs:fontRef>
+    <cs:spPr>
+      <a:ln w="9525" cap="flat" cmpd="sng" algn="ctr">
+        <a:solidFill>
+          <a:schemeClr val="tx1">
+            <a:lumMod val="50000"/>
+            <a:lumOff val="50000"/>
+          </a:schemeClr>
+        </a:solidFill>
+        <a:round/>
+      </a:ln>
+    </cs:spPr>
+  </cs:hiLoLine>
+  <cs:leaderLine>
+    <cs:lnRef idx="0"/>
+    <cs:fillRef idx="0"/>
+    <cs:effectRef idx="0"/>
+    <cs:fontRef idx="minor">
+      <a:schemeClr val="tx1"/>
+    </cs:fontRef>
+    <cs:spPr>
+      <a:ln w="9525" cap="flat" cmpd="sng" algn="ctr">
+        <a:solidFill>
+          <a:schemeClr val="tx1">
+            <a:lumMod val="35000"/>
+            <a:lumOff val="65000"/>
+          </a:schemeClr>
+        </a:solidFill>
+        <a:round/>
+      </a:ln>
+    </cs:spPr>
+  </cs:leaderLine>
+  <cs:legend>
+    <cs:lnRef idx="0"/>
+    <cs:fillRef idx="0"/>
+    <cs:effectRef idx="0"/>
+    <cs:fontRef idx="minor">
+      <a:schemeClr val="tx1">
+        <a:lumMod val="65000"/>
+        <a:lumOff val="35000"/>
+      </a:schemeClr>
+    </cs:fontRef>
+    <cs:defRPr sz="900" kern="1200"/>
+  </cs:legend>
+  <cs:plotArea mods="allowNoFillOverride allowNoLineOverride">
+    <cs:lnRef idx="0"/>
+    <cs:fillRef idx="0"/>
+    <cs:effectRef idx="0"/>
+    <cs:fontRef idx="minor">
+      <a:schemeClr val="tx1"/>
+    </cs:fontRef>
+  </cs:plotArea>
+  <cs:plotArea3D mods="allowNoFillOverride allowNoLineOverride">
+    <cs:lnRef idx="0"/>
+    <cs:fillRef idx="0"/>
+    <cs:effectRef idx="0"/>
+    <cs:fontRef idx="minor">
+      <a:schemeClr val="tx1"/>
+    </cs:fontRef>
+  </cs:plotArea3D>
+  <cs:seriesAxis>
+    <cs:lnRef idx="0"/>
+    <cs:fillRef idx="0"/>
+    <cs:effectRef idx="0"/>
+    <cs:fontRef idx="minor">
+      <a:schemeClr val="tx1">
+        <a:lumMod val="65000"/>
+        <a:lumOff val="35000"/>
+      </a:schemeClr>
+    </cs:fontRef>
+    <cs:defRPr sz="900" kern="1200"/>
+  </cs:seriesAxis>
+  <cs:seriesLine>
+    <cs:lnRef idx="0"/>
+    <cs:fillRef idx="0"/>
+    <cs:effectRef idx="0"/>
+    <cs:fontRef idx="minor">
+      <a:schemeClr val="tx1"/>
+    </cs:fontRef>
+    <cs:spPr>
+      <a:ln w="9525" cap="flat" cmpd="sng" algn="ctr">
+        <a:solidFill>
+          <a:schemeClr val="tx1">
+            <a:lumMod val="35000"/>
+            <a:lumOff val="65000"/>
+          </a:schemeClr>
+        </a:solidFill>
+        <a:round/>
+      </a:ln>
+    </cs:spPr>
+  </cs:seriesLine>
+  <cs:title>
+    <cs:lnRef idx="0"/>
+    <cs:fillRef idx="0"/>
+    <cs:effectRef idx="0"/>
+    <cs:fontRef idx="minor">
+      <a:schemeClr val="tx1">
+        <a:lumMod val="65000"/>
+        <a:lumOff val="35000"/>
+      </a:schemeClr>
+    </cs:fontRef>
+    <cs:defRPr sz="1400" b="0" kern="1200" spc="0" baseline="0"/>
+  </cs:title>
+  <cs:trendline>
+    <cs:lnRef idx="0">
+      <cs:styleClr val="auto"/>
+    </cs:lnRef>
+    <cs:fillRef idx="0"/>
+    <cs:effectRef idx="0"/>
+    <cs:fontRef idx="minor">
+      <a:schemeClr val="tx1"/>
+    </cs:fontRef>
+    <cs:spPr>
+      <a:ln w="19050" cap="rnd">
+        <a:solidFill>
+          <a:schemeClr val="phClr"/>
+        </a:solidFill>
+        <a:prstDash val="sysDot"/>
+      </a:ln>
+    </cs:spPr>
+  </cs:trendline>
+  <cs:trendlineLabel>
+    <cs:lnRef idx="0"/>
+    <cs:fillRef idx="0"/>
+    <cs:effectRef idx="0"/>
+    <cs:fontRef idx="minor">
+      <a:schemeClr val="tx1">
+        <a:lumMod val="65000"/>
+        <a:lumOff val="35000"/>
+      </a:schemeClr>
+    </cs:fontRef>
+    <cs:defRPr sz="900" kern="1200"/>
+  </cs:trendlineLabel>
+  <cs:upBar>
+    <cs:lnRef idx="0"/>
+    <cs:fillRef idx="0"/>
+    <cs:effectRef idx="0"/>
+    <cs:fontRef idx="minor">
+      <a:schemeClr val="tx1"/>
+    </cs:fontRef>
+    <cs:spPr>
+      <a:solidFill>
+        <a:schemeClr val="lt1"/>
+      </a:solidFill>
+      <a:ln w="9525" cap="flat" cmpd="sng" algn="ctr">
+        <a:solidFill>
+          <a:schemeClr val="tx1">
+            <a:lumMod val="65000"/>
+            <a:lumOff val="35000"/>
+          </a:schemeClr>
+        </a:solidFill>
+        <a:round/>
+      </a:ln>
+    </cs:spPr>
+  </cs:upBar>
+  <cs:valueAxis>
+    <cs:lnRef idx="0"/>
+    <cs:fillRef idx="0"/>
+    <cs:effectRef idx="0"/>
+    <cs:fontRef idx="minor">
+      <a:schemeClr val="tx1">
+        <a:lumMod val="65000"/>
+        <a:lumOff val="35000"/>
+      </a:schemeClr>
+    </cs:fontRef>
+    <cs:defRPr sz="900" kern="1200"/>
+  </cs:valueAxis>
+  <cs:wall>
+    <cs:lnRef idx="0"/>
+    <cs:fillRef idx="0"/>
+    <cs:effectRef idx="0"/>
+    <cs:fontRef idx="minor">
+      <a:schemeClr val="tx1"/>
+    </cs:fontRef>
+    <cs:spPr>
+      <a:noFill/>
+      <a:ln>
+        <a:noFill/>
+      </a:ln>
+    </cs:spPr>
+  </cs:wall>
+</cs:chartStyle>
+</file>
+
 <file path=ppt/notesMasters/notesMaster1.xml><?xml version="1.0" encoding="utf-8"?>
 <p:notesMaster xmlns:a="http://schemas.openxmlformats.org/drawingml/2006/main" xmlns:r="http://schemas.openxmlformats.org/officeDocument/2006/relationships" xmlns:p="http://schemas.openxmlformats.org/presentationml/2006/main">
   <p:cSld>
@@ -208,7 +1256,7 @@
           <a:p>
             <a:fld id="{D45F478C-19B8-4007-85C0-1B1FB6679583}" type="datetimeFigureOut">
               <a:rPr lang="en-GB" smtClean="0"/>
-              <a:t>27/03/2024</a:t>
+              <a:t>02/04/2024</a:t>
             </a:fld>
             <a:endParaRPr lang="en-GB"/>
           </a:p>
@@ -625,7 +1673,7 @@
           <a:p>
             <a:fld id="{3C6FA151-EAC5-464A-86BA-1012663BC30E}" type="datetime1">
               <a:rPr lang="en-GB" smtClean="0"/>
-              <a:t>27/03/2024</a:t>
+              <a:t>02/04/2024</a:t>
             </a:fld>
             <a:endParaRPr lang="en-GB"/>
           </a:p>
@@ -828,7 +1876,7 @@
           <a:p>
             <a:fld id="{5801DCF2-7C1D-4561-A029-2852EF5D2072}" type="datetime1">
               <a:rPr lang="en-GB" smtClean="0"/>
-              <a:t>27/03/2024</a:t>
+              <a:t>02/04/2024</a:t>
             </a:fld>
             <a:endParaRPr lang="en-GB"/>
           </a:p>
@@ -1041,7 +2089,7 @@
           <a:p>
             <a:fld id="{7619F4D1-41EA-4C45-AE34-CFD01CAAE541}" type="datetime1">
               <a:rPr lang="en-GB" smtClean="0"/>
-              <a:t>27/03/2024</a:t>
+              <a:t>02/04/2024</a:t>
             </a:fld>
             <a:endParaRPr lang="en-GB"/>
           </a:p>
@@ -1244,7 +2292,7 @@
           <a:p>
             <a:fld id="{676ADB0C-2706-41C4-9D6D-FDE2B8D9A78E}" type="datetime1">
               <a:rPr lang="en-GB" smtClean="0"/>
-              <a:t>27/03/2024</a:t>
+              <a:t>02/04/2024</a:t>
             </a:fld>
             <a:endParaRPr lang="en-GB"/>
           </a:p>
@@ -1523,7 +2571,7 @@
           <a:p>
             <a:fld id="{CA1DA76A-A919-473D-B354-18365EADF2F5}" type="datetime1">
               <a:rPr lang="en-GB" smtClean="0"/>
-              <a:t>27/03/2024</a:t>
+              <a:t>02/04/2024</a:t>
             </a:fld>
             <a:endParaRPr lang="en-GB"/>
           </a:p>
@@ -1794,7 +2842,7 @@
           <a:p>
             <a:fld id="{E51BBD68-46CA-4165-816E-CD8C056875FC}" type="datetime1">
               <a:rPr lang="en-GB" smtClean="0"/>
-              <a:t>27/03/2024</a:t>
+              <a:t>02/04/2024</a:t>
             </a:fld>
             <a:endParaRPr lang="en-GB"/>
           </a:p>
@@ -2212,7 +3260,7 @@
           <a:p>
             <a:fld id="{B2FAE00B-F786-4A05-8A94-4E14BC77E290}" type="datetime1">
               <a:rPr lang="en-GB" smtClean="0"/>
-              <a:t>27/03/2024</a:t>
+              <a:t>02/04/2024</a:t>
             </a:fld>
             <a:endParaRPr lang="en-GB"/>
           </a:p>
@@ -2357,7 +3405,7 @@
           <a:p>
             <a:fld id="{2017125D-372F-403A-BE3C-7D72C6C3FDF5}" type="datetime1">
               <a:rPr lang="en-GB" smtClean="0"/>
-              <a:t>27/03/2024</a:t>
+              <a:t>02/04/2024</a:t>
             </a:fld>
             <a:endParaRPr lang="en-GB"/>
           </a:p>
@@ -2473,7 +3521,7 @@
           <a:p>
             <a:fld id="{220398F7-D689-461D-B713-9ACC4E34E2F6}" type="datetime1">
               <a:rPr lang="en-GB" smtClean="0"/>
-              <a:t>27/03/2024</a:t>
+              <a:t>02/04/2024</a:t>
             </a:fld>
             <a:endParaRPr lang="en-GB"/>
           </a:p>
@@ -2789,7 +3837,7 @@
           <a:p>
             <a:fld id="{043CA75F-4FC6-4A09-B610-681E3F3B6E7D}" type="datetime1">
               <a:rPr lang="en-GB" smtClean="0"/>
-              <a:t>27/03/2024</a:t>
+              <a:t>02/04/2024</a:t>
             </a:fld>
             <a:endParaRPr lang="en-GB"/>
           </a:p>
@@ -3081,7 +4129,7 @@
           <a:p>
             <a:fld id="{4F9D3380-6300-4980-85F1-73CEABF7B00C}" type="datetime1">
               <a:rPr lang="en-GB" smtClean="0"/>
-              <a:t>27/03/2024</a:t>
+              <a:t>02/04/2024</a:t>
             </a:fld>
             <a:endParaRPr lang="en-GB"/>
           </a:p>
@@ -3327,7 +4375,7 @@
           <a:p>
             <a:fld id="{115F3E82-D6CD-4F98-8A25-92742025E9CB}" type="datetime1">
               <a:rPr lang="en-GB" smtClean="0"/>
-              <a:t>27/03/2024</a:t>
+              <a:t>02/04/2024</a:t>
             </a:fld>
             <a:endParaRPr lang="en-GB"/>
           </a:p>
@@ -3801,7 +4849,7 @@
         </p:nvSpPr>
         <p:spPr>
           <a:xfrm>
-            <a:off x="876300" y="2460624"/>
+            <a:off x="876300" y="2601119"/>
             <a:ext cx="9144000" cy="1655762"/>
           </a:xfrm>
         </p:spPr>
@@ -3811,7 +4859,7 @@
           <a:p>
             <a:r>
               <a:rPr lang="en-GB" dirty="0"/>
-              <a:t>Effects of participatory ESD projects on (individual and collective) self-efficacy beliefs using the example of the "</a:t>
+              <a:t>Effects of participatory ESD projects on sustainability competences of high school students using the example of the "</a:t>
             </a:r>
             <a:r>
               <a:rPr lang="en-GB" dirty="0" err="1"/>
@@ -3863,7 +4911,7 @@
           <a:p>
             <a:r>
               <a:rPr lang="en-GB" dirty="0"/>
-              <a:t>06.03.24</a:t>
+              <a:t>03.04.2024</a:t>
             </a:r>
           </a:p>
         </p:txBody>
@@ -3991,7 +5039,7 @@
           <p:cNvPr id="2" name="Title 1">
             <a:extLst>
               <a:ext uri="{FF2B5EF4-FFF2-40B4-BE49-F238E27FC236}">
-                <a16:creationId xmlns:a16="http://schemas.microsoft.com/office/drawing/2014/main" id="{E4E3FC2E-1A81-FA6E-A77E-023C8359152B}"/>
+                <a16:creationId xmlns:a16="http://schemas.microsoft.com/office/drawing/2014/main" id="{49939984-9A30-344A-0C72-F25E4D90D72D}"/>
               </a:ext>
             </a:extLst>
           </p:cNvPr>
@@ -4002,40 +5050,27 @@
             <p:ph type="title"/>
           </p:nvPr>
         </p:nvSpPr>
-        <p:spPr/>
+        <p:spPr>
+          <a:xfrm>
+            <a:off x="153165" y="501013"/>
+            <a:ext cx="10515600" cy="1325563"/>
+          </a:xfrm>
+        </p:spPr>
         <p:txBody>
           <a:bodyPr/>
           <a:lstStyle/>
           <a:p>
             <a:r>
               <a:rPr lang="en-GB" dirty="0"/>
-              <a:t>Methods – Data analysis</a:t>
-            </a:r>
-          </a:p>
-        </p:txBody>
-      </p:sp>
-      <p:sp>
-        <p:nvSpPr>
-          <p:cNvPr id="3" name="Content Placeholder 2">
-            <a:extLst>
-              <a:ext uri="{FF2B5EF4-FFF2-40B4-BE49-F238E27FC236}">
-                <a16:creationId xmlns:a16="http://schemas.microsoft.com/office/drawing/2014/main" id="{766A6974-1347-993F-A7F4-71482EAAD8E4}"/>
-              </a:ext>
-            </a:extLst>
-          </p:cNvPr>
-          <p:cNvSpPr>
-            <a:spLocks noGrp="1"/>
-          </p:cNvSpPr>
-          <p:nvPr>
-            <p:ph idx="1"/>
-          </p:nvPr>
-        </p:nvSpPr>
-        <p:spPr/>
-        <p:txBody>
-          <a:bodyPr/>
-          <a:lstStyle/>
-          <a:p>
-            <a:endParaRPr lang="en-GB"/>
+              <a:t>Methods – </a:t>
+            </a:r>
+            <a:br>
+              <a:rPr lang="en-GB" dirty="0"/>
+            </a:br>
+            <a:r>
+              <a:rPr lang="en-GB" dirty="0"/>
+              <a:t>Surveys</a:t>
+            </a:r>
           </a:p>
         </p:txBody>
       </p:sp>
@@ -4044,7 +5079,7 @@
           <p:cNvPr id="5" name="Picture 2">
             <a:extLst>
               <a:ext uri="{FF2B5EF4-FFF2-40B4-BE49-F238E27FC236}">
-                <a16:creationId xmlns:a16="http://schemas.microsoft.com/office/drawing/2014/main" id="{92C5F10B-91EE-CEF0-ADAD-862ABAEC1089}"/>
+                <a16:creationId xmlns:a16="http://schemas.microsoft.com/office/drawing/2014/main" id="{178A05FA-0832-DCD6-F94B-0B0EF287E97A}"/>
               </a:ext>
             </a:extLst>
           </p:cNvPr>
@@ -4068,7 +5103,7 @@
         </p:blipFill>
         <p:spPr bwMode="auto">
           <a:xfrm>
-            <a:off x="10185401" y="25400"/>
+            <a:off x="10185401" y="0"/>
             <a:ext cx="1853434" cy="2166938"/>
           </a:xfrm>
           <a:prstGeom prst="rect">
@@ -4086,12 +5121,84 @@
           </a:extLst>
         </p:spPr>
       </p:pic>
-      <p:sp>
-        <p:nvSpPr>
-          <p:cNvPr id="6" name="Footer Placeholder 3">
-            <a:extLst>
-              <a:ext uri="{FF2B5EF4-FFF2-40B4-BE49-F238E27FC236}">
-                <a16:creationId xmlns:a16="http://schemas.microsoft.com/office/drawing/2014/main" id="{B8A353CE-8E76-83AA-DA09-FEAD9F196D18}"/>
+      <p:pic>
+        <p:nvPicPr>
+          <p:cNvPr id="7" name="Picture 6">
+            <a:extLst>
+              <a:ext uri="{FF2B5EF4-FFF2-40B4-BE49-F238E27FC236}">
+                <a16:creationId xmlns:a16="http://schemas.microsoft.com/office/drawing/2014/main" id="{043568F6-9AB2-E4E0-D511-6A680C83AB50}"/>
+              </a:ext>
+            </a:extLst>
+          </p:cNvPr>
+          <p:cNvPicPr>
+            <a:picLocks noChangeAspect="1"/>
+          </p:cNvPicPr>
+          <p:nvPr/>
+        </p:nvPicPr>
+        <p:blipFill>
+          <a:blip r:embed="rId3"/>
+          <a:stretch>
+            <a:fillRect/>
+          </a:stretch>
+        </p:blipFill>
+        <p:spPr>
+          <a:xfrm>
+            <a:off x="2814237" y="488814"/>
+            <a:ext cx="7371164" cy="6004061"/>
+          </a:xfrm>
+          <a:prstGeom prst="rect">
+            <a:avLst/>
+          </a:prstGeom>
+        </p:spPr>
+      </p:pic>
+      <p:sp>
+        <p:nvSpPr>
+          <p:cNvPr id="8" name="TextBox 7">
+            <a:extLst>
+              <a:ext uri="{FF2B5EF4-FFF2-40B4-BE49-F238E27FC236}">
+                <a16:creationId xmlns:a16="http://schemas.microsoft.com/office/drawing/2014/main" id="{B247CFF8-4FCD-E544-F1F4-17FD9BFD1D89}"/>
+              </a:ext>
+            </a:extLst>
+          </p:cNvPr>
+          <p:cNvSpPr txBox="1"/>
+          <p:nvPr/>
+        </p:nvSpPr>
+        <p:spPr>
+          <a:xfrm>
+            <a:off x="249437" y="2166938"/>
+            <a:ext cx="2702309" cy="646331"/>
+          </a:xfrm>
+          <a:prstGeom prst="rect">
+            <a:avLst/>
+          </a:prstGeom>
+          <a:noFill/>
+        </p:spPr>
+        <p:txBody>
+          <a:bodyPr wrap="square" rtlCol="0">
+            <a:spAutoFit/>
+          </a:bodyPr>
+          <a:lstStyle/>
+          <a:p>
+            <a:r>
+              <a:rPr lang="en-GB" dirty="0"/>
+              <a:t>Self efficacy beliefs– </a:t>
+            </a:r>
+            <a:br>
+              <a:rPr lang="en-GB" dirty="0"/>
+            </a:br>
+            <a:r>
+              <a:rPr lang="en-GB" dirty="0"/>
+              <a:t>based on Hamann et al.</a:t>
+            </a:r>
+          </a:p>
+        </p:txBody>
+      </p:sp>
+      <p:sp>
+        <p:nvSpPr>
+          <p:cNvPr id="3" name="Footer Placeholder 3">
+            <a:extLst>
+              <a:ext uri="{FF2B5EF4-FFF2-40B4-BE49-F238E27FC236}">
+                <a16:creationId xmlns:a16="http://schemas.microsoft.com/office/drawing/2014/main" id="{D1C711D2-DD87-5772-EA21-A2EBFB781D8A}"/>
               </a:ext>
             </a:extLst>
           </p:cNvPr>
@@ -4104,7 +5211,7 @@
         </p:nvSpPr>
         <p:spPr>
           <a:xfrm>
-            <a:off x="4038600" y="6356351"/>
+            <a:off x="4061419" y="6492875"/>
             <a:ext cx="4876800" cy="260350"/>
           </a:xfrm>
         </p:spPr>
@@ -4122,7 +5229,7 @@
     </p:spTree>
     <p:extLst>
       <p:ext uri="{BB962C8B-B14F-4D97-AF65-F5344CB8AC3E}">
-        <p14:creationId xmlns:p14="http://schemas.microsoft.com/office/powerpoint/2010/main" val="1832674324"/>
+        <p14:creationId xmlns:p14="http://schemas.microsoft.com/office/powerpoint/2010/main" val="1933737024"/>
       </p:ext>
     </p:extLst>
   </p:cSld>
@@ -4154,7 +5261,7 @@
           <p:cNvPr id="2" name="Title 1">
             <a:extLst>
               <a:ext uri="{FF2B5EF4-FFF2-40B4-BE49-F238E27FC236}">
-                <a16:creationId xmlns:a16="http://schemas.microsoft.com/office/drawing/2014/main" id="{FA2F5305-6816-4A4E-FFD0-99F5ED9D4D43}"/>
+                <a16:creationId xmlns:a16="http://schemas.microsoft.com/office/drawing/2014/main" id="{E4E3FC2E-1A81-FA6E-A77E-023C8359152B}"/>
               </a:ext>
             </a:extLst>
           </p:cNvPr>
@@ -4172,97 +5279,71 @@
           <a:p>
             <a:r>
               <a:rPr lang="en-GB" dirty="0"/>
-              <a:t>Questions and feedback</a:t>
-            </a:r>
-          </a:p>
-        </p:txBody>
-      </p:sp>
-      <p:pic>
-        <p:nvPicPr>
-          <p:cNvPr id="5" name="Content Placeholder 4" descr="Questions">
-            <a:extLst>
-              <a:ext uri="{FF2B5EF4-FFF2-40B4-BE49-F238E27FC236}">
-                <a16:creationId xmlns:a16="http://schemas.microsoft.com/office/drawing/2014/main" id="{6C22FE90-221C-866F-2C4A-E2D19BE009C4}"/>
-              </a:ext>
-            </a:extLst>
-          </p:cNvPr>
-          <p:cNvPicPr>
-            <a:picLocks noGrp="1" noChangeAspect="1"/>
-          </p:cNvPicPr>
+              <a:t>Methods – Data analysis</a:t>
+            </a:r>
+          </a:p>
+        </p:txBody>
+      </p:sp>
+      <p:sp>
+        <p:nvSpPr>
+          <p:cNvPr id="3" name="Content Placeholder 2">
+            <a:extLst>
+              <a:ext uri="{FF2B5EF4-FFF2-40B4-BE49-F238E27FC236}">
+                <a16:creationId xmlns:a16="http://schemas.microsoft.com/office/drawing/2014/main" id="{766A6974-1347-993F-A7F4-71482EAAD8E4}"/>
+              </a:ext>
+            </a:extLst>
+          </p:cNvPr>
+          <p:cNvSpPr>
+            <a:spLocks noGrp="1"/>
+          </p:cNvSpPr>
           <p:nvPr>
             <p:ph idx="1"/>
           </p:nvPr>
-        </p:nvPicPr>
-        <p:blipFill>
-          <a:blip r:embed="rId2">
-            <a:extLst>
-              <a:ext uri="{28A0092B-C50C-407E-A947-70E740481C1C}">
-                <a14:useLocalDpi xmlns:a14="http://schemas.microsoft.com/office/drawing/2010/main" val="0"/>
-              </a:ext>
-              <a:ext uri="{96DAC541-7B7A-43D3-8B79-37D633B846F1}">
-                <asvg:svgBlip xmlns:asvg="http://schemas.microsoft.com/office/drawing/2016/SVG/main" r:embed="rId3"/>
-              </a:ext>
-            </a:extLst>
-          </a:blip>
-          <a:stretch>
-            <a:fillRect/>
-          </a:stretch>
-        </p:blipFill>
+        </p:nvSpPr>
         <p:spPr>
           <a:xfrm>
-            <a:off x="1981200" y="2971800"/>
-            <a:ext cx="2171700" cy="2171700"/>
-          </a:xfrm>
-          <a:prstGeom prst="rect">
-            <a:avLst/>
-          </a:prstGeom>
-        </p:spPr>
-      </p:pic>
+            <a:off x="838200" y="1602341"/>
+            <a:ext cx="10515600" cy="4351338"/>
+          </a:xfrm>
+        </p:spPr>
+        <p:txBody>
+          <a:bodyPr/>
+          <a:lstStyle/>
+          <a:p>
+            <a:pPr marL="0" indent="0">
+              <a:buNone/>
+            </a:pPr>
+            <a:endParaRPr lang="en-GB" dirty="0"/>
+          </a:p>
+          <a:p>
+            <a:pPr marL="0" indent="0">
+              <a:buNone/>
+            </a:pPr>
+            <a:endParaRPr lang="en-GB" dirty="0"/>
+          </a:p>
+          <a:p>
+            <a:pPr marL="0" indent="0">
+              <a:buNone/>
+            </a:pPr>
+            <a:endParaRPr lang="en-GB" dirty="0"/>
+          </a:p>
+          <a:p>
+            <a:pPr marL="0" indent="0">
+              <a:buNone/>
+            </a:pPr>
+            <a:r>
+              <a:rPr lang="en-GB" dirty="0"/>
+              <a:t>Climate attitude/ climate behaviour/ Self-efficacy ~ duration + level of involvement + (1|school) + </a:t>
+            </a:r>
+          </a:p>
+        </p:txBody>
+      </p:sp>
       <p:pic>
         <p:nvPicPr>
-          <p:cNvPr id="6" name="Graphic 5" descr="Customer review">
-            <a:extLst>
-              <a:ext uri="{FF2B5EF4-FFF2-40B4-BE49-F238E27FC236}">
-                <a16:creationId xmlns:a16="http://schemas.microsoft.com/office/drawing/2014/main" id="{85AB3A92-6BFF-7370-4D86-D91C0734A4A5}"/>
-              </a:ext>
-            </a:extLst>
-          </p:cNvPr>
-          <p:cNvPicPr>
-            <a:picLocks noChangeAspect="1"/>
-          </p:cNvPicPr>
-          <p:nvPr/>
-        </p:nvPicPr>
-        <p:blipFill>
-          <a:blip r:embed="rId4">
-            <a:extLst>
-              <a:ext uri="{28A0092B-C50C-407E-A947-70E740481C1C}">
-                <a14:useLocalDpi xmlns:a14="http://schemas.microsoft.com/office/drawing/2010/main" val="0"/>
-              </a:ext>
-              <a:ext uri="{96DAC541-7B7A-43D3-8B79-37D633B846F1}">
-                <asvg:svgBlip xmlns:asvg="http://schemas.microsoft.com/office/drawing/2016/SVG/main" r:embed="rId5"/>
-              </a:ext>
-            </a:extLst>
-          </a:blip>
-          <a:stretch>
-            <a:fillRect/>
-          </a:stretch>
-        </p:blipFill>
-        <p:spPr>
-          <a:xfrm>
-            <a:off x="6875780" y="2903538"/>
-            <a:ext cx="2555240" cy="2555240"/>
-          </a:xfrm>
-          <a:prstGeom prst="rect">
-            <a:avLst/>
-          </a:prstGeom>
-        </p:spPr>
-      </p:pic>
-      <p:pic>
-        <p:nvPicPr>
-          <p:cNvPr id="7" name="Picture 2">
-            <a:extLst>
-              <a:ext uri="{FF2B5EF4-FFF2-40B4-BE49-F238E27FC236}">
-                <a16:creationId xmlns:a16="http://schemas.microsoft.com/office/drawing/2014/main" id="{CA526246-0242-DCBE-F16F-BEE45E58BFBC}"/>
+          <p:cNvPr id="5" name="Picture 2">
+            <a:extLst>
+              <a:ext uri="{FF2B5EF4-FFF2-40B4-BE49-F238E27FC236}">
+                <a16:creationId xmlns:a16="http://schemas.microsoft.com/office/drawing/2014/main" id="{92C5F10B-91EE-CEF0-ADAD-862ABAEC1089}"/>
               </a:ext>
             </a:extLst>
           </p:cNvPr>
@@ -4272,7 +5353,7 @@
           <p:nvPr/>
         </p:nvPicPr>
         <p:blipFill>
-          <a:blip r:embed="rId6">
+          <a:blip r:embed="rId2">
             <a:extLst>
               <a:ext uri="{28A0092B-C50C-407E-A947-70E740481C1C}">
                 <a14:useLocalDpi xmlns:a14="http://schemas.microsoft.com/office/drawing/2010/main" val="0"/>
@@ -4286,7 +5367,7 @@
         </p:blipFill>
         <p:spPr bwMode="auto">
           <a:xfrm>
-            <a:off x="10185401" y="0"/>
+            <a:off x="10185401" y="25400"/>
             <a:ext cx="1853434" cy="2166938"/>
           </a:xfrm>
           <a:prstGeom prst="rect">
@@ -4306,10 +5387,10 @@
       </p:pic>
       <p:sp>
         <p:nvSpPr>
-          <p:cNvPr id="3" name="Footer Placeholder 3">
-            <a:extLst>
-              <a:ext uri="{FF2B5EF4-FFF2-40B4-BE49-F238E27FC236}">
-                <a16:creationId xmlns:a16="http://schemas.microsoft.com/office/drawing/2014/main" id="{31A340E4-28ED-430A-2A8D-50F220858F03}"/>
+          <p:cNvPr id="6" name="Footer Placeholder 3">
+            <a:extLst>
+              <a:ext uri="{FF2B5EF4-FFF2-40B4-BE49-F238E27FC236}">
+                <a16:creationId xmlns:a16="http://schemas.microsoft.com/office/drawing/2014/main" id="{B8A353CE-8E76-83AA-DA09-FEAD9F196D18}"/>
               </a:ext>
             </a:extLst>
           </p:cNvPr>
@@ -4340,7 +5421,7 @@
     </p:spTree>
     <p:extLst>
       <p:ext uri="{BB962C8B-B14F-4D97-AF65-F5344CB8AC3E}">
-        <p14:creationId xmlns:p14="http://schemas.microsoft.com/office/powerpoint/2010/main" val="231855734"/>
+        <p14:creationId xmlns:p14="http://schemas.microsoft.com/office/powerpoint/2010/main" val="1832674324"/>
       </p:ext>
     </p:extLst>
   </p:cSld>
@@ -4367,6 +5448,697 @@
           <a:chExt cx="0" cy="0"/>
         </a:xfrm>
       </p:grpSpPr>
+      <p:sp>
+        <p:nvSpPr>
+          <p:cNvPr id="2" name="Title 1">
+            <a:extLst>
+              <a:ext uri="{FF2B5EF4-FFF2-40B4-BE49-F238E27FC236}">
+                <a16:creationId xmlns:a16="http://schemas.microsoft.com/office/drawing/2014/main" id="{727BB447-61EC-19F1-E223-37EBCF567169}"/>
+              </a:ext>
+            </a:extLst>
+          </p:cNvPr>
+          <p:cNvSpPr>
+            <a:spLocks noGrp="1"/>
+          </p:cNvSpPr>
+          <p:nvPr>
+            <p:ph type="title"/>
+          </p:nvPr>
+        </p:nvSpPr>
+        <p:spPr/>
+        <p:txBody>
+          <a:bodyPr/>
+          <a:lstStyle/>
+          <a:p>
+            <a:r>
+              <a:rPr lang="en-GB" dirty="0"/>
+              <a:t>Proposed timetable</a:t>
+            </a:r>
+          </a:p>
+        </p:txBody>
+      </p:sp>
+      <p:graphicFrame>
+        <p:nvGraphicFramePr>
+          <p:cNvPr id="10" name="Content Placeholder 9">
+            <a:extLst>
+              <a:ext uri="{FF2B5EF4-FFF2-40B4-BE49-F238E27FC236}">
+                <a16:creationId xmlns:a16="http://schemas.microsoft.com/office/drawing/2014/main" id="{499DD802-5E6E-453F-B971-C1ADFE1D7E63}"/>
+              </a:ext>
+            </a:extLst>
+          </p:cNvPr>
+          <p:cNvGraphicFramePr>
+            <a:graphicFrameLocks noGrp="1"/>
+          </p:cNvGraphicFramePr>
+          <p:nvPr>
+            <p:ph idx="1"/>
+          </p:nvPr>
+        </p:nvGraphicFramePr>
+        <p:xfrm>
+          <a:off x="838200" y="1825625"/>
+          <a:ext cx="10515600" cy="4351338"/>
+        </p:xfrm>
+        <a:graphic>
+          <a:graphicData uri="http://schemas.openxmlformats.org/drawingml/2006/chart">
+            <c:chart xmlns:c="http://schemas.openxmlformats.org/drawingml/2006/chart" xmlns:r="http://schemas.openxmlformats.org/officeDocument/2006/relationships" r:id="rId2"/>
+          </a:graphicData>
+        </a:graphic>
+      </p:graphicFrame>
+      <p:sp>
+        <p:nvSpPr>
+          <p:cNvPr id="11" name="Footer Placeholder 3">
+            <a:extLst>
+              <a:ext uri="{FF2B5EF4-FFF2-40B4-BE49-F238E27FC236}">
+                <a16:creationId xmlns:a16="http://schemas.microsoft.com/office/drawing/2014/main" id="{7D1A9BB8-D4A0-CB77-64BF-2B0B41ADCEA7}"/>
+              </a:ext>
+            </a:extLst>
+          </p:cNvPr>
+          <p:cNvSpPr>
+            <a:spLocks noGrp="1"/>
+          </p:cNvSpPr>
+          <p:nvPr>
+            <p:ph type="ftr" sz="quarter" idx="11"/>
+          </p:nvPr>
+        </p:nvSpPr>
+        <p:spPr>
+          <a:xfrm>
+            <a:off x="4038600" y="6356351"/>
+            <a:ext cx="4876800" cy="260350"/>
+          </a:xfrm>
+        </p:spPr>
+        <p:txBody>
+          <a:bodyPr/>
+          <a:lstStyle/>
+          <a:p>
+            <a:r>
+              <a:rPr lang="en-GB" dirty="0"/>
+              <a:t>Sustainability competences and participatory ESD || Dani Gargya || 03.04.24</a:t>
+            </a:r>
+          </a:p>
+        </p:txBody>
+      </p:sp>
+      <p:pic>
+        <p:nvPicPr>
+          <p:cNvPr id="12" name="Picture 2">
+            <a:extLst>
+              <a:ext uri="{FF2B5EF4-FFF2-40B4-BE49-F238E27FC236}">
+                <a16:creationId xmlns:a16="http://schemas.microsoft.com/office/drawing/2014/main" id="{924F83FF-430F-5D66-F7A9-76BDA1051F49}"/>
+              </a:ext>
+            </a:extLst>
+          </p:cNvPr>
+          <p:cNvPicPr>
+            <a:picLocks noChangeAspect="1" noChangeArrowheads="1"/>
+          </p:cNvPicPr>
+          <p:nvPr/>
+        </p:nvPicPr>
+        <p:blipFill>
+          <a:blip r:embed="rId3">
+            <a:extLst>
+              <a:ext uri="{28A0092B-C50C-407E-A947-70E740481C1C}">
+                <a14:useLocalDpi xmlns:a14="http://schemas.microsoft.com/office/drawing/2010/main" val="0"/>
+              </a:ext>
+            </a:extLst>
+          </a:blip>
+          <a:srcRect/>
+          <a:stretch>
+            <a:fillRect/>
+          </a:stretch>
+        </p:blipFill>
+        <p:spPr bwMode="auto">
+          <a:xfrm>
+            <a:off x="10185401" y="25400"/>
+            <a:ext cx="1853434" cy="2166938"/>
+          </a:xfrm>
+          <a:prstGeom prst="rect">
+            <a:avLst/>
+          </a:prstGeom>
+          <a:noFill/>
+          <a:extLst>
+            <a:ext uri="{909E8E84-426E-40DD-AFC4-6F175D3DCCD1}">
+              <a14:hiddenFill xmlns:a14="http://schemas.microsoft.com/office/drawing/2010/main">
+                <a:solidFill>
+                  <a:srgbClr val="FFFFFF"/>
+                </a:solidFill>
+              </a14:hiddenFill>
+            </a:ext>
+          </a:extLst>
+        </p:spPr>
+      </p:pic>
+      <p:sp>
+        <p:nvSpPr>
+          <p:cNvPr id="3" name="TextBox 2">
+            <a:extLst>
+              <a:ext uri="{FF2B5EF4-FFF2-40B4-BE49-F238E27FC236}">
+                <a16:creationId xmlns:a16="http://schemas.microsoft.com/office/drawing/2014/main" id="{9C551539-E3CD-8765-B773-06638B754A24}"/>
+              </a:ext>
+            </a:extLst>
+          </p:cNvPr>
+          <p:cNvSpPr txBox="1"/>
+          <p:nvPr/>
+        </p:nvSpPr>
+        <p:spPr>
+          <a:xfrm>
+            <a:off x="885872" y="1468658"/>
+            <a:ext cx="2594344" cy="369332"/>
+          </a:xfrm>
+          <a:prstGeom prst="rect">
+            <a:avLst/>
+          </a:prstGeom>
+          <a:noFill/>
+        </p:spPr>
+        <p:txBody>
+          <a:bodyPr wrap="square" rtlCol="0">
+            <a:spAutoFit/>
+          </a:bodyPr>
+          <a:lstStyle/>
+          <a:p>
+            <a:r>
+              <a:rPr lang="en-GB" b="1" dirty="0"/>
+              <a:t>Hand-in: 31</a:t>
+            </a:r>
+            <a:r>
+              <a:rPr lang="en-GB" b="1" baseline="30000" dirty="0"/>
+              <a:t>st</a:t>
+            </a:r>
+            <a:r>
+              <a:rPr lang="en-GB" b="1" dirty="0"/>
+              <a:t> July!</a:t>
+            </a:r>
+          </a:p>
+        </p:txBody>
+      </p:sp>
+    </p:spTree>
+    <p:extLst>
+      <p:ext uri="{BB962C8B-B14F-4D97-AF65-F5344CB8AC3E}">
+        <p14:creationId xmlns:p14="http://schemas.microsoft.com/office/powerpoint/2010/main" val="961804955"/>
+      </p:ext>
+    </p:extLst>
+  </p:cSld>
+  <p:clrMapOvr>
+    <a:masterClrMapping/>
+  </p:clrMapOvr>
+</p:sld>
+</file>
+
+<file path=ppt/slides/slide13.xml><?xml version="1.0" encoding="utf-8"?>
+<p:sld xmlns:a="http://schemas.openxmlformats.org/drawingml/2006/main" xmlns:r="http://schemas.openxmlformats.org/officeDocument/2006/relationships" xmlns:p="http://schemas.openxmlformats.org/presentationml/2006/main">
+  <p:cSld>
+    <p:spTree>
+      <p:nvGrpSpPr>
+        <p:cNvPr id="1" name=""/>
+        <p:cNvGrpSpPr/>
+        <p:nvPr/>
+      </p:nvGrpSpPr>
+      <p:grpSpPr>
+        <a:xfrm>
+          <a:off x="0" y="0"/>
+          <a:ext cx="0" cy="0"/>
+          <a:chOff x="0" y="0"/>
+          <a:chExt cx="0" cy="0"/>
+        </a:xfrm>
+      </p:grpSpPr>
+      <p:sp>
+        <p:nvSpPr>
+          <p:cNvPr id="2" name="Title 1">
+            <a:extLst>
+              <a:ext uri="{FF2B5EF4-FFF2-40B4-BE49-F238E27FC236}">
+                <a16:creationId xmlns:a16="http://schemas.microsoft.com/office/drawing/2014/main" id="{79FD9D75-F62B-25F5-E469-751537A4CF78}"/>
+              </a:ext>
+            </a:extLst>
+          </p:cNvPr>
+          <p:cNvSpPr>
+            <a:spLocks noGrp="1"/>
+          </p:cNvSpPr>
+          <p:nvPr>
+            <p:ph type="title"/>
+          </p:nvPr>
+        </p:nvSpPr>
+        <p:spPr/>
+        <p:txBody>
+          <a:bodyPr/>
+          <a:lstStyle/>
+          <a:p>
+            <a:r>
+              <a:rPr lang="en-GB" dirty="0"/>
+              <a:t>Next steps</a:t>
+            </a:r>
+          </a:p>
+        </p:txBody>
+      </p:sp>
+      <p:sp>
+        <p:nvSpPr>
+          <p:cNvPr id="3" name="Content Placeholder 2">
+            <a:extLst>
+              <a:ext uri="{FF2B5EF4-FFF2-40B4-BE49-F238E27FC236}">
+                <a16:creationId xmlns:a16="http://schemas.microsoft.com/office/drawing/2014/main" id="{0E336A5E-B3F2-6D02-2989-32EA44715CFC}"/>
+              </a:ext>
+            </a:extLst>
+          </p:cNvPr>
+          <p:cNvSpPr>
+            <a:spLocks noGrp="1"/>
+          </p:cNvSpPr>
+          <p:nvPr>
+            <p:ph idx="1"/>
+          </p:nvPr>
+        </p:nvSpPr>
+        <p:spPr/>
+        <p:txBody>
+          <a:bodyPr/>
+          <a:lstStyle/>
+          <a:p>
+            <a:r>
+              <a:rPr lang="en-GB" dirty="0"/>
+              <a:t>Confirmation/additions research focus from Solare Zukunft/ IZT</a:t>
+            </a:r>
+          </a:p>
+          <a:p>
+            <a:r>
+              <a:rPr lang="en-GB" dirty="0"/>
+              <a:t>Contact with schools and data collection</a:t>
+            </a:r>
+          </a:p>
+          <a:p>
+            <a:r>
+              <a:rPr lang="en-GB" dirty="0"/>
+              <a:t>Contact existing data Lisa Pauli for analysis</a:t>
+            </a:r>
+          </a:p>
+          <a:p>
+            <a:endParaRPr lang="en-GB" dirty="0"/>
+          </a:p>
+          <a:p>
+            <a:endParaRPr lang="en-GB" dirty="0"/>
+          </a:p>
+          <a:p>
+            <a:r>
+              <a:rPr lang="en-GB" dirty="0"/>
+              <a:t>Official registration</a:t>
+            </a:r>
+          </a:p>
+        </p:txBody>
+      </p:sp>
+      <p:sp>
+        <p:nvSpPr>
+          <p:cNvPr id="5" name="Footer Placeholder 3">
+            <a:extLst>
+              <a:ext uri="{FF2B5EF4-FFF2-40B4-BE49-F238E27FC236}">
+                <a16:creationId xmlns:a16="http://schemas.microsoft.com/office/drawing/2014/main" id="{312E21E9-C0D9-E5CB-9748-AD3140FF9E26}"/>
+              </a:ext>
+            </a:extLst>
+          </p:cNvPr>
+          <p:cNvSpPr>
+            <a:spLocks noGrp="1"/>
+          </p:cNvSpPr>
+          <p:nvPr>
+            <p:ph type="ftr" sz="quarter" idx="11"/>
+          </p:nvPr>
+        </p:nvSpPr>
+        <p:spPr>
+          <a:xfrm>
+            <a:off x="4038600" y="6356351"/>
+            <a:ext cx="4876800" cy="260350"/>
+          </a:xfrm>
+        </p:spPr>
+        <p:txBody>
+          <a:bodyPr/>
+          <a:lstStyle/>
+          <a:p>
+            <a:r>
+              <a:rPr lang="en-GB" dirty="0"/>
+              <a:t>Sustainability competences and participatory ESD || Dani Gargya || 03.04.24</a:t>
+            </a:r>
+          </a:p>
+        </p:txBody>
+      </p:sp>
+    </p:spTree>
+    <p:extLst>
+      <p:ext uri="{BB962C8B-B14F-4D97-AF65-F5344CB8AC3E}">
+        <p14:creationId xmlns:p14="http://schemas.microsoft.com/office/powerpoint/2010/main" val="1382564575"/>
+      </p:ext>
+    </p:extLst>
+  </p:cSld>
+  <p:clrMapOvr>
+    <a:masterClrMapping/>
+  </p:clrMapOvr>
+</p:sld>
+</file>
+
+<file path=ppt/slides/slide14.xml><?xml version="1.0" encoding="utf-8"?>
+<p:sld xmlns:a="http://schemas.openxmlformats.org/drawingml/2006/main" xmlns:r="http://schemas.openxmlformats.org/officeDocument/2006/relationships" xmlns:p="http://schemas.openxmlformats.org/presentationml/2006/main">
+  <p:cSld>
+    <p:spTree>
+      <p:nvGrpSpPr>
+        <p:cNvPr id="1" name=""/>
+        <p:cNvGrpSpPr/>
+        <p:nvPr/>
+      </p:nvGrpSpPr>
+      <p:grpSpPr>
+        <a:xfrm>
+          <a:off x="0" y="0"/>
+          <a:ext cx="0" cy="0"/>
+          <a:chOff x="0" y="0"/>
+          <a:chExt cx="0" cy="0"/>
+        </a:xfrm>
+      </p:grpSpPr>
+      <p:sp>
+        <p:nvSpPr>
+          <p:cNvPr id="2" name="Title 1">
+            <a:extLst>
+              <a:ext uri="{FF2B5EF4-FFF2-40B4-BE49-F238E27FC236}">
+                <a16:creationId xmlns:a16="http://schemas.microsoft.com/office/drawing/2014/main" id="{FA2F5305-6816-4A4E-FFD0-99F5ED9D4D43}"/>
+              </a:ext>
+            </a:extLst>
+          </p:cNvPr>
+          <p:cNvSpPr>
+            <a:spLocks noGrp="1"/>
+          </p:cNvSpPr>
+          <p:nvPr>
+            <p:ph type="title"/>
+          </p:nvPr>
+        </p:nvSpPr>
+        <p:spPr/>
+        <p:txBody>
+          <a:bodyPr/>
+          <a:lstStyle/>
+          <a:p>
+            <a:r>
+              <a:rPr lang="en-GB" dirty="0"/>
+              <a:t>Questions and feedback</a:t>
+            </a:r>
+          </a:p>
+        </p:txBody>
+      </p:sp>
+      <p:pic>
+        <p:nvPicPr>
+          <p:cNvPr id="5" name="Content Placeholder 4" descr="Questions">
+            <a:extLst>
+              <a:ext uri="{FF2B5EF4-FFF2-40B4-BE49-F238E27FC236}">
+                <a16:creationId xmlns:a16="http://schemas.microsoft.com/office/drawing/2014/main" id="{6C22FE90-221C-866F-2C4A-E2D19BE009C4}"/>
+              </a:ext>
+            </a:extLst>
+          </p:cNvPr>
+          <p:cNvPicPr>
+            <a:picLocks noGrp="1" noChangeAspect="1"/>
+          </p:cNvPicPr>
+          <p:nvPr>
+            <p:ph idx="1"/>
+          </p:nvPr>
+        </p:nvPicPr>
+        <p:blipFill>
+          <a:blip r:embed="rId2">
+            <a:extLst>
+              <a:ext uri="{28A0092B-C50C-407E-A947-70E740481C1C}">
+                <a14:useLocalDpi xmlns:a14="http://schemas.microsoft.com/office/drawing/2010/main" val="0"/>
+              </a:ext>
+              <a:ext uri="{96DAC541-7B7A-43D3-8B79-37D633B846F1}">
+                <asvg:svgBlip xmlns:asvg="http://schemas.microsoft.com/office/drawing/2016/SVG/main" r:embed="rId3"/>
+              </a:ext>
+            </a:extLst>
+          </a:blip>
+          <a:stretch>
+            <a:fillRect/>
+          </a:stretch>
+        </p:blipFill>
+        <p:spPr>
+          <a:xfrm>
+            <a:off x="1981200" y="2971800"/>
+            <a:ext cx="2171700" cy="2171700"/>
+          </a:xfrm>
+          <a:prstGeom prst="rect">
+            <a:avLst/>
+          </a:prstGeom>
+        </p:spPr>
+      </p:pic>
+      <p:pic>
+        <p:nvPicPr>
+          <p:cNvPr id="6" name="Graphic 5" descr="Customer review">
+            <a:extLst>
+              <a:ext uri="{FF2B5EF4-FFF2-40B4-BE49-F238E27FC236}">
+                <a16:creationId xmlns:a16="http://schemas.microsoft.com/office/drawing/2014/main" id="{85AB3A92-6BFF-7370-4D86-D91C0734A4A5}"/>
+              </a:ext>
+            </a:extLst>
+          </p:cNvPr>
+          <p:cNvPicPr>
+            <a:picLocks noChangeAspect="1"/>
+          </p:cNvPicPr>
+          <p:nvPr/>
+        </p:nvPicPr>
+        <p:blipFill>
+          <a:blip r:embed="rId4">
+            <a:extLst>
+              <a:ext uri="{28A0092B-C50C-407E-A947-70E740481C1C}">
+                <a14:useLocalDpi xmlns:a14="http://schemas.microsoft.com/office/drawing/2010/main" val="0"/>
+              </a:ext>
+              <a:ext uri="{96DAC541-7B7A-43D3-8B79-37D633B846F1}">
+                <asvg:svgBlip xmlns:asvg="http://schemas.microsoft.com/office/drawing/2016/SVG/main" r:embed="rId5"/>
+              </a:ext>
+            </a:extLst>
+          </a:blip>
+          <a:stretch>
+            <a:fillRect/>
+          </a:stretch>
+        </p:blipFill>
+        <p:spPr>
+          <a:xfrm>
+            <a:off x="6875780" y="2903538"/>
+            <a:ext cx="2555240" cy="2555240"/>
+          </a:xfrm>
+          <a:prstGeom prst="rect">
+            <a:avLst/>
+          </a:prstGeom>
+        </p:spPr>
+      </p:pic>
+      <p:pic>
+        <p:nvPicPr>
+          <p:cNvPr id="7" name="Picture 2">
+            <a:extLst>
+              <a:ext uri="{FF2B5EF4-FFF2-40B4-BE49-F238E27FC236}">
+                <a16:creationId xmlns:a16="http://schemas.microsoft.com/office/drawing/2014/main" id="{CA526246-0242-DCBE-F16F-BEE45E58BFBC}"/>
+              </a:ext>
+            </a:extLst>
+          </p:cNvPr>
+          <p:cNvPicPr>
+            <a:picLocks noChangeAspect="1" noChangeArrowheads="1"/>
+          </p:cNvPicPr>
+          <p:nvPr/>
+        </p:nvPicPr>
+        <p:blipFill>
+          <a:blip r:embed="rId6">
+            <a:extLst>
+              <a:ext uri="{28A0092B-C50C-407E-A947-70E740481C1C}">
+                <a14:useLocalDpi xmlns:a14="http://schemas.microsoft.com/office/drawing/2010/main" val="0"/>
+              </a:ext>
+            </a:extLst>
+          </a:blip>
+          <a:srcRect/>
+          <a:stretch>
+            <a:fillRect/>
+          </a:stretch>
+        </p:blipFill>
+        <p:spPr bwMode="auto">
+          <a:xfrm>
+            <a:off x="10185401" y="0"/>
+            <a:ext cx="1853434" cy="2166938"/>
+          </a:xfrm>
+          <a:prstGeom prst="rect">
+            <a:avLst/>
+          </a:prstGeom>
+          <a:noFill/>
+          <a:extLst>
+            <a:ext uri="{909E8E84-426E-40DD-AFC4-6F175D3DCCD1}">
+              <a14:hiddenFill xmlns:a14="http://schemas.microsoft.com/office/drawing/2010/main">
+                <a:solidFill>
+                  <a:srgbClr val="FFFFFF"/>
+                </a:solidFill>
+              </a14:hiddenFill>
+            </a:ext>
+          </a:extLst>
+        </p:spPr>
+      </p:pic>
+      <p:sp>
+        <p:nvSpPr>
+          <p:cNvPr id="3" name="Footer Placeholder 3">
+            <a:extLst>
+              <a:ext uri="{FF2B5EF4-FFF2-40B4-BE49-F238E27FC236}">
+                <a16:creationId xmlns:a16="http://schemas.microsoft.com/office/drawing/2014/main" id="{31A340E4-28ED-430A-2A8D-50F220858F03}"/>
+              </a:ext>
+            </a:extLst>
+          </p:cNvPr>
+          <p:cNvSpPr>
+            <a:spLocks noGrp="1"/>
+          </p:cNvSpPr>
+          <p:nvPr>
+            <p:ph type="ftr" sz="quarter" idx="11"/>
+          </p:nvPr>
+        </p:nvSpPr>
+        <p:spPr>
+          <a:xfrm>
+            <a:off x="4038600" y="6356351"/>
+            <a:ext cx="4876800" cy="260350"/>
+          </a:xfrm>
+        </p:spPr>
+        <p:txBody>
+          <a:bodyPr/>
+          <a:lstStyle/>
+          <a:p>
+            <a:r>
+              <a:rPr lang="en-GB" dirty="0"/>
+              <a:t>Sustainability competences and participatory ESD || Dani Gargya || 03.04.24</a:t>
+            </a:r>
+          </a:p>
+        </p:txBody>
+      </p:sp>
+    </p:spTree>
+    <p:extLst>
+      <p:ext uri="{BB962C8B-B14F-4D97-AF65-F5344CB8AC3E}">
+        <p14:creationId xmlns:p14="http://schemas.microsoft.com/office/powerpoint/2010/main" val="231855734"/>
+      </p:ext>
+    </p:extLst>
+  </p:cSld>
+  <p:clrMapOvr>
+    <a:masterClrMapping/>
+  </p:clrMapOvr>
+</p:sld>
+</file>
+
+<file path=ppt/slides/slide15.xml><?xml version="1.0" encoding="utf-8"?>
+<p:sld xmlns:a="http://schemas.openxmlformats.org/drawingml/2006/main" xmlns:r="http://schemas.openxmlformats.org/officeDocument/2006/relationships" xmlns:p="http://schemas.openxmlformats.org/presentationml/2006/main">
+  <p:cSld>
+    <p:spTree>
+      <p:nvGrpSpPr>
+        <p:cNvPr id="1" name=""/>
+        <p:cNvGrpSpPr/>
+        <p:nvPr/>
+      </p:nvGrpSpPr>
+      <p:grpSpPr>
+        <a:xfrm>
+          <a:off x="0" y="0"/>
+          <a:ext cx="0" cy="0"/>
+          <a:chOff x="0" y="0"/>
+          <a:chExt cx="0" cy="0"/>
+        </a:xfrm>
+      </p:grpSpPr>
+      <p:sp>
+        <p:nvSpPr>
+          <p:cNvPr id="2" name="Title 1">
+            <a:extLst>
+              <a:ext uri="{FF2B5EF4-FFF2-40B4-BE49-F238E27FC236}">
+                <a16:creationId xmlns:a16="http://schemas.microsoft.com/office/drawing/2014/main" id="{8E3FC292-61FF-4A55-00E7-57EB811FBF11}"/>
+              </a:ext>
+            </a:extLst>
+          </p:cNvPr>
+          <p:cNvSpPr>
+            <a:spLocks noGrp="1"/>
+          </p:cNvSpPr>
+          <p:nvPr>
+            <p:ph type="title"/>
+          </p:nvPr>
+        </p:nvSpPr>
+        <p:spPr/>
+        <p:txBody>
+          <a:bodyPr/>
+          <a:lstStyle/>
+          <a:p>
+            <a:r>
+              <a:rPr lang="en-GB" dirty="0"/>
+              <a:t>Framework self-efficacy</a:t>
+            </a:r>
+          </a:p>
+        </p:txBody>
+      </p:sp>
+      <p:pic>
+        <p:nvPicPr>
+          <p:cNvPr id="5" name="Content Placeholder 3" descr="A diagram of action and action&#10;&#10;Description automatically generated">
+            <a:extLst>
+              <a:ext uri="{FF2B5EF4-FFF2-40B4-BE49-F238E27FC236}">
+                <a16:creationId xmlns:a16="http://schemas.microsoft.com/office/drawing/2014/main" id="{26A35099-8832-2486-467F-E9376F7C6358}"/>
+              </a:ext>
+            </a:extLst>
+          </p:cNvPr>
+          <p:cNvPicPr>
+            <a:picLocks noGrp="1" noChangeAspect="1"/>
+          </p:cNvPicPr>
+          <p:nvPr>
+            <p:ph idx="1"/>
+          </p:nvPr>
+        </p:nvPicPr>
+        <p:blipFill>
+          <a:blip r:embed="rId2"/>
+          <a:stretch>
+            <a:fillRect/>
+          </a:stretch>
+        </p:blipFill>
+        <p:spPr>
+          <a:xfrm>
+            <a:off x="1660374" y="1961856"/>
+            <a:ext cx="9353722" cy="2972950"/>
+          </a:xfrm>
+          <a:prstGeom prst="rect">
+            <a:avLst/>
+          </a:prstGeom>
+        </p:spPr>
+      </p:pic>
+      <p:sp>
+        <p:nvSpPr>
+          <p:cNvPr id="6" name="Footer Placeholder 3">
+            <a:extLst>
+              <a:ext uri="{FF2B5EF4-FFF2-40B4-BE49-F238E27FC236}">
+                <a16:creationId xmlns:a16="http://schemas.microsoft.com/office/drawing/2014/main" id="{39FC1EC7-6A31-A247-3E54-17F5DE7AB8AC}"/>
+              </a:ext>
+            </a:extLst>
+          </p:cNvPr>
+          <p:cNvSpPr>
+            <a:spLocks noGrp="1"/>
+          </p:cNvSpPr>
+          <p:nvPr>
+            <p:ph type="ftr" sz="quarter" idx="11"/>
+          </p:nvPr>
+        </p:nvSpPr>
+        <p:spPr>
+          <a:xfrm>
+            <a:off x="4038600" y="6356351"/>
+            <a:ext cx="4876800" cy="260350"/>
+          </a:xfrm>
+        </p:spPr>
+        <p:txBody>
+          <a:bodyPr/>
+          <a:lstStyle/>
+          <a:p>
+            <a:r>
+              <a:rPr lang="en-GB" dirty="0"/>
+              <a:t>Sustainability competences and participatory ESD || Dani Gargya || 03.04.24</a:t>
+            </a:r>
+          </a:p>
+        </p:txBody>
+      </p:sp>
+    </p:spTree>
+    <p:extLst>
+      <p:ext uri="{BB962C8B-B14F-4D97-AF65-F5344CB8AC3E}">
+        <p14:creationId xmlns:p14="http://schemas.microsoft.com/office/powerpoint/2010/main" val="1568655598"/>
+      </p:ext>
+    </p:extLst>
+  </p:cSld>
+  <p:clrMapOvr>
+    <a:masterClrMapping/>
+  </p:clrMapOvr>
+</p:sld>
+</file>
+
+<file path=ppt/slides/slide16.xml><?xml version="1.0" encoding="utf-8"?>
+<p:sld xmlns:a="http://schemas.openxmlformats.org/drawingml/2006/main" xmlns:r="http://schemas.openxmlformats.org/officeDocument/2006/relationships" xmlns:p="http://schemas.openxmlformats.org/presentationml/2006/main">
+  <p:cSld>
+    <p:spTree>
+      <p:nvGrpSpPr>
+        <p:cNvPr id="1" name=""/>
+        <p:cNvGrpSpPr/>
+        <p:nvPr/>
+      </p:nvGrpSpPr>
+      <p:grpSpPr>
+        <a:xfrm>
+          <a:off x="0" y="0"/>
+          <a:ext cx="0" cy="0"/>
+          <a:chOff x="0" y="0"/>
+          <a:chExt cx="0" cy="0"/>
+        </a:xfrm>
+      </p:grpSpPr>
       <p:pic>
         <p:nvPicPr>
           <p:cNvPr id="5" name="Picture 4" descr="A graph with arrows pointing to a group&#10;&#10;Description automatically generated">
@@ -4389,7 +6161,7 @@
         </p:blipFill>
         <p:spPr>
           <a:xfrm>
-            <a:off x="3256004" y="1295718"/>
+            <a:off x="2777538" y="923579"/>
             <a:ext cx="7297043" cy="1752282"/>
           </a:xfrm>
           <a:prstGeom prst="rect">
@@ -4419,7 +6191,7 @@
         </p:blipFill>
         <p:spPr>
           <a:xfrm>
-            <a:off x="3433445" y="3633946"/>
+            <a:off x="2954979" y="3261807"/>
             <a:ext cx="5731510" cy="2943860"/>
           </a:xfrm>
           <a:prstGeom prst="rect">
@@ -4441,7 +6213,7 @@
         </p:nvSpPr>
         <p:spPr>
           <a:xfrm>
-            <a:off x="2895600" y="762000"/>
+            <a:off x="2417134" y="389861"/>
             <a:ext cx="1651000" cy="338554"/>
           </a:xfrm>
           <a:prstGeom prst="rect">
@@ -4481,7 +6253,7 @@
         </p:nvSpPr>
         <p:spPr>
           <a:xfrm>
-            <a:off x="3009900" y="3259723"/>
+            <a:off x="2531434" y="2887584"/>
             <a:ext cx="1651000" cy="338554"/>
           </a:xfrm>
           <a:prstGeom prst="rect">
@@ -4607,6 +6379,12 @@
             <a:r>
               <a:rPr lang="en-GB" dirty="0"/>
               <a:t>Proposed time schedule</a:t>
+            </a:r>
+          </a:p>
+          <a:p>
+            <a:r>
+              <a:rPr lang="en-GB" dirty="0"/>
+              <a:t>Next steps</a:t>
             </a:r>
           </a:p>
           <a:p>
@@ -4755,31 +6533,6 @@
           </a:p>
         </p:txBody>
       </p:sp>
-      <p:sp>
-        <p:nvSpPr>
-          <p:cNvPr id="3" name="Content Placeholder 2">
-            <a:extLst>
-              <a:ext uri="{FF2B5EF4-FFF2-40B4-BE49-F238E27FC236}">
-                <a16:creationId xmlns:a16="http://schemas.microsoft.com/office/drawing/2014/main" id="{ED788F86-D75F-8BF3-E44F-514CC3550447}"/>
-              </a:ext>
-            </a:extLst>
-          </p:cNvPr>
-          <p:cNvSpPr>
-            <a:spLocks noGrp="1"/>
-          </p:cNvSpPr>
-          <p:nvPr>
-            <p:ph idx="1"/>
-          </p:nvPr>
-        </p:nvSpPr>
-        <p:spPr/>
-        <p:txBody>
-          <a:bodyPr/>
-          <a:lstStyle/>
-          <a:p>
-            <a:endParaRPr lang="en-GB"/>
-          </a:p>
-        </p:txBody>
-      </p:sp>
       <p:pic>
         <p:nvPicPr>
           <p:cNvPr id="5" name="Picture 2">
@@ -4860,6 +6613,234 @@
           </a:p>
         </p:txBody>
       </p:sp>
+      <p:grpSp>
+        <p:nvGrpSpPr>
+          <p:cNvPr id="4" name="Group 3">
+            <a:extLst>
+              <a:ext uri="{FF2B5EF4-FFF2-40B4-BE49-F238E27FC236}">
+                <a16:creationId xmlns:a16="http://schemas.microsoft.com/office/drawing/2014/main" id="{80BAB599-CB19-2F2F-3A3A-7FA0BE04C36A}"/>
+              </a:ext>
+            </a:extLst>
+          </p:cNvPr>
+          <p:cNvGrpSpPr/>
+          <p:nvPr/>
+        </p:nvGrpSpPr>
+        <p:grpSpPr>
+          <a:xfrm>
+            <a:off x="2619915" y="1995546"/>
+            <a:ext cx="8733885" cy="3534656"/>
+            <a:chOff x="2534855" y="1451974"/>
+            <a:chExt cx="8733885" cy="3534656"/>
+          </a:xfrm>
+        </p:grpSpPr>
+        <p:sp>
+          <p:nvSpPr>
+            <p:cNvPr id="6" name="TextBox 5">
+              <a:extLst>
+                <a:ext uri="{FF2B5EF4-FFF2-40B4-BE49-F238E27FC236}">
+                  <a16:creationId xmlns:a16="http://schemas.microsoft.com/office/drawing/2014/main" id="{2176E519-E6B9-490E-5EA4-B81DC89B1453}"/>
+                </a:ext>
+              </a:extLst>
+            </p:cNvPr>
+            <p:cNvSpPr txBox="1"/>
+            <p:nvPr/>
+          </p:nvSpPr>
+          <p:spPr>
+            <a:xfrm>
+              <a:off x="4974265" y="1451974"/>
+              <a:ext cx="4763719" cy="954107"/>
+            </a:xfrm>
+            <a:prstGeom prst="rect">
+              <a:avLst/>
+            </a:prstGeom>
+            <a:noFill/>
+          </p:spPr>
+          <p:txBody>
+            <a:bodyPr wrap="square" rtlCol="0">
+              <a:spAutoFit/>
+            </a:bodyPr>
+            <a:lstStyle/>
+            <a:p>
+              <a:r>
+                <a:rPr lang="de-DE" sz="2800" dirty="0" err="1"/>
+                <a:t>Sustainability</a:t>
+              </a:r>
+              <a:r>
+                <a:rPr lang="de-DE" sz="2800" dirty="0"/>
+                <a:t> </a:t>
+              </a:r>
+              <a:br>
+                <a:rPr lang="de-DE" sz="2800" dirty="0"/>
+              </a:br>
+              <a:r>
+                <a:rPr lang="de-DE" sz="2800" dirty="0" err="1"/>
+                <a:t>competences</a:t>
+              </a:r>
+              <a:endParaRPr lang="en-GB" sz="2800" dirty="0"/>
+            </a:p>
+          </p:txBody>
+        </p:sp>
+        <p:sp>
+          <p:nvSpPr>
+            <p:cNvPr id="7" name="TextBox 6">
+              <a:extLst>
+                <a:ext uri="{FF2B5EF4-FFF2-40B4-BE49-F238E27FC236}">
+                  <a16:creationId xmlns:a16="http://schemas.microsoft.com/office/drawing/2014/main" id="{76F065F9-874F-8FA0-107A-1AF1D26BEA28}"/>
+                </a:ext>
+              </a:extLst>
+            </p:cNvPr>
+            <p:cNvSpPr txBox="1"/>
+            <p:nvPr/>
+          </p:nvSpPr>
+          <p:spPr>
+            <a:xfrm>
+              <a:off x="7521193" y="4032523"/>
+              <a:ext cx="3747547" cy="954107"/>
+            </a:xfrm>
+            <a:prstGeom prst="rect">
+              <a:avLst/>
+            </a:prstGeom>
+            <a:noFill/>
+          </p:spPr>
+          <p:txBody>
+            <a:bodyPr wrap="square" rtlCol="0">
+              <a:spAutoFit/>
+            </a:bodyPr>
+            <a:lstStyle/>
+            <a:p>
+              <a:r>
+                <a:rPr lang="de-DE" sz="2800" dirty="0" err="1"/>
+                <a:t>Empirical</a:t>
+              </a:r>
+              <a:r>
+                <a:rPr lang="de-DE" sz="2800" dirty="0"/>
+                <a:t> </a:t>
+              </a:r>
+              <a:r>
+                <a:rPr lang="de-DE" sz="2800" dirty="0" err="1"/>
+                <a:t>data</a:t>
+              </a:r>
+              <a:r>
+                <a:rPr lang="de-DE" sz="2800" dirty="0"/>
+                <a:t> </a:t>
+              </a:r>
+              <a:br>
+                <a:rPr lang="de-DE" sz="2800" dirty="0"/>
+              </a:br>
+              <a:r>
+                <a:rPr lang="de-DE" sz="2800" dirty="0">
+                  <a:sym typeface="Wingdings" panose="05000000000000000000" pitchFamily="2" charset="2"/>
+                </a:rPr>
+                <a:t> Educational design</a:t>
+              </a:r>
+              <a:endParaRPr lang="en-GB" sz="2800" dirty="0"/>
+            </a:p>
+          </p:txBody>
+        </p:sp>
+        <p:sp>
+          <p:nvSpPr>
+            <p:cNvPr id="9" name="TextBox 8">
+              <a:extLst>
+                <a:ext uri="{FF2B5EF4-FFF2-40B4-BE49-F238E27FC236}">
+                  <a16:creationId xmlns:a16="http://schemas.microsoft.com/office/drawing/2014/main" id="{6CCA1FC3-F6A2-4DDE-8F85-992369B71FCA}"/>
+                </a:ext>
+              </a:extLst>
+            </p:cNvPr>
+            <p:cNvSpPr txBox="1"/>
+            <p:nvPr/>
+          </p:nvSpPr>
+          <p:spPr>
+            <a:xfrm>
+              <a:off x="2534855" y="4019574"/>
+              <a:ext cx="4309729" cy="954107"/>
+            </a:xfrm>
+            <a:prstGeom prst="rect">
+              <a:avLst/>
+            </a:prstGeom>
+            <a:noFill/>
+          </p:spPr>
+          <p:txBody>
+            <a:bodyPr wrap="square" rtlCol="0">
+              <a:spAutoFit/>
+            </a:bodyPr>
+            <a:lstStyle/>
+            <a:p>
+              <a:r>
+                <a:rPr lang="de-DE" sz="2800" dirty="0" err="1"/>
+                <a:t>Participatory</a:t>
+              </a:r>
+              <a:r>
+                <a:rPr lang="de-DE" sz="2800" dirty="0"/>
+                <a:t> </a:t>
+              </a:r>
+              <a:br>
+                <a:rPr lang="de-DE" sz="2800" dirty="0"/>
+              </a:br>
+              <a:r>
+                <a:rPr lang="de-DE" sz="2800" dirty="0"/>
+                <a:t>ESD </a:t>
+              </a:r>
+              <a:r>
+                <a:rPr lang="de-DE" sz="2800" dirty="0" err="1"/>
+                <a:t>methods</a:t>
+              </a:r>
+              <a:endParaRPr lang="en-GB" sz="2800" dirty="0"/>
+            </a:p>
+          </p:txBody>
+        </p:sp>
+        <p:sp>
+          <p:nvSpPr>
+            <p:cNvPr id="10" name="Isosceles Triangle 9">
+              <a:extLst>
+                <a:ext uri="{FF2B5EF4-FFF2-40B4-BE49-F238E27FC236}">
+                  <a16:creationId xmlns:a16="http://schemas.microsoft.com/office/drawing/2014/main" id="{587DBA62-F190-01B4-9897-C1FF838012AB}"/>
+                </a:ext>
+              </a:extLst>
+            </p:cNvPr>
+            <p:cNvSpPr/>
+            <p:nvPr/>
+          </p:nvSpPr>
+          <p:spPr>
+            <a:xfrm>
+              <a:off x="4529137" y="2417740"/>
+              <a:ext cx="3133725" cy="1609725"/>
+            </a:xfrm>
+            <a:prstGeom prst="triangle">
+              <a:avLst/>
+            </a:prstGeom>
+            <a:noFill/>
+            <a:ln w="38100">
+              <a:solidFill>
+                <a:schemeClr val="tx1"/>
+              </a:solidFill>
+            </a:ln>
+          </p:spPr>
+          <p:style>
+            <a:lnRef idx="2">
+              <a:schemeClr val="accent1">
+                <a:shade val="50000"/>
+              </a:schemeClr>
+            </a:lnRef>
+            <a:fillRef idx="1">
+              <a:schemeClr val="accent1"/>
+            </a:fillRef>
+            <a:effectRef idx="0">
+              <a:schemeClr val="accent1"/>
+            </a:effectRef>
+            <a:fontRef idx="minor">
+              <a:schemeClr val="lt1"/>
+            </a:fontRef>
+          </p:style>
+          <p:txBody>
+            <a:bodyPr rtlCol="0" anchor="ctr"/>
+            <a:lstStyle/>
+            <a:p>
+              <a:pPr algn="ctr"/>
+              <a:endParaRPr lang="en-GB"/>
+            </a:p>
+          </p:txBody>
+        </p:sp>
+      </p:grpSp>
     </p:spTree>
     <p:extLst>
       <p:ext uri="{BB962C8B-B14F-4D97-AF65-F5344CB8AC3E}">
@@ -4939,7 +6920,78 @@
           <a:bodyPr/>
           <a:lstStyle/>
           <a:p>
-            <a:endParaRPr lang="en-GB"/>
+            <a:r>
+              <a:rPr lang="en-GB" dirty="0"/>
+              <a:t>Outcome orientation</a:t>
+            </a:r>
+          </a:p>
+          <a:p>
+            <a:pPr lvl="1"/>
+            <a:r>
+              <a:rPr lang="en-GB" dirty="0"/>
+              <a:t>Goals: Competences in </a:t>
+            </a:r>
+            <a:br>
+              <a:rPr lang="en-GB" dirty="0"/>
+            </a:br>
+            <a:r>
+              <a:rPr lang="en-GB" dirty="0"/>
+              <a:t>knowledge, attitudes, and behaviour dimensions</a:t>
+            </a:r>
+          </a:p>
+          <a:p>
+            <a:pPr lvl="1"/>
+            <a:endParaRPr lang="en-GB" dirty="0"/>
+          </a:p>
+          <a:p>
+            <a:r>
+              <a:rPr lang="en-GB" dirty="0"/>
+              <a:t>Empirical: knowledge-behaviour gap</a:t>
+            </a:r>
+          </a:p>
+          <a:p>
+            <a:endParaRPr lang="en-GB" dirty="0"/>
+          </a:p>
+          <a:p>
+            <a:r>
+              <a:rPr lang="en-GB" dirty="0"/>
+              <a:t>Importance external factors/ environment</a:t>
+            </a:r>
+          </a:p>
+          <a:p>
+            <a:endParaRPr lang="en-GB" dirty="0"/>
+          </a:p>
+          <a:p>
+            <a:endParaRPr lang="en-GB" dirty="0"/>
+          </a:p>
+          <a:p>
+            <a:endParaRPr lang="en-GB" dirty="0"/>
+          </a:p>
+          <a:p>
+            <a:endParaRPr lang="en-GB" dirty="0"/>
+          </a:p>
+          <a:p>
+            <a:endParaRPr lang="en-GB" dirty="0"/>
+          </a:p>
+          <a:p>
+            <a:endParaRPr lang="en-GB" dirty="0"/>
+          </a:p>
+          <a:p>
+            <a:pPr lvl="1"/>
+            <a:endParaRPr lang="en-GB" dirty="0"/>
+          </a:p>
+          <a:p>
+            <a:endParaRPr lang="en-GB" dirty="0"/>
+          </a:p>
+          <a:p>
+            <a:pPr lvl="1"/>
+            <a:endParaRPr lang="en-GB" dirty="0"/>
+          </a:p>
+          <a:p>
+            <a:endParaRPr lang="en-GB" dirty="0"/>
+          </a:p>
+          <a:p>
+            <a:endParaRPr lang="en-GB" dirty="0"/>
           </a:p>
         </p:txBody>
       </p:sp>
@@ -5023,6 +7075,123 @@
           </a:p>
         </p:txBody>
       </p:sp>
+      <p:pic>
+        <p:nvPicPr>
+          <p:cNvPr id="6" name="Graphic 5" descr="Bullseye with solid fill">
+            <a:extLst>
+              <a:ext uri="{FF2B5EF4-FFF2-40B4-BE49-F238E27FC236}">
+                <a16:creationId xmlns:a16="http://schemas.microsoft.com/office/drawing/2014/main" id="{01BC4EBC-A014-7E76-B25A-771FD30737BA}"/>
+              </a:ext>
+            </a:extLst>
+          </p:cNvPr>
+          <p:cNvPicPr>
+            <a:picLocks noChangeAspect="1"/>
+          </p:cNvPicPr>
+          <p:nvPr/>
+        </p:nvPicPr>
+        <p:blipFill>
+          <a:blip r:embed="rId3">
+            <a:extLst>
+              <a:ext uri="{28A0092B-C50C-407E-A947-70E740481C1C}">
+                <a14:useLocalDpi xmlns:a14="http://schemas.microsoft.com/office/drawing/2010/main" val="0"/>
+              </a:ext>
+              <a:ext uri="{96DAC541-7B7A-43D3-8B79-37D633B846F1}">
+                <asvg:svgBlip xmlns:asvg="http://schemas.microsoft.com/office/drawing/2016/SVG/main" r:embed="rId4"/>
+              </a:ext>
+            </a:extLst>
+          </a:blip>
+          <a:stretch>
+            <a:fillRect/>
+          </a:stretch>
+        </p:blipFill>
+        <p:spPr>
+          <a:xfrm>
+            <a:off x="8585966" y="1928555"/>
+            <a:ext cx="914400" cy="914400"/>
+          </a:xfrm>
+          <a:prstGeom prst="rect">
+            <a:avLst/>
+          </a:prstGeom>
+        </p:spPr>
+      </p:pic>
+      <p:pic>
+        <p:nvPicPr>
+          <p:cNvPr id="9" name="Graphic 8" descr="Puzzle pieces with solid fill">
+            <a:extLst>
+              <a:ext uri="{FF2B5EF4-FFF2-40B4-BE49-F238E27FC236}">
+                <a16:creationId xmlns:a16="http://schemas.microsoft.com/office/drawing/2014/main" id="{012BB653-7572-3794-1463-72F8D402E5B9}"/>
+              </a:ext>
+            </a:extLst>
+          </p:cNvPr>
+          <p:cNvPicPr>
+            <a:picLocks noChangeAspect="1"/>
+          </p:cNvPicPr>
+          <p:nvPr/>
+        </p:nvPicPr>
+        <p:blipFill>
+          <a:blip r:embed="rId5">
+            <a:extLst>
+              <a:ext uri="{28A0092B-C50C-407E-A947-70E740481C1C}">
+                <a14:useLocalDpi xmlns:a14="http://schemas.microsoft.com/office/drawing/2010/main" val="0"/>
+              </a:ext>
+              <a:ext uri="{96DAC541-7B7A-43D3-8B79-37D633B846F1}">
+                <asvg:svgBlip xmlns:asvg="http://schemas.microsoft.com/office/drawing/2016/SVG/main" r:embed="rId6"/>
+              </a:ext>
+            </a:extLst>
+          </a:blip>
+          <a:stretch>
+            <a:fillRect/>
+          </a:stretch>
+        </p:blipFill>
+        <p:spPr>
+          <a:xfrm>
+            <a:off x="8585966" y="3086894"/>
+            <a:ext cx="914400" cy="914400"/>
+          </a:xfrm>
+          <a:prstGeom prst="rect">
+            <a:avLst/>
+          </a:prstGeom>
+        </p:spPr>
+      </p:pic>
+      <p:pic>
+        <p:nvPicPr>
+          <p:cNvPr id="11" name="Graphic 10" descr="Home with solid fill">
+            <a:extLst>
+              <a:ext uri="{FF2B5EF4-FFF2-40B4-BE49-F238E27FC236}">
+                <a16:creationId xmlns:a16="http://schemas.microsoft.com/office/drawing/2014/main" id="{874E1978-749C-39F1-CE15-06B6B4D377F1}"/>
+              </a:ext>
+            </a:extLst>
+          </p:cNvPr>
+          <p:cNvPicPr>
+            <a:picLocks noChangeAspect="1"/>
+          </p:cNvPicPr>
+          <p:nvPr/>
+        </p:nvPicPr>
+        <p:blipFill>
+          <a:blip r:embed="rId7">
+            <a:extLst>
+              <a:ext uri="{28A0092B-C50C-407E-A947-70E740481C1C}">
+                <a14:useLocalDpi xmlns:a14="http://schemas.microsoft.com/office/drawing/2010/main" val="0"/>
+              </a:ext>
+              <a:ext uri="{96DAC541-7B7A-43D3-8B79-37D633B846F1}">
+                <asvg:svgBlip xmlns:asvg="http://schemas.microsoft.com/office/drawing/2016/SVG/main" r:embed="rId8"/>
+              </a:ext>
+            </a:extLst>
+          </a:blip>
+          <a:stretch>
+            <a:fillRect/>
+          </a:stretch>
+        </p:blipFill>
+        <p:spPr>
+          <a:xfrm>
+            <a:off x="8585966" y="4100606"/>
+            <a:ext cx="914400" cy="914400"/>
+          </a:xfrm>
+          <a:prstGeom prst="rect">
+            <a:avLst/>
+          </a:prstGeom>
+        </p:spPr>
+      </p:pic>
     </p:spTree>
     <p:extLst>
       <p:ext uri="{BB962C8B-B14F-4D97-AF65-F5344CB8AC3E}">
@@ -5081,31 +7250,6 @@
           </a:p>
         </p:txBody>
       </p:sp>
-      <p:sp>
-        <p:nvSpPr>
-          <p:cNvPr id="3" name="Content Placeholder 2">
-            <a:extLst>
-              <a:ext uri="{FF2B5EF4-FFF2-40B4-BE49-F238E27FC236}">
-                <a16:creationId xmlns:a16="http://schemas.microsoft.com/office/drawing/2014/main" id="{FE658806-C95C-FB05-403D-3BF73D58118F}"/>
-              </a:ext>
-            </a:extLst>
-          </p:cNvPr>
-          <p:cNvSpPr>
-            <a:spLocks noGrp="1"/>
-          </p:cNvSpPr>
-          <p:nvPr>
-            <p:ph idx="1"/>
-          </p:nvPr>
-        </p:nvSpPr>
-        <p:spPr/>
-        <p:txBody>
-          <a:bodyPr/>
-          <a:lstStyle/>
-          <a:p>
-            <a:endParaRPr lang="en-GB"/>
-          </a:p>
-        </p:txBody>
-      </p:sp>
       <p:pic>
         <p:nvPicPr>
           <p:cNvPr id="5" name="Picture 2">
@@ -5186,6 +7330,273 @@
           </a:p>
         </p:txBody>
       </p:sp>
+      <p:sp>
+        <p:nvSpPr>
+          <p:cNvPr id="3" name="TextBox 2">
+            <a:extLst>
+              <a:ext uri="{FF2B5EF4-FFF2-40B4-BE49-F238E27FC236}">
+                <a16:creationId xmlns:a16="http://schemas.microsoft.com/office/drawing/2014/main" id="{138B4E73-5821-9E76-8FD8-DCBA99602C77}"/>
+              </a:ext>
+            </a:extLst>
+          </p:cNvPr>
+          <p:cNvSpPr txBox="1"/>
+          <p:nvPr/>
+        </p:nvSpPr>
+        <p:spPr>
+          <a:xfrm>
+            <a:off x="713001" y="1715195"/>
+            <a:ext cx="4731524" cy="2308324"/>
+          </a:xfrm>
+          <a:prstGeom prst="rect">
+            <a:avLst/>
+          </a:prstGeom>
+          <a:noFill/>
+        </p:spPr>
+        <p:txBody>
+          <a:bodyPr wrap="square" rtlCol="0">
+            <a:spAutoFit/>
+          </a:bodyPr>
+          <a:lstStyle/>
+          <a:p>
+            <a:pPr marL="285750" indent="-285750">
+              <a:buFont typeface="Arial" panose="020B0604020202020204" pitchFamily="34" charset="0"/>
+              <a:buChar char="•"/>
+            </a:pPr>
+            <a:r>
+              <a:rPr lang="en-GB" sz="2400" dirty="0"/>
+              <a:t>Long-term empirical data</a:t>
+            </a:r>
+            <a:br>
+              <a:rPr lang="en-GB" sz="2400" dirty="0"/>
+            </a:br>
+            <a:endParaRPr lang="en-GB" sz="2400" dirty="0"/>
+          </a:p>
+          <a:p>
+            <a:pPr marL="285750" indent="-285750">
+              <a:buFont typeface="Arial" panose="020B0604020202020204" pitchFamily="34" charset="0"/>
+              <a:buChar char="•"/>
+            </a:pPr>
+            <a:r>
+              <a:rPr lang="en-GB" sz="2400" dirty="0"/>
+              <a:t>Innovative ESD methods (participatory approach)</a:t>
+            </a:r>
+            <a:br>
+              <a:rPr lang="en-GB" sz="2400" dirty="0"/>
+            </a:br>
+            <a:endParaRPr lang="en-GB" sz="2400" dirty="0"/>
+          </a:p>
+          <a:p>
+            <a:pPr marL="285750" indent="-285750">
+              <a:buFont typeface="Arial" panose="020B0604020202020204" pitchFamily="34" charset="0"/>
+              <a:buChar char="•"/>
+            </a:pPr>
+            <a:r>
+              <a:rPr lang="en-GB" sz="2400" dirty="0"/>
+              <a:t>Self-efficacy beliefs</a:t>
+            </a:r>
+          </a:p>
+        </p:txBody>
+      </p:sp>
+      <p:pic>
+        <p:nvPicPr>
+          <p:cNvPr id="8" name="Graphic 7" descr="Magnifying glass with solid fill">
+            <a:extLst>
+              <a:ext uri="{FF2B5EF4-FFF2-40B4-BE49-F238E27FC236}">
+                <a16:creationId xmlns:a16="http://schemas.microsoft.com/office/drawing/2014/main" id="{37E8988B-590D-24D7-F375-6DCEB7667BFE}"/>
+              </a:ext>
+            </a:extLst>
+          </p:cNvPr>
+          <p:cNvPicPr>
+            <a:picLocks noChangeAspect="1"/>
+          </p:cNvPicPr>
+          <p:nvPr/>
+        </p:nvPicPr>
+        <p:blipFill>
+          <a:blip r:embed="rId3">
+            <a:extLst>
+              <a:ext uri="{28A0092B-C50C-407E-A947-70E740481C1C}">
+                <a14:useLocalDpi xmlns:a14="http://schemas.microsoft.com/office/drawing/2010/main" val="0"/>
+              </a:ext>
+              <a:ext uri="{96DAC541-7B7A-43D3-8B79-37D633B846F1}">
+                <asvg:svgBlip xmlns:asvg="http://schemas.microsoft.com/office/drawing/2016/SVG/main" r:embed="rId4"/>
+              </a:ext>
+            </a:extLst>
+          </a:blip>
+          <a:stretch>
+            <a:fillRect/>
+          </a:stretch>
+        </p:blipFill>
+        <p:spPr>
+          <a:xfrm>
+            <a:off x="4412430" y="742550"/>
+            <a:ext cx="5308028" cy="5308028"/>
+          </a:xfrm>
+          <a:prstGeom prst="rect">
+            <a:avLst/>
+          </a:prstGeom>
+        </p:spPr>
+      </p:pic>
+      <p:pic>
+        <p:nvPicPr>
+          <p:cNvPr id="11" name="Graphic 10" descr="Muscular arm with solid fill">
+            <a:extLst>
+              <a:ext uri="{FF2B5EF4-FFF2-40B4-BE49-F238E27FC236}">
+                <a16:creationId xmlns:a16="http://schemas.microsoft.com/office/drawing/2014/main" id="{EAA07001-75C0-5933-4D37-5288166008D1}"/>
+              </a:ext>
+            </a:extLst>
+          </p:cNvPr>
+          <p:cNvPicPr>
+            <a:picLocks noChangeAspect="1"/>
+          </p:cNvPicPr>
+          <p:nvPr/>
+        </p:nvPicPr>
+        <p:blipFill>
+          <a:blip r:embed="rId5">
+            <a:extLst>
+              <a:ext uri="{28A0092B-C50C-407E-A947-70E740481C1C}">
+                <a14:useLocalDpi xmlns:a14="http://schemas.microsoft.com/office/drawing/2010/main" val="0"/>
+              </a:ext>
+              <a:ext uri="{96DAC541-7B7A-43D3-8B79-37D633B846F1}">
+                <asvg:svgBlip xmlns:asvg="http://schemas.microsoft.com/office/drawing/2016/SVG/main" r:embed="rId6"/>
+              </a:ext>
+            </a:extLst>
+          </a:blip>
+          <a:stretch>
+            <a:fillRect/>
+          </a:stretch>
+        </p:blipFill>
+        <p:spPr>
+          <a:xfrm>
+            <a:off x="6245199" y="3238003"/>
+            <a:ext cx="628104" cy="593693"/>
+          </a:xfrm>
+          <a:prstGeom prst="rect">
+            <a:avLst/>
+          </a:prstGeom>
+        </p:spPr>
+      </p:pic>
+      <p:pic>
+        <p:nvPicPr>
+          <p:cNvPr id="12" name="Graphic 11" descr="Meeting with solid fill">
+            <a:extLst>
+              <a:ext uri="{FF2B5EF4-FFF2-40B4-BE49-F238E27FC236}">
+                <a16:creationId xmlns:a16="http://schemas.microsoft.com/office/drawing/2014/main" id="{F9E891A1-01E9-B48A-F26C-A2E6FD741151}"/>
+              </a:ext>
+            </a:extLst>
+          </p:cNvPr>
+          <p:cNvPicPr>
+            <a:picLocks noChangeAspect="1"/>
+          </p:cNvPicPr>
+          <p:nvPr/>
+        </p:nvPicPr>
+        <p:blipFill>
+          <a:blip r:embed="rId7">
+            <a:extLst>
+              <a:ext uri="{28A0092B-C50C-407E-A947-70E740481C1C}">
+                <a14:useLocalDpi xmlns:a14="http://schemas.microsoft.com/office/drawing/2010/main" val="0"/>
+              </a:ext>
+              <a:ext uri="{96DAC541-7B7A-43D3-8B79-37D633B846F1}">
+                <asvg:svgBlip xmlns:asvg="http://schemas.microsoft.com/office/drawing/2016/SVG/main" r:embed="rId8"/>
+              </a:ext>
+            </a:extLst>
+          </a:blip>
+          <a:stretch>
+            <a:fillRect/>
+          </a:stretch>
+        </p:blipFill>
+        <p:spPr>
+          <a:xfrm>
+            <a:off x="6216229" y="2451095"/>
+            <a:ext cx="671568" cy="671568"/>
+          </a:xfrm>
+          <a:prstGeom prst="rect">
+            <a:avLst/>
+          </a:prstGeom>
+        </p:spPr>
+      </p:pic>
+      <p:cxnSp>
+        <p:nvCxnSpPr>
+          <p:cNvPr id="13" name="Straight Arrow Connector 12">
+            <a:extLst>
+              <a:ext uri="{FF2B5EF4-FFF2-40B4-BE49-F238E27FC236}">
+                <a16:creationId xmlns:a16="http://schemas.microsoft.com/office/drawing/2014/main" id="{C8ECADD4-15A1-84D6-23EE-663240874FA6}"/>
+              </a:ext>
+            </a:extLst>
+          </p:cNvPr>
+          <p:cNvCxnSpPr>
+            <a:cxnSpLocks/>
+          </p:cNvCxnSpPr>
+          <p:nvPr/>
+        </p:nvCxnSpPr>
+        <p:spPr>
+          <a:xfrm>
+            <a:off x="6477000" y="1996460"/>
+            <a:ext cx="721242" cy="0"/>
+          </a:xfrm>
+          <a:prstGeom prst="straightConnector1">
+            <a:avLst/>
+          </a:prstGeom>
+          <a:ln w="76200">
+            <a:solidFill>
+              <a:schemeClr val="tx1"/>
+            </a:solidFill>
+            <a:tailEnd type="triangle"/>
+          </a:ln>
+        </p:spPr>
+        <p:style>
+          <a:lnRef idx="2">
+            <a:schemeClr val="dk1"/>
+          </a:lnRef>
+          <a:fillRef idx="0">
+            <a:schemeClr val="dk1"/>
+          </a:fillRef>
+          <a:effectRef idx="1">
+            <a:schemeClr val="dk1"/>
+          </a:effectRef>
+          <a:fontRef idx="minor">
+            <a:schemeClr val="tx1"/>
+          </a:fontRef>
+        </p:style>
+      </p:cxnSp>
+      <p:pic>
+        <p:nvPicPr>
+          <p:cNvPr id="15" name="Graphic 14" descr="Clock with solid fill">
+            <a:extLst>
+              <a:ext uri="{FF2B5EF4-FFF2-40B4-BE49-F238E27FC236}">
+                <a16:creationId xmlns:a16="http://schemas.microsoft.com/office/drawing/2014/main" id="{DFB7BB96-067C-86D3-ABA0-D0AA116860C7}"/>
+              </a:ext>
+            </a:extLst>
+          </p:cNvPr>
+          <p:cNvPicPr>
+            <a:picLocks noChangeAspect="1"/>
+          </p:cNvPicPr>
+          <p:nvPr/>
+        </p:nvPicPr>
+        <p:blipFill>
+          <a:blip r:embed="rId9">
+            <a:extLst>
+              <a:ext uri="{28A0092B-C50C-407E-A947-70E740481C1C}">
+                <a14:useLocalDpi xmlns:a14="http://schemas.microsoft.com/office/drawing/2010/main" val="0"/>
+              </a:ext>
+              <a:ext uri="{96DAC541-7B7A-43D3-8B79-37D633B846F1}">
+                <asvg:svgBlip xmlns:asvg="http://schemas.microsoft.com/office/drawing/2016/SVG/main" r:embed="rId10"/>
+              </a:ext>
+            </a:extLst>
+          </a:blip>
+          <a:stretch>
+            <a:fillRect/>
+          </a:stretch>
+        </p:blipFill>
+        <p:spPr>
+          <a:xfrm>
+            <a:off x="5879510" y="1733999"/>
+            <a:ext cx="487865" cy="487865"/>
+          </a:xfrm>
+          <a:prstGeom prst="rect">
+            <a:avLst/>
+          </a:prstGeom>
+        </p:spPr>
+      </p:pic>
     </p:spTree>
     <p:extLst>
       <p:ext uri="{BB962C8B-B14F-4D97-AF65-F5344CB8AC3E}">
@@ -5234,17 +7645,19 @@
         </p:nvSpPr>
         <p:spPr>
           <a:xfrm>
-            <a:off x="8736930" y="-222594"/>
+            <a:off x="937334" y="-60059"/>
             <a:ext cx="10515600" cy="1325563"/>
           </a:xfrm>
         </p:spPr>
         <p:txBody>
-          <a:bodyPr/>
+          <a:bodyPr>
+            <a:normAutofit/>
+          </a:bodyPr>
           <a:lstStyle/>
           <a:p>
             <a:r>
-              <a:rPr lang="en-GB" dirty="0"/>
-              <a:t>Workflow</a:t>
+              <a:rPr lang="en-GB" sz="3200" dirty="0"/>
+              <a:t>Research questions</a:t>
             </a:r>
           </a:p>
         </p:txBody>
@@ -5265,7 +7678,7 @@
         </p:nvCxnSpPr>
         <p:spPr>
           <a:xfrm>
-            <a:off x="906746" y="5876544"/>
+            <a:off x="957146" y="6412665"/>
             <a:ext cx="10475976" cy="0"/>
           </a:xfrm>
           <a:prstGeom prst="straightConnector1">
@@ -5310,7 +7723,7 @@
         </p:nvSpPr>
         <p:spPr>
           <a:xfrm>
-            <a:off x="1397600" y="6093679"/>
+            <a:off x="1448000" y="6523470"/>
             <a:ext cx="512760" cy="369332"/>
           </a:xfrm>
           <a:prstGeom prst="rect">
@@ -5352,7 +7765,7 @@
         </p:nvSpPr>
         <p:spPr>
           <a:xfrm>
-            <a:off x="5066970" y="6015426"/>
+            <a:off x="5117370" y="6530281"/>
             <a:ext cx="512760" cy="369332"/>
           </a:xfrm>
           <a:prstGeom prst="rect">
@@ -5394,8 +7807,8 @@
         </p:nvSpPr>
         <p:spPr>
           <a:xfrm>
-            <a:off x="8736930" y="6093679"/>
-            <a:ext cx="512760" cy="369332"/>
+            <a:off x="8787330" y="6512837"/>
+            <a:ext cx="1956670" cy="369332"/>
           </a:xfrm>
           <a:prstGeom prst="rect">
             <a:avLst/>
@@ -5417,7 +7830,7 @@
                   </a:schemeClr>
                 </a:solidFill>
               </a:rPr>
-              <a:t>t2</a:t>
+              <a:t>t2 (one year later)</a:t>
             </a:r>
           </a:p>
         </p:txBody>
@@ -5452,7 +7865,7 @@
         </p:blipFill>
         <p:spPr>
           <a:xfrm>
-            <a:off x="864000" y="2928718"/>
+            <a:off x="914400" y="3464839"/>
             <a:ext cx="864000" cy="612000"/>
           </a:xfrm>
           <a:prstGeom prst="rect">
@@ -5474,7 +7887,7 @@
         </p:nvGrpSpPr>
         <p:grpSpPr>
           <a:xfrm>
-            <a:off x="4386264" y="2928718"/>
+            <a:off x="4458507" y="3430396"/>
             <a:ext cx="1607568" cy="671568"/>
             <a:chOff x="838200" y="2914526"/>
             <a:chExt cx="1607568" cy="671568"/>
@@ -5610,7 +8023,7 @@
         </p:nvGrpSpPr>
         <p:grpSpPr>
           <a:xfrm>
-            <a:off x="8171880" y="2950677"/>
+            <a:off x="8222280" y="3486798"/>
             <a:ext cx="1607568" cy="671568"/>
             <a:chOff x="838200" y="2914526"/>
             <a:chExt cx="1607568" cy="671568"/>
@@ -5760,7 +8173,7 @@
         </p:blipFill>
         <p:spPr>
           <a:xfrm>
-            <a:off x="2721639" y="735893"/>
+            <a:off x="2772039" y="1272014"/>
             <a:ext cx="850164" cy="618301"/>
           </a:xfrm>
           <a:prstGeom prst="rect">
@@ -5799,7 +8212,7 @@
         </p:blipFill>
         <p:spPr>
           <a:xfrm>
-            <a:off x="6330470" y="1751166"/>
+            <a:off x="6380870" y="2287287"/>
             <a:ext cx="511611" cy="511611"/>
           </a:xfrm>
           <a:prstGeom prst="rect">
@@ -5837,7 +8250,7 @@
         </p:blipFill>
         <p:spPr>
           <a:xfrm>
-            <a:off x="1718856" y="2928718"/>
+            <a:off x="1769256" y="3464839"/>
             <a:ext cx="648000" cy="612000"/>
           </a:xfrm>
           <a:prstGeom prst="rect">
@@ -5867,7 +8280,7 @@
         </p:blipFill>
         <p:spPr>
           <a:xfrm>
-            <a:off x="2928375" y="1425461"/>
+            <a:off x="2978775" y="1961582"/>
             <a:ext cx="1479732" cy="340046"/>
           </a:xfrm>
           <a:prstGeom prst="rect">
@@ -5906,7 +8319,7 @@
         </p:blipFill>
         <p:spPr>
           <a:xfrm>
-            <a:off x="2619963" y="1826255"/>
+            <a:off x="2670363" y="2362376"/>
             <a:ext cx="511612" cy="511612"/>
           </a:xfrm>
           <a:prstGeom prst="rect">
@@ -5944,7 +8357,7 @@
         </p:blipFill>
         <p:spPr>
           <a:xfrm>
-            <a:off x="2573146" y="1354194"/>
+            <a:off x="2623546" y="1890315"/>
             <a:ext cx="347786" cy="454797"/>
           </a:xfrm>
           <a:prstGeom prst="rect">
@@ -5983,7 +8396,7 @@
         </p:blipFill>
         <p:spPr>
           <a:xfrm>
-            <a:off x="3315997" y="1842597"/>
+            <a:off x="3366397" y="2378718"/>
             <a:ext cx="511611" cy="511611"/>
           </a:xfrm>
           <a:prstGeom prst="rect">
@@ -6022,7 +8435,7 @@
         </p:blipFill>
         <p:spPr>
           <a:xfrm>
-            <a:off x="6842081" y="1690884"/>
+            <a:off x="6892481" y="2227005"/>
             <a:ext cx="550653" cy="550653"/>
           </a:xfrm>
           <a:prstGeom prst="rect">
@@ -6061,7 +8474,7 @@
         </p:blipFill>
         <p:spPr>
           <a:xfrm>
-            <a:off x="10845728" y="3584340"/>
+            <a:off x="10896128" y="4120461"/>
             <a:ext cx="781792" cy="738962"/>
           </a:xfrm>
           <a:prstGeom prst="rect">
@@ -6083,7 +8496,7 @@
         </p:nvSpPr>
         <p:spPr>
           <a:xfrm>
-            <a:off x="584247" y="618643"/>
+            <a:off x="634647" y="1154764"/>
             <a:ext cx="7390783" cy="4548472"/>
           </a:xfrm>
           <a:prstGeom prst="roundRect">
@@ -6139,7 +8552,7 @@
         </p:nvGrpSpPr>
         <p:grpSpPr>
           <a:xfrm>
-            <a:off x="744771" y="3600286"/>
+            <a:off x="795171" y="4136407"/>
             <a:ext cx="1581926" cy="707070"/>
             <a:chOff x="744771" y="3600286"/>
             <a:chExt cx="1581926" cy="707070"/>
@@ -6277,7 +8690,7 @@
         </p:nvGrpSpPr>
         <p:grpSpPr>
           <a:xfrm>
-            <a:off x="4359900" y="3537955"/>
+            <a:off x="4410300" y="4074076"/>
             <a:ext cx="1581926" cy="707070"/>
             <a:chOff x="744771" y="3600286"/>
             <a:chExt cx="1581926" cy="707070"/>
@@ -6415,7 +8828,7 @@
         </p:nvGrpSpPr>
         <p:grpSpPr>
           <a:xfrm>
-            <a:off x="8121010" y="3574106"/>
+            <a:off x="8171410" y="4110227"/>
             <a:ext cx="1581926" cy="707070"/>
             <a:chOff x="744771" y="3600286"/>
             <a:chExt cx="1581926" cy="707070"/>
@@ -6553,7 +8966,7 @@
         </p:nvSpPr>
         <p:spPr>
           <a:xfrm rot="16200000">
-            <a:off x="8758015" y="4474650"/>
+            <a:off x="8808415" y="5010771"/>
             <a:ext cx="444583" cy="109994"/>
           </a:xfrm>
           <a:prstGeom prst="rightArrow">
@@ -6603,7 +9016,7 @@
         </p:nvGrpSpPr>
         <p:grpSpPr>
           <a:xfrm>
-            <a:off x="1515201" y="4307355"/>
+            <a:off x="1565601" y="4843476"/>
             <a:ext cx="7486233" cy="457959"/>
             <a:chOff x="1515201" y="4307355"/>
             <a:chExt cx="7486233" cy="457959"/>
@@ -6780,7 +9193,7 @@
         </p:blipFill>
         <p:spPr>
           <a:xfrm>
-            <a:off x="-50400" y="5419344"/>
+            <a:off x="0" y="5955465"/>
             <a:ext cx="914400" cy="914400"/>
           </a:xfrm>
           <a:prstGeom prst="rect">
@@ -6802,7 +9215,7 @@
         </p:nvSpPr>
         <p:spPr>
           <a:xfrm>
-            <a:off x="8274282" y="4722981"/>
+            <a:off x="8324682" y="5259102"/>
             <a:ext cx="553798" cy="461665"/>
           </a:xfrm>
           <a:prstGeom prst="rect">
@@ -6837,7 +9250,7 @@
         </p:nvSpPr>
         <p:spPr>
           <a:xfrm>
-            <a:off x="10053132" y="3987036"/>
+            <a:off x="10103532" y="4523157"/>
             <a:ext cx="553798" cy="461665"/>
           </a:xfrm>
           <a:prstGeom prst="rect">
@@ -6872,7 +9285,7 @@
         </p:nvGrpSpPr>
         <p:grpSpPr>
           <a:xfrm rot="10800000">
-            <a:off x="1494138" y="2505239"/>
+            <a:off x="1544538" y="3041360"/>
             <a:ext cx="8108806" cy="457283"/>
             <a:chOff x="1502501" y="4307355"/>
             <a:chExt cx="8108806" cy="457283"/>
@@ -7032,7 +9445,7 @@
         </p:nvSpPr>
         <p:spPr>
           <a:xfrm rot="5400000">
-            <a:off x="8707445" y="2710486"/>
+            <a:off x="8757845" y="3246607"/>
             <a:ext cx="444583" cy="109994"/>
           </a:xfrm>
           <a:prstGeom prst="rightArrow">
@@ -7082,7 +9495,7 @@
         </p:nvSpPr>
         <p:spPr>
           <a:xfrm rot="5400000">
-            <a:off x="8144237" y="2698430"/>
+            <a:off x="8194637" y="3234551"/>
             <a:ext cx="444583" cy="109994"/>
           </a:xfrm>
           <a:prstGeom prst="rightArrow">
@@ -7132,7 +9545,7 @@
         </p:nvSpPr>
         <p:spPr>
           <a:xfrm rot="5400000">
-            <a:off x="4970943" y="2685233"/>
+            <a:off x="5021343" y="3221354"/>
             <a:ext cx="444583" cy="109994"/>
           </a:xfrm>
           <a:prstGeom prst="rightArrow">
@@ -7182,7 +9595,7 @@
         </p:nvSpPr>
         <p:spPr>
           <a:xfrm rot="5400000">
-            <a:off x="4386120" y="2710487"/>
+            <a:off x="4436520" y="3246608"/>
             <a:ext cx="444583" cy="109994"/>
           </a:xfrm>
           <a:prstGeom prst="rightArrow">
@@ -7232,7 +9645,7 @@
         </p:nvSpPr>
         <p:spPr>
           <a:xfrm rot="5400000">
-            <a:off x="1297246" y="2659994"/>
+            <a:off x="1347646" y="3196115"/>
             <a:ext cx="444583" cy="109994"/>
           </a:xfrm>
           <a:prstGeom prst="rightArrow">
@@ -7282,7 +9695,7 @@
         </p:nvSpPr>
         <p:spPr>
           <a:xfrm>
-            <a:off x="8320941" y="2020159"/>
+            <a:off x="8371341" y="2556280"/>
             <a:ext cx="553798" cy="461665"/>
           </a:xfrm>
           <a:prstGeom prst="rect">
@@ -7317,7 +9730,7 @@
         </p:nvCxnSpPr>
         <p:spPr>
           <a:xfrm>
-            <a:off x="9779448" y="3963415"/>
+            <a:off x="9829848" y="4499536"/>
             <a:ext cx="930903" cy="0"/>
           </a:xfrm>
           <a:prstGeom prst="straightConnector1">
@@ -7381,7 +9794,7 @@
           <p:cNvPr id="2" name="Title 1">
             <a:extLst>
               <a:ext uri="{FF2B5EF4-FFF2-40B4-BE49-F238E27FC236}">
-                <a16:creationId xmlns:a16="http://schemas.microsoft.com/office/drawing/2014/main" id="{E36C4ED6-5929-7AE4-61F3-D4EA00BC16B0}"/>
+                <a16:creationId xmlns:a16="http://schemas.microsoft.com/office/drawing/2014/main" id="{8E7810B3-8EC8-90C9-B089-D7290DBD7999}"/>
               </a:ext>
             </a:extLst>
           </p:cNvPr>
@@ -7399,17 +9812,64 @@
           <a:p>
             <a:r>
               <a:rPr lang="en-GB" dirty="0"/>
-              <a:t>Predictions</a:t>
-            </a:r>
-          </a:p>
-        </p:txBody>
-      </p:sp>
-      <p:sp>
-        <p:nvSpPr>
-          <p:cNvPr id="4" name="Footer Placeholder 3">
-            <a:extLst>
-              <a:ext uri="{FF2B5EF4-FFF2-40B4-BE49-F238E27FC236}">
-                <a16:creationId xmlns:a16="http://schemas.microsoft.com/office/drawing/2014/main" id="{AD66E2D3-80B0-C549-5724-F038A8155723}"/>
+              <a:t>Research questions</a:t>
+            </a:r>
+          </a:p>
+        </p:txBody>
+      </p:sp>
+      <p:pic>
+        <p:nvPicPr>
+          <p:cNvPr id="5" name="Picture 2">
+            <a:extLst>
+              <a:ext uri="{FF2B5EF4-FFF2-40B4-BE49-F238E27FC236}">
+                <a16:creationId xmlns:a16="http://schemas.microsoft.com/office/drawing/2014/main" id="{4BCBC663-849A-0859-57A8-A135C75D33C2}"/>
+              </a:ext>
+            </a:extLst>
+          </p:cNvPr>
+          <p:cNvPicPr>
+            <a:picLocks noChangeAspect="1" noChangeArrowheads="1"/>
+          </p:cNvPicPr>
+          <p:nvPr/>
+        </p:nvPicPr>
+        <p:blipFill>
+          <a:blip r:embed="rId2">
+            <a:extLst>
+              <a:ext uri="{28A0092B-C50C-407E-A947-70E740481C1C}">
+                <a14:useLocalDpi xmlns:a14="http://schemas.microsoft.com/office/drawing/2010/main" val="0"/>
+              </a:ext>
+            </a:extLst>
+          </a:blip>
+          <a:srcRect/>
+          <a:stretch>
+            <a:fillRect/>
+          </a:stretch>
+        </p:blipFill>
+        <p:spPr bwMode="auto">
+          <a:xfrm>
+            <a:off x="10185401" y="0"/>
+            <a:ext cx="1853434" cy="2166938"/>
+          </a:xfrm>
+          <a:prstGeom prst="rect">
+            <a:avLst/>
+          </a:prstGeom>
+          <a:noFill/>
+          <a:extLst>
+            <a:ext uri="{909E8E84-426E-40DD-AFC4-6F175D3DCCD1}">
+              <a14:hiddenFill xmlns:a14="http://schemas.microsoft.com/office/drawing/2010/main">
+                <a:solidFill>
+                  <a:srgbClr val="FFFFFF"/>
+                </a:solidFill>
+              </a14:hiddenFill>
+            </a:ext>
+          </a:extLst>
+        </p:spPr>
+      </p:pic>
+      <p:sp>
+        <p:nvSpPr>
+          <p:cNvPr id="6" name="Footer Placeholder 3">
+            <a:extLst>
+              <a:ext uri="{FF2B5EF4-FFF2-40B4-BE49-F238E27FC236}">
+                <a16:creationId xmlns:a16="http://schemas.microsoft.com/office/drawing/2014/main" id="{79C0CE03-421C-7541-6CEE-FEC18D81B525}"/>
               </a:ext>
             </a:extLst>
           </p:cNvPr>
@@ -7420,14 +9880,139 @@
             <p:ph type="ftr" sz="quarter" idx="11"/>
           </p:nvPr>
         </p:nvSpPr>
-        <p:spPr/>
+        <p:spPr>
+          <a:xfrm>
+            <a:off x="4038600" y="6356351"/>
+            <a:ext cx="4876800" cy="260350"/>
+          </a:xfrm>
+        </p:spPr>
         <p:txBody>
           <a:bodyPr/>
           <a:lstStyle/>
           <a:p>
             <a:r>
-              <a:rPr lang="en-GB"/>
-              <a:t>Self-efficacy beliefs and participatory SDE || Dani Gargya || 06.03.24</a:t>
+              <a:rPr lang="en-GB" dirty="0"/>
+              <a:t>Sustainability competences and participatory ESD || Dani Gargya || 03.04.24</a:t>
+            </a:r>
+          </a:p>
+        </p:txBody>
+      </p:sp>
+      <p:sp>
+        <p:nvSpPr>
+          <p:cNvPr id="10" name="Content Placeholder 9">
+            <a:extLst>
+              <a:ext uri="{FF2B5EF4-FFF2-40B4-BE49-F238E27FC236}">
+                <a16:creationId xmlns:a16="http://schemas.microsoft.com/office/drawing/2014/main" id="{5088D4BD-E6A9-AF6D-245D-0AB40F0367CC}"/>
+              </a:ext>
+            </a:extLst>
+          </p:cNvPr>
+          <p:cNvSpPr>
+            <a:spLocks noGrp="1"/>
+          </p:cNvSpPr>
+          <p:nvPr>
+            <p:ph idx="1"/>
+          </p:nvPr>
+        </p:nvSpPr>
+        <p:spPr/>
+        <p:txBody>
+          <a:bodyPr>
+            <a:normAutofit/>
+          </a:bodyPr>
+          <a:lstStyle/>
+          <a:p>
+            <a:pPr marL="0" indent="0">
+              <a:buNone/>
+            </a:pPr>
+            <a:r>
+              <a:rPr lang="en-GB" dirty="0"/>
+              <a:t>1. How do climate attitude and behaviour among students change over time (before, during and one year after the project implementation)?</a:t>
+            </a:r>
+            <a:br>
+              <a:rPr lang="en-GB" dirty="0"/>
+            </a:br>
+            <a:endParaRPr lang="en-GB" dirty="0"/>
+          </a:p>
+          <a:p>
+            <a:pPr marL="0" indent="0">
+              <a:buNone/>
+            </a:pPr>
+            <a:r>
+              <a:rPr lang="en-GB" dirty="0"/>
+              <a:t>2. How do climate attitude and behaviour and self-efficacy beliefs respond to levels of involvement of the students?</a:t>
+            </a:r>
+            <a:br>
+              <a:rPr lang="en-GB" dirty="0"/>
+            </a:br>
+            <a:endParaRPr lang="en-GB" dirty="0"/>
+          </a:p>
+          <a:p>
+            <a:pPr marL="0" indent="0">
+              <a:buNone/>
+            </a:pPr>
+            <a:r>
+              <a:rPr lang="en-GB" dirty="0"/>
+              <a:t>3. How is climate attitude and behaviour influenced by self-efficacy beliefs?</a:t>
+            </a:r>
+          </a:p>
+          <a:p>
+            <a:endParaRPr lang="en-GB" dirty="0"/>
+          </a:p>
+        </p:txBody>
+      </p:sp>
+    </p:spTree>
+    <p:extLst>
+      <p:ext uri="{BB962C8B-B14F-4D97-AF65-F5344CB8AC3E}">
+        <p14:creationId xmlns:p14="http://schemas.microsoft.com/office/powerpoint/2010/main" val="4077947943"/>
+      </p:ext>
+    </p:extLst>
+  </p:cSld>
+  <p:clrMapOvr>
+    <a:masterClrMapping/>
+  </p:clrMapOvr>
+</p:sld>
+</file>
+
+<file path=ppt/slides/slide8.xml><?xml version="1.0" encoding="utf-8"?>
+<p:sld xmlns:a="http://schemas.openxmlformats.org/drawingml/2006/main" xmlns:r="http://schemas.openxmlformats.org/officeDocument/2006/relationships" xmlns:p="http://schemas.openxmlformats.org/presentationml/2006/main">
+  <p:cSld>
+    <p:spTree>
+      <p:nvGrpSpPr>
+        <p:cNvPr id="1" name=""/>
+        <p:cNvGrpSpPr/>
+        <p:nvPr/>
+      </p:nvGrpSpPr>
+      <p:grpSpPr>
+        <a:xfrm>
+          <a:off x="0" y="0"/>
+          <a:ext cx="0" cy="0"/>
+          <a:chOff x="0" y="0"/>
+          <a:chExt cx="0" cy="0"/>
+        </a:xfrm>
+      </p:grpSpPr>
+      <p:sp>
+        <p:nvSpPr>
+          <p:cNvPr id="2" name="Title 1">
+            <a:extLst>
+              <a:ext uri="{FF2B5EF4-FFF2-40B4-BE49-F238E27FC236}">
+                <a16:creationId xmlns:a16="http://schemas.microsoft.com/office/drawing/2014/main" id="{E36C4ED6-5929-7AE4-61F3-D4EA00BC16B0}"/>
+              </a:ext>
+            </a:extLst>
+          </p:cNvPr>
+          <p:cNvSpPr>
+            <a:spLocks noGrp="1"/>
+          </p:cNvSpPr>
+          <p:nvPr>
+            <p:ph type="title"/>
+          </p:nvPr>
+        </p:nvSpPr>
+        <p:spPr/>
+        <p:txBody>
+          <a:bodyPr/>
+          <a:lstStyle/>
+          <a:p>
+            <a:r>
+              <a:rPr lang="en-GB" dirty="0"/>
+              <a:t>Predictions</a:t>
             </a:r>
           </a:p>
         </p:txBody>
@@ -7446,7 +10031,7 @@
         </p:nvGrpSpPr>
         <p:grpSpPr>
           <a:xfrm>
-            <a:off x="838200" y="2247900"/>
+            <a:off x="1114646" y="2992179"/>
             <a:ext cx="1473200" cy="1346200"/>
             <a:chOff x="838200" y="2247900"/>
             <a:chExt cx="1473200" cy="1346200"/>
@@ -7543,7 +10128,7 @@
         </p:nvGrpSpPr>
         <p:grpSpPr>
           <a:xfrm>
-            <a:off x="4495800" y="2247900"/>
+            <a:off x="4772246" y="2992179"/>
             <a:ext cx="1473200" cy="1346200"/>
             <a:chOff x="838200" y="2247900"/>
             <a:chExt cx="1473200" cy="1346200"/>
@@ -7640,7 +10225,7 @@
         </p:nvGrpSpPr>
         <p:grpSpPr>
           <a:xfrm>
-            <a:off x="8153400" y="2247900"/>
+            <a:off x="8429846" y="2992179"/>
             <a:ext cx="1473200" cy="1346200"/>
             <a:chOff x="838200" y="2247900"/>
             <a:chExt cx="1473200" cy="1346200"/>
@@ -7737,7 +10322,7 @@
         </p:nvSpPr>
         <p:spPr>
           <a:xfrm>
-            <a:off x="762000" y="3643309"/>
+            <a:off x="1038446" y="4387588"/>
             <a:ext cx="812800" cy="276999"/>
           </a:xfrm>
           <a:prstGeom prst="rect">
@@ -7772,7 +10357,7 @@
         </p:nvSpPr>
         <p:spPr>
           <a:xfrm rot="16200000">
-            <a:off x="-319735" y="2436166"/>
+            <a:off x="-43289" y="3180445"/>
             <a:ext cx="1854200" cy="461665"/>
           </a:xfrm>
           <a:prstGeom prst="rect">
@@ -7807,7 +10392,7 @@
         </p:nvSpPr>
         <p:spPr>
           <a:xfrm rot="16200000">
-            <a:off x="3337865" y="2485377"/>
+            <a:off x="3614311" y="3229656"/>
             <a:ext cx="1854200" cy="461665"/>
           </a:xfrm>
           <a:prstGeom prst="rect">
@@ -7842,7 +10427,7 @@
         </p:nvSpPr>
         <p:spPr>
           <a:xfrm>
-            <a:off x="4457700" y="3643308"/>
+            <a:off x="4734146" y="4387587"/>
             <a:ext cx="812800" cy="276999"/>
           </a:xfrm>
           <a:prstGeom prst="rect">
@@ -7877,7 +10462,7 @@
         </p:nvSpPr>
         <p:spPr>
           <a:xfrm>
-            <a:off x="838198" y="1599962"/>
+            <a:off x="1114644" y="2344241"/>
             <a:ext cx="1828802" cy="369332"/>
           </a:xfrm>
           <a:prstGeom prst="rect">
@@ -7912,7 +10497,7 @@
         </p:nvSpPr>
         <p:spPr>
           <a:xfrm>
-            <a:off x="4495797" y="1599962"/>
+            <a:off x="4772243" y="2344241"/>
             <a:ext cx="2184404" cy="369332"/>
           </a:xfrm>
           <a:prstGeom prst="rect">
@@ -7947,7 +10532,7 @@
         </p:nvSpPr>
         <p:spPr>
           <a:xfrm>
-            <a:off x="8153400" y="1599962"/>
+            <a:off x="8429846" y="2344241"/>
             <a:ext cx="2032001" cy="369332"/>
           </a:xfrm>
           <a:prstGeom prst="rect">
@@ -7982,7 +10567,7 @@
         </p:nvSpPr>
         <p:spPr>
           <a:xfrm>
-            <a:off x="8153400" y="3645351"/>
+            <a:off x="8429846" y="4389630"/>
             <a:ext cx="812800" cy="276999"/>
           </a:xfrm>
           <a:prstGeom prst="rect">
@@ -8017,7 +10602,7 @@
         </p:nvSpPr>
         <p:spPr>
           <a:xfrm rot="16200000">
-            <a:off x="6965601" y="2485377"/>
+            <a:off x="7242047" y="3229656"/>
             <a:ext cx="1854200" cy="461665"/>
           </a:xfrm>
           <a:prstGeom prst="rect">
@@ -8052,7 +10637,7 @@
         </p:nvCxnSpPr>
         <p:spPr>
           <a:xfrm flipV="1">
-            <a:off x="952500" y="2806700"/>
+            <a:off x="1228946" y="3550979"/>
             <a:ext cx="1358900" cy="482600"/>
           </a:xfrm>
           <a:prstGeom prst="straightConnector1">
@@ -8096,7 +10681,7 @@
         </p:nvCxnSpPr>
         <p:spPr>
           <a:xfrm flipV="1">
-            <a:off x="4610100" y="2600045"/>
+            <a:off x="4886546" y="3344324"/>
             <a:ext cx="1290933" cy="663855"/>
           </a:xfrm>
           <a:prstGeom prst="straightConnector1">
@@ -8104,7 +10689,7 @@
           </a:prstGeom>
           <a:ln w="38100">
             <a:solidFill>
-              <a:srgbClr val="1B9E77"/>
+              <a:srgbClr val="D95F02"/>
             </a:solidFill>
             <a:tailEnd type="triangle"/>
           </a:ln>
@@ -8140,7 +10725,7 @@
         </p:nvCxnSpPr>
         <p:spPr>
           <a:xfrm flipV="1">
-            <a:off x="4674714" y="2878651"/>
+            <a:off x="4951160" y="3622930"/>
             <a:ext cx="1226319" cy="486051"/>
           </a:xfrm>
           <a:prstGeom prst="straightConnector1">
@@ -8148,7 +10733,7 @@
           </a:prstGeom>
           <a:ln w="28575">
             <a:solidFill>
-              <a:srgbClr val="D95F02"/>
+              <a:srgbClr val="7570B3"/>
             </a:solidFill>
             <a:tailEnd type="triangle"/>
           </a:ln>
@@ -8184,7 +10769,7 @@
         </p:nvCxnSpPr>
         <p:spPr>
           <a:xfrm flipV="1">
-            <a:off x="4729806" y="3204131"/>
+            <a:off x="5006252" y="3948410"/>
             <a:ext cx="1171227" cy="240858"/>
           </a:xfrm>
           <a:prstGeom prst="straightConnector1">
@@ -8192,7 +10777,7 @@
           </a:prstGeom>
           <a:ln w="19050">
             <a:solidFill>
-              <a:srgbClr val="7570B3"/>
+              <a:srgbClr val="E7298A"/>
             </a:solidFill>
             <a:tailEnd type="triangle"/>
           </a:ln>
@@ -8242,7 +10827,7 @@
         </p:blipFill>
         <p:spPr>
           <a:xfrm>
-            <a:off x="5925722" y="3036888"/>
+            <a:off x="6202168" y="3781167"/>
             <a:ext cx="330911" cy="432730"/>
           </a:xfrm>
           <a:prstGeom prst="rect">
@@ -8281,7 +10866,7 @@
         </p:blipFill>
         <p:spPr>
           <a:xfrm>
-            <a:off x="5920849" y="2710759"/>
+            <a:off x="6197295" y="3455038"/>
             <a:ext cx="335784" cy="335784"/>
           </a:xfrm>
           <a:prstGeom prst="rect">
@@ -8319,7 +10904,7 @@
         </p:blipFill>
         <p:spPr>
           <a:xfrm>
-            <a:off x="5901033" y="2412285"/>
+            <a:off x="6177479" y="3156564"/>
             <a:ext cx="250107" cy="327063"/>
           </a:xfrm>
           <a:prstGeom prst="rect">
@@ -8341,7 +10926,7 @@
         </p:nvCxnSpPr>
         <p:spPr>
           <a:xfrm flipV="1">
-            <a:off x="8210550" y="2739348"/>
+            <a:off x="8486996" y="3483627"/>
             <a:ext cx="1358900" cy="482600"/>
           </a:xfrm>
           <a:prstGeom prst="straightConnector1">
@@ -8383,7 +10968,7 @@
         </p:nvCxnSpPr>
         <p:spPr>
           <a:xfrm flipV="1">
-            <a:off x="8210550" y="2846384"/>
+            <a:off x="8486996" y="3590663"/>
             <a:ext cx="1358900" cy="482600"/>
           </a:xfrm>
           <a:prstGeom prst="straightConnector1">
@@ -8391,7 +10976,7 @@
           </a:prstGeom>
           <a:ln w="38100">
             <a:solidFill>
-              <a:srgbClr val="E7298A"/>
+              <a:srgbClr val="E6AB02"/>
             </a:solidFill>
             <a:tailEnd type="triangle"/>
           </a:ln>
@@ -8442,7 +11027,7 @@
         </p:blipFill>
         <p:spPr>
           <a:xfrm>
-            <a:off x="9626599" y="2472481"/>
+            <a:off x="9903045" y="3216760"/>
             <a:ext cx="393729" cy="309216"/>
           </a:xfrm>
           <a:prstGeom prst="rect">
@@ -8481,7 +11066,7 @@
         </p:blipFill>
         <p:spPr>
           <a:xfrm>
-            <a:off x="9596732" y="2763989"/>
+            <a:off x="9873178" y="3508268"/>
             <a:ext cx="355439" cy="335966"/>
           </a:xfrm>
           <a:prstGeom prst="rect">
@@ -8489,117 +11074,12 @@
           </a:prstGeom>
         </p:spPr>
       </p:pic>
-    </p:spTree>
-    <p:extLst>
-      <p:ext uri="{BB962C8B-B14F-4D97-AF65-F5344CB8AC3E}">
-        <p14:creationId xmlns:p14="http://schemas.microsoft.com/office/powerpoint/2010/main" val="1034015600"/>
-      </p:ext>
-    </p:extLst>
-  </p:cSld>
-  <p:clrMapOvr>
-    <a:masterClrMapping/>
-  </p:clrMapOvr>
-</p:sld>
-</file>
-
-<file path=ppt/slides/slide8.xml><?xml version="1.0" encoding="utf-8"?>
-<p:sld xmlns:a="http://schemas.openxmlformats.org/drawingml/2006/main" xmlns:r="http://schemas.openxmlformats.org/officeDocument/2006/relationships" xmlns:p="http://schemas.openxmlformats.org/presentationml/2006/main">
-  <p:cSld>
-    <p:spTree>
-      <p:nvGrpSpPr>
-        <p:cNvPr id="1" name=""/>
-        <p:cNvGrpSpPr/>
-        <p:nvPr/>
-      </p:nvGrpSpPr>
-      <p:grpSpPr>
-        <a:xfrm>
-          <a:off x="0" y="0"/>
-          <a:ext cx="0" cy="0"/>
-          <a:chOff x="0" y="0"/>
-          <a:chExt cx="0" cy="0"/>
-        </a:xfrm>
-      </p:grpSpPr>
-      <p:sp>
-        <p:nvSpPr>
-          <p:cNvPr id="2" name="Title 1">
-            <a:extLst>
-              <a:ext uri="{FF2B5EF4-FFF2-40B4-BE49-F238E27FC236}">
-                <a16:creationId xmlns:a16="http://schemas.microsoft.com/office/drawing/2014/main" id="{8E7810B3-8EC8-90C9-B089-D7290DBD7999}"/>
-              </a:ext>
-            </a:extLst>
-          </p:cNvPr>
-          <p:cNvSpPr>
-            <a:spLocks noGrp="1"/>
-          </p:cNvSpPr>
-          <p:nvPr>
-            <p:ph type="title"/>
-          </p:nvPr>
-        </p:nvSpPr>
-        <p:spPr/>
-        <p:txBody>
-          <a:bodyPr/>
-          <a:lstStyle/>
-          <a:p>
-            <a:r>
-              <a:rPr lang="en-GB" dirty="0"/>
-              <a:t>Research questions</a:t>
-            </a:r>
-          </a:p>
-        </p:txBody>
-      </p:sp>
-      <p:pic>
-        <p:nvPicPr>
-          <p:cNvPr id="5" name="Picture 2">
-            <a:extLst>
-              <a:ext uri="{FF2B5EF4-FFF2-40B4-BE49-F238E27FC236}">
-                <a16:creationId xmlns:a16="http://schemas.microsoft.com/office/drawing/2014/main" id="{4BCBC663-849A-0859-57A8-A135C75D33C2}"/>
-              </a:ext>
-            </a:extLst>
-          </p:cNvPr>
-          <p:cNvPicPr>
-            <a:picLocks noChangeAspect="1" noChangeArrowheads="1"/>
-          </p:cNvPicPr>
-          <p:nvPr/>
-        </p:nvPicPr>
-        <p:blipFill>
-          <a:blip r:embed="rId2">
-            <a:extLst>
-              <a:ext uri="{28A0092B-C50C-407E-A947-70E740481C1C}">
-                <a14:useLocalDpi xmlns:a14="http://schemas.microsoft.com/office/drawing/2010/main" val="0"/>
-              </a:ext>
-            </a:extLst>
-          </a:blip>
-          <a:srcRect/>
-          <a:stretch>
-            <a:fillRect/>
-          </a:stretch>
-        </p:blipFill>
-        <p:spPr bwMode="auto">
-          <a:xfrm>
-            <a:off x="10185401" y="0"/>
-            <a:ext cx="1853434" cy="2166938"/>
-          </a:xfrm>
-          <a:prstGeom prst="rect">
-            <a:avLst/>
-          </a:prstGeom>
-          <a:noFill/>
-          <a:extLst>
-            <a:ext uri="{909E8E84-426E-40DD-AFC4-6F175D3DCCD1}">
-              <a14:hiddenFill xmlns:a14="http://schemas.microsoft.com/office/drawing/2010/main">
-                <a:solidFill>
-                  <a:srgbClr val="FFFFFF"/>
-                </a:solidFill>
-              </a14:hiddenFill>
-            </a:ext>
-          </a:extLst>
-        </p:spPr>
-      </p:pic>
-      <p:sp>
-        <p:nvSpPr>
-          <p:cNvPr id="6" name="Footer Placeholder 3">
-            <a:extLst>
-              <a:ext uri="{FF2B5EF4-FFF2-40B4-BE49-F238E27FC236}">
-                <a16:creationId xmlns:a16="http://schemas.microsoft.com/office/drawing/2014/main" id="{79C0CE03-421C-7541-6CEE-FEC18D81B525}"/>
+      <p:sp>
+        <p:nvSpPr>
+          <p:cNvPr id="3" name="Footer Placeholder 3">
+            <a:extLst>
+              <a:ext uri="{FF2B5EF4-FFF2-40B4-BE49-F238E27FC236}">
+                <a16:creationId xmlns:a16="http://schemas.microsoft.com/office/drawing/2014/main" id="{6B88B5D2-E299-3F10-3DD7-BC77FB04F15A}"/>
               </a:ext>
             </a:extLst>
           </p:cNvPr>
@@ -8612,7 +11092,7 @@
         </p:nvSpPr>
         <p:spPr>
           <a:xfrm>
-            <a:off x="4038600" y="6356351"/>
+            <a:off x="4038600" y="6366984"/>
             <a:ext cx="4876800" cy="260350"/>
           </a:xfrm>
         </p:spPr>
@@ -8624,81 +11104,13 @@
               <a:rPr lang="en-GB" dirty="0"/>
               <a:t>Sustainability competences and participatory ESD || Dani Gargya || 03.04.24</a:t>
             </a:r>
-          </a:p>
-        </p:txBody>
-      </p:sp>
-      <p:sp>
-        <p:nvSpPr>
-          <p:cNvPr id="10" name="Content Placeholder 9">
-            <a:extLst>
-              <a:ext uri="{FF2B5EF4-FFF2-40B4-BE49-F238E27FC236}">
-                <a16:creationId xmlns:a16="http://schemas.microsoft.com/office/drawing/2014/main" id="{5088D4BD-E6A9-AF6D-245D-0AB40F0367CC}"/>
-              </a:ext>
-            </a:extLst>
-          </p:cNvPr>
-          <p:cNvSpPr>
-            <a:spLocks noGrp="1"/>
-          </p:cNvSpPr>
-          <p:nvPr>
-            <p:ph idx="1"/>
-          </p:nvPr>
-        </p:nvSpPr>
-        <p:spPr/>
-        <p:txBody>
-          <a:bodyPr>
-            <a:normAutofit/>
-          </a:bodyPr>
-          <a:lstStyle/>
-          <a:p>
-            <a:pPr marL="0" indent="0">
-              <a:buNone/>
-            </a:pPr>
-            <a:r>
-              <a:rPr lang="en-GB" dirty="0"/>
-              <a:t>1. Do students experience changes in climate attitude and behaviour over time? </a:t>
-            </a:r>
-          </a:p>
-          <a:p>
-            <a:pPr marL="0" indent="0">
-              <a:buNone/>
-            </a:pPr>
-            <a:r>
-              <a:rPr lang="en-GB" dirty="0"/>
-              <a:t>2. How do climate attitude and behaviour and self-efficacy beliefs respond to levels of involvement of the students?</a:t>
-            </a:r>
-          </a:p>
-          <a:p>
-            <a:pPr lvl="1"/>
-            <a:r>
-              <a:rPr lang="en-GB" dirty="0"/>
-              <a:t>How does the project evolution influence the magnitude of the changes in climate attitude and behaviour?</a:t>
-            </a:r>
-          </a:p>
-          <a:p>
-            <a:pPr lvl="1"/>
-            <a:r>
-              <a:rPr lang="en-GB" dirty="0"/>
-              <a:t>How do desirability of the aim and group identification influence the magnitude of the self-efficacy beliefs?</a:t>
-            </a:r>
-          </a:p>
-          <a:p>
-            <a:pPr marL="0" indent="0">
-              <a:buNone/>
-            </a:pPr>
-            <a:r>
-              <a:rPr lang="en-GB" dirty="0"/>
-              <a:t>3. How is climate attitude and behaviour influenced by self-efficacy beliefs?</a:t>
-            </a:r>
-          </a:p>
-          <a:p>
-            <a:endParaRPr lang="en-GB" dirty="0"/>
           </a:p>
         </p:txBody>
       </p:sp>
     </p:spTree>
     <p:extLst>
       <p:ext uri="{BB962C8B-B14F-4D97-AF65-F5344CB8AC3E}">
-        <p14:creationId xmlns:p14="http://schemas.microsoft.com/office/powerpoint/2010/main" val="4077947943"/>
+        <p14:creationId xmlns:p14="http://schemas.microsoft.com/office/powerpoint/2010/main" val="1034015600"/>
       </p:ext>
     </p:extLst>
   </p:cSld>
@@ -8748,40 +11160,18 @@
           <a:p>
             <a:r>
               <a:rPr lang="en-GB" dirty="0"/>
-              <a:t>Methods</a:t>
-            </a:r>
-          </a:p>
-        </p:txBody>
-      </p:sp>
-      <p:pic>
-        <p:nvPicPr>
-          <p:cNvPr id="7" name="Content Placeholder 6">
-            <a:extLst>
-              <a:ext uri="{FF2B5EF4-FFF2-40B4-BE49-F238E27FC236}">
-                <a16:creationId xmlns:a16="http://schemas.microsoft.com/office/drawing/2014/main" id="{5378BC0D-5269-7A07-DE9B-56954654D175}"/>
-              </a:ext>
-            </a:extLst>
-          </p:cNvPr>
-          <p:cNvPicPr>
-            <a:picLocks noGrp="1" noChangeAspect="1"/>
-          </p:cNvPicPr>
-          <p:nvPr>
-            <p:ph idx="1"/>
-          </p:nvPr>
-        </p:nvPicPr>
-        <p:blipFill>
-          <a:blip r:embed="rId2"/>
-          <a:stretch>
-            <a:fillRect/>
-          </a:stretch>
-        </p:blipFill>
-        <p:spPr>
-          <a:xfrm>
-            <a:off x="1079462" y="1962911"/>
-            <a:ext cx="1473276" cy="1257365"/>
-          </a:xfrm>
-        </p:spPr>
-      </p:pic>
+              <a:t>Methods – </a:t>
+            </a:r>
+            <a:br>
+              <a:rPr lang="en-GB" dirty="0"/>
+            </a:br>
+            <a:r>
+              <a:rPr lang="en-GB" dirty="0"/>
+              <a:t>Surveys</a:t>
+            </a:r>
+          </a:p>
+        </p:txBody>
+      </p:sp>
       <p:sp>
         <p:nvSpPr>
           <p:cNvPr id="4" name="Footer Placeholder 3">
@@ -8825,7 +11215,7 @@
           <p:nvPr/>
         </p:nvPicPr>
         <p:blipFill>
-          <a:blip r:embed="rId3">
+          <a:blip r:embed="rId2">
             <a:extLst>
               <a:ext uri="{28A0092B-C50C-407E-A947-70E740481C1C}">
                 <a14:useLocalDpi xmlns:a14="http://schemas.microsoft.com/office/drawing/2010/main" val="0"/>
@@ -8871,8 +11261,8 @@
         </p:nvGrpSpPr>
         <p:grpSpPr>
           <a:xfrm>
-            <a:off x="3752729" y="136525"/>
-            <a:ext cx="4686541" cy="6928207"/>
+            <a:off x="3913900" y="136525"/>
+            <a:ext cx="4114801" cy="6180716"/>
             <a:chOff x="3752729" y="136525"/>
             <a:chExt cx="4686541" cy="6928207"/>
           </a:xfrm>
@@ -8892,7 +11282,7 @@
             <p:nvPr/>
           </p:nvPicPr>
           <p:blipFill>
-            <a:blip r:embed="rId4"/>
+            <a:blip r:embed="rId3"/>
             <a:stretch>
               <a:fillRect/>
             </a:stretch>
@@ -8922,7 +11312,7 @@
             <p:nvPr/>
           </p:nvPicPr>
           <p:blipFill>
-            <a:blip r:embed="rId5"/>
+            <a:blip r:embed="rId4"/>
             <a:stretch>
               <a:fillRect/>
             </a:stretch>
@@ -8938,6 +11328,48 @@
           </p:spPr>
         </p:pic>
       </p:grpSp>
+      <p:sp>
+        <p:nvSpPr>
+          <p:cNvPr id="11" name="TextBox 10">
+            <a:extLst>
+              <a:ext uri="{FF2B5EF4-FFF2-40B4-BE49-F238E27FC236}">
+                <a16:creationId xmlns:a16="http://schemas.microsoft.com/office/drawing/2014/main" id="{D2D6C47A-F1FD-3AEC-5A76-B262080039F9}"/>
+              </a:ext>
+            </a:extLst>
+          </p:cNvPr>
+          <p:cNvSpPr txBox="1"/>
+          <p:nvPr/>
+        </p:nvSpPr>
+        <p:spPr>
+          <a:xfrm>
+            <a:off x="838200" y="2166938"/>
+            <a:ext cx="2468526" cy="923330"/>
+          </a:xfrm>
+          <a:prstGeom prst="rect">
+            <a:avLst/>
+          </a:prstGeom>
+          <a:noFill/>
+        </p:spPr>
+        <p:txBody>
+          <a:bodyPr wrap="square" rtlCol="0">
+            <a:spAutoFit/>
+          </a:bodyPr>
+          <a:lstStyle/>
+          <a:p>
+            <a:r>
+              <a:rPr lang="en-GB" dirty="0"/>
+              <a:t>Sustainability attitudes and behaviour – </a:t>
+            </a:r>
+            <a:br>
+              <a:rPr lang="en-GB" dirty="0"/>
+            </a:br>
+            <a:r>
+              <a:rPr lang="en-GB" dirty="0"/>
+              <a:t>based on MA Lisa Pauli</a:t>
+            </a:r>
+          </a:p>
+        </p:txBody>
+      </p:sp>
     </p:spTree>
     <p:extLst>
       <p:ext uri="{BB962C8B-B14F-4D97-AF65-F5344CB8AC3E}">

--- a/documents/proposal_as_ppt.pptx
+++ b/documents/proposal_as_ppt.pptx
@@ -5,7 +5,7 @@
     <p:sldMasterId id="2147483648" r:id="rId1"/>
   </p:sldMasterIdLst>
   <p:notesMasterIdLst>
-    <p:notesMasterId r:id="rId18"/>
+    <p:notesMasterId r:id="rId19"/>
   </p:notesMasterIdLst>
   <p:sldIdLst>
     <p:sldId id="256" r:id="rId2"/>
@@ -13,17 +13,18 @@
     <p:sldId id="259" r:id="rId4"/>
     <p:sldId id="260" r:id="rId5"/>
     <p:sldId id="261" r:id="rId6"/>
-    <p:sldId id="266" r:id="rId7"/>
-    <p:sldId id="262" r:id="rId8"/>
-    <p:sldId id="267" r:id="rId9"/>
-    <p:sldId id="263" r:id="rId10"/>
-    <p:sldId id="270" r:id="rId11"/>
-    <p:sldId id="264" r:id="rId12"/>
-    <p:sldId id="271" r:id="rId13"/>
-    <p:sldId id="273" r:id="rId14"/>
-    <p:sldId id="265" r:id="rId15"/>
-    <p:sldId id="272" r:id="rId16"/>
-    <p:sldId id="268" r:id="rId17"/>
+    <p:sldId id="274" r:id="rId7"/>
+    <p:sldId id="266" r:id="rId8"/>
+    <p:sldId id="262" r:id="rId9"/>
+    <p:sldId id="267" r:id="rId10"/>
+    <p:sldId id="263" r:id="rId11"/>
+    <p:sldId id="270" r:id="rId12"/>
+    <p:sldId id="264" r:id="rId13"/>
+    <p:sldId id="271" r:id="rId14"/>
+    <p:sldId id="273" r:id="rId15"/>
+    <p:sldId id="265" r:id="rId16"/>
+    <p:sldId id="272" r:id="rId17"/>
+    <p:sldId id="268" r:id="rId18"/>
   </p:sldIdLst>
   <p:sldSz cx="12192000" cy="6858000"/>
   <p:notesSz cx="6858000" cy="9144000"/>
@@ -1256,7 +1257,7 @@
           <a:p>
             <a:fld id="{D45F478C-19B8-4007-85C0-1B1FB6679583}" type="datetimeFigureOut">
               <a:rPr lang="en-GB" smtClean="0"/>
-              <a:t>02/04/2024</a:t>
+              <a:t>03/04/2024</a:t>
             </a:fld>
             <a:endParaRPr lang="en-GB"/>
           </a:p>
@@ -1524,6 +1525,90 @@
 </p:notesMaster>
 </file>
 
+<file path=ppt/notesSlides/notesSlide1.xml><?xml version="1.0" encoding="utf-8"?>
+<p:notes xmlns:a="http://schemas.openxmlformats.org/drawingml/2006/main" xmlns:r="http://schemas.openxmlformats.org/officeDocument/2006/relationships" xmlns:p="http://schemas.openxmlformats.org/presentationml/2006/main">
+  <p:cSld>
+    <p:spTree>
+      <p:nvGrpSpPr>
+        <p:cNvPr id="1" name=""/>
+        <p:cNvGrpSpPr/>
+        <p:nvPr/>
+      </p:nvGrpSpPr>
+      <p:grpSpPr>
+        <a:xfrm>
+          <a:off x="0" y="0"/>
+          <a:ext cx="0" cy="0"/>
+          <a:chOff x="0" y="0"/>
+          <a:chExt cx="0" cy="0"/>
+        </a:xfrm>
+      </p:grpSpPr>
+      <p:sp>
+        <p:nvSpPr>
+          <p:cNvPr id="2" name="Slide Image Placeholder 1"/>
+          <p:cNvSpPr>
+            <a:spLocks noGrp="1" noRot="1" noChangeAspect="1"/>
+          </p:cNvSpPr>
+          <p:nvPr>
+            <p:ph type="sldImg"/>
+          </p:nvPr>
+        </p:nvSpPr>
+        <p:spPr/>
+      </p:sp>
+      <p:sp>
+        <p:nvSpPr>
+          <p:cNvPr id="3" name="Notes Placeholder 2"/>
+          <p:cNvSpPr>
+            <a:spLocks noGrp="1"/>
+          </p:cNvSpPr>
+          <p:nvPr>
+            <p:ph type="body" idx="1"/>
+          </p:nvPr>
+        </p:nvSpPr>
+        <p:spPr/>
+        <p:txBody>
+          <a:bodyPr/>
+          <a:lstStyle/>
+          <a:p>
+            <a:endParaRPr lang="en-GB" dirty="0"/>
+          </a:p>
+        </p:txBody>
+      </p:sp>
+      <p:sp>
+        <p:nvSpPr>
+          <p:cNvPr id="4" name="Slide Number Placeholder 3"/>
+          <p:cNvSpPr>
+            <a:spLocks noGrp="1"/>
+          </p:cNvSpPr>
+          <p:nvPr>
+            <p:ph type="sldNum" sz="quarter" idx="5"/>
+          </p:nvPr>
+        </p:nvSpPr>
+        <p:spPr/>
+        <p:txBody>
+          <a:bodyPr/>
+          <a:lstStyle/>
+          <a:p>
+            <a:fld id="{C3707A93-D292-4EC6-B140-C4EA6EF63E44}" type="slidenum">
+              <a:rPr lang="en-GB" smtClean="0"/>
+              <a:t>6</a:t>
+            </a:fld>
+            <a:endParaRPr lang="en-GB"/>
+          </a:p>
+        </p:txBody>
+      </p:sp>
+    </p:spTree>
+    <p:extLst>
+      <p:ext uri="{BB962C8B-B14F-4D97-AF65-F5344CB8AC3E}">
+        <p14:creationId xmlns:p14="http://schemas.microsoft.com/office/powerpoint/2010/main" val="2001843593"/>
+      </p:ext>
+    </p:extLst>
+  </p:cSld>
+  <p:clrMapOvr>
+    <a:masterClrMapping/>
+  </p:clrMapOvr>
+</p:notes>
+</file>
+
 <file path=ppt/slideLayouts/slideLayout1.xml><?xml version="1.0" encoding="utf-8"?>
 <p:sldLayout xmlns:a="http://schemas.openxmlformats.org/drawingml/2006/main" xmlns:r="http://schemas.openxmlformats.org/officeDocument/2006/relationships" xmlns:p="http://schemas.openxmlformats.org/presentationml/2006/main" type="title" preserve="1">
   <p:cSld name="Title Slide">
@@ -1673,7 +1758,7 @@
           <a:p>
             <a:fld id="{3C6FA151-EAC5-464A-86BA-1012663BC30E}" type="datetime1">
               <a:rPr lang="en-GB" smtClean="0"/>
-              <a:t>02/04/2024</a:t>
+              <a:t>03/04/2024</a:t>
             </a:fld>
             <a:endParaRPr lang="en-GB"/>
           </a:p>
@@ -1876,7 +1961,7 @@
           <a:p>
             <a:fld id="{5801DCF2-7C1D-4561-A029-2852EF5D2072}" type="datetime1">
               <a:rPr lang="en-GB" smtClean="0"/>
-              <a:t>02/04/2024</a:t>
+              <a:t>03/04/2024</a:t>
             </a:fld>
             <a:endParaRPr lang="en-GB"/>
           </a:p>
@@ -2089,7 +2174,7 @@
           <a:p>
             <a:fld id="{7619F4D1-41EA-4C45-AE34-CFD01CAAE541}" type="datetime1">
               <a:rPr lang="en-GB" smtClean="0"/>
-              <a:t>02/04/2024</a:t>
+              <a:t>03/04/2024</a:t>
             </a:fld>
             <a:endParaRPr lang="en-GB"/>
           </a:p>
@@ -2292,7 +2377,7 @@
           <a:p>
             <a:fld id="{676ADB0C-2706-41C4-9D6D-FDE2B8D9A78E}" type="datetime1">
               <a:rPr lang="en-GB" smtClean="0"/>
-              <a:t>02/04/2024</a:t>
+              <a:t>03/04/2024</a:t>
             </a:fld>
             <a:endParaRPr lang="en-GB"/>
           </a:p>
@@ -2571,7 +2656,7 @@
           <a:p>
             <a:fld id="{CA1DA76A-A919-473D-B354-18365EADF2F5}" type="datetime1">
               <a:rPr lang="en-GB" smtClean="0"/>
-              <a:t>02/04/2024</a:t>
+              <a:t>03/04/2024</a:t>
             </a:fld>
             <a:endParaRPr lang="en-GB"/>
           </a:p>
@@ -2842,7 +2927,7 @@
           <a:p>
             <a:fld id="{E51BBD68-46CA-4165-816E-CD8C056875FC}" type="datetime1">
               <a:rPr lang="en-GB" smtClean="0"/>
-              <a:t>02/04/2024</a:t>
+              <a:t>03/04/2024</a:t>
             </a:fld>
             <a:endParaRPr lang="en-GB"/>
           </a:p>
@@ -3260,7 +3345,7 @@
           <a:p>
             <a:fld id="{B2FAE00B-F786-4A05-8A94-4E14BC77E290}" type="datetime1">
               <a:rPr lang="en-GB" smtClean="0"/>
-              <a:t>02/04/2024</a:t>
+              <a:t>03/04/2024</a:t>
             </a:fld>
             <a:endParaRPr lang="en-GB"/>
           </a:p>
@@ -3405,7 +3490,7 @@
           <a:p>
             <a:fld id="{2017125D-372F-403A-BE3C-7D72C6C3FDF5}" type="datetime1">
               <a:rPr lang="en-GB" smtClean="0"/>
-              <a:t>02/04/2024</a:t>
+              <a:t>03/04/2024</a:t>
             </a:fld>
             <a:endParaRPr lang="en-GB"/>
           </a:p>
@@ -3521,7 +3606,7 @@
           <a:p>
             <a:fld id="{220398F7-D689-461D-B713-9ACC4E34E2F6}" type="datetime1">
               <a:rPr lang="en-GB" smtClean="0"/>
-              <a:t>02/04/2024</a:t>
+              <a:t>03/04/2024</a:t>
             </a:fld>
             <a:endParaRPr lang="en-GB"/>
           </a:p>
@@ -3837,7 +3922,7 @@
           <a:p>
             <a:fld id="{043CA75F-4FC6-4A09-B610-681E3F3B6E7D}" type="datetime1">
               <a:rPr lang="en-GB" smtClean="0"/>
-              <a:t>02/04/2024</a:t>
+              <a:t>03/04/2024</a:t>
             </a:fld>
             <a:endParaRPr lang="en-GB"/>
           </a:p>
@@ -4129,7 +4214,7 @@
           <a:p>
             <a:fld id="{4F9D3380-6300-4980-85F1-73CEABF7B00C}" type="datetime1">
               <a:rPr lang="en-GB" smtClean="0"/>
-              <a:t>02/04/2024</a:t>
+              <a:t>03/04/2024</a:t>
             </a:fld>
             <a:endParaRPr lang="en-GB"/>
           </a:p>
@@ -4375,7 +4460,7 @@
           <a:p>
             <a:fld id="{115F3E82-D6CD-4F98-8A25-92742025E9CB}" type="datetime1">
               <a:rPr lang="en-GB" smtClean="0"/>
-              <a:t>02/04/2024</a:t>
+              <a:t>03/04/2024</a:t>
             </a:fld>
             <a:endParaRPr lang="en-GB"/>
           </a:p>
@@ -4886,8 +4971,8 @@
         </p:nvSpPr>
         <p:spPr>
           <a:xfrm>
-            <a:off x="495300" y="5753100"/>
-            <a:ext cx="3784600" cy="923330"/>
+            <a:off x="469900" y="5582979"/>
+            <a:ext cx="3784600" cy="1200329"/>
           </a:xfrm>
           <a:prstGeom prst="rect">
             <a:avLst/>
@@ -4903,6 +4988,13 @@
             <a:r>
               <a:rPr lang="en-GB" dirty="0"/>
               <a:t>Dani Gargya</a:t>
+            </a:r>
+            <a:br>
+              <a:rPr lang="en-GB" dirty="0"/>
+            </a:br>
+            <a:r>
+              <a:rPr lang="en-GB" dirty="0"/>
+              <a:t>daniela@gargya.de</a:t>
             </a:r>
           </a:p>
           <a:p>
@@ -5050,12 +5142,7 @@
             <p:ph type="title"/>
           </p:nvPr>
         </p:nvSpPr>
-        <p:spPr>
-          <a:xfrm>
-            <a:off x="153165" y="501013"/>
-            <a:ext cx="10515600" cy="1325563"/>
-          </a:xfrm>
-        </p:spPr>
+        <p:spPr/>
         <p:txBody>
           <a:bodyPr/>
           <a:lstStyle/>
@@ -5070,6 +5157,34 @@
             <a:r>
               <a:rPr lang="en-GB" dirty="0"/>
               <a:t>Surveys</a:t>
+            </a:r>
+          </a:p>
+        </p:txBody>
+      </p:sp>
+      <p:sp>
+        <p:nvSpPr>
+          <p:cNvPr id="4" name="Footer Placeholder 3">
+            <a:extLst>
+              <a:ext uri="{FF2B5EF4-FFF2-40B4-BE49-F238E27FC236}">
+                <a16:creationId xmlns:a16="http://schemas.microsoft.com/office/drawing/2014/main" id="{101A3F43-341D-3AF1-CF7A-A6C17DB6FD41}"/>
+              </a:ext>
+            </a:extLst>
+          </p:cNvPr>
+          <p:cNvSpPr>
+            <a:spLocks noGrp="1"/>
+          </p:cNvSpPr>
+          <p:nvPr>
+            <p:ph type="ftr" sz="quarter" idx="11"/>
+          </p:nvPr>
+        </p:nvSpPr>
+        <p:spPr/>
+        <p:txBody>
+          <a:bodyPr/>
+          <a:lstStyle/>
+          <a:p>
+            <a:r>
+              <a:rPr lang="en-GB"/>
+              <a:t>Self-efficacy beliefs and participatory SDE || Dani Gargya || 06.03.24</a:t>
             </a:r>
           </a:p>
         </p:txBody>
@@ -5121,42 +5236,93 @@
           </a:extLst>
         </p:spPr>
       </p:pic>
-      <p:pic>
-        <p:nvPicPr>
-          <p:cNvPr id="7" name="Picture 6">
-            <a:extLst>
-              <a:ext uri="{FF2B5EF4-FFF2-40B4-BE49-F238E27FC236}">
-                <a16:creationId xmlns:a16="http://schemas.microsoft.com/office/drawing/2014/main" id="{043568F6-9AB2-E4E0-D511-6A680C83AB50}"/>
-              </a:ext>
-            </a:extLst>
-          </p:cNvPr>
-          <p:cNvPicPr>
-            <a:picLocks noChangeAspect="1"/>
-          </p:cNvPicPr>
+      <p:grpSp>
+        <p:nvGrpSpPr>
+          <p:cNvPr id="10" name="Group 9">
+            <a:extLst>
+              <a:ext uri="{FF2B5EF4-FFF2-40B4-BE49-F238E27FC236}">
+                <a16:creationId xmlns:a16="http://schemas.microsoft.com/office/drawing/2014/main" id="{D1586986-0D81-D4CC-75E7-8B1B45C0E99B}"/>
+              </a:ext>
+            </a:extLst>
+          </p:cNvPr>
+          <p:cNvGrpSpPr/>
           <p:nvPr/>
-        </p:nvPicPr>
-        <p:blipFill>
-          <a:blip r:embed="rId3"/>
-          <a:stretch>
-            <a:fillRect/>
-          </a:stretch>
-        </p:blipFill>
-        <p:spPr>
-          <a:xfrm>
-            <a:off x="2814237" y="488814"/>
-            <a:ext cx="7371164" cy="6004061"/>
-          </a:xfrm>
-          <a:prstGeom prst="rect">
-            <a:avLst/>
-          </a:prstGeom>
-        </p:spPr>
-      </p:pic>
-      <p:sp>
-        <p:nvSpPr>
-          <p:cNvPr id="8" name="TextBox 7">
-            <a:extLst>
-              <a:ext uri="{FF2B5EF4-FFF2-40B4-BE49-F238E27FC236}">
-                <a16:creationId xmlns:a16="http://schemas.microsoft.com/office/drawing/2014/main" id="{B247CFF8-4FCD-E544-F1F4-17FD9BFD1D89}"/>
+        </p:nvGrpSpPr>
+        <p:grpSpPr>
+          <a:xfrm>
+            <a:off x="3913900" y="136525"/>
+            <a:ext cx="4114801" cy="6180716"/>
+            <a:chOff x="3752729" y="136525"/>
+            <a:chExt cx="4686541" cy="6928207"/>
+          </a:xfrm>
+        </p:grpSpPr>
+        <p:pic>
+          <p:nvPicPr>
+            <p:cNvPr id="6" name="Picture 5">
+              <a:extLst>
+                <a:ext uri="{FF2B5EF4-FFF2-40B4-BE49-F238E27FC236}">
+                  <a16:creationId xmlns:a16="http://schemas.microsoft.com/office/drawing/2014/main" id="{22AC2898-02F7-9122-A6BE-9096975A3917}"/>
+                </a:ext>
+              </a:extLst>
+            </p:cNvPr>
+            <p:cNvPicPr>
+              <a:picLocks noChangeAspect="1"/>
+            </p:cNvPicPr>
+            <p:nvPr/>
+          </p:nvPicPr>
+          <p:blipFill>
+            <a:blip r:embed="rId3"/>
+            <a:stretch>
+              <a:fillRect/>
+            </a:stretch>
+          </p:blipFill>
+          <p:spPr>
+            <a:xfrm>
+              <a:off x="3752729" y="136525"/>
+              <a:ext cx="4686541" cy="4210266"/>
+            </a:xfrm>
+            <a:prstGeom prst="rect">
+              <a:avLst/>
+            </a:prstGeom>
+          </p:spPr>
+        </p:pic>
+        <p:pic>
+          <p:nvPicPr>
+            <p:cNvPr id="9" name="Picture 8">
+              <a:extLst>
+                <a:ext uri="{FF2B5EF4-FFF2-40B4-BE49-F238E27FC236}">
+                  <a16:creationId xmlns:a16="http://schemas.microsoft.com/office/drawing/2014/main" id="{28A507F9-5F72-0559-AE6B-D8F1E0DE3A65}"/>
+                </a:ext>
+              </a:extLst>
+            </p:cNvPr>
+            <p:cNvPicPr>
+              <a:picLocks noChangeAspect="1"/>
+            </p:cNvPicPr>
+            <p:nvPr/>
+          </p:nvPicPr>
+          <p:blipFill>
+            <a:blip r:embed="rId4"/>
+            <a:stretch>
+              <a:fillRect/>
+            </a:stretch>
+          </p:blipFill>
+          <p:spPr>
+            <a:xfrm>
+              <a:off x="3752729" y="4315041"/>
+              <a:ext cx="4673840" cy="2749691"/>
+            </a:xfrm>
+            <a:prstGeom prst="rect">
+              <a:avLst/>
+            </a:prstGeom>
+          </p:spPr>
+        </p:pic>
+      </p:grpSp>
+      <p:sp>
+        <p:nvSpPr>
+          <p:cNvPr id="11" name="TextBox 10">
+            <a:extLst>
+              <a:ext uri="{FF2B5EF4-FFF2-40B4-BE49-F238E27FC236}">
+                <a16:creationId xmlns:a16="http://schemas.microsoft.com/office/drawing/2014/main" id="{D2D6C47A-F1FD-3AEC-5A76-B262080039F9}"/>
               </a:ext>
             </a:extLst>
           </p:cNvPr>
@@ -5165,8 +5331,8 @@
         </p:nvSpPr>
         <p:spPr>
           <a:xfrm>
-            <a:off x="249437" y="2166938"/>
-            <a:ext cx="2702309" cy="646331"/>
+            <a:off x="838200" y="2166938"/>
+            <a:ext cx="2468526" cy="923330"/>
           </a:xfrm>
           <a:prstGeom prst="rect">
             <a:avLst/>
@@ -5181,47 +5347,14 @@
           <a:p>
             <a:r>
               <a:rPr lang="en-GB" dirty="0"/>
-              <a:t>Self efficacy beliefs– </a:t>
+              <a:t>Sustainability attitudes and behaviour – </a:t>
             </a:r>
             <a:br>
               <a:rPr lang="en-GB" dirty="0"/>
             </a:br>
             <a:r>
               <a:rPr lang="en-GB" dirty="0"/>
-              <a:t>based on Hamann et al.</a:t>
-            </a:r>
-          </a:p>
-        </p:txBody>
-      </p:sp>
-      <p:sp>
-        <p:nvSpPr>
-          <p:cNvPr id="3" name="Footer Placeholder 3">
-            <a:extLst>
-              <a:ext uri="{FF2B5EF4-FFF2-40B4-BE49-F238E27FC236}">
-                <a16:creationId xmlns:a16="http://schemas.microsoft.com/office/drawing/2014/main" id="{D1C711D2-DD87-5772-EA21-A2EBFB781D8A}"/>
-              </a:ext>
-            </a:extLst>
-          </p:cNvPr>
-          <p:cNvSpPr>
-            <a:spLocks noGrp="1"/>
-          </p:cNvSpPr>
-          <p:nvPr>
-            <p:ph type="ftr" sz="quarter" idx="11"/>
-          </p:nvPr>
-        </p:nvSpPr>
-        <p:spPr>
-          <a:xfrm>
-            <a:off x="4061419" y="6492875"/>
-            <a:ext cx="4876800" cy="260350"/>
-          </a:xfrm>
-        </p:spPr>
-        <p:txBody>
-          <a:bodyPr/>
-          <a:lstStyle/>
-          <a:p>
-            <a:r>
-              <a:rPr lang="en-GB" dirty="0"/>
-              <a:t>Sustainability competences and participatory ESD || Dani Gargya || 03.04.24</a:t>
+              <a:t>based on MA Lisa Pauli</a:t>
             </a:r>
           </a:p>
         </p:txBody>
@@ -5229,7 +5362,7 @@
     </p:spTree>
     <p:extLst>
       <p:ext uri="{BB962C8B-B14F-4D97-AF65-F5344CB8AC3E}">
-        <p14:creationId xmlns:p14="http://schemas.microsoft.com/office/powerpoint/2010/main" val="1933737024"/>
+        <p14:creationId xmlns:p14="http://schemas.microsoft.com/office/powerpoint/2010/main" val="3992079478"/>
       </p:ext>
     </p:extLst>
   </p:cSld>
@@ -5261,7 +5394,7 @@
           <p:cNvPr id="2" name="Title 1">
             <a:extLst>
               <a:ext uri="{FF2B5EF4-FFF2-40B4-BE49-F238E27FC236}">
-                <a16:creationId xmlns:a16="http://schemas.microsoft.com/office/drawing/2014/main" id="{E4E3FC2E-1A81-FA6E-A77E-023C8359152B}"/>
+                <a16:creationId xmlns:a16="http://schemas.microsoft.com/office/drawing/2014/main" id="{49939984-9A30-344A-0C72-F25E4D90D72D}"/>
               </a:ext>
             </a:extLst>
           </p:cNvPr>
@@ -5272,68 +5405,26 @@
             <p:ph type="title"/>
           </p:nvPr>
         </p:nvSpPr>
-        <p:spPr/>
+        <p:spPr>
+          <a:xfrm>
+            <a:off x="153165" y="501013"/>
+            <a:ext cx="10515600" cy="1325563"/>
+          </a:xfrm>
+        </p:spPr>
         <p:txBody>
           <a:bodyPr/>
           <a:lstStyle/>
           <a:p>
             <a:r>
               <a:rPr lang="en-GB" dirty="0"/>
-              <a:t>Methods – Data analysis</a:t>
-            </a:r>
-          </a:p>
-        </p:txBody>
-      </p:sp>
-      <p:sp>
-        <p:nvSpPr>
-          <p:cNvPr id="3" name="Content Placeholder 2">
-            <a:extLst>
-              <a:ext uri="{FF2B5EF4-FFF2-40B4-BE49-F238E27FC236}">
-                <a16:creationId xmlns:a16="http://schemas.microsoft.com/office/drawing/2014/main" id="{766A6974-1347-993F-A7F4-71482EAAD8E4}"/>
-              </a:ext>
-            </a:extLst>
-          </p:cNvPr>
-          <p:cNvSpPr>
-            <a:spLocks noGrp="1"/>
-          </p:cNvSpPr>
-          <p:nvPr>
-            <p:ph idx="1"/>
-          </p:nvPr>
-        </p:nvSpPr>
-        <p:spPr>
-          <a:xfrm>
-            <a:off x="838200" y="1602341"/>
-            <a:ext cx="10515600" cy="4351338"/>
-          </a:xfrm>
-        </p:spPr>
-        <p:txBody>
-          <a:bodyPr/>
-          <a:lstStyle/>
-          <a:p>
-            <a:pPr marL="0" indent="0">
-              <a:buNone/>
-            </a:pPr>
-            <a:endParaRPr lang="en-GB" dirty="0"/>
-          </a:p>
-          <a:p>
-            <a:pPr marL="0" indent="0">
-              <a:buNone/>
-            </a:pPr>
-            <a:endParaRPr lang="en-GB" dirty="0"/>
-          </a:p>
-          <a:p>
-            <a:pPr marL="0" indent="0">
-              <a:buNone/>
-            </a:pPr>
-            <a:endParaRPr lang="en-GB" dirty="0"/>
-          </a:p>
-          <a:p>
-            <a:pPr marL="0" indent="0">
-              <a:buNone/>
-            </a:pPr>
-            <a:r>
+              <a:t>Methods – </a:t>
+            </a:r>
+            <a:br>
               <a:rPr lang="en-GB" dirty="0"/>
-              <a:t>Climate attitude/ climate behaviour/ Self-efficacy ~ duration + level of involvement + (1|school) + </a:t>
+            </a:br>
+            <a:r>
+              <a:rPr lang="en-GB" dirty="0"/>
+              <a:t>Surveys</a:t>
             </a:r>
           </a:p>
         </p:txBody>
@@ -5343,7 +5434,7 @@
           <p:cNvPr id="5" name="Picture 2">
             <a:extLst>
               <a:ext uri="{FF2B5EF4-FFF2-40B4-BE49-F238E27FC236}">
-                <a16:creationId xmlns:a16="http://schemas.microsoft.com/office/drawing/2014/main" id="{92C5F10B-91EE-CEF0-ADAD-862ABAEC1089}"/>
+                <a16:creationId xmlns:a16="http://schemas.microsoft.com/office/drawing/2014/main" id="{178A05FA-0832-DCD6-F94B-0B0EF287E97A}"/>
               </a:ext>
             </a:extLst>
           </p:cNvPr>
@@ -5367,7 +5458,7 @@
         </p:blipFill>
         <p:spPr bwMode="auto">
           <a:xfrm>
-            <a:off x="10185401" y="25400"/>
+            <a:off x="10185401" y="0"/>
             <a:ext cx="1853434" cy="2166938"/>
           </a:xfrm>
           <a:prstGeom prst="rect">
@@ -5385,12 +5476,84 @@
           </a:extLst>
         </p:spPr>
       </p:pic>
-      <p:sp>
-        <p:nvSpPr>
-          <p:cNvPr id="6" name="Footer Placeholder 3">
-            <a:extLst>
-              <a:ext uri="{FF2B5EF4-FFF2-40B4-BE49-F238E27FC236}">
-                <a16:creationId xmlns:a16="http://schemas.microsoft.com/office/drawing/2014/main" id="{B8A353CE-8E76-83AA-DA09-FEAD9F196D18}"/>
+      <p:pic>
+        <p:nvPicPr>
+          <p:cNvPr id="7" name="Picture 6">
+            <a:extLst>
+              <a:ext uri="{FF2B5EF4-FFF2-40B4-BE49-F238E27FC236}">
+                <a16:creationId xmlns:a16="http://schemas.microsoft.com/office/drawing/2014/main" id="{043568F6-9AB2-E4E0-D511-6A680C83AB50}"/>
+              </a:ext>
+            </a:extLst>
+          </p:cNvPr>
+          <p:cNvPicPr>
+            <a:picLocks noChangeAspect="1"/>
+          </p:cNvPicPr>
+          <p:nvPr/>
+        </p:nvPicPr>
+        <p:blipFill>
+          <a:blip r:embed="rId3"/>
+          <a:stretch>
+            <a:fillRect/>
+          </a:stretch>
+        </p:blipFill>
+        <p:spPr>
+          <a:xfrm>
+            <a:off x="2814237" y="488814"/>
+            <a:ext cx="7371164" cy="6004061"/>
+          </a:xfrm>
+          <a:prstGeom prst="rect">
+            <a:avLst/>
+          </a:prstGeom>
+        </p:spPr>
+      </p:pic>
+      <p:sp>
+        <p:nvSpPr>
+          <p:cNvPr id="8" name="TextBox 7">
+            <a:extLst>
+              <a:ext uri="{FF2B5EF4-FFF2-40B4-BE49-F238E27FC236}">
+                <a16:creationId xmlns:a16="http://schemas.microsoft.com/office/drawing/2014/main" id="{B247CFF8-4FCD-E544-F1F4-17FD9BFD1D89}"/>
+              </a:ext>
+            </a:extLst>
+          </p:cNvPr>
+          <p:cNvSpPr txBox="1"/>
+          <p:nvPr/>
+        </p:nvSpPr>
+        <p:spPr>
+          <a:xfrm>
+            <a:off x="249437" y="2166938"/>
+            <a:ext cx="2702309" cy="646331"/>
+          </a:xfrm>
+          <a:prstGeom prst="rect">
+            <a:avLst/>
+          </a:prstGeom>
+          <a:noFill/>
+        </p:spPr>
+        <p:txBody>
+          <a:bodyPr wrap="square" rtlCol="0">
+            <a:spAutoFit/>
+          </a:bodyPr>
+          <a:lstStyle/>
+          <a:p>
+            <a:r>
+              <a:rPr lang="en-GB" dirty="0"/>
+              <a:t>Self efficacy beliefs– </a:t>
+            </a:r>
+            <a:br>
+              <a:rPr lang="en-GB" dirty="0"/>
+            </a:br>
+            <a:r>
+              <a:rPr lang="en-GB" dirty="0"/>
+              <a:t>based on Hamann et al.</a:t>
+            </a:r>
+          </a:p>
+        </p:txBody>
+      </p:sp>
+      <p:sp>
+        <p:nvSpPr>
+          <p:cNvPr id="3" name="Footer Placeholder 3">
+            <a:extLst>
+              <a:ext uri="{FF2B5EF4-FFF2-40B4-BE49-F238E27FC236}">
+                <a16:creationId xmlns:a16="http://schemas.microsoft.com/office/drawing/2014/main" id="{D1C711D2-DD87-5772-EA21-A2EBFB781D8A}"/>
               </a:ext>
             </a:extLst>
           </p:cNvPr>
@@ -5403,7 +5566,7 @@
         </p:nvSpPr>
         <p:spPr>
           <a:xfrm>
-            <a:off x="4038600" y="6356351"/>
+            <a:off x="4061419" y="6492875"/>
             <a:ext cx="4876800" cy="260350"/>
           </a:xfrm>
         </p:spPr>
@@ -5421,7 +5584,7 @@
     </p:spTree>
     <p:extLst>
       <p:ext uri="{BB962C8B-B14F-4D97-AF65-F5344CB8AC3E}">
-        <p14:creationId xmlns:p14="http://schemas.microsoft.com/office/powerpoint/2010/main" val="1832674324"/>
+        <p14:creationId xmlns:p14="http://schemas.microsoft.com/office/powerpoint/2010/main" val="1933737024"/>
       </p:ext>
     </p:extLst>
   </p:cSld>
@@ -5453,7 +5616,7 @@
           <p:cNvPr id="2" name="Title 1">
             <a:extLst>
               <a:ext uri="{FF2B5EF4-FFF2-40B4-BE49-F238E27FC236}">
-                <a16:creationId xmlns:a16="http://schemas.microsoft.com/office/drawing/2014/main" id="{727BB447-61EC-19F1-E223-37EBCF567169}"/>
+                <a16:creationId xmlns:a16="http://schemas.microsoft.com/office/drawing/2014/main" id="{E4E3FC2E-1A81-FA6E-A77E-023C8359152B}"/>
               </a:ext>
             </a:extLst>
           </p:cNvPr>
@@ -5471,43 +5634,17 @@
           <a:p>
             <a:r>
               <a:rPr lang="en-GB" dirty="0"/>
-              <a:t>Proposed timetable</a:t>
-            </a:r>
-          </a:p>
-        </p:txBody>
-      </p:sp>
-      <p:graphicFrame>
-        <p:nvGraphicFramePr>
-          <p:cNvPr id="10" name="Content Placeholder 9">
-            <a:extLst>
-              <a:ext uri="{FF2B5EF4-FFF2-40B4-BE49-F238E27FC236}">
-                <a16:creationId xmlns:a16="http://schemas.microsoft.com/office/drawing/2014/main" id="{499DD802-5E6E-453F-B971-C1ADFE1D7E63}"/>
-              </a:ext>
-            </a:extLst>
-          </p:cNvPr>
-          <p:cNvGraphicFramePr>
-            <a:graphicFrameLocks noGrp="1"/>
-          </p:cNvGraphicFramePr>
-          <p:nvPr>
-            <p:ph idx="1"/>
-          </p:nvPr>
-        </p:nvGraphicFramePr>
-        <p:xfrm>
-          <a:off x="838200" y="1825625"/>
-          <a:ext cx="10515600" cy="4351338"/>
-        </p:xfrm>
-        <a:graphic>
-          <a:graphicData uri="http://schemas.openxmlformats.org/drawingml/2006/chart">
-            <c:chart xmlns:c="http://schemas.openxmlformats.org/drawingml/2006/chart" xmlns:r="http://schemas.openxmlformats.org/officeDocument/2006/relationships" r:id="rId2"/>
-          </a:graphicData>
-        </a:graphic>
-      </p:graphicFrame>
-      <p:sp>
-        <p:nvSpPr>
-          <p:cNvPr id="11" name="Footer Placeholder 3">
-            <a:extLst>
-              <a:ext uri="{FF2B5EF4-FFF2-40B4-BE49-F238E27FC236}">
-                <a16:creationId xmlns:a16="http://schemas.microsoft.com/office/drawing/2014/main" id="{7D1A9BB8-D4A0-CB77-64BF-2B0B41ADCEA7}"/>
+              <a:t>Methods – Data analysis</a:t>
+            </a:r>
+          </a:p>
+        </p:txBody>
+      </p:sp>
+      <p:sp>
+        <p:nvSpPr>
+          <p:cNvPr id="3" name="Content Placeholder 2">
+            <a:extLst>
+              <a:ext uri="{FF2B5EF4-FFF2-40B4-BE49-F238E27FC236}">
+                <a16:creationId xmlns:a16="http://schemas.microsoft.com/office/drawing/2014/main" id="{766A6974-1347-993F-A7F4-71482EAAD8E4}"/>
               </a:ext>
             </a:extLst>
           </p:cNvPr>
@@ -5515,32 +5652,53 @@
             <a:spLocks noGrp="1"/>
           </p:cNvSpPr>
           <p:nvPr>
-            <p:ph type="ftr" sz="quarter" idx="11"/>
+            <p:ph idx="1"/>
           </p:nvPr>
         </p:nvSpPr>
         <p:spPr>
           <a:xfrm>
-            <a:off x="4038600" y="6356351"/>
-            <a:ext cx="4876800" cy="260350"/>
+            <a:off x="838200" y="1602341"/>
+            <a:ext cx="10515600" cy="4351338"/>
           </a:xfrm>
         </p:spPr>
         <p:txBody>
           <a:bodyPr/>
           <a:lstStyle/>
           <a:p>
+            <a:pPr marL="0" indent="0">
+              <a:buNone/>
+            </a:pPr>
+            <a:endParaRPr lang="en-GB" dirty="0"/>
+          </a:p>
+          <a:p>
+            <a:pPr marL="0" indent="0">
+              <a:buNone/>
+            </a:pPr>
+            <a:endParaRPr lang="en-GB" dirty="0"/>
+          </a:p>
+          <a:p>
+            <a:pPr marL="0" indent="0">
+              <a:buNone/>
+            </a:pPr>
+            <a:endParaRPr lang="en-GB" dirty="0"/>
+          </a:p>
+          <a:p>
+            <a:pPr marL="0" indent="0">
+              <a:buNone/>
+            </a:pPr>
             <a:r>
               <a:rPr lang="en-GB" dirty="0"/>
-              <a:t>Sustainability competences and participatory ESD || Dani Gargya || 03.04.24</a:t>
+              <a:t>Climate attitude/ climate behaviour/ Self-efficacy ~ duration + level of involvement + (1|school) + </a:t>
             </a:r>
           </a:p>
         </p:txBody>
       </p:sp>
       <p:pic>
         <p:nvPicPr>
-          <p:cNvPr id="12" name="Picture 2">
-            <a:extLst>
-              <a:ext uri="{FF2B5EF4-FFF2-40B4-BE49-F238E27FC236}">
-                <a16:creationId xmlns:a16="http://schemas.microsoft.com/office/drawing/2014/main" id="{924F83FF-430F-5D66-F7A9-76BDA1051F49}"/>
+          <p:cNvPr id="5" name="Picture 2">
+            <a:extLst>
+              <a:ext uri="{FF2B5EF4-FFF2-40B4-BE49-F238E27FC236}">
+                <a16:creationId xmlns:a16="http://schemas.microsoft.com/office/drawing/2014/main" id="{92C5F10B-91EE-CEF0-ADAD-862ABAEC1089}"/>
               </a:ext>
             </a:extLst>
           </p:cNvPr>
@@ -5550,7 +5708,7 @@
           <p:nvPr/>
         </p:nvPicPr>
         <p:blipFill>
-          <a:blip r:embed="rId3">
+          <a:blip r:embed="rId2">
             <a:extLst>
               <a:ext uri="{28A0092B-C50C-407E-A947-70E740481C1C}">
                 <a14:useLocalDpi xmlns:a14="http://schemas.microsoft.com/office/drawing/2010/main" val="0"/>
@@ -5584,43 +5742,33 @@
       </p:pic>
       <p:sp>
         <p:nvSpPr>
-          <p:cNvPr id="3" name="TextBox 2">
-            <a:extLst>
-              <a:ext uri="{FF2B5EF4-FFF2-40B4-BE49-F238E27FC236}">
-                <a16:creationId xmlns:a16="http://schemas.microsoft.com/office/drawing/2014/main" id="{9C551539-E3CD-8765-B773-06638B754A24}"/>
-              </a:ext>
-            </a:extLst>
-          </p:cNvPr>
-          <p:cNvSpPr txBox="1"/>
-          <p:nvPr/>
+          <p:cNvPr id="6" name="Footer Placeholder 3">
+            <a:extLst>
+              <a:ext uri="{FF2B5EF4-FFF2-40B4-BE49-F238E27FC236}">
+                <a16:creationId xmlns:a16="http://schemas.microsoft.com/office/drawing/2014/main" id="{B8A353CE-8E76-83AA-DA09-FEAD9F196D18}"/>
+              </a:ext>
+            </a:extLst>
+          </p:cNvPr>
+          <p:cNvSpPr>
+            <a:spLocks noGrp="1"/>
+          </p:cNvSpPr>
+          <p:nvPr>
+            <p:ph type="ftr" sz="quarter" idx="11"/>
+          </p:nvPr>
         </p:nvSpPr>
         <p:spPr>
           <a:xfrm>
-            <a:off x="885872" y="1468658"/>
-            <a:ext cx="2594344" cy="369332"/>
-          </a:xfrm>
-          <a:prstGeom prst="rect">
-            <a:avLst/>
-          </a:prstGeom>
-          <a:noFill/>
-        </p:spPr>
-        <p:txBody>
-          <a:bodyPr wrap="square" rtlCol="0">
-            <a:spAutoFit/>
-          </a:bodyPr>
+            <a:off x="4038600" y="6356351"/>
+            <a:ext cx="4876800" cy="260350"/>
+          </a:xfrm>
+        </p:spPr>
+        <p:txBody>
+          <a:bodyPr/>
           <a:lstStyle/>
           <a:p>
             <a:r>
-              <a:rPr lang="en-GB" b="1" dirty="0"/>
-              <a:t>Hand-in: 31</a:t>
-            </a:r>
-            <a:r>
-              <a:rPr lang="en-GB" b="1" baseline="30000" dirty="0"/>
-              <a:t>st</a:t>
-            </a:r>
-            <a:r>
-              <a:rPr lang="en-GB" b="1" dirty="0"/>
-              <a:t> July!</a:t>
+              <a:rPr lang="en-GB" dirty="0"/>
+              <a:t>Sustainability competences and participatory ESD || Dani Gargya || 03.04.24</a:t>
             </a:r>
           </a:p>
         </p:txBody>
@@ -5628,7 +5776,7 @@
     </p:spTree>
     <p:extLst>
       <p:ext uri="{BB962C8B-B14F-4D97-AF65-F5344CB8AC3E}">
-        <p14:creationId xmlns:p14="http://schemas.microsoft.com/office/powerpoint/2010/main" val="961804955"/>
+        <p14:creationId xmlns:p14="http://schemas.microsoft.com/office/powerpoint/2010/main" val="1832674324"/>
       </p:ext>
     </p:extLst>
   </p:cSld>
@@ -5660,7 +5808,7 @@
           <p:cNvPr id="2" name="Title 1">
             <a:extLst>
               <a:ext uri="{FF2B5EF4-FFF2-40B4-BE49-F238E27FC236}">
-                <a16:creationId xmlns:a16="http://schemas.microsoft.com/office/drawing/2014/main" id="{79FD9D75-F62B-25F5-E469-751537A4CF78}"/>
+                <a16:creationId xmlns:a16="http://schemas.microsoft.com/office/drawing/2014/main" id="{727BB447-61EC-19F1-E223-37EBCF567169}"/>
               </a:ext>
             </a:extLst>
           </p:cNvPr>
@@ -5678,69 +5826,43 @@
           <a:p>
             <a:r>
               <a:rPr lang="en-GB" dirty="0"/>
-              <a:t>Next steps</a:t>
-            </a:r>
-          </a:p>
-        </p:txBody>
-      </p:sp>
-      <p:sp>
-        <p:nvSpPr>
-          <p:cNvPr id="3" name="Content Placeholder 2">
-            <a:extLst>
-              <a:ext uri="{FF2B5EF4-FFF2-40B4-BE49-F238E27FC236}">
-                <a16:creationId xmlns:a16="http://schemas.microsoft.com/office/drawing/2014/main" id="{0E336A5E-B3F2-6D02-2989-32EA44715CFC}"/>
-              </a:ext>
-            </a:extLst>
-          </p:cNvPr>
-          <p:cNvSpPr>
-            <a:spLocks noGrp="1"/>
-          </p:cNvSpPr>
+              <a:t>Proposed timetable</a:t>
+            </a:r>
+          </a:p>
+        </p:txBody>
+      </p:sp>
+      <p:graphicFrame>
+        <p:nvGraphicFramePr>
+          <p:cNvPr id="10" name="Content Placeholder 9">
+            <a:extLst>
+              <a:ext uri="{FF2B5EF4-FFF2-40B4-BE49-F238E27FC236}">
+                <a16:creationId xmlns:a16="http://schemas.microsoft.com/office/drawing/2014/main" id="{499DD802-5E6E-453F-B971-C1ADFE1D7E63}"/>
+              </a:ext>
+            </a:extLst>
+          </p:cNvPr>
+          <p:cNvGraphicFramePr>
+            <a:graphicFrameLocks noGrp="1"/>
+          </p:cNvGraphicFramePr>
           <p:nvPr>
             <p:ph idx="1"/>
           </p:nvPr>
-        </p:nvSpPr>
-        <p:spPr/>
-        <p:txBody>
-          <a:bodyPr/>
-          <a:lstStyle/>
-          <a:p>
-            <a:r>
-              <a:rPr lang="en-GB" dirty="0"/>
-              <a:t>Confirmation/additions research focus from Solare Zukunft/ IZT</a:t>
-            </a:r>
-          </a:p>
-          <a:p>
-            <a:r>
-              <a:rPr lang="en-GB" dirty="0"/>
-              <a:t>Contact with schools and data collection</a:t>
-            </a:r>
-          </a:p>
-          <a:p>
-            <a:r>
-              <a:rPr lang="en-GB" dirty="0"/>
-              <a:t>Contact existing data Lisa Pauli for analysis</a:t>
-            </a:r>
-          </a:p>
-          <a:p>
-            <a:endParaRPr lang="en-GB" dirty="0"/>
-          </a:p>
-          <a:p>
-            <a:endParaRPr lang="en-GB" dirty="0"/>
-          </a:p>
-          <a:p>
-            <a:r>
-              <a:rPr lang="en-GB" dirty="0"/>
-              <a:t>Official registration</a:t>
-            </a:r>
-          </a:p>
-        </p:txBody>
-      </p:sp>
-      <p:sp>
-        <p:nvSpPr>
-          <p:cNvPr id="5" name="Footer Placeholder 3">
-            <a:extLst>
-              <a:ext uri="{FF2B5EF4-FFF2-40B4-BE49-F238E27FC236}">
-                <a16:creationId xmlns:a16="http://schemas.microsoft.com/office/drawing/2014/main" id="{312E21E9-C0D9-E5CB-9748-AD3140FF9E26}"/>
+        </p:nvGraphicFramePr>
+        <p:xfrm>
+          <a:off x="838200" y="1825625"/>
+          <a:ext cx="10515600" cy="4351338"/>
+        </p:xfrm>
+        <a:graphic>
+          <a:graphicData uri="http://schemas.openxmlformats.org/drawingml/2006/chart">
+            <c:chart xmlns:c="http://schemas.openxmlformats.org/drawingml/2006/chart" xmlns:r="http://schemas.openxmlformats.org/officeDocument/2006/relationships" r:id="rId2"/>
+          </a:graphicData>
+        </a:graphic>
+      </p:graphicFrame>
+      <p:sp>
+        <p:nvSpPr>
+          <p:cNvPr id="11" name="Footer Placeholder 3">
+            <a:extLst>
+              <a:ext uri="{FF2B5EF4-FFF2-40B4-BE49-F238E27FC236}">
+                <a16:creationId xmlns:a16="http://schemas.microsoft.com/office/drawing/2014/main" id="{7D1A9BB8-D4A0-CB77-64BF-2B0B41ADCEA7}"/>
               </a:ext>
             </a:extLst>
           </p:cNvPr>
@@ -5768,10 +5890,100 @@
           </a:p>
         </p:txBody>
       </p:sp>
+      <p:pic>
+        <p:nvPicPr>
+          <p:cNvPr id="12" name="Picture 2">
+            <a:extLst>
+              <a:ext uri="{FF2B5EF4-FFF2-40B4-BE49-F238E27FC236}">
+                <a16:creationId xmlns:a16="http://schemas.microsoft.com/office/drawing/2014/main" id="{924F83FF-430F-5D66-F7A9-76BDA1051F49}"/>
+              </a:ext>
+            </a:extLst>
+          </p:cNvPr>
+          <p:cNvPicPr>
+            <a:picLocks noChangeAspect="1" noChangeArrowheads="1"/>
+          </p:cNvPicPr>
+          <p:nvPr/>
+        </p:nvPicPr>
+        <p:blipFill>
+          <a:blip r:embed="rId3">
+            <a:extLst>
+              <a:ext uri="{28A0092B-C50C-407E-A947-70E740481C1C}">
+                <a14:useLocalDpi xmlns:a14="http://schemas.microsoft.com/office/drawing/2010/main" val="0"/>
+              </a:ext>
+            </a:extLst>
+          </a:blip>
+          <a:srcRect/>
+          <a:stretch>
+            <a:fillRect/>
+          </a:stretch>
+        </p:blipFill>
+        <p:spPr bwMode="auto">
+          <a:xfrm>
+            <a:off x="10185401" y="25400"/>
+            <a:ext cx="1853434" cy="2166938"/>
+          </a:xfrm>
+          <a:prstGeom prst="rect">
+            <a:avLst/>
+          </a:prstGeom>
+          <a:noFill/>
+          <a:extLst>
+            <a:ext uri="{909E8E84-426E-40DD-AFC4-6F175D3DCCD1}">
+              <a14:hiddenFill xmlns:a14="http://schemas.microsoft.com/office/drawing/2010/main">
+                <a:solidFill>
+                  <a:srgbClr val="FFFFFF"/>
+                </a:solidFill>
+              </a14:hiddenFill>
+            </a:ext>
+          </a:extLst>
+        </p:spPr>
+      </p:pic>
+      <p:sp>
+        <p:nvSpPr>
+          <p:cNvPr id="3" name="TextBox 2">
+            <a:extLst>
+              <a:ext uri="{FF2B5EF4-FFF2-40B4-BE49-F238E27FC236}">
+                <a16:creationId xmlns:a16="http://schemas.microsoft.com/office/drawing/2014/main" id="{9C551539-E3CD-8765-B773-06638B754A24}"/>
+              </a:ext>
+            </a:extLst>
+          </p:cNvPr>
+          <p:cNvSpPr txBox="1"/>
+          <p:nvPr/>
+        </p:nvSpPr>
+        <p:spPr>
+          <a:xfrm>
+            <a:off x="885872" y="1468658"/>
+            <a:ext cx="2594344" cy="369332"/>
+          </a:xfrm>
+          <a:prstGeom prst="rect">
+            <a:avLst/>
+          </a:prstGeom>
+          <a:noFill/>
+        </p:spPr>
+        <p:txBody>
+          <a:bodyPr wrap="square" rtlCol="0">
+            <a:spAutoFit/>
+          </a:bodyPr>
+          <a:lstStyle/>
+          <a:p>
+            <a:r>
+              <a:rPr lang="en-GB" b="1" dirty="0"/>
+              <a:t>Hand-in: 31</a:t>
+            </a:r>
+            <a:r>
+              <a:rPr lang="en-GB" b="1" baseline="30000" dirty="0"/>
+              <a:t>st</a:t>
+            </a:r>
+            <a:r>
+              <a:rPr lang="en-GB" b="1" dirty="0"/>
+              <a:t> July!</a:t>
+            </a:r>
+          </a:p>
+        </p:txBody>
+      </p:sp>
     </p:spTree>
     <p:extLst>
       <p:ext uri="{BB962C8B-B14F-4D97-AF65-F5344CB8AC3E}">
-        <p14:creationId xmlns:p14="http://schemas.microsoft.com/office/powerpoint/2010/main" val="1382564575"/>
+        <p14:creationId xmlns:p14="http://schemas.microsoft.com/office/powerpoint/2010/main" val="961804955"/>
       </p:ext>
     </p:extLst>
   </p:cSld>
@@ -5803,7 +6015,7 @@
           <p:cNvPr id="2" name="Title 1">
             <a:extLst>
               <a:ext uri="{FF2B5EF4-FFF2-40B4-BE49-F238E27FC236}">
-                <a16:creationId xmlns:a16="http://schemas.microsoft.com/office/drawing/2014/main" id="{FA2F5305-6816-4A4E-FFD0-99F5ED9D4D43}"/>
+                <a16:creationId xmlns:a16="http://schemas.microsoft.com/office/drawing/2014/main" id="{79FD9D75-F62B-25F5-E469-751537A4CF78}"/>
               </a:ext>
             </a:extLst>
           </p:cNvPr>
@@ -5821,97 +6033,108 @@
           <a:p>
             <a:r>
               <a:rPr lang="en-GB" dirty="0"/>
-              <a:t>Questions and feedback</a:t>
-            </a:r>
-          </a:p>
-        </p:txBody>
-      </p:sp>
-      <p:pic>
-        <p:nvPicPr>
-          <p:cNvPr id="5" name="Content Placeholder 4" descr="Questions">
-            <a:extLst>
-              <a:ext uri="{FF2B5EF4-FFF2-40B4-BE49-F238E27FC236}">
-                <a16:creationId xmlns:a16="http://schemas.microsoft.com/office/drawing/2014/main" id="{6C22FE90-221C-866F-2C4A-E2D19BE009C4}"/>
-              </a:ext>
-            </a:extLst>
-          </p:cNvPr>
-          <p:cNvPicPr>
-            <a:picLocks noGrp="1" noChangeAspect="1"/>
-          </p:cNvPicPr>
+              <a:t>Next steps</a:t>
+            </a:r>
+          </a:p>
+        </p:txBody>
+      </p:sp>
+      <p:sp>
+        <p:nvSpPr>
+          <p:cNvPr id="3" name="Content Placeholder 2">
+            <a:extLst>
+              <a:ext uri="{FF2B5EF4-FFF2-40B4-BE49-F238E27FC236}">
+                <a16:creationId xmlns:a16="http://schemas.microsoft.com/office/drawing/2014/main" id="{0E336A5E-B3F2-6D02-2989-32EA44715CFC}"/>
+              </a:ext>
+            </a:extLst>
+          </p:cNvPr>
+          <p:cNvSpPr>
+            <a:spLocks noGrp="1"/>
+          </p:cNvSpPr>
           <p:nvPr>
             <p:ph idx="1"/>
           </p:nvPr>
-        </p:nvPicPr>
-        <p:blipFill>
-          <a:blip r:embed="rId2">
-            <a:extLst>
-              <a:ext uri="{28A0092B-C50C-407E-A947-70E740481C1C}">
-                <a14:useLocalDpi xmlns:a14="http://schemas.microsoft.com/office/drawing/2010/main" val="0"/>
-              </a:ext>
-              <a:ext uri="{96DAC541-7B7A-43D3-8B79-37D633B846F1}">
-                <asvg:svgBlip xmlns:asvg="http://schemas.microsoft.com/office/drawing/2016/SVG/main" r:embed="rId3"/>
-              </a:ext>
-            </a:extLst>
-          </a:blip>
-          <a:stretch>
-            <a:fillRect/>
-          </a:stretch>
-        </p:blipFill>
+        </p:nvSpPr>
+        <p:spPr/>
+        <p:txBody>
+          <a:bodyPr/>
+          <a:lstStyle/>
+          <a:p>
+            <a:r>
+              <a:rPr lang="en-GB" dirty="0"/>
+              <a:t>Confirmation/additions research focus from Solare Zukunft/ IZT</a:t>
+            </a:r>
+          </a:p>
+          <a:p>
+            <a:r>
+              <a:rPr lang="en-GB" dirty="0"/>
+              <a:t>Contact with schools and data collection</a:t>
+            </a:r>
+          </a:p>
+          <a:p>
+            <a:r>
+              <a:rPr lang="en-GB" dirty="0"/>
+              <a:t>Permits to conduct surveys at schools</a:t>
+            </a:r>
+          </a:p>
+          <a:p>
+            <a:r>
+              <a:rPr lang="en-GB" dirty="0"/>
+              <a:t>Contact existing data Lisa Pauli for analysis</a:t>
+            </a:r>
+          </a:p>
+          <a:p>
+            <a:endParaRPr lang="en-GB" dirty="0"/>
+          </a:p>
+          <a:p>
+            <a:endParaRPr lang="en-GB" dirty="0"/>
+          </a:p>
+          <a:p>
+            <a:r>
+              <a:rPr lang="en-GB" dirty="0"/>
+              <a:t>Official registration</a:t>
+            </a:r>
+          </a:p>
+        </p:txBody>
+      </p:sp>
+      <p:sp>
+        <p:nvSpPr>
+          <p:cNvPr id="5" name="Footer Placeholder 3">
+            <a:extLst>
+              <a:ext uri="{FF2B5EF4-FFF2-40B4-BE49-F238E27FC236}">
+                <a16:creationId xmlns:a16="http://schemas.microsoft.com/office/drawing/2014/main" id="{312E21E9-C0D9-E5CB-9748-AD3140FF9E26}"/>
+              </a:ext>
+            </a:extLst>
+          </p:cNvPr>
+          <p:cNvSpPr>
+            <a:spLocks noGrp="1"/>
+          </p:cNvSpPr>
+          <p:nvPr>
+            <p:ph type="ftr" sz="quarter" idx="11"/>
+          </p:nvPr>
+        </p:nvSpPr>
         <p:spPr>
           <a:xfrm>
-            <a:off x="1981200" y="2971800"/>
-            <a:ext cx="2171700" cy="2171700"/>
-          </a:xfrm>
-          <a:prstGeom prst="rect">
-            <a:avLst/>
-          </a:prstGeom>
-        </p:spPr>
-      </p:pic>
+            <a:off x="4038600" y="6356351"/>
+            <a:ext cx="4876800" cy="260350"/>
+          </a:xfrm>
+        </p:spPr>
+        <p:txBody>
+          <a:bodyPr/>
+          <a:lstStyle/>
+          <a:p>
+            <a:r>
+              <a:rPr lang="en-GB" dirty="0"/>
+              <a:t>Sustainability competences and participatory ESD || Dani Gargya || 03.04.24</a:t>
+            </a:r>
+          </a:p>
+        </p:txBody>
+      </p:sp>
       <p:pic>
         <p:nvPicPr>
-          <p:cNvPr id="6" name="Graphic 5" descr="Customer review">
-            <a:extLst>
-              <a:ext uri="{FF2B5EF4-FFF2-40B4-BE49-F238E27FC236}">
-                <a16:creationId xmlns:a16="http://schemas.microsoft.com/office/drawing/2014/main" id="{85AB3A92-6BFF-7370-4D86-D91C0734A4A5}"/>
-              </a:ext>
-            </a:extLst>
-          </p:cNvPr>
-          <p:cNvPicPr>
-            <a:picLocks noChangeAspect="1"/>
-          </p:cNvPicPr>
-          <p:nvPr/>
-        </p:nvPicPr>
-        <p:blipFill>
-          <a:blip r:embed="rId4">
-            <a:extLst>
-              <a:ext uri="{28A0092B-C50C-407E-A947-70E740481C1C}">
-                <a14:useLocalDpi xmlns:a14="http://schemas.microsoft.com/office/drawing/2010/main" val="0"/>
-              </a:ext>
-              <a:ext uri="{96DAC541-7B7A-43D3-8B79-37D633B846F1}">
-                <asvg:svgBlip xmlns:asvg="http://schemas.microsoft.com/office/drawing/2016/SVG/main" r:embed="rId5"/>
-              </a:ext>
-            </a:extLst>
-          </a:blip>
-          <a:stretch>
-            <a:fillRect/>
-          </a:stretch>
-        </p:blipFill>
-        <p:spPr>
-          <a:xfrm>
-            <a:off x="6875780" y="2903538"/>
-            <a:ext cx="2555240" cy="2555240"/>
-          </a:xfrm>
-          <a:prstGeom prst="rect">
-            <a:avLst/>
-          </a:prstGeom>
-        </p:spPr>
-      </p:pic>
-      <p:pic>
-        <p:nvPicPr>
-          <p:cNvPr id="7" name="Picture 2">
-            <a:extLst>
-              <a:ext uri="{FF2B5EF4-FFF2-40B4-BE49-F238E27FC236}">
-                <a16:creationId xmlns:a16="http://schemas.microsoft.com/office/drawing/2014/main" id="{CA526246-0242-DCBE-F16F-BEE45E58BFBC}"/>
+          <p:cNvPr id="4" name="Picture 2">
+            <a:extLst>
+              <a:ext uri="{FF2B5EF4-FFF2-40B4-BE49-F238E27FC236}">
+                <a16:creationId xmlns:a16="http://schemas.microsoft.com/office/drawing/2014/main" id="{A89F5D0D-5FA6-E3E4-E413-FE7F10ED7F59}"/>
               </a:ext>
             </a:extLst>
           </p:cNvPr>
@@ -5921,7 +6144,7 @@
           <p:nvPr/>
         </p:nvPicPr>
         <p:blipFill>
-          <a:blip r:embed="rId6">
+          <a:blip r:embed="rId2">
             <a:extLst>
               <a:ext uri="{28A0092B-C50C-407E-A947-70E740481C1C}">
                 <a14:useLocalDpi xmlns:a14="http://schemas.microsoft.com/office/drawing/2010/main" val="0"/>
@@ -5953,43 +6176,10 @@
           </a:extLst>
         </p:spPr>
       </p:pic>
-      <p:sp>
-        <p:nvSpPr>
-          <p:cNvPr id="3" name="Footer Placeholder 3">
-            <a:extLst>
-              <a:ext uri="{FF2B5EF4-FFF2-40B4-BE49-F238E27FC236}">
-                <a16:creationId xmlns:a16="http://schemas.microsoft.com/office/drawing/2014/main" id="{31A340E4-28ED-430A-2A8D-50F220858F03}"/>
-              </a:ext>
-            </a:extLst>
-          </p:cNvPr>
-          <p:cNvSpPr>
-            <a:spLocks noGrp="1"/>
-          </p:cNvSpPr>
-          <p:nvPr>
-            <p:ph type="ftr" sz="quarter" idx="11"/>
-          </p:nvPr>
-        </p:nvSpPr>
-        <p:spPr>
-          <a:xfrm>
-            <a:off x="4038600" y="6356351"/>
-            <a:ext cx="4876800" cy="260350"/>
-          </a:xfrm>
-        </p:spPr>
-        <p:txBody>
-          <a:bodyPr/>
-          <a:lstStyle/>
-          <a:p>
-            <a:r>
-              <a:rPr lang="en-GB" dirty="0"/>
-              <a:t>Sustainability competences and participatory ESD || Dani Gargya || 03.04.24</a:t>
-            </a:r>
-          </a:p>
-        </p:txBody>
-      </p:sp>
     </p:spTree>
     <p:extLst>
       <p:ext uri="{BB962C8B-B14F-4D97-AF65-F5344CB8AC3E}">
-        <p14:creationId xmlns:p14="http://schemas.microsoft.com/office/powerpoint/2010/main" val="231855734"/>
+        <p14:creationId xmlns:p14="http://schemas.microsoft.com/office/powerpoint/2010/main" val="1382564575"/>
       </p:ext>
     </p:extLst>
   </p:cSld>
@@ -6021,6 +6211,224 @@
           <p:cNvPr id="2" name="Title 1">
             <a:extLst>
               <a:ext uri="{FF2B5EF4-FFF2-40B4-BE49-F238E27FC236}">
+                <a16:creationId xmlns:a16="http://schemas.microsoft.com/office/drawing/2014/main" id="{FA2F5305-6816-4A4E-FFD0-99F5ED9D4D43}"/>
+              </a:ext>
+            </a:extLst>
+          </p:cNvPr>
+          <p:cNvSpPr>
+            <a:spLocks noGrp="1"/>
+          </p:cNvSpPr>
+          <p:nvPr>
+            <p:ph type="title"/>
+          </p:nvPr>
+        </p:nvSpPr>
+        <p:spPr/>
+        <p:txBody>
+          <a:bodyPr/>
+          <a:lstStyle/>
+          <a:p>
+            <a:r>
+              <a:rPr lang="en-GB" dirty="0"/>
+              <a:t>Questions and feedback</a:t>
+            </a:r>
+          </a:p>
+        </p:txBody>
+      </p:sp>
+      <p:pic>
+        <p:nvPicPr>
+          <p:cNvPr id="5" name="Content Placeholder 4" descr="Questions">
+            <a:extLst>
+              <a:ext uri="{FF2B5EF4-FFF2-40B4-BE49-F238E27FC236}">
+                <a16:creationId xmlns:a16="http://schemas.microsoft.com/office/drawing/2014/main" id="{6C22FE90-221C-866F-2C4A-E2D19BE009C4}"/>
+              </a:ext>
+            </a:extLst>
+          </p:cNvPr>
+          <p:cNvPicPr>
+            <a:picLocks noGrp="1" noChangeAspect="1"/>
+          </p:cNvPicPr>
+          <p:nvPr>
+            <p:ph idx="1"/>
+          </p:nvPr>
+        </p:nvPicPr>
+        <p:blipFill>
+          <a:blip r:embed="rId2">
+            <a:extLst>
+              <a:ext uri="{28A0092B-C50C-407E-A947-70E740481C1C}">
+                <a14:useLocalDpi xmlns:a14="http://schemas.microsoft.com/office/drawing/2010/main" val="0"/>
+              </a:ext>
+              <a:ext uri="{96DAC541-7B7A-43D3-8B79-37D633B846F1}">
+                <asvg:svgBlip xmlns:asvg="http://schemas.microsoft.com/office/drawing/2016/SVG/main" r:embed="rId3"/>
+              </a:ext>
+            </a:extLst>
+          </a:blip>
+          <a:stretch>
+            <a:fillRect/>
+          </a:stretch>
+        </p:blipFill>
+        <p:spPr>
+          <a:xfrm>
+            <a:off x="1981200" y="2971800"/>
+            <a:ext cx="2171700" cy="2171700"/>
+          </a:xfrm>
+          <a:prstGeom prst="rect">
+            <a:avLst/>
+          </a:prstGeom>
+        </p:spPr>
+      </p:pic>
+      <p:pic>
+        <p:nvPicPr>
+          <p:cNvPr id="6" name="Graphic 5" descr="Customer review">
+            <a:extLst>
+              <a:ext uri="{FF2B5EF4-FFF2-40B4-BE49-F238E27FC236}">
+                <a16:creationId xmlns:a16="http://schemas.microsoft.com/office/drawing/2014/main" id="{85AB3A92-6BFF-7370-4D86-D91C0734A4A5}"/>
+              </a:ext>
+            </a:extLst>
+          </p:cNvPr>
+          <p:cNvPicPr>
+            <a:picLocks noChangeAspect="1"/>
+          </p:cNvPicPr>
+          <p:nvPr/>
+        </p:nvPicPr>
+        <p:blipFill>
+          <a:blip r:embed="rId4">
+            <a:extLst>
+              <a:ext uri="{28A0092B-C50C-407E-A947-70E740481C1C}">
+                <a14:useLocalDpi xmlns:a14="http://schemas.microsoft.com/office/drawing/2010/main" val="0"/>
+              </a:ext>
+              <a:ext uri="{96DAC541-7B7A-43D3-8B79-37D633B846F1}">
+                <asvg:svgBlip xmlns:asvg="http://schemas.microsoft.com/office/drawing/2016/SVG/main" r:embed="rId5"/>
+              </a:ext>
+            </a:extLst>
+          </a:blip>
+          <a:stretch>
+            <a:fillRect/>
+          </a:stretch>
+        </p:blipFill>
+        <p:spPr>
+          <a:xfrm>
+            <a:off x="6875780" y="2903538"/>
+            <a:ext cx="2555240" cy="2555240"/>
+          </a:xfrm>
+          <a:prstGeom prst="rect">
+            <a:avLst/>
+          </a:prstGeom>
+        </p:spPr>
+      </p:pic>
+      <p:pic>
+        <p:nvPicPr>
+          <p:cNvPr id="7" name="Picture 2">
+            <a:extLst>
+              <a:ext uri="{FF2B5EF4-FFF2-40B4-BE49-F238E27FC236}">
+                <a16:creationId xmlns:a16="http://schemas.microsoft.com/office/drawing/2014/main" id="{CA526246-0242-DCBE-F16F-BEE45E58BFBC}"/>
+              </a:ext>
+            </a:extLst>
+          </p:cNvPr>
+          <p:cNvPicPr>
+            <a:picLocks noChangeAspect="1" noChangeArrowheads="1"/>
+          </p:cNvPicPr>
+          <p:nvPr/>
+        </p:nvPicPr>
+        <p:blipFill>
+          <a:blip r:embed="rId6">
+            <a:extLst>
+              <a:ext uri="{28A0092B-C50C-407E-A947-70E740481C1C}">
+                <a14:useLocalDpi xmlns:a14="http://schemas.microsoft.com/office/drawing/2010/main" val="0"/>
+              </a:ext>
+            </a:extLst>
+          </a:blip>
+          <a:srcRect/>
+          <a:stretch>
+            <a:fillRect/>
+          </a:stretch>
+        </p:blipFill>
+        <p:spPr bwMode="auto">
+          <a:xfrm>
+            <a:off x="10185401" y="0"/>
+            <a:ext cx="1853434" cy="2166938"/>
+          </a:xfrm>
+          <a:prstGeom prst="rect">
+            <a:avLst/>
+          </a:prstGeom>
+          <a:noFill/>
+          <a:extLst>
+            <a:ext uri="{909E8E84-426E-40DD-AFC4-6F175D3DCCD1}">
+              <a14:hiddenFill xmlns:a14="http://schemas.microsoft.com/office/drawing/2010/main">
+                <a:solidFill>
+                  <a:srgbClr val="FFFFFF"/>
+                </a:solidFill>
+              </a14:hiddenFill>
+            </a:ext>
+          </a:extLst>
+        </p:spPr>
+      </p:pic>
+      <p:sp>
+        <p:nvSpPr>
+          <p:cNvPr id="3" name="Footer Placeholder 3">
+            <a:extLst>
+              <a:ext uri="{FF2B5EF4-FFF2-40B4-BE49-F238E27FC236}">
+                <a16:creationId xmlns:a16="http://schemas.microsoft.com/office/drawing/2014/main" id="{31A340E4-28ED-430A-2A8D-50F220858F03}"/>
+              </a:ext>
+            </a:extLst>
+          </p:cNvPr>
+          <p:cNvSpPr>
+            <a:spLocks noGrp="1"/>
+          </p:cNvSpPr>
+          <p:nvPr>
+            <p:ph type="ftr" sz="quarter" idx="11"/>
+          </p:nvPr>
+        </p:nvSpPr>
+        <p:spPr>
+          <a:xfrm>
+            <a:off x="4038600" y="6356351"/>
+            <a:ext cx="4876800" cy="260350"/>
+          </a:xfrm>
+        </p:spPr>
+        <p:txBody>
+          <a:bodyPr/>
+          <a:lstStyle/>
+          <a:p>
+            <a:r>
+              <a:rPr lang="en-GB" dirty="0"/>
+              <a:t>Sustainability competences and participatory ESD || Dani Gargya || 03.04.24</a:t>
+            </a:r>
+          </a:p>
+        </p:txBody>
+      </p:sp>
+    </p:spTree>
+    <p:extLst>
+      <p:ext uri="{BB962C8B-B14F-4D97-AF65-F5344CB8AC3E}">
+        <p14:creationId xmlns:p14="http://schemas.microsoft.com/office/powerpoint/2010/main" val="231855734"/>
+      </p:ext>
+    </p:extLst>
+  </p:cSld>
+  <p:clrMapOvr>
+    <a:masterClrMapping/>
+  </p:clrMapOvr>
+</p:sld>
+</file>
+
+<file path=ppt/slides/slide16.xml><?xml version="1.0" encoding="utf-8"?>
+<p:sld xmlns:a="http://schemas.openxmlformats.org/drawingml/2006/main" xmlns:r="http://schemas.openxmlformats.org/officeDocument/2006/relationships" xmlns:p="http://schemas.openxmlformats.org/presentationml/2006/main">
+  <p:cSld>
+    <p:spTree>
+      <p:nvGrpSpPr>
+        <p:cNvPr id="1" name=""/>
+        <p:cNvGrpSpPr/>
+        <p:nvPr/>
+      </p:nvGrpSpPr>
+      <p:grpSpPr>
+        <a:xfrm>
+          <a:off x="0" y="0"/>
+          <a:ext cx="0" cy="0"/>
+          <a:chOff x="0" y="0"/>
+          <a:chExt cx="0" cy="0"/>
+        </a:xfrm>
+      </p:grpSpPr>
+      <p:sp>
+        <p:nvSpPr>
+          <p:cNvPr id="2" name="Title 1">
+            <a:extLst>
+              <a:ext uri="{FF2B5EF4-FFF2-40B4-BE49-F238E27FC236}">
                 <a16:creationId xmlns:a16="http://schemas.microsoft.com/office/drawing/2014/main" id="{8E3FC292-61FF-4A55-00E7-57EB811FBF11}"/>
               </a:ext>
             </a:extLst>
@@ -6109,6 +6517,53 @@
           </a:p>
         </p:txBody>
       </p:sp>
+      <p:pic>
+        <p:nvPicPr>
+          <p:cNvPr id="3" name="Picture 2">
+            <a:extLst>
+              <a:ext uri="{FF2B5EF4-FFF2-40B4-BE49-F238E27FC236}">
+                <a16:creationId xmlns:a16="http://schemas.microsoft.com/office/drawing/2014/main" id="{5EF4E067-9B16-2FED-8E2E-CDE1EDDCEBB3}"/>
+              </a:ext>
+            </a:extLst>
+          </p:cNvPr>
+          <p:cNvPicPr>
+            <a:picLocks noChangeAspect="1" noChangeArrowheads="1"/>
+          </p:cNvPicPr>
+          <p:nvPr/>
+        </p:nvPicPr>
+        <p:blipFill>
+          <a:blip r:embed="rId3">
+            <a:extLst>
+              <a:ext uri="{28A0092B-C50C-407E-A947-70E740481C1C}">
+                <a14:useLocalDpi xmlns:a14="http://schemas.microsoft.com/office/drawing/2010/main" val="0"/>
+              </a:ext>
+            </a:extLst>
+          </a:blip>
+          <a:srcRect/>
+          <a:stretch>
+            <a:fillRect/>
+          </a:stretch>
+        </p:blipFill>
+        <p:spPr bwMode="auto">
+          <a:xfrm>
+            <a:off x="10185401" y="0"/>
+            <a:ext cx="1853434" cy="2166938"/>
+          </a:xfrm>
+          <a:prstGeom prst="rect">
+            <a:avLst/>
+          </a:prstGeom>
+          <a:noFill/>
+          <a:extLst>
+            <a:ext uri="{909E8E84-426E-40DD-AFC4-6F175D3DCCD1}">
+              <a14:hiddenFill xmlns:a14="http://schemas.microsoft.com/office/drawing/2010/main">
+                <a:solidFill>
+                  <a:srgbClr val="FFFFFF"/>
+                </a:solidFill>
+              </a14:hiddenFill>
+            </a:ext>
+          </a:extLst>
+        </p:spPr>
+      </p:pic>
     </p:spTree>
     <p:extLst>
       <p:ext uri="{BB962C8B-B14F-4D97-AF65-F5344CB8AC3E}">
@@ -6122,7 +6577,7 @@
 </p:sld>
 </file>
 
-<file path=ppt/slides/slide16.xml><?xml version="1.0" encoding="utf-8"?>
+<file path=ppt/slides/slide17.xml><?xml version="1.0" encoding="utf-8"?>
 <p:sld xmlns:a="http://schemas.openxmlformats.org/drawingml/2006/main" xmlns:r="http://schemas.openxmlformats.org/officeDocument/2006/relationships" xmlns:p="http://schemas.openxmlformats.org/presentationml/2006/main">
   <p:cSld>
     <p:spTree>
@@ -7632,6 +8087,315 @@
           <p:cNvPr id="2" name="Title 1">
             <a:extLst>
               <a:ext uri="{FF2B5EF4-FFF2-40B4-BE49-F238E27FC236}">
+                <a16:creationId xmlns:a16="http://schemas.microsoft.com/office/drawing/2014/main" id="{28725F2F-1841-A0E1-9DCE-C2C68A172A63}"/>
+              </a:ext>
+            </a:extLst>
+          </p:cNvPr>
+          <p:cNvSpPr>
+            <a:spLocks noGrp="1"/>
+          </p:cNvSpPr>
+          <p:nvPr>
+            <p:ph type="title"/>
+          </p:nvPr>
+        </p:nvSpPr>
+        <p:spPr/>
+        <p:txBody>
+          <a:bodyPr/>
+          <a:lstStyle/>
+          <a:p>
+            <a:r>
+              <a:rPr lang="en-GB" dirty="0"/>
+              <a:t>Research design</a:t>
+            </a:r>
+          </a:p>
+        </p:txBody>
+      </p:sp>
+      <p:sp>
+        <p:nvSpPr>
+          <p:cNvPr id="3" name="Content Placeholder 2">
+            <a:extLst>
+              <a:ext uri="{FF2B5EF4-FFF2-40B4-BE49-F238E27FC236}">
+                <a16:creationId xmlns:a16="http://schemas.microsoft.com/office/drawing/2014/main" id="{551B72CC-E911-8E3B-5740-4CF08DBB2B7A}"/>
+              </a:ext>
+            </a:extLst>
+          </p:cNvPr>
+          <p:cNvSpPr>
+            <a:spLocks noGrp="1"/>
+          </p:cNvSpPr>
+          <p:nvPr>
+            <p:ph idx="1"/>
+          </p:nvPr>
+        </p:nvSpPr>
+        <p:spPr/>
+        <p:txBody>
+          <a:bodyPr/>
+          <a:lstStyle/>
+          <a:p>
+            <a:r>
+              <a:rPr lang="en-GB" dirty="0"/>
+              <a:t>Long-term focus with the same two schools as master thesis </a:t>
+            </a:r>
+            <a:br>
+              <a:rPr lang="en-GB" dirty="0"/>
+            </a:br>
+            <a:r>
+              <a:rPr lang="en-GB" dirty="0"/>
+              <a:t>Lisa Pauli last year (Angell, Goethe </a:t>
+            </a:r>
+            <a:r>
+              <a:rPr lang="en-GB" dirty="0" err="1"/>
+              <a:t>Emmendingen</a:t>
+            </a:r>
+            <a:r>
+              <a:rPr lang="en-GB" dirty="0"/>
+              <a:t>)</a:t>
+            </a:r>
+            <a:br>
+              <a:rPr lang="en-GB" dirty="0"/>
+            </a:br>
+            <a:endParaRPr lang="en-GB" dirty="0"/>
+          </a:p>
+          <a:p>
+            <a:r>
+              <a:rPr lang="en-GB" dirty="0"/>
+              <a:t>Using same survey as Pauli with focus on changes in climate attitudes and behaviour (quantitative research)</a:t>
+            </a:r>
+            <a:br>
+              <a:rPr lang="en-GB" dirty="0"/>
+            </a:br>
+            <a:endParaRPr lang="en-GB" dirty="0"/>
+          </a:p>
+          <a:p>
+            <a:r>
+              <a:rPr lang="en-GB" dirty="0"/>
+              <a:t>Conducting survey with same students (knowing their involvement during project is enough, no personalised data)</a:t>
+            </a:r>
+            <a:br>
+              <a:rPr lang="en-GB" dirty="0"/>
+            </a:br>
+            <a:endParaRPr lang="en-GB" dirty="0"/>
+          </a:p>
+          <a:p>
+            <a:r>
+              <a:rPr lang="en-GB" dirty="0"/>
+              <a:t>Complementing with survey on self-efficacy</a:t>
+            </a:r>
+          </a:p>
+        </p:txBody>
+      </p:sp>
+      <p:pic>
+        <p:nvPicPr>
+          <p:cNvPr id="5" name="Picture 2">
+            <a:extLst>
+              <a:ext uri="{FF2B5EF4-FFF2-40B4-BE49-F238E27FC236}">
+                <a16:creationId xmlns:a16="http://schemas.microsoft.com/office/drawing/2014/main" id="{CDF68A5F-395D-C806-4EA7-0E33C7AD4361}"/>
+              </a:ext>
+            </a:extLst>
+          </p:cNvPr>
+          <p:cNvPicPr>
+            <a:picLocks noChangeAspect="1" noChangeArrowheads="1"/>
+          </p:cNvPicPr>
+          <p:nvPr/>
+        </p:nvPicPr>
+        <p:blipFill>
+          <a:blip r:embed="rId3">
+            <a:extLst>
+              <a:ext uri="{28A0092B-C50C-407E-A947-70E740481C1C}">
+                <a14:useLocalDpi xmlns:a14="http://schemas.microsoft.com/office/drawing/2010/main" val="0"/>
+              </a:ext>
+            </a:extLst>
+          </a:blip>
+          <a:srcRect/>
+          <a:stretch>
+            <a:fillRect/>
+          </a:stretch>
+        </p:blipFill>
+        <p:spPr bwMode="auto">
+          <a:xfrm>
+            <a:off x="10185401" y="0"/>
+            <a:ext cx="1853434" cy="2166938"/>
+          </a:xfrm>
+          <a:prstGeom prst="rect">
+            <a:avLst/>
+          </a:prstGeom>
+          <a:noFill/>
+          <a:extLst>
+            <a:ext uri="{909E8E84-426E-40DD-AFC4-6F175D3DCCD1}">
+              <a14:hiddenFill xmlns:a14="http://schemas.microsoft.com/office/drawing/2010/main">
+                <a:solidFill>
+                  <a:srgbClr val="FFFFFF"/>
+                </a:solidFill>
+              </a14:hiddenFill>
+            </a:ext>
+          </a:extLst>
+        </p:spPr>
+      </p:pic>
+      <p:sp>
+        <p:nvSpPr>
+          <p:cNvPr id="6" name="Footer Placeholder 3">
+            <a:extLst>
+              <a:ext uri="{FF2B5EF4-FFF2-40B4-BE49-F238E27FC236}">
+                <a16:creationId xmlns:a16="http://schemas.microsoft.com/office/drawing/2014/main" id="{971CC746-B995-5E43-7AEF-07C26463267A}"/>
+              </a:ext>
+            </a:extLst>
+          </p:cNvPr>
+          <p:cNvSpPr txBox="1">
+            <a:spLocks/>
+          </p:cNvSpPr>
+          <p:nvPr/>
+        </p:nvSpPr>
+        <p:spPr>
+          <a:xfrm>
+            <a:off x="4038600" y="6356351"/>
+            <a:ext cx="4876800" cy="260350"/>
+          </a:xfrm>
+          <a:prstGeom prst="rect">
+            <a:avLst/>
+          </a:prstGeom>
+        </p:spPr>
+        <p:txBody>
+          <a:bodyPr vert="horz" lIns="91440" tIns="45720" rIns="91440" bIns="45720" rtlCol="0" anchor="ctr"/>
+          <a:lstStyle>
+            <a:defPPr>
+              <a:defRPr lang="en-US"/>
+            </a:defPPr>
+            <a:lvl1pPr marL="0" algn="ctr" defTabSz="914400" rtl="0" eaLnBrk="1" latinLnBrk="0" hangingPunct="1">
+              <a:defRPr sz="1200" kern="1200">
+                <a:solidFill>
+                  <a:schemeClr val="tx1">
+                    <a:tint val="82000"/>
+                  </a:schemeClr>
+                </a:solidFill>
+                <a:latin typeface="+mn-lt"/>
+                <a:ea typeface="+mn-ea"/>
+                <a:cs typeface="+mn-cs"/>
+              </a:defRPr>
+            </a:lvl1pPr>
+            <a:lvl2pPr marL="457200" algn="l" defTabSz="914400" rtl="0" eaLnBrk="1" latinLnBrk="0" hangingPunct="1">
+              <a:defRPr sz="1800" kern="1200">
+                <a:solidFill>
+                  <a:schemeClr val="tx1"/>
+                </a:solidFill>
+                <a:latin typeface="+mn-lt"/>
+                <a:ea typeface="+mn-ea"/>
+                <a:cs typeface="+mn-cs"/>
+              </a:defRPr>
+            </a:lvl2pPr>
+            <a:lvl3pPr marL="914400" algn="l" defTabSz="914400" rtl="0" eaLnBrk="1" latinLnBrk="0" hangingPunct="1">
+              <a:defRPr sz="1800" kern="1200">
+                <a:solidFill>
+                  <a:schemeClr val="tx1"/>
+                </a:solidFill>
+                <a:latin typeface="+mn-lt"/>
+                <a:ea typeface="+mn-ea"/>
+                <a:cs typeface="+mn-cs"/>
+              </a:defRPr>
+            </a:lvl3pPr>
+            <a:lvl4pPr marL="1371600" algn="l" defTabSz="914400" rtl="0" eaLnBrk="1" latinLnBrk="0" hangingPunct="1">
+              <a:defRPr sz="1800" kern="1200">
+                <a:solidFill>
+                  <a:schemeClr val="tx1"/>
+                </a:solidFill>
+                <a:latin typeface="+mn-lt"/>
+                <a:ea typeface="+mn-ea"/>
+                <a:cs typeface="+mn-cs"/>
+              </a:defRPr>
+            </a:lvl4pPr>
+            <a:lvl5pPr marL="1828800" algn="l" defTabSz="914400" rtl="0" eaLnBrk="1" latinLnBrk="0" hangingPunct="1">
+              <a:defRPr sz="1800" kern="1200">
+                <a:solidFill>
+                  <a:schemeClr val="tx1"/>
+                </a:solidFill>
+                <a:latin typeface="+mn-lt"/>
+                <a:ea typeface="+mn-ea"/>
+                <a:cs typeface="+mn-cs"/>
+              </a:defRPr>
+            </a:lvl5pPr>
+            <a:lvl6pPr marL="2286000" algn="l" defTabSz="914400" rtl="0" eaLnBrk="1" latinLnBrk="0" hangingPunct="1">
+              <a:defRPr sz="1800" kern="1200">
+                <a:solidFill>
+                  <a:schemeClr val="tx1"/>
+                </a:solidFill>
+                <a:latin typeface="+mn-lt"/>
+                <a:ea typeface="+mn-ea"/>
+                <a:cs typeface="+mn-cs"/>
+              </a:defRPr>
+            </a:lvl6pPr>
+            <a:lvl7pPr marL="2743200" algn="l" defTabSz="914400" rtl="0" eaLnBrk="1" latinLnBrk="0" hangingPunct="1">
+              <a:defRPr sz="1800" kern="1200">
+                <a:solidFill>
+                  <a:schemeClr val="tx1"/>
+                </a:solidFill>
+                <a:latin typeface="+mn-lt"/>
+                <a:ea typeface="+mn-ea"/>
+                <a:cs typeface="+mn-cs"/>
+              </a:defRPr>
+            </a:lvl7pPr>
+            <a:lvl8pPr marL="3200400" algn="l" defTabSz="914400" rtl="0" eaLnBrk="1" latinLnBrk="0" hangingPunct="1">
+              <a:defRPr sz="1800" kern="1200">
+                <a:solidFill>
+                  <a:schemeClr val="tx1"/>
+                </a:solidFill>
+                <a:latin typeface="+mn-lt"/>
+                <a:ea typeface="+mn-ea"/>
+                <a:cs typeface="+mn-cs"/>
+              </a:defRPr>
+            </a:lvl8pPr>
+            <a:lvl9pPr marL="3657600" algn="l" defTabSz="914400" rtl="0" eaLnBrk="1" latinLnBrk="0" hangingPunct="1">
+              <a:defRPr sz="1800" kern="1200">
+                <a:solidFill>
+                  <a:schemeClr val="tx1"/>
+                </a:solidFill>
+                <a:latin typeface="+mn-lt"/>
+                <a:ea typeface="+mn-ea"/>
+                <a:cs typeface="+mn-cs"/>
+              </a:defRPr>
+            </a:lvl9pPr>
+          </a:lstStyle>
+          <a:p>
+            <a:r>
+              <a:rPr lang="en-GB"/>
+              <a:t>Sustainability competences and participatory ESD || Dani Gargya || 03.04.24</a:t>
+            </a:r>
+            <a:endParaRPr lang="en-GB" dirty="0"/>
+          </a:p>
+        </p:txBody>
+      </p:sp>
+    </p:spTree>
+    <p:extLst>
+      <p:ext uri="{BB962C8B-B14F-4D97-AF65-F5344CB8AC3E}">
+        <p14:creationId xmlns:p14="http://schemas.microsoft.com/office/powerpoint/2010/main" val="3378260120"/>
+      </p:ext>
+    </p:extLst>
+  </p:cSld>
+  <p:clrMapOvr>
+    <a:masterClrMapping/>
+  </p:clrMapOvr>
+</p:sld>
+</file>
+
+<file path=ppt/slides/slide7.xml><?xml version="1.0" encoding="utf-8"?>
+<p:sld xmlns:a="http://schemas.openxmlformats.org/drawingml/2006/main" xmlns:r="http://schemas.openxmlformats.org/officeDocument/2006/relationships" xmlns:p="http://schemas.openxmlformats.org/presentationml/2006/main">
+  <p:cSld>
+    <p:spTree>
+      <p:nvGrpSpPr>
+        <p:cNvPr id="1" name=""/>
+        <p:cNvGrpSpPr/>
+        <p:nvPr/>
+      </p:nvGrpSpPr>
+      <p:grpSpPr>
+        <a:xfrm>
+          <a:off x="0" y="0"/>
+          <a:ext cx="0" cy="0"/>
+          <a:chOff x="0" y="0"/>
+          <a:chExt cx="0" cy="0"/>
+        </a:xfrm>
+      </p:grpSpPr>
+      <p:sp>
+        <p:nvSpPr>
+          <p:cNvPr id="2" name="Title 1">
+            <a:extLst>
+              <a:ext uri="{FF2B5EF4-FFF2-40B4-BE49-F238E27FC236}">
                 <a16:creationId xmlns:a16="http://schemas.microsoft.com/office/drawing/2014/main" id="{B35066E2-AE52-8165-C3A5-7CC6653AAE06}"/>
               </a:ext>
             </a:extLst>
@@ -9759,6 +10523,53 @@
           </a:fontRef>
         </p:style>
       </p:cxnSp>
+      <p:pic>
+        <p:nvPicPr>
+          <p:cNvPr id="3" name="Picture 2">
+            <a:extLst>
+              <a:ext uri="{FF2B5EF4-FFF2-40B4-BE49-F238E27FC236}">
+                <a16:creationId xmlns:a16="http://schemas.microsoft.com/office/drawing/2014/main" id="{9A761BD6-B3AA-2FCB-F0C3-FC5BA6D31F67}"/>
+              </a:ext>
+            </a:extLst>
+          </p:cNvPr>
+          <p:cNvPicPr>
+            <a:picLocks noChangeAspect="1" noChangeArrowheads="1"/>
+          </p:cNvPicPr>
+          <p:nvPr/>
+        </p:nvPicPr>
+        <p:blipFill>
+          <a:blip r:embed="rId26">
+            <a:extLst>
+              <a:ext uri="{28A0092B-C50C-407E-A947-70E740481C1C}">
+                <a14:useLocalDpi xmlns:a14="http://schemas.microsoft.com/office/drawing/2010/main" val="0"/>
+              </a:ext>
+            </a:extLst>
+          </a:blip>
+          <a:srcRect/>
+          <a:stretch>
+            <a:fillRect/>
+          </a:stretch>
+        </p:blipFill>
+        <p:spPr bwMode="auto">
+          <a:xfrm>
+            <a:off x="10185401" y="0"/>
+            <a:ext cx="1853434" cy="2166938"/>
+          </a:xfrm>
+          <a:prstGeom prst="rect">
+            <a:avLst/>
+          </a:prstGeom>
+          <a:noFill/>
+          <a:extLst>
+            <a:ext uri="{909E8E84-426E-40DD-AFC4-6F175D3DCCD1}">
+              <a14:hiddenFill xmlns:a14="http://schemas.microsoft.com/office/drawing/2010/main">
+                <a:solidFill>
+                  <a:srgbClr val="FFFFFF"/>
+                </a:solidFill>
+              </a14:hiddenFill>
+            </a:ext>
+          </a:extLst>
+        </p:spPr>
+      </p:pic>
     </p:spTree>
     <p:extLst>
       <p:ext uri="{BB962C8B-B14F-4D97-AF65-F5344CB8AC3E}">
@@ -9772,7 +10583,7 @@
 </p:sld>
 </file>
 
-<file path=ppt/slides/slide7.xml><?xml version="1.0" encoding="utf-8"?>
+<file path=ppt/slides/slide8.xml><?xml version="1.0" encoding="utf-8"?>
 <p:sld xmlns:a="http://schemas.openxmlformats.org/drawingml/2006/main" xmlns:r="http://schemas.openxmlformats.org/officeDocument/2006/relationships" xmlns:p="http://schemas.openxmlformats.org/presentationml/2006/main">
   <p:cSld>
     <p:spTree>
@@ -9972,7 +10783,7 @@
 </p:sld>
 </file>
 
-<file path=ppt/slides/slide8.xml><?xml version="1.0" encoding="utf-8"?>
+<file path=ppt/slides/slide9.xml><?xml version="1.0" encoding="utf-8"?>
 <p:sld xmlns:a="http://schemas.openxmlformats.org/drawingml/2006/main" xmlns:r="http://schemas.openxmlformats.org/officeDocument/2006/relationships" xmlns:p="http://schemas.openxmlformats.org/presentationml/2006/main">
   <p:cSld>
     <p:spTree>
@@ -11107,105 +11918,12 @@
           </a:p>
         </p:txBody>
       </p:sp>
-    </p:spTree>
-    <p:extLst>
-      <p:ext uri="{BB962C8B-B14F-4D97-AF65-F5344CB8AC3E}">
-        <p14:creationId xmlns:p14="http://schemas.microsoft.com/office/powerpoint/2010/main" val="1034015600"/>
-      </p:ext>
-    </p:extLst>
-  </p:cSld>
-  <p:clrMapOvr>
-    <a:masterClrMapping/>
-  </p:clrMapOvr>
-</p:sld>
-</file>
-
-<file path=ppt/slides/slide9.xml><?xml version="1.0" encoding="utf-8"?>
-<p:sld xmlns:a="http://schemas.openxmlformats.org/drawingml/2006/main" xmlns:r="http://schemas.openxmlformats.org/officeDocument/2006/relationships" xmlns:p="http://schemas.openxmlformats.org/presentationml/2006/main">
-  <p:cSld>
-    <p:spTree>
-      <p:nvGrpSpPr>
-        <p:cNvPr id="1" name=""/>
-        <p:cNvGrpSpPr/>
-        <p:nvPr/>
-      </p:nvGrpSpPr>
-      <p:grpSpPr>
-        <a:xfrm>
-          <a:off x="0" y="0"/>
-          <a:ext cx="0" cy="0"/>
-          <a:chOff x="0" y="0"/>
-          <a:chExt cx="0" cy="0"/>
-        </a:xfrm>
-      </p:grpSpPr>
-      <p:sp>
-        <p:nvSpPr>
-          <p:cNvPr id="2" name="Title 1">
-            <a:extLst>
-              <a:ext uri="{FF2B5EF4-FFF2-40B4-BE49-F238E27FC236}">
-                <a16:creationId xmlns:a16="http://schemas.microsoft.com/office/drawing/2014/main" id="{49939984-9A30-344A-0C72-F25E4D90D72D}"/>
-              </a:ext>
-            </a:extLst>
-          </p:cNvPr>
-          <p:cNvSpPr>
-            <a:spLocks noGrp="1"/>
-          </p:cNvSpPr>
-          <p:nvPr>
-            <p:ph type="title"/>
-          </p:nvPr>
-        </p:nvSpPr>
-        <p:spPr/>
-        <p:txBody>
-          <a:bodyPr/>
-          <a:lstStyle/>
-          <a:p>
-            <a:r>
-              <a:rPr lang="en-GB" dirty="0"/>
-              <a:t>Methods – </a:t>
-            </a:r>
-            <a:br>
-              <a:rPr lang="en-GB" dirty="0"/>
-            </a:br>
-            <a:r>
-              <a:rPr lang="en-GB" dirty="0"/>
-              <a:t>Surveys</a:t>
-            </a:r>
-          </a:p>
-        </p:txBody>
-      </p:sp>
-      <p:sp>
-        <p:nvSpPr>
-          <p:cNvPr id="4" name="Footer Placeholder 3">
-            <a:extLst>
-              <a:ext uri="{FF2B5EF4-FFF2-40B4-BE49-F238E27FC236}">
-                <a16:creationId xmlns:a16="http://schemas.microsoft.com/office/drawing/2014/main" id="{101A3F43-341D-3AF1-CF7A-A6C17DB6FD41}"/>
-              </a:ext>
-            </a:extLst>
-          </p:cNvPr>
-          <p:cNvSpPr>
-            <a:spLocks noGrp="1"/>
-          </p:cNvSpPr>
-          <p:nvPr>
-            <p:ph type="ftr" sz="quarter" idx="11"/>
-          </p:nvPr>
-        </p:nvSpPr>
-        <p:spPr/>
-        <p:txBody>
-          <a:bodyPr/>
-          <a:lstStyle/>
-          <a:p>
-            <a:r>
-              <a:rPr lang="en-GB"/>
-              <a:t>Self-efficacy beliefs and participatory SDE || Dani Gargya || 06.03.24</a:t>
-            </a:r>
-          </a:p>
-        </p:txBody>
-      </p:sp>
       <p:pic>
         <p:nvPicPr>
-          <p:cNvPr id="5" name="Picture 2">
-            <a:extLst>
-              <a:ext uri="{FF2B5EF4-FFF2-40B4-BE49-F238E27FC236}">
-                <a16:creationId xmlns:a16="http://schemas.microsoft.com/office/drawing/2014/main" id="{178A05FA-0832-DCD6-F94B-0B0EF287E97A}"/>
+          <p:cNvPr id="4" name="Picture 2">
+            <a:extLst>
+              <a:ext uri="{FF2B5EF4-FFF2-40B4-BE49-F238E27FC236}">
+                <a16:creationId xmlns:a16="http://schemas.microsoft.com/office/drawing/2014/main" id="{F6E9324A-5E77-34BC-4BE6-82B3F673741B}"/>
               </a:ext>
             </a:extLst>
           </p:cNvPr>
@@ -11215,7 +11933,7 @@
           <p:nvPr/>
         </p:nvPicPr>
         <p:blipFill>
-          <a:blip r:embed="rId2">
+          <a:blip r:embed="rId12">
             <a:extLst>
               <a:ext uri="{28A0092B-C50C-407E-A947-70E740481C1C}">
                 <a14:useLocalDpi xmlns:a14="http://schemas.microsoft.com/office/drawing/2010/main" val="0"/>
@@ -11247,133 +11965,10 @@
           </a:extLst>
         </p:spPr>
       </p:pic>
-      <p:grpSp>
-        <p:nvGrpSpPr>
-          <p:cNvPr id="10" name="Group 9">
-            <a:extLst>
-              <a:ext uri="{FF2B5EF4-FFF2-40B4-BE49-F238E27FC236}">
-                <a16:creationId xmlns:a16="http://schemas.microsoft.com/office/drawing/2014/main" id="{D1586986-0D81-D4CC-75E7-8B1B45C0E99B}"/>
-              </a:ext>
-            </a:extLst>
-          </p:cNvPr>
-          <p:cNvGrpSpPr/>
-          <p:nvPr/>
-        </p:nvGrpSpPr>
-        <p:grpSpPr>
-          <a:xfrm>
-            <a:off x="3913900" y="136525"/>
-            <a:ext cx="4114801" cy="6180716"/>
-            <a:chOff x="3752729" y="136525"/>
-            <a:chExt cx="4686541" cy="6928207"/>
-          </a:xfrm>
-        </p:grpSpPr>
-        <p:pic>
-          <p:nvPicPr>
-            <p:cNvPr id="6" name="Picture 5">
-              <a:extLst>
-                <a:ext uri="{FF2B5EF4-FFF2-40B4-BE49-F238E27FC236}">
-                  <a16:creationId xmlns:a16="http://schemas.microsoft.com/office/drawing/2014/main" id="{22AC2898-02F7-9122-A6BE-9096975A3917}"/>
-                </a:ext>
-              </a:extLst>
-            </p:cNvPr>
-            <p:cNvPicPr>
-              <a:picLocks noChangeAspect="1"/>
-            </p:cNvPicPr>
-            <p:nvPr/>
-          </p:nvPicPr>
-          <p:blipFill>
-            <a:blip r:embed="rId3"/>
-            <a:stretch>
-              <a:fillRect/>
-            </a:stretch>
-          </p:blipFill>
-          <p:spPr>
-            <a:xfrm>
-              <a:off x="3752729" y="136525"/>
-              <a:ext cx="4686541" cy="4210266"/>
-            </a:xfrm>
-            <a:prstGeom prst="rect">
-              <a:avLst/>
-            </a:prstGeom>
-          </p:spPr>
-        </p:pic>
-        <p:pic>
-          <p:nvPicPr>
-            <p:cNvPr id="9" name="Picture 8">
-              <a:extLst>
-                <a:ext uri="{FF2B5EF4-FFF2-40B4-BE49-F238E27FC236}">
-                  <a16:creationId xmlns:a16="http://schemas.microsoft.com/office/drawing/2014/main" id="{28A507F9-5F72-0559-AE6B-D8F1E0DE3A65}"/>
-                </a:ext>
-              </a:extLst>
-            </p:cNvPr>
-            <p:cNvPicPr>
-              <a:picLocks noChangeAspect="1"/>
-            </p:cNvPicPr>
-            <p:nvPr/>
-          </p:nvPicPr>
-          <p:blipFill>
-            <a:blip r:embed="rId4"/>
-            <a:stretch>
-              <a:fillRect/>
-            </a:stretch>
-          </p:blipFill>
-          <p:spPr>
-            <a:xfrm>
-              <a:off x="3752729" y="4315041"/>
-              <a:ext cx="4673840" cy="2749691"/>
-            </a:xfrm>
-            <a:prstGeom prst="rect">
-              <a:avLst/>
-            </a:prstGeom>
-          </p:spPr>
-        </p:pic>
-      </p:grpSp>
-      <p:sp>
-        <p:nvSpPr>
-          <p:cNvPr id="11" name="TextBox 10">
-            <a:extLst>
-              <a:ext uri="{FF2B5EF4-FFF2-40B4-BE49-F238E27FC236}">
-                <a16:creationId xmlns:a16="http://schemas.microsoft.com/office/drawing/2014/main" id="{D2D6C47A-F1FD-3AEC-5A76-B262080039F9}"/>
-              </a:ext>
-            </a:extLst>
-          </p:cNvPr>
-          <p:cNvSpPr txBox="1"/>
-          <p:nvPr/>
-        </p:nvSpPr>
-        <p:spPr>
-          <a:xfrm>
-            <a:off x="838200" y="2166938"/>
-            <a:ext cx="2468526" cy="923330"/>
-          </a:xfrm>
-          <a:prstGeom prst="rect">
-            <a:avLst/>
-          </a:prstGeom>
-          <a:noFill/>
-        </p:spPr>
-        <p:txBody>
-          <a:bodyPr wrap="square" rtlCol="0">
-            <a:spAutoFit/>
-          </a:bodyPr>
-          <a:lstStyle/>
-          <a:p>
-            <a:r>
-              <a:rPr lang="en-GB" dirty="0"/>
-              <a:t>Sustainability attitudes and behaviour – </a:t>
-            </a:r>
-            <a:br>
-              <a:rPr lang="en-GB" dirty="0"/>
-            </a:br>
-            <a:r>
-              <a:rPr lang="en-GB" dirty="0"/>
-              <a:t>based on MA Lisa Pauli</a:t>
-            </a:r>
-          </a:p>
-        </p:txBody>
-      </p:sp>
     </p:spTree>
     <p:extLst>
       <p:ext uri="{BB962C8B-B14F-4D97-AF65-F5344CB8AC3E}">
-        <p14:creationId xmlns:p14="http://schemas.microsoft.com/office/powerpoint/2010/main" val="3992079478"/>
+        <p14:creationId xmlns:p14="http://schemas.microsoft.com/office/powerpoint/2010/main" val="1034015600"/>
       </p:ext>
     </p:extLst>
   </p:cSld>

--- a/documents/proposal_as_ppt.pptx
+++ b/documents/proposal_as_ppt.pptx
@@ -1257,7 +1257,7 @@
           <a:p>
             <a:fld id="{D45F478C-19B8-4007-85C0-1B1FB6679583}" type="datetimeFigureOut">
               <a:rPr lang="en-GB" smtClean="0"/>
-              <a:t>03/04/2024</a:t>
+              <a:t>25/07/2024</a:t>
             </a:fld>
             <a:endParaRPr lang="en-GB"/>
           </a:p>
@@ -1758,7 +1758,7 @@
           <a:p>
             <a:fld id="{3C6FA151-EAC5-464A-86BA-1012663BC30E}" type="datetime1">
               <a:rPr lang="en-GB" smtClean="0"/>
-              <a:t>03/04/2024</a:t>
+              <a:t>25/07/2024</a:t>
             </a:fld>
             <a:endParaRPr lang="en-GB"/>
           </a:p>
@@ -1961,7 +1961,7 @@
           <a:p>
             <a:fld id="{5801DCF2-7C1D-4561-A029-2852EF5D2072}" type="datetime1">
               <a:rPr lang="en-GB" smtClean="0"/>
-              <a:t>03/04/2024</a:t>
+              <a:t>25/07/2024</a:t>
             </a:fld>
             <a:endParaRPr lang="en-GB"/>
           </a:p>
@@ -2174,7 +2174,7 @@
           <a:p>
             <a:fld id="{7619F4D1-41EA-4C45-AE34-CFD01CAAE541}" type="datetime1">
               <a:rPr lang="en-GB" smtClean="0"/>
-              <a:t>03/04/2024</a:t>
+              <a:t>25/07/2024</a:t>
             </a:fld>
             <a:endParaRPr lang="en-GB"/>
           </a:p>
@@ -2377,7 +2377,7 @@
           <a:p>
             <a:fld id="{676ADB0C-2706-41C4-9D6D-FDE2B8D9A78E}" type="datetime1">
               <a:rPr lang="en-GB" smtClean="0"/>
-              <a:t>03/04/2024</a:t>
+              <a:t>25/07/2024</a:t>
             </a:fld>
             <a:endParaRPr lang="en-GB"/>
           </a:p>
@@ -2656,7 +2656,7 @@
           <a:p>
             <a:fld id="{CA1DA76A-A919-473D-B354-18365EADF2F5}" type="datetime1">
               <a:rPr lang="en-GB" smtClean="0"/>
-              <a:t>03/04/2024</a:t>
+              <a:t>25/07/2024</a:t>
             </a:fld>
             <a:endParaRPr lang="en-GB"/>
           </a:p>
@@ -2927,7 +2927,7 @@
           <a:p>
             <a:fld id="{E51BBD68-46CA-4165-816E-CD8C056875FC}" type="datetime1">
               <a:rPr lang="en-GB" smtClean="0"/>
-              <a:t>03/04/2024</a:t>
+              <a:t>25/07/2024</a:t>
             </a:fld>
             <a:endParaRPr lang="en-GB"/>
           </a:p>
@@ -3345,7 +3345,7 @@
           <a:p>
             <a:fld id="{B2FAE00B-F786-4A05-8A94-4E14BC77E290}" type="datetime1">
               <a:rPr lang="en-GB" smtClean="0"/>
-              <a:t>03/04/2024</a:t>
+              <a:t>25/07/2024</a:t>
             </a:fld>
             <a:endParaRPr lang="en-GB"/>
           </a:p>
@@ -3490,7 +3490,7 @@
           <a:p>
             <a:fld id="{2017125D-372F-403A-BE3C-7D72C6C3FDF5}" type="datetime1">
               <a:rPr lang="en-GB" smtClean="0"/>
-              <a:t>03/04/2024</a:t>
+              <a:t>25/07/2024</a:t>
             </a:fld>
             <a:endParaRPr lang="en-GB"/>
           </a:p>
@@ -3606,7 +3606,7 @@
           <a:p>
             <a:fld id="{220398F7-D689-461D-B713-9ACC4E34E2F6}" type="datetime1">
               <a:rPr lang="en-GB" smtClean="0"/>
-              <a:t>03/04/2024</a:t>
+              <a:t>25/07/2024</a:t>
             </a:fld>
             <a:endParaRPr lang="en-GB"/>
           </a:p>
@@ -3922,7 +3922,7 @@
           <a:p>
             <a:fld id="{043CA75F-4FC6-4A09-B610-681E3F3B6E7D}" type="datetime1">
               <a:rPr lang="en-GB" smtClean="0"/>
-              <a:t>03/04/2024</a:t>
+              <a:t>25/07/2024</a:t>
             </a:fld>
             <a:endParaRPr lang="en-GB"/>
           </a:p>
@@ -4214,7 +4214,7 @@
           <a:p>
             <a:fld id="{4F9D3380-6300-4980-85F1-73CEABF7B00C}" type="datetime1">
               <a:rPr lang="en-GB" smtClean="0"/>
-              <a:t>03/04/2024</a:t>
+              <a:t>25/07/2024</a:t>
             </a:fld>
             <a:endParaRPr lang="en-GB"/>
           </a:p>
@@ -4460,7 +4460,7 @@
           <a:p>
             <a:fld id="{115F3E82-D6CD-4F98-8A25-92742025E9CB}" type="datetime1">
               <a:rPr lang="en-GB" smtClean="0"/>
-              <a:t>03/04/2024</a:t>
+              <a:t>25/07/2024</a:t>
             </a:fld>
             <a:endParaRPr lang="en-GB"/>
           </a:p>
@@ -8409,7 +8409,7 @@
         </p:nvSpPr>
         <p:spPr>
           <a:xfrm>
-            <a:off x="937334" y="-60059"/>
+            <a:off x="339775" y="-1342827"/>
             <a:ext cx="10515600" cy="1325563"/>
           </a:xfrm>
         </p:spPr>
@@ -8422,95 +8422,6 @@
             <a:r>
               <a:rPr lang="en-GB" sz="3200" dirty="0"/>
               <a:t>Research questions</a:t>
-            </a:r>
-          </a:p>
-        </p:txBody>
-      </p:sp>
-      <p:cxnSp>
-        <p:nvCxnSpPr>
-          <p:cNvPr id="16" name="Straight Arrow Connector 15">
-            <a:extLst>
-              <a:ext uri="{FF2B5EF4-FFF2-40B4-BE49-F238E27FC236}">
-                <a16:creationId xmlns:a16="http://schemas.microsoft.com/office/drawing/2014/main" id="{0E7848D9-14D0-0496-D96E-D268F81D3524}"/>
-              </a:ext>
-            </a:extLst>
-          </p:cNvPr>
-          <p:cNvCxnSpPr>
-            <a:cxnSpLocks/>
-          </p:cNvCxnSpPr>
-          <p:nvPr/>
-        </p:nvCxnSpPr>
-        <p:spPr>
-          <a:xfrm>
-            <a:off x="957146" y="6412665"/>
-            <a:ext cx="10475976" cy="0"/>
-          </a:xfrm>
-          <a:prstGeom prst="straightConnector1">
-            <a:avLst/>
-          </a:prstGeom>
-          <a:ln w="142875">
-            <a:solidFill>
-              <a:schemeClr val="tx1">
-                <a:lumMod val="65000"/>
-                <a:lumOff val="35000"/>
-              </a:schemeClr>
-            </a:solidFill>
-            <a:tailEnd type="triangle"/>
-          </a:ln>
-        </p:spPr>
-        <p:style>
-          <a:lnRef idx="2">
-            <a:schemeClr val="dk1"/>
-          </a:lnRef>
-          <a:fillRef idx="0">
-            <a:schemeClr val="dk1"/>
-          </a:fillRef>
-          <a:effectRef idx="1">
-            <a:schemeClr val="dk1"/>
-          </a:effectRef>
-          <a:fontRef idx="minor">
-            <a:schemeClr val="tx1"/>
-          </a:fontRef>
-        </p:style>
-      </p:cxnSp>
-      <p:sp>
-        <p:nvSpPr>
-          <p:cNvPr id="17" name="TextBox 16">
-            <a:extLst>
-              <a:ext uri="{FF2B5EF4-FFF2-40B4-BE49-F238E27FC236}">
-                <a16:creationId xmlns:a16="http://schemas.microsoft.com/office/drawing/2014/main" id="{C7A5EB5F-F75C-61AD-45DD-47B93BEE1595}"/>
-              </a:ext>
-            </a:extLst>
-          </p:cNvPr>
-          <p:cNvSpPr txBox="1"/>
-          <p:nvPr/>
-        </p:nvSpPr>
-        <p:spPr>
-          <a:xfrm>
-            <a:off x="1448000" y="6523470"/>
-            <a:ext cx="512760" cy="369332"/>
-          </a:xfrm>
-          <a:prstGeom prst="rect">
-            <a:avLst/>
-          </a:prstGeom>
-          <a:noFill/>
-        </p:spPr>
-        <p:txBody>
-          <a:bodyPr wrap="square" rtlCol="0">
-            <a:spAutoFit/>
-          </a:bodyPr>
-          <a:lstStyle/>
-          <a:p>
-            <a:r>
-              <a:rPr lang="en-GB" dirty="0">
-                <a:solidFill>
-                  <a:schemeClr val="tx1">
-                    <a:lumMod val="65000"/>
-                    <a:lumOff val="35000"/>
-                  </a:schemeClr>
-                </a:solidFill>
-              </a:rPr>
-              <a:t>t0</a:t>
             </a:r>
           </a:p>
         </p:txBody>
@@ -8599,50 +8510,12 @@
           </a:p>
         </p:txBody>
       </p:sp>
-      <p:pic>
-        <p:nvPicPr>
-          <p:cNvPr id="33" name="Graphic 32" descr="Children outline">
-            <a:extLst>
-              <a:ext uri="{FF2B5EF4-FFF2-40B4-BE49-F238E27FC236}">
-                <a16:creationId xmlns:a16="http://schemas.microsoft.com/office/drawing/2014/main" id="{67B71F81-AA02-8574-0794-84DA0473F636}"/>
-              </a:ext>
-            </a:extLst>
-          </p:cNvPr>
-          <p:cNvPicPr>
-            <a:picLocks noChangeAspect="1"/>
-          </p:cNvPicPr>
-          <p:nvPr/>
-        </p:nvPicPr>
-        <p:blipFill rotWithShape="1">
-          <a:blip r:embed="rId2">
-            <a:extLst>
-              <a:ext uri="{28A0092B-C50C-407E-A947-70E740481C1C}">
-                <a14:useLocalDpi xmlns:a14="http://schemas.microsoft.com/office/drawing/2010/main" val="0"/>
-              </a:ext>
-              <a:ext uri="{96DAC541-7B7A-43D3-8B79-37D633B846F1}">
-                <asvg:svgBlip xmlns:asvg="http://schemas.microsoft.com/office/drawing/2016/SVG/main" r:embed="rId3"/>
-              </a:ext>
-            </a:extLst>
-          </a:blip>
-          <a:srcRect l="2821" t="16365" r="2689" b="16706"/>
-          <a:stretch/>
-        </p:blipFill>
-        <p:spPr>
-          <a:xfrm>
-            <a:off x="914400" y="3464839"/>
-            <a:ext cx="864000" cy="612000"/>
-          </a:xfrm>
-          <a:prstGeom prst="rect">
-            <a:avLst/>
-          </a:prstGeom>
-        </p:spPr>
-      </p:pic>
       <p:grpSp>
         <p:nvGrpSpPr>
-          <p:cNvPr id="35" name="Group 34">
-            <a:extLst>
-              <a:ext uri="{FF2B5EF4-FFF2-40B4-BE49-F238E27FC236}">
-                <a16:creationId xmlns:a16="http://schemas.microsoft.com/office/drawing/2014/main" id="{95690BC1-A525-E85D-80C4-0152D87CE52E}"/>
+          <p:cNvPr id="6" name="Group 5">
+            <a:extLst>
+              <a:ext uri="{FF2B5EF4-FFF2-40B4-BE49-F238E27FC236}">
+                <a16:creationId xmlns:a16="http://schemas.microsoft.com/office/drawing/2014/main" id="{DC9933B4-53A1-2F4B-1EF4-4D8ED906F5F6}"/>
               </a:ext>
             </a:extLst>
           </p:cNvPr>
@@ -8651,1878 +8524,1890 @@
         </p:nvGrpSpPr>
         <p:grpSpPr>
           <a:xfrm>
-            <a:off x="4458507" y="3430396"/>
-            <a:ext cx="1607568" cy="671568"/>
-            <a:chOff x="838200" y="2914526"/>
-            <a:chExt cx="1607568" cy="671568"/>
+            <a:off x="0" y="1154764"/>
+            <a:ext cx="11677920" cy="5738038"/>
+            <a:chOff x="0" y="1154764"/>
+            <a:chExt cx="11677920" cy="5738038"/>
           </a:xfrm>
         </p:grpSpPr>
-        <p:pic>
-          <p:nvPicPr>
-            <p:cNvPr id="36" name="Graphic 35" descr="Children with solid fill">
+        <p:sp>
+          <p:nvSpPr>
+            <p:cNvPr id="17" name="TextBox 16">
               <a:extLst>
                 <a:ext uri="{FF2B5EF4-FFF2-40B4-BE49-F238E27FC236}">
-                  <a16:creationId xmlns:a16="http://schemas.microsoft.com/office/drawing/2014/main" id="{84000242-B157-DC86-AA21-1106E82C18A8}"/>
+                  <a16:creationId xmlns:a16="http://schemas.microsoft.com/office/drawing/2014/main" id="{C7A5EB5F-F75C-61AD-45DD-47B93BEE1595}"/>
                 </a:ext>
               </a:extLst>
             </p:cNvPr>
-            <p:cNvPicPr>
-              <a:picLocks noChangeAspect="1"/>
-            </p:cNvPicPr>
+            <p:cNvSpPr txBox="1"/>
             <p:nvPr/>
-          </p:nvPicPr>
-          <p:blipFill rotWithShape="1">
-            <a:blip r:embed="rId4">
-              <a:extLst>
-                <a:ext uri="{28A0092B-C50C-407E-A947-70E740481C1C}">
-                  <a14:useLocalDpi xmlns:a14="http://schemas.microsoft.com/office/drawing/2010/main" val="0"/>
-                </a:ext>
-                <a:ext uri="{96DAC541-7B7A-43D3-8B79-37D633B846F1}">
-                  <asvg:svgBlip xmlns:asvg="http://schemas.microsoft.com/office/drawing/2016/SVG/main" r:embed="rId5"/>
-                </a:ext>
-              </a:extLst>
-            </a:blip>
-            <a:srcRect l="-4307" t="13582" r="50140" b="19489"/>
-            <a:stretch/>
-          </p:blipFill>
+          </p:nvSpPr>
           <p:spPr>
             <a:xfrm>
-              <a:off x="1977768" y="2914526"/>
-              <a:ext cx="468000" cy="612000"/>
+              <a:off x="1448000" y="6523470"/>
+              <a:ext cx="512760" cy="369332"/>
             </a:xfrm>
             <a:prstGeom prst="rect">
               <a:avLst/>
             </a:prstGeom>
+            <a:noFill/>
           </p:spPr>
-        </p:pic>
-        <p:pic>
-          <p:nvPicPr>
-            <p:cNvPr id="37" name="Graphic 36" descr="Meeting with solid fill">
+          <p:txBody>
+            <a:bodyPr wrap="square" rtlCol="0">
+              <a:spAutoFit/>
+            </a:bodyPr>
+            <a:lstStyle/>
+            <a:p>
+              <a:r>
+                <a:rPr lang="en-GB" dirty="0">
+                  <a:solidFill>
+                    <a:schemeClr val="tx1">
+                      <a:lumMod val="65000"/>
+                      <a:lumOff val="35000"/>
+                    </a:schemeClr>
+                  </a:solidFill>
+                </a:rPr>
+                <a:t>t0</a:t>
+              </a:r>
+            </a:p>
+          </p:txBody>
+        </p:sp>
+        <p:grpSp>
+          <p:nvGrpSpPr>
+            <p:cNvPr id="5" name="Group 4">
               <a:extLst>
                 <a:ext uri="{FF2B5EF4-FFF2-40B4-BE49-F238E27FC236}">
-                  <a16:creationId xmlns:a16="http://schemas.microsoft.com/office/drawing/2014/main" id="{BA410E39-FC7D-C24F-201D-629A8AB5774D}"/>
+                  <a16:creationId xmlns:a16="http://schemas.microsoft.com/office/drawing/2014/main" id="{B9272BFE-D14F-1D50-1FCF-686B416585BC}"/>
                 </a:ext>
               </a:extLst>
             </p:cNvPr>
-            <p:cNvPicPr>
-              <a:picLocks noChangeAspect="1"/>
-            </p:cNvPicPr>
+            <p:cNvGrpSpPr/>
             <p:nvPr/>
-          </p:nvPicPr>
-          <p:blipFill>
-            <a:blip r:embed="rId6">
-              <a:extLst>
-                <a:ext uri="{28A0092B-C50C-407E-A947-70E740481C1C}">
-                  <a14:useLocalDpi xmlns:a14="http://schemas.microsoft.com/office/drawing/2010/main" val="0"/>
-                </a:ext>
-                <a:ext uri="{96DAC541-7B7A-43D3-8B79-37D633B846F1}">
-                  <asvg:svgBlip xmlns:asvg="http://schemas.microsoft.com/office/drawing/2016/SVG/main" r:embed="rId7"/>
-                </a:ext>
-              </a:extLst>
-            </a:blip>
-            <a:stretch>
-              <a:fillRect/>
-            </a:stretch>
-          </p:blipFill>
-          <p:spPr>
+          </p:nvGrpSpPr>
+          <p:grpSpPr>
             <a:xfrm>
-              <a:off x="1306200" y="2914526"/>
-              <a:ext cx="671568" cy="671568"/>
+              <a:off x="0" y="1154764"/>
+              <a:ext cx="11677920" cy="5715101"/>
+              <a:chOff x="0" y="1154764"/>
+              <a:chExt cx="11677920" cy="5715101"/>
             </a:xfrm>
-            <a:prstGeom prst="rect">
-              <a:avLst/>
-            </a:prstGeom>
-          </p:spPr>
-        </p:pic>
-        <p:pic>
-          <p:nvPicPr>
-            <p:cNvPr id="38" name="Graphic 37" descr="Children outline">
-              <a:extLst>
-                <a:ext uri="{FF2B5EF4-FFF2-40B4-BE49-F238E27FC236}">
-                  <a16:creationId xmlns:a16="http://schemas.microsoft.com/office/drawing/2014/main" id="{23B186A1-C392-B6FB-0805-1CB5E715C513}"/>
-                </a:ext>
-              </a:extLst>
-            </p:cNvPr>
-            <p:cNvPicPr>
-              <a:picLocks noChangeAspect="1"/>
-            </p:cNvPicPr>
-            <p:nvPr/>
-          </p:nvPicPr>
-          <p:blipFill rotWithShape="1">
-            <a:blip r:embed="rId2">
-              <a:extLst>
-                <a:ext uri="{28A0092B-C50C-407E-A947-70E740481C1C}">
-                  <a14:useLocalDpi xmlns:a14="http://schemas.microsoft.com/office/drawing/2010/main" val="0"/>
-                </a:ext>
-                <a:ext uri="{96DAC541-7B7A-43D3-8B79-37D633B846F1}">
-                  <asvg:svgBlip xmlns:asvg="http://schemas.microsoft.com/office/drawing/2016/SVG/main" r:embed="rId3"/>
-                </a:ext>
-              </a:extLst>
-            </a:blip>
-            <a:srcRect l="-1" t="16365" r="48820" b="16706"/>
-            <a:stretch/>
-          </p:blipFill>
-          <p:spPr>
-            <a:xfrm>
-              <a:off x="838200" y="2928718"/>
-              <a:ext cx="468000" cy="612000"/>
-            </a:xfrm>
-            <a:prstGeom prst="rect">
-              <a:avLst/>
-            </a:prstGeom>
-          </p:spPr>
-        </p:pic>
+          </p:grpSpPr>
+          <p:pic>
+            <p:nvPicPr>
+              <p:cNvPr id="96" name="Graphic 95" descr="Clock with solid fill">
+                <a:extLst>
+                  <a:ext uri="{FF2B5EF4-FFF2-40B4-BE49-F238E27FC236}">
+                    <a16:creationId xmlns:a16="http://schemas.microsoft.com/office/drawing/2014/main" id="{3F4B4452-9BF5-9469-DE19-0B2DD8304E6B}"/>
+                  </a:ext>
+                </a:extLst>
+              </p:cNvPr>
+              <p:cNvPicPr>
+                <a:picLocks noChangeAspect="1"/>
+              </p:cNvPicPr>
+              <p:nvPr/>
+            </p:nvPicPr>
+            <p:blipFill>
+              <a:blip r:embed="rId2">
+                <a:extLst>
+                  <a:ext uri="{28A0092B-C50C-407E-A947-70E740481C1C}">
+                    <a14:useLocalDpi xmlns:a14="http://schemas.microsoft.com/office/drawing/2010/main" val="0"/>
+                  </a:ext>
+                  <a:ext uri="{96DAC541-7B7A-43D3-8B79-37D633B846F1}">
+                    <asvg:svgBlip xmlns:asvg="http://schemas.microsoft.com/office/drawing/2016/SVG/main" r:embed="rId3"/>
+                  </a:ext>
+                </a:extLst>
+              </a:blip>
+              <a:stretch>
+                <a:fillRect/>
+              </a:stretch>
+            </p:blipFill>
+            <p:spPr>
+              <a:xfrm>
+                <a:off x="0" y="5955465"/>
+                <a:ext cx="914400" cy="914400"/>
+              </a:xfrm>
+              <a:prstGeom prst="rect">
+                <a:avLst/>
+              </a:prstGeom>
+            </p:spPr>
+          </p:pic>
+          <p:grpSp>
+            <p:nvGrpSpPr>
+              <p:cNvPr id="4" name="Group 3">
+                <a:extLst>
+                  <a:ext uri="{FF2B5EF4-FFF2-40B4-BE49-F238E27FC236}">
+                    <a16:creationId xmlns:a16="http://schemas.microsoft.com/office/drawing/2014/main" id="{85E8CADC-E878-B1C6-1A00-B0DE0C109D99}"/>
+                  </a:ext>
+                </a:extLst>
+              </p:cNvPr>
+              <p:cNvGrpSpPr/>
+              <p:nvPr/>
+            </p:nvGrpSpPr>
+            <p:grpSpPr>
+              <a:xfrm>
+                <a:off x="634647" y="1154764"/>
+                <a:ext cx="11043273" cy="5257901"/>
+                <a:chOff x="634647" y="1154764"/>
+                <a:chExt cx="11043273" cy="5257901"/>
+              </a:xfrm>
+            </p:grpSpPr>
+            <p:cxnSp>
+              <p:nvCxnSpPr>
+                <p:cNvPr id="16" name="Straight Arrow Connector 15">
+                  <a:extLst>
+                    <a:ext uri="{FF2B5EF4-FFF2-40B4-BE49-F238E27FC236}">
+                      <a16:creationId xmlns:a16="http://schemas.microsoft.com/office/drawing/2014/main" id="{0E7848D9-14D0-0496-D96E-D268F81D3524}"/>
+                    </a:ext>
+                  </a:extLst>
+                </p:cNvPr>
+                <p:cNvCxnSpPr>
+                  <a:cxnSpLocks/>
+                </p:cNvCxnSpPr>
+                <p:nvPr/>
+              </p:nvCxnSpPr>
+              <p:spPr>
+                <a:xfrm>
+                  <a:off x="957146" y="6412665"/>
+                  <a:ext cx="10475976" cy="0"/>
+                </a:xfrm>
+                <a:prstGeom prst="straightConnector1">
+                  <a:avLst/>
+                </a:prstGeom>
+                <a:ln w="142875">
+                  <a:solidFill>
+                    <a:schemeClr val="tx1">
+                      <a:lumMod val="65000"/>
+                      <a:lumOff val="35000"/>
+                    </a:schemeClr>
+                  </a:solidFill>
+                  <a:tailEnd type="triangle"/>
+                </a:ln>
+              </p:spPr>
+              <p:style>
+                <a:lnRef idx="2">
+                  <a:schemeClr val="dk1"/>
+                </a:lnRef>
+                <a:fillRef idx="0">
+                  <a:schemeClr val="dk1"/>
+                </a:fillRef>
+                <a:effectRef idx="1">
+                  <a:schemeClr val="dk1"/>
+                </a:effectRef>
+                <a:fontRef idx="minor">
+                  <a:schemeClr val="tx1"/>
+                </a:fontRef>
+              </p:style>
+            </p:cxnSp>
+            <p:pic>
+              <p:nvPicPr>
+                <p:cNvPr id="33" name="Graphic 32" descr="Children outline">
+                  <a:extLst>
+                    <a:ext uri="{FF2B5EF4-FFF2-40B4-BE49-F238E27FC236}">
+                      <a16:creationId xmlns:a16="http://schemas.microsoft.com/office/drawing/2014/main" id="{67B71F81-AA02-8574-0794-84DA0473F636}"/>
+                    </a:ext>
+                  </a:extLst>
+                </p:cNvPr>
+                <p:cNvPicPr>
+                  <a:picLocks noChangeAspect="1"/>
+                </p:cNvPicPr>
+                <p:nvPr/>
+              </p:nvPicPr>
+              <p:blipFill rotWithShape="1">
+                <a:blip r:embed="rId4">
+                  <a:extLst>
+                    <a:ext uri="{28A0092B-C50C-407E-A947-70E740481C1C}">
+                      <a14:useLocalDpi xmlns:a14="http://schemas.microsoft.com/office/drawing/2010/main" val="0"/>
+                    </a:ext>
+                    <a:ext uri="{96DAC541-7B7A-43D3-8B79-37D633B846F1}">
+                      <asvg:svgBlip xmlns:asvg="http://schemas.microsoft.com/office/drawing/2016/SVG/main" r:embed="rId5"/>
+                    </a:ext>
+                  </a:extLst>
+                </a:blip>
+                <a:srcRect l="2821" t="16365" r="2689" b="16706"/>
+                <a:stretch/>
+              </p:blipFill>
+              <p:spPr>
+                <a:xfrm>
+                  <a:off x="914400" y="3464839"/>
+                  <a:ext cx="864000" cy="612000"/>
+                </a:xfrm>
+                <a:prstGeom prst="rect">
+                  <a:avLst/>
+                </a:prstGeom>
+              </p:spPr>
+            </p:pic>
+            <p:grpSp>
+              <p:nvGrpSpPr>
+                <p:cNvPr id="35" name="Group 34">
+                  <a:extLst>
+                    <a:ext uri="{FF2B5EF4-FFF2-40B4-BE49-F238E27FC236}">
+                      <a16:creationId xmlns:a16="http://schemas.microsoft.com/office/drawing/2014/main" id="{95690BC1-A525-E85D-80C4-0152D87CE52E}"/>
+                    </a:ext>
+                  </a:extLst>
+                </p:cNvPr>
+                <p:cNvGrpSpPr/>
+                <p:nvPr/>
+              </p:nvGrpSpPr>
+              <p:grpSpPr>
+                <a:xfrm>
+                  <a:off x="4458507" y="3429000"/>
+                  <a:ext cx="884106" cy="627588"/>
+                  <a:chOff x="838200" y="2913130"/>
+                  <a:chExt cx="884106" cy="627588"/>
+                </a:xfrm>
+              </p:grpSpPr>
+              <p:pic>
+                <p:nvPicPr>
+                  <p:cNvPr id="36" name="Graphic 35" descr="Children with solid fill">
+                    <a:extLst>
+                      <a:ext uri="{FF2B5EF4-FFF2-40B4-BE49-F238E27FC236}">
+                        <a16:creationId xmlns:a16="http://schemas.microsoft.com/office/drawing/2014/main" id="{84000242-B157-DC86-AA21-1106E82C18A8}"/>
+                      </a:ext>
+                    </a:extLst>
+                  </p:cNvPr>
+                  <p:cNvPicPr>
+                    <a:picLocks noChangeAspect="1"/>
+                  </p:cNvPicPr>
+                  <p:nvPr/>
+                </p:nvPicPr>
+                <p:blipFill rotWithShape="1">
+                  <a:blip r:embed="rId6">
+                    <a:extLst>
+                      <a:ext uri="{28A0092B-C50C-407E-A947-70E740481C1C}">
+                        <a14:useLocalDpi xmlns:a14="http://schemas.microsoft.com/office/drawing/2010/main" val="0"/>
+                      </a:ext>
+                      <a:ext uri="{96DAC541-7B7A-43D3-8B79-37D633B846F1}">
+                        <asvg:svgBlip xmlns:asvg="http://schemas.microsoft.com/office/drawing/2016/SVG/main" r:embed="rId7"/>
+                      </a:ext>
+                    </a:extLst>
+                  </a:blip>
+                  <a:srcRect l="-4307" t="13582" r="50140" b="19489"/>
+                  <a:stretch/>
+                </p:blipFill>
+                <p:spPr>
+                  <a:xfrm>
+                    <a:off x="1254306" y="2913130"/>
+                    <a:ext cx="468000" cy="612000"/>
+                  </a:xfrm>
+                  <a:prstGeom prst="rect">
+                    <a:avLst/>
+                  </a:prstGeom>
+                </p:spPr>
+              </p:pic>
+              <p:pic>
+                <p:nvPicPr>
+                  <p:cNvPr id="38" name="Graphic 37" descr="Children outline">
+                    <a:extLst>
+                      <a:ext uri="{FF2B5EF4-FFF2-40B4-BE49-F238E27FC236}">
+                        <a16:creationId xmlns:a16="http://schemas.microsoft.com/office/drawing/2014/main" id="{23B186A1-C392-B6FB-0805-1CB5E715C513}"/>
+                      </a:ext>
+                    </a:extLst>
+                  </p:cNvPr>
+                  <p:cNvPicPr>
+                    <a:picLocks noChangeAspect="1"/>
+                  </p:cNvPicPr>
+                  <p:nvPr/>
+                </p:nvPicPr>
+                <p:blipFill rotWithShape="1">
+                  <a:blip r:embed="rId4">
+                    <a:extLst>
+                      <a:ext uri="{28A0092B-C50C-407E-A947-70E740481C1C}">
+                        <a14:useLocalDpi xmlns:a14="http://schemas.microsoft.com/office/drawing/2010/main" val="0"/>
+                      </a:ext>
+                      <a:ext uri="{96DAC541-7B7A-43D3-8B79-37D633B846F1}">
+                        <asvg:svgBlip xmlns:asvg="http://schemas.microsoft.com/office/drawing/2016/SVG/main" r:embed="rId5"/>
+                      </a:ext>
+                    </a:extLst>
+                  </a:blip>
+                  <a:srcRect l="-1" t="16365" r="48820" b="16706"/>
+                  <a:stretch/>
+                </p:blipFill>
+                <p:spPr>
+                  <a:xfrm>
+                    <a:off x="838200" y="2928718"/>
+                    <a:ext cx="468000" cy="612000"/>
+                  </a:xfrm>
+                  <a:prstGeom prst="rect">
+                    <a:avLst/>
+                  </a:prstGeom>
+                </p:spPr>
+              </p:pic>
+            </p:grpSp>
+            <p:grpSp>
+              <p:nvGrpSpPr>
+                <p:cNvPr id="39" name="Group 38">
+                  <a:extLst>
+                    <a:ext uri="{FF2B5EF4-FFF2-40B4-BE49-F238E27FC236}">
+                      <a16:creationId xmlns:a16="http://schemas.microsoft.com/office/drawing/2014/main" id="{D26A779F-C15C-3966-94D2-53982F59CD75}"/>
+                    </a:ext>
+                  </a:extLst>
+                </p:cNvPr>
+                <p:cNvGrpSpPr/>
+                <p:nvPr/>
+              </p:nvGrpSpPr>
+              <p:grpSpPr>
+                <a:xfrm>
+                  <a:off x="8186234" y="3474648"/>
+                  <a:ext cx="919181" cy="617787"/>
+                  <a:chOff x="838200" y="2922931"/>
+                  <a:chExt cx="919181" cy="617787"/>
+                </a:xfrm>
+              </p:grpSpPr>
+              <p:pic>
+                <p:nvPicPr>
+                  <p:cNvPr id="40" name="Graphic 39" descr="Children with solid fill">
+                    <a:extLst>
+                      <a:ext uri="{FF2B5EF4-FFF2-40B4-BE49-F238E27FC236}">
+                        <a16:creationId xmlns:a16="http://schemas.microsoft.com/office/drawing/2014/main" id="{E48342FB-103E-585C-BEF8-46DA6BD66D3A}"/>
+                      </a:ext>
+                    </a:extLst>
+                  </p:cNvPr>
+                  <p:cNvPicPr>
+                    <a:picLocks noChangeAspect="1"/>
+                  </p:cNvPicPr>
+                  <p:nvPr/>
+                </p:nvPicPr>
+                <p:blipFill rotWithShape="1">
+                  <a:blip r:embed="rId6">
+                    <a:extLst>
+                      <a:ext uri="{28A0092B-C50C-407E-A947-70E740481C1C}">
+                        <a14:useLocalDpi xmlns:a14="http://schemas.microsoft.com/office/drawing/2010/main" val="0"/>
+                      </a:ext>
+                      <a:ext uri="{96DAC541-7B7A-43D3-8B79-37D633B846F1}">
+                        <asvg:svgBlip xmlns:asvg="http://schemas.microsoft.com/office/drawing/2016/SVG/main" r:embed="rId7"/>
+                      </a:ext>
+                    </a:extLst>
+                  </a:blip>
+                  <a:srcRect l="-4307" t="13582" r="50140" b="19489"/>
+                  <a:stretch/>
+                </p:blipFill>
+                <p:spPr>
+                  <a:xfrm>
+                    <a:off x="1289381" y="2922931"/>
+                    <a:ext cx="468000" cy="612000"/>
+                  </a:xfrm>
+                  <a:prstGeom prst="rect">
+                    <a:avLst/>
+                  </a:prstGeom>
+                </p:spPr>
+              </p:pic>
+              <p:pic>
+                <p:nvPicPr>
+                  <p:cNvPr id="42" name="Graphic 41" descr="Children outline">
+                    <a:extLst>
+                      <a:ext uri="{FF2B5EF4-FFF2-40B4-BE49-F238E27FC236}">
+                        <a16:creationId xmlns:a16="http://schemas.microsoft.com/office/drawing/2014/main" id="{74DC6035-5DBA-BEE4-297D-CD095E419CF9}"/>
+                      </a:ext>
+                    </a:extLst>
+                  </p:cNvPr>
+                  <p:cNvPicPr>
+                    <a:picLocks noChangeAspect="1"/>
+                  </p:cNvPicPr>
+                  <p:nvPr/>
+                </p:nvPicPr>
+                <p:blipFill rotWithShape="1">
+                  <a:blip r:embed="rId4">
+                    <a:extLst>
+                      <a:ext uri="{28A0092B-C50C-407E-A947-70E740481C1C}">
+                        <a14:useLocalDpi xmlns:a14="http://schemas.microsoft.com/office/drawing/2010/main" val="0"/>
+                      </a:ext>
+                      <a:ext uri="{96DAC541-7B7A-43D3-8B79-37D633B846F1}">
+                        <asvg:svgBlip xmlns:asvg="http://schemas.microsoft.com/office/drawing/2016/SVG/main" r:embed="rId5"/>
+                      </a:ext>
+                    </a:extLst>
+                  </a:blip>
+                  <a:srcRect l="-1" t="16365" r="48820" b="16706"/>
+                  <a:stretch/>
+                </p:blipFill>
+                <p:spPr>
+                  <a:xfrm>
+                    <a:off x="838200" y="2928718"/>
+                    <a:ext cx="468000" cy="612000"/>
+                  </a:xfrm>
+                  <a:prstGeom prst="rect">
+                    <a:avLst/>
+                  </a:prstGeom>
+                </p:spPr>
+              </p:pic>
+            </p:grpSp>
+            <p:pic>
+              <p:nvPicPr>
+                <p:cNvPr id="43" name="Picture 42" descr="A blue and green logo&#10;&#10;Description automatically generated">
+                  <a:extLst>
+                    <a:ext uri="{FF2B5EF4-FFF2-40B4-BE49-F238E27FC236}">
+                      <a16:creationId xmlns:a16="http://schemas.microsoft.com/office/drawing/2014/main" id="{185B6D83-DCDA-A92A-9FE3-8ECD6A5C5DF9}"/>
+                    </a:ext>
+                  </a:extLst>
+                </p:cNvPr>
+                <p:cNvPicPr>
+                  <a:picLocks noChangeAspect="1"/>
+                </p:cNvPicPr>
+                <p:nvPr/>
+              </p:nvPicPr>
+              <p:blipFill>
+                <a:blip r:embed="rId8">
+                  <a:extLst>
+                    <a:ext uri="{28A0092B-C50C-407E-A947-70E740481C1C}">
+                      <a14:useLocalDpi xmlns:a14="http://schemas.microsoft.com/office/drawing/2010/main" val="0"/>
+                    </a:ext>
+                  </a:extLst>
+                </a:blip>
+                <a:stretch>
+                  <a:fillRect/>
+                </a:stretch>
+              </p:blipFill>
+              <p:spPr>
+                <a:xfrm>
+                  <a:off x="2772039" y="1272014"/>
+                  <a:ext cx="850164" cy="618301"/>
+                </a:xfrm>
+                <a:prstGeom prst="rect">
+                  <a:avLst/>
+                </a:prstGeom>
+              </p:spPr>
+            </p:pic>
+            <p:pic>
+              <p:nvPicPr>
+                <p:cNvPr id="44" name="Graphic 43" descr="List with solid fill">
+                  <a:extLst>
+                    <a:ext uri="{FF2B5EF4-FFF2-40B4-BE49-F238E27FC236}">
+                      <a16:creationId xmlns:a16="http://schemas.microsoft.com/office/drawing/2014/main" id="{C81B34F7-65B3-94C9-1865-F0F49BB17F84}"/>
+                    </a:ext>
+                  </a:extLst>
+                </p:cNvPr>
+                <p:cNvPicPr>
+                  <a:picLocks noChangeAspect="1"/>
+                </p:cNvPicPr>
+                <p:nvPr/>
+              </p:nvPicPr>
+              <p:blipFill>
+                <a:blip r:embed="rId9">
+                  <a:extLst>
+                    <a:ext uri="{28A0092B-C50C-407E-A947-70E740481C1C}">
+                      <a14:useLocalDpi xmlns:a14="http://schemas.microsoft.com/office/drawing/2010/main" val="0"/>
+                    </a:ext>
+                    <a:ext uri="{96DAC541-7B7A-43D3-8B79-37D633B846F1}">
+                      <asvg:svgBlip xmlns:asvg="http://schemas.microsoft.com/office/drawing/2016/SVG/main" r:embed="rId10"/>
+                    </a:ext>
+                  </a:extLst>
+                </a:blip>
+                <a:stretch>
+                  <a:fillRect/>
+                </a:stretch>
+              </p:blipFill>
+              <p:spPr>
+                <a:xfrm>
+                  <a:off x="6380870" y="2287287"/>
+                  <a:ext cx="511611" cy="511611"/>
+                </a:xfrm>
+                <a:prstGeom prst="rect">
+                  <a:avLst/>
+                </a:prstGeom>
+              </p:spPr>
+            </p:pic>
+            <p:pic>
+              <p:nvPicPr>
+                <p:cNvPr id="45" name="Graphic 44" descr="Children outline">
+                  <a:extLst>
+                    <a:ext uri="{FF2B5EF4-FFF2-40B4-BE49-F238E27FC236}">
+                      <a16:creationId xmlns:a16="http://schemas.microsoft.com/office/drawing/2014/main" id="{D5EF5278-23FE-40E3-5E29-A448A5B3B30A}"/>
+                    </a:ext>
+                  </a:extLst>
+                </p:cNvPr>
+                <p:cNvPicPr>
+                  <a:picLocks noChangeAspect="1"/>
+                </p:cNvPicPr>
+                <p:nvPr/>
+              </p:nvPicPr>
+              <p:blipFill rotWithShape="1">
+                <a:blip r:embed="rId4">
+                  <a:extLst>
+                    <a:ext uri="{28A0092B-C50C-407E-A947-70E740481C1C}">
+                      <a14:useLocalDpi xmlns:a14="http://schemas.microsoft.com/office/drawing/2010/main" val="0"/>
+                    </a:ext>
+                    <a:ext uri="{96DAC541-7B7A-43D3-8B79-37D633B846F1}">
+                      <asvg:svgBlip xmlns:asvg="http://schemas.microsoft.com/office/drawing/2016/SVG/main" r:embed="rId5"/>
+                    </a:ext>
+                  </a:extLst>
+                </a:blip>
+                <a:srcRect l="2818" t="16365" r="26310" b="16706"/>
+                <a:stretch/>
+              </p:blipFill>
+              <p:spPr>
+                <a:xfrm>
+                  <a:off x="1769256" y="3464839"/>
+                  <a:ext cx="648000" cy="612000"/>
+                </a:xfrm>
+                <a:prstGeom prst="rect">
+                  <a:avLst/>
+                </a:prstGeom>
+              </p:spPr>
+            </p:pic>
+            <p:pic>
+              <p:nvPicPr>
+                <p:cNvPr id="47" name="Picture 46">
+                  <a:extLst>
+                    <a:ext uri="{FF2B5EF4-FFF2-40B4-BE49-F238E27FC236}">
+                      <a16:creationId xmlns:a16="http://schemas.microsoft.com/office/drawing/2014/main" id="{40317317-DC88-4245-3BD4-8A25164F4102}"/>
+                    </a:ext>
+                  </a:extLst>
+                </p:cNvPr>
+                <p:cNvPicPr>
+                  <a:picLocks noChangeAspect="1"/>
+                </p:cNvPicPr>
+                <p:nvPr/>
+              </p:nvPicPr>
+              <p:blipFill>
+                <a:blip r:embed="rId11"/>
+                <a:stretch>
+                  <a:fillRect/>
+                </a:stretch>
+              </p:blipFill>
+              <p:spPr>
+                <a:xfrm>
+                  <a:off x="2978775" y="1961582"/>
+                  <a:ext cx="1479732" cy="340046"/>
+                </a:xfrm>
+                <a:prstGeom prst="rect">
+                  <a:avLst/>
+                </a:prstGeom>
+              </p:spPr>
+            </p:pic>
+            <p:pic>
+              <p:nvPicPr>
+                <p:cNvPr id="51" name="Graphic 50" descr="Meeting with solid fill">
+                  <a:extLst>
+                    <a:ext uri="{FF2B5EF4-FFF2-40B4-BE49-F238E27FC236}">
+                      <a16:creationId xmlns:a16="http://schemas.microsoft.com/office/drawing/2014/main" id="{7B03E7C3-6D69-B386-06D5-B12D160BBE0E}"/>
+                    </a:ext>
+                  </a:extLst>
+                </p:cNvPr>
+                <p:cNvPicPr>
+                  <a:picLocks noChangeAspect="1"/>
+                </p:cNvPicPr>
+                <p:nvPr/>
+              </p:nvPicPr>
+              <p:blipFill>
+                <a:blip r:embed="rId12">
+                  <a:extLst>
+                    <a:ext uri="{28A0092B-C50C-407E-A947-70E740481C1C}">
+                      <a14:useLocalDpi xmlns:a14="http://schemas.microsoft.com/office/drawing/2010/main" val="0"/>
+                    </a:ext>
+                    <a:ext uri="{96DAC541-7B7A-43D3-8B79-37D633B846F1}">
+                      <asvg:svgBlip xmlns:asvg="http://schemas.microsoft.com/office/drawing/2016/SVG/main" r:embed="rId13"/>
+                    </a:ext>
+                  </a:extLst>
+                </a:blip>
+                <a:stretch>
+                  <a:fillRect/>
+                </a:stretch>
+              </p:blipFill>
+              <p:spPr>
+                <a:xfrm>
+                  <a:off x="2670363" y="2362376"/>
+                  <a:ext cx="511612" cy="511612"/>
+                </a:xfrm>
+                <a:prstGeom prst="rect">
+                  <a:avLst/>
+                </a:prstGeom>
+              </p:spPr>
+            </p:pic>
+            <p:pic>
+              <p:nvPicPr>
+                <p:cNvPr id="52" name="Graphic 51" descr="Children with solid fill">
+                  <a:extLst>
+                    <a:ext uri="{FF2B5EF4-FFF2-40B4-BE49-F238E27FC236}">
+                      <a16:creationId xmlns:a16="http://schemas.microsoft.com/office/drawing/2014/main" id="{DB220FFB-2B4B-43CD-A4F6-74FC5DB2BCEF}"/>
+                    </a:ext>
+                  </a:extLst>
+                </p:cNvPr>
+                <p:cNvPicPr>
+                  <a:picLocks noChangeAspect="1"/>
+                </p:cNvPicPr>
+                <p:nvPr/>
+              </p:nvPicPr>
+              <p:blipFill rotWithShape="1">
+                <a:blip r:embed="rId6">
+                  <a:extLst>
+                    <a:ext uri="{28A0092B-C50C-407E-A947-70E740481C1C}">
+                      <a14:useLocalDpi xmlns:a14="http://schemas.microsoft.com/office/drawing/2010/main" val="0"/>
+                    </a:ext>
+                    <a:ext uri="{96DAC541-7B7A-43D3-8B79-37D633B846F1}">
+                      <asvg:svgBlip xmlns:asvg="http://schemas.microsoft.com/office/drawing/2016/SVG/main" r:embed="rId7"/>
+                    </a:ext>
+                  </a:extLst>
+                </a:blip>
+                <a:srcRect l="-4307" t="13582" r="50140" b="19489"/>
+                <a:stretch/>
+              </p:blipFill>
+              <p:spPr>
+                <a:xfrm>
+                  <a:off x="2623546" y="1890315"/>
+                  <a:ext cx="347786" cy="454797"/>
+                </a:xfrm>
+                <a:prstGeom prst="rect">
+                  <a:avLst/>
+                </a:prstGeom>
+              </p:spPr>
+            </p:pic>
+            <p:pic>
+              <p:nvPicPr>
+                <p:cNvPr id="54" name="Graphic 53" descr="Architecture outline">
+                  <a:extLst>
+                    <a:ext uri="{FF2B5EF4-FFF2-40B4-BE49-F238E27FC236}">
+                      <a16:creationId xmlns:a16="http://schemas.microsoft.com/office/drawing/2014/main" id="{C7EFEF8C-1866-18C2-FADF-3CB1349003D5}"/>
+                    </a:ext>
+                  </a:extLst>
+                </p:cNvPr>
+                <p:cNvPicPr>
+                  <a:picLocks noChangeAspect="1"/>
+                </p:cNvPicPr>
+                <p:nvPr/>
+              </p:nvPicPr>
+              <p:blipFill>
+                <a:blip r:embed="rId14">
+                  <a:extLst>
+                    <a:ext uri="{28A0092B-C50C-407E-A947-70E740481C1C}">
+                      <a14:useLocalDpi xmlns:a14="http://schemas.microsoft.com/office/drawing/2010/main" val="0"/>
+                    </a:ext>
+                    <a:ext uri="{96DAC541-7B7A-43D3-8B79-37D633B846F1}">
+                      <asvg:svgBlip xmlns:asvg="http://schemas.microsoft.com/office/drawing/2016/SVG/main" r:embed="rId15"/>
+                    </a:ext>
+                  </a:extLst>
+                </a:blip>
+                <a:stretch>
+                  <a:fillRect/>
+                </a:stretch>
+              </p:blipFill>
+              <p:spPr>
+                <a:xfrm>
+                  <a:off x="3366397" y="2378718"/>
+                  <a:ext cx="511611" cy="511611"/>
+                </a:xfrm>
+                <a:prstGeom prst="rect">
+                  <a:avLst/>
+                </a:prstGeom>
+              </p:spPr>
+            </p:pic>
+            <p:pic>
+              <p:nvPicPr>
+                <p:cNvPr id="56" name="Graphic 55" descr="Home outline">
+                  <a:extLst>
+                    <a:ext uri="{FF2B5EF4-FFF2-40B4-BE49-F238E27FC236}">
+                      <a16:creationId xmlns:a16="http://schemas.microsoft.com/office/drawing/2014/main" id="{BFB9BFA8-0363-02D5-248E-70AA4F05FB48}"/>
+                    </a:ext>
+                  </a:extLst>
+                </p:cNvPr>
+                <p:cNvPicPr>
+                  <a:picLocks noChangeAspect="1"/>
+                </p:cNvPicPr>
+                <p:nvPr/>
+              </p:nvPicPr>
+              <p:blipFill>
+                <a:blip r:embed="rId16">
+                  <a:extLst>
+                    <a:ext uri="{28A0092B-C50C-407E-A947-70E740481C1C}">
+                      <a14:useLocalDpi xmlns:a14="http://schemas.microsoft.com/office/drawing/2010/main" val="0"/>
+                    </a:ext>
+                    <a:ext uri="{96DAC541-7B7A-43D3-8B79-37D633B846F1}">
+                      <asvg:svgBlip xmlns:asvg="http://schemas.microsoft.com/office/drawing/2016/SVG/main" r:embed="rId17"/>
+                    </a:ext>
+                  </a:extLst>
+                </a:blip>
+                <a:stretch>
+                  <a:fillRect/>
+                </a:stretch>
+              </p:blipFill>
+              <p:spPr>
+                <a:xfrm>
+                  <a:off x="6892481" y="2227005"/>
+                  <a:ext cx="550653" cy="550653"/>
+                </a:xfrm>
+                <a:prstGeom prst="rect">
+                  <a:avLst/>
+                </a:prstGeom>
+              </p:spPr>
+            </p:pic>
+            <p:pic>
+              <p:nvPicPr>
+                <p:cNvPr id="57" name="Graphic 56" descr="Muscular arm with solid fill">
+                  <a:extLst>
+                    <a:ext uri="{FF2B5EF4-FFF2-40B4-BE49-F238E27FC236}">
+                      <a16:creationId xmlns:a16="http://schemas.microsoft.com/office/drawing/2014/main" id="{EC251AC1-69BA-7D73-88F5-B24EE1C14EF0}"/>
+                    </a:ext>
+                  </a:extLst>
+                </p:cNvPr>
+                <p:cNvPicPr>
+                  <a:picLocks noChangeAspect="1"/>
+                </p:cNvPicPr>
+                <p:nvPr/>
+              </p:nvPicPr>
+              <p:blipFill>
+                <a:blip r:embed="rId18">
+                  <a:extLst>
+                    <a:ext uri="{28A0092B-C50C-407E-A947-70E740481C1C}">
+                      <a14:useLocalDpi xmlns:a14="http://schemas.microsoft.com/office/drawing/2010/main" val="0"/>
+                    </a:ext>
+                    <a:ext uri="{96DAC541-7B7A-43D3-8B79-37D633B846F1}">
+                      <asvg:svgBlip xmlns:asvg="http://schemas.microsoft.com/office/drawing/2016/SVG/main" r:embed="rId19"/>
+                    </a:ext>
+                  </a:extLst>
+                </a:blip>
+                <a:stretch>
+                  <a:fillRect/>
+                </a:stretch>
+              </p:blipFill>
+              <p:spPr>
+                <a:xfrm>
+                  <a:off x="10896128" y="4120461"/>
+                  <a:ext cx="781792" cy="738962"/>
+                </a:xfrm>
+                <a:prstGeom prst="rect">
+                  <a:avLst/>
+                </a:prstGeom>
+              </p:spPr>
+            </p:pic>
+            <p:sp>
+              <p:nvSpPr>
+                <p:cNvPr id="58" name="Rectangle: Rounded Corners 57">
+                  <a:extLst>
+                    <a:ext uri="{FF2B5EF4-FFF2-40B4-BE49-F238E27FC236}">
+                      <a16:creationId xmlns:a16="http://schemas.microsoft.com/office/drawing/2014/main" id="{00D4B837-BB41-30B1-7323-74FD27886F39}"/>
+                    </a:ext>
+                  </a:extLst>
+                </p:cNvPr>
+                <p:cNvSpPr/>
+                <p:nvPr/>
+              </p:nvSpPr>
+              <p:spPr>
+                <a:xfrm>
+                  <a:off x="634647" y="1154764"/>
+                  <a:ext cx="7390783" cy="4548472"/>
+                </a:xfrm>
+                <a:prstGeom prst="roundRect">
+                  <a:avLst/>
+                </a:prstGeom>
+                <a:noFill/>
+                <a:ln w="38100">
+                  <a:solidFill>
+                    <a:schemeClr val="dk1">
+                      <a:shade val="15000"/>
+                      <a:alpha val="28000"/>
+                    </a:schemeClr>
+                  </a:solidFill>
+                  <a:prstDash val="sysDot"/>
+                </a:ln>
+              </p:spPr>
+              <p:style>
+                <a:lnRef idx="2">
+                  <a:schemeClr val="dk1">
+                    <a:shade val="15000"/>
+                  </a:schemeClr>
+                </a:lnRef>
+                <a:fillRef idx="1">
+                  <a:schemeClr val="dk1"/>
+                </a:fillRef>
+                <a:effectRef idx="0">
+                  <a:schemeClr val="dk1"/>
+                </a:effectRef>
+                <a:fontRef idx="minor">
+                  <a:schemeClr val="lt1"/>
+                </a:fontRef>
+              </p:style>
+              <p:txBody>
+                <a:bodyPr rtlCol="0" anchor="ctr"/>
+                <a:lstStyle/>
+                <a:p>
+                  <a:pPr algn="ctr"/>
+                  <a:endParaRPr lang="en-GB"/>
+                </a:p>
+              </p:txBody>
+            </p:sp>
+            <p:grpSp>
+              <p:nvGrpSpPr>
+                <p:cNvPr id="67" name="Group 66">
+                  <a:extLst>
+                    <a:ext uri="{FF2B5EF4-FFF2-40B4-BE49-F238E27FC236}">
+                      <a16:creationId xmlns:a16="http://schemas.microsoft.com/office/drawing/2014/main" id="{523D7414-4725-F53D-6111-D9452DCD67F8}"/>
+                    </a:ext>
+                  </a:extLst>
+                </p:cNvPr>
+                <p:cNvGrpSpPr/>
+                <p:nvPr/>
+              </p:nvGrpSpPr>
+              <p:grpSpPr>
+                <a:xfrm>
+                  <a:off x="795171" y="4136407"/>
+                  <a:ext cx="1581926" cy="707070"/>
+                  <a:chOff x="744771" y="3600286"/>
+                  <a:chExt cx="1581926" cy="707070"/>
+                </a:xfrm>
+              </p:grpSpPr>
+              <p:pic>
+                <p:nvPicPr>
+                  <p:cNvPr id="60" name="Graphic 59" descr="Sustainability with solid fill">
+                    <a:extLst>
+                      <a:ext uri="{FF2B5EF4-FFF2-40B4-BE49-F238E27FC236}">
+                        <a16:creationId xmlns:a16="http://schemas.microsoft.com/office/drawing/2014/main" id="{2153F129-F557-6803-0FA2-D52587C2FC01}"/>
+                      </a:ext>
+                    </a:extLst>
+                  </p:cNvPr>
+                  <p:cNvPicPr>
+                    <a:picLocks noChangeAspect="1"/>
+                  </p:cNvPicPr>
+                  <p:nvPr/>
+                </p:nvPicPr>
+                <p:blipFill>
+                  <a:blip r:embed="rId20">
+                    <a:extLst>
+                      <a:ext uri="{28A0092B-C50C-407E-A947-70E740481C1C}">
+                        <a14:useLocalDpi xmlns:a14="http://schemas.microsoft.com/office/drawing/2010/main" val="0"/>
+                      </a:ext>
+                      <a:ext uri="{96DAC541-7B7A-43D3-8B79-37D633B846F1}">
+                        <asvg:svgBlip xmlns:asvg="http://schemas.microsoft.com/office/drawing/2016/SVG/main" r:embed="rId21"/>
+                      </a:ext>
+                    </a:extLst>
+                  </a:blip>
+                  <a:stretch>
+                    <a:fillRect/>
+                  </a:stretch>
+                </p:blipFill>
+                <p:spPr>
+                  <a:xfrm>
+                    <a:off x="1301196" y="3708961"/>
+                    <a:ext cx="647999" cy="508908"/>
+                  </a:xfrm>
+                  <a:prstGeom prst="rect">
+                    <a:avLst/>
+                  </a:prstGeom>
+                </p:spPr>
+              </p:pic>
+              <p:pic>
+                <p:nvPicPr>
+                  <p:cNvPr id="62" name="Graphic 61" descr="Lightbulb with solid fill">
+                    <a:extLst>
+                      <a:ext uri="{FF2B5EF4-FFF2-40B4-BE49-F238E27FC236}">
+                        <a16:creationId xmlns:a16="http://schemas.microsoft.com/office/drawing/2014/main" id="{B0C103A4-8C9A-E003-1F69-DDCE815665AF}"/>
+                      </a:ext>
+                    </a:extLst>
+                  </p:cNvPr>
+                  <p:cNvPicPr>
+                    <a:picLocks noChangeAspect="1"/>
+                  </p:cNvPicPr>
+                  <p:nvPr/>
+                </p:nvPicPr>
+                <p:blipFill>
+                  <a:blip r:embed="rId22">
+                    <a:extLst>
+                      <a:ext uri="{28A0092B-C50C-407E-A947-70E740481C1C}">
+                        <a14:useLocalDpi xmlns:a14="http://schemas.microsoft.com/office/drawing/2010/main" val="0"/>
+                      </a:ext>
+                      <a:ext uri="{96DAC541-7B7A-43D3-8B79-37D633B846F1}">
+                        <asvg:svgBlip xmlns:asvg="http://schemas.microsoft.com/office/drawing/2016/SVG/main" r:embed="rId23"/>
+                      </a:ext>
+                    </a:extLst>
+                  </a:blip>
+                  <a:stretch>
+                    <a:fillRect/>
+                  </a:stretch>
+                </p:blipFill>
+                <p:spPr>
+                  <a:xfrm>
+                    <a:off x="1826956" y="3705065"/>
+                    <a:ext cx="499741" cy="499741"/>
+                  </a:xfrm>
+                  <a:prstGeom prst="rect">
+                    <a:avLst/>
+                  </a:prstGeom>
+                </p:spPr>
+              </p:pic>
+              <p:pic>
+                <p:nvPicPr>
+                  <p:cNvPr id="64" name="Graphic 63" descr="Clipboard Partially Crossed with solid fill">
+                    <a:extLst>
+                      <a:ext uri="{FF2B5EF4-FFF2-40B4-BE49-F238E27FC236}">
+                        <a16:creationId xmlns:a16="http://schemas.microsoft.com/office/drawing/2014/main" id="{24BF40C8-D85C-DD1E-F67A-0AAC9D104BE9}"/>
+                      </a:ext>
+                    </a:extLst>
+                  </p:cNvPr>
+                  <p:cNvPicPr>
+                    <a:picLocks noChangeAspect="1"/>
+                  </p:cNvPicPr>
+                  <p:nvPr/>
+                </p:nvPicPr>
+                <p:blipFill>
+                  <a:blip r:embed="rId24">
+                    <a:extLst>
+                      <a:ext uri="{28A0092B-C50C-407E-A947-70E740481C1C}">
+                        <a14:useLocalDpi xmlns:a14="http://schemas.microsoft.com/office/drawing/2010/main" val="0"/>
+                      </a:ext>
+                      <a:ext uri="{96DAC541-7B7A-43D3-8B79-37D633B846F1}">
+                        <asvg:svgBlip xmlns:asvg="http://schemas.microsoft.com/office/drawing/2016/SVG/main" r:embed="rId25"/>
+                      </a:ext>
+                    </a:extLst>
+                  </a:blip>
+                  <a:stretch>
+                    <a:fillRect/>
+                  </a:stretch>
+                </p:blipFill>
+                <p:spPr>
+                  <a:xfrm>
+                    <a:off x="744771" y="3600286"/>
+                    <a:ext cx="707070" cy="707070"/>
+                  </a:xfrm>
+                  <a:prstGeom prst="rect">
+                    <a:avLst/>
+                  </a:prstGeom>
+                </p:spPr>
+              </p:pic>
+            </p:grpSp>
+            <p:grpSp>
+              <p:nvGrpSpPr>
+                <p:cNvPr id="68" name="Group 67">
+                  <a:extLst>
+                    <a:ext uri="{FF2B5EF4-FFF2-40B4-BE49-F238E27FC236}">
+                      <a16:creationId xmlns:a16="http://schemas.microsoft.com/office/drawing/2014/main" id="{BD9758B3-6D7E-6EFB-1D6B-08D93527F318}"/>
+                    </a:ext>
+                  </a:extLst>
+                </p:cNvPr>
+                <p:cNvGrpSpPr/>
+                <p:nvPr/>
+              </p:nvGrpSpPr>
+              <p:grpSpPr>
+                <a:xfrm>
+                  <a:off x="4410300" y="4074076"/>
+                  <a:ext cx="1581926" cy="707070"/>
+                  <a:chOff x="744771" y="3600286"/>
+                  <a:chExt cx="1581926" cy="707070"/>
+                </a:xfrm>
+              </p:grpSpPr>
+              <p:pic>
+                <p:nvPicPr>
+                  <p:cNvPr id="69" name="Graphic 68" descr="Sustainability with solid fill">
+                    <a:extLst>
+                      <a:ext uri="{FF2B5EF4-FFF2-40B4-BE49-F238E27FC236}">
+                        <a16:creationId xmlns:a16="http://schemas.microsoft.com/office/drawing/2014/main" id="{8C1484A5-5029-D47C-7D5E-8BB49E7DE5B1}"/>
+                      </a:ext>
+                    </a:extLst>
+                  </p:cNvPr>
+                  <p:cNvPicPr>
+                    <a:picLocks noChangeAspect="1"/>
+                  </p:cNvPicPr>
+                  <p:nvPr/>
+                </p:nvPicPr>
+                <p:blipFill>
+                  <a:blip r:embed="rId20">
+                    <a:extLst>
+                      <a:ext uri="{28A0092B-C50C-407E-A947-70E740481C1C}">
+                        <a14:useLocalDpi xmlns:a14="http://schemas.microsoft.com/office/drawing/2010/main" val="0"/>
+                      </a:ext>
+                      <a:ext uri="{96DAC541-7B7A-43D3-8B79-37D633B846F1}">
+                        <asvg:svgBlip xmlns:asvg="http://schemas.microsoft.com/office/drawing/2016/SVG/main" r:embed="rId21"/>
+                      </a:ext>
+                    </a:extLst>
+                  </a:blip>
+                  <a:stretch>
+                    <a:fillRect/>
+                  </a:stretch>
+                </p:blipFill>
+                <p:spPr>
+                  <a:xfrm>
+                    <a:off x="1301196" y="3708961"/>
+                    <a:ext cx="647999" cy="508908"/>
+                  </a:xfrm>
+                  <a:prstGeom prst="rect">
+                    <a:avLst/>
+                  </a:prstGeom>
+                </p:spPr>
+              </p:pic>
+              <p:pic>
+                <p:nvPicPr>
+                  <p:cNvPr id="70" name="Graphic 69" descr="Lightbulb with solid fill">
+                    <a:extLst>
+                      <a:ext uri="{FF2B5EF4-FFF2-40B4-BE49-F238E27FC236}">
+                        <a16:creationId xmlns:a16="http://schemas.microsoft.com/office/drawing/2014/main" id="{78433BFC-71C7-B1F9-8447-ED13F6657E3F}"/>
+                      </a:ext>
+                    </a:extLst>
+                  </p:cNvPr>
+                  <p:cNvPicPr>
+                    <a:picLocks noChangeAspect="1"/>
+                  </p:cNvPicPr>
+                  <p:nvPr/>
+                </p:nvPicPr>
+                <p:blipFill>
+                  <a:blip r:embed="rId22">
+                    <a:extLst>
+                      <a:ext uri="{28A0092B-C50C-407E-A947-70E740481C1C}">
+                        <a14:useLocalDpi xmlns:a14="http://schemas.microsoft.com/office/drawing/2010/main" val="0"/>
+                      </a:ext>
+                      <a:ext uri="{96DAC541-7B7A-43D3-8B79-37D633B846F1}">
+                        <asvg:svgBlip xmlns:asvg="http://schemas.microsoft.com/office/drawing/2016/SVG/main" r:embed="rId23"/>
+                      </a:ext>
+                    </a:extLst>
+                  </a:blip>
+                  <a:stretch>
+                    <a:fillRect/>
+                  </a:stretch>
+                </p:blipFill>
+                <p:spPr>
+                  <a:xfrm>
+                    <a:off x="1826956" y="3705065"/>
+                    <a:ext cx="499741" cy="499741"/>
+                  </a:xfrm>
+                  <a:prstGeom prst="rect">
+                    <a:avLst/>
+                  </a:prstGeom>
+                </p:spPr>
+              </p:pic>
+              <p:pic>
+                <p:nvPicPr>
+                  <p:cNvPr id="71" name="Graphic 70" descr="Clipboard Partially Crossed with solid fill">
+                    <a:extLst>
+                      <a:ext uri="{FF2B5EF4-FFF2-40B4-BE49-F238E27FC236}">
+                        <a16:creationId xmlns:a16="http://schemas.microsoft.com/office/drawing/2014/main" id="{D9A97AA8-A822-6A5A-EA6D-05B4AD8B9052}"/>
+                      </a:ext>
+                    </a:extLst>
+                  </p:cNvPr>
+                  <p:cNvPicPr>
+                    <a:picLocks noChangeAspect="1"/>
+                  </p:cNvPicPr>
+                  <p:nvPr/>
+                </p:nvPicPr>
+                <p:blipFill>
+                  <a:blip r:embed="rId24">
+                    <a:extLst>
+                      <a:ext uri="{28A0092B-C50C-407E-A947-70E740481C1C}">
+                        <a14:useLocalDpi xmlns:a14="http://schemas.microsoft.com/office/drawing/2010/main" val="0"/>
+                      </a:ext>
+                      <a:ext uri="{96DAC541-7B7A-43D3-8B79-37D633B846F1}">
+                        <asvg:svgBlip xmlns:asvg="http://schemas.microsoft.com/office/drawing/2016/SVG/main" r:embed="rId25"/>
+                      </a:ext>
+                    </a:extLst>
+                  </a:blip>
+                  <a:stretch>
+                    <a:fillRect/>
+                  </a:stretch>
+                </p:blipFill>
+                <p:spPr>
+                  <a:xfrm>
+                    <a:off x="744771" y="3600286"/>
+                    <a:ext cx="707070" cy="707070"/>
+                  </a:xfrm>
+                  <a:prstGeom prst="rect">
+                    <a:avLst/>
+                  </a:prstGeom>
+                </p:spPr>
+              </p:pic>
+            </p:grpSp>
+            <p:grpSp>
+              <p:nvGrpSpPr>
+                <p:cNvPr id="72" name="Group 71">
+                  <a:extLst>
+                    <a:ext uri="{FF2B5EF4-FFF2-40B4-BE49-F238E27FC236}">
+                      <a16:creationId xmlns:a16="http://schemas.microsoft.com/office/drawing/2014/main" id="{4E777CD3-AD8F-7691-C24E-CE2ACF0C2C63}"/>
+                    </a:ext>
+                  </a:extLst>
+                </p:cNvPr>
+                <p:cNvGrpSpPr/>
+                <p:nvPr/>
+              </p:nvGrpSpPr>
+              <p:grpSpPr>
+                <a:xfrm>
+                  <a:off x="8171410" y="4110227"/>
+                  <a:ext cx="1581926" cy="707070"/>
+                  <a:chOff x="744771" y="3600286"/>
+                  <a:chExt cx="1581926" cy="707070"/>
+                </a:xfrm>
+              </p:grpSpPr>
+              <p:pic>
+                <p:nvPicPr>
+                  <p:cNvPr id="73" name="Graphic 72" descr="Sustainability with solid fill">
+                    <a:extLst>
+                      <a:ext uri="{FF2B5EF4-FFF2-40B4-BE49-F238E27FC236}">
+                        <a16:creationId xmlns:a16="http://schemas.microsoft.com/office/drawing/2014/main" id="{8C8DEC19-58A6-D926-5A64-B9EB9B8CC453}"/>
+                      </a:ext>
+                    </a:extLst>
+                  </p:cNvPr>
+                  <p:cNvPicPr>
+                    <a:picLocks noChangeAspect="1"/>
+                  </p:cNvPicPr>
+                  <p:nvPr/>
+                </p:nvPicPr>
+                <p:blipFill>
+                  <a:blip r:embed="rId20">
+                    <a:extLst>
+                      <a:ext uri="{28A0092B-C50C-407E-A947-70E740481C1C}">
+                        <a14:useLocalDpi xmlns:a14="http://schemas.microsoft.com/office/drawing/2010/main" val="0"/>
+                      </a:ext>
+                      <a:ext uri="{96DAC541-7B7A-43D3-8B79-37D633B846F1}">
+                        <asvg:svgBlip xmlns:asvg="http://schemas.microsoft.com/office/drawing/2016/SVG/main" r:embed="rId21"/>
+                      </a:ext>
+                    </a:extLst>
+                  </a:blip>
+                  <a:stretch>
+                    <a:fillRect/>
+                  </a:stretch>
+                </p:blipFill>
+                <p:spPr>
+                  <a:xfrm>
+                    <a:off x="1301196" y="3708961"/>
+                    <a:ext cx="647999" cy="508908"/>
+                  </a:xfrm>
+                  <a:prstGeom prst="rect">
+                    <a:avLst/>
+                  </a:prstGeom>
+                </p:spPr>
+              </p:pic>
+              <p:pic>
+                <p:nvPicPr>
+                  <p:cNvPr id="74" name="Graphic 73" descr="Lightbulb with solid fill">
+                    <a:extLst>
+                      <a:ext uri="{FF2B5EF4-FFF2-40B4-BE49-F238E27FC236}">
+                        <a16:creationId xmlns:a16="http://schemas.microsoft.com/office/drawing/2014/main" id="{9F580138-F048-BE0E-ACB8-AE05A75537AD}"/>
+                      </a:ext>
+                    </a:extLst>
+                  </p:cNvPr>
+                  <p:cNvPicPr>
+                    <a:picLocks noChangeAspect="1"/>
+                  </p:cNvPicPr>
+                  <p:nvPr/>
+                </p:nvPicPr>
+                <p:blipFill>
+                  <a:blip r:embed="rId22">
+                    <a:extLst>
+                      <a:ext uri="{28A0092B-C50C-407E-A947-70E740481C1C}">
+                        <a14:useLocalDpi xmlns:a14="http://schemas.microsoft.com/office/drawing/2010/main" val="0"/>
+                      </a:ext>
+                      <a:ext uri="{96DAC541-7B7A-43D3-8B79-37D633B846F1}">
+                        <asvg:svgBlip xmlns:asvg="http://schemas.microsoft.com/office/drawing/2016/SVG/main" r:embed="rId23"/>
+                      </a:ext>
+                    </a:extLst>
+                  </a:blip>
+                  <a:stretch>
+                    <a:fillRect/>
+                  </a:stretch>
+                </p:blipFill>
+                <p:spPr>
+                  <a:xfrm>
+                    <a:off x="1826956" y="3705065"/>
+                    <a:ext cx="499741" cy="499741"/>
+                  </a:xfrm>
+                  <a:prstGeom prst="rect">
+                    <a:avLst/>
+                  </a:prstGeom>
+                </p:spPr>
+              </p:pic>
+              <p:pic>
+                <p:nvPicPr>
+                  <p:cNvPr id="75" name="Graphic 74" descr="Clipboard Partially Crossed with solid fill">
+                    <a:extLst>
+                      <a:ext uri="{FF2B5EF4-FFF2-40B4-BE49-F238E27FC236}">
+                        <a16:creationId xmlns:a16="http://schemas.microsoft.com/office/drawing/2014/main" id="{AA684E2D-914C-21F8-51BB-E8D243D2947E}"/>
+                      </a:ext>
+                    </a:extLst>
+                  </p:cNvPr>
+                  <p:cNvPicPr>
+                    <a:picLocks noChangeAspect="1"/>
+                  </p:cNvPicPr>
+                  <p:nvPr/>
+                </p:nvPicPr>
+                <p:blipFill>
+                  <a:blip r:embed="rId24">
+                    <a:extLst>
+                      <a:ext uri="{28A0092B-C50C-407E-A947-70E740481C1C}">
+                        <a14:useLocalDpi xmlns:a14="http://schemas.microsoft.com/office/drawing/2010/main" val="0"/>
+                      </a:ext>
+                      <a:ext uri="{96DAC541-7B7A-43D3-8B79-37D633B846F1}">
+                        <asvg:svgBlip xmlns:asvg="http://schemas.microsoft.com/office/drawing/2016/SVG/main" r:embed="rId25"/>
+                      </a:ext>
+                    </a:extLst>
+                  </a:blip>
+                  <a:stretch>
+                    <a:fillRect/>
+                  </a:stretch>
+                </p:blipFill>
+                <p:spPr>
+                  <a:xfrm>
+                    <a:off x="744771" y="3600286"/>
+                    <a:ext cx="707070" cy="707070"/>
+                  </a:xfrm>
+                  <a:prstGeom prst="rect">
+                    <a:avLst/>
+                  </a:prstGeom>
+                </p:spPr>
+              </p:pic>
+            </p:grpSp>
+            <p:sp>
+              <p:nvSpPr>
+                <p:cNvPr id="89" name="Arrow: Right 88">
+                  <a:extLst>
+                    <a:ext uri="{FF2B5EF4-FFF2-40B4-BE49-F238E27FC236}">
+                      <a16:creationId xmlns:a16="http://schemas.microsoft.com/office/drawing/2014/main" id="{54BD55DC-F9BF-04AF-296D-059E6D4C732F}"/>
+                    </a:ext>
+                  </a:extLst>
+                </p:cNvPr>
+                <p:cNvSpPr/>
+                <p:nvPr/>
+              </p:nvSpPr>
+              <p:spPr>
+                <a:xfrm rot="16200000">
+                  <a:off x="8808415" y="5010771"/>
+                  <a:ext cx="444583" cy="109994"/>
+                </a:xfrm>
+                <a:prstGeom prst="rightArrow">
+                  <a:avLst/>
+                </a:prstGeom>
+                <a:solidFill>
+                  <a:schemeClr val="tx1"/>
+                </a:solidFill>
+                <a:ln w="6350"/>
+              </p:spPr>
+              <p:style>
+                <a:lnRef idx="2">
+                  <a:schemeClr val="dk1">
+                    <a:shade val="15000"/>
+                  </a:schemeClr>
+                </a:lnRef>
+                <a:fillRef idx="1">
+                  <a:schemeClr val="dk1"/>
+                </a:fillRef>
+                <a:effectRef idx="0">
+                  <a:schemeClr val="dk1"/>
+                </a:effectRef>
+                <a:fontRef idx="minor">
+                  <a:schemeClr val="lt1"/>
+                </a:fontRef>
+              </p:style>
+              <p:txBody>
+                <a:bodyPr rtlCol="0" anchor="ctr"/>
+                <a:lstStyle/>
+                <a:p>
+                  <a:pPr algn="ctr"/>
+                  <a:endParaRPr lang="en-GB"/>
+                </a:p>
+              </p:txBody>
+            </p:sp>
+            <p:grpSp>
+              <p:nvGrpSpPr>
+                <p:cNvPr id="99" name="Group 98">
+                  <a:extLst>
+                    <a:ext uri="{FF2B5EF4-FFF2-40B4-BE49-F238E27FC236}">
+                      <a16:creationId xmlns:a16="http://schemas.microsoft.com/office/drawing/2014/main" id="{7DD0EC58-21D0-2DEE-B1D5-C80287D2407A}"/>
+                    </a:ext>
+                  </a:extLst>
+                </p:cNvPr>
+                <p:cNvGrpSpPr/>
+                <p:nvPr/>
+              </p:nvGrpSpPr>
+              <p:grpSpPr>
+                <a:xfrm>
+                  <a:off x="1565601" y="4843476"/>
+                  <a:ext cx="7486233" cy="457959"/>
+                  <a:chOff x="1515201" y="4307355"/>
+                  <a:chExt cx="7486233" cy="457959"/>
+                </a:xfrm>
+              </p:grpSpPr>
+              <p:cxnSp>
+                <p:nvCxnSpPr>
+                  <p:cNvPr id="91" name="Straight Connector 90">
+                    <a:extLst>
+                      <a:ext uri="{FF2B5EF4-FFF2-40B4-BE49-F238E27FC236}">
+                        <a16:creationId xmlns:a16="http://schemas.microsoft.com/office/drawing/2014/main" id="{680D9BEB-048E-95BA-AA19-47B971115263}"/>
+                      </a:ext>
+                    </a:extLst>
+                  </p:cNvPr>
+                  <p:cNvCxnSpPr>
+                    <a:cxnSpLocks/>
+                  </p:cNvCxnSpPr>
+                  <p:nvPr/>
+                </p:nvCxnSpPr>
+                <p:spPr>
+                  <a:xfrm flipV="1">
+                    <a:off x="1534526" y="4726687"/>
+                    <a:ext cx="7466908" cy="38627"/>
+                  </a:xfrm>
+                  <a:prstGeom prst="line">
+                    <a:avLst/>
+                  </a:prstGeom>
+                  <a:ln w="57150"/>
+                </p:spPr>
+                <p:style>
+                  <a:lnRef idx="2">
+                    <a:schemeClr val="dk1"/>
+                  </a:lnRef>
+                  <a:fillRef idx="0">
+                    <a:schemeClr val="dk1"/>
+                  </a:fillRef>
+                  <a:effectRef idx="1">
+                    <a:schemeClr val="dk1"/>
+                  </a:effectRef>
+                  <a:fontRef idx="minor">
+                    <a:schemeClr val="tx1"/>
+                  </a:fontRef>
+                </p:style>
+              </p:cxnSp>
+              <p:sp>
+                <p:nvSpPr>
+                  <p:cNvPr id="94" name="Arrow: Right 93">
+                    <a:extLst>
+                      <a:ext uri="{FF2B5EF4-FFF2-40B4-BE49-F238E27FC236}">
+                        <a16:creationId xmlns:a16="http://schemas.microsoft.com/office/drawing/2014/main" id="{30D25DB9-0BA6-4222-E4D1-071C7DB18C02}"/>
+                      </a:ext>
+                    </a:extLst>
+                  </p:cNvPr>
+                  <p:cNvSpPr/>
+                  <p:nvPr/>
+                </p:nvSpPr>
+                <p:spPr>
+                  <a:xfrm rot="16200000">
+                    <a:off x="4990691" y="4474650"/>
+                    <a:ext cx="444583" cy="109994"/>
+                  </a:xfrm>
+                  <a:prstGeom prst="rightArrow">
+                    <a:avLst/>
+                  </a:prstGeom>
+                  <a:solidFill>
+                    <a:schemeClr val="tx1"/>
+                  </a:solidFill>
+                  <a:ln w="6350"/>
+                </p:spPr>
+                <p:style>
+                  <a:lnRef idx="2">
+                    <a:schemeClr val="dk1">
+                      <a:shade val="15000"/>
+                    </a:schemeClr>
+                  </a:lnRef>
+                  <a:fillRef idx="1">
+                    <a:schemeClr val="dk1"/>
+                  </a:fillRef>
+                  <a:effectRef idx="0">
+                    <a:schemeClr val="dk1"/>
+                  </a:effectRef>
+                  <a:fontRef idx="minor">
+                    <a:schemeClr val="lt1"/>
+                  </a:fontRef>
+                </p:style>
+                <p:txBody>
+                  <a:bodyPr rtlCol="0" anchor="ctr"/>
+                  <a:lstStyle/>
+                  <a:p>
+                    <a:pPr algn="ctr"/>
+                    <a:endParaRPr lang="en-GB"/>
+                  </a:p>
+                </p:txBody>
+              </p:sp>
+              <p:sp>
+                <p:nvSpPr>
+                  <p:cNvPr id="95" name="Arrow: Right 94">
+                    <a:extLst>
+                      <a:ext uri="{FF2B5EF4-FFF2-40B4-BE49-F238E27FC236}">
+                        <a16:creationId xmlns:a16="http://schemas.microsoft.com/office/drawing/2014/main" id="{DC924BE0-6871-3C1F-0AA6-D507BA3C71F9}"/>
+                      </a:ext>
+                    </a:extLst>
+                  </p:cNvPr>
+                  <p:cNvSpPr/>
+                  <p:nvPr/>
+                </p:nvSpPr>
+                <p:spPr>
+                  <a:xfrm rot="16200000">
+                    <a:off x="1347906" y="4474650"/>
+                    <a:ext cx="444583" cy="109994"/>
+                  </a:xfrm>
+                  <a:prstGeom prst="rightArrow">
+                    <a:avLst/>
+                  </a:prstGeom>
+                  <a:solidFill>
+                    <a:schemeClr val="tx1"/>
+                  </a:solidFill>
+                  <a:ln w="6350"/>
+                </p:spPr>
+                <p:style>
+                  <a:lnRef idx="2">
+                    <a:schemeClr val="dk1">
+                      <a:shade val="15000"/>
+                    </a:schemeClr>
+                  </a:lnRef>
+                  <a:fillRef idx="1">
+                    <a:schemeClr val="dk1"/>
+                  </a:fillRef>
+                  <a:effectRef idx="0">
+                    <a:schemeClr val="dk1"/>
+                  </a:effectRef>
+                  <a:fontRef idx="minor">
+                    <a:schemeClr val="lt1"/>
+                  </a:fontRef>
+                </p:style>
+                <p:txBody>
+                  <a:bodyPr rtlCol="0" anchor="ctr"/>
+                  <a:lstStyle/>
+                  <a:p>
+                    <a:pPr algn="ctr"/>
+                    <a:endParaRPr lang="en-GB"/>
+                  </a:p>
+                </p:txBody>
+              </p:sp>
+            </p:grpSp>
+            <p:sp>
+              <p:nvSpPr>
+                <p:cNvPr id="97" name="TextBox 96">
+                  <a:extLst>
+                    <a:ext uri="{FF2B5EF4-FFF2-40B4-BE49-F238E27FC236}">
+                      <a16:creationId xmlns:a16="http://schemas.microsoft.com/office/drawing/2014/main" id="{81A175CA-2C7B-B345-C227-A9AB08F82915}"/>
+                    </a:ext>
+                  </a:extLst>
+                </p:cNvPr>
+                <p:cNvSpPr txBox="1"/>
+                <p:nvPr/>
+              </p:nvSpPr>
+              <p:spPr>
+                <a:xfrm>
+                  <a:off x="8324682" y="5259102"/>
+                  <a:ext cx="553798" cy="461665"/>
+                </a:xfrm>
+                <a:prstGeom prst="rect">
+                  <a:avLst/>
+                </a:prstGeom>
+                <a:noFill/>
+              </p:spPr>
+              <p:txBody>
+                <a:bodyPr wrap="square" rtlCol="0">
+                  <a:spAutoFit/>
+                </a:bodyPr>
+                <a:lstStyle/>
+                <a:p>
+                  <a:r>
+                    <a:rPr lang="en-GB" sz="2400" b="1" dirty="0"/>
+                    <a:t>1.</a:t>
+                  </a:r>
+                </a:p>
+              </p:txBody>
+            </p:sp>
+            <p:sp>
+              <p:nvSpPr>
+                <p:cNvPr id="98" name="TextBox 97">
+                  <a:extLst>
+                    <a:ext uri="{FF2B5EF4-FFF2-40B4-BE49-F238E27FC236}">
+                      <a16:creationId xmlns:a16="http://schemas.microsoft.com/office/drawing/2014/main" id="{09624F0D-20E9-A728-803E-43280480343A}"/>
+                    </a:ext>
+                  </a:extLst>
+                </p:cNvPr>
+                <p:cNvSpPr txBox="1"/>
+                <p:nvPr/>
+              </p:nvSpPr>
+              <p:spPr>
+                <a:xfrm>
+                  <a:off x="10103532" y="4523157"/>
+                  <a:ext cx="553798" cy="461665"/>
+                </a:xfrm>
+                <a:prstGeom prst="rect">
+                  <a:avLst/>
+                </a:prstGeom>
+                <a:noFill/>
+              </p:spPr>
+              <p:txBody>
+                <a:bodyPr wrap="square" rtlCol="0">
+                  <a:spAutoFit/>
+                </a:bodyPr>
+                <a:lstStyle/>
+                <a:p>
+                  <a:r>
+                    <a:rPr lang="en-GB" sz="2400" b="1" dirty="0"/>
+                    <a:t>3.</a:t>
+                  </a:r>
+                </a:p>
+              </p:txBody>
+            </p:sp>
+            <p:grpSp>
+              <p:nvGrpSpPr>
+                <p:cNvPr id="101" name="Group 100">
+                  <a:extLst>
+                    <a:ext uri="{FF2B5EF4-FFF2-40B4-BE49-F238E27FC236}">
+                      <a16:creationId xmlns:a16="http://schemas.microsoft.com/office/drawing/2014/main" id="{2E64187B-508F-6959-DD87-404A5898973F}"/>
+                    </a:ext>
+                  </a:extLst>
+                </p:cNvPr>
+                <p:cNvGrpSpPr/>
+                <p:nvPr/>
+              </p:nvGrpSpPr>
+              <p:grpSpPr>
+                <a:xfrm rot="10800000">
+                  <a:off x="769674" y="3050183"/>
+                  <a:ext cx="8108806" cy="457283"/>
+                  <a:chOff x="1502501" y="4307355"/>
+                  <a:chExt cx="8108806" cy="457283"/>
+                </a:xfrm>
+              </p:grpSpPr>
+              <p:cxnSp>
+                <p:nvCxnSpPr>
+                  <p:cNvPr id="102" name="Straight Connector 101">
+                    <a:extLst>
+                      <a:ext uri="{FF2B5EF4-FFF2-40B4-BE49-F238E27FC236}">
+                        <a16:creationId xmlns:a16="http://schemas.microsoft.com/office/drawing/2014/main" id="{27271DFC-F76B-1717-E1F0-EEED87F93214}"/>
+                      </a:ext>
+                    </a:extLst>
+                  </p:cNvPr>
+                  <p:cNvCxnSpPr>
+                    <a:cxnSpLocks/>
+                  </p:cNvCxnSpPr>
+                  <p:nvPr/>
+                </p:nvCxnSpPr>
+                <p:spPr>
+                  <a:xfrm rot="10800000" flipH="1" flipV="1">
+                    <a:off x="1527900" y="4751938"/>
+                    <a:ext cx="8083407" cy="12539"/>
+                  </a:xfrm>
+                  <a:prstGeom prst="line">
+                    <a:avLst/>
+                  </a:prstGeom>
+                  <a:ln w="57150"/>
+                </p:spPr>
+                <p:style>
+                  <a:lnRef idx="2">
+                    <a:schemeClr val="dk1"/>
+                  </a:lnRef>
+                  <a:fillRef idx="0">
+                    <a:schemeClr val="dk1"/>
+                  </a:fillRef>
+                  <a:effectRef idx="1">
+                    <a:schemeClr val="dk1"/>
+                  </a:effectRef>
+                  <a:fontRef idx="minor">
+                    <a:schemeClr val="tx1"/>
+                  </a:fontRef>
+                </p:style>
+              </p:cxnSp>
+              <p:sp>
+                <p:nvSpPr>
+                  <p:cNvPr id="103" name="Arrow: Right 102">
+                    <a:extLst>
+                      <a:ext uri="{FF2B5EF4-FFF2-40B4-BE49-F238E27FC236}">
+                        <a16:creationId xmlns:a16="http://schemas.microsoft.com/office/drawing/2014/main" id="{345560A1-7784-2207-6BEC-DF5B3E1FA71A}"/>
+                      </a:ext>
+                    </a:extLst>
+                  </p:cNvPr>
+                  <p:cNvSpPr/>
+                  <p:nvPr/>
+                </p:nvSpPr>
+                <p:spPr>
+                  <a:xfrm rot="16200000">
+                    <a:off x="4990691" y="4474650"/>
+                    <a:ext cx="444583" cy="109994"/>
+                  </a:xfrm>
+                  <a:prstGeom prst="rightArrow">
+                    <a:avLst/>
+                  </a:prstGeom>
+                  <a:solidFill>
+                    <a:schemeClr val="tx1"/>
+                  </a:solidFill>
+                  <a:ln w="6350"/>
+                </p:spPr>
+                <p:style>
+                  <a:lnRef idx="2">
+                    <a:schemeClr val="dk1">
+                      <a:shade val="15000"/>
+                    </a:schemeClr>
+                  </a:lnRef>
+                  <a:fillRef idx="1">
+                    <a:schemeClr val="dk1"/>
+                  </a:fillRef>
+                  <a:effectRef idx="0">
+                    <a:schemeClr val="dk1"/>
+                  </a:effectRef>
+                  <a:fontRef idx="minor">
+                    <a:schemeClr val="lt1"/>
+                  </a:fontRef>
+                </p:style>
+                <p:txBody>
+                  <a:bodyPr rtlCol="0" anchor="ctr"/>
+                  <a:lstStyle/>
+                  <a:p>
+                    <a:pPr algn="ctr"/>
+                    <a:endParaRPr lang="en-GB"/>
+                  </a:p>
+                </p:txBody>
+              </p:sp>
+              <p:sp>
+                <p:nvSpPr>
+                  <p:cNvPr id="104" name="Arrow: Right 103">
+                    <a:extLst>
+                      <a:ext uri="{FF2B5EF4-FFF2-40B4-BE49-F238E27FC236}">
+                        <a16:creationId xmlns:a16="http://schemas.microsoft.com/office/drawing/2014/main" id="{1F18F635-C0C7-6535-27BB-7CB9D5A52B50}"/>
+                      </a:ext>
+                    </a:extLst>
+                  </p:cNvPr>
+                  <p:cNvSpPr/>
+                  <p:nvPr/>
+                </p:nvSpPr>
+                <p:spPr>
+                  <a:xfrm rot="16200000">
+                    <a:off x="1335206" y="4487350"/>
+                    <a:ext cx="444583" cy="109994"/>
+                  </a:xfrm>
+                  <a:prstGeom prst="rightArrow">
+                    <a:avLst/>
+                  </a:prstGeom>
+                  <a:solidFill>
+                    <a:schemeClr val="tx1"/>
+                  </a:solidFill>
+                  <a:ln w="6350"/>
+                </p:spPr>
+                <p:style>
+                  <a:lnRef idx="2">
+                    <a:schemeClr val="dk1">
+                      <a:shade val="15000"/>
+                    </a:schemeClr>
+                  </a:lnRef>
+                  <a:fillRef idx="1">
+                    <a:schemeClr val="dk1"/>
+                  </a:fillRef>
+                  <a:effectRef idx="0">
+                    <a:schemeClr val="dk1"/>
+                  </a:effectRef>
+                  <a:fontRef idx="minor">
+                    <a:schemeClr val="lt1"/>
+                  </a:fontRef>
+                </p:style>
+                <p:txBody>
+                  <a:bodyPr rtlCol="0" anchor="ctr"/>
+                  <a:lstStyle/>
+                  <a:p>
+                    <a:pPr algn="ctr"/>
+                    <a:endParaRPr lang="en-GB"/>
+                  </a:p>
+                </p:txBody>
+              </p:sp>
+            </p:grpSp>
+            <p:sp>
+              <p:nvSpPr>
+                <p:cNvPr id="106" name="Arrow: Right 105">
+                  <a:extLst>
+                    <a:ext uri="{FF2B5EF4-FFF2-40B4-BE49-F238E27FC236}">
+                      <a16:creationId xmlns:a16="http://schemas.microsoft.com/office/drawing/2014/main" id="{B722EDAC-5771-F3DC-5595-201E08C106F4}"/>
+                    </a:ext>
+                  </a:extLst>
+                </p:cNvPr>
+                <p:cNvSpPr/>
+                <p:nvPr/>
+              </p:nvSpPr>
+              <p:spPr>
+                <a:xfrm rot="5400000">
+                  <a:off x="8194637" y="3234551"/>
+                  <a:ext cx="444583" cy="109994"/>
+                </a:xfrm>
+                <a:prstGeom prst="rightArrow">
+                  <a:avLst/>
+                </a:prstGeom>
+                <a:solidFill>
+                  <a:schemeClr val="tx1"/>
+                </a:solidFill>
+                <a:ln w="6350"/>
+              </p:spPr>
+              <p:style>
+                <a:lnRef idx="2">
+                  <a:schemeClr val="dk1">
+                    <a:shade val="15000"/>
+                  </a:schemeClr>
+                </a:lnRef>
+                <a:fillRef idx="1">
+                  <a:schemeClr val="dk1"/>
+                </a:fillRef>
+                <a:effectRef idx="0">
+                  <a:schemeClr val="dk1"/>
+                </a:effectRef>
+                <a:fontRef idx="minor">
+                  <a:schemeClr val="lt1"/>
+                </a:fontRef>
+              </p:style>
+              <p:txBody>
+                <a:bodyPr rtlCol="0" anchor="ctr"/>
+                <a:lstStyle/>
+                <a:p>
+                  <a:pPr algn="ctr"/>
+                  <a:endParaRPr lang="en-GB"/>
+                </a:p>
+              </p:txBody>
+            </p:sp>
+            <p:sp>
+              <p:nvSpPr>
+                <p:cNvPr id="108" name="Arrow: Right 107">
+                  <a:extLst>
+                    <a:ext uri="{FF2B5EF4-FFF2-40B4-BE49-F238E27FC236}">
+                      <a16:creationId xmlns:a16="http://schemas.microsoft.com/office/drawing/2014/main" id="{08F8D30C-24A0-B4EE-DD6E-AF87D586ED43}"/>
+                    </a:ext>
+                  </a:extLst>
+                </p:cNvPr>
+                <p:cNvSpPr/>
+                <p:nvPr/>
+              </p:nvSpPr>
+              <p:spPr>
+                <a:xfrm rot="5400000">
+                  <a:off x="4436520" y="3246608"/>
+                  <a:ext cx="444583" cy="109994"/>
+                </a:xfrm>
+                <a:prstGeom prst="rightArrow">
+                  <a:avLst/>
+                </a:prstGeom>
+                <a:solidFill>
+                  <a:schemeClr val="tx1"/>
+                </a:solidFill>
+                <a:ln w="6350"/>
+              </p:spPr>
+              <p:style>
+                <a:lnRef idx="2">
+                  <a:schemeClr val="dk1">
+                    <a:shade val="15000"/>
+                  </a:schemeClr>
+                </a:lnRef>
+                <a:fillRef idx="1">
+                  <a:schemeClr val="dk1"/>
+                </a:fillRef>
+                <a:effectRef idx="0">
+                  <a:schemeClr val="dk1"/>
+                </a:effectRef>
+                <a:fontRef idx="minor">
+                  <a:schemeClr val="lt1"/>
+                </a:fontRef>
+              </p:style>
+              <p:txBody>
+                <a:bodyPr rtlCol="0" anchor="ctr"/>
+                <a:lstStyle/>
+                <a:p>
+                  <a:pPr algn="ctr"/>
+                  <a:endParaRPr lang="en-GB"/>
+                </a:p>
+              </p:txBody>
+            </p:sp>
+            <p:sp>
+              <p:nvSpPr>
+                <p:cNvPr id="109" name="Arrow: Right 108">
+                  <a:extLst>
+                    <a:ext uri="{FF2B5EF4-FFF2-40B4-BE49-F238E27FC236}">
+                      <a16:creationId xmlns:a16="http://schemas.microsoft.com/office/drawing/2014/main" id="{0AEFDA90-1EC9-B13F-7FB8-3AC4877FEB38}"/>
+                    </a:ext>
+                  </a:extLst>
+                </p:cNvPr>
+                <p:cNvSpPr/>
+                <p:nvPr/>
+              </p:nvSpPr>
+              <p:spPr>
+                <a:xfrm rot="5400000">
+                  <a:off x="1347646" y="3196115"/>
+                  <a:ext cx="444583" cy="109994"/>
+                </a:xfrm>
+                <a:prstGeom prst="rightArrow">
+                  <a:avLst/>
+                </a:prstGeom>
+                <a:solidFill>
+                  <a:schemeClr val="tx1"/>
+                </a:solidFill>
+                <a:ln w="6350"/>
+              </p:spPr>
+              <p:style>
+                <a:lnRef idx="2">
+                  <a:schemeClr val="dk1">
+                    <a:shade val="15000"/>
+                  </a:schemeClr>
+                </a:lnRef>
+                <a:fillRef idx="1">
+                  <a:schemeClr val="dk1"/>
+                </a:fillRef>
+                <a:effectRef idx="0">
+                  <a:schemeClr val="dk1"/>
+                </a:effectRef>
+                <a:fontRef idx="minor">
+                  <a:schemeClr val="lt1"/>
+                </a:fontRef>
+              </p:style>
+              <p:txBody>
+                <a:bodyPr rtlCol="0" anchor="ctr"/>
+                <a:lstStyle/>
+                <a:p>
+                  <a:pPr algn="ctr"/>
+                  <a:endParaRPr lang="en-GB"/>
+                </a:p>
+              </p:txBody>
+            </p:sp>
+            <p:sp>
+              <p:nvSpPr>
+                <p:cNvPr id="117" name="TextBox 116">
+                  <a:extLst>
+                    <a:ext uri="{FF2B5EF4-FFF2-40B4-BE49-F238E27FC236}">
+                      <a16:creationId xmlns:a16="http://schemas.microsoft.com/office/drawing/2014/main" id="{D86F9382-25BA-FC09-CFB5-79567137AB2A}"/>
+                    </a:ext>
+                  </a:extLst>
+                </p:cNvPr>
+                <p:cNvSpPr txBox="1"/>
+                <p:nvPr/>
+              </p:nvSpPr>
+              <p:spPr>
+                <a:xfrm>
+                  <a:off x="8371341" y="2556280"/>
+                  <a:ext cx="553798" cy="461665"/>
+                </a:xfrm>
+                <a:prstGeom prst="rect">
+                  <a:avLst/>
+                </a:prstGeom>
+                <a:noFill/>
+              </p:spPr>
+              <p:txBody>
+                <a:bodyPr wrap="square" rtlCol="0">
+                  <a:spAutoFit/>
+                </a:bodyPr>
+                <a:lstStyle/>
+                <a:p>
+                  <a:r>
+                    <a:rPr lang="en-GB" sz="2400" b="1" dirty="0"/>
+                    <a:t>2.</a:t>
+                  </a:r>
+                </a:p>
+              </p:txBody>
+            </p:sp>
+            <p:cxnSp>
+              <p:nvCxnSpPr>
+                <p:cNvPr id="121" name="Straight Arrow Connector 120">
+                  <a:extLst>
+                    <a:ext uri="{FF2B5EF4-FFF2-40B4-BE49-F238E27FC236}">
+                      <a16:creationId xmlns:a16="http://schemas.microsoft.com/office/drawing/2014/main" id="{E410B544-65A3-A471-3539-3FE92F61575D}"/>
+                    </a:ext>
+                  </a:extLst>
+                </p:cNvPr>
+                <p:cNvCxnSpPr/>
+                <p:nvPr/>
+              </p:nvCxnSpPr>
+              <p:spPr>
+                <a:xfrm>
+                  <a:off x="9829848" y="4499536"/>
+                  <a:ext cx="930903" cy="0"/>
+                </a:xfrm>
+                <a:prstGeom prst="straightConnector1">
+                  <a:avLst/>
+                </a:prstGeom>
+                <a:ln w="44450">
+                  <a:solidFill>
+                    <a:schemeClr val="tx1"/>
+                  </a:solidFill>
+                  <a:headEnd type="triangle"/>
+                  <a:tailEnd type="triangle"/>
+                </a:ln>
+              </p:spPr>
+              <p:style>
+                <a:lnRef idx="2">
+                  <a:schemeClr val="dk1"/>
+                </a:lnRef>
+                <a:fillRef idx="0">
+                  <a:schemeClr val="dk1"/>
+                </a:fillRef>
+                <a:effectRef idx="1">
+                  <a:schemeClr val="dk1"/>
+                </a:effectRef>
+                <a:fontRef idx="minor">
+                  <a:schemeClr val="tx1"/>
+                </a:fontRef>
+              </p:style>
+            </p:cxnSp>
+          </p:grpSp>
+        </p:grpSp>
       </p:grpSp>
-      <p:grpSp>
-        <p:nvGrpSpPr>
-          <p:cNvPr id="39" name="Group 38">
-            <a:extLst>
-              <a:ext uri="{FF2B5EF4-FFF2-40B4-BE49-F238E27FC236}">
-                <a16:creationId xmlns:a16="http://schemas.microsoft.com/office/drawing/2014/main" id="{D26A779F-C15C-3966-94D2-53982F59CD75}"/>
-              </a:ext>
-            </a:extLst>
-          </p:cNvPr>
-          <p:cNvGrpSpPr/>
-          <p:nvPr/>
-        </p:nvGrpSpPr>
-        <p:grpSpPr>
-          <a:xfrm>
-            <a:off x="8222280" y="3486798"/>
-            <a:ext cx="1607568" cy="671568"/>
-            <a:chOff x="838200" y="2914526"/>
-            <a:chExt cx="1607568" cy="671568"/>
-          </a:xfrm>
-        </p:grpSpPr>
-        <p:pic>
-          <p:nvPicPr>
-            <p:cNvPr id="40" name="Graphic 39" descr="Children with solid fill">
-              <a:extLst>
-                <a:ext uri="{FF2B5EF4-FFF2-40B4-BE49-F238E27FC236}">
-                  <a16:creationId xmlns:a16="http://schemas.microsoft.com/office/drawing/2014/main" id="{E48342FB-103E-585C-BEF8-46DA6BD66D3A}"/>
-                </a:ext>
-              </a:extLst>
-            </p:cNvPr>
-            <p:cNvPicPr>
-              <a:picLocks noChangeAspect="1"/>
-            </p:cNvPicPr>
-            <p:nvPr/>
-          </p:nvPicPr>
-          <p:blipFill rotWithShape="1">
-            <a:blip r:embed="rId4">
-              <a:extLst>
-                <a:ext uri="{28A0092B-C50C-407E-A947-70E740481C1C}">
-                  <a14:useLocalDpi xmlns:a14="http://schemas.microsoft.com/office/drawing/2010/main" val="0"/>
-                </a:ext>
-                <a:ext uri="{96DAC541-7B7A-43D3-8B79-37D633B846F1}">
-                  <asvg:svgBlip xmlns:asvg="http://schemas.microsoft.com/office/drawing/2016/SVG/main" r:embed="rId5"/>
-                </a:ext>
-              </a:extLst>
-            </a:blip>
-            <a:srcRect l="-4307" t="13582" r="50140" b="19489"/>
-            <a:stretch/>
-          </p:blipFill>
-          <p:spPr>
-            <a:xfrm>
-              <a:off x="1977768" y="2914526"/>
-              <a:ext cx="468000" cy="612000"/>
-            </a:xfrm>
-            <a:prstGeom prst="rect">
-              <a:avLst/>
-            </a:prstGeom>
-          </p:spPr>
-        </p:pic>
-        <p:pic>
-          <p:nvPicPr>
-            <p:cNvPr id="41" name="Graphic 40" descr="Meeting with solid fill">
-              <a:extLst>
-                <a:ext uri="{FF2B5EF4-FFF2-40B4-BE49-F238E27FC236}">
-                  <a16:creationId xmlns:a16="http://schemas.microsoft.com/office/drawing/2014/main" id="{C343BFB3-5766-6534-ED0A-B3A06489951B}"/>
-                </a:ext>
-              </a:extLst>
-            </p:cNvPr>
-            <p:cNvPicPr>
-              <a:picLocks noChangeAspect="1"/>
-            </p:cNvPicPr>
-            <p:nvPr/>
-          </p:nvPicPr>
-          <p:blipFill>
-            <a:blip r:embed="rId6">
-              <a:extLst>
-                <a:ext uri="{28A0092B-C50C-407E-A947-70E740481C1C}">
-                  <a14:useLocalDpi xmlns:a14="http://schemas.microsoft.com/office/drawing/2010/main" val="0"/>
-                </a:ext>
-                <a:ext uri="{96DAC541-7B7A-43D3-8B79-37D633B846F1}">
-                  <asvg:svgBlip xmlns:asvg="http://schemas.microsoft.com/office/drawing/2016/SVG/main" r:embed="rId7"/>
-                </a:ext>
-              </a:extLst>
-            </a:blip>
-            <a:stretch>
-              <a:fillRect/>
-            </a:stretch>
-          </p:blipFill>
-          <p:spPr>
-            <a:xfrm>
-              <a:off x="1306200" y="2914526"/>
-              <a:ext cx="671568" cy="671568"/>
-            </a:xfrm>
-            <a:prstGeom prst="rect">
-              <a:avLst/>
-            </a:prstGeom>
-          </p:spPr>
-        </p:pic>
-        <p:pic>
-          <p:nvPicPr>
-            <p:cNvPr id="42" name="Graphic 41" descr="Children outline">
-              <a:extLst>
-                <a:ext uri="{FF2B5EF4-FFF2-40B4-BE49-F238E27FC236}">
-                  <a16:creationId xmlns:a16="http://schemas.microsoft.com/office/drawing/2014/main" id="{74DC6035-5DBA-BEE4-297D-CD095E419CF9}"/>
-                </a:ext>
-              </a:extLst>
-            </p:cNvPr>
-            <p:cNvPicPr>
-              <a:picLocks noChangeAspect="1"/>
-            </p:cNvPicPr>
-            <p:nvPr/>
-          </p:nvPicPr>
-          <p:blipFill rotWithShape="1">
-            <a:blip r:embed="rId2">
-              <a:extLst>
-                <a:ext uri="{28A0092B-C50C-407E-A947-70E740481C1C}">
-                  <a14:useLocalDpi xmlns:a14="http://schemas.microsoft.com/office/drawing/2010/main" val="0"/>
-                </a:ext>
-                <a:ext uri="{96DAC541-7B7A-43D3-8B79-37D633B846F1}">
-                  <asvg:svgBlip xmlns:asvg="http://schemas.microsoft.com/office/drawing/2016/SVG/main" r:embed="rId3"/>
-                </a:ext>
-              </a:extLst>
-            </a:blip>
-            <a:srcRect l="-1" t="16365" r="48820" b="16706"/>
-            <a:stretch/>
-          </p:blipFill>
-          <p:spPr>
-            <a:xfrm>
-              <a:off x="838200" y="2928718"/>
-              <a:ext cx="468000" cy="612000"/>
-            </a:xfrm>
-            <a:prstGeom prst="rect">
-              <a:avLst/>
-            </a:prstGeom>
-          </p:spPr>
-        </p:pic>
-      </p:grpSp>
-      <p:pic>
-        <p:nvPicPr>
-          <p:cNvPr id="43" name="Picture 42" descr="A blue and green logo&#10;&#10;Description automatically generated">
-            <a:extLst>
-              <a:ext uri="{FF2B5EF4-FFF2-40B4-BE49-F238E27FC236}">
-                <a16:creationId xmlns:a16="http://schemas.microsoft.com/office/drawing/2014/main" id="{185B6D83-DCDA-A92A-9FE3-8ECD6A5C5DF9}"/>
-              </a:ext>
-            </a:extLst>
-          </p:cNvPr>
-          <p:cNvPicPr>
-            <a:picLocks noChangeAspect="1"/>
-          </p:cNvPicPr>
-          <p:nvPr/>
-        </p:nvPicPr>
-        <p:blipFill>
-          <a:blip r:embed="rId8">
-            <a:extLst>
-              <a:ext uri="{28A0092B-C50C-407E-A947-70E740481C1C}">
-                <a14:useLocalDpi xmlns:a14="http://schemas.microsoft.com/office/drawing/2010/main" val="0"/>
-              </a:ext>
-            </a:extLst>
-          </a:blip>
-          <a:stretch>
-            <a:fillRect/>
-          </a:stretch>
-        </p:blipFill>
-        <p:spPr>
-          <a:xfrm>
-            <a:off x="2772039" y="1272014"/>
-            <a:ext cx="850164" cy="618301"/>
-          </a:xfrm>
-          <a:prstGeom prst="rect">
-            <a:avLst/>
-          </a:prstGeom>
-        </p:spPr>
-      </p:pic>
-      <p:pic>
-        <p:nvPicPr>
-          <p:cNvPr id="44" name="Graphic 43" descr="List with solid fill">
-            <a:extLst>
-              <a:ext uri="{FF2B5EF4-FFF2-40B4-BE49-F238E27FC236}">
-                <a16:creationId xmlns:a16="http://schemas.microsoft.com/office/drawing/2014/main" id="{C81B34F7-65B3-94C9-1865-F0F49BB17F84}"/>
-              </a:ext>
-            </a:extLst>
-          </p:cNvPr>
-          <p:cNvPicPr>
-            <a:picLocks noChangeAspect="1"/>
-          </p:cNvPicPr>
-          <p:nvPr/>
-        </p:nvPicPr>
-        <p:blipFill>
-          <a:blip r:embed="rId9">
-            <a:extLst>
-              <a:ext uri="{28A0092B-C50C-407E-A947-70E740481C1C}">
-                <a14:useLocalDpi xmlns:a14="http://schemas.microsoft.com/office/drawing/2010/main" val="0"/>
-              </a:ext>
-              <a:ext uri="{96DAC541-7B7A-43D3-8B79-37D633B846F1}">
-                <asvg:svgBlip xmlns:asvg="http://schemas.microsoft.com/office/drawing/2016/SVG/main" r:embed="rId10"/>
-              </a:ext>
-            </a:extLst>
-          </a:blip>
-          <a:stretch>
-            <a:fillRect/>
-          </a:stretch>
-        </p:blipFill>
-        <p:spPr>
-          <a:xfrm>
-            <a:off x="6380870" y="2287287"/>
-            <a:ext cx="511611" cy="511611"/>
-          </a:xfrm>
-          <a:prstGeom prst="rect">
-            <a:avLst/>
-          </a:prstGeom>
-        </p:spPr>
-      </p:pic>
-      <p:pic>
-        <p:nvPicPr>
-          <p:cNvPr id="45" name="Graphic 44" descr="Children outline">
-            <a:extLst>
-              <a:ext uri="{FF2B5EF4-FFF2-40B4-BE49-F238E27FC236}">
-                <a16:creationId xmlns:a16="http://schemas.microsoft.com/office/drawing/2014/main" id="{D5EF5278-23FE-40E3-5E29-A448A5B3B30A}"/>
-              </a:ext>
-            </a:extLst>
-          </p:cNvPr>
-          <p:cNvPicPr>
-            <a:picLocks noChangeAspect="1"/>
-          </p:cNvPicPr>
-          <p:nvPr/>
-        </p:nvPicPr>
-        <p:blipFill rotWithShape="1">
-          <a:blip r:embed="rId2">
-            <a:extLst>
-              <a:ext uri="{28A0092B-C50C-407E-A947-70E740481C1C}">
-                <a14:useLocalDpi xmlns:a14="http://schemas.microsoft.com/office/drawing/2010/main" val="0"/>
-              </a:ext>
-              <a:ext uri="{96DAC541-7B7A-43D3-8B79-37D633B846F1}">
-                <asvg:svgBlip xmlns:asvg="http://schemas.microsoft.com/office/drawing/2016/SVG/main" r:embed="rId3"/>
-              </a:ext>
-            </a:extLst>
-          </a:blip>
-          <a:srcRect l="2818" t="16365" r="26310" b="16706"/>
-          <a:stretch/>
-        </p:blipFill>
-        <p:spPr>
-          <a:xfrm>
-            <a:off x="1769256" y="3464839"/>
-            <a:ext cx="648000" cy="612000"/>
-          </a:xfrm>
-          <a:prstGeom prst="rect">
-            <a:avLst/>
-          </a:prstGeom>
-        </p:spPr>
-      </p:pic>
-      <p:pic>
-        <p:nvPicPr>
-          <p:cNvPr id="47" name="Picture 46">
-            <a:extLst>
-              <a:ext uri="{FF2B5EF4-FFF2-40B4-BE49-F238E27FC236}">
-                <a16:creationId xmlns:a16="http://schemas.microsoft.com/office/drawing/2014/main" id="{40317317-DC88-4245-3BD4-8A25164F4102}"/>
-              </a:ext>
-            </a:extLst>
-          </p:cNvPr>
-          <p:cNvPicPr>
-            <a:picLocks noChangeAspect="1"/>
-          </p:cNvPicPr>
-          <p:nvPr/>
-        </p:nvPicPr>
-        <p:blipFill>
-          <a:blip r:embed="rId11"/>
-          <a:stretch>
-            <a:fillRect/>
-          </a:stretch>
-        </p:blipFill>
-        <p:spPr>
-          <a:xfrm>
-            <a:off x="2978775" y="1961582"/>
-            <a:ext cx="1479732" cy="340046"/>
-          </a:xfrm>
-          <a:prstGeom prst="rect">
-            <a:avLst/>
-          </a:prstGeom>
-        </p:spPr>
-      </p:pic>
-      <p:pic>
-        <p:nvPicPr>
-          <p:cNvPr id="51" name="Graphic 50" descr="Meeting with solid fill">
-            <a:extLst>
-              <a:ext uri="{FF2B5EF4-FFF2-40B4-BE49-F238E27FC236}">
-                <a16:creationId xmlns:a16="http://schemas.microsoft.com/office/drawing/2014/main" id="{7B03E7C3-6D69-B386-06D5-B12D160BBE0E}"/>
-              </a:ext>
-            </a:extLst>
-          </p:cNvPr>
-          <p:cNvPicPr>
-            <a:picLocks noChangeAspect="1"/>
-          </p:cNvPicPr>
-          <p:nvPr/>
-        </p:nvPicPr>
-        <p:blipFill>
-          <a:blip r:embed="rId6">
-            <a:extLst>
-              <a:ext uri="{28A0092B-C50C-407E-A947-70E740481C1C}">
-                <a14:useLocalDpi xmlns:a14="http://schemas.microsoft.com/office/drawing/2010/main" val="0"/>
-              </a:ext>
-              <a:ext uri="{96DAC541-7B7A-43D3-8B79-37D633B846F1}">
-                <asvg:svgBlip xmlns:asvg="http://schemas.microsoft.com/office/drawing/2016/SVG/main" r:embed="rId7"/>
-              </a:ext>
-            </a:extLst>
-          </a:blip>
-          <a:stretch>
-            <a:fillRect/>
-          </a:stretch>
-        </p:blipFill>
-        <p:spPr>
-          <a:xfrm>
-            <a:off x="2670363" y="2362376"/>
-            <a:ext cx="511612" cy="511612"/>
-          </a:xfrm>
-          <a:prstGeom prst="rect">
-            <a:avLst/>
-          </a:prstGeom>
-        </p:spPr>
-      </p:pic>
-      <p:pic>
-        <p:nvPicPr>
-          <p:cNvPr id="52" name="Graphic 51" descr="Children with solid fill">
-            <a:extLst>
-              <a:ext uri="{FF2B5EF4-FFF2-40B4-BE49-F238E27FC236}">
-                <a16:creationId xmlns:a16="http://schemas.microsoft.com/office/drawing/2014/main" id="{DB220FFB-2B4B-43CD-A4F6-74FC5DB2BCEF}"/>
-              </a:ext>
-            </a:extLst>
-          </p:cNvPr>
-          <p:cNvPicPr>
-            <a:picLocks noChangeAspect="1"/>
-          </p:cNvPicPr>
-          <p:nvPr/>
-        </p:nvPicPr>
-        <p:blipFill rotWithShape="1">
-          <a:blip r:embed="rId4">
-            <a:extLst>
-              <a:ext uri="{28A0092B-C50C-407E-A947-70E740481C1C}">
-                <a14:useLocalDpi xmlns:a14="http://schemas.microsoft.com/office/drawing/2010/main" val="0"/>
-              </a:ext>
-              <a:ext uri="{96DAC541-7B7A-43D3-8B79-37D633B846F1}">
-                <asvg:svgBlip xmlns:asvg="http://schemas.microsoft.com/office/drawing/2016/SVG/main" r:embed="rId5"/>
-              </a:ext>
-            </a:extLst>
-          </a:blip>
-          <a:srcRect l="-4307" t="13582" r="50140" b="19489"/>
-          <a:stretch/>
-        </p:blipFill>
-        <p:spPr>
-          <a:xfrm>
-            <a:off x="2623546" y="1890315"/>
-            <a:ext cx="347786" cy="454797"/>
-          </a:xfrm>
-          <a:prstGeom prst="rect">
-            <a:avLst/>
-          </a:prstGeom>
-        </p:spPr>
-      </p:pic>
-      <p:pic>
-        <p:nvPicPr>
-          <p:cNvPr id="54" name="Graphic 53" descr="Architecture outline">
-            <a:extLst>
-              <a:ext uri="{FF2B5EF4-FFF2-40B4-BE49-F238E27FC236}">
-                <a16:creationId xmlns:a16="http://schemas.microsoft.com/office/drawing/2014/main" id="{C7EFEF8C-1866-18C2-FADF-3CB1349003D5}"/>
-              </a:ext>
-            </a:extLst>
-          </p:cNvPr>
-          <p:cNvPicPr>
-            <a:picLocks noChangeAspect="1"/>
-          </p:cNvPicPr>
-          <p:nvPr/>
-        </p:nvPicPr>
-        <p:blipFill>
-          <a:blip r:embed="rId12">
-            <a:extLst>
-              <a:ext uri="{28A0092B-C50C-407E-A947-70E740481C1C}">
-                <a14:useLocalDpi xmlns:a14="http://schemas.microsoft.com/office/drawing/2010/main" val="0"/>
-              </a:ext>
-              <a:ext uri="{96DAC541-7B7A-43D3-8B79-37D633B846F1}">
-                <asvg:svgBlip xmlns:asvg="http://schemas.microsoft.com/office/drawing/2016/SVG/main" r:embed="rId13"/>
-              </a:ext>
-            </a:extLst>
-          </a:blip>
-          <a:stretch>
-            <a:fillRect/>
-          </a:stretch>
-        </p:blipFill>
-        <p:spPr>
-          <a:xfrm>
-            <a:off x="3366397" y="2378718"/>
-            <a:ext cx="511611" cy="511611"/>
-          </a:xfrm>
-          <a:prstGeom prst="rect">
-            <a:avLst/>
-          </a:prstGeom>
-        </p:spPr>
-      </p:pic>
-      <p:pic>
-        <p:nvPicPr>
-          <p:cNvPr id="56" name="Graphic 55" descr="Home outline">
-            <a:extLst>
-              <a:ext uri="{FF2B5EF4-FFF2-40B4-BE49-F238E27FC236}">
-                <a16:creationId xmlns:a16="http://schemas.microsoft.com/office/drawing/2014/main" id="{BFB9BFA8-0363-02D5-248E-70AA4F05FB48}"/>
-              </a:ext>
-            </a:extLst>
-          </p:cNvPr>
-          <p:cNvPicPr>
-            <a:picLocks noChangeAspect="1"/>
-          </p:cNvPicPr>
-          <p:nvPr/>
-        </p:nvPicPr>
-        <p:blipFill>
-          <a:blip r:embed="rId14">
-            <a:extLst>
-              <a:ext uri="{28A0092B-C50C-407E-A947-70E740481C1C}">
-                <a14:useLocalDpi xmlns:a14="http://schemas.microsoft.com/office/drawing/2010/main" val="0"/>
-              </a:ext>
-              <a:ext uri="{96DAC541-7B7A-43D3-8B79-37D633B846F1}">
-                <asvg:svgBlip xmlns:asvg="http://schemas.microsoft.com/office/drawing/2016/SVG/main" r:embed="rId15"/>
-              </a:ext>
-            </a:extLst>
-          </a:blip>
-          <a:stretch>
-            <a:fillRect/>
-          </a:stretch>
-        </p:blipFill>
-        <p:spPr>
-          <a:xfrm>
-            <a:off x="6892481" y="2227005"/>
-            <a:ext cx="550653" cy="550653"/>
-          </a:xfrm>
-          <a:prstGeom prst="rect">
-            <a:avLst/>
-          </a:prstGeom>
-        </p:spPr>
-      </p:pic>
-      <p:pic>
-        <p:nvPicPr>
-          <p:cNvPr id="57" name="Graphic 56" descr="Muscular arm with solid fill">
-            <a:extLst>
-              <a:ext uri="{FF2B5EF4-FFF2-40B4-BE49-F238E27FC236}">
-                <a16:creationId xmlns:a16="http://schemas.microsoft.com/office/drawing/2014/main" id="{EC251AC1-69BA-7D73-88F5-B24EE1C14EF0}"/>
-              </a:ext>
-            </a:extLst>
-          </p:cNvPr>
-          <p:cNvPicPr>
-            <a:picLocks noChangeAspect="1"/>
-          </p:cNvPicPr>
-          <p:nvPr/>
-        </p:nvPicPr>
-        <p:blipFill>
-          <a:blip r:embed="rId16">
-            <a:extLst>
-              <a:ext uri="{28A0092B-C50C-407E-A947-70E740481C1C}">
-                <a14:useLocalDpi xmlns:a14="http://schemas.microsoft.com/office/drawing/2010/main" val="0"/>
-              </a:ext>
-              <a:ext uri="{96DAC541-7B7A-43D3-8B79-37D633B846F1}">
-                <asvg:svgBlip xmlns:asvg="http://schemas.microsoft.com/office/drawing/2016/SVG/main" r:embed="rId17"/>
-              </a:ext>
-            </a:extLst>
-          </a:blip>
-          <a:stretch>
-            <a:fillRect/>
-          </a:stretch>
-        </p:blipFill>
-        <p:spPr>
-          <a:xfrm>
-            <a:off x="10896128" y="4120461"/>
-            <a:ext cx="781792" cy="738962"/>
-          </a:xfrm>
-          <a:prstGeom prst="rect">
-            <a:avLst/>
-          </a:prstGeom>
-        </p:spPr>
-      </p:pic>
-      <p:sp>
-        <p:nvSpPr>
-          <p:cNvPr id="58" name="Rectangle: Rounded Corners 57">
-            <a:extLst>
-              <a:ext uri="{FF2B5EF4-FFF2-40B4-BE49-F238E27FC236}">
-                <a16:creationId xmlns:a16="http://schemas.microsoft.com/office/drawing/2014/main" id="{00D4B837-BB41-30B1-7323-74FD27886F39}"/>
-              </a:ext>
-            </a:extLst>
-          </p:cNvPr>
-          <p:cNvSpPr/>
-          <p:nvPr/>
-        </p:nvSpPr>
-        <p:spPr>
-          <a:xfrm>
-            <a:off x="634647" y="1154764"/>
-            <a:ext cx="7390783" cy="4548472"/>
-          </a:xfrm>
-          <a:prstGeom prst="roundRect">
-            <a:avLst/>
-          </a:prstGeom>
-          <a:noFill/>
-          <a:ln w="38100">
-            <a:solidFill>
-              <a:schemeClr val="dk1">
-                <a:shade val="15000"/>
-                <a:alpha val="28000"/>
-              </a:schemeClr>
-            </a:solidFill>
-            <a:prstDash val="sysDot"/>
-          </a:ln>
-        </p:spPr>
-        <p:style>
-          <a:lnRef idx="2">
-            <a:schemeClr val="dk1">
-              <a:shade val="15000"/>
-            </a:schemeClr>
-          </a:lnRef>
-          <a:fillRef idx="1">
-            <a:schemeClr val="dk1"/>
-          </a:fillRef>
-          <a:effectRef idx="0">
-            <a:schemeClr val="dk1"/>
-          </a:effectRef>
-          <a:fontRef idx="minor">
-            <a:schemeClr val="lt1"/>
-          </a:fontRef>
-        </p:style>
-        <p:txBody>
-          <a:bodyPr rtlCol="0" anchor="ctr"/>
-          <a:lstStyle/>
-          <a:p>
-            <a:pPr algn="ctr"/>
-            <a:endParaRPr lang="en-GB"/>
-          </a:p>
-        </p:txBody>
-      </p:sp>
-      <p:grpSp>
-        <p:nvGrpSpPr>
-          <p:cNvPr id="67" name="Group 66">
-            <a:extLst>
-              <a:ext uri="{FF2B5EF4-FFF2-40B4-BE49-F238E27FC236}">
-                <a16:creationId xmlns:a16="http://schemas.microsoft.com/office/drawing/2014/main" id="{523D7414-4725-F53D-6111-D9452DCD67F8}"/>
-              </a:ext>
-            </a:extLst>
-          </p:cNvPr>
-          <p:cNvGrpSpPr/>
-          <p:nvPr/>
-        </p:nvGrpSpPr>
-        <p:grpSpPr>
-          <a:xfrm>
-            <a:off x="795171" y="4136407"/>
-            <a:ext cx="1581926" cy="707070"/>
-            <a:chOff x="744771" y="3600286"/>
-            <a:chExt cx="1581926" cy="707070"/>
-          </a:xfrm>
-        </p:grpSpPr>
-        <p:pic>
-          <p:nvPicPr>
-            <p:cNvPr id="60" name="Graphic 59" descr="Sustainability with solid fill">
-              <a:extLst>
-                <a:ext uri="{FF2B5EF4-FFF2-40B4-BE49-F238E27FC236}">
-                  <a16:creationId xmlns:a16="http://schemas.microsoft.com/office/drawing/2014/main" id="{2153F129-F557-6803-0FA2-D52587C2FC01}"/>
-                </a:ext>
-              </a:extLst>
-            </p:cNvPr>
-            <p:cNvPicPr>
-              <a:picLocks noChangeAspect="1"/>
-            </p:cNvPicPr>
-            <p:nvPr/>
-          </p:nvPicPr>
-          <p:blipFill>
-            <a:blip r:embed="rId18">
-              <a:extLst>
-                <a:ext uri="{28A0092B-C50C-407E-A947-70E740481C1C}">
-                  <a14:useLocalDpi xmlns:a14="http://schemas.microsoft.com/office/drawing/2010/main" val="0"/>
-                </a:ext>
-                <a:ext uri="{96DAC541-7B7A-43D3-8B79-37D633B846F1}">
-                  <asvg:svgBlip xmlns:asvg="http://schemas.microsoft.com/office/drawing/2016/SVG/main" r:embed="rId19"/>
-                </a:ext>
-              </a:extLst>
-            </a:blip>
-            <a:stretch>
-              <a:fillRect/>
-            </a:stretch>
-          </p:blipFill>
-          <p:spPr>
-            <a:xfrm>
-              <a:off x="1301196" y="3708961"/>
-              <a:ext cx="647999" cy="508908"/>
-            </a:xfrm>
-            <a:prstGeom prst="rect">
-              <a:avLst/>
-            </a:prstGeom>
-          </p:spPr>
-        </p:pic>
-        <p:pic>
-          <p:nvPicPr>
-            <p:cNvPr id="62" name="Graphic 61" descr="Lightbulb with solid fill">
-              <a:extLst>
-                <a:ext uri="{FF2B5EF4-FFF2-40B4-BE49-F238E27FC236}">
-                  <a16:creationId xmlns:a16="http://schemas.microsoft.com/office/drawing/2014/main" id="{B0C103A4-8C9A-E003-1F69-DDCE815665AF}"/>
-                </a:ext>
-              </a:extLst>
-            </p:cNvPr>
-            <p:cNvPicPr>
-              <a:picLocks noChangeAspect="1"/>
-            </p:cNvPicPr>
-            <p:nvPr/>
-          </p:nvPicPr>
-          <p:blipFill>
-            <a:blip r:embed="rId20">
-              <a:extLst>
-                <a:ext uri="{28A0092B-C50C-407E-A947-70E740481C1C}">
-                  <a14:useLocalDpi xmlns:a14="http://schemas.microsoft.com/office/drawing/2010/main" val="0"/>
-                </a:ext>
-                <a:ext uri="{96DAC541-7B7A-43D3-8B79-37D633B846F1}">
-                  <asvg:svgBlip xmlns:asvg="http://schemas.microsoft.com/office/drawing/2016/SVG/main" r:embed="rId21"/>
-                </a:ext>
-              </a:extLst>
-            </a:blip>
-            <a:stretch>
-              <a:fillRect/>
-            </a:stretch>
-          </p:blipFill>
-          <p:spPr>
-            <a:xfrm>
-              <a:off x="1826956" y="3705065"/>
-              <a:ext cx="499741" cy="499741"/>
-            </a:xfrm>
-            <a:prstGeom prst="rect">
-              <a:avLst/>
-            </a:prstGeom>
-          </p:spPr>
-        </p:pic>
-        <p:pic>
-          <p:nvPicPr>
-            <p:cNvPr id="64" name="Graphic 63" descr="Clipboard Partially Crossed with solid fill">
-              <a:extLst>
-                <a:ext uri="{FF2B5EF4-FFF2-40B4-BE49-F238E27FC236}">
-                  <a16:creationId xmlns:a16="http://schemas.microsoft.com/office/drawing/2014/main" id="{24BF40C8-D85C-DD1E-F67A-0AAC9D104BE9}"/>
-                </a:ext>
-              </a:extLst>
-            </p:cNvPr>
-            <p:cNvPicPr>
-              <a:picLocks noChangeAspect="1"/>
-            </p:cNvPicPr>
-            <p:nvPr/>
-          </p:nvPicPr>
-          <p:blipFill>
-            <a:blip r:embed="rId22">
-              <a:extLst>
-                <a:ext uri="{28A0092B-C50C-407E-A947-70E740481C1C}">
-                  <a14:useLocalDpi xmlns:a14="http://schemas.microsoft.com/office/drawing/2010/main" val="0"/>
-                </a:ext>
-                <a:ext uri="{96DAC541-7B7A-43D3-8B79-37D633B846F1}">
-                  <asvg:svgBlip xmlns:asvg="http://schemas.microsoft.com/office/drawing/2016/SVG/main" r:embed="rId23"/>
-                </a:ext>
-              </a:extLst>
-            </a:blip>
-            <a:stretch>
-              <a:fillRect/>
-            </a:stretch>
-          </p:blipFill>
-          <p:spPr>
-            <a:xfrm>
-              <a:off x="744771" y="3600286"/>
-              <a:ext cx="707070" cy="707070"/>
-            </a:xfrm>
-            <a:prstGeom prst="rect">
-              <a:avLst/>
-            </a:prstGeom>
-          </p:spPr>
-        </p:pic>
-      </p:grpSp>
-      <p:grpSp>
-        <p:nvGrpSpPr>
-          <p:cNvPr id="68" name="Group 67">
-            <a:extLst>
-              <a:ext uri="{FF2B5EF4-FFF2-40B4-BE49-F238E27FC236}">
-                <a16:creationId xmlns:a16="http://schemas.microsoft.com/office/drawing/2014/main" id="{BD9758B3-6D7E-6EFB-1D6B-08D93527F318}"/>
-              </a:ext>
-            </a:extLst>
-          </p:cNvPr>
-          <p:cNvGrpSpPr/>
-          <p:nvPr/>
-        </p:nvGrpSpPr>
-        <p:grpSpPr>
-          <a:xfrm>
-            <a:off x="4410300" y="4074076"/>
-            <a:ext cx="1581926" cy="707070"/>
-            <a:chOff x="744771" y="3600286"/>
-            <a:chExt cx="1581926" cy="707070"/>
-          </a:xfrm>
-        </p:grpSpPr>
-        <p:pic>
-          <p:nvPicPr>
-            <p:cNvPr id="69" name="Graphic 68" descr="Sustainability with solid fill">
-              <a:extLst>
-                <a:ext uri="{FF2B5EF4-FFF2-40B4-BE49-F238E27FC236}">
-                  <a16:creationId xmlns:a16="http://schemas.microsoft.com/office/drawing/2014/main" id="{8C1484A5-5029-D47C-7D5E-8BB49E7DE5B1}"/>
-                </a:ext>
-              </a:extLst>
-            </p:cNvPr>
-            <p:cNvPicPr>
-              <a:picLocks noChangeAspect="1"/>
-            </p:cNvPicPr>
-            <p:nvPr/>
-          </p:nvPicPr>
-          <p:blipFill>
-            <a:blip r:embed="rId18">
-              <a:extLst>
-                <a:ext uri="{28A0092B-C50C-407E-A947-70E740481C1C}">
-                  <a14:useLocalDpi xmlns:a14="http://schemas.microsoft.com/office/drawing/2010/main" val="0"/>
-                </a:ext>
-                <a:ext uri="{96DAC541-7B7A-43D3-8B79-37D633B846F1}">
-                  <asvg:svgBlip xmlns:asvg="http://schemas.microsoft.com/office/drawing/2016/SVG/main" r:embed="rId19"/>
-                </a:ext>
-              </a:extLst>
-            </a:blip>
-            <a:stretch>
-              <a:fillRect/>
-            </a:stretch>
-          </p:blipFill>
-          <p:spPr>
-            <a:xfrm>
-              <a:off x="1301196" y="3708961"/>
-              <a:ext cx="647999" cy="508908"/>
-            </a:xfrm>
-            <a:prstGeom prst="rect">
-              <a:avLst/>
-            </a:prstGeom>
-          </p:spPr>
-        </p:pic>
-        <p:pic>
-          <p:nvPicPr>
-            <p:cNvPr id="70" name="Graphic 69" descr="Lightbulb with solid fill">
-              <a:extLst>
-                <a:ext uri="{FF2B5EF4-FFF2-40B4-BE49-F238E27FC236}">
-                  <a16:creationId xmlns:a16="http://schemas.microsoft.com/office/drawing/2014/main" id="{78433BFC-71C7-B1F9-8447-ED13F6657E3F}"/>
-                </a:ext>
-              </a:extLst>
-            </p:cNvPr>
-            <p:cNvPicPr>
-              <a:picLocks noChangeAspect="1"/>
-            </p:cNvPicPr>
-            <p:nvPr/>
-          </p:nvPicPr>
-          <p:blipFill>
-            <a:blip r:embed="rId20">
-              <a:extLst>
-                <a:ext uri="{28A0092B-C50C-407E-A947-70E740481C1C}">
-                  <a14:useLocalDpi xmlns:a14="http://schemas.microsoft.com/office/drawing/2010/main" val="0"/>
-                </a:ext>
-                <a:ext uri="{96DAC541-7B7A-43D3-8B79-37D633B846F1}">
-                  <asvg:svgBlip xmlns:asvg="http://schemas.microsoft.com/office/drawing/2016/SVG/main" r:embed="rId21"/>
-                </a:ext>
-              </a:extLst>
-            </a:blip>
-            <a:stretch>
-              <a:fillRect/>
-            </a:stretch>
-          </p:blipFill>
-          <p:spPr>
-            <a:xfrm>
-              <a:off x="1826956" y="3705065"/>
-              <a:ext cx="499741" cy="499741"/>
-            </a:xfrm>
-            <a:prstGeom prst="rect">
-              <a:avLst/>
-            </a:prstGeom>
-          </p:spPr>
-        </p:pic>
-        <p:pic>
-          <p:nvPicPr>
-            <p:cNvPr id="71" name="Graphic 70" descr="Clipboard Partially Crossed with solid fill">
-              <a:extLst>
-                <a:ext uri="{FF2B5EF4-FFF2-40B4-BE49-F238E27FC236}">
-                  <a16:creationId xmlns:a16="http://schemas.microsoft.com/office/drawing/2014/main" id="{D9A97AA8-A822-6A5A-EA6D-05B4AD8B9052}"/>
-                </a:ext>
-              </a:extLst>
-            </p:cNvPr>
-            <p:cNvPicPr>
-              <a:picLocks noChangeAspect="1"/>
-            </p:cNvPicPr>
-            <p:nvPr/>
-          </p:nvPicPr>
-          <p:blipFill>
-            <a:blip r:embed="rId22">
-              <a:extLst>
-                <a:ext uri="{28A0092B-C50C-407E-A947-70E740481C1C}">
-                  <a14:useLocalDpi xmlns:a14="http://schemas.microsoft.com/office/drawing/2010/main" val="0"/>
-                </a:ext>
-                <a:ext uri="{96DAC541-7B7A-43D3-8B79-37D633B846F1}">
-                  <asvg:svgBlip xmlns:asvg="http://schemas.microsoft.com/office/drawing/2016/SVG/main" r:embed="rId23"/>
-                </a:ext>
-              </a:extLst>
-            </a:blip>
-            <a:stretch>
-              <a:fillRect/>
-            </a:stretch>
-          </p:blipFill>
-          <p:spPr>
-            <a:xfrm>
-              <a:off x="744771" y="3600286"/>
-              <a:ext cx="707070" cy="707070"/>
-            </a:xfrm>
-            <a:prstGeom prst="rect">
-              <a:avLst/>
-            </a:prstGeom>
-          </p:spPr>
-        </p:pic>
-      </p:grpSp>
-      <p:grpSp>
-        <p:nvGrpSpPr>
-          <p:cNvPr id="72" name="Group 71">
-            <a:extLst>
-              <a:ext uri="{FF2B5EF4-FFF2-40B4-BE49-F238E27FC236}">
-                <a16:creationId xmlns:a16="http://schemas.microsoft.com/office/drawing/2014/main" id="{4E777CD3-AD8F-7691-C24E-CE2ACF0C2C63}"/>
-              </a:ext>
-            </a:extLst>
-          </p:cNvPr>
-          <p:cNvGrpSpPr/>
-          <p:nvPr/>
-        </p:nvGrpSpPr>
-        <p:grpSpPr>
-          <a:xfrm>
-            <a:off x="8171410" y="4110227"/>
-            <a:ext cx="1581926" cy="707070"/>
-            <a:chOff x="744771" y="3600286"/>
-            <a:chExt cx="1581926" cy="707070"/>
-          </a:xfrm>
-        </p:grpSpPr>
-        <p:pic>
-          <p:nvPicPr>
-            <p:cNvPr id="73" name="Graphic 72" descr="Sustainability with solid fill">
-              <a:extLst>
-                <a:ext uri="{FF2B5EF4-FFF2-40B4-BE49-F238E27FC236}">
-                  <a16:creationId xmlns:a16="http://schemas.microsoft.com/office/drawing/2014/main" id="{8C8DEC19-58A6-D926-5A64-B9EB9B8CC453}"/>
-                </a:ext>
-              </a:extLst>
-            </p:cNvPr>
-            <p:cNvPicPr>
-              <a:picLocks noChangeAspect="1"/>
-            </p:cNvPicPr>
-            <p:nvPr/>
-          </p:nvPicPr>
-          <p:blipFill>
-            <a:blip r:embed="rId18">
-              <a:extLst>
-                <a:ext uri="{28A0092B-C50C-407E-A947-70E740481C1C}">
-                  <a14:useLocalDpi xmlns:a14="http://schemas.microsoft.com/office/drawing/2010/main" val="0"/>
-                </a:ext>
-                <a:ext uri="{96DAC541-7B7A-43D3-8B79-37D633B846F1}">
-                  <asvg:svgBlip xmlns:asvg="http://schemas.microsoft.com/office/drawing/2016/SVG/main" r:embed="rId19"/>
-                </a:ext>
-              </a:extLst>
-            </a:blip>
-            <a:stretch>
-              <a:fillRect/>
-            </a:stretch>
-          </p:blipFill>
-          <p:spPr>
-            <a:xfrm>
-              <a:off x="1301196" y="3708961"/>
-              <a:ext cx="647999" cy="508908"/>
-            </a:xfrm>
-            <a:prstGeom prst="rect">
-              <a:avLst/>
-            </a:prstGeom>
-          </p:spPr>
-        </p:pic>
-        <p:pic>
-          <p:nvPicPr>
-            <p:cNvPr id="74" name="Graphic 73" descr="Lightbulb with solid fill">
-              <a:extLst>
-                <a:ext uri="{FF2B5EF4-FFF2-40B4-BE49-F238E27FC236}">
-                  <a16:creationId xmlns:a16="http://schemas.microsoft.com/office/drawing/2014/main" id="{9F580138-F048-BE0E-ACB8-AE05A75537AD}"/>
-                </a:ext>
-              </a:extLst>
-            </p:cNvPr>
-            <p:cNvPicPr>
-              <a:picLocks noChangeAspect="1"/>
-            </p:cNvPicPr>
-            <p:nvPr/>
-          </p:nvPicPr>
-          <p:blipFill>
-            <a:blip r:embed="rId20">
-              <a:extLst>
-                <a:ext uri="{28A0092B-C50C-407E-A947-70E740481C1C}">
-                  <a14:useLocalDpi xmlns:a14="http://schemas.microsoft.com/office/drawing/2010/main" val="0"/>
-                </a:ext>
-                <a:ext uri="{96DAC541-7B7A-43D3-8B79-37D633B846F1}">
-                  <asvg:svgBlip xmlns:asvg="http://schemas.microsoft.com/office/drawing/2016/SVG/main" r:embed="rId21"/>
-                </a:ext>
-              </a:extLst>
-            </a:blip>
-            <a:stretch>
-              <a:fillRect/>
-            </a:stretch>
-          </p:blipFill>
-          <p:spPr>
-            <a:xfrm>
-              <a:off x="1826956" y="3705065"/>
-              <a:ext cx="499741" cy="499741"/>
-            </a:xfrm>
-            <a:prstGeom prst="rect">
-              <a:avLst/>
-            </a:prstGeom>
-          </p:spPr>
-        </p:pic>
-        <p:pic>
-          <p:nvPicPr>
-            <p:cNvPr id="75" name="Graphic 74" descr="Clipboard Partially Crossed with solid fill">
-              <a:extLst>
-                <a:ext uri="{FF2B5EF4-FFF2-40B4-BE49-F238E27FC236}">
-                  <a16:creationId xmlns:a16="http://schemas.microsoft.com/office/drawing/2014/main" id="{AA684E2D-914C-21F8-51BB-E8D243D2947E}"/>
-                </a:ext>
-              </a:extLst>
-            </p:cNvPr>
-            <p:cNvPicPr>
-              <a:picLocks noChangeAspect="1"/>
-            </p:cNvPicPr>
-            <p:nvPr/>
-          </p:nvPicPr>
-          <p:blipFill>
-            <a:blip r:embed="rId22">
-              <a:extLst>
-                <a:ext uri="{28A0092B-C50C-407E-A947-70E740481C1C}">
-                  <a14:useLocalDpi xmlns:a14="http://schemas.microsoft.com/office/drawing/2010/main" val="0"/>
-                </a:ext>
-                <a:ext uri="{96DAC541-7B7A-43D3-8B79-37D633B846F1}">
-                  <asvg:svgBlip xmlns:asvg="http://schemas.microsoft.com/office/drawing/2016/SVG/main" r:embed="rId23"/>
-                </a:ext>
-              </a:extLst>
-            </a:blip>
-            <a:stretch>
-              <a:fillRect/>
-            </a:stretch>
-          </p:blipFill>
-          <p:spPr>
-            <a:xfrm>
-              <a:off x="744771" y="3600286"/>
-              <a:ext cx="707070" cy="707070"/>
-            </a:xfrm>
-            <a:prstGeom prst="rect">
-              <a:avLst/>
-            </a:prstGeom>
-          </p:spPr>
-        </p:pic>
-      </p:grpSp>
-      <p:sp>
-        <p:nvSpPr>
-          <p:cNvPr id="89" name="Arrow: Right 88">
-            <a:extLst>
-              <a:ext uri="{FF2B5EF4-FFF2-40B4-BE49-F238E27FC236}">
-                <a16:creationId xmlns:a16="http://schemas.microsoft.com/office/drawing/2014/main" id="{54BD55DC-F9BF-04AF-296D-059E6D4C732F}"/>
-              </a:ext>
-            </a:extLst>
-          </p:cNvPr>
-          <p:cNvSpPr/>
-          <p:nvPr/>
-        </p:nvSpPr>
-        <p:spPr>
-          <a:xfrm rot="16200000">
-            <a:off x="8808415" y="5010771"/>
-            <a:ext cx="444583" cy="109994"/>
-          </a:xfrm>
-          <a:prstGeom prst="rightArrow">
-            <a:avLst/>
-          </a:prstGeom>
-          <a:solidFill>
-            <a:schemeClr val="tx1"/>
-          </a:solidFill>
-          <a:ln w="6350"/>
-        </p:spPr>
-        <p:style>
-          <a:lnRef idx="2">
-            <a:schemeClr val="dk1">
-              <a:shade val="15000"/>
-            </a:schemeClr>
-          </a:lnRef>
-          <a:fillRef idx="1">
-            <a:schemeClr val="dk1"/>
-          </a:fillRef>
-          <a:effectRef idx="0">
-            <a:schemeClr val="dk1"/>
-          </a:effectRef>
-          <a:fontRef idx="minor">
-            <a:schemeClr val="lt1"/>
-          </a:fontRef>
-        </p:style>
-        <p:txBody>
-          <a:bodyPr rtlCol="0" anchor="ctr"/>
-          <a:lstStyle/>
-          <a:p>
-            <a:pPr algn="ctr"/>
-            <a:endParaRPr lang="en-GB"/>
-          </a:p>
-        </p:txBody>
-      </p:sp>
-      <p:grpSp>
-        <p:nvGrpSpPr>
-          <p:cNvPr id="99" name="Group 98">
-            <a:extLst>
-              <a:ext uri="{FF2B5EF4-FFF2-40B4-BE49-F238E27FC236}">
-                <a16:creationId xmlns:a16="http://schemas.microsoft.com/office/drawing/2014/main" id="{7DD0EC58-21D0-2DEE-B1D5-C80287D2407A}"/>
-              </a:ext>
-            </a:extLst>
-          </p:cNvPr>
-          <p:cNvGrpSpPr/>
-          <p:nvPr/>
-        </p:nvGrpSpPr>
-        <p:grpSpPr>
-          <a:xfrm>
-            <a:off x="1565601" y="4843476"/>
-            <a:ext cx="7486233" cy="457959"/>
-            <a:chOff x="1515201" y="4307355"/>
-            <a:chExt cx="7486233" cy="457959"/>
-          </a:xfrm>
-        </p:grpSpPr>
-        <p:cxnSp>
-          <p:nvCxnSpPr>
-            <p:cNvPr id="91" name="Straight Connector 90">
-              <a:extLst>
-                <a:ext uri="{FF2B5EF4-FFF2-40B4-BE49-F238E27FC236}">
-                  <a16:creationId xmlns:a16="http://schemas.microsoft.com/office/drawing/2014/main" id="{680D9BEB-048E-95BA-AA19-47B971115263}"/>
-                </a:ext>
-              </a:extLst>
-            </p:cNvPr>
-            <p:cNvCxnSpPr>
-              <a:cxnSpLocks/>
-            </p:cNvCxnSpPr>
-            <p:nvPr/>
-          </p:nvCxnSpPr>
-          <p:spPr>
-            <a:xfrm flipV="1">
-              <a:off x="1534526" y="4726687"/>
-              <a:ext cx="7466908" cy="38627"/>
-            </a:xfrm>
-            <a:prstGeom prst="line">
-              <a:avLst/>
-            </a:prstGeom>
-            <a:ln w="57150"/>
-          </p:spPr>
-          <p:style>
-            <a:lnRef idx="2">
-              <a:schemeClr val="dk1"/>
-            </a:lnRef>
-            <a:fillRef idx="0">
-              <a:schemeClr val="dk1"/>
-            </a:fillRef>
-            <a:effectRef idx="1">
-              <a:schemeClr val="dk1"/>
-            </a:effectRef>
-            <a:fontRef idx="minor">
-              <a:schemeClr val="tx1"/>
-            </a:fontRef>
-          </p:style>
-        </p:cxnSp>
-        <p:sp>
-          <p:nvSpPr>
-            <p:cNvPr id="94" name="Arrow: Right 93">
-              <a:extLst>
-                <a:ext uri="{FF2B5EF4-FFF2-40B4-BE49-F238E27FC236}">
-                  <a16:creationId xmlns:a16="http://schemas.microsoft.com/office/drawing/2014/main" id="{30D25DB9-0BA6-4222-E4D1-071C7DB18C02}"/>
-                </a:ext>
-              </a:extLst>
-            </p:cNvPr>
-            <p:cNvSpPr/>
-            <p:nvPr/>
-          </p:nvSpPr>
-          <p:spPr>
-            <a:xfrm rot="16200000">
-              <a:off x="4990691" y="4474650"/>
-              <a:ext cx="444583" cy="109994"/>
-            </a:xfrm>
-            <a:prstGeom prst="rightArrow">
-              <a:avLst/>
-            </a:prstGeom>
-            <a:solidFill>
-              <a:schemeClr val="tx1"/>
-            </a:solidFill>
-            <a:ln w="6350"/>
-          </p:spPr>
-          <p:style>
-            <a:lnRef idx="2">
-              <a:schemeClr val="dk1">
-                <a:shade val="15000"/>
-              </a:schemeClr>
-            </a:lnRef>
-            <a:fillRef idx="1">
-              <a:schemeClr val="dk1"/>
-            </a:fillRef>
-            <a:effectRef idx="0">
-              <a:schemeClr val="dk1"/>
-            </a:effectRef>
-            <a:fontRef idx="minor">
-              <a:schemeClr val="lt1"/>
-            </a:fontRef>
-          </p:style>
-          <p:txBody>
-            <a:bodyPr rtlCol="0" anchor="ctr"/>
-            <a:lstStyle/>
-            <a:p>
-              <a:pPr algn="ctr"/>
-              <a:endParaRPr lang="en-GB"/>
-            </a:p>
-          </p:txBody>
-        </p:sp>
-        <p:sp>
-          <p:nvSpPr>
-            <p:cNvPr id="95" name="Arrow: Right 94">
-              <a:extLst>
-                <a:ext uri="{FF2B5EF4-FFF2-40B4-BE49-F238E27FC236}">
-                  <a16:creationId xmlns:a16="http://schemas.microsoft.com/office/drawing/2014/main" id="{DC924BE0-6871-3C1F-0AA6-D507BA3C71F9}"/>
-                </a:ext>
-              </a:extLst>
-            </p:cNvPr>
-            <p:cNvSpPr/>
-            <p:nvPr/>
-          </p:nvSpPr>
-          <p:spPr>
-            <a:xfrm rot="16200000">
-              <a:off x="1347906" y="4474650"/>
-              <a:ext cx="444583" cy="109994"/>
-            </a:xfrm>
-            <a:prstGeom prst="rightArrow">
-              <a:avLst/>
-            </a:prstGeom>
-            <a:solidFill>
-              <a:schemeClr val="tx1"/>
-            </a:solidFill>
-            <a:ln w="6350"/>
-          </p:spPr>
-          <p:style>
-            <a:lnRef idx="2">
-              <a:schemeClr val="dk1">
-                <a:shade val="15000"/>
-              </a:schemeClr>
-            </a:lnRef>
-            <a:fillRef idx="1">
-              <a:schemeClr val="dk1"/>
-            </a:fillRef>
-            <a:effectRef idx="0">
-              <a:schemeClr val="dk1"/>
-            </a:effectRef>
-            <a:fontRef idx="minor">
-              <a:schemeClr val="lt1"/>
-            </a:fontRef>
-          </p:style>
-          <p:txBody>
-            <a:bodyPr rtlCol="0" anchor="ctr"/>
-            <a:lstStyle/>
-            <a:p>
-              <a:pPr algn="ctr"/>
-              <a:endParaRPr lang="en-GB"/>
-            </a:p>
-          </p:txBody>
-        </p:sp>
-      </p:grpSp>
-      <p:pic>
-        <p:nvPicPr>
-          <p:cNvPr id="96" name="Graphic 95" descr="Clock with solid fill">
-            <a:extLst>
-              <a:ext uri="{FF2B5EF4-FFF2-40B4-BE49-F238E27FC236}">
-                <a16:creationId xmlns:a16="http://schemas.microsoft.com/office/drawing/2014/main" id="{3F4B4452-9BF5-9469-DE19-0B2DD8304E6B}"/>
-              </a:ext>
-            </a:extLst>
-          </p:cNvPr>
-          <p:cNvPicPr>
-            <a:picLocks noChangeAspect="1"/>
-          </p:cNvPicPr>
-          <p:nvPr/>
-        </p:nvPicPr>
-        <p:blipFill>
-          <a:blip r:embed="rId24">
-            <a:extLst>
-              <a:ext uri="{28A0092B-C50C-407E-A947-70E740481C1C}">
-                <a14:useLocalDpi xmlns:a14="http://schemas.microsoft.com/office/drawing/2010/main" val="0"/>
-              </a:ext>
-              <a:ext uri="{96DAC541-7B7A-43D3-8B79-37D633B846F1}">
-                <asvg:svgBlip xmlns:asvg="http://schemas.microsoft.com/office/drawing/2016/SVG/main" r:embed="rId25"/>
-              </a:ext>
-            </a:extLst>
-          </a:blip>
-          <a:stretch>
-            <a:fillRect/>
-          </a:stretch>
-        </p:blipFill>
-        <p:spPr>
-          <a:xfrm>
-            <a:off x="0" y="5955465"/>
-            <a:ext cx="914400" cy="914400"/>
-          </a:xfrm>
-          <a:prstGeom prst="rect">
-            <a:avLst/>
-          </a:prstGeom>
-        </p:spPr>
-      </p:pic>
-      <p:sp>
-        <p:nvSpPr>
-          <p:cNvPr id="97" name="TextBox 96">
-            <a:extLst>
-              <a:ext uri="{FF2B5EF4-FFF2-40B4-BE49-F238E27FC236}">
-                <a16:creationId xmlns:a16="http://schemas.microsoft.com/office/drawing/2014/main" id="{81A175CA-2C7B-B345-C227-A9AB08F82915}"/>
-              </a:ext>
-            </a:extLst>
-          </p:cNvPr>
-          <p:cNvSpPr txBox="1"/>
-          <p:nvPr/>
-        </p:nvSpPr>
-        <p:spPr>
-          <a:xfrm>
-            <a:off x="8324682" y="5259102"/>
-            <a:ext cx="553798" cy="461665"/>
-          </a:xfrm>
-          <a:prstGeom prst="rect">
-            <a:avLst/>
-          </a:prstGeom>
-          <a:noFill/>
-        </p:spPr>
-        <p:txBody>
-          <a:bodyPr wrap="square" rtlCol="0">
-            <a:spAutoFit/>
-          </a:bodyPr>
-          <a:lstStyle/>
-          <a:p>
-            <a:r>
-              <a:rPr lang="en-GB" sz="2400" b="1" dirty="0"/>
-              <a:t>1.</a:t>
-            </a:r>
-          </a:p>
-        </p:txBody>
-      </p:sp>
-      <p:sp>
-        <p:nvSpPr>
-          <p:cNvPr id="98" name="TextBox 97">
-            <a:extLst>
-              <a:ext uri="{FF2B5EF4-FFF2-40B4-BE49-F238E27FC236}">
-                <a16:creationId xmlns:a16="http://schemas.microsoft.com/office/drawing/2014/main" id="{09624F0D-20E9-A728-803E-43280480343A}"/>
-              </a:ext>
-            </a:extLst>
-          </p:cNvPr>
-          <p:cNvSpPr txBox="1"/>
-          <p:nvPr/>
-        </p:nvSpPr>
-        <p:spPr>
-          <a:xfrm>
-            <a:off x="10103532" y="4523157"/>
-            <a:ext cx="553798" cy="461665"/>
-          </a:xfrm>
-          <a:prstGeom prst="rect">
-            <a:avLst/>
-          </a:prstGeom>
-          <a:noFill/>
-        </p:spPr>
-        <p:txBody>
-          <a:bodyPr wrap="square" rtlCol="0">
-            <a:spAutoFit/>
-          </a:bodyPr>
-          <a:lstStyle/>
-          <a:p>
-            <a:r>
-              <a:rPr lang="en-GB" sz="2400" b="1" dirty="0"/>
-              <a:t>3.</a:t>
-            </a:r>
-          </a:p>
-        </p:txBody>
-      </p:sp>
-      <p:grpSp>
-        <p:nvGrpSpPr>
-          <p:cNvPr id="101" name="Group 100">
-            <a:extLst>
-              <a:ext uri="{FF2B5EF4-FFF2-40B4-BE49-F238E27FC236}">
-                <a16:creationId xmlns:a16="http://schemas.microsoft.com/office/drawing/2014/main" id="{2E64187B-508F-6959-DD87-404A5898973F}"/>
-              </a:ext>
-            </a:extLst>
-          </p:cNvPr>
-          <p:cNvGrpSpPr/>
-          <p:nvPr/>
-        </p:nvGrpSpPr>
-        <p:grpSpPr>
-          <a:xfrm rot="10800000">
-            <a:off x="1544538" y="3041360"/>
-            <a:ext cx="8108806" cy="457283"/>
-            <a:chOff x="1502501" y="4307355"/>
-            <a:chExt cx="8108806" cy="457283"/>
-          </a:xfrm>
-        </p:grpSpPr>
-        <p:cxnSp>
-          <p:nvCxnSpPr>
-            <p:cNvPr id="102" name="Straight Connector 101">
-              <a:extLst>
-                <a:ext uri="{FF2B5EF4-FFF2-40B4-BE49-F238E27FC236}">
-                  <a16:creationId xmlns:a16="http://schemas.microsoft.com/office/drawing/2014/main" id="{27271DFC-F76B-1717-E1F0-EEED87F93214}"/>
-                </a:ext>
-              </a:extLst>
-            </p:cNvPr>
-            <p:cNvCxnSpPr>
-              <a:cxnSpLocks/>
-            </p:cNvCxnSpPr>
-            <p:nvPr/>
-          </p:nvCxnSpPr>
-          <p:spPr>
-            <a:xfrm rot="10800000" flipH="1" flipV="1">
-              <a:off x="1527900" y="4751938"/>
-              <a:ext cx="8083407" cy="12539"/>
-            </a:xfrm>
-            <a:prstGeom prst="line">
-              <a:avLst/>
-            </a:prstGeom>
-            <a:ln w="57150"/>
-          </p:spPr>
-          <p:style>
-            <a:lnRef idx="2">
-              <a:schemeClr val="dk1"/>
-            </a:lnRef>
-            <a:fillRef idx="0">
-              <a:schemeClr val="dk1"/>
-            </a:fillRef>
-            <a:effectRef idx="1">
-              <a:schemeClr val="dk1"/>
-            </a:effectRef>
-            <a:fontRef idx="minor">
-              <a:schemeClr val="tx1"/>
-            </a:fontRef>
-          </p:style>
-        </p:cxnSp>
-        <p:sp>
-          <p:nvSpPr>
-            <p:cNvPr id="103" name="Arrow: Right 102">
-              <a:extLst>
-                <a:ext uri="{FF2B5EF4-FFF2-40B4-BE49-F238E27FC236}">
-                  <a16:creationId xmlns:a16="http://schemas.microsoft.com/office/drawing/2014/main" id="{345560A1-7784-2207-6BEC-DF5B3E1FA71A}"/>
-                </a:ext>
-              </a:extLst>
-            </p:cNvPr>
-            <p:cNvSpPr/>
-            <p:nvPr/>
-          </p:nvSpPr>
-          <p:spPr>
-            <a:xfrm rot="16200000">
-              <a:off x="4990691" y="4474650"/>
-              <a:ext cx="444583" cy="109994"/>
-            </a:xfrm>
-            <a:prstGeom prst="rightArrow">
-              <a:avLst/>
-            </a:prstGeom>
-            <a:solidFill>
-              <a:schemeClr val="tx1"/>
-            </a:solidFill>
-            <a:ln w="6350"/>
-          </p:spPr>
-          <p:style>
-            <a:lnRef idx="2">
-              <a:schemeClr val="dk1">
-                <a:shade val="15000"/>
-              </a:schemeClr>
-            </a:lnRef>
-            <a:fillRef idx="1">
-              <a:schemeClr val="dk1"/>
-            </a:fillRef>
-            <a:effectRef idx="0">
-              <a:schemeClr val="dk1"/>
-            </a:effectRef>
-            <a:fontRef idx="minor">
-              <a:schemeClr val="lt1"/>
-            </a:fontRef>
-          </p:style>
-          <p:txBody>
-            <a:bodyPr rtlCol="0" anchor="ctr"/>
-            <a:lstStyle/>
-            <a:p>
-              <a:pPr algn="ctr"/>
-              <a:endParaRPr lang="en-GB"/>
-            </a:p>
-          </p:txBody>
-        </p:sp>
-        <p:sp>
-          <p:nvSpPr>
-            <p:cNvPr id="104" name="Arrow: Right 103">
-              <a:extLst>
-                <a:ext uri="{FF2B5EF4-FFF2-40B4-BE49-F238E27FC236}">
-                  <a16:creationId xmlns:a16="http://schemas.microsoft.com/office/drawing/2014/main" id="{1F18F635-C0C7-6535-27BB-7CB9D5A52B50}"/>
-                </a:ext>
-              </a:extLst>
-            </p:cNvPr>
-            <p:cNvSpPr/>
-            <p:nvPr/>
-          </p:nvSpPr>
-          <p:spPr>
-            <a:xfrm rot="16200000">
-              <a:off x="1335206" y="4487350"/>
-              <a:ext cx="444583" cy="109994"/>
-            </a:xfrm>
-            <a:prstGeom prst="rightArrow">
-              <a:avLst/>
-            </a:prstGeom>
-            <a:solidFill>
-              <a:schemeClr val="tx1"/>
-            </a:solidFill>
-            <a:ln w="6350"/>
-          </p:spPr>
-          <p:style>
-            <a:lnRef idx="2">
-              <a:schemeClr val="dk1">
-                <a:shade val="15000"/>
-              </a:schemeClr>
-            </a:lnRef>
-            <a:fillRef idx="1">
-              <a:schemeClr val="dk1"/>
-            </a:fillRef>
-            <a:effectRef idx="0">
-              <a:schemeClr val="dk1"/>
-            </a:effectRef>
-            <a:fontRef idx="minor">
-              <a:schemeClr val="lt1"/>
-            </a:fontRef>
-          </p:style>
-          <p:txBody>
-            <a:bodyPr rtlCol="0" anchor="ctr"/>
-            <a:lstStyle/>
-            <a:p>
-              <a:pPr algn="ctr"/>
-              <a:endParaRPr lang="en-GB"/>
-            </a:p>
-          </p:txBody>
-        </p:sp>
-      </p:grpSp>
-      <p:sp>
-        <p:nvSpPr>
-          <p:cNvPr id="105" name="Arrow: Right 104">
-            <a:extLst>
-              <a:ext uri="{FF2B5EF4-FFF2-40B4-BE49-F238E27FC236}">
-                <a16:creationId xmlns:a16="http://schemas.microsoft.com/office/drawing/2014/main" id="{5B60979F-3371-CD53-F804-B56C70746292}"/>
-              </a:ext>
-            </a:extLst>
-          </p:cNvPr>
-          <p:cNvSpPr/>
-          <p:nvPr/>
-        </p:nvSpPr>
-        <p:spPr>
-          <a:xfrm rot="5400000">
-            <a:off x="8757845" y="3246607"/>
-            <a:ext cx="444583" cy="109994"/>
-          </a:xfrm>
-          <a:prstGeom prst="rightArrow">
-            <a:avLst/>
-          </a:prstGeom>
-          <a:solidFill>
-            <a:schemeClr val="tx1"/>
-          </a:solidFill>
-          <a:ln w="6350"/>
-        </p:spPr>
-        <p:style>
-          <a:lnRef idx="2">
-            <a:schemeClr val="dk1">
-              <a:shade val="15000"/>
-            </a:schemeClr>
-          </a:lnRef>
-          <a:fillRef idx="1">
-            <a:schemeClr val="dk1"/>
-          </a:fillRef>
-          <a:effectRef idx="0">
-            <a:schemeClr val="dk1"/>
-          </a:effectRef>
-          <a:fontRef idx="minor">
-            <a:schemeClr val="lt1"/>
-          </a:fontRef>
-        </p:style>
-        <p:txBody>
-          <a:bodyPr rtlCol="0" anchor="ctr"/>
-          <a:lstStyle/>
-          <a:p>
-            <a:pPr algn="ctr"/>
-            <a:endParaRPr lang="en-GB"/>
-          </a:p>
-        </p:txBody>
-      </p:sp>
-      <p:sp>
-        <p:nvSpPr>
-          <p:cNvPr id="106" name="Arrow: Right 105">
-            <a:extLst>
-              <a:ext uri="{FF2B5EF4-FFF2-40B4-BE49-F238E27FC236}">
-                <a16:creationId xmlns:a16="http://schemas.microsoft.com/office/drawing/2014/main" id="{B722EDAC-5771-F3DC-5595-201E08C106F4}"/>
-              </a:ext>
-            </a:extLst>
-          </p:cNvPr>
-          <p:cNvSpPr/>
-          <p:nvPr/>
-        </p:nvSpPr>
-        <p:spPr>
-          <a:xfrm rot="5400000">
-            <a:off x="8194637" y="3234551"/>
-            <a:ext cx="444583" cy="109994"/>
-          </a:xfrm>
-          <a:prstGeom prst="rightArrow">
-            <a:avLst/>
-          </a:prstGeom>
-          <a:solidFill>
-            <a:schemeClr val="tx1"/>
-          </a:solidFill>
-          <a:ln w="6350"/>
-        </p:spPr>
-        <p:style>
-          <a:lnRef idx="2">
-            <a:schemeClr val="dk1">
-              <a:shade val="15000"/>
-            </a:schemeClr>
-          </a:lnRef>
-          <a:fillRef idx="1">
-            <a:schemeClr val="dk1"/>
-          </a:fillRef>
-          <a:effectRef idx="0">
-            <a:schemeClr val="dk1"/>
-          </a:effectRef>
-          <a:fontRef idx="minor">
-            <a:schemeClr val="lt1"/>
-          </a:fontRef>
-        </p:style>
-        <p:txBody>
-          <a:bodyPr rtlCol="0" anchor="ctr"/>
-          <a:lstStyle/>
-          <a:p>
-            <a:pPr algn="ctr"/>
-            <a:endParaRPr lang="en-GB"/>
-          </a:p>
-        </p:txBody>
-      </p:sp>
-      <p:sp>
-        <p:nvSpPr>
-          <p:cNvPr id="107" name="Arrow: Right 106">
-            <a:extLst>
-              <a:ext uri="{FF2B5EF4-FFF2-40B4-BE49-F238E27FC236}">
-                <a16:creationId xmlns:a16="http://schemas.microsoft.com/office/drawing/2014/main" id="{682A1412-8A05-17E9-2F60-ADCD6677D60A}"/>
-              </a:ext>
-            </a:extLst>
-          </p:cNvPr>
-          <p:cNvSpPr/>
-          <p:nvPr/>
-        </p:nvSpPr>
-        <p:spPr>
-          <a:xfrm rot="5400000">
-            <a:off x="5021343" y="3221354"/>
-            <a:ext cx="444583" cy="109994"/>
-          </a:xfrm>
-          <a:prstGeom prst="rightArrow">
-            <a:avLst/>
-          </a:prstGeom>
-          <a:solidFill>
-            <a:schemeClr val="tx1"/>
-          </a:solidFill>
-          <a:ln w="6350"/>
-        </p:spPr>
-        <p:style>
-          <a:lnRef idx="2">
-            <a:schemeClr val="dk1">
-              <a:shade val="15000"/>
-            </a:schemeClr>
-          </a:lnRef>
-          <a:fillRef idx="1">
-            <a:schemeClr val="dk1"/>
-          </a:fillRef>
-          <a:effectRef idx="0">
-            <a:schemeClr val="dk1"/>
-          </a:effectRef>
-          <a:fontRef idx="minor">
-            <a:schemeClr val="lt1"/>
-          </a:fontRef>
-        </p:style>
-        <p:txBody>
-          <a:bodyPr rtlCol="0" anchor="ctr"/>
-          <a:lstStyle/>
-          <a:p>
-            <a:pPr algn="ctr"/>
-            <a:endParaRPr lang="en-GB"/>
-          </a:p>
-        </p:txBody>
-      </p:sp>
-      <p:sp>
-        <p:nvSpPr>
-          <p:cNvPr id="108" name="Arrow: Right 107">
-            <a:extLst>
-              <a:ext uri="{FF2B5EF4-FFF2-40B4-BE49-F238E27FC236}">
-                <a16:creationId xmlns:a16="http://schemas.microsoft.com/office/drawing/2014/main" id="{08F8D30C-24A0-B4EE-DD6E-AF87D586ED43}"/>
-              </a:ext>
-            </a:extLst>
-          </p:cNvPr>
-          <p:cNvSpPr/>
-          <p:nvPr/>
-        </p:nvSpPr>
-        <p:spPr>
-          <a:xfrm rot="5400000">
-            <a:off x="4436520" y="3246608"/>
-            <a:ext cx="444583" cy="109994"/>
-          </a:xfrm>
-          <a:prstGeom prst="rightArrow">
-            <a:avLst/>
-          </a:prstGeom>
-          <a:solidFill>
-            <a:schemeClr val="tx1"/>
-          </a:solidFill>
-          <a:ln w="6350"/>
-        </p:spPr>
-        <p:style>
-          <a:lnRef idx="2">
-            <a:schemeClr val="dk1">
-              <a:shade val="15000"/>
-            </a:schemeClr>
-          </a:lnRef>
-          <a:fillRef idx="1">
-            <a:schemeClr val="dk1"/>
-          </a:fillRef>
-          <a:effectRef idx="0">
-            <a:schemeClr val="dk1"/>
-          </a:effectRef>
-          <a:fontRef idx="minor">
-            <a:schemeClr val="lt1"/>
-          </a:fontRef>
-        </p:style>
-        <p:txBody>
-          <a:bodyPr rtlCol="0" anchor="ctr"/>
-          <a:lstStyle/>
-          <a:p>
-            <a:pPr algn="ctr"/>
-            <a:endParaRPr lang="en-GB"/>
-          </a:p>
-        </p:txBody>
-      </p:sp>
-      <p:sp>
-        <p:nvSpPr>
-          <p:cNvPr id="109" name="Arrow: Right 108">
-            <a:extLst>
-              <a:ext uri="{FF2B5EF4-FFF2-40B4-BE49-F238E27FC236}">
-                <a16:creationId xmlns:a16="http://schemas.microsoft.com/office/drawing/2014/main" id="{0AEFDA90-1EC9-B13F-7FB8-3AC4877FEB38}"/>
-              </a:ext>
-            </a:extLst>
-          </p:cNvPr>
-          <p:cNvSpPr/>
-          <p:nvPr/>
-        </p:nvSpPr>
-        <p:spPr>
-          <a:xfrm rot="5400000">
-            <a:off x="1347646" y="3196115"/>
-            <a:ext cx="444583" cy="109994"/>
-          </a:xfrm>
-          <a:prstGeom prst="rightArrow">
-            <a:avLst/>
-          </a:prstGeom>
-          <a:solidFill>
-            <a:schemeClr val="tx1"/>
-          </a:solidFill>
-          <a:ln w="6350"/>
-        </p:spPr>
-        <p:style>
-          <a:lnRef idx="2">
-            <a:schemeClr val="dk1">
-              <a:shade val="15000"/>
-            </a:schemeClr>
-          </a:lnRef>
-          <a:fillRef idx="1">
-            <a:schemeClr val="dk1"/>
-          </a:fillRef>
-          <a:effectRef idx="0">
-            <a:schemeClr val="dk1"/>
-          </a:effectRef>
-          <a:fontRef idx="minor">
-            <a:schemeClr val="lt1"/>
-          </a:fontRef>
-        </p:style>
-        <p:txBody>
-          <a:bodyPr rtlCol="0" anchor="ctr"/>
-          <a:lstStyle/>
-          <a:p>
-            <a:pPr algn="ctr"/>
-            <a:endParaRPr lang="en-GB"/>
-          </a:p>
-        </p:txBody>
-      </p:sp>
-      <p:sp>
-        <p:nvSpPr>
-          <p:cNvPr id="117" name="TextBox 116">
-            <a:extLst>
-              <a:ext uri="{FF2B5EF4-FFF2-40B4-BE49-F238E27FC236}">
-                <a16:creationId xmlns:a16="http://schemas.microsoft.com/office/drawing/2014/main" id="{D86F9382-25BA-FC09-CFB5-79567137AB2A}"/>
-              </a:ext>
-            </a:extLst>
-          </p:cNvPr>
-          <p:cNvSpPr txBox="1"/>
-          <p:nvPr/>
-        </p:nvSpPr>
-        <p:spPr>
-          <a:xfrm>
-            <a:off x="8371341" y="2556280"/>
-            <a:ext cx="553798" cy="461665"/>
-          </a:xfrm>
-          <a:prstGeom prst="rect">
-            <a:avLst/>
-          </a:prstGeom>
-          <a:noFill/>
-        </p:spPr>
-        <p:txBody>
-          <a:bodyPr wrap="square" rtlCol="0">
-            <a:spAutoFit/>
-          </a:bodyPr>
-          <a:lstStyle/>
-          <a:p>
-            <a:r>
-              <a:rPr lang="en-GB" sz="2400" b="1" dirty="0"/>
-              <a:t>2.</a:t>
-            </a:r>
-          </a:p>
-        </p:txBody>
-      </p:sp>
-      <p:cxnSp>
-        <p:nvCxnSpPr>
-          <p:cNvPr id="121" name="Straight Arrow Connector 120">
-            <a:extLst>
-              <a:ext uri="{FF2B5EF4-FFF2-40B4-BE49-F238E27FC236}">
-                <a16:creationId xmlns:a16="http://schemas.microsoft.com/office/drawing/2014/main" id="{E410B544-65A3-A471-3539-3FE92F61575D}"/>
-              </a:ext>
-            </a:extLst>
-          </p:cNvPr>
-          <p:cNvCxnSpPr/>
-          <p:nvPr/>
-        </p:nvCxnSpPr>
-        <p:spPr>
-          <a:xfrm>
-            <a:off x="9829848" y="4499536"/>
-            <a:ext cx="930903" cy="0"/>
-          </a:xfrm>
-          <a:prstGeom prst="straightConnector1">
-            <a:avLst/>
-          </a:prstGeom>
-          <a:ln w="44450">
-            <a:solidFill>
-              <a:schemeClr val="tx1"/>
-            </a:solidFill>
-            <a:headEnd type="triangle"/>
-            <a:tailEnd type="triangle"/>
-          </a:ln>
-        </p:spPr>
-        <p:style>
-          <a:lnRef idx="2">
-            <a:schemeClr val="dk1"/>
-          </a:lnRef>
-          <a:fillRef idx="0">
-            <a:schemeClr val="dk1"/>
-          </a:fillRef>
-          <a:effectRef idx="1">
-            <a:schemeClr val="dk1"/>
-          </a:effectRef>
-          <a:fontRef idx="minor">
-            <a:schemeClr val="tx1"/>
-          </a:fontRef>
-        </p:style>
-      </p:cxnSp>
       <p:pic>
         <p:nvPicPr>
           <p:cNvPr id="3" name="Picture 2">
@@ -10552,7 +10437,7 @@
         </p:blipFill>
         <p:spPr bwMode="auto">
           <a:xfrm>
-            <a:off x="10185401" y="0"/>
+            <a:off x="13345696" y="-276623"/>
             <a:ext cx="1853434" cy="2166938"/>
           </a:xfrm>
           <a:prstGeom prst="rect">
@@ -10816,7 +10701,12 @@
             <p:ph type="title"/>
           </p:nvPr>
         </p:nvSpPr>
-        <p:spPr/>
+        <p:spPr>
+          <a:xfrm>
+            <a:off x="205853" y="-106321"/>
+            <a:ext cx="10515600" cy="1325563"/>
+          </a:xfrm>
+        </p:spPr>
         <p:txBody>
           <a:bodyPr/>
           <a:lstStyle/>
@@ -10925,200 +10815,6 @@
           </p:style>
         </p:cxnSp>
       </p:grpSp>
-      <p:grpSp>
-        <p:nvGrpSpPr>
-          <p:cNvPr id="10" name="Group 9">
-            <a:extLst>
-              <a:ext uri="{FF2B5EF4-FFF2-40B4-BE49-F238E27FC236}">
-                <a16:creationId xmlns:a16="http://schemas.microsoft.com/office/drawing/2014/main" id="{B25DCB88-3CAC-CF9D-27AD-C59F56796D2C}"/>
-              </a:ext>
-            </a:extLst>
-          </p:cNvPr>
-          <p:cNvGrpSpPr/>
-          <p:nvPr/>
-        </p:nvGrpSpPr>
-        <p:grpSpPr>
-          <a:xfrm>
-            <a:off x="4772246" y="2992179"/>
-            <a:ext cx="1473200" cy="1346200"/>
-            <a:chOff x="838200" y="2247900"/>
-            <a:chExt cx="1473200" cy="1346200"/>
-          </a:xfrm>
-        </p:grpSpPr>
-        <p:cxnSp>
-          <p:nvCxnSpPr>
-            <p:cNvPr id="11" name="Straight Connector 10">
-              <a:extLst>
-                <a:ext uri="{FF2B5EF4-FFF2-40B4-BE49-F238E27FC236}">
-                  <a16:creationId xmlns:a16="http://schemas.microsoft.com/office/drawing/2014/main" id="{8DD5FA20-BDEA-DA50-D056-8CD77989486E}"/>
-                </a:ext>
-              </a:extLst>
-            </p:cNvPr>
-            <p:cNvCxnSpPr/>
-            <p:nvPr/>
-          </p:nvCxnSpPr>
-          <p:spPr>
-            <a:xfrm>
-              <a:off x="838200" y="2247900"/>
-              <a:ext cx="0" cy="1346200"/>
-            </a:xfrm>
-            <a:prstGeom prst="line">
-              <a:avLst/>
-            </a:prstGeom>
-            <a:ln w="38100"/>
-          </p:spPr>
-          <p:style>
-            <a:lnRef idx="2">
-              <a:schemeClr val="dk1"/>
-            </a:lnRef>
-            <a:fillRef idx="0">
-              <a:schemeClr val="dk1"/>
-            </a:fillRef>
-            <a:effectRef idx="1">
-              <a:schemeClr val="dk1"/>
-            </a:effectRef>
-            <a:fontRef idx="minor">
-              <a:schemeClr val="tx1"/>
-            </a:fontRef>
-          </p:style>
-        </p:cxnSp>
-        <p:cxnSp>
-          <p:nvCxnSpPr>
-            <p:cNvPr id="12" name="Straight Connector 11">
-              <a:extLst>
-                <a:ext uri="{FF2B5EF4-FFF2-40B4-BE49-F238E27FC236}">
-                  <a16:creationId xmlns:a16="http://schemas.microsoft.com/office/drawing/2014/main" id="{3DB0F154-3631-E8CD-D0D0-240FAB837722}"/>
-                </a:ext>
-              </a:extLst>
-            </p:cNvPr>
-            <p:cNvCxnSpPr>
-              <a:cxnSpLocks/>
-            </p:cNvCxnSpPr>
-            <p:nvPr/>
-          </p:nvCxnSpPr>
-          <p:spPr>
-            <a:xfrm flipH="1">
-              <a:off x="838200" y="3594100"/>
-              <a:ext cx="1473200" cy="0"/>
-            </a:xfrm>
-            <a:prstGeom prst="line">
-              <a:avLst/>
-            </a:prstGeom>
-            <a:ln w="38100"/>
-          </p:spPr>
-          <p:style>
-            <a:lnRef idx="2">
-              <a:schemeClr val="dk1"/>
-            </a:lnRef>
-            <a:fillRef idx="0">
-              <a:schemeClr val="dk1"/>
-            </a:fillRef>
-            <a:effectRef idx="1">
-              <a:schemeClr val="dk1"/>
-            </a:effectRef>
-            <a:fontRef idx="minor">
-              <a:schemeClr val="tx1"/>
-            </a:fontRef>
-          </p:style>
-        </p:cxnSp>
-      </p:grpSp>
-      <p:grpSp>
-        <p:nvGrpSpPr>
-          <p:cNvPr id="13" name="Group 12">
-            <a:extLst>
-              <a:ext uri="{FF2B5EF4-FFF2-40B4-BE49-F238E27FC236}">
-                <a16:creationId xmlns:a16="http://schemas.microsoft.com/office/drawing/2014/main" id="{EAE29C0A-52CF-08DD-A758-07E7D3F15015}"/>
-              </a:ext>
-            </a:extLst>
-          </p:cNvPr>
-          <p:cNvGrpSpPr/>
-          <p:nvPr/>
-        </p:nvGrpSpPr>
-        <p:grpSpPr>
-          <a:xfrm>
-            <a:off x="8429846" y="2992179"/>
-            <a:ext cx="1473200" cy="1346200"/>
-            <a:chOff x="838200" y="2247900"/>
-            <a:chExt cx="1473200" cy="1346200"/>
-          </a:xfrm>
-        </p:grpSpPr>
-        <p:cxnSp>
-          <p:nvCxnSpPr>
-            <p:cNvPr id="14" name="Straight Connector 13">
-              <a:extLst>
-                <a:ext uri="{FF2B5EF4-FFF2-40B4-BE49-F238E27FC236}">
-                  <a16:creationId xmlns:a16="http://schemas.microsoft.com/office/drawing/2014/main" id="{F3EB0C78-2E39-3048-1E8C-BD67CB1D2CB1}"/>
-                </a:ext>
-              </a:extLst>
-            </p:cNvPr>
-            <p:cNvCxnSpPr/>
-            <p:nvPr/>
-          </p:nvCxnSpPr>
-          <p:spPr>
-            <a:xfrm>
-              <a:off x="838200" y="2247900"/>
-              <a:ext cx="0" cy="1346200"/>
-            </a:xfrm>
-            <a:prstGeom prst="line">
-              <a:avLst/>
-            </a:prstGeom>
-            <a:ln w="38100"/>
-          </p:spPr>
-          <p:style>
-            <a:lnRef idx="2">
-              <a:schemeClr val="dk1"/>
-            </a:lnRef>
-            <a:fillRef idx="0">
-              <a:schemeClr val="dk1"/>
-            </a:fillRef>
-            <a:effectRef idx="1">
-              <a:schemeClr val="dk1"/>
-            </a:effectRef>
-            <a:fontRef idx="minor">
-              <a:schemeClr val="tx1"/>
-            </a:fontRef>
-          </p:style>
-        </p:cxnSp>
-        <p:cxnSp>
-          <p:nvCxnSpPr>
-            <p:cNvPr id="15" name="Straight Connector 14">
-              <a:extLst>
-                <a:ext uri="{FF2B5EF4-FFF2-40B4-BE49-F238E27FC236}">
-                  <a16:creationId xmlns:a16="http://schemas.microsoft.com/office/drawing/2014/main" id="{52E7F6E4-CBA4-61BE-8A4C-0BC1DA20B207}"/>
-                </a:ext>
-              </a:extLst>
-            </p:cNvPr>
-            <p:cNvCxnSpPr>
-              <a:cxnSpLocks/>
-            </p:cNvCxnSpPr>
-            <p:nvPr/>
-          </p:nvCxnSpPr>
-          <p:spPr>
-            <a:xfrm flipH="1">
-              <a:off x="838200" y="3594100"/>
-              <a:ext cx="1473200" cy="0"/>
-            </a:xfrm>
-            <a:prstGeom prst="line">
-              <a:avLst/>
-            </a:prstGeom>
-            <a:ln w="38100"/>
-          </p:spPr>
-          <p:style>
-            <a:lnRef idx="2">
-              <a:schemeClr val="dk1"/>
-            </a:lnRef>
-            <a:fillRef idx="0">
-              <a:schemeClr val="dk1"/>
-            </a:fillRef>
-            <a:effectRef idx="1">
-              <a:schemeClr val="dk1"/>
-            </a:effectRef>
-            <a:fontRef idx="minor">
-              <a:schemeClr val="tx1"/>
-            </a:fontRef>
-          </p:style>
-        </p:cxnSp>
-      </p:grpSp>
       <p:sp>
         <p:nvSpPr>
           <p:cNvPr id="16" name="TextBox 15">
@@ -11168,7 +10864,7 @@
         </p:nvSpPr>
         <p:spPr>
           <a:xfrm rot="16200000">
-            <a:off x="-43289" y="3180445"/>
+            <a:off x="-43290" y="3251218"/>
             <a:ext cx="1854200" cy="461665"/>
           </a:xfrm>
           <a:prstGeom prst="rect">
@@ -11184,77 +10880,7 @@
           <a:p>
             <a:r>
               <a:rPr lang="en-GB" sz="1200" dirty="0"/>
-              <a:t>Climate attitude &amp; behaviour</a:t>
-            </a:r>
-          </a:p>
-        </p:txBody>
-      </p:sp>
-      <p:sp>
-        <p:nvSpPr>
-          <p:cNvPr id="18" name="TextBox 17">
-            <a:extLst>
-              <a:ext uri="{FF2B5EF4-FFF2-40B4-BE49-F238E27FC236}">
-                <a16:creationId xmlns:a16="http://schemas.microsoft.com/office/drawing/2014/main" id="{9619FDA1-2243-08BE-9789-5EDA0771D16C}"/>
-              </a:ext>
-            </a:extLst>
-          </p:cNvPr>
-          <p:cNvSpPr txBox="1"/>
-          <p:nvPr/>
-        </p:nvSpPr>
-        <p:spPr>
-          <a:xfrm rot="16200000">
-            <a:off x="3614311" y="3229656"/>
-            <a:ext cx="1854200" cy="461665"/>
-          </a:xfrm>
-          <a:prstGeom prst="rect">
-            <a:avLst/>
-          </a:prstGeom>
-          <a:noFill/>
-        </p:spPr>
-        <p:txBody>
-          <a:bodyPr wrap="square" rtlCol="0">
-            <a:spAutoFit/>
-          </a:bodyPr>
-          <a:lstStyle/>
-          <a:p>
-            <a:r>
-              <a:rPr lang="en-GB" sz="1200" dirty="0"/>
-              <a:t>Climate attitude &amp; behaviour // Self-efficacy</a:t>
-            </a:r>
-          </a:p>
-        </p:txBody>
-      </p:sp>
-      <p:sp>
-        <p:nvSpPr>
-          <p:cNvPr id="19" name="TextBox 18">
-            <a:extLst>
-              <a:ext uri="{FF2B5EF4-FFF2-40B4-BE49-F238E27FC236}">
-                <a16:creationId xmlns:a16="http://schemas.microsoft.com/office/drawing/2014/main" id="{9187F8AD-ABB7-C274-2AAF-7D77756D129E}"/>
-              </a:ext>
-            </a:extLst>
-          </p:cNvPr>
-          <p:cNvSpPr txBox="1"/>
-          <p:nvPr/>
-        </p:nvSpPr>
-        <p:spPr>
-          <a:xfrm>
-            <a:off x="4734146" y="4387587"/>
-            <a:ext cx="812800" cy="276999"/>
-          </a:xfrm>
-          <a:prstGeom prst="rect">
-            <a:avLst/>
-          </a:prstGeom>
-          <a:noFill/>
-        </p:spPr>
-        <p:txBody>
-          <a:bodyPr wrap="square" rtlCol="0">
-            <a:spAutoFit/>
-          </a:bodyPr>
-          <a:lstStyle/>
-          <a:p>
-            <a:r>
-              <a:rPr lang="en-GB" sz="1200" dirty="0"/>
-              <a:t>Time</a:t>
+              <a:t>Sustainability attitude &amp; behaviour</a:t>
             </a:r>
           </a:p>
         </p:txBody>
@@ -11290,146 +10916,6 @@
             <a:r>
               <a:rPr lang="en-GB" dirty="0"/>
               <a:t>1. MAGNITUDE</a:t>
-            </a:r>
-          </a:p>
-        </p:txBody>
-      </p:sp>
-      <p:sp>
-        <p:nvSpPr>
-          <p:cNvPr id="21" name="TextBox 20">
-            <a:extLst>
-              <a:ext uri="{FF2B5EF4-FFF2-40B4-BE49-F238E27FC236}">
-                <a16:creationId xmlns:a16="http://schemas.microsoft.com/office/drawing/2014/main" id="{2C6FC100-C146-A747-1BA0-BB6072EDFF7E}"/>
-              </a:ext>
-            </a:extLst>
-          </p:cNvPr>
-          <p:cNvSpPr txBox="1"/>
-          <p:nvPr/>
-        </p:nvSpPr>
-        <p:spPr>
-          <a:xfrm>
-            <a:off x="4772243" y="2344241"/>
-            <a:ext cx="2184404" cy="369332"/>
-          </a:xfrm>
-          <a:prstGeom prst="rect">
-            <a:avLst/>
-          </a:prstGeom>
-          <a:noFill/>
-        </p:spPr>
-        <p:txBody>
-          <a:bodyPr wrap="square" rtlCol="0">
-            <a:spAutoFit/>
-          </a:bodyPr>
-          <a:lstStyle/>
-          <a:p>
-            <a:r>
-              <a:rPr lang="en-GB" dirty="0"/>
-              <a:t>2. GROUP-SPECIFIC</a:t>
-            </a:r>
-          </a:p>
-        </p:txBody>
-      </p:sp>
-      <p:sp>
-        <p:nvSpPr>
-          <p:cNvPr id="22" name="TextBox 21">
-            <a:extLst>
-              <a:ext uri="{FF2B5EF4-FFF2-40B4-BE49-F238E27FC236}">
-                <a16:creationId xmlns:a16="http://schemas.microsoft.com/office/drawing/2014/main" id="{A98DF755-82A7-0B0A-F029-9B6E0FAE729C}"/>
-              </a:ext>
-            </a:extLst>
-          </p:cNvPr>
-          <p:cNvSpPr txBox="1"/>
-          <p:nvPr/>
-        </p:nvSpPr>
-        <p:spPr>
-          <a:xfrm>
-            <a:off x="8429846" y="2344241"/>
-            <a:ext cx="2032001" cy="369332"/>
-          </a:xfrm>
-          <a:prstGeom prst="rect">
-            <a:avLst/>
-          </a:prstGeom>
-          <a:noFill/>
-        </p:spPr>
-        <p:txBody>
-          <a:bodyPr wrap="square" rtlCol="0">
-            <a:spAutoFit/>
-          </a:bodyPr>
-          <a:lstStyle/>
-          <a:p>
-            <a:r>
-              <a:rPr lang="en-GB" dirty="0"/>
-              <a:t>3. VALIDATION</a:t>
-            </a:r>
-          </a:p>
-        </p:txBody>
-      </p:sp>
-      <p:sp>
-        <p:nvSpPr>
-          <p:cNvPr id="23" name="TextBox 22">
-            <a:extLst>
-              <a:ext uri="{FF2B5EF4-FFF2-40B4-BE49-F238E27FC236}">
-                <a16:creationId xmlns:a16="http://schemas.microsoft.com/office/drawing/2014/main" id="{2C9F56E7-CA78-294B-3D4F-29291BC1AB1A}"/>
-              </a:ext>
-            </a:extLst>
-          </p:cNvPr>
-          <p:cNvSpPr txBox="1"/>
-          <p:nvPr/>
-        </p:nvSpPr>
-        <p:spPr>
-          <a:xfrm>
-            <a:off x="8429846" y="4389630"/>
-            <a:ext cx="812800" cy="276999"/>
-          </a:xfrm>
-          <a:prstGeom prst="rect">
-            <a:avLst/>
-          </a:prstGeom>
-          <a:noFill/>
-        </p:spPr>
-        <p:txBody>
-          <a:bodyPr wrap="square" rtlCol="0">
-            <a:spAutoFit/>
-          </a:bodyPr>
-          <a:lstStyle/>
-          <a:p>
-            <a:r>
-              <a:rPr lang="en-GB" sz="1200" dirty="0"/>
-              <a:t>Time</a:t>
-            </a:r>
-          </a:p>
-        </p:txBody>
-      </p:sp>
-      <p:sp>
-        <p:nvSpPr>
-          <p:cNvPr id="24" name="TextBox 23">
-            <a:extLst>
-              <a:ext uri="{FF2B5EF4-FFF2-40B4-BE49-F238E27FC236}">
-                <a16:creationId xmlns:a16="http://schemas.microsoft.com/office/drawing/2014/main" id="{C927E330-F6FD-35FD-2F82-A061609C657F}"/>
-              </a:ext>
-            </a:extLst>
-          </p:cNvPr>
-          <p:cNvSpPr txBox="1"/>
-          <p:nvPr/>
-        </p:nvSpPr>
-        <p:spPr>
-          <a:xfrm rot="16200000">
-            <a:off x="7242047" y="3229656"/>
-            <a:ext cx="1854200" cy="461665"/>
-          </a:xfrm>
-          <a:prstGeom prst="rect">
-            <a:avLst/>
-          </a:prstGeom>
-          <a:noFill/>
-        </p:spPr>
-        <p:txBody>
-          <a:bodyPr wrap="square" rtlCol="0">
-            <a:spAutoFit/>
-          </a:bodyPr>
-          <a:lstStyle/>
-          <a:p>
-            <a:r>
-              <a:rPr lang="en-GB" sz="1200" dirty="0"/>
-              <a:t>Climate attitude &amp; behaviour // Self-efficacy</a:t>
             </a:r>
           </a:p>
         </p:txBody>
@@ -11476,415 +10962,778 @@
           </a:fontRef>
         </p:style>
       </p:cxnSp>
-      <p:cxnSp>
-        <p:nvCxnSpPr>
-          <p:cNvPr id="27" name="Straight Arrow Connector 26">
-            <a:extLst>
-              <a:ext uri="{FF2B5EF4-FFF2-40B4-BE49-F238E27FC236}">
-                <a16:creationId xmlns:a16="http://schemas.microsoft.com/office/drawing/2014/main" id="{176ED3EE-0EC9-1A63-E71E-0F956AA6D8DC}"/>
-              </a:ext>
-            </a:extLst>
-          </p:cNvPr>
-          <p:cNvCxnSpPr>
-            <a:cxnSpLocks/>
-          </p:cNvCxnSpPr>
+      <p:grpSp>
+        <p:nvGrpSpPr>
+          <p:cNvPr id="8" name="Group 7">
+            <a:extLst>
+              <a:ext uri="{FF2B5EF4-FFF2-40B4-BE49-F238E27FC236}">
+                <a16:creationId xmlns:a16="http://schemas.microsoft.com/office/drawing/2014/main" id="{D233F67F-4838-5F97-9A1D-B1D879AD2CA2}"/>
+              </a:ext>
+            </a:extLst>
+          </p:cNvPr>
+          <p:cNvGrpSpPr/>
           <p:nvPr/>
-        </p:nvCxnSpPr>
-        <p:spPr>
-          <a:xfrm flipV="1">
-            <a:off x="4886546" y="3344324"/>
-            <a:ext cx="1290933" cy="663855"/>
+        </p:nvGrpSpPr>
+        <p:grpSpPr>
+          <a:xfrm>
+            <a:off x="7787751" y="2365803"/>
+            <a:ext cx="2646069" cy="2320345"/>
+            <a:chOff x="4310578" y="2344241"/>
+            <a:chExt cx="2646069" cy="2320345"/>
           </a:xfrm>
-          <a:prstGeom prst="straightConnector1">
-            <a:avLst/>
-          </a:prstGeom>
-          <a:ln w="38100">
-            <a:solidFill>
-              <a:srgbClr val="D95F02"/>
-            </a:solidFill>
-            <a:tailEnd type="triangle"/>
-          </a:ln>
-        </p:spPr>
-        <p:style>
-          <a:lnRef idx="2">
-            <a:schemeClr val="accent1"/>
-          </a:lnRef>
-          <a:fillRef idx="0">
-            <a:schemeClr val="accent1"/>
-          </a:fillRef>
-          <a:effectRef idx="1">
-            <a:schemeClr val="accent1"/>
-          </a:effectRef>
-          <a:fontRef idx="minor">
-            <a:schemeClr val="tx1"/>
-          </a:fontRef>
-        </p:style>
-      </p:cxnSp>
-      <p:cxnSp>
-        <p:nvCxnSpPr>
-          <p:cNvPr id="29" name="Straight Arrow Connector 28">
-            <a:extLst>
-              <a:ext uri="{FF2B5EF4-FFF2-40B4-BE49-F238E27FC236}">
-                <a16:creationId xmlns:a16="http://schemas.microsoft.com/office/drawing/2014/main" id="{B7783630-EE1B-7423-7686-BCDF494859DA}"/>
-              </a:ext>
-            </a:extLst>
-          </p:cNvPr>
-          <p:cNvCxnSpPr>
-            <a:cxnSpLocks/>
-          </p:cNvCxnSpPr>
+        </p:grpSpPr>
+        <p:grpSp>
+          <p:nvGrpSpPr>
+            <p:cNvPr id="10" name="Group 9">
+              <a:extLst>
+                <a:ext uri="{FF2B5EF4-FFF2-40B4-BE49-F238E27FC236}">
+                  <a16:creationId xmlns:a16="http://schemas.microsoft.com/office/drawing/2014/main" id="{B25DCB88-3CAC-CF9D-27AD-C59F56796D2C}"/>
+                </a:ext>
+              </a:extLst>
+            </p:cNvPr>
+            <p:cNvGrpSpPr/>
+            <p:nvPr/>
+          </p:nvGrpSpPr>
+          <p:grpSpPr>
+            <a:xfrm>
+              <a:off x="4772246" y="2992179"/>
+              <a:ext cx="1473200" cy="1346200"/>
+              <a:chOff x="838200" y="2247900"/>
+              <a:chExt cx="1473200" cy="1346200"/>
+            </a:xfrm>
+          </p:grpSpPr>
+          <p:cxnSp>
+            <p:nvCxnSpPr>
+              <p:cNvPr id="11" name="Straight Connector 10">
+                <a:extLst>
+                  <a:ext uri="{FF2B5EF4-FFF2-40B4-BE49-F238E27FC236}">
+                    <a16:creationId xmlns:a16="http://schemas.microsoft.com/office/drawing/2014/main" id="{8DD5FA20-BDEA-DA50-D056-8CD77989486E}"/>
+                  </a:ext>
+                </a:extLst>
+              </p:cNvPr>
+              <p:cNvCxnSpPr/>
+              <p:nvPr/>
+            </p:nvCxnSpPr>
+            <p:spPr>
+              <a:xfrm>
+                <a:off x="838200" y="2247900"/>
+                <a:ext cx="0" cy="1346200"/>
+              </a:xfrm>
+              <a:prstGeom prst="line">
+                <a:avLst/>
+              </a:prstGeom>
+              <a:ln w="38100"/>
+            </p:spPr>
+            <p:style>
+              <a:lnRef idx="2">
+                <a:schemeClr val="dk1"/>
+              </a:lnRef>
+              <a:fillRef idx="0">
+                <a:schemeClr val="dk1"/>
+              </a:fillRef>
+              <a:effectRef idx="1">
+                <a:schemeClr val="dk1"/>
+              </a:effectRef>
+              <a:fontRef idx="minor">
+                <a:schemeClr val="tx1"/>
+              </a:fontRef>
+            </p:style>
+          </p:cxnSp>
+          <p:cxnSp>
+            <p:nvCxnSpPr>
+              <p:cNvPr id="12" name="Straight Connector 11">
+                <a:extLst>
+                  <a:ext uri="{FF2B5EF4-FFF2-40B4-BE49-F238E27FC236}">
+                    <a16:creationId xmlns:a16="http://schemas.microsoft.com/office/drawing/2014/main" id="{3DB0F154-3631-E8CD-D0D0-240FAB837722}"/>
+                  </a:ext>
+                </a:extLst>
+              </p:cNvPr>
+              <p:cNvCxnSpPr>
+                <a:cxnSpLocks/>
+              </p:cNvCxnSpPr>
+              <p:nvPr/>
+            </p:nvCxnSpPr>
+            <p:spPr>
+              <a:xfrm flipH="1">
+                <a:off x="838200" y="3594100"/>
+                <a:ext cx="1473200" cy="0"/>
+              </a:xfrm>
+              <a:prstGeom prst="line">
+                <a:avLst/>
+              </a:prstGeom>
+              <a:ln w="38100"/>
+            </p:spPr>
+            <p:style>
+              <a:lnRef idx="2">
+                <a:schemeClr val="dk1"/>
+              </a:lnRef>
+              <a:fillRef idx="0">
+                <a:schemeClr val="dk1"/>
+              </a:fillRef>
+              <a:effectRef idx="1">
+                <a:schemeClr val="dk1"/>
+              </a:effectRef>
+              <a:fontRef idx="minor">
+                <a:schemeClr val="tx1"/>
+              </a:fontRef>
+            </p:style>
+          </p:cxnSp>
+        </p:grpSp>
+        <p:sp>
+          <p:nvSpPr>
+            <p:cNvPr id="18" name="TextBox 17">
+              <a:extLst>
+                <a:ext uri="{FF2B5EF4-FFF2-40B4-BE49-F238E27FC236}">
+                  <a16:creationId xmlns:a16="http://schemas.microsoft.com/office/drawing/2014/main" id="{9619FDA1-2243-08BE-9789-5EDA0771D16C}"/>
+                </a:ext>
+              </a:extLst>
+            </p:cNvPr>
+            <p:cNvSpPr txBox="1"/>
+            <p:nvPr/>
+          </p:nvSpPr>
+          <p:spPr>
+            <a:xfrm rot="16200000">
+              <a:off x="3614311" y="3229656"/>
+              <a:ext cx="1854200" cy="461665"/>
+            </a:xfrm>
+            <a:prstGeom prst="rect">
+              <a:avLst/>
+            </a:prstGeom>
+            <a:noFill/>
+          </p:spPr>
+          <p:txBody>
+            <a:bodyPr wrap="square" rtlCol="0">
+              <a:spAutoFit/>
+            </a:bodyPr>
+            <a:lstStyle/>
+            <a:p>
+              <a:r>
+                <a:rPr lang="en-GB" sz="1200" dirty="0"/>
+                <a:t>Sustainability attitude &amp; behaviour // Self-efficacy</a:t>
+              </a:r>
+            </a:p>
+          </p:txBody>
+        </p:sp>
+        <p:sp>
+          <p:nvSpPr>
+            <p:cNvPr id="19" name="TextBox 18">
+              <a:extLst>
+                <a:ext uri="{FF2B5EF4-FFF2-40B4-BE49-F238E27FC236}">
+                  <a16:creationId xmlns:a16="http://schemas.microsoft.com/office/drawing/2014/main" id="{9187F8AD-ABB7-C274-2AAF-7D77756D129E}"/>
+                </a:ext>
+              </a:extLst>
+            </p:cNvPr>
+            <p:cNvSpPr txBox="1"/>
+            <p:nvPr/>
+          </p:nvSpPr>
+          <p:spPr>
+            <a:xfrm>
+              <a:off x="4734146" y="4387587"/>
+              <a:ext cx="812800" cy="276999"/>
+            </a:xfrm>
+            <a:prstGeom prst="rect">
+              <a:avLst/>
+            </a:prstGeom>
+            <a:noFill/>
+          </p:spPr>
+          <p:txBody>
+            <a:bodyPr wrap="square" rtlCol="0">
+              <a:spAutoFit/>
+            </a:bodyPr>
+            <a:lstStyle/>
+            <a:p>
+              <a:r>
+                <a:rPr lang="en-GB" sz="1200" dirty="0"/>
+                <a:t>Time</a:t>
+              </a:r>
+            </a:p>
+          </p:txBody>
+        </p:sp>
+        <p:sp>
+          <p:nvSpPr>
+            <p:cNvPr id="21" name="TextBox 20">
+              <a:extLst>
+                <a:ext uri="{FF2B5EF4-FFF2-40B4-BE49-F238E27FC236}">
+                  <a16:creationId xmlns:a16="http://schemas.microsoft.com/office/drawing/2014/main" id="{2C6FC100-C146-A747-1BA0-BB6072EDFF7E}"/>
+                </a:ext>
+              </a:extLst>
+            </p:cNvPr>
+            <p:cNvSpPr txBox="1"/>
+            <p:nvPr/>
+          </p:nvSpPr>
+          <p:spPr>
+            <a:xfrm>
+              <a:off x="4772243" y="2344241"/>
+              <a:ext cx="2184404" cy="369332"/>
+            </a:xfrm>
+            <a:prstGeom prst="rect">
+              <a:avLst/>
+            </a:prstGeom>
+            <a:noFill/>
+          </p:spPr>
+          <p:txBody>
+            <a:bodyPr wrap="square" rtlCol="0">
+              <a:spAutoFit/>
+            </a:bodyPr>
+            <a:lstStyle/>
+            <a:p>
+              <a:r>
+                <a:rPr lang="en-GB" dirty="0"/>
+                <a:t>3. GROUP-SPECIFIC</a:t>
+              </a:r>
+            </a:p>
+          </p:txBody>
+        </p:sp>
+        <p:cxnSp>
+          <p:nvCxnSpPr>
+            <p:cNvPr id="27" name="Straight Arrow Connector 26">
+              <a:extLst>
+                <a:ext uri="{FF2B5EF4-FFF2-40B4-BE49-F238E27FC236}">
+                  <a16:creationId xmlns:a16="http://schemas.microsoft.com/office/drawing/2014/main" id="{176ED3EE-0EC9-1A63-E71E-0F956AA6D8DC}"/>
+                </a:ext>
+              </a:extLst>
+            </p:cNvPr>
+            <p:cNvCxnSpPr>
+              <a:cxnSpLocks/>
+            </p:cNvCxnSpPr>
+            <p:nvPr/>
+          </p:nvCxnSpPr>
+          <p:spPr>
+            <a:xfrm flipV="1">
+              <a:off x="4886546" y="3344324"/>
+              <a:ext cx="1290933" cy="663855"/>
+            </a:xfrm>
+            <a:prstGeom prst="straightConnector1">
+              <a:avLst/>
+            </a:prstGeom>
+            <a:ln w="38100">
+              <a:solidFill>
+                <a:srgbClr val="D95F02"/>
+              </a:solidFill>
+              <a:tailEnd type="triangle"/>
+            </a:ln>
+          </p:spPr>
+          <p:style>
+            <a:lnRef idx="2">
+              <a:schemeClr val="accent1"/>
+            </a:lnRef>
+            <a:fillRef idx="0">
+              <a:schemeClr val="accent1"/>
+            </a:fillRef>
+            <a:effectRef idx="1">
+              <a:schemeClr val="accent1"/>
+            </a:effectRef>
+            <a:fontRef idx="minor">
+              <a:schemeClr val="tx1"/>
+            </a:fontRef>
+          </p:style>
+        </p:cxnSp>
+        <p:cxnSp>
+          <p:nvCxnSpPr>
+            <p:cNvPr id="31" name="Straight Arrow Connector 30">
+              <a:extLst>
+                <a:ext uri="{FF2B5EF4-FFF2-40B4-BE49-F238E27FC236}">
+                  <a16:creationId xmlns:a16="http://schemas.microsoft.com/office/drawing/2014/main" id="{E59F0EAD-4C35-3429-7B09-69C9B5DFA49C}"/>
+                </a:ext>
+              </a:extLst>
+            </p:cNvPr>
+            <p:cNvCxnSpPr>
+              <a:cxnSpLocks/>
+            </p:cNvCxnSpPr>
+            <p:nvPr/>
+          </p:nvCxnSpPr>
+          <p:spPr>
+            <a:xfrm flipV="1">
+              <a:off x="5006252" y="3852474"/>
+              <a:ext cx="1100959" cy="336794"/>
+            </a:xfrm>
+            <a:prstGeom prst="straightConnector1">
+              <a:avLst/>
+            </a:prstGeom>
+            <a:ln w="19050">
+              <a:solidFill>
+                <a:srgbClr val="E7298A"/>
+              </a:solidFill>
+              <a:tailEnd type="triangle"/>
+            </a:ln>
+          </p:spPr>
+          <p:style>
+            <a:lnRef idx="2">
+              <a:schemeClr val="accent1"/>
+            </a:lnRef>
+            <a:fillRef idx="0">
+              <a:schemeClr val="accent1"/>
+            </a:fillRef>
+            <a:effectRef idx="1">
+              <a:schemeClr val="accent1"/>
+            </a:effectRef>
+            <a:fontRef idx="minor">
+              <a:schemeClr val="tx1"/>
+            </a:fontRef>
+          </p:style>
+        </p:cxnSp>
+        <p:pic>
+          <p:nvPicPr>
+            <p:cNvPr id="36" name="Graphic 35" descr="Children outline">
+              <a:extLst>
+                <a:ext uri="{FF2B5EF4-FFF2-40B4-BE49-F238E27FC236}">
+                  <a16:creationId xmlns:a16="http://schemas.microsoft.com/office/drawing/2014/main" id="{DFC2CEE4-61B0-6065-CC62-36D169290E21}"/>
+                </a:ext>
+              </a:extLst>
+            </p:cNvPr>
+            <p:cNvPicPr>
+              <a:picLocks noChangeAspect="1"/>
+            </p:cNvPicPr>
+            <p:nvPr/>
+          </p:nvPicPr>
+          <p:blipFill rotWithShape="1">
+            <a:blip r:embed="rId2">
+              <a:extLst>
+                <a:ext uri="{28A0092B-C50C-407E-A947-70E740481C1C}">
+                  <a14:useLocalDpi xmlns:a14="http://schemas.microsoft.com/office/drawing/2010/main" val="0"/>
+                </a:ext>
+                <a:ext uri="{96DAC541-7B7A-43D3-8B79-37D633B846F1}">
+                  <asvg:svgBlip xmlns:asvg="http://schemas.microsoft.com/office/drawing/2016/SVG/main" r:embed="rId3"/>
+                </a:ext>
+              </a:extLst>
+            </a:blip>
+            <a:srcRect l="-1" t="16365" r="48820" b="16706"/>
+            <a:stretch/>
+          </p:blipFill>
+          <p:spPr>
+            <a:xfrm>
+              <a:off x="6137077" y="3636109"/>
+              <a:ext cx="330911" cy="432730"/>
+            </a:xfrm>
+            <a:prstGeom prst="rect">
+              <a:avLst/>
+            </a:prstGeom>
+          </p:spPr>
+        </p:pic>
+        <p:pic>
+          <p:nvPicPr>
+            <p:cNvPr id="38" name="Graphic 37" descr="Children with solid fill">
+              <a:extLst>
+                <a:ext uri="{FF2B5EF4-FFF2-40B4-BE49-F238E27FC236}">
+                  <a16:creationId xmlns:a16="http://schemas.microsoft.com/office/drawing/2014/main" id="{36FF829D-559B-2FB3-1A6F-62D167A0199C}"/>
+                </a:ext>
+              </a:extLst>
+            </p:cNvPr>
+            <p:cNvPicPr>
+              <a:picLocks noChangeAspect="1"/>
+            </p:cNvPicPr>
+            <p:nvPr/>
+          </p:nvPicPr>
+          <p:blipFill rotWithShape="1">
+            <a:blip r:embed="rId4">
+              <a:extLst>
+                <a:ext uri="{28A0092B-C50C-407E-A947-70E740481C1C}">
+                  <a14:useLocalDpi xmlns:a14="http://schemas.microsoft.com/office/drawing/2010/main" val="0"/>
+                </a:ext>
+                <a:ext uri="{96DAC541-7B7A-43D3-8B79-37D633B846F1}">
+                  <asvg:svgBlip xmlns:asvg="http://schemas.microsoft.com/office/drawing/2016/SVG/main" r:embed="rId5"/>
+                </a:ext>
+              </a:extLst>
+            </a:blip>
+            <a:srcRect l="-4307" t="13582" r="50140" b="19489"/>
+            <a:stretch/>
+          </p:blipFill>
+          <p:spPr>
+            <a:xfrm>
+              <a:off x="6177479" y="3156564"/>
+              <a:ext cx="250107" cy="327063"/>
+            </a:xfrm>
+            <a:prstGeom prst="rect">
+              <a:avLst/>
+            </a:prstGeom>
+          </p:spPr>
+        </p:pic>
+      </p:grpSp>
+      <p:grpSp>
+        <p:nvGrpSpPr>
+          <p:cNvPr id="25" name="Group 24">
+            <a:extLst>
+              <a:ext uri="{FF2B5EF4-FFF2-40B4-BE49-F238E27FC236}">
+                <a16:creationId xmlns:a16="http://schemas.microsoft.com/office/drawing/2014/main" id="{761E9D49-8375-CA01-5E8D-248E12802DCD}"/>
+              </a:ext>
+            </a:extLst>
+          </p:cNvPr>
+          <p:cNvGrpSpPr/>
           <p:nvPr/>
-        </p:nvCxnSpPr>
-        <p:spPr>
-          <a:xfrm flipV="1">
-            <a:off x="4951160" y="3622930"/>
-            <a:ext cx="1226319" cy="486051"/>
+        </p:nvGrpSpPr>
+        <p:grpSpPr>
+          <a:xfrm>
+            <a:off x="4221974" y="2344241"/>
+            <a:ext cx="2537080" cy="2322389"/>
+            <a:chOff x="7924767" y="2344241"/>
+            <a:chExt cx="2537080" cy="2322389"/>
           </a:xfrm>
-          <a:prstGeom prst="straightConnector1">
-            <a:avLst/>
-          </a:prstGeom>
-          <a:ln w="28575">
-            <a:solidFill>
-              <a:srgbClr val="7570B3"/>
-            </a:solidFill>
-            <a:tailEnd type="triangle"/>
-          </a:ln>
-        </p:spPr>
-        <p:style>
-          <a:lnRef idx="2">
-            <a:schemeClr val="accent1"/>
-          </a:lnRef>
-          <a:fillRef idx="0">
-            <a:schemeClr val="accent1"/>
-          </a:fillRef>
-          <a:effectRef idx="1">
-            <a:schemeClr val="accent1"/>
-          </a:effectRef>
-          <a:fontRef idx="minor">
-            <a:schemeClr val="tx1"/>
-          </a:fontRef>
-        </p:style>
-      </p:cxnSp>
-      <p:cxnSp>
-        <p:nvCxnSpPr>
-          <p:cNvPr id="31" name="Straight Arrow Connector 30">
-            <a:extLst>
-              <a:ext uri="{FF2B5EF4-FFF2-40B4-BE49-F238E27FC236}">
-                <a16:creationId xmlns:a16="http://schemas.microsoft.com/office/drawing/2014/main" id="{E59F0EAD-4C35-3429-7B09-69C9B5DFA49C}"/>
-              </a:ext>
-            </a:extLst>
-          </p:cNvPr>
-          <p:cNvCxnSpPr>
-            <a:cxnSpLocks/>
-          </p:cNvCxnSpPr>
-          <p:nvPr/>
-        </p:nvCxnSpPr>
-        <p:spPr>
-          <a:xfrm flipV="1">
-            <a:off x="5006252" y="3948410"/>
-            <a:ext cx="1171227" cy="240858"/>
-          </a:xfrm>
-          <a:prstGeom prst="straightConnector1">
-            <a:avLst/>
-          </a:prstGeom>
-          <a:ln w="19050">
-            <a:solidFill>
-              <a:srgbClr val="E7298A"/>
-            </a:solidFill>
-            <a:tailEnd type="triangle"/>
-          </a:ln>
-        </p:spPr>
-        <p:style>
-          <a:lnRef idx="2">
-            <a:schemeClr val="accent1"/>
-          </a:lnRef>
-          <a:fillRef idx="0">
-            <a:schemeClr val="accent1"/>
-          </a:fillRef>
-          <a:effectRef idx="1">
-            <a:schemeClr val="accent1"/>
-          </a:effectRef>
-          <a:fontRef idx="minor">
-            <a:schemeClr val="tx1"/>
-          </a:fontRef>
-        </p:style>
-      </p:cxnSp>
-      <p:pic>
-        <p:nvPicPr>
-          <p:cNvPr id="36" name="Graphic 35" descr="Children outline">
-            <a:extLst>
-              <a:ext uri="{FF2B5EF4-FFF2-40B4-BE49-F238E27FC236}">
-                <a16:creationId xmlns:a16="http://schemas.microsoft.com/office/drawing/2014/main" id="{DFC2CEE4-61B0-6065-CC62-36D169290E21}"/>
-              </a:ext>
-            </a:extLst>
-          </p:cNvPr>
-          <p:cNvPicPr>
-            <a:picLocks noChangeAspect="1"/>
-          </p:cNvPicPr>
-          <p:nvPr/>
-        </p:nvPicPr>
-        <p:blipFill rotWithShape="1">
-          <a:blip r:embed="rId2">
-            <a:extLst>
-              <a:ext uri="{28A0092B-C50C-407E-A947-70E740481C1C}">
-                <a14:useLocalDpi xmlns:a14="http://schemas.microsoft.com/office/drawing/2010/main" val="0"/>
-              </a:ext>
-              <a:ext uri="{96DAC541-7B7A-43D3-8B79-37D633B846F1}">
-                <asvg:svgBlip xmlns:asvg="http://schemas.microsoft.com/office/drawing/2016/SVG/main" r:embed="rId3"/>
-              </a:ext>
-            </a:extLst>
-          </a:blip>
-          <a:srcRect l="-1" t="16365" r="48820" b="16706"/>
-          <a:stretch/>
-        </p:blipFill>
-        <p:spPr>
-          <a:xfrm>
-            <a:off x="6202168" y="3781167"/>
-            <a:ext cx="330911" cy="432730"/>
-          </a:xfrm>
-          <a:prstGeom prst="rect">
-            <a:avLst/>
-          </a:prstGeom>
-        </p:spPr>
-      </p:pic>
-      <p:pic>
-        <p:nvPicPr>
-          <p:cNvPr id="37" name="Graphic 36" descr="Meeting with solid fill">
-            <a:extLst>
-              <a:ext uri="{FF2B5EF4-FFF2-40B4-BE49-F238E27FC236}">
-                <a16:creationId xmlns:a16="http://schemas.microsoft.com/office/drawing/2014/main" id="{1A00E4EE-8FF9-E8FC-2A50-C9961A3555A4}"/>
-              </a:ext>
-            </a:extLst>
-          </p:cNvPr>
-          <p:cNvPicPr>
-            <a:picLocks noChangeAspect="1"/>
-          </p:cNvPicPr>
-          <p:nvPr/>
-        </p:nvPicPr>
-        <p:blipFill>
-          <a:blip r:embed="rId4">
-            <a:extLst>
-              <a:ext uri="{28A0092B-C50C-407E-A947-70E740481C1C}">
-                <a14:useLocalDpi xmlns:a14="http://schemas.microsoft.com/office/drawing/2010/main" val="0"/>
-              </a:ext>
-              <a:ext uri="{96DAC541-7B7A-43D3-8B79-37D633B846F1}">
-                <asvg:svgBlip xmlns:asvg="http://schemas.microsoft.com/office/drawing/2016/SVG/main" r:embed="rId5"/>
-              </a:ext>
-            </a:extLst>
-          </a:blip>
-          <a:stretch>
-            <a:fillRect/>
-          </a:stretch>
-        </p:blipFill>
-        <p:spPr>
-          <a:xfrm>
-            <a:off x="6197295" y="3455038"/>
-            <a:ext cx="335784" cy="335784"/>
-          </a:xfrm>
-          <a:prstGeom prst="rect">
-            <a:avLst/>
-          </a:prstGeom>
-        </p:spPr>
-      </p:pic>
-      <p:pic>
-        <p:nvPicPr>
-          <p:cNvPr id="38" name="Graphic 37" descr="Children with solid fill">
-            <a:extLst>
-              <a:ext uri="{FF2B5EF4-FFF2-40B4-BE49-F238E27FC236}">
-                <a16:creationId xmlns:a16="http://schemas.microsoft.com/office/drawing/2014/main" id="{36FF829D-559B-2FB3-1A6F-62D167A0199C}"/>
-              </a:ext>
-            </a:extLst>
-          </p:cNvPr>
-          <p:cNvPicPr>
-            <a:picLocks noChangeAspect="1"/>
-          </p:cNvPicPr>
-          <p:nvPr/>
-        </p:nvPicPr>
-        <p:blipFill rotWithShape="1">
-          <a:blip r:embed="rId6">
-            <a:extLst>
-              <a:ext uri="{28A0092B-C50C-407E-A947-70E740481C1C}">
-                <a14:useLocalDpi xmlns:a14="http://schemas.microsoft.com/office/drawing/2010/main" val="0"/>
-              </a:ext>
-              <a:ext uri="{96DAC541-7B7A-43D3-8B79-37D633B846F1}">
-                <asvg:svgBlip xmlns:asvg="http://schemas.microsoft.com/office/drawing/2016/SVG/main" r:embed="rId7"/>
-              </a:ext>
-            </a:extLst>
-          </a:blip>
-          <a:srcRect l="-4307" t="13582" r="50140" b="19489"/>
-          <a:stretch/>
-        </p:blipFill>
-        <p:spPr>
-          <a:xfrm>
-            <a:off x="6177479" y="3156564"/>
-            <a:ext cx="250107" cy="327063"/>
-          </a:xfrm>
-          <a:prstGeom prst="rect">
-            <a:avLst/>
-          </a:prstGeom>
-        </p:spPr>
-      </p:pic>
-      <p:cxnSp>
-        <p:nvCxnSpPr>
-          <p:cNvPr id="39" name="Straight Arrow Connector 38">
-            <a:extLst>
-              <a:ext uri="{FF2B5EF4-FFF2-40B4-BE49-F238E27FC236}">
-                <a16:creationId xmlns:a16="http://schemas.microsoft.com/office/drawing/2014/main" id="{3C45357E-FCDF-C985-A824-995D7AA88D7F}"/>
-              </a:ext>
-            </a:extLst>
-          </p:cNvPr>
-          <p:cNvCxnSpPr/>
-          <p:nvPr/>
-        </p:nvCxnSpPr>
-        <p:spPr>
-          <a:xfrm flipV="1">
-            <a:off x="8486996" y="3483627"/>
-            <a:ext cx="1358900" cy="482600"/>
-          </a:xfrm>
-          <a:prstGeom prst="straightConnector1">
-            <a:avLst/>
-          </a:prstGeom>
-          <a:ln w="38100">
-            <a:solidFill>
-              <a:srgbClr val="1B9E77"/>
-            </a:solidFill>
-            <a:tailEnd type="triangle"/>
-          </a:ln>
-        </p:spPr>
-        <p:style>
-          <a:lnRef idx="2">
-            <a:schemeClr val="accent1"/>
-          </a:lnRef>
-          <a:fillRef idx="0">
-            <a:schemeClr val="accent1"/>
-          </a:fillRef>
-          <a:effectRef idx="1">
-            <a:schemeClr val="accent1"/>
-          </a:effectRef>
-          <a:fontRef idx="minor">
-            <a:schemeClr val="tx1"/>
-          </a:fontRef>
-        </p:style>
-      </p:cxnSp>
-      <p:cxnSp>
-        <p:nvCxnSpPr>
-          <p:cNvPr id="40" name="Straight Arrow Connector 39">
-            <a:extLst>
-              <a:ext uri="{FF2B5EF4-FFF2-40B4-BE49-F238E27FC236}">
-                <a16:creationId xmlns:a16="http://schemas.microsoft.com/office/drawing/2014/main" id="{8403DEC6-CDF2-65F6-5C6D-91FBBF2B5CFD}"/>
-              </a:ext>
-            </a:extLst>
-          </p:cNvPr>
-          <p:cNvCxnSpPr/>
-          <p:nvPr/>
-        </p:nvCxnSpPr>
-        <p:spPr>
-          <a:xfrm flipV="1">
-            <a:off x="8486996" y="3590663"/>
-            <a:ext cx="1358900" cy="482600"/>
-          </a:xfrm>
-          <a:prstGeom prst="straightConnector1">
-            <a:avLst/>
-          </a:prstGeom>
-          <a:ln w="38100">
-            <a:solidFill>
-              <a:srgbClr val="E6AB02"/>
-            </a:solidFill>
-            <a:tailEnd type="triangle"/>
-          </a:ln>
-        </p:spPr>
-        <p:style>
-          <a:lnRef idx="2">
-            <a:schemeClr val="accent1"/>
-          </a:lnRef>
-          <a:fillRef idx="0">
-            <a:schemeClr val="accent1"/>
-          </a:fillRef>
-          <a:effectRef idx="1">
-            <a:schemeClr val="accent1"/>
-          </a:effectRef>
-          <a:fontRef idx="minor">
-            <a:schemeClr val="tx1"/>
-          </a:fontRef>
-        </p:style>
-      </p:cxnSp>
-      <p:pic>
-        <p:nvPicPr>
-          <p:cNvPr id="41" name="Graphic 40" descr="Sustainability with solid fill">
-            <a:extLst>
-              <a:ext uri="{FF2B5EF4-FFF2-40B4-BE49-F238E27FC236}">
-                <a16:creationId xmlns:a16="http://schemas.microsoft.com/office/drawing/2014/main" id="{B2C17529-BA5B-C2E5-2303-2119AD478B8D}"/>
-              </a:ext>
-            </a:extLst>
-          </p:cNvPr>
-          <p:cNvPicPr>
-            <a:picLocks noChangeAspect="1"/>
-          </p:cNvPicPr>
-          <p:nvPr/>
-        </p:nvPicPr>
-        <p:blipFill>
-          <a:blip r:embed="rId8">
-            <a:extLst>
-              <a:ext uri="{28A0092B-C50C-407E-A947-70E740481C1C}">
-                <a14:useLocalDpi xmlns:a14="http://schemas.microsoft.com/office/drawing/2010/main" val="0"/>
-              </a:ext>
-              <a:ext uri="{96DAC541-7B7A-43D3-8B79-37D633B846F1}">
-                <asvg:svgBlip xmlns:asvg="http://schemas.microsoft.com/office/drawing/2016/SVG/main" r:embed="rId9"/>
-              </a:ext>
-            </a:extLst>
-          </a:blip>
-          <a:stretch>
-            <a:fillRect/>
-          </a:stretch>
-        </p:blipFill>
-        <p:spPr>
-          <a:xfrm>
-            <a:off x="9903045" y="3216760"/>
-            <a:ext cx="393729" cy="309216"/>
-          </a:xfrm>
-          <a:prstGeom prst="rect">
-            <a:avLst/>
-          </a:prstGeom>
-        </p:spPr>
-      </p:pic>
-      <p:pic>
-        <p:nvPicPr>
-          <p:cNvPr id="42" name="Graphic 41" descr="Muscular arm with solid fill">
-            <a:extLst>
-              <a:ext uri="{FF2B5EF4-FFF2-40B4-BE49-F238E27FC236}">
-                <a16:creationId xmlns:a16="http://schemas.microsoft.com/office/drawing/2014/main" id="{98B0F901-6EEC-1A2B-4DCE-C311ADC14940}"/>
-              </a:ext>
-            </a:extLst>
-          </p:cNvPr>
-          <p:cNvPicPr>
-            <a:picLocks noChangeAspect="1"/>
-          </p:cNvPicPr>
-          <p:nvPr/>
-        </p:nvPicPr>
-        <p:blipFill>
-          <a:blip r:embed="rId10">
-            <a:extLst>
-              <a:ext uri="{28A0092B-C50C-407E-A947-70E740481C1C}">
-                <a14:useLocalDpi xmlns:a14="http://schemas.microsoft.com/office/drawing/2010/main" val="0"/>
-              </a:ext>
-              <a:ext uri="{96DAC541-7B7A-43D3-8B79-37D633B846F1}">
-                <asvg:svgBlip xmlns:asvg="http://schemas.microsoft.com/office/drawing/2016/SVG/main" r:embed="rId11"/>
-              </a:ext>
-            </a:extLst>
-          </a:blip>
-          <a:stretch>
-            <a:fillRect/>
-          </a:stretch>
-        </p:blipFill>
-        <p:spPr>
-          <a:xfrm>
-            <a:off x="9873178" y="3508268"/>
-            <a:ext cx="355439" cy="335966"/>
-          </a:xfrm>
-          <a:prstGeom prst="rect">
-            <a:avLst/>
-          </a:prstGeom>
-        </p:spPr>
-      </p:pic>
+        </p:grpSpPr>
+        <p:grpSp>
+          <p:nvGrpSpPr>
+            <p:cNvPr id="13" name="Group 12">
+              <a:extLst>
+                <a:ext uri="{FF2B5EF4-FFF2-40B4-BE49-F238E27FC236}">
+                  <a16:creationId xmlns:a16="http://schemas.microsoft.com/office/drawing/2014/main" id="{EAE29C0A-52CF-08DD-A758-07E7D3F15015}"/>
+                </a:ext>
+              </a:extLst>
+            </p:cNvPr>
+            <p:cNvGrpSpPr/>
+            <p:nvPr/>
+          </p:nvGrpSpPr>
+          <p:grpSpPr>
+            <a:xfrm>
+              <a:off x="8429846" y="2992179"/>
+              <a:ext cx="1473200" cy="1346200"/>
+              <a:chOff x="838200" y="2247900"/>
+              <a:chExt cx="1473200" cy="1346200"/>
+            </a:xfrm>
+          </p:grpSpPr>
+          <p:cxnSp>
+            <p:nvCxnSpPr>
+              <p:cNvPr id="14" name="Straight Connector 13">
+                <a:extLst>
+                  <a:ext uri="{FF2B5EF4-FFF2-40B4-BE49-F238E27FC236}">
+                    <a16:creationId xmlns:a16="http://schemas.microsoft.com/office/drawing/2014/main" id="{F3EB0C78-2E39-3048-1E8C-BD67CB1D2CB1}"/>
+                  </a:ext>
+                </a:extLst>
+              </p:cNvPr>
+              <p:cNvCxnSpPr/>
+              <p:nvPr/>
+            </p:nvCxnSpPr>
+            <p:spPr>
+              <a:xfrm>
+                <a:off x="838200" y="2247900"/>
+                <a:ext cx="0" cy="1346200"/>
+              </a:xfrm>
+              <a:prstGeom prst="line">
+                <a:avLst/>
+              </a:prstGeom>
+              <a:ln w="38100"/>
+            </p:spPr>
+            <p:style>
+              <a:lnRef idx="2">
+                <a:schemeClr val="dk1"/>
+              </a:lnRef>
+              <a:fillRef idx="0">
+                <a:schemeClr val="dk1"/>
+              </a:fillRef>
+              <a:effectRef idx="1">
+                <a:schemeClr val="dk1"/>
+              </a:effectRef>
+              <a:fontRef idx="minor">
+                <a:schemeClr val="tx1"/>
+              </a:fontRef>
+            </p:style>
+          </p:cxnSp>
+          <p:cxnSp>
+            <p:nvCxnSpPr>
+              <p:cNvPr id="15" name="Straight Connector 14">
+                <a:extLst>
+                  <a:ext uri="{FF2B5EF4-FFF2-40B4-BE49-F238E27FC236}">
+                    <a16:creationId xmlns:a16="http://schemas.microsoft.com/office/drawing/2014/main" id="{52E7F6E4-CBA4-61BE-8A4C-0BC1DA20B207}"/>
+                  </a:ext>
+                </a:extLst>
+              </p:cNvPr>
+              <p:cNvCxnSpPr>
+                <a:cxnSpLocks/>
+              </p:cNvCxnSpPr>
+              <p:nvPr/>
+            </p:nvCxnSpPr>
+            <p:spPr>
+              <a:xfrm flipH="1">
+                <a:off x="838200" y="3594100"/>
+                <a:ext cx="1473200" cy="0"/>
+              </a:xfrm>
+              <a:prstGeom prst="line">
+                <a:avLst/>
+              </a:prstGeom>
+              <a:ln w="38100"/>
+            </p:spPr>
+            <p:style>
+              <a:lnRef idx="2">
+                <a:schemeClr val="dk1"/>
+              </a:lnRef>
+              <a:fillRef idx="0">
+                <a:schemeClr val="dk1"/>
+              </a:fillRef>
+              <a:effectRef idx="1">
+                <a:schemeClr val="dk1"/>
+              </a:effectRef>
+              <a:fontRef idx="minor">
+                <a:schemeClr val="tx1"/>
+              </a:fontRef>
+            </p:style>
+          </p:cxnSp>
+        </p:grpSp>
+        <p:sp>
+          <p:nvSpPr>
+            <p:cNvPr id="22" name="TextBox 21">
+              <a:extLst>
+                <a:ext uri="{FF2B5EF4-FFF2-40B4-BE49-F238E27FC236}">
+                  <a16:creationId xmlns:a16="http://schemas.microsoft.com/office/drawing/2014/main" id="{A98DF755-82A7-0B0A-F029-9B6E0FAE729C}"/>
+                </a:ext>
+              </a:extLst>
+            </p:cNvPr>
+            <p:cNvSpPr txBox="1"/>
+            <p:nvPr/>
+          </p:nvSpPr>
+          <p:spPr>
+            <a:xfrm>
+              <a:off x="8429846" y="2344241"/>
+              <a:ext cx="2032001" cy="369332"/>
+            </a:xfrm>
+            <a:prstGeom prst="rect">
+              <a:avLst/>
+            </a:prstGeom>
+            <a:noFill/>
+          </p:spPr>
+          <p:txBody>
+            <a:bodyPr wrap="square" rtlCol="0">
+              <a:spAutoFit/>
+            </a:bodyPr>
+            <a:lstStyle/>
+            <a:p>
+              <a:r>
+                <a:rPr lang="en-GB" dirty="0"/>
+                <a:t>2. VALIDATION</a:t>
+              </a:r>
+            </a:p>
+          </p:txBody>
+        </p:sp>
+        <p:sp>
+          <p:nvSpPr>
+            <p:cNvPr id="23" name="TextBox 22">
+              <a:extLst>
+                <a:ext uri="{FF2B5EF4-FFF2-40B4-BE49-F238E27FC236}">
+                  <a16:creationId xmlns:a16="http://schemas.microsoft.com/office/drawing/2014/main" id="{2C9F56E7-CA78-294B-3D4F-29291BC1AB1A}"/>
+                </a:ext>
+              </a:extLst>
+            </p:cNvPr>
+            <p:cNvSpPr txBox="1"/>
+            <p:nvPr/>
+          </p:nvSpPr>
+          <p:spPr>
+            <a:xfrm>
+              <a:off x="8429845" y="4389631"/>
+              <a:ext cx="1117757" cy="276999"/>
+            </a:xfrm>
+            <a:prstGeom prst="rect">
+              <a:avLst/>
+            </a:prstGeom>
+            <a:noFill/>
+          </p:spPr>
+          <p:txBody>
+            <a:bodyPr wrap="square" rtlCol="0">
+              <a:spAutoFit/>
+            </a:bodyPr>
+            <a:lstStyle/>
+            <a:p>
+              <a:r>
+                <a:rPr lang="en-GB" sz="1200" dirty="0"/>
+                <a:t>Self-efficacy</a:t>
+              </a:r>
+            </a:p>
+          </p:txBody>
+        </p:sp>
+        <p:sp>
+          <p:nvSpPr>
+            <p:cNvPr id="24" name="TextBox 23">
+              <a:extLst>
+                <a:ext uri="{FF2B5EF4-FFF2-40B4-BE49-F238E27FC236}">
+                  <a16:creationId xmlns:a16="http://schemas.microsoft.com/office/drawing/2014/main" id="{C927E330-F6FD-35FD-2F82-A061609C657F}"/>
+                </a:ext>
+              </a:extLst>
+            </p:cNvPr>
+            <p:cNvSpPr txBox="1"/>
+            <p:nvPr/>
+          </p:nvSpPr>
+          <p:spPr>
+            <a:xfrm rot="16200000">
+              <a:off x="7228500" y="3274356"/>
+              <a:ext cx="1854200" cy="461665"/>
+            </a:xfrm>
+            <a:prstGeom prst="rect">
+              <a:avLst/>
+            </a:prstGeom>
+            <a:noFill/>
+          </p:spPr>
+          <p:txBody>
+            <a:bodyPr wrap="square" rtlCol="0">
+              <a:spAutoFit/>
+            </a:bodyPr>
+            <a:lstStyle/>
+            <a:p>
+              <a:r>
+                <a:rPr lang="en-GB" sz="1200" dirty="0"/>
+                <a:t>Sustainability attitude &amp; behaviour </a:t>
+              </a:r>
+            </a:p>
+          </p:txBody>
+        </p:sp>
+        <p:cxnSp>
+          <p:nvCxnSpPr>
+            <p:cNvPr id="39" name="Straight Arrow Connector 38">
+              <a:extLst>
+                <a:ext uri="{FF2B5EF4-FFF2-40B4-BE49-F238E27FC236}">
+                  <a16:creationId xmlns:a16="http://schemas.microsoft.com/office/drawing/2014/main" id="{3C45357E-FCDF-C985-A824-995D7AA88D7F}"/>
+                </a:ext>
+              </a:extLst>
+            </p:cNvPr>
+            <p:cNvCxnSpPr/>
+            <p:nvPr/>
+          </p:nvCxnSpPr>
+          <p:spPr>
+            <a:xfrm flipV="1">
+              <a:off x="8486996" y="3483627"/>
+              <a:ext cx="1358900" cy="482600"/>
+            </a:xfrm>
+            <a:prstGeom prst="straightConnector1">
+              <a:avLst/>
+            </a:prstGeom>
+            <a:ln w="38100">
+              <a:solidFill>
+                <a:srgbClr val="1B9E77"/>
+              </a:solidFill>
+              <a:tailEnd type="triangle"/>
+            </a:ln>
+          </p:spPr>
+          <p:style>
+            <a:lnRef idx="2">
+              <a:schemeClr val="accent1"/>
+            </a:lnRef>
+            <a:fillRef idx="0">
+              <a:schemeClr val="accent1"/>
+            </a:fillRef>
+            <a:effectRef idx="1">
+              <a:schemeClr val="accent1"/>
+            </a:effectRef>
+            <a:fontRef idx="minor">
+              <a:schemeClr val="tx1"/>
+            </a:fontRef>
+          </p:style>
+        </p:cxnSp>
+        <p:cxnSp>
+          <p:nvCxnSpPr>
+            <p:cNvPr id="40" name="Straight Arrow Connector 39">
+              <a:extLst>
+                <a:ext uri="{FF2B5EF4-FFF2-40B4-BE49-F238E27FC236}">
+                  <a16:creationId xmlns:a16="http://schemas.microsoft.com/office/drawing/2014/main" id="{8403DEC6-CDF2-65F6-5C6D-91FBBF2B5CFD}"/>
+                </a:ext>
+              </a:extLst>
+            </p:cNvPr>
+            <p:cNvCxnSpPr/>
+            <p:nvPr/>
+          </p:nvCxnSpPr>
+          <p:spPr>
+            <a:xfrm flipV="1">
+              <a:off x="8486996" y="3590663"/>
+              <a:ext cx="1358900" cy="482600"/>
+            </a:xfrm>
+            <a:prstGeom prst="straightConnector1">
+              <a:avLst/>
+            </a:prstGeom>
+            <a:ln w="38100">
+              <a:solidFill>
+                <a:srgbClr val="E6AB02"/>
+              </a:solidFill>
+              <a:tailEnd type="triangle"/>
+            </a:ln>
+          </p:spPr>
+          <p:style>
+            <a:lnRef idx="2">
+              <a:schemeClr val="accent1"/>
+            </a:lnRef>
+            <a:fillRef idx="0">
+              <a:schemeClr val="accent1"/>
+            </a:fillRef>
+            <a:effectRef idx="1">
+              <a:schemeClr val="accent1"/>
+            </a:effectRef>
+            <a:fontRef idx="minor">
+              <a:schemeClr val="tx1"/>
+            </a:fontRef>
+          </p:style>
+        </p:cxnSp>
+        <p:pic>
+          <p:nvPicPr>
+            <p:cNvPr id="41" name="Graphic 40" descr="Sustainability with solid fill">
+              <a:extLst>
+                <a:ext uri="{FF2B5EF4-FFF2-40B4-BE49-F238E27FC236}">
+                  <a16:creationId xmlns:a16="http://schemas.microsoft.com/office/drawing/2014/main" id="{B2C17529-BA5B-C2E5-2303-2119AD478B8D}"/>
+                </a:ext>
+              </a:extLst>
+            </p:cNvPr>
+            <p:cNvPicPr>
+              <a:picLocks noChangeAspect="1"/>
+            </p:cNvPicPr>
+            <p:nvPr/>
+          </p:nvPicPr>
+          <p:blipFill>
+            <a:blip r:embed="rId6">
+              <a:extLst>
+                <a:ext uri="{28A0092B-C50C-407E-A947-70E740481C1C}">
+                  <a14:useLocalDpi xmlns:a14="http://schemas.microsoft.com/office/drawing/2010/main" val="0"/>
+                </a:ext>
+                <a:ext uri="{96DAC541-7B7A-43D3-8B79-37D633B846F1}">
+                  <asvg:svgBlip xmlns:asvg="http://schemas.microsoft.com/office/drawing/2016/SVG/main" r:embed="rId7"/>
+                </a:ext>
+              </a:extLst>
+            </a:blip>
+            <a:stretch>
+              <a:fillRect/>
+            </a:stretch>
+          </p:blipFill>
+          <p:spPr>
+            <a:xfrm>
+              <a:off x="9903045" y="3216760"/>
+              <a:ext cx="393729" cy="309216"/>
+            </a:xfrm>
+            <a:prstGeom prst="rect">
+              <a:avLst/>
+            </a:prstGeom>
+          </p:spPr>
+        </p:pic>
+        <p:pic>
+          <p:nvPicPr>
+            <p:cNvPr id="42" name="Graphic 41" descr="Muscular arm with solid fill">
+              <a:extLst>
+                <a:ext uri="{FF2B5EF4-FFF2-40B4-BE49-F238E27FC236}">
+                  <a16:creationId xmlns:a16="http://schemas.microsoft.com/office/drawing/2014/main" id="{98B0F901-6EEC-1A2B-4DCE-C311ADC14940}"/>
+                </a:ext>
+              </a:extLst>
+            </p:cNvPr>
+            <p:cNvPicPr>
+              <a:picLocks noChangeAspect="1"/>
+            </p:cNvPicPr>
+            <p:nvPr/>
+          </p:nvPicPr>
+          <p:blipFill>
+            <a:blip r:embed="rId8">
+              <a:extLst>
+                <a:ext uri="{28A0092B-C50C-407E-A947-70E740481C1C}">
+                  <a14:useLocalDpi xmlns:a14="http://schemas.microsoft.com/office/drawing/2010/main" val="0"/>
+                </a:ext>
+                <a:ext uri="{96DAC541-7B7A-43D3-8B79-37D633B846F1}">
+                  <asvg:svgBlip xmlns:asvg="http://schemas.microsoft.com/office/drawing/2016/SVG/main" r:embed="rId9"/>
+                </a:ext>
+              </a:extLst>
+            </a:blip>
+            <a:stretch>
+              <a:fillRect/>
+            </a:stretch>
+          </p:blipFill>
+          <p:spPr>
+            <a:xfrm>
+              <a:off x="9873178" y="3508268"/>
+              <a:ext cx="355439" cy="335966"/>
+            </a:xfrm>
+            <a:prstGeom prst="rect">
+              <a:avLst/>
+            </a:prstGeom>
+          </p:spPr>
+        </p:pic>
+      </p:grpSp>
       <p:sp>
         <p:nvSpPr>
           <p:cNvPr id="3" name="Footer Placeholder 3">
@@ -11933,7 +11782,7 @@
           <p:nvPr/>
         </p:nvPicPr>
         <p:blipFill>
-          <a:blip r:embed="rId12">
+          <a:blip r:embed="rId10">
             <a:extLst>
               <a:ext uri="{28A0092B-C50C-407E-A947-70E740481C1C}">
                 <a14:useLocalDpi xmlns:a14="http://schemas.microsoft.com/office/drawing/2010/main" val="0"/>

--- a/documents/proposal_as_ppt.pptx
+++ b/documents/proposal_as_ppt.pptx
@@ -5,7 +5,7 @@
     <p:sldMasterId id="2147483648" r:id="rId1"/>
   </p:sldMasterIdLst>
   <p:notesMasterIdLst>
-    <p:notesMasterId r:id="rId19"/>
+    <p:notesMasterId r:id="rId24"/>
   </p:notesMasterIdLst>
   <p:sldIdLst>
     <p:sldId id="256" r:id="rId2"/>
@@ -25,6 +25,11 @@
     <p:sldId id="265" r:id="rId16"/>
     <p:sldId id="272" r:id="rId17"/>
     <p:sldId id="268" r:id="rId18"/>
+    <p:sldId id="275" r:id="rId19"/>
+    <p:sldId id="276" r:id="rId20"/>
+    <p:sldId id="277" r:id="rId21"/>
+    <p:sldId id="278" r:id="rId22"/>
+    <p:sldId id="279" r:id="rId23"/>
   </p:sldIdLst>
   <p:sldSz cx="12192000" cy="6858000"/>
   <p:notesSz cx="6858000" cy="9144000"/>
@@ -1257,7 +1262,7 @@
           <a:p>
             <a:fld id="{D45F478C-19B8-4007-85C0-1B1FB6679583}" type="datetimeFigureOut">
               <a:rPr lang="en-GB" smtClean="0"/>
-              <a:t>25/07/2024</a:t>
+              <a:t>30/07/2024</a:t>
             </a:fld>
             <a:endParaRPr lang="en-GB"/>
           </a:p>
@@ -1758,7 +1763,7 @@
           <a:p>
             <a:fld id="{3C6FA151-EAC5-464A-86BA-1012663BC30E}" type="datetime1">
               <a:rPr lang="en-GB" smtClean="0"/>
-              <a:t>25/07/2024</a:t>
+              <a:t>30/07/2024</a:t>
             </a:fld>
             <a:endParaRPr lang="en-GB"/>
           </a:p>
@@ -1961,7 +1966,7 @@
           <a:p>
             <a:fld id="{5801DCF2-7C1D-4561-A029-2852EF5D2072}" type="datetime1">
               <a:rPr lang="en-GB" smtClean="0"/>
-              <a:t>25/07/2024</a:t>
+              <a:t>30/07/2024</a:t>
             </a:fld>
             <a:endParaRPr lang="en-GB"/>
           </a:p>
@@ -2174,7 +2179,7 @@
           <a:p>
             <a:fld id="{7619F4D1-41EA-4C45-AE34-CFD01CAAE541}" type="datetime1">
               <a:rPr lang="en-GB" smtClean="0"/>
-              <a:t>25/07/2024</a:t>
+              <a:t>30/07/2024</a:t>
             </a:fld>
             <a:endParaRPr lang="en-GB"/>
           </a:p>
@@ -2377,7 +2382,7 @@
           <a:p>
             <a:fld id="{676ADB0C-2706-41C4-9D6D-FDE2B8D9A78E}" type="datetime1">
               <a:rPr lang="en-GB" smtClean="0"/>
-              <a:t>25/07/2024</a:t>
+              <a:t>30/07/2024</a:t>
             </a:fld>
             <a:endParaRPr lang="en-GB"/>
           </a:p>
@@ -2656,7 +2661,7 @@
           <a:p>
             <a:fld id="{CA1DA76A-A919-473D-B354-18365EADF2F5}" type="datetime1">
               <a:rPr lang="en-GB" smtClean="0"/>
-              <a:t>25/07/2024</a:t>
+              <a:t>30/07/2024</a:t>
             </a:fld>
             <a:endParaRPr lang="en-GB"/>
           </a:p>
@@ -2927,7 +2932,7 @@
           <a:p>
             <a:fld id="{E51BBD68-46CA-4165-816E-CD8C056875FC}" type="datetime1">
               <a:rPr lang="en-GB" smtClean="0"/>
-              <a:t>25/07/2024</a:t>
+              <a:t>30/07/2024</a:t>
             </a:fld>
             <a:endParaRPr lang="en-GB"/>
           </a:p>
@@ -3345,7 +3350,7 @@
           <a:p>
             <a:fld id="{B2FAE00B-F786-4A05-8A94-4E14BC77E290}" type="datetime1">
               <a:rPr lang="en-GB" smtClean="0"/>
-              <a:t>25/07/2024</a:t>
+              <a:t>30/07/2024</a:t>
             </a:fld>
             <a:endParaRPr lang="en-GB"/>
           </a:p>
@@ -3490,7 +3495,7 @@
           <a:p>
             <a:fld id="{2017125D-372F-403A-BE3C-7D72C6C3FDF5}" type="datetime1">
               <a:rPr lang="en-GB" smtClean="0"/>
-              <a:t>25/07/2024</a:t>
+              <a:t>30/07/2024</a:t>
             </a:fld>
             <a:endParaRPr lang="en-GB"/>
           </a:p>
@@ -3606,7 +3611,7 @@
           <a:p>
             <a:fld id="{220398F7-D689-461D-B713-9ACC4E34E2F6}" type="datetime1">
               <a:rPr lang="en-GB" smtClean="0"/>
-              <a:t>25/07/2024</a:t>
+              <a:t>30/07/2024</a:t>
             </a:fld>
             <a:endParaRPr lang="en-GB"/>
           </a:p>
@@ -3922,7 +3927,7 @@
           <a:p>
             <a:fld id="{043CA75F-4FC6-4A09-B610-681E3F3B6E7D}" type="datetime1">
               <a:rPr lang="en-GB" smtClean="0"/>
-              <a:t>25/07/2024</a:t>
+              <a:t>30/07/2024</a:t>
             </a:fld>
             <a:endParaRPr lang="en-GB"/>
           </a:p>
@@ -4214,7 +4219,7 @@
           <a:p>
             <a:fld id="{4F9D3380-6300-4980-85F1-73CEABF7B00C}" type="datetime1">
               <a:rPr lang="en-GB" smtClean="0"/>
-              <a:t>25/07/2024</a:t>
+              <a:t>30/07/2024</a:t>
             </a:fld>
             <a:endParaRPr lang="en-GB"/>
           </a:p>
@@ -4460,7 +4465,7 @@
           <a:p>
             <a:fld id="{115F3E82-D6CD-4F98-8A25-92742025E9CB}" type="datetime1">
               <a:rPr lang="en-GB" smtClean="0"/>
-              <a:t>25/07/2024</a:t>
+              <a:t>30/07/2024</a:t>
             </a:fld>
             <a:endParaRPr lang="en-GB"/>
           </a:p>
@@ -6747,6 +6752,3995 @@
 </p:sld>
 </file>
 
+<file path=ppt/slides/slide18.xml><?xml version="1.0" encoding="utf-8"?>
+<p:sld xmlns:a="http://schemas.openxmlformats.org/drawingml/2006/main" xmlns:r="http://schemas.openxmlformats.org/officeDocument/2006/relationships" xmlns:p="http://schemas.openxmlformats.org/presentationml/2006/main">
+  <p:cSld>
+    <p:spTree>
+      <p:nvGrpSpPr>
+        <p:cNvPr id="1" name=""/>
+        <p:cNvGrpSpPr/>
+        <p:nvPr/>
+      </p:nvGrpSpPr>
+      <p:grpSpPr>
+        <a:xfrm>
+          <a:off x="0" y="0"/>
+          <a:ext cx="0" cy="0"/>
+          <a:chOff x="0" y="0"/>
+          <a:chExt cx="0" cy="0"/>
+        </a:xfrm>
+      </p:grpSpPr>
+      <p:pic>
+        <p:nvPicPr>
+          <p:cNvPr id="6" name="Picture 5" descr="A screenshot of a graph&#10;&#10;Description automatically generated">
+            <a:extLst>
+              <a:ext uri="{FF2B5EF4-FFF2-40B4-BE49-F238E27FC236}">
+                <a16:creationId xmlns:a16="http://schemas.microsoft.com/office/drawing/2014/main" id="{B3DDD07D-B680-AA24-272F-493D05AED110}"/>
+              </a:ext>
+            </a:extLst>
+          </p:cNvPr>
+          <p:cNvPicPr>
+            <a:picLocks noChangeAspect="1"/>
+          </p:cNvPicPr>
+          <p:nvPr/>
+        </p:nvPicPr>
+        <p:blipFill>
+          <a:blip r:embed="rId2">
+            <a:extLst>
+              <a:ext uri="{28A0092B-C50C-407E-A947-70E740481C1C}">
+                <a14:useLocalDpi xmlns:a14="http://schemas.microsoft.com/office/drawing/2010/main" val="0"/>
+              </a:ext>
+            </a:extLst>
+          </a:blip>
+          <a:stretch>
+            <a:fillRect/>
+          </a:stretch>
+        </p:blipFill>
+        <p:spPr>
+          <a:xfrm>
+            <a:off x="2885490" y="487432"/>
+            <a:ext cx="7084834" cy="5060595"/>
+          </a:xfrm>
+          <a:prstGeom prst="rect">
+            <a:avLst/>
+          </a:prstGeom>
+        </p:spPr>
+      </p:pic>
+      <p:sp>
+        <p:nvSpPr>
+          <p:cNvPr id="4" name="Footer Placeholder 3">
+            <a:extLst>
+              <a:ext uri="{FF2B5EF4-FFF2-40B4-BE49-F238E27FC236}">
+                <a16:creationId xmlns:a16="http://schemas.microsoft.com/office/drawing/2014/main" id="{D741275D-F403-628B-1E8C-E90D02EC38DE}"/>
+              </a:ext>
+            </a:extLst>
+          </p:cNvPr>
+          <p:cNvSpPr>
+            <a:spLocks noGrp="1"/>
+          </p:cNvSpPr>
+          <p:nvPr>
+            <p:ph type="ftr" sz="quarter" idx="11"/>
+          </p:nvPr>
+        </p:nvSpPr>
+        <p:spPr/>
+        <p:txBody>
+          <a:bodyPr/>
+          <a:lstStyle/>
+          <a:p>
+            <a:r>
+              <a:rPr lang="en-GB"/>
+              <a:t>Self-efficacy beliefs and participatory SDE || Dani Gargya || 06.03.24</a:t>
+            </a:r>
+          </a:p>
+        </p:txBody>
+      </p:sp>
+      <p:grpSp>
+        <p:nvGrpSpPr>
+          <p:cNvPr id="15" name="Group 14">
+            <a:extLst>
+              <a:ext uri="{FF2B5EF4-FFF2-40B4-BE49-F238E27FC236}">
+                <a16:creationId xmlns:a16="http://schemas.microsoft.com/office/drawing/2014/main" id="{6DFBE995-ACCC-406B-9E14-1BDBB62B1D23}"/>
+              </a:ext>
+            </a:extLst>
+          </p:cNvPr>
+          <p:cNvGrpSpPr/>
+          <p:nvPr/>
+        </p:nvGrpSpPr>
+        <p:grpSpPr>
+          <a:xfrm>
+            <a:off x="3528236" y="846418"/>
+            <a:ext cx="1870169" cy="200056"/>
+            <a:chOff x="3528236" y="846418"/>
+            <a:chExt cx="1870169" cy="200056"/>
+          </a:xfrm>
+        </p:grpSpPr>
+        <p:sp>
+          <p:nvSpPr>
+            <p:cNvPr id="7" name="TextBox 6">
+              <a:extLst>
+                <a:ext uri="{FF2B5EF4-FFF2-40B4-BE49-F238E27FC236}">
+                  <a16:creationId xmlns:a16="http://schemas.microsoft.com/office/drawing/2014/main" id="{8B1C2BA8-6BD7-F5BA-E1F2-88567BF32C0C}"/>
+                </a:ext>
+              </a:extLst>
+            </p:cNvPr>
+            <p:cNvSpPr txBox="1"/>
+            <p:nvPr/>
+          </p:nvSpPr>
+          <p:spPr>
+            <a:xfrm>
+              <a:off x="4888041" y="846419"/>
+              <a:ext cx="510364" cy="200055"/>
+            </a:xfrm>
+            <a:prstGeom prst="rect">
+              <a:avLst/>
+            </a:prstGeom>
+            <a:noFill/>
+          </p:spPr>
+          <p:txBody>
+            <a:bodyPr wrap="square" rtlCol="0">
+              <a:spAutoFit/>
+            </a:bodyPr>
+            <a:lstStyle/>
+            <a:p>
+              <a:r>
+                <a:rPr lang="en-GB" sz="700" b="1" dirty="0"/>
+                <a:t>n = 7</a:t>
+              </a:r>
+            </a:p>
+          </p:txBody>
+        </p:sp>
+        <p:grpSp>
+          <p:nvGrpSpPr>
+            <p:cNvPr id="14" name="Group 13">
+              <a:extLst>
+                <a:ext uri="{FF2B5EF4-FFF2-40B4-BE49-F238E27FC236}">
+                  <a16:creationId xmlns:a16="http://schemas.microsoft.com/office/drawing/2014/main" id="{87C8CBC2-5581-4A31-04E9-A4A77B10A114}"/>
+                </a:ext>
+              </a:extLst>
+            </p:cNvPr>
+            <p:cNvGrpSpPr/>
+            <p:nvPr/>
+          </p:nvGrpSpPr>
+          <p:grpSpPr>
+            <a:xfrm>
+              <a:off x="3528236" y="846418"/>
+              <a:ext cx="1198233" cy="200056"/>
+              <a:chOff x="3528236" y="846418"/>
+              <a:chExt cx="1198233" cy="200056"/>
+            </a:xfrm>
+          </p:grpSpPr>
+          <p:sp>
+            <p:nvSpPr>
+              <p:cNvPr id="8" name="TextBox 7">
+                <a:extLst>
+                  <a:ext uri="{FF2B5EF4-FFF2-40B4-BE49-F238E27FC236}">
+                    <a16:creationId xmlns:a16="http://schemas.microsoft.com/office/drawing/2014/main" id="{12E52DC9-FF48-ED21-DF0D-8BF2F086174B}"/>
+                  </a:ext>
+                </a:extLst>
+              </p:cNvPr>
+              <p:cNvSpPr txBox="1"/>
+              <p:nvPr/>
+            </p:nvSpPr>
+            <p:spPr>
+              <a:xfrm>
+                <a:off x="3528236" y="846418"/>
+                <a:ext cx="510364" cy="200055"/>
+              </a:xfrm>
+              <a:prstGeom prst="rect">
+                <a:avLst/>
+              </a:prstGeom>
+              <a:noFill/>
+            </p:spPr>
+            <p:txBody>
+              <a:bodyPr wrap="square" rtlCol="0">
+                <a:spAutoFit/>
+              </a:bodyPr>
+              <a:lstStyle/>
+              <a:p>
+                <a:r>
+                  <a:rPr lang="en-GB" sz="700" b="1" dirty="0"/>
+                  <a:t>n = 20</a:t>
+                </a:r>
+              </a:p>
+            </p:txBody>
+          </p:sp>
+          <p:sp>
+            <p:nvSpPr>
+              <p:cNvPr id="9" name="TextBox 8">
+                <a:extLst>
+                  <a:ext uri="{FF2B5EF4-FFF2-40B4-BE49-F238E27FC236}">
+                    <a16:creationId xmlns:a16="http://schemas.microsoft.com/office/drawing/2014/main" id="{A98F8C46-F736-2EDE-19E8-E178B09FF46C}"/>
+                  </a:ext>
+                </a:extLst>
+              </p:cNvPr>
+              <p:cNvSpPr txBox="1"/>
+              <p:nvPr/>
+            </p:nvSpPr>
+            <p:spPr>
+              <a:xfrm>
+                <a:off x="4216105" y="846419"/>
+                <a:ext cx="510364" cy="200055"/>
+              </a:xfrm>
+              <a:prstGeom prst="rect">
+                <a:avLst/>
+              </a:prstGeom>
+              <a:noFill/>
+            </p:spPr>
+            <p:txBody>
+              <a:bodyPr wrap="square" rtlCol="0">
+                <a:spAutoFit/>
+              </a:bodyPr>
+              <a:lstStyle/>
+              <a:p>
+                <a:r>
+                  <a:rPr lang="en-GB" sz="700" b="1" dirty="0"/>
+                  <a:t>n = 18</a:t>
+                </a:r>
+              </a:p>
+            </p:txBody>
+          </p:sp>
+        </p:grpSp>
+      </p:grpSp>
+      <p:grpSp>
+        <p:nvGrpSpPr>
+          <p:cNvPr id="29" name="Group 28">
+            <a:extLst>
+              <a:ext uri="{FF2B5EF4-FFF2-40B4-BE49-F238E27FC236}">
+                <a16:creationId xmlns:a16="http://schemas.microsoft.com/office/drawing/2014/main" id="{C00109C7-B441-8B38-BEF4-12374841E01D}"/>
+              </a:ext>
+            </a:extLst>
+          </p:cNvPr>
+          <p:cNvGrpSpPr/>
+          <p:nvPr/>
+        </p:nvGrpSpPr>
+        <p:grpSpPr>
+          <a:xfrm>
+            <a:off x="3565618" y="1638842"/>
+            <a:ext cx="1832787" cy="200055"/>
+            <a:chOff x="3565618" y="1638842"/>
+            <a:chExt cx="1832787" cy="200055"/>
+          </a:xfrm>
+        </p:grpSpPr>
+        <p:sp>
+          <p:nvSpPr>
+            <p:cNvPr id="11" name="TextBox 10">
+              <a:extLst>
+                <a:ext uri="{FF2B5EF4-FFF2-40B4-BE49-F238E27FC236}">
+                  <a16:creationId xmlns:a16="http://schemas.microsoft.com/office/drawing/2014/main" id="{D270C4E8-7FBE-FD50-B723-1860B608BC18}"/>
+                </a:ext>
+              </a:extLst>
+            </p:cNvPr>
+            <p:cNvSpPr txBox="1"/>
+            <p:nvPr/>
+          </p:nvSpPr>
+          <p:spPr>
+            <a:xfrm>
+              <a:off x="4216105" y="1638842"/>
+              <a:ext cx="510364" cy="200055"/>
+            </a:xfrm>
+            <a:prstGeom prst="rect">
+              <a:avLst/>
+            </a:prstGeom>
+            <a:noFill/>
+          </p:spPr>
+          <p:txBody>
+            <a:bodyPr wrap="square" rtlCol="0">
+              <a:spAutoFit/>
+            </a:bodyPr>
+            <a:lstStyle/>
+            <a:p>
+              <a:r>
+                <a:rPr lang="en-GB" sz="700" b="1" dirty="0">
+                  <a:solidFill>
+                    <a:schemeClr val="tx1">
+                      <a:lumMod val="50000"/>
+                      <a:lumOff val="50000"/>
+                    </a:schemeClr>
+                  </a:solidFill>
+                </a:rPr>
+                <a:t>n = 63</a:t>
+              </a:r>
+            </a:p>
+          </p:txBody>
+        </p:sp>
+        <p:grpSp>
+          <p:nvGrpSpPr>
+            <p:cNvPr id="28" name="Group 27">
+              <a:extLst>
+                <a:ext uri="{FF2B5EF4-FFF2-40B4-BE49-F238E27FC236}">
+                  <a16:creationId xmlns:a16="http://schemas.microsoft.com/office/drawing/2014/main" id="{10FEDDF8-150C-6228-9E2B-5E786A13C817}"/>
+                </a:ext>
+              </a:extLst>
+            </p:cNvPr>
+            <p:cNvGrpSpPr/>
+            <p:nvPr/>
+          </p:nvGrpSpPr>
+          <p:grpSpPr>
+            <a:xfrm>
+              <a:off x="3565618" y="1638842"/>
+              <a:ext cx="1832787" cy="200055"/>
+              <a:chOff x="3567480" y="1638842"/>
+              <a:chExt cx="1832787" cy="200055"/>
+            </a:xfrm>
+          </p:grpSpPr>
+          <p:sp>
+            <p:nvSpPr>
+              <p:cNvPr id="10" name="TextBox 9">
+                <a:extLst>
+                  <a:ext uri="{FF2B5EF4-FFF2-40B4-BE49-F238E27FC236}">
+                    <a16:creationId xmlns:a16="http://schemas.microsoft.com/office/drawing/2014/main" id="{0C3D28E8-6509-3E1F-0682-28C4E60AF49F}"/>
+                  </a:ext>
+                </a:extLst>
+              </p:cNvPr>
+              <p:cNvSpPr txBox="1"/>
+              <p:nvPr/>
+            </p:nvSpPr>
+            <p:spPr>
+              <a:xfrm>
+                <a:off x="3567480" y="1638842"/>
+                <a:ext cx="510364" cy="200055"/>
+              </a:xfrm>
+              <a:prstGeom prst="rect">
+                <a:avLst/>
+              </a:prstGeom>
+              <a:noFill/>
+            </p:spPr>
+            <p:txBody>
+              <a:bodyPr wrap="square" rtlCol="0">
+                <a:spAutoFit/>
+              </a:bodyPr>
+              <a:lstStyle/>
+              <a:p>
+                <a:r>
+                  <a:rPr lang="en-GB" sz="700" b="1" dirty="0">
+                    <a:solidFill>
+                      <a:schemeClr val="tx1">
+                        <a:lumMod val="50000"/>
+                        <a:lumOff val="50000"/>
+                      </a:schemeClr>
+                    </a:solidFill>
+                  </a:rPr>
+                  <a:t>n = 56</a:t>
+                </a:r>
+              </a:p>
+            </p:txBody>
+          </p:sp>
+          <p:sp>
+            <p:nvSpPr>
+              <p:cNvPr id="12" name="TextBox 11">
+                <a:extLst>
+                  <a:ext uri="{FF2B5EF4-FFF2-40B4-BE49-F238E27FC236}">
+                    <a16:creationId xmlns:a16="http://schemas.microsoft.com/office/drawing/2014/main" id="{EA12964B-2DDA-D7F9-3752-6936CC9D26E1}"/>
+                  </a:ext>
+                </a:extLst>
+              </p:cNvPr>
+              <p:cNvSpPr txBox="1"/>
+              <p:nvPr/>
+            </p:nvSpPr>
+            <p:spPr>
+              <a:xfrm>
+                <a:off x="4889903" y="1638842"/>
+                <a:ext cx="510364" cy="200055"/>
+              </a:xfrm>
+              <a:prstGeom prst="rect">
+                <a:avLst/>
+              </a:prstGeom>
+              <a:noFill/>
+            </p:spPr>
+            <p:txBody>
+              <a:bodyPr wrap="square" rtlCol="0">
+                <a:spAutoFit/>
+              </a:bodyPr>
+              <a:lstStyle/>
+              <a:p>
+                <a:r>
+                  <a:rPr lang="en-GB" sz="700" b="1" dirty="0">
+                    <a:solidFill>
+                      <a:schemeClr val="tx1">
+                        <a:lumMod val="50000"/>
+                        <a:lumOff val="50000"/>
+                      </a:schemeClr>
+                    </a:solidFill>
+                  </a:rPr>
+                  <a:t>n = 42</a:t>
+                </a:r>
+              </a:p>
+            </p:txBody>
+          </p:sp>
+        </p:grpSp>
+      </p:grpSp>
+      <p:grpSp>
+        <p:nvGrpSpPr>
+          <p:cNvPr id="16" name="Group 15">
+            <a:extLst>
+              <a:ext uri="{FF2B5EF4-FFF2-40B4-BE49-F238E27FC236}">
+                <a16:creationId xmlns:a16="http://schemas.microsoft.com/office/drawing/2014/main" id="{97105EA6-35CC-ED41-541B-66D7A28EDFB0}"/>
+              </a:ext>
+            </a:extLst>
+          </p:cNvPr>
+          <p:cNvGrpSpPr/>
+          <p:nvPr/>
+        </p:nvGrpSpPr>
+        <p:grpSpPr>
+          <a:xfrm>
+            <a:off x="5740038" y="1046472"/>
+            <a:ext cx="1870169" cy="200056"/>
+            <a:chOff x="3528236" y="846418"/>
+            <a:chExt cx="1870169" cy="200056"/>
+          </a:xfrm>
+        </p:grpSpPr>
+        <p:sp>
+          <p:nvSpPr>
+            <p:cNvPr id="17" name="TextBox 16">
+              <a:extLst>
+                <a:ext uri="{FF2B5EF4-FFF2-40B4-BE49-F238E27FC236}">
+                  <a16:creationId xmlns:a16="http://schemas.microsoft.com/office/drawing/2014/main" id="{2D3E2B38-1B6A-BFD2-C8E2-A1C1F5635E18}"/>
+                </a:ext>
+              </a:extLst>
+            </p:cNvPr>
+            <p:cNvSpPr txBox="1"/>
+            <p:nvPr/>
+          </p:nvSpPr>
+          <p:spPr>
+            <a:xfrm>
+              <a:off x="4888041" y="846419"/>
+              <a:ext cx="510364" cy="200055"/>
+            </a:xfrm>
+            <a:prstGeom prst="rect">
+              <a:avLst/>
+            </a:prstGeom>
+            <a:noFill/>
+          </p:spPr>
+          <p:txBody>
+            <a:bodyPr wrap="square" rtlCol="0">
+              <a:spAutoFit/>
+            </a:bodyPr>
+            <a:lstStyle/>
+            <a:p>
+              <a:r>
+                <a:rPr lang="en-GB" sz="700" b="1" dirty="0"/>
+                <a:t>n = 7</a:t>
+              </a:r>
+            </a:p>
+          </p:txBody>
+        </p:sp>
+        <p:grpSp>
+          <p:nvGrpSpPr>
+            <p:cNvPr id="18" name="Group 17">
+              <a:extLst>
+                <a:ext uri="{FF2B5EF4-FFF2-40B4-BE49-F238E27FC236}">
+                  <a16:creationId xmlns:a16="http://schemas.microsoft.com/office/drawing/2014/main" id="{FAD08D4D-7891-D491-FC91-BCF26B32333C}"/>
+                </a:ext>
+              </a:extLst>
+            </p:cNvPr>
+            <p:cNvGrpSpPr/>
+            <p:nvPr/>
+          </p:nvGrpSpPr>
+          <p:grpSpPr>
+            <a:xfrm>
+              <a:off x="3528236" y="846418"/>
+              <a:ext cx="1198233" cy="200056"/>
+              <a:chOff x="3528236" y="846418"/>
+              <a:chExt cx="1198233" cy="200056"/>
+            </a:xfrm>
+          </p:grpSpPr>
+          <p:sp>
+            <p:nvSpPr>
+              <p:cNvPr id="19" name="TextBox 18">
+                <a:extLst>
+                  <a:ext uri="{FF2B5EF4-FFF2-40B4-BE49-F238E27FC236}">
+                    <a16:creationId xmlns:a16="http://schemas.microsoft.com/office/drawing/2014/main" id="{90F15BE6-8F3C-C4CC-22B7-3868E5D6DFC3}"/>
+                  </a:ext>
+                </a:extLst>
+              </p:cNvPr>
+              <p:cNvSpPr txBox="1"/>
+              <p:nvPr/>
+            </p:nvSpPr>
+            <p:spPr>
+              <a:xfrm>
+                <a:off x="3528236" y="846418"/>
+                <a:ext cx="510364" cy="200055"/>
+              </a:xfrm>
+              <a:prstGeom prst="rect">
+                <a:avLst/>
+              </a:prstGeom>
+              <a:noFill/>
+            </p:spPr>
+            <p:txBody>
+              <a:bodyPr wrap="square" rtlCol="0">
+                <a:spAutoFit/>
+              </a:bodyPr>
+              <a:lstStyle/>
+              <a:p>
+                <a:r>
+                  <a:rPr lang="en-GB" sz="700" b="1" dirty="0"/>
+                  <a:t>n = 20</a:t>
+                </a:r>
+              </a:p>
+            </p:txBody>
+          </p:sp>
+          <p:sp>
+            <p:nvSpPr>
+              <p:cNvPr id="20" name="TextBox 19">
+                <a:extLst>
+                  <a:ext uri="{FF2B5EF4-FFF2-40B4-BE49-F238E27FC236}">
+                    <a16:creationId xmlns:a16="http://schemas.microsoft.com/office/drawing/2014/main" id="{2E55F82F-FABC-CD73-E042-3B67D90F437D}"/>
+                  </a:ext>
+                </a:extLst>
+              </p:cNvPr>
+              <p:cNvSpPr txBox="1"/>
+              <p:nvPr/>
+            </p:nvSpPr>
+            <p:spPr>
+              <a:xfrm>
+                <a:off x="4216105" y="846419"/>
+                <a:ext cx="510364" cy="200055"/>
+              </a:xfrm>
+              <a:prstGeom prst="rect">
+                <a:avLst/>
+              </a:prstGeom>
+              <a:noFill/>
+            </p:spPr>
+            <p:txBody>
+              <a:bodyPr wrap="square" rtlCol="0">
+                <a:spAutoFit/>
+              </a:bodyPr>
+              <a:lstStyle/>
+              <a:p>
+                <a:r>
+                  <a:rPr lang="en-GB" sz="700" b="1" dirty="0"/>
+                  <a:t>n = 18</a:t>
+                </a:r>
+              </a:p>
+            </p:txBody>
+          </p:sp>
+        </p:grpSp>
+      </p:grpSp>
+      <p:grpSp>
+        <p:nvGrpSpPr>
+          <p:cNvPr id="21" name="Group 20">
+            <a:extLst>
+              <a:ext uri="{FF2B5EF4-FFF2-40B4-BE49-F238E27FC236}">
+                <a16:creationId xmlns:a16="http://schemas.microsoft.com/office/drawing/2014/main" id="{96D2764E-F5BF-B319-1065-3FFB2AB9A8A9}"/>
+              </a:ext>
+            </a:extLst>
+          </p:cNvPr>
+          <p:cNvGrpSpPr/>
+          <p:nvPr/>
+        </p:nvGrpSpPr>
+        <p:grpSpPr>
+          <a:xfrm>
+            <a:off x="7935908" y="1046473"/>
+            <a:ext cx="1870169" cy="200056"/>
+            <a:chOff x="3528236" y="846418"/>
+            <a:chExt cx="1870169" cy="200056"/>
+          </a:xfrm>
+        </p:grpSpPr>
+        <p:sp>
+          <p:nvSpPr>
+            <p:cNvPr id="22" name="TextBox 21">
+              <a:extLst>
+                <a:ext uri="{FF2B5EF4-FFF2-40B4-BE49-F238E27FC236}">
+                  <a16:creationId xmlns:a16="http://schemas.microsoft.com/office/drawing/2014/main" id="{EFC7983F-009B-84A7-7BD8-66541C25CCAB}"/>
+                </a:ext>
+              </a:extLst>
+            </p:cNvPr>
+            <p:cNvSpPr txBox="1"/>
+            <p:nvPr/>
+          </p:nvSpPr>
+          <p:spPr>
+            <a:xfrm>
+              <a:off x="4888041" y="846419"/>
+              <a:ext cx="510364" cy="200055"/>
+            </a:xfrm>
+            <a:prstGeom prst="rect">
+              <a:avLst/>
+            </a:prstGeom>
+            <a:noFill/>
+          </p:spPr>
+          <p:txBody>
+            <a:bodyPr wrap="square" rtlCol="0">
+              <a:spAutoFit/>
+            </a:bodyPr>
+            <a:lstStyle/>
+            <a:p>
+              <a:r>
+                <a:rPr lang="en-GB" sz="700" b="1" dirty="0"/>
+                <a:t>n = 7</a:t>
+              </a:r>
+            </a:p>
+          </p:txBody>
+        </p:sp>
+        <p:grpSp>
+          <p:nvGrpSpPr>
+            <p:cNvPr id="23" name="Group 22">
+              <a:extLst>
+                <a:ext uri="{FF2B5EF4-FFF2-40B4-BE49-F238E27FC236}">
+                  <a16:creationId xmlns:a16="http://schemas.microsoft.com/office/drawing/2014/main" id="{FAF968CA-A41E-361D-E53C-910F88AA0B6B}"/>
+                </a:ext>
+              </a:extLst>
+            </p:cNvPr>
+            <p:cNvGrpSpPr/>
+            <p:nvPr/>
+          </p:nvGrpSpPr>
+          <p:grpSpPr>
+            <a:xfrm>
+              <a:off x="3528236" y="846418"/>
+              <a:ext cx="1198233" cy="200056"/>
+              <a:chOff x="3528236" y="846418"/>
+              <a:chExt cx="1198233" cy="200056"/>
+            </a:xfrm>
+          </p:grpSpPr>
+          <p:sp>
+            <p:nvSpPr>
+              <p:cNvPr id="24" name="TextBox 23">
+                <a:extLst>
+                  <a:ext uri="{FF2B5EF4-FFF2-40B4-BE49-F238E27FC236}">
+                    <a16:creationId xmlns:a16="http://schemas.microsoft.com/office/drawing/2014/main" id="{CDAF428D-2510-B3DD-D78B-FFEA4076AEAF}"/>
+                  </a:ext>
+                </a:extLst>
+              </p:cNvPr>
+              <p:cNvSpPr txBox="1"/>
+              <p:nvPr/>
+            </p:nvSpPr>
+            <p:spPr>
+              <a:xfrm>
+                <a:off x="3528236" y="846418"/>
+                <a:ext cx="510364" cy="200055"/>
+              </a:xfrm>
+              <a:prstGeom prst="rect">
+                <a:avLst/>
+              </a:prstGeom>
+              <a:noFill/>
+            </p:spPr>
+            <p:txBody>
+              <a:bodyPr wrap="square" rtlCol="0">
+                <a:spAutoFit/>
+              </a:bodyPr>
+              <a:lstStyle/>
+              <a:p>
+                <a:r>
+                  <a:rPr lang="en-GB" sz="700" b="1" dirty="0"/>
+                  <a:t>n = 20</a:t>
+                </a:r>
+              </a:p>
+            </p:txBody>
+          </p:sp>
+          <p:sp>
+            <p:nvSpPr>
+              <p:cNvPr id="25" name="TextBox 24">
+                <a:extLst>
+                  <a:ext uri="{FF2B5EF4-FFF2-40B4-BE49-F238E27FC236}">
+                    <a16:creationId xmlns:a16="http://schemas.microsoft.com/office/drawing/2014/main" id="{4CB9520A-46FA-EFEE-5247-12E1ADAE6255}"/>
+                  </a:ext>
+                </a:extLst>
+              </p:cNvPr>
+              <p:cNvSpPr txBox="1"/>
+              <p:nvPr/>
+            </p:nvSpPr>
+            <p:spPr>
+              <a:xfrm>
+                <a:off x="4216105" y="846419"/>
+                <a:ext cx="510364" cy="200055"/>
+              </a:xfrm>
+              <a:prstGeom prst="rect">
+                <a:avLst/>
+              </a:prstGeom>
+              <a:noFill/>
+            </p:spPr>
+            <p:txBody>
+              <a:bodyPr wrap="square" rtlCol="0">
+                <a:spAutoFit/>
+              </a:bodyPr>
+              <a:lstStyle/>
+              <a:p>
+                <a:r>
+                  <a:rPr lang="en-GB" sz="700" b="1" dirty="0"/>
+                  <a:t>n = 18</a:t>
+                </a:r>
+              </a:p>
+            </p:txBody>
+          </p:sp>
+        </p:grpSp>
+      </p:grpSp>
+      <p:grpSp>
+        <p:nvGrpSpPr>
+          <p:cNvPr id="30" name="Group 29">
+            <a:extLst>
+              <a:ext uri="{FF2B5EF4-FFF2-40B4-BE49-F238E27FC236}">
+                <a16:creationId xmlns:a16="http://schemas.microsoft.com/office/drawing/2014/main" id="{AC4B9C39-5E65-E501-F148-841AB8410D37}"/>
+              </a:ext>
+            </a:extLst>
+          </p:cNvPr>
+          <p:cNvGrpSpPr/>
+          <p:nvPr/>
+        </p:nvGrpSpPr>
+        <p:grpSpPr>
+          <a:xfrm>
+            <a:off x="5777420" y="2054850"/>
+            <a:ext cx="1832787" cy="200055"/>
+            <a:chOff x="3565618" y="1638842"/>
+            <a:chExt cx="1832787" cy="200055"/>
+          </a:xfrm>
+        </p:grpSpPr>
+        <p:sp>
+          <p:nvSpPr>
+            <p:cNvPr id="31" name="TextBox 30">
+              <a:extLst>
+                <a:ext uri="{FF2B5EF4-FFF2-40B4-BE49-F238E27FC236}">
+                  <a16:creationId xmlns:a16="http://schemas.microsoft.com/office/drawing/2014/main" id="{3D6ED024-8CF7-8F8F-0385-35B861F76DFA}"/>
+                </a:ext>
+              </a:extLst>
+            </p:cNvPr>
+            <p:cNvSpPr txBox="1"/>
+            <p:nvPr/>
+          </p:nvSpPr>
+          <p:spPr>
+            <a:xfrm>
+              <a:off x="4216105" y="1638842"/>
+              <a:ext cx="510364" cy="200055"/>
+            </a:xfrm>
+            <a:prstGeom prst="rect">
+              <a:avLst/>
+            </a:prstGeom>
+            <a:noFill/>
+          </p:spPr>
+          <p:txBody>
+            <a:bodyPr wrap="square" rtlCol="0">
+              <a:spAutoFit/>
+            </a:bodyPr>
+            <a:lstStyle/>
+            <a:p>
+              <a:r>
+                <a:rPr lang="en-GB" sz="700" b="1" dirty="0"/>
+                <a:t>n = 63</a:t>
+              </a:r>
+            </a:p>
+          </p:txBody>
+        </p:sp>
+        <p:grpSp>
+          <p:nvGrpSpPr>
+            <p:cNvPr id="32" name="Group 31">
+              <a:extLst>
+                <a:ext uri="{FF2B5EF4-FFF2-40B4-BE49-F238E27FC236}">
+                  <a16:creationId xmlns:a16="http://schemas.microsoft.com/office/drawing/2014/main" id="{18527971-EBFD-0CB6-A4A4-06789C1BB8D2}"/>
+                </a:ext>
+              </a:extLst>
+            </p:cNvPr>
+            <p:cNvGrpSpPr/>
+            <p:nvPr/>
+          </p:nvGrpSpPr>
+          <p:grpSpPr>
+            <a:xfrm>
+              <a:off x="3565618" y="1638842"/>
+              <a:ext cx="1832787" cy="200055"/>
+              <a:chOff x="3567480" y="1638842"/>
+              <a:chExt cx="1832787" cy="200055"/>
+            </a:xfrm>
+          </p:grpSpPr>
+          <p:sp>
+            <p:nvSpPr>
+              <p:cNvPr id="33" name="TextBox 32">
+                <a:extLst>
+                  <a:ext uri="{FF2B5EF4-FFF2-40B4-BE49-F238E27FC236}">
+                    <a16:creationId xmlns:a16="http://schemas.microsoft.com/office/drawing/2014/main" id="{A3806F75-E80B-A4FB-5059-9A3A7F1AB36A}"/>
+                  </a:ext>
+                </a:extLst>
+              </p:cNvPr>
+              <p:cNvSpPr txBox="1"/>
+              <p:nvPr/>
+            </p:nvSpPr>
+            <p:spPr>
+              <a:xfrm>
+                <a:off x="3567480" y="1638842"/>
+                <a:ext cx="510364" cy="200055"/>
+              </a:xfrm>
+              <a:prstGeom prst="rect">
+                <a:avLst/>
+              </a:prstGeom>
+              <a:noFill/>
+            </p:spPr>
+            <p:txBody>
+              <a:bodyPr wrap="square" rtlCol="0">
+                <a:spAutoFit/>
+              </a:bodyPr>
+              <a:lstStyle/>
+              <a:p>
+                <a:r>
+                  <a:rPr lang="en-GB" sz="700" b="1" dirty="0"/>
+                  <a:t>n = 56</a:t>
+                </a:r>
+              </a:p>
+            </p:txBody>
+          </p:sp>
+          <p:sp>
+            <p:nvSpPr>
+              <p:cNvPr id="34" name="TextBox 33">
+                <a:extLst>
+                  <a:ext uri="{FF2B5EF4-FFF2-40B4-BE49-F238E27FC236}">
+                    <a16:creationId xmlns:a16="http://schemas.microsoft.com/office/drawing/2014/main" id="{681739F8-C386-6F71-012C-5E5DE1ABC389}"/>
+                  </a:ext>
+                </a:extLst>
+              </p:cNvPr>
+              <p:cNvSpPr txBox="1"/>
+              <p:nvPr/>
+            </p:nvSpPr>
+            <p:spPr>
+              <a:xfrm>
+                <a:off x="4889903" y="1638842"/>
+                <a:ext cx="510364" cy="200055"/>
+              </a:xfrm>
+              <a:prstGeom prst="rect">
+                <a:avLst/>
+              </a:prstGeom>
+              <a:noFill/>
+            </p:spPr>
+            <p:txBody>
+              <a:bodyPr wrap="square" rtlCol="0">
+                <a:spAutoFit/>
+              </a:bodyPr>
+              <a:lstStyle/>
+              <a:p>
+                <a:r>
+                  <a:rPr lang="en-GB" sz="700" b="1" dirty="0"/>
+                  <a:t>n = 42</a:t>
+                </a:r>
+              </a:p>
+            </p:txBody>
+          </p:sp>
+        </p:grpSp>
+      </p:grpSp>
+      <p:grpSp>
+        <p:nvGrpSpPr>
+          <p:cNvPr id="35" name="Group 34">
+            <a:extLst>
+              <a:ext uri="{FF2B5EF4-FFF2-40B4-BE49-F238E27FC236}">
+                <a16:creationId xmlns:a16="http://schemas.microsoft.com/office/drawing/2014/main" id="{39F9859E-BD57-8CDC-927D-5BFBCE854B80}"/>
+              </a:ext>
+            </a:extLst>
+          </p:cNvPr>
+          <p:cNvGrpSpPr/>
+          <p:nvPr/>
+        </p:nvGrpSpPr>
+        <p:grpSpPr>
+          <a:xfrm>
+            <a:off x="7973290" y="1954822"/>
+            <a:ext cx="1832787" cy="200055"/>
+            <a:chOff x="3565618" y="1638842"/>
+            <a:chExt cx="1832787" cy="200055"/>
+          </a:xfrm>
+        </p:grpSpPr>
+        <p:sp>
+          <p:nvSpPr>
+            <p:cNvPr id="36" name="TextBox 35">
+              <a:extLst>
+                <a:ext uri="{FF2B5EF4-FFF2-40B4-BE49-F238E27FC236}">
+                  <a16:creationId xmlns:a16="http://schemas.microsoft.com/office/drawing/2014/main" id="{D1BA1094-17F0-319F-B82B-F1D9DEB13922}"/>
+                </a:ext>
+              </a:extLst>
+            </p:cNvPr>
+            <p:cNvSpPr txBox="1"/>
+            <p:nvPr/>
+          </p:nvSpPr>
+          <p:spPr>
+            <a:xfrm>
+              <a:off x="4216105" y="1638842"/>
+              <a:ext cx="510364" cy="200055"/>
+            </a:xfrm>
+            <a:prstGeom prst="rect">
+              <a:avLst/>
+            </a:prstGeom>
+            <a:noFill/>
+          </p:spPr>
+          <p:txBody>
+            <a:bodyPr wrap="square" rtlCol="0">
+              <a:spAutoFit/>
+            </a:bodyPr>
+            <a:lstStyle/>
+            <a:p>
+              <a:r>
+                <a:rPr lang="en-GB" sz="700" b="1" dirty="0"/>
+                <a:t>n = 63</a:t>
+              </a:r>
+            </a:p>
+          </p:txBody>
+        </p:sp>
+        <p:grpSp>
+          <p:nvGrpSpPr>
+            <p:cNvPr id="37" name="Group 36">
+              <a:extLst>
+                <a:ext uri="{FF2B5EF4-FFF2-40B4-BE49-F238E27FC236}">
+                  <a16:creationId xmlns:a16="http://schemas.microsoft.com/office/drawing/2014/main" id="{D0A21215-F3E3-02A8-5F05-BB8A46CE3C3D}"/>
+                </a:ext>
+              </a:extLst>
+            </p:cNvPr>
+            <p:cNvGrpSpPr/>
+            <p:nvPr/>
+          </p:nvGrpSpPr>
+          <p:grpSpPr>
+            <a:xfrm>
+              <a:off x="3565618" y="1638842"/>
+              <a:ext cx="1832787" cy="200055"/>
+              <a:chOff x="3567480" y="1638842"/>
+              <a:chExt cx="1832787" cy="200055"/>
+            </a:xfrm>
+          </p:grpSpPr>
+          <p:sp>
+            <p:nvSpPr>
+              <p:cNvPr id="38" name="TextBox 37">
+                <a:extLst>
+                  <a:ext uri="{FF2B5EF4-FFF2-40B4-BE49-F238E27FC236}">
+                    <a16:creationId xmlns:a16="http://schemas.microsoft.com/office/drawing/2014/main" id="{C5C9B681-1C74-6AA3-98AF-7F8402B6FF26}"/>
+                  </a:ext>
+                </a:extLst>
+              </p:cNvPr>
+              <p:cNvSpPr txBox="1"/>
+              <p:nvPr/>
+            </p:nvSpPr>
+            <p:spPr>
+              <a:xfrm>
+                <a:off x="3567480" y="1638842"/>
+                <a:ext cx="510364" cy="200055"/>
+              </a:xfrm>
+              <a:prstGeom prst="rect">
+                <a:avLst/>
+              </a:prstGeom>
+              <a:noFill/>
+            </p:spPr>
+            <p:txBody>
+              <a:bodyPr wrap="square" rtlCol="0">
+                <a:spAutoFit/>
+              </a:bodyPr>
+              <a:lstStyle/>
+              <a:p>
+                <a:r>
+                  <a:rPr lang="en-GB" sz="700" b="1" dirty="0"/>
+                  <a:t>n = 56</a:t>
+                </a:r>
+              </a:p>
+            </p:txBody>
+          </p:sp>
+          <p:sp>
+            <p:nvSpPr>
+              <p:cNvPr id="39" name="TextBox 38">
+                <a:extLst>
+                  <a:ext uri="{FF2B5EF4-FFF2-40B4-BE49-F238E27FC236}">
+                    <a16:creationId xmlns:a16="http://schemas.microsoft.com/office/drawing/2014/main" id="{67C53235-BD02-7CA0-75B8-3F5FD5E3BAB0}"/>
+                  </a:ext>
+                </a:extLst>
+              </p:cNvPr>
+              <p:cNvSpPr txBox="1"/>
+              <p:nvPr/>
+            </p:nvSpPr>
+            <p:spPr>
+              <a:xfrm>
+                <a:off x="4889903" y="1638842"/>
+                <a:ext cx="510364" cy="200055"/>
+              </a:xfrm>
+              <a:prstGeom prst="rect">
+                <a:avLst/>
+              </a:prstGeom>
+              <a:noFill/>
+            </p:spPr>
+            <p:txBody>
+              <a:bodyPr wrap="square" rtlCol="0">
+                <a:spAutoFit/>
+              </a:bodyPr>
+              <a:lstStyle/>
+              <a:p>
+                <a:r>
+                  <a:rPr lang="en-GB" sz="700" b="1" dirty="0"/>
+                  <a:t>n = 42</a:t>
+                </a:r>
+              </a:p>
+            </p:txBody>
+          </p:sp>
+        </p:grpSp>
+      </p:grpSp>
+      <p:grpSp>
+        <p:nvGrpSpPr>
+          <p:cNvPr id="40" name="Group 39">
+            <a:extLst>
+              <a:ext uri="{FF2B5EF4-FFF2-40B4-BE49-F238E27FC236}">
+                <a16:creationId xmlns:a16="http://schemas.microsoft.com/office/drawing/2014/main" id="{745B9CAC-9038-93AC-FBBA-7A994167D145}"/>
+              </a:ext>
+            </a:extLst>
+          </p:cNvPr>
+          <p:cNvGrpSpPr/>
+          <p:nvPr/>
+        </p:nvGrpSpPr>
+        <p:grpSpPr>
+          <a:xfrm>
+            <a:off x="3565618" y="3969900"/>
+            <a:ext cx="1832787" cy="200055"/>
+            <a:chOff x="3565618" y="1638842"/>
+            <a:chExt cx="1832787" cy="200055"/>
+          </a:xfrm>
+        </p:grpSpPr>
+        <p:sp>
+          <p:nvSpPr>
+            <p:cNvPr id="41" name="TextBox 40">
+              <a:extLst>
+                <a:ext uri="{FF2B5EF4-FFF2-40B4-BE49-F238E27FC236}">
+                  <a16:creationId xmlns:a16="http://schemas.microsoft.com/office/drawing/2014/main" id="{0137B02B-59D7-0548-5E37-A38539590EF3}"/>
+                </a:ext>
+              </a:extLst>
+            </p:cNvPr>
+            <p:cNvSpPr txBox="1"/>
+            <p:nvPr/>
+          </p:nvSpPr>
+          <p:spPr>
+            <a:xfrm>
+              <a:off x="4216105" y="1638842"/>
+              <a:ext cx="510364" cy="200055"/>
+            </a:xfrm>
+            <a:prstGeom prst="rect">
+              <a:avLst/>
+            </a:prstGeom>
+            <a:noFill/>
+          </p:spPr>
+          <p:txBody>
+            <a:bodyPr wrap="square" rtlCol="0">
+              <a:spAutoFit/>
+            </a:bodyPr>
+            <a:lstStyle/>
+            <a:p>
+              <a:r>
+                <a:rPr lang="en-GB" sz="700" b="1" dirty="0"/>
+                <a:t>n = 63</a:t>
+              </a:r>
+            </a:p>
+          </p:txBody>
+        </p:sp>
+        <p:grpSp>
+          <p:nvGrpSpPr>
+            <p:cNvPr id="42" name="Group 41">
+              <a:extLst>
+                <a:ext uri="{FF2B5EF4-FFF2-40B4-BE49-F238E27FC236}">
+                  <a16:creationId xmlns:a16="http://schemas.microsoft.com/office/drawing/2014/main" id="{88ED4050-F60C-34A9-84F6-67FE1BDD30D0}"/>
+                </a:ext>
+              </a:extLst>
+            </p:cNvPr>
+            <p:cNvGrpSpPr/>
+            <p:nvPr/>
+          </p:nvGrpSpPr>
+          <p:grpSpPr>
+            <a:xfrm>
+              <a:off x="3565618" y="1638842"/>
+              <a:ext cx="1832787" cy="200055"/>
+              <a:chOff x="3567480" y="1638842"/>
+              <a:chExt cx="1832787" cy="200055"/>
+            </a:xfrm>
+          </p:grpSpPr>
+          <p:sp>
+            <p:nvSpPr>
+              <p:cNvPr id="43" name="TextBox 42">
+                <a:extLst>
+                  <a:ext uri="{FF2B5EF4-FFF2-40B4-BE49-F238E27FC236}">
+                    <a16:creationId xmlns:a16="http://schemas.microsoft.com/office/drawing/2014/main" id="{B419CE28-5582-F0E0-267F-DD82C9D5A36F}"/>
+                  </a:ext>
+                </a:extLst>
+              </p:cNvPr>
+              <p:cNvSpPr txBox="1"/>
+              <p:nvPr/>
+            </p:nvSpPr>
+            <p:spPr>
+              <a:xfrm>
+                <a:off x="3567480" y="1638842"/>
+                <a:ext cx="510364" cy="200055"/>
+              </a:xfrm>
+              <a:prstGeom prst="rect">
+                <a:avLst/>
+              </a:prstGeom>
+              <a:noFill/>
+            </p:spPr>
+            <p:txBody>
+              <a:bodyPr wrap="square" rtlCol="0">
+                <a:spAutoFit/>
+              </a:bodyPr>
+              <a:lstStyle/>
+              <a:p>
+                <a:r>
+                  <a:rPr lang="en-GB" sz="700" b="1" dirty="0"/>
+                  <a:t>n = 56</a:t>
+                </a:r>
+              </a:p>
+            </p:txBody>
+          </p:sp>
+          <p:sp>
+            <p:nvSpPr>
+              <p:cNvPr id="44" name="TextBox 43">
+                <a:extLst>
+                  <a:ext uri="{FF2B5EF4-FFF2-40B4-BE49-F238E27FC236}">
+                    <a16:creationId xmlns:a16="http://schemas.microsoft.com/office/drawing/2014/main" id="{02D1456F-D002-0935-D54C-E71CADB942FB}"/>
+                  </a:ext>
+                </a:extLst>
+              </p:cNvPr>
+              <p:cNvSpPr txBox="1"/>
+              <p:nvPr/>
+            </p:nvSpPr>
+            <p:spPr>
+              <a:xfrm>
+                <a:off x="4889903" y="1638842"/>
+                <a:ext cx="510364" cy="200055"/>
+              </a:xfrm>
+              <a:prstGeom prst="rect">
+                <a:avLst/>
+              </a:prstGeom>
+              <a:noFill/>
+            </p:spPr>
+            <p:txBody>
+              <a:bodyPr wrap="square" rtlCol="0">
+                <a:spAutoFit/>
+              </a:bodyPr>
+              <a:lstStyle/>
+              <a:p>
+                <a:r>
+                  <a:rPr lang="en-GB" sz="700" b="1" dirty="0"/>
+                  <a:t>n = 42</a:t>
+                </a:r>
+              </a:p>
+            </p:txBody>
+          </p:sp>
+        </p:grpSp>
+      </p:grpSp>
+      <p:grpSp>
+        <p:nvGrpSpPr>
+          <p:cNvPr id="45" name="Group 44">
+            <a:extLst>
+              <a:ext uri="{FF2B5EF4-FFF2-40B4-BE49-F238E27FC236}">
+                <a16:creationId xmlns:a16="http://schemas.microsoft.com/office/drawing/2014/main" id="{75BB55F8-7CA6-7A7F-D13E-53C8ED4BE426}"/>
+              </a:ext>
+            </a:extLst>
+          </p:cNvPr>
+          <p:cNvGrpSpPr/>
+          <p:nvPr/>
+        </p:nvGrpSpPr>
+        <p:grpSpPr>
+          <a:xfrm>
+            <a:off x="5777420" y="4240243"/>
+            <a:ext cx="1832787" cy="200055"/>
+            <a:chOff x="3565618" y="1638842"/>
+            <a:chExt cx="1832787" cy="200055"/>
+          </a:xfrm>
+        </p:grpSpPr>
+        <p:sp>
+          <p:nvSpPr>
+            <p:cNvPr id="46" name="TextBox 45">
+              <a:extLst>
+                <a:ext uri="{FF2B5EF4-FFF2-40B4-BE49-F238E27FC236}">
+                  <a16:creationId xmlns:a16="http://schemas.microsoft.com/office/drawing/2014/main" id="{CDB0B68A-76A3-D401-052F-93E7B883C390}"/>
+                </a:ext>
+              </a:extLst>
+            </p:cNvPr>
+            <p:cNvSpPr txBox="1"/>
+            <p:nvPr/>
+          </p:nvSpPr>
+          <p:spPr>
+            <a:xfrm>
+              <a:off x="4216105" y="1638842"/>
+              <a:ext cx="510364" cy="200055"/>
+            </a:xfrm>
+            <a:prstGeom prst="rect">
+              <a:avLst/>
+            </a:prstGeom>
+            <a:noFill/>
+          </p:spPr>
+          <p:txBody>
+            <a:bodyPr wrap="square" rtlCol="0">
+              <a:spAutoFit/>
+            </a:bodyPr>
+            <a:lstStyle/>
+            <a:p>
+              <a:r>
+                <a:rPr lang="en-GB" sz="700" b="1" dirty="0"/>
+                <a:t>n = 63</a:t>
+              </a:r>
+            </a:p>
+          </p:txBody>
+        </p:sp>
+        <p:grpSp>
+          <p:nvGrpSpPr>
+            <p:cNvPr id="47" name="Group 46">
+              <a:extLst>
+                <a:ext uri="{FF2B5EF4-FFF2-40B4-BE49-F238E27FC236}">
+                  <a16:creationId xmlns:a16="http://schemas.microsoft.com/office/drawing/2014/main" id="{CD441625-7673-D107-3BE3-26526A1C16D0}"/>
+                </a:ext>
+              </a:extLst>
+            </p:cNvPr>
+            <p:cNvGrpSpPr/>
+            <p:nvPr/>
+          </p:nvGrpSpPr>
+          <p:grpSpPr>
+            <a:xfrm>
+              <a:off x="3565618" y="1638842"/>
+              <a:ext cx="1832787" cy="200055"/>
+              <a:chOff x="3567480" y="1638842"/>
+              <a:chExt cx="1832787" cy="200055"/>
+            </a:xfrm>
+          </p:grpSpPr>
+          <p:sp>
+            <p:nvSpPr>
+              <p:cNvPr id="48" name="TextBox 47">
+                <a:extLst>
+                  <a:ext uri="{FF2B5EF4-FFF2-40B4-BE49-F238E27FC236}">
+                    <a16:creationId xmlns:a16="http://schemas.microsoft.com/office/drawing/2014/main" id="{7597765C-48AF-C42D-C5C3-561732CFCA5D}"/>
+                  </a:ext>
+                </a:extLst>
+              </p:cNvPr>
+              <p:cNvSpPr txBox="1"/>
+              <p:nvPr/>
+            </p:nvSpPr>
+            <p:spPr>
+              <a:xfrm>
+                <a:off x="3567480" y="1638842"/>
+                <a:ext cx="510364" cy="200055"/>
+              </a:xfrm>
+              <a:prstGeom prst="rect">
+                <a:avLst/>
+              </a:prstGeom>
+              <a:noFill/>
+            </p:spPr>
+            <p:txBody>
+              <a:bodyPr wrap="square" rtlCol="0">
+                <a:spAutoFit/>
+              </a:bodyPr>
+              <a:lstStyle/>
+              <a:p>
+                <a:r>
+                  <a:rPr lang="en-GB" sz="700" b="1" dirty="0"/>
+                  <a:t>n = 56</a:t>
+                </a:r>
+              </a:p>
+            </p:txBody>
+          </p:sp>
+          <p:sp>
+            <p:nvSpPr>
+              <p:cNvPr id="49" name="TextBox 48">
+                <a:extLst>
+                  <a:ext uri="{FF2B5EF4-FFF2-40B4-BE49-F238E27FC236}">
+                    <a16:creationId xmlns:a16="http://schemas.microsoft.com/office/drawing/2014/main" id="{1E59454E-E328-7216-7836-6EC01B92142F}"/>
+                  </a:ext>
+                </a:extLst>
+              </p:cNvPr>
+              <p:cNvSpPr txBox="1"/>
+              <p:nvPr/>
+            </p:nvSpPr>
+            <p:spPr>
+              <a:xfrm>
+                <a:off x="4889903" y="1638842"/>
+                <a:ext cx="510364" cy="200055"/>
+              </a:xfrm>
+              <a:prstGeom prst="rect">
+                <a:avLst/>
+              </a:prstGeom>
+              <a:noFill/>
+            </p:spPr>
+            <p:txBody>
+              <a:bodyPr wrap="square" rtlCol="0">
+                <a:spAutoFit/>
+              </a:bodyPr>
+              <a:lstStyle/>
+              <a:p>
+                <a:r>
+                  <a:rPr lang="en-GB" sz="700" b="1" dirty="0"/>
+                  <a:t>n = 42</a:t>
+                </a:r>
+              </a:p>
+            </p:txBody>
+          </p:sp>
+        </p:grpSp>
+      </p:grpSp>
+      <p:grpSp>
+        <p:nvGrpSpPr>
+          <p:cNvPr id="50" name="Group 49">
+            <a:extLst>
+              <a:ext uri="{FF2B5EF4-FFF2-40B4-BE49-F238E27FC236}">
+                <a16:creationId xmlns:a16="http://schemas.microsoft.com/office/drawing/2014/main" id="{3575A3E8-A286-10D7-C897-9005996091AF}"/>
+              </a:ext>
+            </a:extLst>
+          </p:cNvPr>
+          <p:cNvGrpSpPr/>
+          <p:nvPr/>
+        </p:nvGrpSpPr>
+        <p:grpSpPr>
+          <a:xfrm>
+            <a:off x="7962565" y="3957410"/>
+            <a:ext cx="1832787" cy="200055"/>
+            <a:chOff x="3565618" y="1638842"/>
+            <a:chExt cx="1832787" cy="200055"/>
+          </a:xfrm>
+        </p:grpSpPr>
+        <p:sp>
+          <p:nvSpPr>
+            <p:cNvPr id="51" name="TextBox 50">
+              <a:extLst>
+                <a:ext uri="{FF2B5EF4-FFF2-40B4-BE49-F238E27FC236}">
+                  <a16:creationId xmlns:a16="http://schemas.microsoft.com/office/drawing/2014/main" id="{5A727BBE-5036-4A34-8897-F943D32244BB}"/>
+                </a:ext>
+              </a:extLst>
+            </p:cNvPr>
+            <p:cNvSpPr txBox="1"/>
+            <p:nvPr/>
+          </p:nvSpPr>
+          <p:spPr>
+            <a:xfrm>
+              <a:off x="4216105" y="1638842"/>
+              <a:ext cx="510364" cy="200055"/>
+            </a:xfrm>
+            <a:prstGeom prst="rect">
+              <a:avLst/>
+            </a:prstGeom>
+            <a:noFill/>
+          </p:spPr>
+          <p:txBody>
+            <a:bodyPr wrap="square" rtlCol="0">
+              <a:spAutoFit/>
+            </a:bodyPr>
+            <a:lstStyle/>
+            <a:p>
+              <a:r>
+                <a:rPr lang="en-GB" sz="700" b="1" dirty="0"/>
+                <a:t>n = 63</a:t>
+              </a:r>
+            </a:p>
+          </p:txBody>
+        </p:sp>
+        <p:grpSp>
+          <p:nvGrpSpPr>
+            <p:cNvPr id="52" name="Group 51">
+              <a:extLst>
+                <a:ext uri="{FF2B5EF4-FFF2-40B4-BE49-F238E27FC236}">
+                  <a16:creationId xmlns:a16="http://schemas.microsoft.com/office/drawing/2014/main" id="{453789A7-267D-231E-AE6D-5D560E5873AD}"/>
+                </a:ext>
+              </a:extLst>
+            </p:cNvPr>
+            <p:cNvGrpSpPr/>
+            <p:nvPr/>
+          </p:nvGrpSpPr>
+          <p:grpSpPr>
+            <a:xfrm>
+              <a:off x="3565618" y="1638842"/>
+              <a:ext cx="1832787" cy="200055"/>
+              <a:chOff x="3567480" y="1638842"/>
+              <a:chExt cx="1832787" cy="200055"/>
+            </a:xfrm>
+          </p:grpSpPr>
+          <p:sp>
+            <p:nvSpPr>
+              <p:cNvPr id="53" name="TextBox 52">
+                <a:extLst>
+                  <a:ext uri="{FF2B5EF4-FFF2-40B4-BE49-F238E27FC236}">
+                    <a16:creationId xmlns:a16="http://schemas.microsoft.com/office/drawing/2014/main" id="{DA609A71-DB9F-63B1-1A09-769D0B50D12D}"/>
+                  </a:ext>
+                </a:extLst>
+              </p:cNvPr>
+              <p:cNvSpPr txBox="1"/>
+              <p:nvPr/>
+            </p:nvSpPr>
+            <p:spPr>
+              <a:xfrm>
+                <a:off x="3567480" y="1638842"/>
+                <a:ext cx="510364" cy="200055"/>
+              </a:xfrm>
+              <a:prstGeom prst="rect">
+                <a:avLst/>
+              </a:prstGeom>
+              <a:noFill/>
+            </p:spPr>
+            <p:txBody>
+              <a:bodyPr wrap="square" rtlCol="0">
+                <a:spAutoFit/>
+              </a:bodyPr>
+              <a:lstStyle/>
+              <a:p>
+                <a:r>
+                  <a:rPr lang="en-GB" sz="700" b="1" dirty="0"/>
+                  <a:t>n = 56</a:t>
+                </a:r>
+              </a:p>
+            </p:txBody>
+          </p:sp>
+          <p:sp>
+            <p:nvSpPr>
+              <p:cNvPr id="54" name="TextBox 53">
+                <a:extLst>
+                  <a:ext uri="{FF2B5EF4-FFF2-40B4-BE49-F238E27FC236}">
+                    <a16:creationId xmlns:a16="http://schemas.microsoft.com/office/drawing/2014/main" id="{C9B2C461-C2D9-7399-398F-C2C02F4D0F55}"/>
+                  </a:ext>
+                </a:extLst>
+              </p:cNvPr>
+              <p:cNvSpPr txBox="1"/>
+              <p:nvPr/>
+            </p:nvSpPr>
+            <p:spPr>
+              <a:xfrm>
+                <a:off x="4889903" y="1638842"/>
+                <a:ext cx="510364" cy="200055"/>
+              </a:xfrm>
+              <a:prstGeom prst="rect">
+                <a:avLst/>
+              </a:prstGeom>
+              <a:noFill/>
+            </p:spPr>
+            <p:txBody>
+              <a:bodyPr wrap="square" rtlCol="0">
+                <a:spAutoFit/>
+              </a:bodyPr>
+              <a:lstStyle/>
+              <a:p>
+                <a:r>
+                  <a:rPr lang="en-GB" sz="700" b="1" dirty="0"/>
+                  <a:t>n = 42</a:t>
+                </a:r>
+              </a:p>
+            </p:txBody>
+          </p:sp>
+        </p:grpSp>
+      </p:grpSp>
+      <p:grpSp>
+        <p:nvGrpSpPr>
+          <p:cNvPr id="55" name="Group 54">
+            <a:extLst>
+              <a:ext uri="{FF2B5EF4-FFF2-40B4-BE49-F238E27FC236}">
+                <a16:creationId xmlns:a16="http://schemas.microsoft.com/office/drawing/2014/main" id="{D033A755-FE14-BCD7-157A-5595A817E8AF}"/>
+              </a:ext>
+            </a:extLst>
+          </p:cNvPr>
+          <p:cNvGrpSpPr/>
+          <p:nvPr/>
+        </p:nvGrpSpPr>
+        <p:grpSpPr>
+          <a:xfrm>
+            <a:off x="3565618" y="2812286"/>
+            <a:ext cx="1870169" cy="200056"/>
+            <a:chOff x="3528236" y="846418"/>
+            <a:chExt cx="1870169" cy="200056"/>
+          </a:xfrm>
+        </p:grpSpPr>
+        <p:sp>
+          <p:nvSpPr>
+            <p:cNvPr id="56" name="TextBox 55">
+              <a:extLst>
+                <a:ext uri="{FF2B5EF4-FFF2-40B4-BE49-F238E27FC236}">
+                  <a16:creationId xmlns:a16="http://schemas.microsoft.com/office/drawing/2014/main" id="{FCE73A39-504A-CA71-5D5E-4227F654DCCB}"/>
+                </a:ext>
+              </a:extLst>
+            </p:cNvPr>
+            <p:cNvSpPr txBox="1"/>
+            <p:nvPr/>
+          </p:nvSpPr>
+          <p:spPr>
+            <a:xfrm>
+              <a:off x="4888041" y="846419"/>
+              <a:ext cx="510364" cy="200055"/>
+            </a:xfrm>
+            <a:prstGeom prst="rect">
+              <a:avLst/>
+            </a:prstGeom>
+            <a:noFill/>
+          </p:spPr>
+          <p:txBody>
+            <a:bodyPr wrap="square" rtlCol="0">
+              <a:spAutoFit/>
+            </a:bodyPr>
+            <a:lstStyle/>
+            <a:p>
+              <a:r>
+                <a:rPr lang="en-GB" sz="700" b="1" dirty="0"/>
+                <a:t>n = 7</a:t>
+              </a:r>
+            </a:p>
+          </p:txBody>
+        </p:sp>
+        <p:grpSp>
+          <p:nvGrpSpPr>
+            <p:cNvPr id="57" name="Group 56">
+              <a:extLst>
+                <a:ext uri="{FF2B5EF4-FFF2-40B4-BE49-F238E27FC236}">
+                  <a16:creationId xmlns:a16="http://schemas.microsoft.com/office/drawing/2014/main" id="{055EF100-2081-D998-B73C-827924657774}"/>
+                </a:ext>
+              </a:extLst>
+            </p:cNvPr>
+            <p:cNvGrpSpPr/>
+            <p:nvPr/>
+          </p:nvGrpSpPr>
+          <p:grpSpPr>
+            <a:xfrm>
+              <a:off x="3528236" y="846418"/>
+              <a:ext cx="1198233" cy="200056"/>
+              <a:chOff x="3528236" y="846418"/>
+              <a:chExt cx="1198233" cy="200056"/>
+            </a:xfrm>
+          </p:grpSpPr>
+          <p:sp>
+            <p:nvSpPr>
+              <p:cNvPr id="58" name="TextBox 57">
+                <a:extLst>
+                  <a:ext uri="{FF2B5EF4-FFF2-40B4-BE49-F238E27FC236}">
+                    <a16:creationId xmlns:a16="http://schemas.microsoft.com/office/drawing/2014/main" id="{B807407E-3DB7-3B8F-6452-EECBCBB76166}"/>
+                  </a:ext>
+                </a:extLst>
+              </p:cNvPr>
+              <p:cNvSpPr txBox="1"/>
+              <p:nvPr/>
+            </p:nvSpPr>
+            <p:spPr>
+              <a:xfrm>
+                <a:off x="3528236" y="846418"/>
+                <a:ext cx="510364" cy="200055"/>
+              </a:xfrm>
+              <a:prstGeom prst="rect">
+                <a:avLst/>
+              </a:prstGeom>
+              <a:noFill/>
+            </p:spPr>
+            <p:txBody>
+              <a:bodyPr wrap="square" rtlCol="0">
+                <a:spAutoFit/>
+              </a:bodyPr>
+              <a:lstStyle/>
+              <a:p>
+                <a:r>
+                  <a:rPr lang="en-GB" sz="700" b="1" dirty="0"/>
+                  <a:t>n = 20</a:t>
+                </a:r>
+              </a:p>
+            </p:txBody>
+          </p:sp>
+          <p:sp>
+            <p:nvSpPr>
+              <p:cNvPr id="59" name="TextBox 58">
+                <a:extLst>
+                  <a:ext uri="{FF2B5EF4-FFF2-40B4-BE49-F238E27FC236}">
+                    <a16:creationId xmlns:a16="http://schemas.microsoft.com/office/drawing/2014/main" id="{9BA084E2-E1AB-8B38-8D56-5AC18717C798}"/>
+                  </a:ext>
+                </a:extLst>
+              </p:cNvPr>
+              <p:cNvSpPr txBox="1"/>
+              <p:nvPr/>
+            </p:nvSpPr>
+            <p:spPr>
+              <a:xfrm>
+                <a:off x="4216105" y="846419"/>
+                <a:ext cx="510364" cy="200055"/>
+              </a:xfrm>
+              <a:prstGeom prst="rect">
+                <a:avLst/>
+              </a:prstGeom>
+              <a:noFill/>
+            </p:spPr>
+            <p:txBody>
+              <a:bodyPr wrap="square" rtlCol="0">
+                <a:spAutoFit/>
+              </a:bodyPr>
+              <a:lstStyle/>
+              <a:p>
+                <a:r>
+                  <a:rPr lang="en-GB" sz="700" b="1" dirty="0"/>
+                  <a:t>n = 18</a:t>
+                </a:r>
+              </a:p>
+            </p:txBody>
+          </p:sp>
+        </p:grpSp>
+      </p:grpSp>
+      <p:grpSp>
+        <p:nvGrpSpPr>
+          <p:cNvPr id="60" name="Group 59">
+            <a:extLst>
+              <a:ext uri="{FF2B5EF4-FFF2-40B4-BE49-F238E27FC236}">
+                <a16:creationId xmlns:a16="http://schemas.microsoft.com/office/drawing/2014/main" id="{A80B00E8-8822-63F6-F26D-1E93CC7BEFA0}"/>
+              </a:ext>
+            </a:extLst>
+          </p:cNvPr>
+          <p:cNvGrpSpPr/>
+          <p:nvPr/>
+        </p:nvGrpSpPr>
+        <p:grpSpPr>
+          <a:xfrm>
+            <a:off x="5777420" y="3429000"/>
+            <a:ext cx="1870169" cy="200056"/>
+            <a:chOff x="3528236" y="846418"/>
+            <a:chExt cx="1870169" cy="200056"/>
+          </a:xfrm>
+        </p:grpSpPr>
+        <p:sp>
+          <p:nvSpPr>
+            <p:cNvPr id="61" name="TextBox 60">
+              <a:extLst>
+                <a:ext uri="{FF2B5EF4-FFF2-40B4-BE49-F238E27FC236}">
+                  <a16:creationId xmlns:a16="http://schemas.microsoft.com/office/drawing/2014/main" id="{1D09A004-3982-587B-1551-33760DC3C0C5}"/>
+                </a:ext>
+              </a:extLst>
+            </p:cNvPr>
+            <p:cNvSpPr txBox="1"/>
+            <p:nvPr/>
+          </p:nvSpPr>
+          <p:spPr>
+            <a:xfrm>
+              <a:off x="4888041" y="846419"/>
+              <a:ext cx="510364" cy="200055"/>
+            </a:xfrm>
+            <a:prstGeom prst="rect">
+              <a:avLst/>
+            </a:prstGeom>
+            <a:noFill/>
+          </p:spPr>
+          <p:txBody>
+            <a:bodyPr wrap="square" rtlCol="0">
+              <a:spAutoFit/>
+            </a:bodyPr>
+            <a:lstStyle/>
+            <a:p>
+              <a:r>
+                <a:rPr lang="en-GB" sz="700" b="1" dirty="0"/>
+                <a:t>n = 7</a:t>
+              </a:r>
+            </a:p>
+          </p:txBody>
+        </p:sp>
+        <p:grpSp>
+          <p:nvGrpSpPr>
+            <p:cNvPr id="62" name="Group 61">
+              <a:extLst>
+                <a:ext uri="{FF2B5EF4-FFF2-40B4-BE49-F238E27FC236}">
+                  <a16:creationId xmlns:a16="http://schemas.microsoft.com/office/drawing/2014/main" id="{1AB5E3A1-9557-CE80-C565-E0BA2E410E40}"/>
+                </a:ext>
+              </a:extLst>
+            </p:cNvPr>
+            <p:cNvGrpSpPr/>
+            <p:nvPr/>
+          </p:nvGrpSpPr>
+          <p:grpSpPr>
+            <a:xfrm>
+              <a:off x="3528236" y="846418"/>
+              <a:ext cx="1198233" cy="200056"/>
+              <a:chOff x="3528236" y="846418"/>
+              <a:chExt cx="1198233" cy="200056"/>
+            </a:xfrm>
+          </p:grpSpPr>
+          <p:sp>
+            <p:nvSpPr>
+              <p:cNvPr id="63" name="TextBox 62">
+                <a:extLst>
+                  <a:ext uri="{FF2B5EF4-FFF2-40B4-BE49-F238E27FC236}">
+                    <a16:creationId xmlns:a16="http://schemas.microsoft.com/office/drawing/2014/main" id="{2B97AA94-43B5-07E3-5C48-6C1AF12FE7A6}"/>
+                  </a:ext>
+                </a:extLst>
+              </p:cNvPr>
+              <p:cNvSpPr txBox="1"/>
+              <p:nvPr/>
+            </p:nvSpPr>
+            <p:spPr>
+              <a:xfrm>
+                <a:off x="3528236" y="846418"/>
+                <a:ext cx="510364" cy="200055"/>
+              </a:xfrm>
+              <a:prstGeom prst="rect">
+                <a:avLst/>
+              </a:prstGeom>
+              <a:noFill/>
+            </p:spPr>
+            <p:txBody>
+              <a:bodyPr wrap="square" rtlCol="0">
+                <a:spAutoFit/>
+              </a:bodyPr>
+              <a:lstStyle/>
+              <a:p>
+                <a:r>
+                  <a:rPr lang="en-GB" sz="700" b="1" dirty="0"/>
+                  <a:t>n = 20</a:t>
+                </a:r>
+              </a:p>
+            </p:txBody>
+          </p:sp>
+          <p:sp>
+            <p:nvSpPr>
+              <p:cNvPr id="64" name="TextBox 63">
+                <a:extLst>
+                  <a:ext uri="{FF2B5EF4-FFF2-40B4-BE49-F238E27FC236}">
+                    <a16:creationId xmlns:a16="http://schemas.microsoft.com/office/drawing/2014/main" id="{384684DD-C25F-5594-2907-90A43A0EF080}"/>
+                  </a:ext>
+                </a:extLst>
+              </p:cNvPr>
+              <p:cNvSpPr txBox="1"/>
+              <p:nvPr/>
+            </p:nvSpPr>
+            <p:spPr>
+              <a:xfrm>
+                <a:off x="4216105" y="846419"/>
+                <a:ext cx="510364" cy="200055"/>
+              </a:xfrm>
+              <a:prstGeom prst="rect">
+                <a:avLst/>
+              </a:prstGeom>
+              <a:noFill/>
+            </p:spPr>
+            <p:txBody>
+              <a:bodyPr wrap="square" rtlCol="0">
+                <a:spAutoFit/>
+              </a:bodyPr>
+              <a:lstStyle/>
+              <a:p>
+                <a:r>
+                  <a:rPr lang="en-GB" sz="700" b="1" dirty="0"/>
+                  <a:t>n = 18</a:t>
+                </a:r>
+              </a:p>
+            </p:txBody>
+          </p:sp>
+        </p:grpSp>
+      </p:grpSp>
+      <p:grpSp>
+        <p:nvGrpSpPr>
+          <p:cNvPr id="65" name="Group 64">
+            <a:extLst>
+              <a:ext uri="{FF2B5EF4-FFF2-40B4-BE49-F238E27FC236}">
+                <a16:creationId xmlns:a16="http://schemas.microsoft.com/office/drawing/2014/main" id="{746A71C1-4671-36FB-E99E-AE3113EE7652}"/>
+              </a:ext>
+            </a:extLst>
+          </p:cNvPr>
+          <p:cNvGrpSpPr/>
+          <p:nvPr/>
+        </p:nvGrpSpPr>
+        <p:grpSpPr>
+          <a:xfrm>
+            <a:off x="7973290" y="2971983"/>
+            <a:ext cx="1870169" cy="200056"/>
+            <a:chOff x="3528236" y="846418"/>
+            <a:chExt cx="1870169" cy="200056"/>
+          </a:xfrm>
+        </p:grpSpPr>
+        <p:sp>
+          <p:nvSpPr>
+            <p:cNvPr id="66" name="TextBox 65">
+              <a:extLst>
+                <a:ext uri="{FF2B5EF4-FFF2-40B4-BE49-F238E27FC236}">
+                  <a16:creationId xmlns:a16="http://schemas.microsoft.com/office/drawing/2014/main" id="{DB17AFBE-87FD-F7ED-D4EC-B801858B5331}"/>
+                </a:ext>
+              </a:extLst>
+            </p:cNvPr>
+            <p:cNvSpPr txBox="1"/>
+            <p:nvPr/>
+          </p:nvSpPr>
+          <p:spPr>
+            <a:xfrm>
+              <a:off x="4888041" y="846419"/>
+              <a:ext cx="510364" cy="200055"/>
+            </a:xfrm>
+            <a:prstGeom prst="rect">
+              <a:avLst/>
+            </a:prstGeom>
+            <a:noFill/>
+          </p:spPr>
+          <p:txBody>
+            <a:bodyPr wrap="square" rtlCol="0">
+              <a:spAutoFit/>
+            </a:bodyPr>
+            <a:lstStyle/>
+            <a:p>
+              <a:r>
+                <a:rPr lang="en-GB" sz="700" b="1" dirty="0"/>
+                <a:t>n = 7</a:t>
+              </a:r>
+            </a:p>
+          </p:txBody>
+        </p:sp>
+        <p:grpSp>
+          <p:nvGrpSpPr>
+            <p:cNvPr id="67" name="Group 66">
+              <a:extLst>
+                <a:ext uri="{FF2B5EF4-FFF2-40B4-BE49-F238E27FC236}">
+                  <a16:creationId xmlns:a16="http://schemas.microsoft.com/office/drawing/2014/main" id="{DF5D0107-078F-BE4E-5FEC-BFADA377CF49}"/>
+                </a:ext>
+              </a:extLst>
+            </p:cNvPr>
+            <p:cNvGrpSpPr/>
+            <p:nvPr/>
+          </p:nvGrpSpPr>
+          <p:grpSpPr>
+            <a:xfrm>
+              <a:off x="3528236" y="846418"/>
+              <a:ext cx="1198233" cy="200056"/>
+              <a:chOff x="3528236" y="846418"/>
+              <a:chExt cx="1198233" cy="200056"/>
+            </a:xfrm>
+          </p:grpSpPr>
+          <p:sp>
+            <p:nvSpPr>
+              <p:cNvPr id="68" name="TextBox 67">
+                <a:extLst>
+                  <a:ext uri="{FF2B5EF4-FFF2-40B4-BE49-F238E27FC236}">
+                    <a16:creationId xmlns:a16="http://schemas.microsoft.com/office/drawing/2014/main" id="{E726CA43-A9FB-A74F-F723-335FB18A90EE}"/>
+                  </a:ext>
+                </a:extLst>
+              </p:cNvPr>
+              <p:cNvSpPr txBox="1"/>
+              <p:nvPr/>
+            </p:nvSpPr>
+            <p:spPr>
+              <a:xfrm>
+                <a:off x="3528236" y="846418"/>
+                <a:ext cx="510364" cy="200055"/>
+              </a:xfrm>
+              <a:prstGeom prst="rect">
+                <a:avLst/>
+              </a:prstGeom>
+              <a:noFill/>
+            </p:spPr>
+            <p:txBody>
+              <a:bodyPr wrap="square" rtlCol="0">
+                <a:spAutoFit/>
+              </a:bodyPr>
+              <a:lstStyle/>
+              <a:p>
+                <a:r>
+                  <a:rPr lang="en-GB" sz="700" b="1" dirty="0"/>
+                  <a:t>n = 20</a:t>
+                </a:r>
+              </a:p>
+            </p:txBody>
+          </p:sp>
+          <p:sp>
+            <p:nvSpPr>
+              <p:cNvPr id="69" name="TextBox 68">
+                <a:extLst>
+                  <a:ext uri="{FF2B5EF4-FFF2-40B4-BE49-F238E27FC236}">
+                    <a16:creationId xmlns:a16="http://schemas.microsoft.com/office/drawing/2014/main" id="{1827178F-56A0-0018-5CA5-808F648A5766}"/>
+                  </a:ext>
+                </a:extLst>
+              </p:cNvPr>
+              <p:cNvSpPr txBox="1"/>
+              <p:nvPr/>
+            </p:nvSpPr>
+            <p:spPr>
+              <a:xfrm>
+                <a:off x="4216105" y="846419"/>
+                <a:ext cx="510364" cy="200055"/>
+              </a:xfrm>
+              <a:prstGeom prst="rect">
+                <a:avLst/>
+              </a:prstGeom>
+              <a:noFill/>
+            </p:spPr>
+            <p:txBody>
+              <a:bodyPr wrap="square" rtlCol="0">
+                <a:spAutoFit/>
+              </a:bodyPr>
+              <a:lstStyle/>
+              <a:p>
+                <a:r>
+                  <a:rPr lang="en-GB" sz="700" b="1" dirty="0"/>
+                  <a:t>n = 18</a:t>
+                </a:r>
+              </a:p>
+            </p:txBody>
+          </p:sp>
+        </p:grpSp>
+      </p:grpSp>
+    </p:spTree>
+    <p:extLst>
+      <p:ext uri="{BB962C8B-B14F-4D97-AF65-F5344CB8AC3E}">
+        <p14:creationId xmlns:p14="http://schemas.microsoft.com/office/powerpoint/2010/main" val="2457741458"/>
+      </p:ext>
+    </p:extLst>
+  </p:cSld>
+  <p:clrMapOvr>
+    <a:masterClrMapping/>
+  </p:clrMapOvr>
+</p:sld>
+</file>
+
+<file path=ppt/slides/slide19.xml><?xml version="1.0" encoding="utf-8"?>
+<p:sld xmlns:a="http://schemas.openxmlformats.org/drawingml/2006/main" xmlns:r="http://schemas.openxmlformats.org/officeDocument/2006/relationships" xmlns:p="http://schemas.openxmlformats.org/presentationml/2006/main">
+  <p:cSld>
+    <p:spTree>
+      <p:nvGrpSpPr>
+        <p:cNvPr id="1" name=""/>
+        <p:cNvGrpSpPr/>
+        <p:nvPr/>
+      </p:nvGrpSpPr>
+      <p:grpSpPr>
+        <a:xfrm>
+          <a:off x="0" y="0"/>
+          <a:ext cx="0" cy="0"/>
+          <a:chOff x="0" y="0"/>
+          <a:chExt cx="0" cy="0"/>
+        </a:xfrm>
+      </p:grpSpPr>
+      <p:sp>
+        <p:nvSpPr>
+          <p:cNvPr id="4" name="Footer Placeholder 3">
+            <a:extLst>
+              <a:ext uri="{FF2B5EF4-FFF2-40B4-BE49-F238E27FC236}">
+                <a16:creationId xmlns:a16="http://schemas.microsoft.com/office/drawing/2014/main" id="{035269B9-C46D-18AD-8DF7-8C072A1A9267}"/>
+              </a:ext>
+            </a:extLst>
+          </p:cNvPr>
+          <p:cNvSpPr>
+            <a:spLocks noGrp="1"/>
+          </p:cNvSpPr>
+          <p:nvPr>
+            <p:ph type="ftr" sz="quarter" idx="11"/>
+          </p:nvPr>
+        </p:nvSpPr>
+        <p:spPr/>
+        <p:txBody>
+          <a:bodyPr/>
+          <a:lstStyle/>
+          <a:p>
+            <a:r>
+              <a:rPr lang="en-GB"/>
+              <a:t>Self-efficacy beliefs and participatory SDE || Dani Gargya || 06.03.24</a:t>
+            </a:r>
+          </a:p>
+        </p:txBody>
+      </p:sp>
+      <p:pic>
+        <p:nvPicPr>
+          <p:cNvPr id="6" name="Picture 5" descr="A screenshot of a graph&#10;&#10;Description automatically generated">
+            <a:extLst>
+              <a:ext uri="{FF2B5EF4-FFF2-40B4-BE49-F238E27FC236}">
+                <a16:creationId xmlns:a16="http://schemas.microsoft.com/office/drawing/2014/main" id="{44FEE608-6017-C0D0-C93C-48FAB36DFDE7}"/>
+              </a:ext>
+            </a:extLst>
+          </p:cNvPr>
+          <p:cNvPicPr>
+            <a:picLocks noChangeAspect="1"/>
+          </p:cNvPicPr>
+          <p:nvPr/>
+        </p:nvPicPr>
+        <p:blipFill>
+          <a:blip r:embed="rId2">
+            <a:extLst>
+              <a:ext uri="{28A0092B-C50C-407E-A947-70E740481C1C}">
+                <a14:useLocalDpi xmlns:a14="http://schemas.microsoft.com/office/drawing/2010/main" val="0"/>
+              </a:ext>
+            </a:extLst>
+          </a:blip>
+          <a:stretch>
+            <a:fillRect/>
+          </a:stretch>
+        </p:blipFill>
+        <p:spPr>
+          <a:xfrm>
+            <a:off x="2639833" y="632606"/>
+            <a:ext cx="6566773" cy="4690552"/>
+          </a:xfrm>
+          <a:prstGeom prst="rect">
+            <a:avLst/>
+          </a:prstGeom>
+        </p:spPr>
+      </p:pic>
+      <p:grpSp>
+        <p:nvGrpSpPr>
+          <p:cNvPr id="7" name="Group 6">
+            <a:extLst>
+              <a:ext uri="{FF2B5EF4-FFF2-40B4-BE49-F238E27FC236}">
+                <a16:creationId xmlns:a16="http://schemas.microsoft.com/office/drawing/2014/main" id="{26F624A4-63E0-84C8-F580-1B52742C44DE}"/>
+              </a:ext>
+            </a:extLst>
+          </p:cNvPr>
+          <p:cNvGrpSpPr/>
+          <p:nvPr/>
+        </p:nvGrpSpPr>
+        <p:grpSpPr>
+          <a:xfrm>
+            <a:off x="3210185" y="941834"/>
+            <a:ext cx="1870169" cy="200056"/>
+            <a:chOff x="3528236" y="846418"/>
+            <a:chExt cx="1870169" cy="200056"/>
+          </a:xfrm>
+        </p:grpSpPr>
+        <p:sp>
+          <p:nvSpPr>
+            <p:cNvPr id="8" name="TextBox 7">
+              <a:extLst>
+                <a:ext uri="{FF2B5EF4-FFF2-40B4-BE49-F238E27FC236}">
+                  <a16:creationId xmlns:a16="http://schemas.microsoft.com/office/drawing/2014/main" id="{FCD3A6A1-EB1B-21A0-CECE-5A70950D76EB}"/>
+                </a:ext>
+              </a:extLst>
+            </p:cNvPr>
+            <p:cNvSpPr txBox="1"/>
+            <p:nvPr/>
+          </p:nvSpPr>
+          <p:spPr>
+            <a:xfrm>
+              <a:off x="4888041" y="846419"/>
+              <a:ext cx="510364" cy="200055"/>
+            </a:xfrm>
+            <a:prstGeom prst="rect">
+              <a:avLst/>
+            </a:prstGeom>
+            <a:noFill/>
+          </p:spPr>
+          <p:txBody>
+            <a:bodyPr wrap="square" rtlCol="0">
+              <a:spAutoFit/>
+            </a:bodyPr>
+            <a:lstStyle/>
+            <a:p>
+              <a:r>
+                <a:rPr lang="en-GB" sz="700" b="1" dirty="0">
+                  <a:solidFill>
+                    <a:schemeClr val="tx1">
+                      <a:lumMod val="50000"/>
+                      <a:lumOff val="50000"/>
+                    </a:schemeClr>
+                  </a:solidFill>
+                </a:rPr>
+                <a:t>n = 7</a:t>
+              </a:r>
+            </a:p>
+          </p:txBody>
+        </p:sp>
+        <p:grpSp>
+          <p:nvGrpSpPr>
+            <p:cNvPr id="9" name="Group 8">
+              <a:extLst>
+                <a:ext uri="{FF2B5EF4-FFF2-40B4-BE49-F238E27FC236}">
+                  <a16:creationId xmlns:a16="http://schemas.microsoft.com/office/drawing/2014/main" id="{9B96AAB3-64DA-B54E-18AB-84459E8E1FEE}"/>
+                </a:ext>
+              </a:extLst>
+            </p:cNvPr>
+            <p:cNvGrpSpPr/>
+            <p:nvPr/>
+          </p:nvGrpSpPr>
+          <p:grpSpPr>
+            <a:xfrm>
+              <a:off x="3528236" y="846418"/>
+              <a:ext cx="1198233" cy="200056"/>
+              <a:chOff x="3528236" y="846418"/>
+              <a:chExt cx="1198233" cy="200056"/>
+            </a:xfrm>
+          </p:grpSpPr>
+          <p:sp>
+            <p:nvSpPr>
+              <p:cNvPr id="10" name="TextBox 9">
+                <a:extLst>
+                  <a:ext uri="{FF2B5EF4-FFF2-40B4-BE49-F238E27FC236}">
+                    <a16:creationId xmlns:a16="http://schemas.microsoft.com/office/drawing/2014/main" id="{B6143641-8560-2A01-203C-8608A2482C39}"/>
+                  </a:ext>
+                </a:extLst>
+              </p:cNvPr>
+              <p:cNvSpPr txBox="1"/>
+              <p:nvPr/>
+            </p:nvSpPr>
+            <p:spPr>
+              <a:xfrm>
+                <a:off x="3528236" y="846418"/>
+                <a:ext cx="510364" cy="200055"/>
+              </a:xfrm>
+              <a:prstGeom prst="rect">
+                <a:avLst/>
+              </a:prstGeom>
+              <a:noFill/>
+            </p:spPr>
+            <p:txBody>
+              <a:bodyPr wrap="square" rtlCol="0">
+                <a:spAutoFit/>
+              </a:bodyPr>
+              <a:lstStyle/>
+              <a:p>
+                <a:r>
+                  <a:rPr lang="en-GB" sz="700" b="1" dirty="0">
+                    <a:solidFill>
+                      <a:schemeClr val="tx1">
+                        <a:lumMod val="50000"/>
+                        <a:lumOff val="50000"/>
+                      </a:schemeClr>
+                    </a:solidFill>
+                  </a:rPr>
+                  <a:t>n = 20</a:t>
+                </a:r>
+              </a:p>
+            </p:txBody>
+          </p:sp>
+          <p:sp>
+            <p:nvSpPr>
+              <p:cNvPr id="11" name="TextBox 10">
+                <a:extLst>
+                  <a:ext uri="{FF2B5EF4-FFF2-40B4-BE49-F238E27FC236}">
+                    <a16:creationId xmlns:a16="http://schemas.microsoft.com/office/drawing/2014/main" id="{4418F1A4-11F2-2163-0F18-865AA94191D2}"/>
+                  </a:ext>
+                </a:extLst>
+              </p:cNvPr>
+              <p:cNvSpPr txBox="1"/>
+              <p:nvPr/>
+            </p:nvSpPr>
+            <p:spPr>
+              <a:xfrm>
+                <a:off x="4216105" y="846419"/>
+                <a:ext cx="510364" cy="200055"/>
+              </a:xfrm>
+              <a:prstGeom prst="rect">
+                <a:avLst/>
+              </a:prstGeom>
+              <a:noFill/>
+            </p:spPr>
+            <p:txBody>
+              <a:bodyPr wrap="square" rtlCol="0">
+                <a:spAutoFit/>
+              </a:bodyPr>
+              <a:lstStyle/>
+              <a:p>
+                <a:r>
+                  <a:rPr lang="en-GB" sz="700" b="1" dirty="0">
+                    <a:solidFill>
+                      <a:schemeClr val="tx1">
+                        <a:lumMod val="50000"/>
+                        <a:lumOff val="50000"/>
+                      </a:schemeClr>
+                    </a:solidFill>
+                  </a:rPr>
+                  <a:t>n = 18</a:t>
+                </a:r>
+              </a:p>
+            </p:txBody>
+          </p:sp>
+        </p:grpSp>
+      </p:grpSp>
+      <p:grpSp>
+        <p:nvGrpSpPr>
+          <p:cNvPr id="12" name="Group 11">
+            <a:extLst>
+              <a:ext uri="{FF2B5EF4-FFF2-40B4-BE49-F238E27FC236}">
+                <a16:creationId xmlns:a16="http://schemas.microsoft.com/office/drawing/2014/main" id="{89A11997-1BCF-B5F5-2377-86E3ABE72E68}"/>
+              </a:ext>
+            </a:extLst>
+          </p:cNvPr>
+          <p:cNvGrpSpPr/>
+          <p:nvPr/>
+        </p:nvGrpSpPr>
+        <p:grpSpPr>
+          <a:xfrm>
+            <a:off x="5263907" y="1041857"/>
+            <a:ext cx="1802270" cy="200056"/>
+            <a:chOff x="3528236" y="846417"/>
+            <a:chExt cx="1802270" cy="200056"/>
+          </a:xfrm>
+        </p:grpSpPr>
+        <p:sp>
+          <p:nvSpPr>
+            <p:cNvPr id="13" name="TextBox 12">
+              <a:extLst>
+                <a:ext uri="{FF2B5EF4-FFF2-40B4-BE49-F238E27FC236}">
+                  <a16:creationId xmlns:a16="http://schemas.microsoft.com/office/drawing/2014/main" id="{46E66694-403E-97AE-D8A2-CBC116D6A23E}"/>
+                </a:ext>
+              </a:extLst>
+            </p:cNvPr>
+            <p:cNvSpPr txBox="1"/>
+            <p:nvPr/>
+          </p:nvSpPr>
+          <p:spPr>
+            <a:xfrm>
+              <a:off x="4820142" y="846417"/>
+              <a:ext cx="510364" cy="200055"/>
+            </a:xfrm>
+            <a:prstGeom prst="rect">
+              <a:avLst/>
+            </a:prstGeom>
+            <a:noFill/>
+          </p:spPr>
+          <p:txBody>
+            <a:bodyPr wrap="square" rtlCol="0">
+              <a:spAutoFit/>
+            </a:bodyPr>
+            <a:lstStyle/>
+            <a:p>
+              <a:r>
+                <a:rPr lang="en-GB" sz="700" b="1" dirty="0">
+                  <a:solidFill>
+                    <a:schemeClr val="tx1">
+                      <a:lumMod val="50000"/>
+                      <a:lumOff val="50000"/>
+                    </a:schemeClr>
+                  </a:solidFill>
+                </a:rPr>
+                <a:t>n = 7</a:t>
+              </a:r>
+            </a:p>
+          </p:txBody>
+        </p:sp>
+        <p:grpSp>
+          <p:nvGrpSpPr>
+            <p:cNvPr id="14" name="Group 13">
+              <a:extLst>
+                <a:ext uri="{FF2B5EF4-FFF2-40B4-BE49-F238E27FC236}">
+                  <a16:creationId xmlns:a16="http://schemas.microsoft.com/office/drawing/2014/main" id="{C92C7C04-EB7F-20E1-250A-8ECBBB6A5BF8}"/>
+                </a:ext>
+              </a:extLst>
+            </p:cNvPr>
+            <p:cNvGrpSpPr/>
+            <p:nvPr/>
+          </p:nvGrpSpPr>
+          <p:grpSpPr>
+            <a:xfrm>
+              <a:off x="3528236" y="846418"/>
+              <a:ext cx="1182300" cy="200055"/>
+              <a:chOff x="3528236" y="846418"/>
+              <a:chExt cx="1182300" cy="200055"/>
+            </a:xfrm>
+          </p:grpSpPr>
+          <p:sp>
+            <p:nvSpPr>
+              <p:cNvPr id="15" name="TextBox 14">
+                <a:extLst>
+                  <a:ext uri="{FF2B5EF4-FFF2-40B4-BE49-F238E27FC236}">
+                    <a16:creationId xmlns:a16="http://schemas.microsoft.com/office/drawing/2014/main" id="{6C1CA08B-FFC9-1EC6-FF63-0856BC7E890C}"/>
+                  </a:ext>
+                </a:extLst>
+              </p:cNvPr>
+              <p:cNvSpPr txBox="1"/>
+              <p:nvPr/>
+            </p:nvSpPr>
+            <p:spPr>
+              <a:xfrm>
+                <a:off x="3528236" y="846418"/>
+                <a:ext cx="510364" cy="200055"/>
+              </a:xfrm>
+              <a:prstGeom prst="rect">
+                <a:avLst/>
+              </a:prstGeom>
+              <a:noFill/>
+            </p:spPr>
+            <p:txBody>
+              <a:bodyPr wrap="square" rtlCol="0">
+                <a:spAutoFit/>
+              </a:bodyPr>
+              <a:lstStyle/>
+              <a:p>
+                <a:r>
+                  <a:rPr lang="en-GB" sz="700" b="1" dirty="0">
+                    <a:solidFill>
+                      <a:schemeClr val="tx1">
+                        <a:lumMod val="50000"/>
+                        <a:lumOff val="50000"/>
+                      </a:schemeClr>
+                    </a:solidFill>
+                  </a:rPr>
+                  <a:t>n = 20</a:t>
+                </a:r>
+              </a:p>
+            </p:txBody>
+          </p:sp>
+          <p:sp>
+            <p:nvSpPr>
+              <p:cNvPr id="16" name="TextBox 15">
+                <a:extLst>
+                  <a:ext uri="{FF2B5EF4-FFF2-40B4-BE49-F238E27FC236}">
+                    <a16:creationId xmlns:a16="http://schemas.microsoft.com/office/drawing/2014/main" id="{D7E9116D-CCC8-7B48-0237-D6AF8D5A1FAF}"/>
+                  </a:ext>
+                </a:extLst>
+              </p:cNvPr>
+              <p:cNvSpPr txBox="1"/>
+              <p:nvPr/>
+            </p:nvSpPr>
+            <p:spPr>
+              <a:xfrm>
+                <a:off x="4200172" y="846418"/>
+                <a:ext cx="510364" cy="200055"/>
+              </a:xfrm>
+              <a:prstGeom prst="rect">
+                <a:avLst/>
+              </a:prstGeom>
+              <a:noFill/>
+            </p:spPr>
+            <p:txBody>
+              <a:bodyPr wrap="square" rtlCol="0">
+                <a:spAutoFit/>
+              </a:bodyPr>
+              <a:lstStyle/>
+              <a:p>
+                <a:r>
+                  <a:rPr lang="en-GB" sz="700" b="1" dirty="0">
+                    <a:solidFill>
+                      <a:schemeClr val="tx1">
+                        <a:lumMod val="50000"/>
+                        <a:lumOff val="50000"/>
+                      </a:schemeClr>
+                    </a:solidFill>
+                  </a:rPr>
+                  <a:t>n = 18</a:t>
+                </a:r>
+              </a:p>
+            </p:txBody>
+          </p:sp>
+        </p:grpSp>
+      </p:grpSp>
+      <p:grpSp>
+        <p:nvGrpSpPr>
+          <p:cNvPr id="17" name="Group 16">
+            <a:extLst>
+              <a:ext uri="{FF2B5EF4-FFF2-40B4-BE49-F238E27FC236}">
+                <a16:creationId xmlns:a16="http://schemas.microsoft.com/office/drawing/2014/main" id="{C69A690C-22F7-971B-C015-9E3E70C333D6}"/>
+              </a:ext>
+            </a:extLst>
+          </p:cNvPr>
+          <p:cNvGrpSpPr/>
+          <p:nvPr/>
+        </p:nvGrpSpPr>
+        <p:grpSpPr>
+          <a:xfrm>
+            <a:off x="7347277" y="1141887"/>
+            <a:ext cx="1775996" cy="200057"/>
+            <a:chOff x="3528236" y="846416"/>
+            <a:chExt cx="1775996" cy="200057"/>
+          </a:xfrm>
+        </p:grpSpPr>
+        <p:sp>
+          <p:nvSpPr>
+            <p:cNvPr id="18" name="TextBox 17">
+              <a:extLst>
+                <a:ext uri="{FF2B5EF4-FFF2-40B4-BE49-F238E27FC236}">
+                  <a16:creationId xmlns:a16="http://schemas.microsoft.com/office/drawing/2014/main" id="{E7A6C2BA-AC16-9F38-613A-1B4933FF1F64}"/>
+                </a:ext>
+              </a:extLst>
+            </p:cNvPr>
+            <p:cNvSpPr txBox="1"/>
+            <p:nvPr/>
+          </p:nvSpPr>
+          <p:spPr>
+            <a:xfrm>
+              <a:off x="4793868" y="846417"/>
+              <a:ext cx="510364" cy="200055"/>
+            </a:xfrm>
+            <a:prstGeom prst="rect">
+              <a:avLst/>
+            </a:prstGeom>
+            <a:noFill/>
+          </p:spPr>
+          <p:txBody>
+            <a:bodyPr wrap="square" rtlCol="0">
+              <a:spAutoFit/>
+            </a:bodyPr>
+            <a:lstStyle/>
+            <a:p>
+              <a:r>
+                <a:rPr lang="en-GB" sz="700" b="1" dirty="0">
+                  <a:solidFill>
+                    <a:schemeClr val="tx1">
+                      <a:lumMod val="50000"/>
+                      <a:lumOff val="50000"/>
+                    </a:schemeClr>
+                  </a:solidFill>
+                </a:rPr>
+                <a:t>n = 7</a:t>
+              </a:r>
+            </a:p>
+          </p:txBody>
+        </p:sp>
+        <p:grpSp>
+          <p:nvGrpSpPr>
+            <p:cNvPr id="19" name="Group 18">
+              <a:extLst>
+                <a:ext uri="{FF2B5EF4-FFF2-40B4-BE49-F238E27FC236}">
+                  <a16:creationId xmlns:a16="http://schemas.microsoft.com/office/drawing/2014/main" id="{1B4BE6F4-D441-7D66-94A8-15533263660E}"/>
+                </a:ext>
+              </a:extLst>
+            </p:cNvPr>
+            <p:cNvGrpSpPr/>
+            <p:nvPr/>
+          </p:nvGrpSpPr>
+          <p:grpSpPr>
+            <a:xfrm>
+              <a:off x="3528236" y="846416"/>
+              <a:ext cx="1108690" cy="200057"/>
+              <a:chOff x="3528236" y="846416"/>
+              <a:chExt cx="1108690" cy="200057"/>
+            </a:xfrm>
+          </p:grpSpPr>
+          <p:sp>
+            <p:nvSpPr>
+              <p:cNvPr id="20" name="TextBox 19">
+                <a:extLst>
+                  <a:ext uri="{FF2B5EF4-FFF2-40B4-BE49-F238E27FC236}">
+                    <a16:creationId xmlns:a16="http://schemas.microsoft.com/office/drawing/2014/main" id="{787ADAB3-47E0-7248-11B3-F3C1C759FF72}"/>
+                  </a:ext>
+                </a:extLst>
+              </p:cNvPr>
+              <p:cNvSpPr txBox="1"/>
+              <p:nvPr/>
+            </p:nvSpPr>
+            <p:spPr>
+              <a:xfrm>
+                <a:off x="3528236" y="846418"/>
+                <a:ext cx="510364" cy="200055"/>
+              </a:xfrm>
+              <a:prstGeom prst="rect">
+                <a:avLst/>
+              </a:prstGeom>
+              <a:noFill/>
+            </p:spPr>
+            <p:txBody>
+              <a:bodyPr wrap="square" rtlCol="0">
+                <a:spAutoFit/>
+              </a:bodyPr>
+              <a:lstStyle/>
+              <a:p>
+                <a:r>
+                  <a:rPr lang="en-GB" sz="700" b="1" dirty="0">
+                    <a:solidFill>
+                      <a:schemeClr val="tx1">
+                        <a:lumMod val="50000"/>
+                        <a:lumOff val="50000"/>
+                      </a:schemeClr>
+                    </a:solidFill>
+                  </a:rPr>
+                  <a:t>n = 20</a:t>
+                </a:r>
+              </a:p>
+            </p:txBody>
+          </p:sp>
+          <p:sp>
+            <p:nvSpPr>
+              <p:cNvPr id="21" name="TextBox 20">
+                <a:extLst>
+                  <a:ext uri="{FF2B5EF4-FFF2-40B4-BE49-F238E27FC236}">
+                    <a16:creationId xmlns:a16="http://schemas.microsoft.com/office/drawing/2014/main" id="{2F0F617F-32B4-3DA2-09A8-14A98A0BE1B3}"/>
+                  </a:ext>
+                </a:extLst>
+              </p:cNvPr>
+              <p:cNvSpPr txBox="1"/>
+              <p:nvPr/>
+            </p:nvSpPr>
+            <p:spPr>
+              <a:xfrm>
+                <a:off x="4126562" y="846416"/>
+                <a:ext cx="510364" cy="200055"/>
+              </a:xfrm>
+              <a:prstGeom prst="rect">
+                <a:avLst/>
+              </a:prstGeom>
+              <a:noFill/>
+            </p:spPr>
+            <p:txBody>
+              <a:bodyPr wrap="square" rtlCol="0">
+                <a:spAutoFit/>
+              </a:bodyPr>
+              <a:lstStyle/>
+              <a:p>
+                <a:r>
+                  <a:rPr lang="en-GB" sz="700" b="1" dirty="0">
+                    <a:solidFill>
+                      <a:schemeClr val="tx1">
+                        <a:lumMod val="50000"/>
+                        <a:lumOff val="50000"/>
+                      </a:schemeClr>
+                    </a:solidFill>
+                  </a:rPr>
+                  <a:t>n = 18</a:t>
+                </a:r>
+              </a:p>
+            </p:txBody>
+          </p:sp>
+        </p:grpSp>
+      </p:grpSp>
+      <p:grpSp>
+        <p:nvGrpSpPr>
+          <p:cNvPr id="22" name="Group 21">
+            <a:extLst>
+              <a:ext uri="{FF2B5EF4-FFF2-40B4-BE49-F238E27FC236}">
+                <a16:creationId xmlns:a16="http://schemas.microsoft.com/office/drawing/2014/main" id="{5D911AE2-08BA-9687-A883-ED667716B0D7}"/>
+              </a:ext>
+            </a:extLst>
+          </p:cNvPr>
+          <p:cNvGrpSpPr/>
+          <p:nvPr/>
+        </p:nvGrpSpPr>
+        <p:grpSpPr>
+          <a:xfrm>
+            <a:off x="3210185" y="2761923"/>
+            <a:ext cx="1854236" cy="215958"/>
+            <a:chOff x="3528236" y="830515"/>
+            <a:chExt cx="1854236" cy="215958"/>
+          </a:xfrm>
+        </p:grpSpPr>
+        <p:sp>
+          <p:nvSpPr>
+            <p:cNvPr id="23" name="TextBox 22">
+              <a:extLst>
+                <a:ext uri="{FF2B5EF4-FFF2-40B4-BE49-F238E27FC236}">
+                  <a16:creationId xmlns:a16="http://schemas.microsoft.com/office/drawing/2014/main" id="{3B43BDEB-F96E-A2AF-2B35-BB58EC263B6F}"/>
+                </a:ext>
+              </a:extLst>
+            </p:cNvPr>
+            <p:cNvSpPr txBox="1"/>
+            <p:nvPr/>
+          </p:nvSpPr>
+          <p:spPr>
+            <a:xfrm>
+              <a:off x="4872108" y="846418"/>
+              <a:ext cx="510364" cy="200055"/>
+            </a:xfrm>
+            <a:prstGeom prst="rect">
+              <a:avLst/>
+            </a:prstGeom>
+            <a:noFill/>
+          </p:spPr>
+          <p:txBody>
+            <a:bodyPr wrap="square" rtlCol="0">
+              <a:spAutoFit/>
+            </a:bodyPr>
+            <a:lstStyle/>
+            <a:p>
+              <a:r>
+                <a:rPr lang="en-GB" sz="700" b="1" dirty="0">
+                  <a:solidFill>
+                    <a:schemeClr val="tx1">
+                      <a:lumMod val="50000"/>
+                      <a:lumOff val="50000"/>
+                    </a:schemeClr>
+                  </a:solidFill>
+                </a:rPr>
+                <a:t>n = 7</a:t>
+              </a:r>
+            </a:p>
+          </p:txBody>
+        </p:sp>
+        <p:grpSp>
+          <p:nvGrpSpPr>
+            <p:cNvPr id="24" name="Group 23">
+              <a:extLst>
+                <a:ext uri="{FF2B5EF4-FFF2-40B4-BE49-F238E27FC236}">
+                  <a16:creationId xmlns:a16="http://schemas.microsoft.com/office/drawing/2014/main" id="{2173193A-117F-984A-F036-7DD4EC0DD141}"/>
+                </a:ext>
+              </a:extLst>
+            </p:cNvPr>
+            <p:cNvGrpSpPr/>
+            <p:nvPr/>
+          </p:nvGrpSpPr>
+          <p:grpSpPr>
+            <a:xfrm>
+              <a:off x="3528236" y="830515"/>
+              <a:ext cx="1182300" cy="215958"/>
+              <a:chOff x="3528236" y="830515"/>
+              <a:chExt cx="1182300" cy="215958"/>
+            </a:xfrm>
+          </p:grpSpPr>
+          <p:sp>
+            <p:nvSpPr>
+              <p:cNvPr id="25" name="TextBox 24">
+                <a:extLst>
+                  <a:ext uri="{FF2B5EF4-FFF2-40B4-BE49-F238E27FC236}">
+                    <a16:creationId xmlns:a16="http://schemas.microsoft.com/office/drawing/2014/main" id="{4A1243F5-71FD-5014-4D7F-567C5620B28D}"/>
+                  </a:ext>
+                </a:extLst>
+              </p:cNvPr>
+              <p:cNvSpPr txBox="1"/>
+              <p:nvPr/>
+            </p:nvSpPr>
+            <p:spPr>
+              <a:xfrm>
+                <a:off x="3528236" y="846418"/>
+                <a:ext cx="510364" cy="200055"/>
+              </a:xfrm>
+              <a:prstGeom prst="rect">
+                <a:avLst/>
+              </a:prstGeom>
+              <a:noFill/>
+            </p:spPr>
+            <p:txBody>
+              <a:bodyPr wrap="square" rtlCol="0">
+                <a:spAutoFit/>
+              </a:bodyPr>
+              <a:lstStyle/>
+              <a:p>
+                <a:r>
+                  <a:rPr lang="en-GB" sz="700" b="1" dirty="0">
+                    <a:solidFill>
+                      <a:schemeClr val="tx1">
+                        <a:lumMod val="50000"/>
+                        <a:lumOff val="50000"/>
+                      </a:schemeClr>
+                    </a:solidFill>
+                  </a:rPr>
+                  <a:t>n = 20</a:t>
+                </a:r>
+              </a:p>
+            </p:txBody>
+          </p:sp>
+          <p:sp>
+            <p:nvSpPr>
+              <p:cNvPr id="26" name="TextBox 25">
+                <a:extLst>
+                  <a:ext uri="{FF2B5EF4-FFF2-40B4-BE49-F238E27FC236}">
+                    <a16:creationId xmlns:a16="http://schemas.microsoft.com/office/drawing/2014/main" id="{D5EFB13B-B2E4-4BDA-9465-245651358597}"/>
+                  </a:ext>
+                </a:extLst>
+              </p:cNvPr>
+              <p:cNvSpPr txBox="1"/>
+              <p:nvPr/>
+            </p:nvSpPr>
+            <p:spPr>
+              <a:xfrm>
+                <a:off x="4200172" y="830515"/>
+                <a:ext cx="510364" cy="200055"/>
+              </a:xfrm>
+              <a:prstGeom prst="rect">
+                <a:avLst/>
+              </a:prstGeom>
+              <a:noFill/>
+            </p:spPr>
+            <p:txBody>
+              <a:bodyPr wrap="square" rtlCol="0">
+                <a:spAutoFit/>
+              </a:bodyPr>
+              <a:lstStyle/>
+              <a:p>
+                <a:r>
+                  <a:rPr lang="en-GB" sz="700" b="1" dirty="0">
+                    <a:solidFill>
+                      <a:schemeClr val="tx1">
+                        <a:lumMod val="50000"/>
+                        <a:lumOff val="50000"/>
+                      </a:schemeClr>
+                    </a:solidFill>
+                  </a:rPr>
+                  <a:t>n = 18</a:t>
+                </a:r>
+              </a:p>
+            </p:txBody>
+          </p:sp>
+        </p:grpSp>
+      </p:grpSp>
+      <p:grpSp>
+        <p:nvGrpSpPr>
+          <p:cNvPr id="27" name="Group 26">
+            <a:extLst>
+              <a:ext uri="{FF2B5EF4-FFF2-40B4-BE49-F238E27FC236}">
+                <a16:creationId xmlns:a16="http://schemas.microsoft.com/office/drawing/2014/main" id="{ACA7556B-E75E-3124-1AEE-3D36D856A202}"/>
+              </a:ext>
+            </a:extLst>
+          </p:cNvPr>
+          <p:cNvGrpSpPr/>
+          <p:nvPr/>
+        </p:nvGrpSpPr>
+        <p:grpSpPr>
+          <a:xfrm>
+            <a:off x="5275849" y="3221707"/>
+            <a:ext cx="1774753" cy="207292"/>
+            <a:chOff x="3528236" y="839181"/>
+            <a:chExt cx="1774753" cy="207292"/>
+          </a:xfrm>
+        </p:grpSpPr>
+        <p:sp>
+          <p:nvSpPr>
+            <p:cNvPr id="28" name="TextBox 27">
+              <a:extLst>
+                <a:ext uri="{FF2B5EF4-FFF2-40B4-BE49-F238E27FC236}">
+                  <a16:creationId xmlns:a16="http://schemas.microsoft.com/office/drawing/2014/main" id="{B2CE4688-4ADC-F8F7-3F90-968542D2741C}"/>
+                </a:ext>
+              </a:extLst>
+            </p:cNvPr>
+            <p:cNvSpPr txBox="1"/>
+            <p:nvPr/>
+          </p:nvSpPr>
+          <p:spPr>
+            <a:xfrm>
+              <a:off x="4792625" y="839181"/>
+              <a:ext cx="510364" cy="200055"/>
+            </a:xfrm>
+            <a:prstGeom prst="rect">
+              <a:avLst/>
+            </a:prstGeom>
+            <a:noFill/>
+          </p:spPr>
+          <p:txBody>
+            <a:bodyPr wrap="square" rtlCol="0">
+              <a:spAutoFit/>
+            </a:bodyPr>
+            <a:lstStyle/>
+            <a:p>
+              <a:r>
+                <a:rPr lang="en-GB" sz="700" b="1" dirty="0">
+                  <a:solidFill>
+                    <a:schemeClr val="tx1">
+                      <a:lumMod val="50000"/>
+                      <a:lumOff val="50000"/>
+                    </a:schemeClr>
+                  </a:solidFill>
+                </a:rPr>
+                <a:t>n = 7</a:t>
+              </a:r>
+            </a:p>
+          </p:txBody>
+        </p:sp>
+        <p:grpSp>
+          <p:nvGrpSpPr>
+            <p:cNvPr id="29" name="Group 28">
+              <a:extLst>
+                <a:ext uri="{FF2B5EF4-FFF2-40B4-BE49-F238E27FC236}">
+                  <a16:creationId xmlns:a16="http://schemas.microsoft.com/office/drawing/2014/main" id="{EB4BE1AC-B8BC-A8D0-15E8-2F75BA4FB546}"/>
+                </a:ext>
+              </a:extLst>
+            </p:cNvPr>
+            <p:cNvGrpSpPr/>
+            <p:nvPr/>
+          </p:nvGrpSpPr>
+          <p:grpSpPr>
+            <a:xfrm>
+              <a:off x="3528236" y="846418"/>
+              <a:ext cx="1182300" cy="200055"/>
+              <a:chOff x="3528236" y="846418"/>
+              <a:chExt cx="1182300" cy="200055"/>
+            </a:xfrm>
+          </p:grpSpPr>
+          <p:sp>
+            <p:nvSpPr>
+              <p:cNvPr id="30" name="TextBox 29">
+                <a:extLst>
+                  <a:ext uri="{FF2B5EF4-FFF2-40B4-BE49-F238E27FC236}">
+                    <a16:creationId xmlns:a16="http://schemas.microsoft.com/office/drawing/2014/main" id="{BD0394AF-76D1-BAF4-2FF7-678735C29880}"/>
+                  </a:ext>
+                </a:extLst>
+              </p:cNvPr>
+              <p:cNvSpPr txBox="1"/>
+              <p:nvPr/>
+            </p:nvSpPr>
+            <p:spPr>
+              <a:xfrm>
+                <a:off x="3528236" y="846418"/>
+                <a:ext cx="510364" cy="200055"/>
+              </a:xfrm>
+              <a:prstGeom prst="rect">
+                <a:avLst/>
+              </a:prstGeom>
+              <a:noFill/>
+            </p:spPr>
+            <p:txBody>
+              <a:bodyPr wrap="square" rtlCol="0">
+                <a:spAutoFit/>
+              </a:bodyPr>
+              <a:lstStyle/>
+              <a:p>
+                <a:r>
+                  <a:rPr lang="en-GB" sz="700" b="1" dirty="0">
+                    <a:solidFill>
+                      <a:schemeClr val="tx1">
+                        <a:lumMod val="50000"/>
+                        <a:lumOff val="50000"/>
+                      </a:schemeClr>
+                    </a:solidFill>
+                  </a:rPr>
+                  <a:t>n = 20</a:t>
+                </a:r>
+              </a:p>
+            </p:txBody>
+          </p:sp>
+          <p:sp>
+            <p:nvSpPr>
+              <p:cNvPr id="31" name="TextBox 30">
+                <a:extLst>
+                  <a:ext uri="{FF2B5EF4-FFF2-40B4-BE49-F238E27FC236}">
+                    <a16:creationId xmlns:a16="http://schemas.microsoft.com/office/drawing/2014/main" id="{11A6AFCA-6B1B-721B-B053-3A2F95616A8A}"/>
+                  </a:ext>
+                </a:extLst>
+              </p:cNvPr>
+              <p:cNvSpPr txBox="1"/>
+              <p:nvPr/>
+            </p:nvSpPr>
+            <p:spPr>
+              <a:xfrm>
+                <a:off x="4200172" y="846418"/>
+                <a:ext cx="510364" cy="200055"/>
+              </a:xfrm>
+              <a:prstGeom prst="rect">
+                <a:avLst/>
+              </a:prstGeom>
+              <a:noFill/>
+            </p:spPr>
+            <p:txBody>
+              <a:bodyPr wrap="square" rtlCol="0">
+                <a:spAutoFit/>
+              </a:bodyPr>
+              <a:lstStyle/>
+              <a:p>
+                <a:r>
+                  <a:rPr lang="en-GB" sz="700" b="1" dirty="0">
+                    <a:solidFill>
+                      <a:schemeClr val="tx1">
+                        <a:lumMod val="50000"/>
+                        <a:lumOff val="50000"/>
+                      </a:schemeClr>
+                    </a:solidFill>
+                  </a:rPr>
+                  <a:t>n = 18</a:t>
+                </a:r>
+              </a:p>
+            </p:txBody>
+          </p:sp>
+        </p:grpSp>
+      </p:grpSp>
+      <p:grpSp>
+        <p:nvGrpSpPr>
+          <p:cNvPr id="32" name="Group 31">
+            <a:extLst>
+              <a:ext uri="{FF2B5EF4-FFF2-40B4-BE49-F238E27FC236}">
+                <a16:creationId xmlns:a16="http://schemas.microsoft.com/office/drawing/2014/main" id="{41FF2B61-CACB-EF90-CA35-62B5746858FF}"/>
+              </a:ext>
+            </a:extLst>
+          </p:cNvPr>
+          <p:cNvGrpSpPr/>
+          <p:nvPr/>
+        </p:nvGrpSpPr>
+        <p:grpSpPr>
+          <a:xfrm>
+            <a:off x="7336437" y="2877854"/>
+            <a:ext cx="1760618" cy="200055"/>
+            <a:chOff x="3528236" y="846418"/>
+            <a:chExt cx="1760618" cy="200055"/>
+          </a:xfrm>
+        </p:grpSpPr>
+        <p:sp>
+          <p:nvSpPr>
+            <p:cNvPr id="33" name="TextBox 32">
+              <a:extLst>
+                <a:ext uri="{FF2B5EF4-FFF2-40B4-BE49-F238E27FC236}">
+                  <a16:creationId xmlns:a16="http://schemas.microsoft.com/office/drawing/2014/main" id="{D91ABC9F-AEF4-2538-9B9D-3DBA5F3443BF}"/>
+                </a:ext>
+              </a:extLst>
+            </p:cNvPr>
+            <p:cNvSpPr txBox="1"/>
+            <p:nvPr/>
+          </p:nvSpPr>
+          <p:spPr>
+            <a:xfrm>
+              <a:off x="4778490" y="846418"/>
+              <a:ext cx="510364" cy="200055"/>
+            </a:xfrm>
+            <a:prstGeom prst="rect">
+              <a:avLst/>
+            </a:prstGeom>
+            <a:noFill/>
+          </p:spPr>
+          <p:txBody>
+            <a:bodyPr wrap="square" rtlCol="0">
+              <a:spAutoFit/>
+            </a:bodyPr>
+            <a:lstStyle/>
+            <a:p>
+              <a:r>
+                <a:rPr lang="en-GB" sz="700" b="1" dirty="0">
+                  <a:solidFill>
+                    <a:schemeClr val="tx1">
+                      <a:lumMod val="50000"/>
+                      <a:lumOff val="50000"/>
+                    </a:schemeClr>
+                  </a:solidFill>
+                </a:rPr>
+                <a:t>n = 7</a:t>
+              </a:r>
+            </a:p>
+          </p:txBody>
+        </p:sp>
+        <p:grpSp>
+          <p:nvGrpSpPr>
+            <p:cNvPr id="34" name="Group 33">
+              <a:extLst>
+                <a:ext uri="{FF2B5EF4-FFF2-40B4-BE49-F238E27FC236}">
+                  <a16:creationId xmlns:a16="http://schemas.microsoft.com/office/drawing/2014/main" id="{8433E56E-2ED4-C739-A8C0-DB56FA1B50D9}"/>
+                </a:ext>
+              </a:extLst>
+            </p:cNvPr>
+            <p:cNvGrpSpPr/>
+            <p:nvPr/>
+          </p:nvGrpSpPr>
+          <p:grpSpPr>
+            <a:xfrm>
+              <a:off x="3528236" y="846418"/>
+              <a:ext cx="1182300" cy="200055"/>
+              <a:chOff x="3528236" y="846418"/>
+              <a:chExt cx="1182300" cy="200055"/>
+            </a:xfrm>
+          </p:grpSpPr>
+          <p:sp>
+            <p:nvSpPr>
+              <p:cNvPr id="35" name="TextBox 34">
+                <a:extLst>
+                  <a:ext uri="{FF2B5EF4-FFF2-40B4-BE49-F238E27FC236}">
+                    <a16:creationId xmlns:a16="http://schemas.microsoft.com/office/drawing/2014/main" id="{28A58150-7C7A-D4B0-7E09-2DD812129A00}"/>
+                  </a:ext>
+                </a:extLst>
+              </p:cNvPr>
+              <p:cNvSpPr txBox="1"/>
+              <p:nvPr/>
+            </p:nvSpPr>
+            <p:spPr>
+              <a:xfrm>
+                <a:off x="3528236" y="846418"/>
+                <a:ext cx="510364" cy="200055"/>
+              </a:xfrm>
+              <a:prstGeom prst="rect">
+                <a:avLst/>
+              </a:prstGeom>
+              <a:noFill/>
+            </p:spPr>
+            <p:txBody>
+              <a:bodyPr wrap="square" rtlCol="0">
+                <a:spAutoFit/>
+              </a:bodyPr>
+              <a:lstStyle/>
+              <a:p>
+                <a:r>
+                  <a:rPr lang="en-GB" sz="700" b="1" dirty="0">
+                    <a:solidFill>
+                      <a:schemeClr val="tx1">
+                        <a:lumMod val="50000"/>
+                        <a:lumOff val="50000"/>
+                      </a:schemeClr>
+                    </a:solidFill>
+                  </a:rPr>
+                  <a:t>n = 20</a:t>
+                </a:r>
+              </a:p>
+            </p:txBody>
+          </p:sp>
+          <p:sp>
+            <p:nvSpPr>
+              <p:cNvPr id="36" name="TextBox 35">
+                <a:extLst>
+                  <a:ext uri="{FF2B5EF4-FFF2-40B4-BE49-F238E27FC236}">
+                    <a16:creationId xmlns:a16="http://schemas.microsoft.com/office/drawing/2014/main" id="{50BD1C8A-D3B7-592F-1459-74E93CF0316D}"/>
+                  </a:ext>
+                </a:extLst>
+              </p:cNvPr>
+              <p:cNvSpPr txBox="1"/>
+              <p:nvPr/>
+            </p:nvSpPr>
+            <p:spPr>
+              <a:xfrm>
+                <a:off x="4200172" y="846418"/>
+                <a:ext cx="510364" cy="200055"/>
+              </a:xfrm>
+              <a:prstGeom prst="rect">
+                <a:avLst/>
+              </a:prstGeom>
+              <a:noFill/>
+            </p:spPr>
+            <p:txBody>
+              <a:bodyPr wrap="square" rtlCol="0">
+                <a:spAutoFit/>
+              </a:bodyPr>
+              <a:lstStyle/>
+              <a:p>
+                <a:r>
+                  <a:rPr lang="en-GB" sz="700" b="1" dirty="0">
+                    <a:solidFill>
+                      <a:schemeClr val="tx1">
+                        <a:lumMod val="50000"/>
+                        <a:lumOff val="50000"/>
+                      </a:schemeClr>
+                    </a:solidFill>
+                  </a:rPr>
+                  <a:t>n = 18</a:t>
+                </a:r>
+              </a:p>
+            </p:txBody>
+          </p:sp>
+        </p:grpSp>
+      </p:grpSp>
+      <p:grpSp>
+        <p:nvGrpSpPr>
+          <p:cNvPr id="37" name="Group 36">
+            <a:extLst>
+              <a:ext uri="{FF2B5EF4-FFF2-40B4-BE49-F238E27FC236}">
+                <a16:creationId xmlns:a16="http://schemas.microsoft.com/office/drawing/2014/main" id="{102E2591-4806-42C2-B98F-B95D0080CC0A}"/>
+              </a:ext>
+            </a:extLst>
+          </p:cNvPr>
+          <p:cNvGrpSpPr/>
+          <p:nvPr/>
+        </p:nvGrpSpPr>
+        <p:grpSpPr>
+          <a:xfrm>
+            <a:off x="3311176" y="1644606"/>
+            <a:ext cx="1692071" cy="200055"/>
+            <a:chOff x="3565618" y="1638842"/>
+            <a:chExt cx="1692071" cy="200055"/>
+          </a:xfrm>
+        </p:grpSpPr>
+        <p:sp>
+          <p:nvSpPr>
+            <p:cNvPr id="38" name="TextBox 37">
+              <a:extLst>
+                <a:ext uri="{FF2B5EF4-FFF2-40B4-BE49-F238E27FC236}">
+                  <a16:creationId xmlns:a16="http://schemas.microsoft.com/office/drawing/2014/main" id="{079B9416-A3F2-09CE-2DA2-8BEBE7EAB11E}"/>
+                </a:ext>
+              </a:extLst>
+            </p:cNvPr>
+            <p:cNvSpPr txBox="1"/>
+            <p:nvPr/>
+          </p:nvSpPr>
+          <p:spPr>
+            <a:xfrm>
+              <a:off x="4136563" y="1638842"/>
+              <a:ext cx="510364" cy="200055"/>
+            </a:xfrm>
+            <a:prstGeom prst="rect">
+              <a:avLst/>
+            </a:prstGeom>
+            <a:noFill/>
+          </p:spPr>
+          <p:txBody>
+            <a:bodyPr wrap="square" rtlCol="0">
+              <a:spAutoFit/>
+            </a:bodyPr>
+            <a:lstStyle/>
+            <a:p>
+              <a:r>
+                <a:rPr lang="en-GB" sz="700" b="1" dirty="0">
+                  <a:solidFill>
+                    <a:schemeClr val="tx1">
+                      <a:lumMod val="50000"/>
+                      <a:lumOff val="50000"/>
+                    </a:schemeClr>
+                  </a:solidFill>
+                </a:rPr>
+                <a:t>n = 63</a:t>
+              </a:r>
+            </a:p>
+          </p:txBody>
+        </p:sp>
+        <p:grpSp>
+          <p:nvGrpSpPr>
+            <p:cNvPr id="39" name="Group 38">
+              <a:extLst>
+                <a:ext uri="{FF2B5EF4-FFF2-40B4-BE49-F238E27FC236}">
+                  <a16:creationId xmlns:a16="http://schemas.microsoft.com/office/drawing/2014/main" id="{C4D017B1-458D-6884-4C3C-11867F18AF4B}"/>
+                </a:ext>
+              </a:extLst>
+            </p:cNvPr>
+            <p:cNvGrpSpPr/>
+            <p:nvPr/>
+          </p:nvGrpSpPr>
+          <p:grpSpPr>
+            <a:xfrm>
+              <a:off x="3565618" y="1638842"/>
+              <a:ext cx="1692071" cy="200055"/>
+              <a:chOff x="3567480" y="1638842"/>
+              <a:chExt cx="1692071" cy="200055"/>
+            </a:xfrm>
+          </p:grpSpPr>
+          <p:sp>
+            <p:nvSpPr>
+              <p:cNvPr id="40" name="TextBox 39">
+                <a:extLst>
+                  <a:ext uri="{FF2B5EF4-FFF2-40B4-BE49-F238E27FC236}">
+                    <a16:creationId xmlns:a16="http://schemas.microsoft.com/office/drawing/2014/main" id="{C205D8B0-81C3-F9B9-6AB2-44AFF6331D89}"/>
+                  </a:ext>
+                </a:extLst>
+              </p:cNvPr>
+              <p:cNvSpPr txBox="1"/>
+              <p:nvPr/>
+            </p:nvSpPr>
+            <p:spPr>
+              <a:xfrm>
+                <a:off x="3567480" y="1638842"/>
+                <a:ext cx="510364" cy="200055"/>
+              </a:xfrm>
+              <a:prstGeom prst="rect">
+                <a:avLst/>
+              </a:prstGeom>
+              <a:noFill/>
+            </p:spPr>
+            <p:txBody>
+              <a:bodyPr wrap="square" rtlCol="0">
+                <a:spAutoFit/>
+              </a:bodyPr>
+              <a:lstStyle/>
+              <a:p>
+                <a:r>
+                  <a:rPr lang="en-GB" sz="700" b="1" dirty="0">
+                    <a:solidFill>
+                      <a:schemeClr val="tx1">
+                        <a:lumMod val="50000"/>
+                        <a:lumOff val="50000"/>
+                      </a:schemeClr>
+                    </a:solidFill>
+                  </a:rPr>
+                  <a:t>n = 56</a:t>
+                </a:r>
+              </a:p>
+            </p:txBody>
+          </p:sp>
+          <p:sp>
+            <p:nvSpPr>
+              <p:cNvPr id="41" name="TextBox 40">
+                <a:extLst>
+                  <a:ext uri="{FF2B5EF4-FFF2-40B4-BE49-F238E27FC236}">
+                    <a16:creationId xmlns:a16="http://schemas.microsoft.com/office/drawing/2014/main" id="{8B99FF56-F87C-45FE-D518-7358A09BBDD7}"/>
+                  </a:ext>
+                </a:extLst>
+              </p:cNvPr>
+              <p:cNvSpPr txBox="1"/>
+              <p:nvPr/>
+            </p:nvSpPr>
+            <p:spPr>
+              <a:xfrm>
+                <a:off x="4749187" y="1638842"/>
+                <a:ext cx="510364" cy="200055"/>
+              </a:xfrm>
+              <a:prstGeom prst="rect">
+                <a:avLst/>
+              </a:prstGeom>
+              <a:noFill/>
+            </p:spPr>
+            <p:txBody>
+              <a:bodyPr wrap="square" rtlCol="0">
+                <a:spAutoFit/>
+              </a:bodyPr>
+              <a:lstStyle/>
+              <a:p>
+                <a:r>
+                  <a:rPr lang="en-GB" sz="700" b="1" dirty="0">
+                    <a:solidFill>
+                      <a:schemeClr val="tx1">
+                        <a:lumMod val="50000"/>
+                        <a:lumOff val="50000"/>
+                      </a:schemeClr>
+                    </a:solidFill>
+                  </a:rPr>
+                  <a:t>n = 42</a:t>
+                </a:r>
+              </a:p>
+            </p:txBody>
+          </p:sp>
+        </p:grpSp>
+      </p:grpSp>
+      <p:grpSp>
+        <p:nvGrpSpPr>
+          <p:cNvPr id="42" name="Group 41">
+            <a:extLst>
+              <a:ext uri="{FF2B5EF4-FFF2-40B4-BE49-F238E27FC236}">
+                <a16:creationId xmlns:a16="http://schemas.microsoft.com/office/drawing/2014/main" id="{EF752635-AC34-1C7B-4D94-1E8BAF92C4FD}"/>
+              </a:ext>
+            </a:extLst>
+          </p:cNvPr>
+          <p:cNvGrpSpPr/>
+          <p:nvPr/>
+        </p:nvGrpSpPr>
+        <p:grpSpPr>
+          <a:xfrm>
+            <a:off x="5344989" y="2203467"/>
+            <a:ext cx="1692071" cy="200055"/>
+            <a:chOff x="3565618" y="1638842"/>
+            <a:chExt cx="1692071" cy="200055"/>
+          </a:xfrm>
+        </p:grpSpPr>
+        <p:sp>
+          <p:nvSpPr>
+            <p:cNvPr id="43" name="TextBox 42">
+              <a:extLst>
+                <a:ext uri="{FF2B5EF4-FFF2-40B4-BE49-F238E27FC236}">
+                  <a16:creationId xmlns:a16="http://schemas.microsoft.com/office/drawing/2014/main" id="{D9C2C2F4-A699-9791-62AD-3A6C98662D06}"/>
+                </a:ext>
+              </a:extLst>
+            </p:cNvPr>
+            <p:cNvSpPr txBox="1"/>
+            <p:nvPr/>
+          </p:nvSpPr>
+          <p:spPr>
+            <a:xfrm>
+              <a:off x="4136563" y="1638842"/>
+              <a:ext cx="510364" cy="200055"/>
+            </a:xfrm>
+            <a:prstGeom prst="rect">
+              <a:avLst/>
+            </a:prstGeom>
+            <a:noFill/>
+          </p:spPr>
+          <p:txBody>
+            <a:bodyPr wrap="square" rtlCol="0">
+              <a:spAutoFit/>
+            </a:bodyPr>
+            <a:lstStyle/>
+            <a:p>
+              <a:r>
+                <a:rPr lang="en-GB" sz="700" b="1" dirty="0">
+                  <a:solidFill>
+                    <a:schemeClr val="tx1">
+                      <a:lumMod val="50000"/>
+                      <a:lumOff val="50000"/>
+                    </a:schemeClr>
+                  </a:solidFill>
+                </a:rPr>
+                <a:t>n = 63</a:t>
+              </a:r>
+            </a:p>
+          </p:txBody>
+        </p:sp>
+        <p:grpSp>
+          <p:nvGrpSpPr>
+            <p:cNvPr id="44" name="Group 43">
+              <a:extLst>
+                <a:ext uri="{FF2B5EF4-FFF2-40B4-BE49-F238E27FC236}">
+                  <a16:creationId xmlns:a16="http://schemas.microsoft.com/office/drawing/2014/main" id="{5F0A2AEE-C049-41BA-AE83-60E166464598}"/>
+                </a:ext>
+              </a:extLst>
+            </p:cNvPr>
+            <p:cNvGrpSpPr/>
+            <p:nvPr/>
+          </p:nvGrpSpPr>
+          <p:grpSpPr>
+            <a:xfrm>
+              <a:off x="3565618" y="1638842"/>
+              <a:ext cx="1692071" cy="200055"/>
+              <a:chOff x="3567480" y="1638842"/>
+              <a:chExt cx="1692071" cy="200055"/>
+            </a:xfrm>
+          </p:grpSpPr>
+          <p:sp>
+            <p:nvSpPr>
+              <p:cNvPr id="45" name="TextBox 44">
+                <a:extLst>
+                  <a:ext uri="{FF2B5EF4-FFF2-40B4-BE49-F238E27FC236}">
+                    <a16:creationId xmlns:a16="http://schemas.microsoft.com/office/drawing/2014/main" id="{576D908D-6BAD-C699-B577-6B35538C7256}"/>
+                  </a:ext>
+                </a:extLst>
+              </p:cNvPr>
+              <p:cNvSpPr txBox="1"/>
+              <p:nvPr/>
+            </p:nvSpPr>
+            <p:spPr>
+              <a:xfrm>
+                <a:off x="3567480" y="1638842"/>
+                <a:ext cx="510364" cy="200055"/>
+              </a:xfrm>
+              <a:prstGeom prst="rect">
+                <a:avLst/>
+              </a:prstGeom>
+              <a:noFill/>
+            </p:spPr>
+            <p:txBody>
+              <a:bodyPr wrap="square" rtlCol="0">
+                <a:spAutoFit/>
+              </a:bodyPr>
+              <a:lstStyle/>
+              <a:p>
+                <a:r>
+                  <a:rPr lang="en-GB" sz="700" b="1" dirty="0">
+                    <a:solidFill>
+                      <a:schemeClr val="tx1">
+                        <a:lumMod val="50000"/>
+                        <a:lumOff val="50000"/>
+                      </a:schemeClr>
+                    </a:solidFill>
+                  </a:rPr>
+                  <a:t>n = 56</a:t>
+                </a:r>
+              </a:p>
+            </p:txBody>
+          </p:sp>
+          <p:sp>
+            <p:nvSpPr>
+              <p:cNvPr id="46" name="TextBox 45">
+                <a:extLst>
+                  <a:ext uri="{FF2B5EF4-FFF2-40B4-BE49-F238E27FC236}">
+                    <a16:creationId xmlns:a16="http://schemas.microsoft.com/office/drawing/2014/main" id="{910345FC-886F-5F7D-FC21-3A29C5384E36}"/>
+                  </a:ext>
+                </a:extLst>
+              </p:cNvPr>
+              <p:cNvSpPr txBox="1"/>
+              <p:nvPr/>
+            </p:nvSpPr>
+            <p:spPr>
+              <a:xfrm>
+                <a:off x="4749187" y="1638842"/>
+                <a:ext cx="510364" cy="200055"/>
+              </a:xfrm>
+              <a:prstGeom prst="rect">
+                <a:avLst/>
+              </a:prstGeom>
+              <a:noFill/>
+            </p:spPr>
+            <p:txBody>
+              <a:bodyPr wrap="square" rtlCol="0">
+                <a:spAutoFit/>
+              </a:bodyPr>
+              <a:lstStyle/>
+              <a:p>
+                <a:r>
+                  <a:rPr lang="en-GB" sz="700" b="1" dirty="0">
+                    <a:solidFill>
+                      <a:schemeClr val="tx1">
+                        <a:lumMod val="50000"/>
+                        <a:lumOff val="50000"/>
+                      </a:schemeClr>
+                    </a:solidFill>
+                  </a:rPr>
+                  <a:t>n = 42</a:t>
+                </a:r>
+              </a:p>
+            </p:txBody>
+          </p:sp>
+        </p:grpSp>
+      </p:grpSp>
+      <p:grpSp>
+        <p:nvGrpSpPr>
+          <p:cNvPr id="47" name="Group 46">
+            <a:extLst>
+              <a:ext uri="{FF2B5EF4-FFF2-40B4-BE49-F238E27FC236}">
+                <a16:creationId xmlns:a16="http://schemas.microsoft.com/office/drawing/2014/main" id="{25B7360E-C3ED-3948-6515-F2E1BE7D4D6D}"/>
+              </a:ext>
+            </a:extLst>
+          </p:cNvPr>
+          <p:cNvGrpSpPr/>
+          <p:nvPr/>
+        </p:nvGrpSpPr>
+        <p:grpSpPr>
+          <a:xfrm>
+            <a:off x="7354749" y="2017583"/>
+            <a:ext cx="1692071" cy="200055"/>
+            <a:chOff x="3565618" y="1638842"/>
+            <a:chExt cx="1692071" cy="200055"/>
+          </a:xfrm>
+        </p:grpSpPr>
+        <p:sp>
+          <p:nvSpPr>
+            <p:cNvPr id="48" name="TextBox 47">
+              <a:extLst>
+                <a:ext uri="{FF2B5EF4-FFF2-40B4-BE49-F238E27FC236}">
+                  <a16:creationId xmlns:a16="http://schemas.microsoft.com/office/drawing/2014/main" id="{BEDF32F1-7D30-77A3-7AFF-BFE642F338BE}"/>
+                </a:ext>
+              </a:extLst>
+            </p:cNvPr>
+            <p:cNvSpPr txBox="1"/>
+            <p:nvPr/>
+          </p:nvSpPr>
+          <p:spPr>
+            <a:xfrm>
+              <a:off x="4136563" y="1638842"/>
+              <a:ext cx="510364" cy="200055"/>
+            </a:xfrm>
+            <a:prstGeom prst="rect">
+              <a:avLst/>
+            </a:prstGeom>
+            <a:noFill/>
+          </p:spPr>
+          <p:txBody>
+            <a:bodyPr wrap="square" rtlCol="0">
+              <a:spAutoFit/>
+            </a:bodyPr>
+            <a:lstStyle/>
+            <a:p>
+              <a:r>
+                <a:rPr lang="en-GB" sz="700" b="1" dirty="0">
+                  <a:solidFill>
+                    <a:schemeClr val="tx1">
+                      <a:lumMod val="50000"/>
+                      <a:lumOff val="50000"/>
+                    </a:schemeClr>
+                  </a:solidFill>
+                </a:rPr>
+                <a:t>n = 63</a:t>
+              </a:r>
+            </a:p>
+          </p:txBody>
+        </p:sp>
+        <p:grpSp>
+          <p:nvGrpSpPr>
+            <p:cNvPr id="49" name="Group 48">
+              <a:extLst>
+                <a:ext uri="{FF2B5EF4-FFF2-40B4-BE49-F238E27FC236}">
+                  <a16:creationId xmlns:a16="http://schemas.microsoft.com/office/drawing/2014/main" id="{7D01D7D2-2216-3C79-BDE4-19D4610F429B}"/>
+                </a:ext>
+              </a:extLst>
+            </p:cNvPr>
+            <p:cNvGrpSpPr/>
+            <p:nvPr/>
+          </p:nvGrpSpPr>
+          <p:grpSpPr>
+            <a:xfrm>
+              <a:off x="3565618" y="1638842"/>
+              <a:ext cx="1692071" cy="200055"/>
+              <a:chOff x="3567480" y="1638842"/>
+              <a:chExt cx="1692071" cy="200055"/>
+            </a:xfrm>
+          </p:grpSpPr>
+          <p:sp>
+            <p:nvSpPr>
+              <p:cNvPr id="50" name="TextBox 49">
+                <a:extLst>
+                  <a:ext uri="{FF2B5EF4-FFF2-40B4-BE49-F238E27FC236}">
+                    <a16:creationId xmlns:a16="http://schemas.microsoft.com/office/drawing/2014/main" id="{ED63E3AD-1D18-0685-AFC7-C442BCCA7993}"/>
+                  </a:ext>
+                </a:extLst>
+              </p:cNvPr>
+              <p:cNvSpPr txBox="1"/>
+              <p:nvPr/>
+            </p:nvSpPr>
+            <p:spPr>
+              <a:xfrm>
+                <a:off x="3567480" y="1638842"/>
+                <a:ext cx="510364" cy="200055"/>
+              </a:xfrm>
+              <a:prstGeom prst="rect">
+                <a:avLst/>
+              </a:prstGeom>
+              <a:noFill/>
+            </p:spPr>
+            <p:txBody>
+              <a:bodyPr wrap="square" rtlCol="0">
+                <a:spAutoFit/>
+              </a:bodyPr>
+              <a:lstStyle/>
+              <a:p>
+                <a:r>
+                  <a:rPr lang="en-GB" sz="700" b="1" dirty="0">
+                    <a:solidFill>
+                      <a:schemeClr val="tx1">
+                        <a:lumMod val="50000"/>
+                        <a:lumOff val="50000"/>
+                      </a:schemeClr>
+                    </a:solidFill>
+                  </a:rPr>
+                  <a:t>n = 56</a:t>
+                </a:r>
+              </a:p>
+            </p:txBody>
+          </p:sp>
+          <p:sp>
+            <p:nvSpPr>
+              <p:cNvPr id="51" name="TextBox 50">
+                <a:extLst>
+                  <a:ext uri="{FF2B5EF4-FFF2-40B4-BE49-F238E27FC236}">
+                    <a16:creationId xmlns:a16="http://schemas.microsoft.com/office/drawing/2014/main" id="{567FFCE1-3973-81DE-569C-A8E13BED890C}"/>
+                  </a:ext>
+                </a:extLst>
+              </p:cNvPr>
+              <p:cNvSpPr txBox="1"/>
+              <p:nvPr/>
+            </p:nvSpPr>
+            <p:spPr>
+              <a:xfrm>
+                <a:off x="4749187" y="1638842"/>
+                <a:ext cx="510364" cy="200055"/>
+              </a:xfrm>
+              <a:prstGeom prst="rect">
+                <a:avLst/>
+              </a:prstGeom>
+              <a:noFill/>
+            </p:spPr>
+            <p:txBody>
+              <a:bodyPr wrap="square" rtlCol="0">
+                <a:spAutoFit/>
+              </a:bodyPr>
+              <a:lstStyle/>
+              <a:p>
+                <a:r>
+                  <a:rPr lang="en-GB" sz="700" b="1" dirty="0">
+                    <a:solidFill>
+                      <a:schemeClr val="tx1">
+                        <a:lumMod val="50000"/>
+                        <a:lumOff val="50000"/>
+                      </a:schemeClr>
+                    </a:solidFill>
+                  </a:rPr>
+                  <a:t>n = 42</a:t>
+                </a:r>
+              </a:p>
+            </p:txBody>
+          </p:sp>
+        </p:grpSp>
+      </p:grpSp>
+      <p:grpSp>
+        <p:nvGrpSpPr>
+          <p:cNvPr id="52" name="Group 51">
+            <a:extLst>
+              <a:ext uri="{FF2B5EF4-FFF2-40B4-BE49-F238E27FC236}">
+                <a16:creationId xmlns:a16="http://schemas.microsoft.com/office/drawing/2014/main" id="{D841C9A4-E97D-FF9A-3004-3D01F7D720A1}"/>
+              </a:ext>
+            </a:extLst>
+          </p:cNvPr>
+          <p:cNvGrpSpPr/>
+          <p:nvPr/>
+        </p:nvGrpSpPr>
+        <p:grpSpPr>
+          <a:xfrm>
+            <a:off x="3291267" y="3850437"/>
+            <a:ext cx="1692071" cy="200055"/>
+            <a:chOff x="3565618" y="1638842"/>
+            <a:chExt cx="1692071" cy="200055"/>
+          </a:xfrm>
+        </p:grpSpPr>
+        <p:sp>
+          <p:nvSpPr>
+            <p:cNvPr id="53" name="TextBox 52">
+              <a:extLst>
+                <a:ext uri="{FF2B5EF4-FFF2-40B4-BE49-F238E27FC236}">
+                  <a16:creationId xmlns:a16="http://schemas.microsoft.com/office/drawing/2014/main" id="{4A8F611F-D09E-E7DD-3A4F-C2DA618FCB62}"/>
+                </a:ext>
+              </a:extLst>
+            </p:cNvPr>
+            <p:cNvSpPr txBox="1"/>
+            <p:nvPr/>
+          </p:nvSpPr>
+          <p:spPr>
+            <a:xfrm>
+              <a:off x="4136563" y="1638842"/>
+              <a:ext cx="510364" cy="200055"/>
+            </a:xfrm>
+            <a:prstGeom prst="rect">
+              <a:avLst/>
+            </a:prstGeom>
+            <a:noFill/>
+          </p:spPr>
+          <p:txBody>
+            <a:bodyPr wrap="square" rtlCol="0">
+              <a:spAutoFit/>
+            </a:bodyPr>
+            <a:lstStyle/>
+            <a:p>
+              <a:r>
+                <a:rPr lang="en-GB" sz="700" b="1" dirty="0">
+                  <a:solidFill>
+                    <a:schemeClr val="tx1">
+                      <a:lumMod val="50000"/>
+                      <a:lumOff val="50000"/>
+                    </a:schemeClr>
+                  </a:solidFill>
+                </a:rPr>
+                <a:t>n = 63</a:t>
+              </a:r>
+            </a:p>
+          </p:txBody>
+        </p:sp>
+        <p:grpSp>
+          <p:nvGrpSpPr>
+            <p:cNvPr id="54" name="Group 53">
+              <a:extLst>
+                <a:ext uri="{FF2B5EF4-FFF2-40B4-BE49-F238E27FC236}">
+                  <a16:creationId xmlns:a16="http://schemas.microsoft.com/office/drawing/2014/main" id="{DB2C51CD-0AEA-A63D-3F65-2E8FF4AAE1F2}"/>
+                </a:ext>
+              </a:extLst>
+            </p:cNvPr>
+            <p:cNvGrpSpPr/>
+            <p:nvPr/>
+          </p:nvGrpSpPr>
+          <p:grpSpPr>
+            <a:xfrm>
+              <a:off x="3565618" y="1638842"/>
+              <a:ext cx="1692071" cy="200055"/>
+              <a:chOff x="3567480" y="1638842"/>
+              <a:chExt cx="1692071" cy="200055"/>
+            </a:xfrm>
+          </p:grpSpPr>
+          <p:sp>
+            <p:nvSpPr>
+              <p:cNvPr id="55" name="TextBox 54">
+                <a:extLst>
+                  <a:ext uri="{FF2B5EF4-FFF2-40B4-BE49-F238E27FC236}">
+                    <a16:creationId xmlns:a16="http://schemas.microsoft.com/office/drawing/2014/main" id="{255F35BA-29C2-6064-C953-D92EB2064989}"/>
+                  </a:ext>
+                </a:extLst>
+              </p:cNvPr>
+              <p:cNvSpPr txBox="1"/>
+              <p:nvPr/>
+            </p:nvSpPr>
+            <p:spPr>
+              <a:xfrm>
+                <a:off x="3567480" y="1638842"/>
+                <a:ext cx="510364" cy="200055"/>
+              </a:xfrm>
+              <a:prstGeom prst="rect">
+                <a:avLst/>
+              </a:prstGeom>
+              <a:noFill/>
+            </p:spPr>
+            <p:txBody>
+              <a:bodyPr wrap="square" rtlCol="0">
+                <a:spAutoFit/>
+              </a:bodyPr>
+              <a:lstStyle/>
+              <a:p>
+                <a:r>
+                  <a:rPr lang="en-GB" sz="700" b="1" dirty="0">
+                    <a:solidFill>
+                      <a:schemeClr val="tx1">
+                        <a:lumMod val="50000"/>
+                        <a:lumOff val="50000"/>
+                      </a:schemeClr>
+                    </a:solidFill>
+                  </a:rPr>
+                  <a:t>n = 56</a:t>
+                </a:r>
+              </a:p>
+            </p:txBody>
+          </p:sp>
+          <p:sp>
+            <p:nvSpPr>
+              <p:cNvPr id="56" name="TextBox 55">
+                <a:extLst>
+                  <a:ext uri="{FF2B5EF4-FFF2-40B4-BE49-F238E27FC236}">
+                    <a16:creationId xmlns:a16="http://schemas.microsoft.com/office/drawing/2014/main" id="{7AB14798-EFEA-E4D8-F47A-5317D883DDEA}"/>
+                  </a:ext>
+                </a:extLst>
+              </p:cNvPr>
+              <p:cNvSpPr txBox="1"/>
+              <p:nvPr/>
+            </p:nvSpPr>
+            <p:spPr>
+              <a:xfrm>
+                <a:off x="4749187" y="1638842"/>
+                <a:ext cx="510364" cy="200055"/>
+              </a:xfrm>
+              <a:prstGeom prst="rect">
+                <a:avLst/>
+              </a:prstGeom>
+              <a:noFill/>
+            </p:spPr>
+            <p:txBody>
+              <a:bodyPr wrap="square" rtlCol="0">
+                <a:spAutoFit/>
+              </a:bodyPr>
+              <a:lstStyle/>
+              <a:p>
+                <a:r>
+                  <a:rPr lang="en-GB" sz="700" b="1" dirty="0">
+                    <a:solidFill>
+                      <a:schemeClr val="tx1">
+                        <a:lumMod val="50000"/>
+                        <a:lumOff val="50000"/>
+                      </a:schemeClr>
+                    </a:solidFill>
+                  </a:rPr>
+                  <a:t>n = 42</a:t>
+                </a:r>
+              </a:p>
+            </p:txBody>
+          </p:sp>
+        </p:grpSp>
+      </p:grpSp>
+      <p:grpSp>
+        <p:nvGrpSpPr>
+          <p:cNvPr id="57" name="Group 56">
+            <a:extLst>
+              <a:ext uri="{FF2B5EF4-FFF2-40B4-BE49-F238E27FC236}">
+                <a16:creationId xmlns:a16="http://schemas.microsoft.com/office/drawing/2014/main" id="{93950241-A46C-FB19-80A5-77FBA9947553}"/>
+              </a:ext>
+            </a:extLst>
+          </p:cNvPr>
+          <p:cNvGrpSpPr/>
+          <p:nvPr/>
+        </p:nvGrpSpPr>
+        <p:grpSpPr>
+          <a:xfrm>
+            <a:off x="5374106" y="4075996"/>
+            <a:ext cx="1692071" cy="200055"/>
+            <a:chOff x="3565618" y="1638842"/>
+            <a:chExt cx="1692071" cy="200055"/>
+          </a:xfrm>
+        </p:grpSpPr>
+        <p:sp>
+          <p:nvSpPr>
+            <p:cNvPr id="58" name="TextBox 57">
+              <a:extLst>
+                <a:ext uri="{FF2B5EF4-FFF2-40B4-BE49-F238E27FC236}">
+                  <a16:creationId xmlns:a16="http://schemas.microsoft.com/office/drawing/2014/main" id="{43FB72B5-1FF9-B56B-131A-EE7928C384BB}"/>
+                </a:ext>
+              </a:extLst>
+            </p:cNvPr>
+            <p:cNvSpPr txBox="1"/>
+            <p:nvPr/>
+          </p:nvSpPr>
+          <p:spPr>
+            <a:xfrm>
+              <a:off x="4136563" y="1638842"/>
+              <a:ext cx="510364" cy="200055"/>
+            </a:xfrm>
+            <a:prstGeom prst="rect">
+              <a:avLst/>
+            </a:prstGeom>
+            <a:noFill/>
+          </p:spPr>
+          <p:txBody>
+            <a:bodyPr wrap="square" rtlCol="0">
+              <a:spAutoFit/>
+            </a:bodyPr>
+            <a:lstStyle/>
+            <a:p>
+              <a:r>
+                <a:rPr lang="en-GB" sz="700" b="1" dirty="0">
+                  <a:solidFill>
+                    <a:schemeClr val="tx1">
+                      <a:lumMod val="50000"/>
+                      <a:lumOff val="50000"/>
+                    </a:schemeClr>
+                  </a:solidFill>
+                </a:rPr>
+                <a:t>n = 63</a:t>
+              </a:r>
+            </a:p>
+          </p:txBody>
+        </p:sp>
+        <p:grpSp>
+          <p:nvGrpSpPr>
+            <p:cNvPr id="59" name="Group 58">
+              <a:extLst>
+                <a:ext uri="{FF2B5EF4-FFF2-40B4-BE49-F238E27FC236}">
+                  <a16:creationId xmlns:a16="http://schemas.microsoft.com/office/drawing/2014/main" id="{AB31E62F-A2BD-02FE-A108-C2D09EB8DB16}"/>
+                </a:ext>
+              </a:extLst>
+            </p:cNvPr>
+            <p:cNvGrpSpPr/>
+            <p:nvPr/>
+          </p:nvGrpSpPr>
+          <p:grpSpPr>
+            <a:xfrm>
+              <a:off x="3565618" y="1638842"/>
+              <a:ext cx="1692071" cy="200055"/>
+              <a:chOff x="3567480" y="1638842"/>
+              <a:chExt cx="1692071" cy="200055"/>
+            </a:xfrm>
+          </p:grpSpPr>
+          <p:sp>
+            <p:nvSpPr>
+              <p:cNvPr id="60" name="TextBox 59">
+                <a:extLst>
+                  <a:ext uri="{FF2B5EF4-FFF2-40B4-BE49-F238E27FC236}">
+                    <a16:creationId xmlns:a16="http://schemas.microsoft.com/office/drawing/2014/main" id="{889C468E-3736-CF0B-20AB-5C8F7769B81A}"/>
+                  </a:ext>
+                </a:extLst>
+              </p:cNvPr>
+              <p:cNvSpPr txBox="1"/>
+              <p:nvPr/>
+            </p:nvSpPr>
+            <p:spPr>
+              <a:xfrm>
+                <a:off x="3567480" y="1638842"/>
+                <a:ext cx="510364" cy="200055"/>
+              </a:xfrm>
+              <a:prstGeom prst="rect">
+                <a:avLst/>
+              </a:prstGeom>
+              <a:noFill/>
+            </p:spPr>
+            <p:txBody>
+              <a:bodyPr wrap="square" rtlCol="0">
+                <a:spAutoFit/>
+              </a:bodyPr>
+              <a:lstStyle/>
+              <a:p>
+                <a:r>
+                  <a:rPr lang="en-GB" sz="700" b="1" dirty="0">
+                    <a:solidFill>
+                      <a:schemeClr val="tx1">
+                        <a:lumMod val="50000"/>
+                        <a:lumOff val="50000"/>
+                      </a:schemeClr>
+                    </a:solidFill>
+                  </a:rPr>
+                  <a:t>n = 56</a:t>
+                </a:r>
+              </a:p>
+            </p:txBody>
+          </p:sp>
+          <p:sp>
+            <p:nvSpPr>
+              <p:cNvPr id="61" name="TextBox 60">
+                <a:extLst>
+                  <a:ext uri="{FF2B5EF4-FFF2-40B4-BE49-F238E27FC236}">
+                    <a16:creationId xmlns:a16="http://schemas.microsoft.com/office/drawing/2014/main" id="{BF3C5F88-5827-D728-B2ED-00FBE62309D9}"/>
+                  </a:ext>
+                </a:extLst>
+              </p:cNvPr>
+              <p:cNvSpPr txBox="1"/>
+              <p:nvPr/>
+            </p:nvSpPr>
+            <p:spPr>
+              <a:xfrm>
+                <a:off x="4749187" y="1638842"/>
+                <a:ext cx="510364" cy="200055"/>
+              </a:xfrm>
+              <a:prstGeom prst="rect">
+                <a:avLst/>
+              </a:prstGeom>
+              <a:noFill/>
+            </p:spPr>
+            <p:txBody>
+              <a:bodyPr wrap="square" rtlCol="0">
+                <a:spAutoFit/>
+              </a:bodyPr>
+              <a:lstStyle/>
+              <a:p>
+                <a:r>
+                  <a:rPr lang="en-GB" sz="700" b="1" dirty="0">
+                    <a:solidFill>
+                      <a:schemeClr val="tx1">
+                        <a:lumMod val="50000"/>
+                        <a:lumOff val="50000"/>
+                      </a:schemeClr>
+                    </a:solidFill>
+                  </a:rPr>
+                  <a:t>n = 42</a:t>
+                </a:r>
+              </a:p>
+            </p:txBody>
+          </p:sp>
+        </p:grpSp>
+      </p:grpSp>
+      <p:grpSp>
+        <p:nvGrpSpPr>
+          <p:cNvPr id="62" name="Group 61">
+            <a:extLst>
+              <a:ext uri="{FF2B5EF4-FFF2-40B4-BE49-F238E27FC236}">
+                <a16:creationId xmlns:a16="http://schemas.microsoft.com/office/drawing/2014/main" id="{1629D7EC-78BD-CB2C-09B0-F7C6C6EE677D}"/>
+              </a:ext>
+            </a:extLst>
+          </p:cNvPr>
+          <p:cNvGrpSpPr/>
+          <p:nvPr/>
+        </p:nvGrpSpPr>
+        <p:grpSpPr>
+          <a:xfrm>
+            <a:off x="7379120" y="3850201"/>
+            <a:ext cx="1692071" cy="200055"/>
+            <a:chOff x="3565618" y="1638842"/>
+            <a:chExt cx="1692071" cy="200055"/>
+          </a:xfrm>
+        </p:grpSpPr>
+        <p:sp>
+          <p:nvSpPr>
+            <p:cNvPr id="63" name="TextBox 62">
+              <a:extLst>
+                <a:ext uri="{FF2B5EF4-FFF2-40B4-BE49-F238E27FC236}">
+                  <a16:creationId xmlns:a16="http://schemas.microsoft.com/office/drawing/2014/main" id="{A8319080-0CB3-9CB9-7315-C453FABFDA5A}"/>
+                </a:ext>
+              </a:extLst>
+            </p:cNvPr>
+            <p:cNvSpPr txBox="1"/>
+            <p:nvPr/>
+          </p:nvSpPr>
+          <p:spPr>
+            <a:xfrm>
+              <a:off x="4136563" y="1638842"/>
+              <a:ext cx="510364" cy="200055"/>
+            </a:xfrm>
+            <a:prstGeom prst="rect">
+              <a:avLst/>
+            </a:prstGeom>
+            <a:noFill/>
+          </p:spPr>
+          <p:txBody>
+            <a:bodyPr wrap="square" rtlCol="0">
+              <a:spAutoFit/>
+            </a:bodyPr>
+            <a:lstStyle/>
+            <a:p>
+              <a:r>
+                <a:rPr lang="en-GB" sz="700" b="1" dirty="0">
+                  <a:solidFill>
+                    <a:schemeClr val="tx1">
+                      <a:lumMod val="50000"/>
+                      <a:lumOff val="50000"/>
+                    </a:schemeClr>
+                  </a:solidFill>
+                </a:rPr>
+                <a:t>n = 63</a:t>
+              </a:r>
+            </a:p>
+          </p:txBody>
+        </p:sp>
+        <p:grpSp>
+          <p:nvGrpSpPr>
+            <p:cNvPr id="64" name="Group 63">
+              <a:extLst>
+                <a:ext uri="{FF2B5EF4-FFF2-40B4-BE49-F238E27FC236}">
+                  <a16:creationId xmlns:a16="http://schemas.microsoft.com/office/drawing/2014/main" id="{0E3BA5A7-6225-4FDE-1E33-BC8A331921F3}"/>
+                </a:ext>
+              </a:extLst>
+            </p:cNvPr>
+            <p:cNvGrpSpPr/>
+            <p:nvPr/>
+          </p:nvGrpSpPr>
+          <p:grpSpPr>
+            <a:xfrm>
+              <a:off x="3565618" y="1638842"/>
+              <a:ext cx="1692071" cy="200055"/>
+              <a:chOff x="3567480" y="1638842"/>
+              <a:chExt cx="1692071" cy="200055"/>
+            </a:xfrm>
+          </p:grpSpPr>
+          <p:sp>
+            <p:nvSpPr>
+              <p:cNvPr id="65" name="TextBox 64">
+                <a:extLst>
+                  <a:ext uri="{FF2B5EF4-FFF2-40B4-BE49-F238E27FC236}">
+                    <a16:creationId xmlns:a16="http://schemas.microsoft.com/office/drawing/2014/main" id="{CB7C5C07-3166-889B-190F-18B4ED8081FF}"/>
+                  </a:ext>
+                </a:extLst>
+              </p:cNvPr>
+              <p:cNvSpPr txBox="1"/>
+              <p:nvPr/>
+            </p:nvSpPr>
+            <p:spPr>
+              <a:xfrm>
+                <a:off x="3567480" y="1638842"/>
+                <a:ext cx="510364" cy="200055"/>
+              </a:xfrm>
+              <a:prstGeom prst="rect">
+                <a:avLst/>
+              </a:prstGeom>
+              <a:noFill/>
+            </p:spPr>
+            <p:txBody>
+              <a:bodyPr wrap="square" rtlCol="0">
+                <a:spAutoFit/>
+              </a:bodyPr>
+              <a:lstStyle/>
+              <a:p>
+                <a:r>
+                  <a:rPr lang="en-GB" sz="700" b="1" dirty="0">
+                    <a:solidFill>
+                      <a:schemeClr val="tx1">
+                        <a:lumMod val="50000"/>
+                        <a:lumOff val="50000"/>
+                      </a:schemeClr>
+                    </a:solidFill>
+                  </a:rPr>
+                  <a:t>n = 56</a:t>
+                </a:r>
+              </a:p>
+            </p:txBody>
+          </p:sp>
+          <p:sp>
+            <p:nvSpPr>
+              <p:cNvPr id="66" name="TextBox 65">
+                <a:extLst>
+                  <a:ext uri="{FF2B5EF4-FFF2-40B4-BE49-F238E27FC236}">
+                    <a16:creationId xmlns:a16="http://schemas.microsoft.com/office/drawing/2014/main" id="{8E5C455B-C9E5-5B84-4672-6162B1C24E9C}"/>
+                  </a:ext>
+                </a:extLst>
+              </p:cNvPr>
+              <p:cNvSpPr txBox="1"/>
+              <p:nvPr/>
+            </p:nvSpPr>
+            <p:spPr>
+              <a:xfrm>
+                <a:off x="4749187" y="1638842"/>
+                <a:ext cx="510364" cy="200055"/>
+              </a:xfrm>
+              <a:prstGeom prst="rect">
+                <a:avLst/>
+              </a:prstGeom>
+              <a:noFill/>
+            </p:spPr>
+            <p:txBody>
+              <a:bodyPr wrap="square" rtlCol="0">
+                <a:spAutoFit/>
+              </a:bodyPr>
+              <a:lstStyle/>
+              <a:p>
+                <a:r>
+                  <a:rPr lang="en-GB" sz="700" b="1" dirty="0">
+                    <a:solidFill>
+                      <a:schemeClr val="tx1">
+                        <a:lumMod val="50000"/>
+                        <a:lumOff val="50000"/>
+                      </a:schemeClr>
+                    </a:solidFill>
+                  </a:rPr>
+                  <a:t>n = 42</a:t>
+                </a:r>
+              </a:p>
+            </p:txBody>
+          </p:sp>
+        </p:grpSp>
+      </p:grpSp>
+    </p:spTree>
+    <p:extLst>
+      <p:ext uri="{BB962C8B-B14F-4D97-AF65-F5344CB8AC3E}">
+        <p14:creationId xmlns:p14="http://schemas.microsoft.com/office/powerpoint/2010/main" val="1999184337"/>
+      </p:ext>
+    </p:extLst>
+  </p:cSld>
+  <p:clrMapOvr>
+    <a:masterClrMapping/>
+  </p:clrMapOvr>
+</p:sld>
+</file>
+
 <file path=ppt/slides/slide2.xml><?xml version="1.0" encoding="utf-8"?>
 <p:sld xmlns:a="http://schemas.openxmlformats.org/drawingml/2006/main" xmlns:r="http://schemas.openxmlformats.org/officeDocument/2006/relationships" xmlns:p="http://schemas.openxmlformats.org/presentationml/2006/main">
   <p:cSld>
@@ -6934,6 +10928,2484 @@
     <p:extLst>
       <p:ext uri="{BB962C8B-B14F-4D97-AF65-F5344CB8AC3E}">
         <p14:creationId xmlns:p14="http://schemas.microsoft.com/office/powerpoint/2010/main" val="1199283119"/>
+      </p:ext>
+    </p:extLst>
+  </p:cSld>
+  <p:clrMapOvr>
+    <a:masterClrMapping/>
+  </p:clrMapOvr>
+</p:sld>
+</file>
+
+<file path=ppt/slides/slide20.xml><?xml version="1.0" encoding="utf-8"?>
+<p:sld xmlns:a="http://schemas.openxmlformats.org/drawingml/2006/main" xmlns:r="http://schemas.openxmlformats.org/officeDocument/2006/relationships" xmlns:p="http://schemas.openxmlformats.org/presentationml/2006/main">
+  <p:cSld>
+    <p:spTree>
+      <p:nvGrpSpPr>
+        <p:cNvPr id="1" name=""/>
+        <p:cNvGrpSpPr/>
+        <p:nvPr/>
+      </p:nvGrpSpPr>
+      <p:grpSpPr>
+        <a:xfrm>
+          <a:off x="0" y="0"/>
+          <a:ext cx="0" cy="0"/>
+          <a:chOff x="0" y="0"/>
+          <a:chExt cx="0" cy="0"/>
+        </a:xfrm>
+      </p:grpSpPr>
+      <p:sp>
+        <p:nvSpPr>
+          <p:cNvPr id="4" name="Footer Placeholder 3">
+            <a:extLst>
+              <a:ext uri="{FF2B5EF4-FFF2-40B4-BE49-F238E27FC236}">
+                <a16:creationId xmlns:a16="http://schemas.microsoft.com/office/drawing/2014/main" id="{3718EA3C-958C-963F-0D95-C8C828F512FE}"/>
+              </a:ext>
+            </a:extLst>
+          </p:cNvPr>
+          <p:cNvSpPr>
+            <a:spLocks noGrp="1"/>
+          </p:cNvSpPr>
+          <p:nvPr>
+            <p:ph type="ftr" sz="quarter" idx="11"/>
+          </p:nvPr>
+        </p:nvSpPr>
+        <p:spPr/>
+        <p:txBody>
+          <a:bodyPr/>
+          <a:lstStyle/>
+          <a:p>
+            <a:r>
+              <a:rPr lang="en-GB"/>
+              <a:t>Self-efficacy beliefs and participatory SDE || Dani Gargya || 06.03.24</a:t>
+            </a:r>
+          </a:p>
+        </p:txBody>
+      </p:sp>
+      <p:pic>
+        <p:nvPicPr>
+          <p:cNvPr id="5" name="Picture 4" descr="A screenshot of a computer screen&#10;&#10;Description automatically generated">
+            <a:extLst>
+              <a:ext uri="{FF2B5EF4-FFF2-40B4-BE49-F238E27FC236}">
+                <a16:creationId xmlns:a16="http://schemas.microsoft.com/office/drawing/2014/main" id="{AC967E93-1947-7683-AFB5-13A8051464A5}"/>
+              </a:ext>
+            </a:extLst>
+          </p:cNvPr>
+          <p:cNvPicPr>
+            <a:picLocks noChangeAspect="1"/>
+          </p:cNvPicPr>
+          <p:nvPr/>
+        </p:nvPicPr>
+        <p:blipFill>
+          <a:blip r:embed="rId2">
+            <a:extLst>
+              <a:ext uri="{28A0092B-C50C-407E-A947-70E740481C1C}">
+                <a14:useLocalDpi xmlns:a14="http://schemas.microsoft.com/office/drawing/2010/main" val="0"/>
+              </a:ext>
+            </a:extLst>
+          </a:blip>
+          <a:srcRect/>
+          <a:stretch>
+            <a:fillRect/>
+          </a:stretch>
+        </p:blipFill>
+        <p:spPr bwMode="auto">
+          <a:xfrm>
+            <a:off x="3008906" y="783204"/>
+            <a:ext cx="5760720" cy="4114800"/>
+          </a:xfrm>
+          <a:prstGeom prst="rect">
+            <a:avLst/>
+          </a:prstGeom>
+          <a:noFill/>
+          <a:ln>
+            <a:noFill/>
+          </a:ln>
+        </p:spPr>
+      </p:pic>
+      <p:grpSp>
+        <p:nvGrpSpPr>
+          <p:cNvPr id="6" name="Group 5">
+            <a:extLst>
+              <a:ext uri="{FF2B5EF4-FFF2-40B4-BE49-F238E27FC236}">
+                <a16:creationId xmlns:a16="http://schemas.microsoft.com/office/drawing/2014/main" id="{7E71A503-4D37-C653-371F-0564539592E7}"/>
+              </a:ext>
+            </a:extLst>
+          </p:cNvPr>
+          <p:cNvGrpSpPr/>
+          <p:nvPr/>
+        </p:nvGrpSpPr>
+        <p:grpSpPr>
+          <a:xfrm>
+            <a:off x="5428600" y="1123651"/>
+            <a:ext cx="1574082" cy="196264"/>
+            <a:chOff x="3528236" y="846418"/>
+            <a:chExt cx="1574082" cy="200055"/>
+          </a:xfrm>
+        </p:grpSpPr>
+        <p:sp>
+          <p:nvSpPr>
+            <p:cNvPr id="7" name="TextBox 6">
+              <a:extLst>
+                <a:ext uri="{FF2B5EF4-FFF2-40B4-BE49-F238E27FC236}">
+                  <a16:creationId xmlns:a16="http://schemas.microsoft.com/office/drawing/2014/main" id="{AC0E09E2-1AED-330D-053D-FF943CBF2F90}"/>
+                </a:ext>
+              </a:extLst>
+            </p:cNvPr>
+            <p:cNvSpPr txBox="1"/>
+            <p:nvPr/>
+          </p:nvSpPr>
+          <p:spPr>
+            <a:xfrm>
+              <a:off x="4591954" y="846418"/>
+              <a:ext cx="510364" cy="200055"/>
+            </a:xfrm>
+            <a:prstGeom prst="rect">
+              <a:avLst/>
+            </a:prstGeom>
+            <a:noFill/>
+          </p:spPr>
+          <p:txBody>
+            <a:bodyPr wrap="square" rtlCol="0">
+              <a:spAutoFit/>
+            </a:bodyPr>
+            <a:lstStyle/>
+            <a:p>
+              <a:r>
+                <a:rPr lang="en-GB" sz="700" b="1" dirty="0">
+                  <a:solidFill>
+                    <a:schemeClr val="tx1">
+                      <a:lumMod val="50000"/>
+                      <a:lumOff val="50000"/>
+                    </a:schemeClr>
+                  </a:solidFill>
+                </a:rPr>
+                <a:t>n = 7</a:t>
+              </a:r>
+            </a:p>
+          </p:txBody>
+        </p:sp>
+        <p:grpSp>
+          <p:nvGrpSpPr>
+            <p:cNvPr id="8" name="Group 7">
+              <a:extLst>
+                <a:ext uri="{FF2B5EF4-FFF2-40B4-BE49-F238E27FC236}">
+                  <a16:creationId xmlns:a16="http://schemas.microsoft.com/office/drawing/2014/main" id="{6ACF379D-82BA-F4FC-87E6-5E4A04E7A115}"/>
+                </a:ext>
+              </a:extLst>
+            </p:cNvPr>
+            <p:cNvGrpSpPr/>
+            <p:nvPr/>
+          </p:nvGrpSpPr>
+          <p:grpSpPr>
+            <a:xfrm>
+              <a:off x="3528236" y="846418"/>
+              <a:ext cx="1063718" cy="200055"/>
+              <a:chOff x="3528236" y="846418"/>
+              <a:chExt cx="1063718" cy="200055"/>
+            </a:xfrm>
+          </p:grpSpPr>
+          <p:sp>
+            <p:nvSpPr>
+              <p:cNvPr id="9" name="TextBox 8">
+                <a:extLst>
+                  <a:ext uri="{FF2B5EF4-FFF2-40B4-BE49-F238E27FC236}">
+                    <a16:creationId xmlns:a16="http://schemas.microsoft.com/office/drawing/2014/main" id="{F0C55C58-9683-FAF6-AEA1-53819A850A09}"/>
+                  </a:ext>
+                </a:extLst>
+              </p:cNvPr>
+              <p:cNvSpPr txBox="1"/>
+              <p:nvPr/>
+            </p:nvSpPr>
+            <p:spPr>
+              <a:xfrm>
+                <a:off x="3528236" y="846418"/>
+                <a:ext cx="510364" cy="200055"/>
+              </a:xfrm>
+              <a:prstGeom prst="rect">
+                <a:avLst/>
+              </a:prstGeom>
+              <a:noFill/>
+            </p:spPr>
+            <p:txBody>
+              <a:bodyPr wrap="square" rtlCol="0">
+                <a:spAutoFit/>
+              </a:bodyPr>
+              <a:lstStyle/>
+              <a:p>
+                <a:r>
+                  <a:rPr lang="en-GB" sz="700" b="1" dirty="0">
+                    <a:solidFill>
+                      <a:schemeClr val="tx1">
+                        <a:lumMod val="50000"/>
+                        <a:lumOff val="50000"/>
+                      </a:schemeClr>
+                    </a:solidFill>
+                  </a:rPr>
+                  <a:t>n = 20</a:t>
+                </a:r>
+              </a:p>
+            </p:txBody>
+          </p:sp>
+          <p:sp>
+            <p:nvSpPr>
+              <p:cNvPr id="10" name="TextBox 9">
+                <a:extLst>
+                  <a:ext uri="{FF2B5EF4-FFF2-40B4-BE49-F238E27FC236}">
+                    <a16:creationId xmlns:a16="http://schemas.microsoft.com/office/drawing/2014/main" id="{CD412F9B-9DB3-D0AC-EFE7-5F8996E8E4E1}"/>
+                  </a:ext>
+                </a:extLst>
+              </p:cNvPr>
+              <p:cNvSpPr txBox="1"/>
+              <p:nvPr/>
+            </p:nvSpPr>
+            <p:spPr>
+              <a:xfrm>
+                <a:off x="4081590" y="846418"/>
+                <a:ext cx="510364" cy="200055"/>
+              </a:xfrm>
+              <a:prstGeom prst="rect">
+                <a:avLst/>
+              </a:prstGeom>
+              <a:noFill/>
+            </p:spPr>
+            <p:txBody>
+              <a:bodyPr wrap="square" rtlCol="0">
+                <a:spAutoFit/>
+              </a:bodyPr>
+              <a:lstStyle/>
+              <a:p>
+                <a:r>
+                  <a:rPr lang="en-GB" sz="700" b="1" dirty="0">
+                    <a:solidFill>
+                      <a:schemeClr val="tx1">
+                        <a:lumMod val="50000"/>
+                        <a:lumOff val="50000"/>
+                      </a:schemeClr>
+                    </a:solidFill>
+                  </a:rPr>
+                  <a:t>n = 18</a:t>
+                </a:r>
+              </a:p>
+            </p:txBody>
+          </p:sp>
+        </p:grpSp>
+      </p:grpSp>
+      <p:grpSp>
+        <p:nvGrpSpPr>
+          <p:cNvPr id="11" name="Group 10">
+            <a:extLst>
+              <a:ext uri="{FF2B5EF4-FFF2-40B4-BE49-F238E27FC236}">
+                <a16:creationId xmlns:a16="http://schemas.microsoft.com/office/drawing/2014/main" id="{FDB39519-56BE-DA3F-E54B-9C7D04A84347}"/>
+              </a:ext>
+            </a:extLst>
+          </p:cNvPr>
+          <p:cNvGrpSpPr/>
+          <p:nvPr/>
+        </p:nvGrpSpPr>
+        <p:grpSpPr>
+          <a:xfrm>
+            <a:off x="7195544" y="1123651"/>
+            <a:ext cx="1574082" cy="196264"/>
+            <a:chOff x="3528236" y="846418"/>
+            <a:chExt cx="1574082" cy="200055"/>
+          </a:xfrm>
+        </p:grpSpPr>
+        <p:sp>
+          <p:nvSpPr>
+            <p:cNvPr id="12" name="TextBox 11">
+              <a:extLst>
+                <a:ext uri="{FF2B5EF4-FFF2-40B4-BE49-F238E27FC236}">
+                  <a16:creationId xmlns:a16="http://schemas.microsoft.com/office/drawing/2014/main" id="{251EE480-5E52-C158-EF66-7A262BEABF8E}"/>
+                </a:ext>
+              </a:extLst>
+            </p:cNvPr>
+            <p:cNvSpPr txBox="1"/>
+            <p:nvPr/>
+          </p:nvSpPr>
+          <p:spPr>
+            <a:xfrm>
+              <a:off x="4591954" y="846418"/>
+              <a:ext cx="510364" cy="200055"/>
+            </a:xfrm>
+            <a:prstGeom prst="rect">
+              <a:avLst/>
+            </a:prstGeom>
+            <a:noFill/>
+          </p:spPr>
+          <p:txBody>
+            <a:bodyPr wrap="square" rtlCol="0">
+              <a:spAutoFit/>
+            </a:bodyPr>
+            <a:lstStyle/>
+            <a:p>
+              <a:r>
+                <a:rPr lang="en-GB" sz="700" b="1" dirty="0">
+                  <a:solidFill>
+                    <a:schemeClr val="tx1">
+                      <a:lumMod val="50000"/>
+                      <a:lumOff val="50000"/>
+                    </a:schemeClr>
+                  </a:solidFill>
+                </a:rPr>
+                <a:t>n = 7</a:t>
+              </a:r>
+            </a:p>
+          </p:txBody>
+        </p:sp>
+        <p:grpSp>
+          <p:nvGrpSpPr>
+            <p:cNvPr id="13" name="Group 12">
+              <a:extLst>
+                <a:ext uri="{FF2B5EF4-FFF2-40B4-BE49-F238E27FC236}">
+                  <a16:creationId xmlns:a16="http://schemas.microsoft.com/office/drawing/2014/main" id="{C6141498-CFAA-AF50-A208-808ED8742293}"/>
+                </a:ext>
+              </a:extLst>
+            </p:cNvPr>
+            <p:cNvGrpSpPr/>
+            <p:nvPr/>
+          </p:nvGrpSpPr>
+          <p:grpSpPr>
+            <a:xfrm>
+              <a:off x="3528236" y="846418"/>
+              <a:ext cx="1063718" cy="200055"/>
+              <a:chOff x="3528236" y="846418"/>
+              <a:chExt cx="1063718" cy="200055"/>
+            </a:xfrm>
+          </p:grpSpPr>
+          <p:sp>
+            <p:nvSpPr>
+              <p:cNvPr id="14" name="TextBox 13">
+                <a:extLst>
+                  <a:ext uri="{FF2B5EF4-FFF2-40B4-BE49-F238E27FC236}">
+                    <a16:creationId xmlns:a16="http://schemas.microsoft.com/office/drawing/2014/main" id="{D2105084-6B92-E15B-A3BF-6F7AFF62C110}"/>
+                  </a:ext>
+                </a:extLst>
+              </p:cNvPr>
+              <p:cNvSpPr txBox="1"/>
+              <p:nvPr/>
+            </p:nvSpPr>
+            <p:spPr>
+              <a:xfrm>
+                <a:off x="3528236" y="846418"/>
+                <a:ext cx="510364" cy="200055"/>
+              </a:xfrm>
+              <a:prstGeom prst="rect">
+                <a:avLst/>
+              </a:prstGeom>
+              <a:noFill/>
+            </p:spPr>
+            <p:txBody>
+              <a:bodyPr wrap="square" rtlCol="0">
+                <a:spAutoFit/>
+              </a:bodyPr>
+              <a:lstStyle/>
+              <a:p>
+                <a:r>
+                  <a:rPr lang="en-GB" sz="700" b="1" dirty="0">
+                    <a:solidFill>
+                      <a:schemeClr val="tx1">
+                        <a:lumMod val="50000"/>
+                        <a:lumOff val="50000"/>
+                      </a:schemeClr>
+                    </a:solidFill>
+                  </a:rPr>
+                  <a:t>n = 20</a:t>
+                </a:r>
+              </a:p>
+            </p:txBody>
+          </p:sp>
+          <p:sp>
+            <p:nvSpPr>
+              <p:cNvPr id="15" name="TextBox 14">
+                <a:extLst>
+                  <a:ext uri="{FF2B5EF4-FFF2-40B4-BE49-F238E27FC236}">
+                    <a16:creationId xmlns:a16="http://schemas.microsoft.com/office/drawing/2014/main" id="{43726AC5-DF23-B9FD-B520-85045C91C73F}"/>
+                  </a:ext>
+                </a:extLst>
+              </p:cNvPr>
+              <p:cNvSpPr txBox="1"/>
+              <p:nvPr/>
+            </p:nvSpPr>
+            <p:spPr>
+              <a:xfrm>
+                <a:off x="4081590" y="846418"/>
+                <a:ext cx="510364" cy="200055"/>
+              </a:xfrm>
+              <a:prstGeom prst="rect">
+                <a:avLst/>
+              </a:prstGeom>
+              <a:noFill/>
+            </p:spPr>
+            <p:txBody>
+              <a:bodyPr wrap="square" rtlCol="0">
+                <a:spAutoFit/>
+              </a:bodyPr>
+              <a:lstStyle/>
+              <a:p>
+                <a:r>
+                  <a:rPr lang="en-GB" sz="700" b="1" dirty="0">
+                    <a:solidFill>
+                      <a:schemeClr val="tx1">
+                        <a:lumMod val="50000"/>
+                        <a:lumOff val="50000"/>
+                      </a:schemeClr>
+                    </a:solidFill>
+                  </a:rPr>
+                  <a:t>n = 18</a:t>
+                </a:r>
+              </a:p>
+            </p:txBody>
+          </p:sp>
+        </p:grpSp>
+      </p:grpSp>
+      <p:grpSp>
+        <p:nvGrpSpPr>
+          <p:cNvPr id="16" name="Group 15">
+            <a:extLst>
+              <a:ext uri="{FF2B5EF4-FFF2-40B4-BE49-F238E27FC236}">
+                <a16:creationId xmlns:a16="http://schemas.microsoft.com/office/drawing/2014/main" id="{113AFD23-E028-41DD-FA7E-967C32EF57C5}"/>
+              </a:ext>
+            </a:extLst>
+          </p:cNvPr>
+          <p:cNvGrpSpPr/>
+          <p:nvPr/>
+        </p:nvGrpSpPr>
+        <p:grpSpPr>
+          <a:xfrm>
+            <a:off x="3727742" y="1168821"/>
+            <a:ext cx="1552587" cy="213436"/>
+            <a:chOff x="3549731" y="828914"/>
+            <a:chExt cx="1552587" cy="217559"/>
+          </a:xfrm>
+        </p:grpSpPr>
+        <p:sp>
+          <p:nvSpPr>
+            <p:cNvPr id="17" name="TextBox 16">
+              <a:extLst>
+                <a:ext uri="{FF2B5EF4-FFF2-40B4-BE49-F238E27FC236}">
+                  <a16:creationId xmlns:a16="http://schemas.microsoft.com/office/drawing/2014/main" id="{BA8FB444-97C6-2480-7E0B-09E76C236FA6}"/>
+                </a:ext>
+              </a:extLst>
+            </p:cNvPr>
+            <p:cNvSpPr txBox="1"/>
+            <p:nvPr/>
+          </p:nvSpPr>
+          <p:spPr>
+            <a:xfrm>
+              <a:off x="4591954" y="828914"/>
+              <a:ext cx="510364" cy="200055"/>
+            </a:xfrm>
+            <a:prstGeom prst="rect">
+              <a:avLst/>
+            </a:prstGeom>
+            <a:noFill/>
+          </p:spPr>
+          <p:txBody>
+            <a:bodyPr wrap="square" rtlCol="0">
+              <a:spAutoFit/>
+            </a:bodyPr>
+            <a:lstStyle/>
+            <a:p>
+              <a:r>
+                <a:rPr lang="en-GB" sz="700" b="1" dirty="0">
+                  <a:solidFill>
+                    <a:schemeClr val="tx1">
+                      <a:lumMod val="50000"/>
+                      <a:lumOff val="50000"/>
+                    </a:schemeClr>
+                  </a:solidFill>
+                </a:rPr>
+                <a:t>n = 7</a:t>
+              </a:r>
+            </a:p>
+          </p:txBody>
+        </p:sp>
+        <p:grpSp>
+          <p:nvGrpSpPr>
+            <p:cNvPr id="18" name="Group 17">
+              <a:extLst>
+                <a:ext uri="{FF2B5EF4-FFF2-40B4-BE49-F238E27FC236}">
+                  <a16:creationId xmlns:a16="http://schemas.microsoft.com/office/drawing/2014/main" id="{5A33DC05-AD97-B1E4-3749-F778BB4C216F}"/>
+                </a:ext>
+              </a:extLst>
+            </p:cNvPr>
+            <p:cNvGrpSpPr/>
+            <p:nvPr/>
+          </p:nvGrpSpPr>
+          <p:grpSpPr>
+            <a:xfrm>
+              <a:off x="3549731" y="828914"/>
+              <a:ext cx="1042223" cy="217559"/>
+              <a:chOff x="3549731" y="828914"/>
+              <a:chExt cx="1042223" cy="217559"/>
+            </a:xfrm>
+          </p:grpSpPr>
+          <p:sp>
+            <p:nvSpPr>
+              <p:cNvPr id="19" name="TextBox 18">
+                <a:extLst>
+                  <a:ext uri="{FF2B5EF4-FFF2-40B4-BE49-F238E27FC236}">
+                    <a16:creationId xmlns:a16="http://schemas.microsoft.com/office/drawing/2014/main" id="{1D3AA8BC-A2F3-D648-798F-FDC64713F2F0}"/>
+                  </a:ext>
+                </a:extLst>
+              </p:cNvPr>
+              <p:cNvSpPr txBox="1"/>
+              <p:nvPr/>
+            </p:nvSpPr>
+            <p:spPr>
+              <a:xfrm>
+                <a:off x="3549731" y="828914"/>
+                <a:ext cx="510364" cy="200055"/>
+              </a:xfrm>
+              <a:prstGeom prst="rect">
+                <a:avLst/>
+              </a:prstGeom>
+              <a:noFill/>
+            </p:spPr>
+            <p:txBody>
+              <a:bodyPr wrap="square" rtlCol="0">
+                <a:spAutoFit/>
+              </a:bodyPr>
+              <a:lstStyle/>
+              <a:p>
+                <a:r>
+                  <a:rPr lang="en-GB" sz="700" b="1" dirty="0">
+                    <a:solidFill>
+                      <a:schemeClr val="tx1">
+                        <a:lumMod val="50000"/>
+                        <a:lumOff val="50000"/>
+                      </a:schemeClr>
+                    </a:solidFill>
+                  </a:rPr>
+                  <a:t>n = 20</a:t>
+                </a:r>
+              </a:p>
+            </p:txBody>
+          </p:sp>
+          <p:sp>
+            <p:nvSpPr>
+              <p:cNvPr id="20" name="TextBox 19">
+                <a:extLst>
+                  <a:ext uri="{FF2B5EF4-FFF2-40B4-BE49-F238E27FC236}">
+                    <a16:creationId xmlns:a16="http://schemas.microsoft.com/office/drawing/2014/main" id="{100E65C3-A52E-3B2E-2CAA-757DE39A7E0D}"/>
+                  </a:ext>
+                </a:extLst>
+              </p:cNvPr>
+              <p:cNvSpPr txBox="1"/>
+              <p:nvPr/>
+            </p:nvSpPr>
+            <p:spPr>
+              <a:xfrm>
+                <a:off x="4081590" y="846418"/>
+                <a:ext cx="510364" cy="200055"/>
+              </a:xfrm>
+              <a:prstGeom prst="rect">
+                <a:avLst/>
+              </a:prstGeom>
+              <a:noFill/>
+            </p:spPr>
+            <p:txBody>
+              <a:bodyPr wrap="square" rtlCol="0">
+                <a:spAutoFit/>
+              </a:bodyPr>
+              <a:lstStyle/>
+              <a:p>
+                <a:r>
+                  <a:rPr lang="en-GB" sz="700" b="1" dirty="0">
+                    <a:solidFill>
+                      <a:schemeClr val="tx1">
+                        <a:lumMod val="50000"/>
+                        <a:lumOff val="50000"/>
+                      </a:schemeClr>
+                    </a:solidFill>
+                  </a:rPr>
+                  <a:t>n = 18</a:t>
+                </a:r>
+              </a:p>
+            </p:txBody>
+          </p:sp>
+        </p:grpSp>
+      </p:grpSp>
+      <p:grpSp>
+        <p:nvGrpSpPr>
+          <p:cNvPr id="21" name="Group 20">
+            <a:extLst>
+              <a:ext uri="{FF2B5EF4-FFF2-40B4-BE49-F238E27FC236}">
+                <a16:creationId xmlns:a16="http://schemas.microsoft.com/office/drawing/2014/main" id="{2EEF4A46-D8F5-B299-AD99-C933181F9A6D}"/>
+              </a:ext>
+            </a:extLst>
+          </p:cNvPr>
+          <p:cNvGrpSpPr/>
+          <p:nvPr/>
+        </p:nvGrpSpPr>
+        <p:grpSpPr>
+          <a:xfrm>
+            <a:off x="3706247" y="2742472"/>
+            <a:ext cx="1574082" cy="196264"/>
+            <a:chOff x="3528236" y="846418"/>
+            <a:chExt cx="1574082" cy="200055"/>
+          </a:xfrm>
+        </p:grpSpPr>
+        <p:sp>
+          <p:nvSpPr>
+            <p:cNvPr id="22" name="TextBox 21">
+              <a:extLst>
+                <a:ext uri="{FF2B5EF4-FFF2-40B4-BE49-F238E27FC236}">
+                  <a16:creationId xmlns:a16="http://schemas.microsoft.com/office/drawing/2014/main" id="{3A8B825E-A801-0CEB-5409-A641E5D18EE2}"/>
+                </a:ext>
+              </a:extLst>
+            </p:cNvPr>
+            <p:cNvSpPr txBox="1"/>
+            <p:nvPr/>
+          </p:nvSpPr>
+          <p:spPr>
+            <a:xfrm>
+              <a:off x="4591954" y="846418"/>
+              <a:ext cx="510364" cy="200055"/>
+            </a:xfrm>
+            <a:prstGeom prst="rect">
+              <a:avLst/>
+            </a:prstGeom>
+            <a:noFill/>
+          </p:spPr>
+          <p:txBody>
+            <a:bodyPr wrap="square" rtlCol="0">
+              <a:spAutoFit/>
+            </a:bodyPr>
+            <a:lstStyle/>
+            <a:p>
+              <a:r>
+                <a:rPr lang="en-GB" sz="700" b="1" dirty="0">
+                  <a:solidFill>
+                    <a:schemeClr val="tx1">
+                      <a:lumMod val="50000"/>
+                      <a:lumOff val="50000"/>
+                    </a:schemeClr>
+                  </a:solidFill>
+                </a:rPr>
+                <a:t>n = 7</a:t>
+              </a:r>
+            </a:p>
+          </p:txBody>
+        </p:sp>
+        <p:grpSp>
+          <p:nvGrpSpPr>
+            <p:cNvPr id="23" name="Group 22">
+              <a:extLst>
+                <a:ext uri="{FF2B5EF4-FFF2-40B4-BE49-F238E27FC236}">
+                  <a16:creationId xmlns:a16="http://schemas.microsoft.com/office/drawing/2014/main" id="{2488542F-1922-E8C2-7DE0-F07B30269F47}"/>
+                </a:ext>
+              </a:extLst>
+            </p:cNvPr>
+            <p:cNvGrpSpPr/>
+            <p:nvPr/>
+          </p:nvGrpSpPr>
+          <p:grpSpPr>
+            <a:xfrm>
+              <a:off x="3528236" y="846418"/>
+              <a:ext cx="1063718" cy="200055"/>
+              <a:chOff x="3528236" y="846418"/>
+              <a:chExt cx="1063718" cy="200055"/>
+            </a:xfrm>
+          </p:grpSpPr>
+          <p:sp>
+            <p:nvSpPr>
+              <p:cNvPr id="24" name="TextBox 23">
+                <a:extLst>
+                  <a:ext uri="{FF2B5EF4-FFF2-40B4-BE49-F238E27FC236}">
+                    <a16:creationId xmlns:a16="http://schemas.microsoft.com/office/drawing/2014/main" id="{C6EAA65B-8AF6-EC11-70C2-BB762B9683F6}"/>
+                  </a:ext>
+                </a:extLst>
+              </p:cNvPr>
+              <p:cNvSpPr txBox="1"/>
+              <p:nvPr/>
+            </p:nvSpPr>
+            <p:spPr>
+              <a:xfrm>
+                <a:off x="3528236" y="846418"/>
+                <a:ext cx="510364" cy="200055"/>
+              </a:xfrm>
+              <a:prstGeom prst="rect">
+                <a:avLst/>
+              </a:prstGeom>
+              <a:noFill/>
+            </p:spPr>
+            <p:txBody>
+              <a:bodyPr wrap="square" rtlCol="0">
+                <a:spAutoFit/>
+              </a:bodyPr>
+              <a:lstStyle/>
+              <a:p>
+                <a:r>
+                  <a:rPr lang="en-GB" sz="700" b="1" dirty="0">
+                    <a:solidFill>
+                      <a:schemeClr val="tx1">
+                        <a:lumMod val="50000"/>
+                        <a:lumOff val="50000"/>
+                      </a:schemeClr>
+                    </a:solidFill>
+                  </a:rPr>
+                  <a:t>n = 20</a:t>
+                </a:r>
+              </a:p>
+            </p:txBody>
+          </p:sp>
+          <p:sp>
+            <p:nvSpPr>
+              <p:cNvPr id="25" name="TextBox 24">
+                <a:extLst>
+                  <a:ext uri="{FF2B5EF4-FFF2-40B4-BE49-F238E27FC236}">
+                    <a16:creationId xmlns:a16="http://schemas.microsoft.com/office/drawing/2014/main" id="{442C1E7F-82AE-ECF8-225D-EBC42AD967C2}"/>
+                  </a:ext>
+                </a:extLst>
+              </p:cNvPr>
+              <p:cNvSpPr txBox="1"/>
+              <p:nvPr/>
+            </p:nvSpPr>
+            <p:spPr>
+              <a:xfrm>
+                <a:off x="4081590" y="846418"/>
+                <a:ext cx="510364" cy="200055"/>
+              </a:xfrm>
+              <a:prstGeom prst="rect">
+                <a:avLst/>
+              </a:prstGeom>
+              <a:noFill/>
+            </p:spPr>
+            <p:txBody>
+              <a:bodyPr wrap="square" rtlCol="0">
+                <a:spAutoFit/>
+              </a:bodyPr>
+              <a:lstStyle/>
+              <a:p>
+                <a:r>
+                  <a:rPr lang="en-GB" sz="700" b="1" dirty="0">
+                    <a:solidFill>
+                      <a:schemeClr val="tx1">
+                        <a:lumMod val="50000"/>
+                        <a:lumOff val="50000"/>
+                      </a:schemeClr>
+                    </a:solidFill>
+                  </a:rPr>
+                  <a:t>n = 18</a:t>
+                </a:r>
+              </a:p>
+            </p:txBody>
+          </p:sp>
+        </p:grpSp>
+      </p:grpSp>
+      <p:grpSp>
+        <p:nvGrpSpPr>
+          <p:cNvPr id="26" name="Group 25">
+            <a:extLst>
+              <a:ext uri="{FF2B5EF4-FFF2-40B4-BE49-F238E27FC236}">
+                <a16:creationId xmlns:a16="http://schemas.microsoft.com/office/drawing/2014/main" id="{A207540A-931B-7C1F-46EF-08DBEABA1523}"/>
+              </a:ext>
+            </a:extLst>
+          </p:cNvPr>
+          <p:cNvGrpSpPr/>
+          <p:nvPr/>
+        </p:nvGrpSpPr>
+        <p:grpSpPr>
+          <a:xfrm>
+            <a:off x="5428600" y="3010827"/>
+            <a:ext cx="1574082" cy="196264"/>
+            <a:chOff x="3528236" y="846418"/>
+            <a:chExt cx="1574082" cy="200055"/>
+          </a:xfrm>
+        </p:grpSpPr>
+        <p:sp>
+          <p:nvSpPr>
+            <p:cNvPr id="27" name="TextBox 26">
+              <a:extLst>
+                <a:ext uri="{FF2B5EF4-FFF2-40B4-BE49-F238E27FC236}">
+                  <a16:creationId xmlns:a16="http://schemas.microsoft.com/office/drawing/2014/main" id="{C43CB54B-DA48-49F9-9C5E-45E55C627A6A}"/>
+                </a:ext>
+              </a:extLst>
+            </p:cNvPr>
+            <p:cNvSpPr txBox="1"/>
+            <p:nvPr/>
+          </p:nvSpPr>
+          <p:spPr>
+            <a:xfrm>
+              <a:off x="4591954" y="846418"/>
+              <a:ext cx="510364" cy="200055"/>
+            </a:xfrm>
+            <a:prstGeom prst="rect">
+              <a:avLst/>
+            </a:prstGeom>
+            <a:noFill/>
+          </p:spPr>
+          <p:txBody>
+            <a:bodyPr wrap="square" rtlCol="0">
+              <a:spAutoFit/>
+            </a:bodyPr>
+            <a:lstStyle/>
+            <a:p>
+              <a:r>
+                <a:rPr lang="en-GB" sz="700" b="1" dirty="0">
+                  <a:solidFill>
+                    <a:schemeClr val="tx1">
+                      <a:lumMod val="50000"/>
+                      <a:lumOff val="50000"/>
+                    </a:schemeClr>
+                  </a:solidFill>
+                </a:rPr>
+                <a:t>n = 7</a:t>
+              </a:r>
+            </a:p>
+          </p:txBody>
+        </p:sp>
+        <p:grpSp>
+          <p:nvGrpSpPr>
+            <p:cNvPr id="28" name="Group 27">
+              <a:extLst>
+                <a:ext uri="{FF2B5EF4-FFF2-40B4-BE49-F238E27FC236}">
+                  <a16:creationId xmlns:a16="http://schemas.microsoft.com/office/drawing/2014/main" id="{18F7E171-CAB5-113A-071A-BB3520146022}"/>
+                </a:ext>
+              </a:extLst>
+            </p:cNvPr>
+            <p:cNvGrpSpPr/>
+            <p:nvPr/>
+          </p:nvGrpSpPr>
+          <p:grpSpPr>
+            <a:xfrm>
+              <a:off x="3528236" y="846418"/>
+              <a:ext cx="1063718" cy="200055"/>
+              <a:chOff x="3528236" y="846418"/>
+              <a:chExt cx="1063718" cy="200055"/>
+            </a:xfrm>
+          </p:grpSpPr>
+          <p:sp>
+            <p:nvSpPr>
+              <p:cNvPr id="29" name="TextBox 28">
+                <a:extLst>
+                  <a:ext uri="{FF2B5EF4-FFF2-40B4-BE49-F238E27FC236}">
+                    <a16:creationId xmlns:a16="http://schemas.microsoft.com/office/drawing/2014/main" id="{F387BE0B-5F14-802F-0215-57215D257D89}"/>
+                  </a:ext>
+                </a:extLst>
+              </p:cNvPr>
+              <p:cNvSpPr txBox="1"/>
+              <p:nvPr/>
+            </p:nvSpPr>
+            <p:spPr>
+              <a:xfrm>
+                <a:off x="3528236" y="846418"/>
+                <a:ext cx="510364" cy="200055"/>
+              </a:xfrm>
+              <a:prstGeom prst="rect">
+                <a:avLst/>
+              </a:prstGeom>
+              <a:noFill/>
+            </p:spPr>
+            <p:txBody>
+              <a:bodyPr wrap="square" rtlCol="0">
+                <a:spAutoFit/>
+              </a:bodyPr>
+              <a:lstStyle/>
+              <a:p>
+                <a:r>
+                  <a:rPr lang="en-GB" sz="700" b="1" dirty="0">
+                    <a:solidFill>
+                      <a:schemeClr val="tx1">
+                        <a:lumMod val="50000"/>
+                        <a:lumOff val="50000"/>
+                      </a:schemeClr>
+                    </a:solidFill>
+                  </a:rPr>
+                  <a:t>n = 20</a:t>
+                </a:r>
+              </a:p>
+            </p:txBody>
+          </p:sp>
+          <p:sp>
+            <p:nvSpPr>
+              <p:cNvPr id="30" name="TextBox 29">
+                <a:extLst>
+                  <a:ext uri="{FF2B5EF4-FFF2-40B4-BE49-F238E27FC236}">
+                    <a16:creationId xmlns:a16="http://schemas.microsoft.com/office/drawing/2014/main" id="{F1C957EE-35E4-1062-7F4E-AEBF1717EB72}"/>
+                  </a:ext>
+                </a:extLst>
+              </p:cNvPr>
+              <p:cNvSpPr txBox="1"/>
+              <p:nvPr/>
+            </p:nvSpPr>
+            <p:spPr>
+              <a:xfrm>
+                <a:off x="4081590" y="846418"/>
+                <a:ext cx="510364" cy="200055"/>
+              </a:xfrm>
+              <a:prstGeom prst="rect">
+                <a:avLst/>
+              </a:prstGeom>
+              <a:noFill/>
+            </p:spPr>
+            <p:txBody>
+              <a:bodyPr wrap="square" rtlCol="0">
+                <a:spAutoFit/>
+              </a:bodyPr>
+              <a:lstStyle/>
+              <a:p>
+                <a:r>
+                  <a:rPr lang="en-GB" sz="700" b="1" dirty="0">
+                    <a:solidFill>
+                      <a:schemeClr val="tx1">
+                        <a:lumMod val="50000"/>
+                        <a:lumOff val="50000"/>
+                      </a:schemeClr>
+                    </a:solidFill>
+                  </a:rPr>
+                  <a:t>n = 18</a:t>
+                </a:r>
+              </a:p>
+            </p:txBody>
+          </p:sp>
+        </p:grpSp>
+      </p:grpSp>
+      <p:grpSp>
+        <p:nvGrpSpPr>
+          <p:cNvPr id="31" name="Group 30">
+            <a:extLst>
+              <a:ext uri="{FF2B5EF4-FFF2-40B4-BE49-F238E27FC236}">
+                <a16:creationId xmlns:a16="http://schemas.microsoft.com/office/drawing/2014/main" id="{610B9AA4-8627-EB97-85DA-425E4807ED94}"/>
+              </a:ext>
+            </a:extLst>
+          </p:cNvPr>
+          <p:cNvGrpSpPr/>
+          <p:nvPr/>
+        </p:nvGrpSpPr>
+        <p:grpSpPr>
+          <a:xfrm>
+            <a:off x="7125308" y="2739828"/>
+            <a:ext cx="1574082" cy="196264"/>
+            <a:chOff x="3528236" y="846418"/>
+            <a:chExt cx="1574082" cy="200055"/>
+          </a:xfrm>
+        </p:grpSpPr>
+        <p:sp>
+          <p:nvSpPr>
+            <p:cNvPr id="32" name="TextBox 31">
+              <a:extLst>
+                <a:ext uri="{FF2B5EF4-FFF2-40B4-BE49-F238E27FC236}">
+                  <a16:creationId xmlns:a16="http://schemas.microsoft.com/office/drawing/2014/main" id="{B23F02CB-CDFF-CB52-5916-454871E6A64E}"/>
+                </a:ext>
+              </a:extLst>
+            </p:cNvPr>
+            <p:cNvSpPr txBox="1"/>
+            <p:nvPr/>
+          </p:nvSpPr>
+          <p:spPr>
+            <a:xfrm>
+              <a:off x="4591954" y="846418"/>
+              <a:ext cx="510364" cy="200055"/>
+            </a:xfrm>
+            <a:prstGeom prst="rect">
+              <a:avLst/>
+            </a:prstGeom>
+            <a:noFill/>
+          </p:spPr>
+          <p:txBody>
+            <a:bodyPr wrap="square" rtlCol="0">
+              <a:spAutoFit/>
+            </a:bodyPr>
+            <a:lstStyle/>
+            <a:p>
+              <a:r>
+                <a:rPr lang="en-GB" sz="700" b="1" dirty="0">
+                  <a:solidFill>
+                    <a:schemeClr val="tx1">
+                      <a:lumMod val="50000"/>
+                      <a:lumOff val="50000"/>
+                    </a:schemeClr>
+                  </a:solidFill>
+                </a:rPr>
+                <a:t>n = 7</a:t>
+              </a:r>
+            </a:p>
+          </p:txBody>
+        </p:sp>
+        <p:grpSp>
+          <p:nvGrpSpPr>
+            <p:cNvPr id="33" name="Group 32">
+              <a:extLst>
+                <a:ext uri="{FF2B5EF4-FFF2-40B4-BE49-F238E27FC236}">
+                  <a16:creationId xmlns:a16="http://schemas.microsoft.com/office/drawing/2014/main" id="{F7890425-653F-44F1-0899-3BEBD725351E}"/>
+                </a:ext>
+              </a:extLst>
+            </p:cNvPr>
+            <p:cNvGrpSpPr/>
+            <p:nvPr/>
+          </p:nvGrpSpPr>
+          <p:grpSpPr>
+            <a:xfrm>
+              <a:off x="3528236" y="846418"/>
+              <a:ext cx="1063718" cy="200055"/>
+              <a:chOff x="3528236" y="846418"/>
+              <a:chExt cx="1063718" cy="200055"/>
+            </a:xfrm>
+          </p:grpSpPr>
+          <p:sp>
+            <p:nvSpPr>
+              <p:cNvPr id="34" name="TextBox 33">
+                <a:extLst>
+                  <a:ext uri="{FF2B5EF4-FFF2-40B4-BE49-F238E27FC236}">
+                    <a16:creationId xmlns:a16="http://schemas.microsoft.com/office/drawing/2014/main" id="{890E619C-52E8-EAAF-90EE-747DB55B2A2A}"/>
+                  </a:ext>
+                </a:extLst>
+              </p:cNvPr>
+              <p:cNvSpPr txBox="1"/>
+              <p:nvPr/>
+            </p:nvSpPr>
+            <p:spPr>
+              <a:xfrm>
+                <a:off x="3528236" y="846418"/>
+                <a:ext cx="510364" cy="200055"/>
+              </a:xfrm>
+              <a:prstGeom prst="rect">
+                <a:avLst/>
+              </a:prstGeom>
+              <a:noFill/>
+            </p:spPr>
+            <p:txBody>
+              <a:bodyPr wrap="square" rtlCol="0">
+                <a:spAutoFit/>
+              </a:bodyPr>
+              <a:lstStyle/>
+              <a:p>
+                <a:r>
+                  <a:rPr lang="en-GB" sz="700" b="1" dirty="0">
+                    <a:solidFill>
+                      <a:schemeClr val="tx1">
+                        <a:lumMod val="50000"/>
+                        <a:lumOff val="50000"/>
+                      </a:schemeClr>
+                    </a:solidFill>
+                  </a:rPr>
+                  <a:t>n = 20</a:t>
+                </a:r>
+              </a:p>
+            </p:txBody>
+          </p:sp>
+          <p:sp>
+            <p:nvSpPr>
+              <p:cNvPr id="35" name="TextBox 34">
+                <a:extLst>
+                  <a:ext uri="{FF2B5EF4-FFF2-40B4-BE49-F238E27FC236}">
+                    <a16:creationId xmlns:a16="http://schemas.microsoft.com/office/drawing/2014/main" id="{225AA4D6-55E7-A687-9FBA-5C12DEC240F4}"/>
+                  </a:ext>
+                </a:extLst>
+              </p:cNvPr>
+              <p:cNvSpPr txBox="1"/>
+              <p:nvPr/>
+            </p:nvSpPr>
+            <p:spPr>
+              <a:xfrm>
+                <a:off x="4081590" y="846418"/>
+                <a:ext cx="510364" cy="200055"/>
+              </a:xfrm>
+              <a:prstGeom prst="rect">
+                <a:avLst/>
+              </a:prstGeom>
+              <a:noFill/>
+            </p:spPr>
+            <p:txBody>
+              <a:bodyPr wrap="square" rtlCol="0">
+                <a:spAutoFit/>
+              </a:bodyPr>
+              <a:lstStyle/>
+              <a:p>
+                <a:r>
+                  <a:rPr lang="en-GB" sz="700" b="1" dirty="0">
+                    <a:solidFill>
+                      <a:schemeClr val="tx1">
+                        <a:lumMod val="50000"/>
+                        <a:lumOff val="50000"/>
+                      </a:schemeClr>
+                    </a:solidFill>
+                  </a:rPr>
+                  <a:t>n = 18</a:t>
+                </a:r>
+              </a:p>
+            </p:txBody>
+          </p:sp>
+        </p:grpSp>
+      </p:grpSp>
+      <p:grpSp>
+        <p:nvGrpSpPr>
+          <p:cNvPr id="36" name="Group 35">
+            <a:extLst>
+              <a:ext uri="{FF2B5EF4-FFF2-40B4-BE49-F238E27FC236}">
+                <a16:creationId xmlns:a16="http://schemas.microsoft.com/office/drawing/2014/main" id="{3AFB55B5-2478-6B70-794C-101153A7BAF6}"/>
+              </a:ext>
+            </a:extLst>
+          </p:cNvPr>
+          <p:cNvGrpSpPr/>
+          <p:nvPr/>
+        </p:nvGrpSpPr>
+        <p:grpSpPr>
+          <a:xfrm>
+            <a:off x="3706247" y="1667846"/>
+            <a:ext cx="1591596" cy="217227"/>
+            <a:chOff x="3565618" y="1621670"/>
+            <a:chExt cx="1591596" cy="217227"/>
+          </a:xfrm>
+        </p:grpSpPr>
+        <p:sp>
+          <p:nvSpPr>
+            <p:cNvPr id="37" name="TextBox 36">
+              <a:extLst>
+                <a:ext uri="{FF2B5EF4-FFF2-40B4-BE49-F238E27FC236}">
+                  <a16:creationId xmlns:a16="http://schemas.microsoft.com/office/drawing/2014/main" id="{8E17B0D6-AB12-BC35-5A4F-9128B3A25D93}"/>
+                </a:ext>
+              </a:extLst>
+            </p:cNvPr>
+            <p:cNvSpPr txBox="1"/>
+            <p:nvPr/>
+          </p:nvSpPr>
+          <p:spPr>
+            <a:xfrm>
+              <a:off x="4106234" y="1622284"/>
+              <a:ext cx="510364" cy="200055"/>
+            </a:xfrm>
+            <a:prstGeom prst="rect">
+              <a:avLst/>
+            </a:prstGeom>
+            <a:noFill/>
+          </p:spPr>
+          <p:txBody>
+            <a:bodyPr wrap="square" rtlCol="0">
+              <a:spAutoFit/>
+            </a:bodyPr>
+            <a:lstStyle/>
+            <a:p>
+              <a:r>
+                <a:rPr lang="en-GB" sz="700" b="1" dirty="0">
+                  <a:solidFill>
+                    <a:schemeClr val="tx1">
+                      <a:lumMod val="50000"/>
+                      <a:lumOff val="50000"/>
+                    </a:schemeClr>
+                  </a:solidFill>
+                </a:rPr>
+                <a:t>n = 63</a:t>
+              </a:r>
+            </a:p>
+          </p:txBody>
+        </p:sp>
+        <p:grpSp>
+          <p:nvGrpSpPr>
+            <p:cNvPr id="38" name="Group 37">
+              <a:extLst>
+                <a:ext uri="{FF2B5EF4-FFF2-40B4-BE49-F238E27FC236}">
+                  <a16:creationId xmlns:a16="http://schemas.microsoft.com/office/drawing/2014/main" id="{3C07CE11-594D-E343-D43A-0348BB819F76}"/>
+                </a:ext>
+              </a:extLst>
+            </p:cNvPr>
+            <p:cNvGrpSpPr/>
+            <p:nvPr/>
+          </p:nvGrpSpPr>
+          <p:grpSpPr>
+            <a:xfrm>
+              <a:off x="3565618" y="1621670"/>
+              <a:ext cx="1591596" cy="217227"/>
+              <a:chOff x="3567480" y="1621670"/>
+              <a:chExt cx="1591596" cy="217227"/>
+            </a:xfrm>
+          </p:grpSpPr>
+          <p:sp>
+            <p:nvSpPr>
+              <p:cNvPr id="39" name="TextBox 38">
+                <a:extLst>
+                  <a:ext uri="{FF2B5EF4-FFF2-40B4-BE49-F238E27FC236}">
+                    <a16:creationId xmlns:a16="http://schemas.microsoft.com/office/drawing/2014/main" id="{44085679-7711-3908-048F-60E0229F818A}"/>
+                  </a:ext>
+                </a:extLst>
+              </p:cNvPr>
+              <p:cNvSpPr txBox="1"/>
+              <p:nvPr/>
+            </p:nvSpPr>
+            <p:spPr>
+              <a:xfrm>
+                <a:off x="3567480" y="1638842"/>
+                <a:ext cx="510364" cy="200055"/>
+              </a:xfrm>
+              <a:prstGeom prst="rect">
+                <a:avLst/>
+              </a:prstGeom>
+              <a:noFill/>
+            </p:spPr>
+            <p:txBody>
+              <a:bodyPr wrap="square" rtlCol="0">
+                <a:spAutoFit/>
+              </a:bodyPr>
+              <a:lstStyle/>
+              <a:p>
+                <a:r>
+                  <a:rPr lang="en-GB" sz="700" b="1" dirty="0">
+                    <a:solidFill>
+                      <a:schemeClr val="tx1">
+                        <a:lumMod val="50000"/>
+                        <a:lumOff val="50000"/>
+                      </a:schemeClr>
+                    </a:solidFill>
+                  </a:rPr>
+                  <a:t>n = 56</a:t>
+                </a:r>
+              </a:p>
+            </p:txBody>
+          </p:sp>
+          <p:sp>
+            <p:nvSpPr>
+              <p:cNvPr id="40" name="TextBox 39">
+                <a:extLst>
+                  <a:ext uri="{FF2B5EF4-FFF2-40B4-BE49-F238E27FC236}">
+                    <a16:creationId xmlns:a16="http://schemas.microsoft.com/office/drawing/2014/main" id="{4062EB96-10E3-BD76-E9D8-DE21C5F9DCC7}"/>
+                  </a:ext>
+                </a:extLst>
+              </p:cNvPr>
+              <p:cNvSpPr txBox="1"/>
+              <p:nvPr/>
+            </p:nvSpPr>
+            <p:spPr>
+              <a:xfrm>
+                <a:off x="4648712" y="1621670"/>
+                <a:ext cx="510364" cy="200055"/>
+              </a:xfrm>
+              <a:prstGeom prst="rect">
+                <a:avLst/>
+              </a:prstGeom>
+              <a:noFill/>
+            </p:spPr>
+            <p:txBody>
+              <a:bodyPr wrap="square" rtlCol="0">
+                <a:spAutoFit/>
+              </a:bodyPr>
+              <a:lstStyle/>
+              <a:p>
+                <a:r>
+                  <a:rPr lang="en-GB" sz="700" b="1" dirty="0">
+                    <a:solidFill>
+                      <a:schemeClr val="tx1">
+                        <a:lumMod val="50000"/>
+                        <a:lumOff val="50000"/>
+                      </a:schemeClr>
+                    </a:solidFill>
+                  </a:rPr>
+                  <a:t>n = 42</a:t>
+                </a:r>
+              </a:p>
+            </p:txBody>
+          </p:sp>
+        </p:grpSp>
+      </p:grpSp>
+      <p:grpSp>
+        <p:nvGrpSpPr>
+          <p:cNvPr id="41" name="Group 40">
+            <a:extLst>
+              <a:ext uri="{FF2B5EF4-FFF2-40B4-BE49-F238E27FC236}">
+                <a16:creationId xmlns:a16="http://schemas.microsoft.com/office/drawing/2014/main" id="{8BECC8FA-6D87-E040-72F3-17E8362A536E}"/>
+              </a:ext>
+            </a:extLst>
+          </p:cNvPr>
+          <p:cNvGrpSpPr/>
+          <p:nvPr/>
+        </p:nvGrpSpPr>
+        <p:grpSpPr>
+          <a:xfrm>
+            <a:off x="5428600" y="2081599"/>
+            <a:ext cx="1574082" cy="215587"/>
+            <a:chOff x="3565618" y="1638842"/>
+            <a:chExt cx="1574082" cy="215587"/>
+          </a:xfrm>
+        </p:grpSpPr>
+        <p:sp>
+          <p:nvSpPr>
+            <p:cNvPr id="42" name="TextBox 41">
+              <a:extLst>
+                <a:ext uri="{FF2B5EF4-FFF2-40B4-BE49-F238E27FC236}">
+                  <a16:creationId xmlns:a16="http://schemas.microsoft.com/office/drawing/2014/main" id="{A469FF6F-0D39-DAD1-BCBE-2A962148F4B8}"/>
+                </a:ext>
+              </a:extLst>
+            </p:cNvPr>
+            <p:cNvSpPr txBox="1"/>
+            <p:nvPr/>
+          </p:nvSpPr>
+          <p:spPr>
+            <a:xfrm>
+              <a:off x="4118972" y="1654374"/>
+              <a:ext cx="510364" cy="200055"/>
+            </a:xfrm>
+            <a:prstGeom prst="rect">
+              <a:avLst/>
+            </a:prstGeom>
+            <a:noFill/>
+          </p:spPr>
+          <p:txBody>
+            <a:bodyPr wrap="square" rtlCol="0">
+              <a:spAutoFit/>
+            </a:bodyPr>
+            <a:lstStyle/>
+            <a:p>
+              <a:r>
+                <a:rPr lang="en-GB" sz="700" b="1" dirty="0">
+                  <a:solidFill>
+                    <a:schemeClr val="tx1">
+                      <a:lumMod val="50000"/>
+                      <a:lumOff val="50000"/>
+                    </a:schemeClr>
+                  </a:solidFill>
+                </a:rPr>
+                <a:t>n = 63</a:t>
+              </a:r>
+            </a:p>
+          </p:txBody>
+        </p:sp>
+        <p:grpSp>
+          <p:nvGrpSpPr>
+            <p:cNvPr id="43" name="Group 42">
+              <a:extLst>
+                <a:ext uri="{FF2B5EF4-FFF2-40B4-BE49-F238E27FC236}">
+                  <a16:creationId xmlns:a16="http://schemas.microsoft.com/office/drawing/2014/main" id="{FDE4E3CF-2237-6FA9-90E2-40F323633724}"/>
+                </a:ext>
+              </a:extLst>
+            </p:cNvPr>
+            <p:cNvGrpSpPr/>
+            <p:nvPr/>
+          </p:nvGrpSpPr>
+          <p:grpSpPr>
+            <a:xfrm>
+              <a:off x="3565618" y="1638842"/>
+              <a:ext cx="1574082" cy="203454"/>
+              <a:chOff x="3567480" y="1638842"/>
+              <a:chExt cx="1574082" cy="203454"/>
+            </a:xfrm>
+          </p:grpSpPr>
+          <p:sp>
+            <p:nvSpPr>
+              <p:cNvPr id="44" name="TextBox 43">
+                <a:extLst>
+                  <a:ext uri="{FF2B5EF4-FFF2-40B4-BE49-F238E27FC236}">
+                    <a16:creationId xmlns:a16="http://schemas.microsoft.com/office/drawing/2014/main" id="{2620002A-A5D6-E466-ED1A-903898694FAE}"/>
+                  </a:ext>
+                </a:extLst>
+              </p:cNvPr>
+              <p:cNvSpPr txBox="1"/>
+              <p:nvPr/>
+            </p:nvSpPr>
+            <p:spPr>
+              <a:xfrm>
+                <a:off x="3567480" y="1638842"/>
+                <a:ext cx="510364" cy="200055"/>
+              </a:xfrm>
+              <a:prstGeom prst="rect">
+                <a:avLst/>
+              </a:prstGeom>
+              <a:noFill/>
+            </p:spPr>
+            <p:txBody>
+              <a:bodyPr wrap="square" rtlCol="0">
+                <a:spAutoFit/>
+              </a:bodyPr>
+              <a:lstStyle/>
+              <a:p>
+                <a:r>
+                  <a:rPr lang="en-GB" sz="700" b="1" dirty="0">
+                    <a:solidFill>
+                      <a:schemeClr val="tx1">
+                        <a:lumMod val="50000"/>
+                        <a:lumOff val="50000"/>
+                      </a:schemeClr>
+                    </a:solidFill>
+                  </a:rPr>
+                  <a:t>n = 56</a:t>
+                </a:r>
+              </a:p>
+            </p:txBody>
+          </p:sp>
+          <p:sp>
+            <p:nvSpPr>
+              <p:cNvPr id="45" name="TextBox 44">
+                <a:extLst>
+                  <a:ext uri="{FF2B5EF4-FFF2-40B4-BE49-F238E27FC236}">
+                    <a16:creationId xmlns:a16="http://schemas.microsoft.com/office/drawing/2014/main" id="{C3CA04C4-FF9B-7CA2-83F5-761AA385524B}"/>
+                  </a:ext>
+                </a:extLst>
+              </p:cNvPr>
+              <p:cNvSpPr txBox="1"/>
+              <p:nvPr/>
+            </p:nvSpPr>
+            <p:spPr>
+              <a:xfrm>
+                <a:off x="4631198" y="1642241"/>
+                <a:ext cx="510364" cy="200055"/>
+              </a:xfrm>
+              <a:prstGeom prst="rect">
+                <a:avLst/>
+              </a:prstGeom>
+              <a:noFill/>
+            </p:spPr>
+            <p:txBody>
+              <a:bodyPr wrap="square" rtlCol="0">
+                <a:spAutoFit/>
+              </a:bodyPr>
+              <a:lstStyle/>
+              <a:p>
+                <a:r>
+                  <a:rPr lang="en-GB" sz="700" b="1" dirty="0">
+                    <a:solidFill>
+                      <a:schemeClr val="tx1">
+                        <a:lumMod val="50000"/>
+                        <a:lumOff val="50000"/>
+                      </a:schemeClr>
+                    </a:solidFill>
+                  </a:rPr>
+                  <a:t>n = 42</a:t>
+                </a:r>
+              </a:p>
+            </p:txBody>
+          </p:sp>
+        </p:grpSp>
+      </p:grpSp>
+      <p:grpSp>
+        <p:nvGrpSpPr>
+          <p:cNvPr id="46" name="Group 45">
+            <a:extLst>
+              <a:ext uri="{FF2B5EF4-FFF2-40B4-BE49-F238E27FC236}">
+                <a16:creationId xmlns:a16="http://schemas.microsoft.com/office/drawing/2014/main" id="{6F620545-256E-196F-DB68-7997C0F6EF13}"/>
+              </a:ext>
+            </a:extLst>
+          </p:cNvPr>
+          <p:cNvGrpSpPr/>
+          <p:nvPr/>
+        </p:nvGrpSpPr>
+        <p:grpSpPr>
+          <a:xfrm>
+            <a:off x="7195544" y="1973804"/>
+            <a:ext cx="1574082" cy="203455"/>
+            <a:chOff x="3565618" y="1638841"/>
+            <a:chExt cx="1574082" cy="203455"/>
+          </a:xfrm>
+        </p:grpSpPr>
+        <p:sp>
+          <p:nvSpPr>
+            <p:cNvPr id="47" name="TextBox 46">
+              <a:extLst>
+                <a:ext uri="{FF2B5EF4-FFF2-40B4-BE49-F238E27FC236}">
+                  <a16:creationId xmlns:a16="http://schemas.microsoft.com/office/drawing/2014/main" id="{5D3863CE-68C8-35F2-CCCF-F78F5955A0E0}"/>
+                </a:ext>
+              </a:extLst>
+            </p:cNvPr>
+            <p:cNvSpPr txBox="1"/>
+            <p:nvPr/>
+          </p:nvSpPr>
+          <p:spPr>
+            <a:xfrm>
+              <a:off x="4118972" y="1638841"/>
+              <a:ext cx="510364" cy="200055"/>
+            </a:xfrm>
+            <a:prstGeom prst="rect">
+              <a:avLst/>
+            </a:prstGeom>
+            <a:noFill/>
+          </p:spPr>
+          <p:txBody>
+            <a:bodyPr wrap="square" rtlCol="0">
+              <a:spAutoFit/>
+            </a:bodyPr>
+            <a:lstStyle/>
+            <a:p>
+              <a:r>
+                <a:rPr lang="en-GB" sz="700" b="1" dirty="0">
+                  <a:solidFill>
+                    <a:schemeClr val="tx1">
+                      <a:lumMod val="50000"/>
+                      <a:lumOff val="50000"/>
+                    </a:schemeClr>
+                  </a:solidFill>
+                </a:rPr>
+                <a:t>n = 63</a:t>
+              </a:r>
+            </a:p>
+          </p:txBody>
+        </p:sp>
+        <p:grpSp>
+          <p:nvGrpSpPr>
+            <p:cNvPr id="48" name="Group 47">
+              <a:extLst>
+                <a:ext uri="{FF2B5EF4-FFF2-40B4-BE49-F238E27FC236}">
+                  <a16:creationId xmlns:a16="http://schemas.microsoft.com/office/drawing/2014/main" id="{CBCA9214-649B-FA88-34AC-F01B522F5A3A}"/>
+                </a:ext>
+              </a:extLst>
+            </p:cNvPr>
+            <p:cNvGrpSpPr/>
+            <p:nvPr/>
+          </p:nvGrpSpPr>
+          <p:grpSpPr>
+            <a:xfrm>
+              <a:off x="3565618" y="1638842"/>
+              <a:ext cx="1574082" cy="203454"/>
+              <a:chOff x="3567480" y="1638842"/>
+              <a:chExt cx="1574082" cy="203454"/>
+            </a:xfrm>
+          </p:grpSpPr>
+          <p:sp>
+            <p:nvSpPr>
+              <p:cNvPr id="49" name="TextBox 48">
+                <a:extLst>
+                  <a:ext uri="{FF2B5EF4-FFF2-40B4-BE49-F238E27FC236}">
+                    <a16:creationId xmlns:a16="http://schemas.microsoft.com/office/drawing/2014/main" id="{F59C400C-EB08-A220-29CA-FA333D69613A}"/>
+                  </a:ext>
+                </a:extLst>
+              </p:cNvPr>
+              <p:cNvSpPr txBox="1"/>
+              <p:nvPr/>
+            </p:nvSpPr>
+            <p:spPr>
+              <a:xfrm>
+                <a:off x="3567480" y="1638842"/>
+                <a:ext cx="510364" cy="200055"/>
+              </a:xfrm>
+              <a:prstGeom prst="rect">
+                <a:avLst/>
+              </a:prstGeom>
+              <a:noFill/>
+            </p:spPr>
+            <p:txBody>
+              <a:bodyPr wrap="square" rtlCol="0">
+                <a:spAutoFit/>
+              </a:bodyPr>
+              <a:lstStyle/>
+              <a:p>
+                <a:r>
+                  <a:rPr lang="en-GB" sz="700" b="1" dirty="0">
+                    <a:solidFill>
+                      <a:schemeClr val="tx1">
+                        <a:lumMod val="50000"/>
+                        <a:lumOff val="50000"/>
+                      </a:schemeClr>
+                    </a:solidFill>
+                  </a:rPr>
+                  <a:t>n = 56</a:t>
+                </a:r>
+              </a:p>
+            </p:txBody>
+          </p:sp>
+          <p:sp>
+            <p:nvSpPr>
+              <p:cNvPr id="50" name="TextBox 49">
+                <a:extLst>
+                  <a:ext uri="{FF2B5EF4-FFF2-40B4-BE49-F238E27FC236}">
+                    <a16:creationId xmlns:a16="http://schemas.microsoft.com/office/drawing/2014/main" id="{F5AE70A7-1C83-AB12-8B9F-6EEFA7774169}"/>
+                  </a:ext>
+                </a:extLst>
+              </p:cNvPr>
+              <p:cNvSpPr txBox="1"/>
+              <p:nvPr/>
+            </p:nvSpPr>
+            <p:spPr>
+              <a:xfrm>
+                <a:off x="4631198" y="1642241"/>
+                <a:ext cx="510364" cy="200055"/>
+              </a:xfrm>
+              <a:prstGeom prst="rect">
+                <a:avLst/>
+              </a:prstGeom>
+              <a:noFill/>
+            </p:spPr>
+            <p:txBody>
+              <a:bodyPr wrap="square" rtlCol="0">
+                <a:spAutoFit/>
+              </a:bodyPr>
+              <a:lstStyle/>
+              <a:p>
+                <a:r>
+                  <a:rPr lang="en-GB" sz="700" b="1" dirty="0">
+                    <a:solidFill>
+                      <a:schemeClr val="tx1">
+                        <a:lumMod val="50000"/>
+                        <a:lumOff val="50000"/>
+                      </a:schemeClr>
+                    </a:solidFill>
+                  </a:rPr>
+                  <a:t>n = 42</a:t>
+                </a:r>
+              </a:p>
+            </p:txBody>
+          </p:sp>
+        </p:grpSp>
+      </p:grpSp>
+      <p:grpSp>
+        <p:nvGrpSpPr>
+          <p:cNvPr id="51" name="Group 50">
+            <a:extLst>
+              <a:ext uri="{FF2B5EF4-FFF2-40B4-BE49-F238E27FC236}">
+                <a16:creationId xmlns:a16="http://schemas.microsoft.com/office/drawing/2014/main" id="{4B130C70-3489-6198-35E9-B803CF973060}"/>
+              </a:ext>
+            </a:extLst>
+          </p:cNvPr>
+          <p:cNvGrpSpPr/>
+          <p:nvPr/>
+        </p:nvGrpSpPr>
+        <p:grpSpPr>
+          <a:xfrm>
+            <a:off x="3691879" y="3544802"/>
+            <a:ext cx="1574082" cy="203455"/>
+            <a:chOff x="3565618" y="1638841"/>
+            <a:chExt cx="1574082" cy="203455"/>
+          </a:xfrm>
+        </p:grpSpPr>
+        <p:sp>
+          <p:nvSpPr>
+            <p:cNvPr id="52" name="TextBox 51">
+              <a:extLst>
+                <a:ext uri="{FF2B5EF4-FFF2-40B4-BE49-F238E27FC236}">
+                  <a16:creationId xmlns:a16="http://schemas.microsoft.com/office/drawing/2014/main" id="{286F0ABA-849B-1BC4-9723-9A11035C3553}"/>
+                </a:ext>
+              </a:extLst>
+            </p:cNvPr>
+            <p:cNvSpPr txBox="1"/>
+            <p:nvPr/>
+          </p:nvSpPr>
+          <p:spPr>
+            <a:xfrm>
+              <a:off x="4118972" y="1638841"/>
+              <a:ext cx="510364" cy="200055"/>
+            </a:xfrm>
+            <a:prstGeom prst="rect">
+              <a:avLst/>
+            </a:prstGeom>
+            <a:noFill/>
+          </p:spPr>
+          <p:txBody>
+            <a:bodyPr wrap="square" rtlCol="0">
+              <a:spAutoFit/>
+            </a:bodyPr>
+            <a:lstStyle/>
+            <a:p>
+              <a:r>
+                <a:rPr lang="en-GB" sz="700" b="1" dirty="0">
+                  <a:solidFill>
+                    <a:schemeClr val="tx1">
+                      <a:lumMod val="50000"/>
+                      <a:lumOff val="50000"/>
+                    </a:schemeClr>
+                  </a:solidFill>
+                </a:rPr>
+                <a:t>n = 63</a:t>
+              </a:r>
+            </a:p>
+          </p:txBody>
+        </p:sp>
+        <p:grpSp>
+          <p:nvGrpSpPr>
+            <p:cNvPr id="53" name="Group 52">
+              <a:extLst>
+                <a:ext uri="{FF2B5EF4-FFF2-40B4-BE49-F238E27FC236}">
+                  <a16:creationId xmlns:a16="http://schemas.microsoft.com/office/drawing/2014/main" id="{7303CFD4-7877-937F-3321-1D1C5ADC55E9}"/>
+                </a:ext>
+              </a:extLst>
+            </p:cNvPr>
+            <p:cNvGrpSpPr/>
+            <p:nvPr/>
+          </p:nvGrpSpPr>
+          <p:grpSpPr>
+            <a:xfrm>
+              <a:off x="3565618" y="1638842"/>
+              <a:ext cx="1574082" cy="203454"/>
+              <a:chOff x="3567480" y="1638842"/>
+              <a:chExt cx="1574082" cy="203454"/>
+            </a:xfrm>
+          </p:grpSpPr>
+          <p:sp>
+            <p:nvSpPr>
+              <p:cNvPr id="54" name="TextBox 53">
+                <a:extLst>
+                  <a:ext uri="{FF2B5EF4-FFF2-40B4-BE49-F238E27FC236}">
+                    <a16:creationId xmlns:a16="http://schemas.microsoft.com/office/drawing/2014/main" id="{ED9BCB1B-9B5C-99A4-7DCA-DB7FD1E9F885}"/>
+                  </a:ext>
+                </a:extLst>
+              </p:cNvPr>
+              <p:cNvSpPr txBox="1"/>
+              <p:nvPr/>
+            </p:nvSpPr>
+            <p:spPr>
+              <a:xfrm>
+                <a:off x="3567480" y="1638842"/>
+                <a:ext cx="510364" cy="200055"/>
+              </a:xfrm>
+              <a:prstGeom prst="rect">
+                <a:avLst/>
+              </a:prstGeom>
+              <a:noFill/>
+            </p:spPr>
+            <p:txBody>
+              <a:bodyPr wrap="square" rtlCol="0">
+                <a:spAutoFit/>
+              </a:bodyPr>
+              <a:lstStyle/>
+              <a:p>
+                <a:r>
+                  <a:rPr lang="en-GB" sz="700" b="1" dirty="0">
+                    <a:solidFill>
+                      <a:schemeClr val="tx1">
+                        <a:lumMod val="50000"/>
+                        <a:lumOff val="50000"/>
+                      </a:schemeClr>
+                    </a:solidFill>
+                  </a:rPr>
+                  <a:t>n = 56</a:t>
+                </a:r>
+              </a:p>
+            </p:txBody>
+          </p:sp>
+          <p:sp>
+            <p:nvSpPr>
+              <p:cNvPr id="55" name="TextBox 54">
+                <a:extLst>
+                  <a:ext uri="{FF2B5EF4-FFF2-40B4-BE49-F238E27FC236}">
+                    <a16:creationId xmlns:a16="http://schemas.microsoft.com/office/drawing/2014/main" id="{5C323322-2767-E617-2FC1-F1B8E548C517}"/>
+                  </a:ext>
+                </a:extLst>
+              </p:cNvPr>
+              <p:cNvSpPr txBox="1"/>
+              <p:nvPr/>
+            </p:nvSpPr>
+            <p:spPr>
+              <a:xfrm>
+                <a:off x="4631198" y="1642241"/>
+                <a:ext cx="510364" cy="200055"/>
+              </a:xfrm>
+              <a:prstGeom prst="rect">
+                <a:avLst/>
+              </a:prstGeom>
+              <a:noFill/>
+            </p:spPr>
+            <p:txBody>
+              <a:bodyPr wrap="square" rtlCol="0">
+                <a:spAutoFit/>
+              </a:bodyPr>
+              <a:lstStyle/>
+              <a:p>
+                <a:r>
+                  <a:rPr lang="en-GB" sz="700" b="1" dirty="0">
+                    <a:solidFill>
+                      <a:schemeClr val="tx1">
+                        <a:lumMod val="50000"/>
+                        <a:lumOff val="50000"/>
+                      </a:schemeClr>
+                    </a:solidFill>
+                  </a:rPr>
+                  <a:t>n = 42</a:t>
+                </a:r>
+              </a:p>
+            </p:txBody>
+          </p:sp>
+        </p:grpSp>
+      </p:grpSp>
+      <p:grpSp>
+        <p:nvGrpSpPr>
+          <p:cNvPr id="56" name="Group 55">
+            <a:extLst>
+              <a:ext uri="{FF2B5EF4-FFF2-40B4-BE49-F238E27FC236}">
+                <a16:creationId xmlns:a16="http://schemas.microsoft.com/office/drawing/2014/main" id="{63A931A5-66AB-8C1F-FBAB-8D1A6B290572}"/>
+              </a:ext>
+            </a:extLst>
+          </p:cNvPr>
+          <p:cNvGrpSpPr/>
+          <p:nvPr/>
+        </p:nvGrpSpPr>
+        <p:grpSpPr>
+          <a:xfrm>
+            <a:off x="5413602" y="3740000"/>
+            <a:ext cx="1574082" cy="203455"/>
+            <a:chOff x="3565618" y="1638841"/>
+            <a:chExt cx="1574082" cy="203455"/>
+          </a:xfrm>
+        </p:grpSpPr>
+        <p:sp>
+          <p:nvSpPr>
+            <p:cNvPr id="57" name="TextBox 56">
+              <a:extLst>
+                <a:ext uri="{FF2B5EF4-FFF2-40B4-BE49-F238E27FC236}">
+                  <a16:creationId xmlns:a16="http://schemas.microsoft.com/office/drawing/2014/main" id="{3526E38C-94BB-3E3C-26D5-C3E2B410B7BB}"/>
+                </a:ext>
+              </a:extLst>
+            </p:cNvPr>
+            <p:cNvSpPr txBox="1"/>
+            <p:nvPr/>
+          </p:nvSpPr>
+          <p:spPr>
+            <a:xfrm>
+              <a:off x="4118972" y="1638841"/>
+              <a:ext cx="510364" cy="200055"/>
+            </a:xfrm>
+            <a:prstGeom prst="rect">
+              <a:avLst/>
+            </a:prstGeom>
+            <a:noFill/>
+          </p:spPr>
+          <p:txBody>
+            <a:bodyPr wrap="square" rtlCol="0">
+              <a:spAutoFit/>
+            </a:bodyPr>
+            <a:lstStyle/>
+            <a:p>
+              <a:r>
+                <a:rPr lang="en-GB" sz="700" b="1" dirty="0">
+                  <a:solidFill>
+                    <a:schemeClr val="tx1">
+                      <a:lumMod val="50000"/>
+                      <a:lumOff val="50000"/>
+                    </a:schemeClr>
+                  </a:solidFill>
+                </a:rPr>
+                <a:t>n = 63</a:t>
+              </a:r>
+            </a:p>
+          </p:txBody>
+        </p:sp>
+        <p:grpSp>
+          <p:nvGrpSpPr>
+            <p:cNvPr id="58" name="Group 57">
+              <a:extLst>
+                <a:ext uri="{FF2B5EF4-FFF2-40B4-BE49-F238E27FC236}">
+                  <a16:creationId xmlns:a16="http://schemas.microsoft.com/office/drawing/2014/main" id="{ACECBD6D-B1EE-D718-68C7-8AFFAE230B91}"/>
+                </a:ext>
+              </a:extLst>
+            </p:cNvPr>
+            <p:cNvGrpSpPr/>
+            <p:nvPr/>
+          </p:nvGrpSpPr>
+          <p:grpSpPr>
+            <a:xfrm>
+              <a:off x="3565618" y="1638842"/>
+              <a:ext cx="1574082" cy="203454"/>
+              <a:chOff x="3567480" y="1638842"/>
+              <a:chExt cx="1574082" cy="203454"/>
+            </a:xfrm>
+          </p:grpSpPr>
+          <p:sp>
+            <p:nvSpPr>
+              <p:cNvPr id="59" name="TextBox 58">
+                <a:extLst>
+                  <a:ext uri="{FF2B5EF4-FFF2-40B4-BE49-F238E27FC236}">
+                    <a16:creationId xmlns:a16="http://schemas.microsoft.com/office/drawing/2014/main" id="{494EFEB9-34B0-B3FC-67A7-69B2EE328185}"/>
+                  </a:ext>
+                </a:extLst>
+              </p:cNvPr>
+              <p:cNvSpPr txBox="1"/>
+              <p:nvPr/>
+            </p:nvSpPr>
+            <p:spPr>
+              <a:xfrm>
+                <a:off x="3567480" y="1638842"/>
+                <a:ext cx="510364" cy="200055"/>
+              </a:xfrm>
+              <a:prstGeom prst="rect">
+                <a:avLst/>
+              </a:prstGeom>
+              <a:noFill/>
+            </p:spPr>
+            <p:txBody>
+              <a:bodyPr wrap="square" rtlCol="0">
+                <a:spAutoFit/>
+              </a:bodyPr>
+              <a:lstStyle/>
+              <a:p>
+                <a:r>
+                  <a:rPr lang="en-GB" sz="700" b="1" dirty="0">
+                    <a:solidFill>
+                      <a:schemeClr val="tx1">
+                        <a:lumMod val="50000"/>
+                        <a:lumOff val="50000"/>
+                      </a:schemeClr>
+                    </a:solidFill>
+                  </a:rPr>
+                  <a:t>n = 56</a:t>
+                </a:r>
+              </a:p>
+            </p:txBody>
+          </p:sp>
+          <p:sp>
+            <p:nvSpPr>
+              <p:cNvPr id="60" name="TextBox 59">
+                <a:extLst>
+                  <a:ext uri="{FF2B5EF4-FFF2-40B4-BE49-F238E27FC236}">
+                    <a16:creationId xmlns:a16="http://schemas.microsoft.com/office/drawing/2014/main" id="{1F93781E-BD86-E865-C63D-728365572467}"/>
+                  </a:ext>
+                </a:extLst>
+              </p:cNvPr>
+              <p:cNvSpPr txBox="1"/>
+              <p:nvPr/>
+            </p:nvSpPr>
+            <p:spPr>
+              <a:xfrm>
+                <a:off x="4631198" y="1642241"/>
+                <a:ext cx="510364" cy="200055"/>
+              </a:xfrm>
+              <a:prstGeom prst="rect">
+                <a:avLst/>
+              </a:prstGeom>
+              <a:noFill/>
+            </p:spPr>
+            <p:txBody>
+              <a:bodyPr wrap="square" rtlCol="0">
+                <a:spAutoFit/>
+              </a:bodyPr>
+              <a:lstStyle/>
+              <a:p>
+                <a:r>
+                  <a:rPr lang="en-GB" sz="700" b="1" dirty="0">
+                    <a:solidFill>
+                      <a:schemeClr val="tx1">
+                        <a:lumMod val="50000"/>
+                        <a:lumOff val="50000"/>
+                      </a:schemeClr>
+                    </a:solidFill>
+                  </a:rPr>
+                  <a:t>n = 42</a:t>
+                </a:r>
+              </a:p>
+            </p:txBody>
+          </p:sp>
+        </p:grpSp>
+      </p:grpSp>
+      <p:grpSp>
+        <p:nvGrpSpPr>
+          <p:cNvPr id="61" name="Group 60">
+            <a:extLst>
+              <a:ext uri="{FF2B5EF4-FFF2-40B4-BE49-F238E27FC236}">
+                <a16:creationId xmlns:a16="http://schemas.microsoft.com/office/drawing/2014/main" id="{22C06F67-FE03-17ED-1161-EB464DFADDCD}"/>
+              </a:ext>
+            </a:extLst>
+          </p:cNvPr>
+          <p:cNvGrpSpPr/>
+          <p:nvPr/>
+        </p:nvGrpSpPr>
+        <p:grpSpPr>
+          <a:xfrm>
+            <a:off x="7135325" y="3563537"/>
+            <a:ext cx="1574082" cy="203455"/>
+            <a:chOff x="3565618" y="1638841"/>
+            <a:chExt cx="1574082" cy="203455"/>
+          </a:xfrm>
+        </p:grpSpPr>
+        <p:sp>
+          <p:nvSpPr>
+            <p:cNvPr id="62" name="TextBox 61">
+              <a:extLst>
+                <a:ext uri="{FF2B5EF4-FFF2-40B4-BE49-F238E27FC236}">
+                  <a16:creationId xmlns:a16="http://schemas.microsoft.com/office/drawing/2014/main" id="{1F5FE304-702E-AEBC-CAFC-7C391F7BF7AD}"/>
+                </a:ext>
+              </a:extLst>
+            </p:cNvPr>
+            <p:cNvSpPr txBox="1"/>
+            <p:nvPr/>
+          </p:nvSpPr>
+          <p:spPr>
+            <a:xfrm>
+              <a:off x="4118972" y="1638841"/>
+              <a:ext cx="510364" cy="200055"/>
+            </a:xfrm>
+            <a:prstGeom prst="rect">
+              <a:avLst/>
+            </a:prstGeom>
+            <a:noFill/>
+          </p:spPr>
+          <p:txBody>
+            <a:bodyPr wrap="square" rtlCol="0">
+              <a:spAutoFit/>
+            </a:bodyPr>
+            <a:lstStyle/>
+            <a:p>
+              <a:r>
+                <a:rPr lang="en-GB" sz="700" b="1" dirty="0">
+                  <a:solidFill>
+                    <a:schemeClr val="tx1">
+                      <a:lumMod val="50000"/>
+                      <a:lumOff val="50000"/>
+                    </a:schemeClr>
+                  </a:solidFill>
+                </a:rPr>
+                <a:t>n = 63</a:t>
+              </a:r>
+            </a:p>
+          </p:txBody>
+        </p:sp>
+        <p:grpSp>
+          <p:nvGrpSpPr>
+            <p:cNvPr id="63" name="Group 62">
+              <a:extLst>
+                <a:ext uri="{FF2B5EF4-FFF2-40B4-BE49-F238E27FC236}">
+                  <a16:creationId xmlns:a16="http://schemas.microsoft.com/office/drawing/2014/main" id="{62C3D3FA-4FAA-1C53-8931-5BE7EF0822F4}"/>
+                </a:ext>
+              </a:extLst>
+            </p:cNvPr>
+            <p:cNvGrpSpPr/>
+            <p:nvPr/>
+          </p:nvGrpSpPr>
+          <p:grpSpPr>
+            <a:xfrm>
+              <a:off x="3565618" y="1638842"/>
+              <a:ext cx="1574082" cy="203454"/>
+              <a:chOff x="3567480" y="1638842"/>
+              <a:chExt cx="1574082" cy="203454"/>
+            </a:xfrm>
+          </p:grpSpPr>
+          <p:sp>
+            <p:nvSpPr>
+              <p:cNvPr id="64" name="TextBox 63">
+                <a:extLst>
+                  <a:ext uri="{FF2B5EF4-FFF2-40B4-BE49-F238E27FC236}">
+                    <a16:creationId xmlns:a16="http://schemas.microsoft.com/office/drawing/2014/main" id="{63A52F5F-831C-61A4-709D-59853F4722E4}"/>
+                  </a:ext>
+                </a:extLst>
+              </p:cNvPr>
+              <p:cNvSpPr txBox="1"/>
+              <p:nvPr/>
+            </p:nvSpPr>
+            <p:spPr>
+              <a:xfrm>
+                <a:off x="3567480" y="1638842"/>
+                <a:ext cx="510364" cy="200055"/>
+              </a:xfrm>
+              <a:prstGeom prst="rect">
+                <a:avLst/>
+              </a:prstGeom>
+              <a:noFill/>
+            </p:spPr>
+            <p:txBody>
+              <a:bodyPr wrap="square" rtlCol="0">
+                <a:spAutoFit/>
+              </a:bodyPr>
+              <a:lstStyle/>
+              <a:p>
+                <a:r>
+                  <a:rPr lang="en-GB" sz="700" b="1" dirty="0">
+                    <a:solidFill>
+                      <a:schemeClr val="tx1">
+                        <a:lumMod val="50000"/>
+                        <a:lumOff val="50000"/>
+                      </a:schemeClr>
+                    </a:solidFill>
+                  </a:rPr>
+                  <a:t>n = 56</a:t>
+                </a:r>
+              </a:p>
+            </p:txBody>
+          </p:sp>
+          <p:sp>
+            <p:nvSpPr>
+              <p:cNvPr id="65" name="TextBox 64">
+                <a:extLst>
+                  <a:ext uri="{FF2B5EF4-FFF2-40B4-BE49-F238E27FC236}">
+                    <a16:creationId xmlns:a16="http://schemas.microsoft.com/office/drawing/2014/main" id="{7036A085-1D43-08C7-7DA3-E4008372F8C3}"/>
+                  </a:ext>
+                </a:extLst>
+              </p:cNvPr>
+              <p:cNvSpPr txBox="1"/>
+              <p:nvPr/>
+            </p:nvSpPr>
+            <p:spPr>
+              <a:xfrm>
+                <a:off x="4631198" y="1642241"/>
+                <a:ext cx="510364" cy="200055"/>
+              </a:xfrm>
+              <a:prstGeom prst="rect">
+                <a:avLst/>
+              </a:prstGeom>
+              <a:noFill/>
+            </p:spPr>
+            <p:txBody>
+              <a:bodyPr wrap="square" rtlCol="0">
+                <a:spAutoFit/>
+              </a:bodyPr>
+              <a:lstStyle/>
+              <a:p>
+                <a:r>
+                  <a:rPr lang="en-GB" sz="700" b="1" dirty="0">
+                    <a:solidFill>
+                      <a:schemeClr val="tx1">
+                        <a:lumMod val="50000"/>
+                        <a:lumOff val="50000"/>
+                      </a:schemeClr>
+                    </a:solidFill>
+                  </a:rPr>
+                  <a:t>n = 42</a:t>
+                </a:r>
+              </a:p>
+            </p:txBody>
+          </p:sp>
+        </p:grpSp>
+      </p:grpSp>
+    </p:spTree>
+    <p:extLst>
+      <p:ext uri="{BB962C8B-B14F-4D97-AF65-F5344CB8AC3E}">
+        <p14:creationId xmlns:p14="http://schemas.microsoft.com/office/powerpoint/2010/main" val="3381449738"/>
+      </p:ext>
+    </p:extLst>
+  </p:cSld>
+  <p:clrMapOvr>
+    <a:masterClrMapping/>
+  </p:clrMapOvr>
+</p:sld>
+</file>
+
+<file path=ppt/slides/slide21.xml><?xml version="1.0" encoding="utf-8"?>
+<p:sld xmlns:a="http://schemas.openxmlformats.org/drawingml/2006/main" xmlns:r="http://schemas.openxmlformats.org/officeDocument/2006/relationships" xmlns:p="http://schemas.openxmlformats.org/presentationml/2006/main">
+  <p:cSld>
+    <p:spTree>
+      <p:nvGrpSpPr>
+        <p:cNvPr id="1" name=""/>
+        <p:cNvGrpSpPr/>
+        <p:nvPr/>
+      </p:nvGrpSpPr>
+      <p:grpSpPr>
+        <a:xfrm>
+          <a:off x="0" y="0"/>
+          <a:ext cx="0" cy="0"/>
+          <a:chOff x="0" y="0"/>
+          <a:chExt cx="0" cy="0"/>
+        </a:xfrm>
+      </p:grpSpPr>
+      <p:sp>
+        <p:nvSpPr>
+          <p:cNvPr id="4" name="Footer Placeholder 3">
+            <a:extLst>
+              <a:ext uri="{FF2B5EF4-FFF2-40B4-BE49-F238E27FC236}">
+                <a16:creationId xmlns:a16="http://schemas.microsoft.com/office/drawing/2014/main" id="{3661157D-F0CD-55B7-AB74-8ABD00CF61F3}"/>
+              </a:ext>
+            </a:extLst>
+          </p:cNvPr>
+          <p:cNvSpPr>
+            <a:spLocks noGrp="1"/>
+          </p:cNvSpPr>
+          <p:nvPr>
+            <p:ph type="ftr" sz="quarter" idx="11"/>
+          </p:nvPr>
+        </p:nvSpPr>
+        <p:spPr>
+          <a:xfrm>
+            <a:off x="4046551" y="6380204"/>
+            <a:ext cx="4114800" cy="365125"/>
+          </a:xfrm>
+        </p:spPr>
+        <p:txBody>
+          <a:bodyPr/>
+          <a:lstStyle/>
+          <a:p>
+            <a:r>
+              <a:rPr lang="en-GB"/>
+              <a:t>Self-efficacy beliefs and participatory SDE || Dani Gargya || 06.03.24</a:t>
+            </a:r>
+          </a:p>
+        </p:txBody>
+      </p:sp>
+      <p:pic>
+        <p:nvPicPr>
+          <p:cNvPr id="6" name="Picture 5" descr="A group of bar graphs&#10;&#10;Description automatically generated with medium confidence">
+            <a:extLst>
+              <a:ext uri="{FF2B5EF4-FFF2-40B4-BE49-F238E27FC236}">
+                <a16:creationId xmlns:a16="http://schemas.microsoft.com/office/drawing/2014/main" id="{BA240F57-1876-F590-6E42-D5A52A19868D}"/>
+              </a:ext>
+            </a:extLst>
+          </p:cNvPr>
+          <p:cNvPicPr>
+            <a:picLocks noChangeAspect="1"/>
+          </p:cNvPicPr>
+          <p:nvPr/>
+        </p:nvPicPr>
+        <p:blipFill>
+          <a:blip r:embed="rId2">
+            <a:extLst>
+              <a:ext uri="{28A0092B-C50C-407E-A947-70E740481C1C}">
+                <a14:useLocalDpi xmlns:a14="http://schemas.microsoft.com/office/drawing/2010/main" val="0"/>
+              </a:ext>
+            </a:extLst>
+          </a:blip>
+          <a:stretch>
+            <a:fillRect/>
+          </a:stretch>
+        </p:blipFill>
+        <p:spPr>
+          <a:xfrm>
+            <a:off x="2720664" y="1142995"/>
+            <a:ext cx="6400813" cy="4572009"/>
+          </a:xfrm>
+          <a:prstGeom prst="rect">
+            <a:avLst/>
+          </a:prstGeom>
+        </p:spPr>
+      </p:pic>
+      <p:sp>
+        <p:nvSpPr>
+          <p:cNvPr id="7" name="TextBox 6">
+            <a:extLst>
+              <a:ext uri="{FF2B5EF4-FFF2-40B4-BE49-F238E27FC236}">
+                <a16:creationId xmlns:a16="http://schemas.microsoft.com/office/drawing/2014/main" id="{84770054-ADC7-BEAC-365E-547648854DC9}"/>
+              </a:ext>
+            </a:extLst>
+          </p:cNvPr>
+          <p:cNvSpPr txBox="1"/>
+          <p:nvPr/>
+        </p:nvSpPr>
+        <p:spPr>
+          <a:xfrm>
+            <a:off x="4810539" y="1518700"/>
+            <a:ext cx="890546" cy="276999"/>
+          </a:xfrm>
+          <a:prstGeom prst="rect">
+            <a:avLst/>
+          </a:prstGeom>
+          <a:noFill/>
+        </p:spPr>
+        <p:txBody>
+          <a:bodyPr wrap="square" rtlCol="0">
+            <a:spAutoFit/>
+          </a:bodyPr>
+          <a:lstStyle/>
+          <a:p>
+            <a:r>
+              <a:rPr lang="en-GB" sz="1200" dirty="0"/>
+              <a:t>n = 42 </a:t>
+            </a:r>
+          </a:p>
+        </p:txBody>
+      </p:sp>
+      <p:sp>
+        <p:nvSpPr>
+          <p:cNvPr id="8" name="TextBox 7">
+            <a:extLst>
+              <a:ext uri="{FF2B5EF4-FFF2-40B4-BE49-F238E27FC236}">
+                <a16:creationId xmlns:a16="http://schemas.microsoft.com/office/drawing/2014/main" id="{1403956E-C779-2969-B29B-725F552920CE}"/>
+              </a:ext>
+            </a:extLst>
+          </p:cNvPr>
+          <p:cNvSpPr txBox="1"/>
+          <p:nvPr/>
+        </p:nvSpPr>
+        <p:spPr>
+          <a:xfrm>
+            <a:off x="7467600" y="1518699"/>
+            <a:ext cx="890546" cy="276999"/>
+          </a:xfrm>
+          <a:prstGeom prst="rect">
+            <a:avLst/>
+          </a:prstGeom>
+          <a:noFill/>
+        </p:spPr>
+        <p:txBody>
+          <a:bodyPr wrap="square" rtlCol="0">
+            <a:spAutoFit/>
+          </a:bodyPr>
+          <a:lstStyle/>
+          <a:p>
+            <a:r>
+              <a:rPr lang="en-GB" sz="1200" dirty="0"/>
+              <a:t>n = 7 </a:t>
+            </a:r>
+          </a:p>
+        </p:txBody>
+      </p:sp>
+    </p:spTree>
+    <p:extLst>
+      <p:ext uri="{BB962C8B-B14F-4D97-AF65-F5344CB8AC3E}">
+        <p14:creationId xmlns:p14="http://schemas.microsoft.com/office/powerpoint/2010/main" val="641937692"/>
+      </p:ext>
+    </p:extLst>
+  </p:cSld>
+  <p:clrMapOvr>
+    <a:masterClrMapping/>
+  </p:clrMapOvr>
+</p:sld>
+</file>
+
+<file path=ppt/slides/slide22.xml><?xml version="1.0" encoding="utf-8"?>
+<p:sld xmlns:a="http://schemas.openxmlformats.org/drawingml/2006/main" xmlns:r="http://schemas.openxmlformats.org/officeDocument/2006/relationships" xmlns:p="http://schemas.openxmlformats.org/presentationml/2006/main">
+  <p:cSld>
+    <p:spTree>
+      <p:nvGrpSpPr>
+        <p:cNvPr id="1" name=""/>
+        <p:cNvGrpSpPr/>
+        <p:nvPr/>
+      </p:nvGrpSpPr>
+      <p:grpSpPr>
+        <a:xfrm>
+          <a:off x="0" y="0"/>
+          <a:ext cx="0" cy="0"/>
+          <a:chOff x="0" y="0"/>
+          <a:chExt cx="0" cy="0"/>
+        </a:xfrm>
+      </p:grpSpPr>
+      <p:sp>
+        <p:nvSpPr>
+          <p:cNvPr id="4" name="Footer Placeholder 3">
+            <a:extLst>
+              <a:ext uri="{FF2B5EF4-FFF2-40B4-BE49-F238E27FC236}">
+                <a16:creationId xmlns:a16="http://schemas.microsoft.com/office/drawing/2014/main" id="{E8571D27-5827-5BAF-A1BF-B7CCCA4D0743}"/>
+              </a:ext>
+            </a:extLst>
+          </p:cNvPr>
+          <p:cNvSpPr>
+            <a:spLocks noGrp="1"/>
+          </p:cNvSpPr>
+          <p:nvPr>
+            <p:ph type="ftr" sz="quarter" idx="11"/>
+          </p:nvPr>
+        </p:nvSpPr>
+        <p:spPr/>
+        <p:txBody>
+          <a:bodyPr/>
+          <a:lstStyle/>
+          <a:p>
+            <a:r>
+              <a:rPr lang="en-GB"/>
+              <a:t>Self-efficacy beliefs and participatory SDE || Dani Gargya || 06.03.24</a:t>
+            </a:r>
+          </a:p>
+        </p:txBody>
+      </p:sp>
+      <p:pic>
+        <p:nvPicPr>
+          <p:cNvPr id="6" name="Picture 5" descr="A graph of a group of people&#10;&#10;Description automatically generated with medium confidence">
+            <a:extLst>
+              <a:ext uri="{FF2B5EF4-FFF2-40B4-BE49-F238E27FC236}">
+                <a16:creationId xmlns:a16="http://schemas.microsoft.com/office/drawing/2014/main" id="{7BE44954-08E7-1036-9AC1-4E84E08B2527}"/>
+              </a:ext>
+            </a:extLst>
+          </p:cNvPr>
+          <p:cNvPicPr>
+            <a:picLocks noChangeAspect="1"/>
+          </p:cNvPicPr>
+          <p:nvPr/>
+        </p:nvPicPr>
+        <p:blipFill>
+          <a:blip r:embed="rId2">
+            <a:extLst>
+              <a:ext uri="{28A0092B-C50C-407E-A947-70E740481C1C}">
+                <a14:useLocalDpi xmlns:a14="http://schemas.microsoft.com/office/drawing/2010/main" val="0"/>
+              </a:ext>
+            </a:extLst>
+          </a:blip>
+          <a:stretch>
+            <a:fillRect/>
+          </a:stretch>
+        </p:blipFill>
+        <p:spPr>
+          <a:xfrm>
+            <a:off x="2744518" y="1142995"/>
+            <a:ext cx="6400813" cy="4572009"/>
+          </a:xfrm>
+          <a:prstGeom prst="rect">
+            <a:avLst/>
+          </a:prstGeom>
+        </p:spPr>
+      </p:pic>
+      <p:sp>
+        <p:nvSpPr>
+          <p:cNvPr id="7" name="TextBox 6">
+            <a:extLst>
+              <a:ext uri="{FF2B5EF4-FFF2-40B4-BE49-F238E27FC236}">
+                <a16:creationId xmlns:a16="http://schemas.microsoft.com/office/drawing/2014/main" id="{B89B68C7-318B-59C9-B7D8-C48E9BD93C5E}"/>
+              </a:ext>
+            </a:extLst>
+          </p:cNvPr>
+          <p:cNvSpPr txBox="1"/>
+          <p:nvPr/>
+        </p:nvSpPr>
+        <p:spPr>
+          <a:xfrm>
+            <a:off x="4810539" y="1518700"/>
+            <a:ext cx="890546" cy="276999"/>
+          </a:xfrm>
+          <a:prstGeom prst="rect">
+            <a:avLst/>
+          </a:prstGeom>
+          <a:noFill/>
+        </p:spPr>
+        <p:txBody>
+          <a:bodyPr wrap="square" rtlCol="0">
+            <a:spAutoFit/>
+          </a:bodyPr>
+          <a:lstStyle/>
+          <a:p>
+            <a:r>
+              <a:rPr lang="en-GB" sz="1200" dirty="0"/>
+              <a:t>n = 42 </a:t>
+            </a:r>
+          </a:p>
+        </p:txBody>
+      </p:sp>
+      <p:sp>
+        <p:nvSpPr>
+          <p:cNvPr id="8" name="TextBox 7">
+            <a:extLst>
+              <a:ext uri="{FF2B5EF4-FFF2-40B4-BE49-F238E27FC236}">
+                <a16:creationId xmlns:a16="http://schemas.microsoft.com/office/drawing/2014/main" id="{243ED725-0A88-0382-67D5-73D92D4CF77E}"/>
+              </a:ext>
+            </a:extLst>
+          </p:cNvPr>
+          <p:cNvSpPr txBox="1"/>
+          <p:nvPr/>
+        </p:nvSpPr>
+        <p:spPr>
+          <a:xfrm>
+            <a:off x="7467600" y="1518699"/>
+            <a:ext cx="890546" cy="276999"/>
+          </a:xfrm>
+          <a:prstGeom prst="rect">
+            <a:avLst/>
+          </a:prstGeom>
+          <a:noFill/>
+        </p:spPr>
+        <p:txBody>
+          <a:bodyPr wrap="square" rtlCol="0">
+            <a:spAutoFit/>
+          </a:bodyPr>
+          <a:lstStyle/>
+          <a:p>
+            <a:r>
+              <a:rPr lang="en-GB" sz="1200" dirty="0"/>
+              <a:t>n = 7 </a:t>
+            </a:r>
+          </a:p>
+        </p:txBody>
+      </p:sp>
+      <p:pic>
+        <p:nvPicPr>
+          <p:cNvPr id="10" name="Picture 9">
+            <a:extLst>
+              <a:ext uri="{FF2B5EF4-FFF2-40B4-BE49-F238E27FC236}">
+                <a16:creationId xmlns:a16="http://schemas.microsoft.com/office/drawing/2014/main" id="{A122C5EA-7C1D-F7BA-0B21-88F30C1ED7E7}"/>
+              </a:ext>
+            </a:extLst>
+          </p:cNvPr>
+          <p:cNvPicPr>
+            <a:picLocks noChangeAspect="1"/>
+          </p:cNvPicPr>
+          <p:nvPr/>
+        </p:nvPicPr>
+        <p:blipFill>
+          <a:blip r:embed="rId3"/>
+          <a:stretch>
+            <a:fillRect/>
+          </a:stretch>
+        </p:blipFill>
+        <p:spPr>
+          <a:xfrm>
+            <a:off x="8219987" y="1640089"/>
+            <a:ext cx="114306" cy="139707"/>
+          </a:xfrm>
+          <a:prstGeom prst="rect">
+            <a:avLst/>
+          </a:prstGeom>
+        </p:spPr>
+      </p:pic>
+    </p:spTree>
+    <p:extLst>
+      <p:ext uri="{BB962C8B-B14F-4D97-AF65-F5344CB8AC3E}">
+        <p14:creationId xmlns:p14="http://schemas.microsoft.com/office/powerpoint/2010/main" val="3260788118"/>
       </p:ext>
     </p:extLst>
   </p:cSld>
@@ -8440,8 +14912,8 @@
         </p:nvSpPr>
         <p:spPr>
           <a:xfrm>
-            <a:off x="5117370" y="6530281"/>
-            <a:ext cx="512760" cy="369332"/>
+            <a:off x="5011039" y="6530281"/>
+            <a:ext cx="689143" cy="369332"/>
           </a:xfrm>
           <a:prstGeom prst="rect">
             <a:avLst/>
@@ -8463,7 +14935,7 @@
                   </a:schemeClr>
                 </a:solidFill>
               </a:rPr>
-              <a:t>t1</a:t>
+              <a:t>MP2</a:t>
             </a:r>
           </a:p>
         </p:txBody>
@@ -8483,7 +14955,7 @@
         <p:spPr>
           <a:xfrm>
             <a:off x="8787330" y="6512837"/>
-            <a:ext cx="1956670" cy="369332"/>
+            <a:ext cx="2185470" cy="369332"/>
           </a:xfrm>
           <a:prstGeom prst="rect">
             <a:avLst/>
@@ -8505,7 +14977,7 @@
                   </a:schemeClr>
                 </a:solidFill>
               </a:rPr>
-              <a:t>t2 (one year later)</a:t>
+              <a:t>MP3 (one year later)</a:t>
             </a:r>
           </a:p>
         </p:txBody>
@@ -8525,9 +14997,9 @@
         <p:grpSpPr>
           <a:xfrm>
             <a:off x="0" y="1154764"/>
-            <a:ext cx="11677920" cy="5738038"/>
+            <a:ext cx="11619055" cy="5738038"/>
             <a:chOff x="0" y="1154764"/>
-            <a:chExt cx="11677920" cy="5738038"/>
+            <a:chExt cx="11619055" cy="5738038"/>
           </a:xfrm>
         </p:grpSpPr>
         <p:sp>
@@ -8545,7 +15017,7 @@
           <p:spPr>
             <a:xfrm>
               <a:off x="1448000" y="6523470"/>
-              <a:ext cx="512760" cy="369332"/>
+              <a:ext cx="689144" cy="369332"/>
             </a:xfrm>
             <a:prstGeom prst="rect">
               <a:avLst/>
@@ -8567,7 +15039,7 @@
                     </a:schemeClr>
                   </a:solidFill>
                 </a:rPr>
-                <a:t>t0</a:t>
+                <a:t>MP1</a:t>
               </a:r>
             </a:p>
           </p:txBody>
@@ -8587,9 +15059,9 @@
           <p:grpSpPr>
             <a:xfrm>
               <a:off x="0" y="1154764"/>
-              <a:ext cx="11677920" cy="5715101"/>
+              <a:ext cx="11619055" cy="5715101"/>
               <a:chOff x="0" y="1154764"/>
-              <a:chExt cx="11677920" cy="5715101"/>
+              <a:chExt cx="11619055" cy="5715101"/>
             </a:xfrm>
           </p:grpSpPr>
           <p:pic>
@@ -8646,9 +15118,9 @@
             <p:grpSpPr>
               <a:xfrm>
                 <a:off x="634647" y="1154764"/>
-                <a:ext cx="11043273" cy="5257901"/>
+                <a:ext cx="10984408" cy="5257901"/>
                 <a:chOff x="634647" y="1154764"/>
-                <a:chExt cx="11043273" cy="5257901"/>
+                <a:chExt cx="10984408" cy="5257901"/>
               </a:xfrm>
             </p:grpSpPr>
             <p:cxnSp>
@@ -9259,7 +15731,7 @@
               </p:blipFill>
               <p:spPr>
                 <a:xfrm>
-                  <a:off x="10896128" y="4120461"/>
+                  <a:off x="10837263" y="4120461"/>
                   <a:ext cx="781792" cy="738962"/>
                 </a:xfrm>
                 <a:prstGeom prst="rect">
@@ -9996,7 +16468,7 @@
               </p:nvSpPr>
               <p:spPr>
                 <a:xfrm>
-                  <a:off x="10103532" y="4523157"/>
+                  <a:off x="9955001" y="3630242"/>
                   <a:ext cx="553798" cy="461665"/>
                 </a:xfrm>
                 <a:prstGeom prst="rect">
@@ -10031,10 +16503,10 @@
               </p:nvGrpSpPr>
               <p:grpSpPr>
                 <a:xfrm rot="10800000">
-                  <a:off x="769674" y="3050183"/>
-                  <a:ext cx="8108806" cy="457283"/>
-                  <a:chOff x="1502501" y="4307355"/>
-                  <a:chExt cx="8108806" cy="457283"/>
+                  <a:off x="1601837" y="3007555"/>
+                  <a:ext cx="7297909" cy="499911"/>
+                  <a:chOff x="1481235" y="4307355"/>
+                  <a:chExt cx="7297909" cy="499911"/>
                 </a:xfrm>
               </p:grpSpPr>
               <p:cxnSp>
@@ -10053,8 +16525,8 @@
                 </p:nvCxnSpPr>
                 <p:spPr>
                   <a:xfrm rot="10800000" flipH="1" flipV="1">
-                    <a:off x="1527900" y="4751938"/>
-                    <a:ext cx="8083407" cy="12539"/>
+                    <a:off x="1496001" y="4773204"/>
+                    <a:ext cx="7283143" cy="34062"/>
                   </a:xfrm>
                   <a:prstGeom prst="line">
                     <a:avLst/>
@@ -10140,7 +16612,7 @@
                 </p:nvSpPr>
                 <p:spPr>
                   <a:xfrm rot="16200000">
-                    <a:off x="1335206" y="4487350"/>
+                    <a:off x="1313940" y="4497983"/>
                     <a:ext cx="444583" cy="109994"/>
                   </a:xfrm>
                   <a:prstGeom prst="rightArrow">
@@ -10241,7 +16713,7 @@
               </p:nvSpPr>
               <p:spPr>
                 <a:xfrm rot="5400000">
-                  <a:off x="4436520" y="3246608"/>
+                  <a:off x="4436520" y="3214709"/>
                   <a:ext cx="444583" cy="109994"/>
                 </a:xfrm>
                 <a:prstGeom prst="rightArrow">
@@ -10291,7 +16763,7 @@
               </p:nvSpPr>
               <p:spPr>
                 <a:xfrm rot="5400000">
-                  <a:off x="1347646" y="3196115"/>
+                  <a:off x="1379545" y="3164216"/>
                   <a:ext cx="444583" cy="109994"/>
                 </a:xfrm>
                 <a:prstGeom prst="rightArrow">
@@ -10341,7 +16813,7 @@
               </p:nvSpPr>
               <p:spPr>
                 <a:xfrm>
-                  <a:off x="8371341" y="2556280"/>
+                  <a:off x="10169631" y="4499536"/>
                   <a:ext cx="553798" cy="461665"/>
                 </a:xfrm>
                 <a:prstGeom prst="rect">
@@ -10455,6 +16927,51 @@
           </a:extLst>
         </p:spPr>
       </p:pic>
+      <p:cxnSp>
+        <p:nvCxnSpPr>
+          <p:cNvPr id="7" name="Straight Arrow Connector 6">
+            <a:extLst>
+              <a:ext uri="{FF2B5EF4-FFF2-40B4-BE49-F238E27FC236}">
+                <a16:creationId xmlns:a16="http://schemas.microsoft.com/office/drawing/2014/main" id="{C638E611-E225-58D6-8C95-0D891F4595F6}"/>
+              </a:ext>
+            </a:extLst>
+          </p:cNvPr>
+          <p:cNvCxnSpPr>
+            <a:cxnSpLocks/>
+          </p:cNvCxnSpPr>
+          <p:nvPr/>
+        </p:nvCxnSpPr>
+        <p:spPr>
+          <a:xfrm>
+            <a:off x="9300213" y="3780648"/>
+            <a:ext cx="1460538" cy="546803"/>
+          </a:xfrm>
+          <a:prstGeom prst="straightConnector1">
+            <a:avLst/>
+          </a:prstGeom>
+          <a:ln w="44450">
+            <a:solidFill>
+              <a:schemeClr val="tx1"/>
+            </a:solidFill>
+            <a:headEnd type="triangle"/>
+            <a:tailEnd type="triangle"/>
+          </a:ln>
+        </p:spPr>
+        <p:style>
+          <a:lnRef idx="2">
+            <a:schemeClr val="dk1"/>
+          </a:lnRef>
+          <a:fillRef idx="0">
+            <a:schemeClr val="dk1"/>
+          </a:fillRef>
+          <a:effectRef idx="1">
+            <a:schemeClr val="dk1"/>
+          </a:effectRef>
+          <a:fontRef idx="minor">
+            <a:schemeClr val="tx1"/>
+          </a:fontRef>
+        </p:style>
+      </p:cxnSp>
     </p:spTree>
     <p:extLst>
       <p:ext uri="{BB962C8B-B14F-4D97-AF65-F5344CB8AC3E}">
@@ -10880,7 +17397,7 @@
           <a:p>
             <a:r>
               <a:rPr lang="en-GB" sz="1200" dirty="0"/>
-              <a:t>Sustainability attitude &amp; behaviour</a:t>
+              <a:t>Sustainability attitudes &amp; behaviours</a:t>
             </a:r>
           </a:p>
         </p:txBody>
@@ -10934,7 +17451,7 @@
         </p:nvCxnSpPr>
         <p:spPr>
           <a:xfrm flipV="1">
-            <a:off x="1228946" y="3550979"/>
+            <a:off x="1228946" y="3497814"/>
             <a:ext cx="1358900" cy="482600"/>
           </a:xfrm>
           <a:prstGeom prst="straightConnector1">
@@ -10976,10 +17493,10 @@
         </p:nvGrpSpPr>
         <p:grpSpPr>
           <a:xfrm>
-            <a:off x="7787751" y="2365803"/>
-            <a:ext cx="2646069" cy="2320345"/>
-            <a:chOff x="4310578" y="2344241"/>
-            <a:chExt cx="2646069" cy="2320345"/>
+            <a:off x="1264215" y="2365803"/>
+            <a:ext cx="9169605" cy="2415531"/>
+            <a:chOff x="-2212958" y="2344241"/>
+            <a:chExt cx="9169605" cy="2415531"/>
           </a:xfrm>
         </p:grpSpPr>
         <p:grpSp>
@@ -11093,8 +17610,8 @@
           </p:nvSpPr>
           <p:spPr>
             <a:xfrm rot="16200000">
-              <a:off x="3614311" y="3229656"/>
-              <a:ext cx="1854200" cy="461665"/>
+              <a:off x="3638490" y="3337752"/>
+              <a:ext cx="1854200" cy="276999"/>
             </a:xfrm>
             <a:prstGeom prst="rect">
               <a:avLst/>
@@ -11109,42 +17626,7 @@
             <a:p>
               <a:r>
                 <a:rPr lang="en-GB" sz="1200" dirty="0"/>
-                <a:t>Sustainability attitude &amp; behaviour // Self-efficacy</a:t>
-              </a:r>
-            </a:p>
-          </p:txBody>
-        </p:sp>
-        <p:sp>
-          <p:nvSpPr>
-            <p:cNvPr id="19" name="TextBox 18">
-              <a:extLst>
-                <a:ext uri="{FF2B5EF4-FFF2-40B4-BE49-F238E27FC236}">
-                  <a16:creationId xmlns:a16="http://schemas.microsoft.com/office/drawing/2014/main" id="{9187F8AD-ABB7-C274-2AAF-7D77756D129E}"/>
-                </a:ext>
-              </a:extLst>
-            </p:cNvPr>
-            <p:cNvSpPr txBox="1"/>
-            <p:nvPr/>
-          </p:nvSpPr>
-          <p:spPr>
-            <a:xfrm>
-              <a:off x="4734146" y="4387587"/>
-              <a:ext cx="812800" cy="276999"/>
-            </a:xfrm>
-            <a:prstGeom prst="rect">
-              <a:avLst/>
-            </a:prstGeom>
-            <a:noFill/>
-          </p:spPr>
-          <p:txBody>
-            <a:bodyPr wrap="square" rtlCol="0">
-              <a:spAutoFit/>
-            </a:bodyPr>
-            <a:lstStyle/>
-            <a:p>
-              <a:r>
-                <a:rPr lang="en-GB" sz="1200" dirty="0"/>
-                <a:t>Time</a:t>
+                <a:t>Efficacy beliefs</a:t>
               </a:r>
             </a:p>
           </p:txBody>
@@ -11179,55 +17661,11 @@
             <a:p>
               <a:r>
                 <a:rPr lang="en-GB" dirty="0"/>
-                <a:t>3. GROUP-SPECIFIC</a:t>
+                <a:t>3. COMPLEMENT</a:t>
               </a:r>
             </a:p>
           </p:txBody>
         </p:sp>
-        <p:cxnSp>
-          <p:nvCxnSpPr>
-            <p:cNvPr id="27" name="Straight Arrow Connector 26">
-              <a:extLst>
-                <a:ext uri="{FF2B5EF4-FFF2-40B4-BE49-F238E27FC236}">
-                  <a16:creationId xmlns:a16="http://schemas.microsoft.com/office/drawing/2014/main" id="{176ED3EE-0EC9-1A63-E71E-0F956AA6D8DC}"/>
-                </a:ext>
-              </a:extLst>
-            </p:cNvPr>
-            <p:cNvCxnSpPr>
-              <a:cxnSpLocks/>
-            </p:cNvCxnSpPr>
-            <p:nvPr/>
-          </p:nvCxnSpPr>
-          <p:spPr>
-            <a:xfrm flipV="1">
-              <a:off x="4886546" y="3344324"/>
-              <a:ext cx="1290933" cy="663855"/>
-            </a:xfrm>
-            <a:prstGeom prst="straightConnector1">
-              <a:avLst/>
-            </a:prstGeom>
-            <a:ln w="38100">
-              <a:solidFill>
-                <a:srgbClr val="D95F02"/>
-              </a:solidFill>
-              <a:tailEnd type="triangle"/>
-            </a:ln>
-          </p:spPr>
-          <p:style>
-            <a:lnRef idx="2">
-              <a:schemeClr val="accent1"/>
-            </a:lnRef>
-            <a:fillRef idx="0">
-              <a:schemeClr val="accent1"/>
-            </a:fillRef>
-            <a:effectRef idx="1">
-              <a:schemeClr val="accent1"/>
-            </a:effectRef>
-            <a:fontRef idx="minor">
-              <a:schemeClr val="tx1"/>
-            </a:fontRef>
-          </p:style>
-        </p:cxnSp>
         <p:cxnSp>
           <p:nvCxnSpPr>
             <p:cNvPr id="31" name="Straight Arrow Connector 30">
@@ -11244,8 +17682,8 @@
           </p:nvCxnSpPr>
           <p:spPr>
             <a:xfrm flipV="1">
-              <a:off x="5006252" y="3852474"/>
-              <a:ext cx="1100959" cy="336794"/>
+              <a:off x="-2212958" y="3944665"/>
+              <a:ext cx="1273133" cy="202530"/>
             </a:xfrm>
             <a:prstGeom prst="straightConnector1">
               <a:avLst/>
@@ -11302,8 +17740,8 @@
           </p:blipFill>
           <p:spPr>
             <a:xfrm>
-              <a:off x="6137077" y="3636109"/>
-              <a:ext cx="330911" cy="432730"/>
+              <a:off x="5617480" y="4421718"/>
+              <a:ext cx="258512" cy="338054"/>
             </a:xfrm>
             <a:prstGeom prst="rect">
               <a:avLst/>
@@ -11340,7 +17778,7 @@
           </p:blipFill>
           <p:spPr>
             <a:xfrm>
-              <a:off x="6177479" y="3156564"/>
+              <a:off x="-815723" y="3242038"/>
               <a:ext cx="250107" cy="327063"/>
             </a:xfrm>
             <a:prstGeom prst="rect">
@@ -11516,7 +17954,7 @@
           <p:spPr>
             <a:xfrm>
               <a:off x="8429845" y="4389631"/>
-              <a:ext cx="1117757" cy="276999"/>
+              <a:ext cx="1335026" cy="276999"/>
             </a:xfrm>
             <a:prstGeom prst="rect">
               <a:avLst/>
@@ -11531,7 +17969,7 @@
             <a:p>
               <a:r>
                 <a:rPr lang="en-GB" sz="1200" dirty="0"/>
-                <a:t>Self-efficacy</a:t>
+                <a:t>Efficacy beliefs</a:t>
               </a:r>
             </a:p>
           </p:txBody>
@@ -11566,7 +18004,7 @@
             <a:p>
               <a:r>
                 <a:rPr lang="en-GB" sz="1200" dirty="0"/>
-                <a:t>Sustainability attitude &amp; behaviour </a:t>
+                <a:t>Sustainability attitudes &amp; behaviours </a:t>
               </a:r>
             </a:p>
           </p:txBody>
@@ -11580,62 +18018,22 @@
                 </a:ext>
               </a:extLst>
             </p:cNvPr>
-            <p:cNvCxnSpPr/>
+            <p:cNvCxnSpPr>
+              <a:cxnSpLocks/>
+            </p:cNvCxnSpPr>
             <p:nvPr/>
           </p:nvCxnSpPr>
           <p:spPr>
             <a:xfrm flipV="1">
-              <a:off x="8486996" y="3483627"/>
-              <a:ext cx="1358900" cy="482600"/>
+              <a:off x="8562896" y="3483627"/>
+              <a:ext cx="1283000" cy="685130"/>
             </a:xfrm>
             <a:prstGeom prst="straightConnector1">
               <a:avLst/>
             </a:prstGeom>
             <a:ln w="38100">
               <a:solidFill>
-                <a:srgbClr val="1B9E77"/>
-              </a:solidFill>
-              <a:tailEnd type="triangle"/>
-            </a:ln>
-          </p:spPr>
-          <p:style>
-            <a:lnRef idx="2">
-              <a:schemeClr val="accent1"/>
-            </a:lnRef>
-            <a:fillRef idx="0">
-              <a:schemeClr val="accent1"/>
-            </a:fillRef>
-            <a:effectRef idx="1">
-              <a:schemeClr val="accent1"/>
-            </a:effectRef>
-            <a:fontRef idx="minor">
-              <a:schemeClr val="tx1"/>
-            </a:fontRef>
-          </p:style>
-        </p:cxnSp>
-        <p:cxnSp>
-          <p:nvCxnSpPr>
-            <p:cNvPr id="40" name="Straight Arrow Connector 39">
-              <a:extLst>
-                <a:ext uri="{FF2B5EF4-FFF2-40B4-BE49-F238E27FC236}">
-                  <a16:creationId xmlns:a16="http://schemas.microsoft.com/office/drawing/2014/main" id="{8403DEC6-CDF2-65F6-5C6D-91FBBF2B5CFD}"/>
-                </a:ext>
-              </a:extLst>
-            </p:cNvPr>
-            <p:cNvCxnSpPr/>
-            <p:nvPr/>
-          </p:nvCxnSpPr>
-          <p:spPr>
-            <a:xfrm flipV="1">
-              <a:off x="8486996" y="3590663"/>
-              <a:ext cx="1358900" cy="482600"/>
-            </a:xfrm>
-            <a:prstGeom prst="straightConnector1">
-              <a:avLst/>
-            </a:prstGeom>
-            <a:ln w="38100">
-              <a:solidFill>
-                <a:srgbClr val="E6AB02"/>
+                <a:srgbClr val="A6761D"/>
               </a:solidFill>
               <a:tailEnd type="triangle"/>
             </a:ln>
@@ -11686,7 +18084,7 @@
           </p:blipFill>
           <p:spPr>
             <a:xfrm>
-              <a:off x="9903045" y="3216760"/>
+              <a:off x="9903045" y="3089164"/>
               <a:ext cx="393729" cy="309216"/>
             </a:xfrm>
             <a:prstGeom prst="rect">
@@ -11725,7 +18123,7 @@
           </p:blipFill>
           <p:spPr>
             <a:xfrm>
-              <a:off x="9873178" y="3508268"/>
+              <a:off x="9926343" y="3455103"/>
               <a:ext cx="355439" cy="335966"/>
             </a:xfrm>
             <a:prstGeom prst="rect">
@@ -11814,6 +18212,190 @@
           </a:extLst>
         </p:spPr>
       </p:pic>
+      <p:pic>
+        <p:nvPicPr>
+          <p:cNvPr id="29" name="Graphic 28" descr="Children with solid fill">
+            <a:extLst>
+              <a:ext uri="{FF2B5EF4-FFF2-40B4-BE49-F238E27FC236}">
+                <a16:creationId xmlns:a16="http://schemas.microsoft.com/office/drawing/2014/main" id="{5D87EA8C-8777-EA66-C2F5-122482201861}"/>
+              </a:ext>
+            </a:extLst>
+          </p:cNvPr>
+          <p:cNvPicPr>
+            <a:picLocks noChangeAspect="1"/>
+          </p:cNvPicPr>
+          <p:nvPr/>
+        </p:nvPicPr>
+        <p:blipFill rotWithShape="1">
+          <a:blip r:embed="rId4">
+            <a:extLst>
+              <a:ext uri="{28A0092B-C50C-407E-A947-70E740481C1C}">
+                <a14:useLocalDpi xmlns:a14="http://schemas.microsoft.com/office/drawing/2010/main" val="0"/>
+              </a:ext>
+              <a:ext uri="{96DAC541-7B7A-43D3-8B79-37D633B846F1}">
+                <asvg:svgBlip xmlns:asvg="http://schemas.microsoft.com/office/drawing/2016/SVG/main" r:embed="rId5"/>
+              </a:ext>
+            </a:extLst>
+          </a:blip>
+          <a:srcRect l="-4307" t="13582" r="50140" b="19489"/>
+          <a:stretch/>
+        </p:blipFill>
+        <p:spPr>
+          <a:xfrm>
+            <a:off x="8470508" y="4443280"/>
+            <a:ext cx="250107" cy="327063"/>
+          </a:xfrm>
+          <a:prstGeom prst="rect">
+            <a:avLst/>
+          </a:prstGeom>
+        </p:spPr>
+      </p:pic>
+      <p:pic>
+        <p:nvPicPr>
+          <p:cNvPr id="30" name="Graphic 29" descr="Children outline">
+            <a:extLst>
+              <a:ext uri="{FF2B5EF4-FFF2-40B4-BE49-F238E27FC236}">
+                <a16:creationId xmlns:a16="http://schemas.microsoft.com/office/drawing/2014/main" id="{CD46FE25-7CC7-017A-1147-5725DB81793C}"/>
+              </a:ext>
+            </a:extLst>
+          </p:cNvPr>
+          <p:cNvPicPr>
+            <a:picLocks noChangeAspect="1"/>
+          </p:cNvPicPr>
+          <p:nvPr/>
+        </p:nvPicPr>
+        <p:blipFill rotWithShape="1">
+          <a:blip r:embed="rId2">
+            <a:extLst>
+              <a:ext uri="{28A0092B-C50C-407E-A947-70E740481C1C}">
+                <a14:useLocalDpi xmlns:a14="http://schemas.microsoft.com/office/drawing/2010/main" val="0"/>
+              </a:ext>
+              <a:ext uri="{96DAC541-7B7A-43D3-8B79-37D633B846F1}">
+                <asvg:svgBlip xmlns:asvg="http://schemas.microsoft.com/office/drawing/2016/SVG/main" r:embed="rId3"/>
+              </a:ext>
+            </a:extLst>
+          </a:blip>
+          <a:srcRect l="-1" t="16365" r="48820" b="16706"/>
+          <a:stretch/>
+        </p:blipFill>
+        <p:spPr>
+          <a:xfrm>
+            <a:off x="2661450" y="3797200"/>
+            <a:ext cx="258512" cy="338054"/>
+          </a:xfrm>
+          <a:prstGeom prst="rect">
+            <a:avLst/>
+          </a:prstGeom>
+        </p:spPr>
+      </p:pic>
+      <p:sp>
+        <p:nvSpPr>
+          <p:cNvPr id="32" name="Rectangle 31">
+            <a:extLst>
+              <a:ext uri="{FF2B5EF4-FFF2-40B4-BE49-F238E27FC236}">
+                <a16:creationId xmlns:a16="http://schemas.microsoft.com/office/drawing/2014/main" id="{074F5931-363A-2A1A-0A43-D8BEC8B0AE91}"/>
+              </a:ext>
+            </a:extLst>
+          </p:cNvPr>
+          <p:cNvSpPr/>
+          <p:nvPr/>
+        </p:nvSpPr>
+        <p:spPr>
+          <a:xfrm>
+            <a:off x="8518689" y="3264394"/>
+            <a:ext cx="240094" cy="1018738"/>
+          </a:xfrm>
+          <a:prstGeom prst="rect">
+            <a:avLst/>
+          </a:prstGeom>
+          <a:solidFill>
+            <a:srgbClr val="D95F02"/>
+          </a:solidFill>
+          <a:ln>
+            <a:solidFill>
+              <a:srgbClr val="D95F02"/>
+            </a:solidFill>
+          </a:ln>
+        </p:spPr>
+        <p:style>
+          <a:lnRef idx="2">
+            <a:schemeClr val="accent1">
+              <a:shade val="15000"/>
+            </a:schemeClr>
+          </a:lnRef>
+          <a:fillRef idx="1">
+            <a:schemeClr val="accent1"/>
+          </a:fillRef>
+          <a:effectRef idx="0">
+            <a:schemeClr val="accent1"/>
+          </a:effectRef>
+          <a:fontRef idx="minor">
+            <a:schemeClr val="lt1"/>
+          </a:fontRef>
+        </p:style>
+        <p:txBody>
+          <a:bodyPr rtlCol="0" anchor="ctr"/>
+          <a:lstStyle/>
+          <a:p>
+            <a:pPr algn="ctr"/>
+            <a:endParaRPr lang="en-GB"/>
+          </a:p>
+        </p:txBody>
+      </p:sp>
+      <p:sp>
+        <p:nvSpPr>
+          <p:cNvPr id="33" name="Rectangle 32">
+            <a:extLst>
+              <a:ext uri="{FF2B5EF4-FFF2-40B4-BE49-F238E27FC236}">
+                <a16:creationId xmlns:a16="http://schemas.microsoft.com/office/drawing/2014/main" id="{99549D3E-9775-80B8-2448-B0C002ADB85F}"/>
+              </a:ext>
+            </a:extLst>
+          </p:cNvPr>
+          <p:cNvSpPr/>
+          <p:nvPr/>
+        </p:nvSpPr>
+        <p:spPr>
+          <a:xfrm>
+            <a:off x="9113086" y="3716289"/>
+            <a:ext cx="240079" cy="560314"/>
+          </a:xfrm>
+          <a:prstGeom prst="rect">
+            <a:avLst/>
+          </a:prstGeom>
+          <a:solidFill>
+            <a:srgbClr val="E6AB02"/>
+          </a:solidFill>
+          <a:ln>
+            <a:solidFill>
+              <a:srgbClr val="E6AB02"/>
+            </a:solidFill>
+          </a:ln>
+        </p:spPr>
+        <p:style>
+          <a:lnRef idx="2">
+            <a:schemeClr val="accent1">
+              <a:shade val="15000"/>
+            </a:schemeClr>
+          </a:lnRef>
+          <a:fillRef idx="1">
+            <a:schemeClr val="accent1"/>
+          </a:fillRef>
+          <a:effectRef idx="0">
+            <a:schemeClr val="accent1"/>
+          </a:effectRef>
+          <a:fontRef idx="minor">
+            <a:schemeClr val="lt1"/>
+          </a:fontRef>
+        </p:style>
+        <p:txBody>
+          <a:bodyPr rtlCol="0" anchor="ctr"/>
+          <a:lstStyle/>
+          <a:p>
+            <a:pPr algn="ctr"/>
+            <a:endParaRPr lang="en-GB"/>
+          </a:p>
+        </p:txBody>
+      </p:sp>
     </p:spTree>
     <p:extLst>
       <p:ext uri="{BB962C8B-B14F-4D97-AF65-F5344CB8AC3E}">
